--- a/slides/ddl-w7l2.pptx
+++ b/slides/ddl-w7l2.pptx
@@ -5,23 +5,17 @@
     <p:sldMasterId id="2147483649" r:id="rId1"/>
   </p:sldMasterIdLst>
   <p:notesMasterIdLst>
-    <p:notesMasterId r:id="rId13"/>
+    <p:notesMasterId r:id="rId7"/>
   </p:notesMasterIdLst>
   <p:handoutMasterIdLst>
-    <p:handoutMasterId r:id="rId14"/>
+    <p:handoutMasterId r:id="rId8"/>
   </p:handoutMasterIdLst>
   <p:sldIdLst>
     <p:sldId id="256" r:id="rId2"/>
-    <p:sldId id="263" r:id="rId3"/>
-    <p:sldId id="264" r:id="rId4"/>
-    <p:sldId id="265" r:id="rId5"/>
-    <p:sldId id="267" r:id="rId6"/>
-    <p:sldId id="268" r:id="rId7"/>
-    <p:sldId id="269" r:id="rId8"/>
-    <p:sldId id="270" r:id="rId9"/>
-    <p:sldId id="271" r:id="rId10"/>
-    <p:sldId id="272" r:id="rId11"/>
-    <p:sldId id="275" r:id="rId12"/>
+    <p:sldId id="257" r:id="rId3"/>
+    <p:sldId id="258" r:id="rId4"/>
+    <p:sldId id="259" r:id="rId5"/>
+    <p:sldId id="260" r:id="rId6"/>
   </p:sldIdLst>
   <p:sldSz cx="9144000" cy="6858000" type="screen4x3"/>
   <p:notesSz cx="6858000" cy="9144000"/>
@@ -150,6 +144,40 @@
       </a:defRPr>
     </a:lvl9pPr>
   </p:defaultTextStyle>
+  <p:extLst>
+    <p:ext uri="{EFAFB233-063F-42B5-8137-9DF3F51BA10A}">
+      <p15:sldGuideLst xmlns:p15="http://schemas.microsoft.com/office/powerpoint/2012/main">
+        <p15:guide id="1" orient="horz" pos="2160">
+          <p15:clr>
+            <a:srgbClr val="A4A3A4"/>
+          </p15:clr>
+        </p15:guide>
+        <p15:guide id="2" orient="horz" pos="866">
+          <p15:clr>
+            <a:srgbClr val="A4A3A4"/>
+          </p15:clr>
+        </p15:guide>
+        <p15:guide id="3" pos="2880">
+          <p15:clr>
+            <a:srgbClr val="A4A3A4"/>
+          </p15:clr>
+        </p15:guide>
+        <p15:guide id="4" pos="476">
+          <p15:clr>
+            <a:srgbClr val="A4A3A4"/>
+          </p15:clr>
+        </p15:guide>
+        <p15:guide id="5" pos="1111">
+          <p15:clr>
+            <a:srgbClr val="A4A3A4"/>
+          </p15:clr>
+        </p15:guide>
+      </p15:sldGuideLst>
+    </p:ext>
+    <p:ext uri="{2D200454-40CA-4A62-9FC3-DE9A4176ACB9}">
+      <p15:notesGuideLst xmlns:p15="http://schemas.microsoft.com/office/powerpoint/2012/main"/>
+    </p:ext>
+  </p:extLst>
 </p:presentation>
 </file>
 
@@ -266,7 +294,7 @@
             <a:fld id="{373F1B60-BDF4-4D63-AD79-99D5A5B1DF99}" type="datetime1">
               <a:rPr lang="en-US"/>
               <a:pPr/>
-              <a:t>2/19/2013</a:t>
+              <a:t>12/12/2018</a:t>
             </a:fld>
             <a:endParaRPr lang="en-US"/>
           </a:p>
@@ -485,7 +513,7 @@
             <a:fld id="{4387A7AA-DFE9-4771-BEDE-3294FCEBFB02}" type="datetime1">
               <a:rPr lang="en-US"/>
               <a:pPr/>
-              <a:t>2/19/2013</a:t>
+              <a:t>12/12/2018</a:t>
             </a:fld>
             <a:endParaRPr lang="en-US"/>
           </a:p>
@@ -495,7 +523,7 @@
         <p:nvSpPr>
           <p:cNvPr id="50180" name="Rectangle 4"/>
           <p:cNvSpPr>
-            <a:spLocks noRot="1" noChangeArrowheads="1" noTextEdit="1"/>
+            <a:spLocks noGrp="1" noRot="1" noChangeAspect="1" noChangeArrowheads="1" noTextEdit="1"/>
           </p:cNvSpPr>
           <p:nvPr>
             <p:ph type="sldImg" idx="2"/>
@@ -876,7 +904,7 @@
             <a:fld id="{8541E2CD-DBF4-40F9-B6F8-EEFD0DF8A138}" type="datetime1">
               <a:rPr lang="en-US"/>
               <a:pPr/>
-              <a:t>2/19/2013</a:t>
+              <a:t>12/12/2018</a:t>
             </a:fld>
             <a:endParaRPr lang="en-US"/>
           </a:p>
@@ -936,7 +964,7 @@
         <p:nvSpPr>
           <p:cNvPr id="182274" name="Rectangle 2"/>
           <p:cNvSpPr>
-            <a:spLocks noRot="1" noChangeArrowheads="1" noTextEdit="1"/>
+            <a:spLocks noGrp="1" noRot="1" noChangeAspect="1" noChangeArrowheads="1" noTextEdit="1"/>
           </p:cNvSpPr>
           <p:nvPr>
             <p:ph type="sldImg"/>
@@ -966,1586 +994,11 @@
         </p:txBody>
       </p:sp>
     </p:spTree>
-  </p:cSld>
-  <p:clrMapOvr>
-    <a:masterClrMapping/>
-  </p:clrMapOvr>
-</p:notes>
-</file>
-
-<file path=ppt/notesSlides/notesSlide10.xml><?xml version="1.0" encoding="utf-8"?>
-<p:notes xmlns:a="http://schemas.openxmlformats.org/drawingml/2006/main" xmlns:r="http://schemas.openxmlformats.org/officeDocument/2006/relationships" xmlns:p="http://schemas.openxmlformats.org/presentationml/2006/main">
-  <p:cSld>
-    <p:spTree>
-      <p:nvGrpSpPr>
-        <p:cNvPr id="1" name=""/>
-        <p:cNvGrpSpPr/>
-        <p:nvPr/>
-      </p:nvGrpSpPr>
-      <p:grpSpPr>
-        <a:xfrm>
-          <a:off x="0" y="0"/>
-          <a:ext cx="0" cy="0"/>
-          <a:chOff x="0" y="0"/>
-          <a:chExt cx="0" cy="0"/>
-        </a:xfrm>
-      </p:grpSpPr>
-      <p:sp>
-        <p:nvSpPr>
-          <p:cNvPr id="4" name="Rectangle 2"/>
-          <p:cNvSpPr>
-            <a:spLocks noGrp="1" noChangeArrowheads="1"/>
-          </p:cNvSpPr>
-          <p:nvPr>
-            <p:ph type="hdr" sz="quarter"/>
-          </p:nvPr>
-        </p:nvSpPr>
-        <p:spPr>
-          <a:ln/>
-        </p:spPr>
-        <p:txBody>
-          <a:bodyPr/>
-          <a:lstStyle/>
-          <a:p>
-            <a:r>
-              <a:rPr lang="en-US"/>
-              <a:t>xxxxxxxxxxxxxxx</a:t>
-            </a:r>
-          </a:p>
-        </p:txBody>
-      </p:sp>
-      <p:sp>
-        <p:nvSpPr>
-          <p:cNvPr id="5" name="Rectangle 3"/>
-          <p:cNvSpPr>
-            <a:spLocks noGrp="1" noChangeArrowheads="1"/>
-          </p:cNvSpPr>
-          <p:nvPr>
-            <p:ph type="dt" idx="1"/>
-          </p:nvPr>
-        </p:nvSpPr>
-        <p:spPr>
-          <a:ln/>
-        </p:spPr>
-        <p:txBody>
-          <a:bodyPr/>
-          <a:lstStyle/>
-          <a:p>
-            <a:fld id="{A3734206-9E0D-45A8-9A9C-E9E820231454}" type="datetime1">
-              <a:rPr lang="en-US"/>
-              <a:pPr/>
-              <a:t>2/19/2013</a:t>
-            </a:fld>
-            <a:endParaRPr lang="en-US"/>
-          </a:p>
-        </p:txBody>
-      </p:sp>
-      <p:sp>
-        <p:nvSpPr>
-          <p:cNvPr id="6" name="Rectangle 6"/>
-          <p:cNvSpPr>
-            <a:spLocks noGrp="1" noChangeArrowheads="1"/>
-          </p:cNvSpPr>
-          <p:nvPr>
-            <p:ph type="ftr" sz="quarter" idx="4"/>
-          </p:nvPr>
-        </p:nvSpPr>
-        <p:spPr>
-          <a:ln/>
-        </p:spPr>
-        <p:txBody>
-          <a:bodyPr/>
-          <a:lstStyle/>
-          <a:p>
-            <a:r>
-              <a:rPr lang="en-US"/>
-              <a:t>xxxxxxxxxxxxx</a:t>
-            </a:r>
-          </a:p>
-        </p:txBody>
-      </p:sp>
-      <p:sp>
-        <p:nvSpPr>
-          <p:cNvPr id="7" name="Rectangle 7"/>
-          <p:cNvSpPr>
-            <a:spLocks noGrp="1" noChangeArrowheads="1"/>
-          </p:cNvSpPr>
-          <p:nvPr>
-            <p:ph type="sldNum" sz="quarter" idx="5"/>
-          </p:nvPr>
-        </p:nvSpPr>
-        <p:spPr>
-          <a:ln/>
-        </p:spPr>
-        <p:txBody>
-          <a:bodyPr/>
-          <a:lstStyle/>
-          <a:p>
-            <a:fld id="{3E24F508-BEE9-43B6-9C9C-05A1D82BD706}" type="slidenum">
-              <a:rPr lang="en-US"/>
-              <a:pPr/>
-              <a:t>10</a:t>
-            </a:fld>
-            <a:endParaRPr lang="en-US"/>
-          </a:p>
-        </p:txBody>
-      </p:sp>
-      <p:sp>
-        <p:nvSpPr>
-          <p:cNvPr id="191490" name="Rectangle 2"/>
-          <p:cNvSpPr>
-            <a:spLocks noRot="1" noChangeArrowheads="1" noTextEdit="1"/>
-          </p:cNvSpPr>
-          <p:nvPr>
-            <p:ph type="sldImg"/>
-          </p:nvPr>
-        </p:nvSpPr>
-        <p:spPr>
-          <a:ln/>
-        </p:spPr>
-      </p:sp>
-      <p:sp>
-        <p:nvSpPr>
-          <p:cNvPr id="191491" name="Rectangle 3"/>
-          <p:cNvSpPr>
-            <a:spLocks noGrp="1" noChangeArrowheads="1"/>
-          </p:cNvSpPr>
-          <p:nvPr>
-            <p:ph type="body" idx="1"/>
-          </p:nvPr>
-        </p:nvSpPr>
-        <p:spPr/>
-        <p:txBody>
-          <a:bodyPr/>
-          <a:lstStyle/>
-          <a:p>
-            <a:endParaRPr lang="nl-NL"/>
-          </a:p>
-        </p:txBody>
-      </p:sp>
-    </p:spTree>
-  </p:cSld>
-  <p:clrMapOvr>
-    <a:masterClrMapping/>
-  </p:clrMapOvr>
-</p:notes>
-</file>
-
-<file path=ppt/notesSlides/notesSlide11.xml><?xml version="1.0" encoding="utf-8"?>
-<p:notes xmlns:a="http://schemas.openxmlformats.org/drawingml/2006/main" xmlns:r="http://schemas.openxmlformats.org/officeDocument/2006/relationships" xmlns:p="http://schemas.openxmlformats.org/presentationml/2006/main">
-  <p:cSld>
-    <p:spTree>
-      <p:nvGrpSpPr>
-        <p:cNvPr id="1" name=""/>
-        <p:cNvGrpSpPr/>
-        <p:nvPr/>
-      </p:nvGrpSpPr>
-      <p:grpSpPr>
-        <a:xfrm>
-          <a:off x="0" y="0"/>
-          <a:ext cx="0" cy="0"/>
-          <a:chOff x="0" y="0"/>
-          <a:chExt cx="0" cy="0"/>
-        </a:xfrm>
-      </p:grpSpPr>
-      <p:sp>
-        <p:nvSpPr>
-          <p:cNvPr id="4" name="Rectangle 2"/>
-          <p:cNvSpPr>
-            <a:spLocks noGrp="1" noChangeArrowheads="1"/>
-          </p:cNvSpPr>
-          <p:nvPr>
-            <p:ph type="hdr" sz="quarter"/>
-          </p:nvPr>
-        </p:nvSpPr>
-        <p:spPr>
-          <a:ln/>
-        </p:spPr>
-        <p:txBody>
-          <a:bodyPr/>
-          <a:lstStyle/>
-          <a:p>
-            <a:r>
-              <a:rPr lang="en-US"/>
-              <a:t>xxxxxxxxxxxxxxx</a:t>
-            </a:r>
-          </a:p>
-        </p:txBody>
-      </p:sp>
-      <p:sp>
-        <p:nvSpPr>
-          <p:cNvPr id="5" name="Rectangle 3"/>
-          <p:cNvSpPr>
-            <a:spLocks noGrp="1" noChangeArrowheads="1"/>
-          </p:cNvSpPr>
-          <p:nvPr>
-            <p:ph type="dt" idx="1"/>
-          </p:nvPr>
-        </p:nvSpPr>
-        <p:spPr>
-          <a:ln/>
-        </p:spPr>
-        <p:txBody>
-          <a:bodyPr/>
-          <a:lstStyle/>
-          <a:p>
-            <a:fld id="{E01E3979-3EA1-4091-9A9F-0CDBD48FB10C}" type="datetime1">
-              <a:rPr lang="en-US"/>
-              <a:pPr/>
-              <a:t>2/19/2013</a:t>
-            </a:fld>
-            <a:endParaRPr lang="en-US"/>
-          </a:p>
-        </p:txBody>
-      </p:sp>
-      <p:sp>
-        <p:nvSpPr>
-          <p:cNvPr id="6" name="Rectangle 6"/>
-          <p:cNvSpPr>
-            <a:spLocks noGrp="1" noChangeArrowheads="1"/>
-          </p:cNvSpPr>
-          <p:nvPr>
-            <p:ph type="ftr" sz="quarter" idx="4"/>
-          </p:nvPr>
-        </p:nvSpPr>
-        <p:spPr>
-          <a:ln/>
-        </p:spPr>
-        <p:txBody>
-          <a:bodyPr/>
-          <a:lstStyle/>
-          <a:p>
-            <a:r>
-              <a:rPr lang="en-US"/>
-              <a:t>xxxxxxxxxxxxx</a:t>
-            </a:r>
-          </a:p>
-        </p:txBody>
-      </p:sp>
-      <p:sp>
-        <p:nvSpPr>
-          <p:cNvPr id="7" name="Rectangle 7"/>
-          <p:cNvSpPr>
-            <a:spLocks noGrp="1" noChangeArrowheads="1"/>
-          </p:cNvSpPr>
-          <p:nvPr>
-            <p:ph type="sldNum" sz="quarter" idx="5"/>
-          </p:nvPr>
-        </p:nvSpPr>
-        <p:spPr>
-          <a:ln/>
-        </p:spPr>
-        <p:txBody>
-          <a:bodyPr/>
-          <a:lstStyle/>
-          <a:p>
-            <a:fld id="{66654B76-19AB-4A8A-A997-35CF46824B95}" type="slidenum">
-              <a:rPr lang="en-US"/>
-              <a:pPr/>
-              <a:t>11</a:t>
-            </a:fld>
-            <a:endParaRPr lang="en-US"/>
-          </a:p>
-        </p:txBody>
-      </p:sp>
-      <p:sp>
-        <p:nvSpPr>
-          <p:cNvPr id="192514" name="Rectangle 2"/>
-          <p:cNvSpPr>
-            <a:spLocks noRot="1" noChangeArrowheads="1" noTextEdit="1"/>
-          </p:cNvSpPr>
-          <p:nvPr>
-            <p:ph type="sldImg"/>
-          </p:nvPr>
-        </p:nvSpPr>
-        <p:spPr>
-          <a:ln/>
-        </p:spPr>
-      </p:sp>
-      <p:sp>
-        <p:nvSpPr>
-          <p:cNvPr id="192515" name="Rectangle 3"/>
-          <p:cNvSpPr>
-            <a:spLocks noGrp="1" noChangeArrowheads="1"/>
-          </p:cNvSpPr>
-          <p:nvPr>
-            <p:ph type="body" idx="1"/>
-          </p:nvPr>
-        </p:nvSpPr>
-        <p:spPr/>
-        <p:txBody>
-          <a:bodyPr/>
-          <a:lstStyle/>
-          <a:p>
-            <a:endParaRPr lang="nl-NL"/>
-          </a:p>
-        </p:txBody>
-      </p:sp>
-    </p:spTree>
-  </p:cSld>
-  <p:clrMapOvr>
-    <a:masterClrMapping/>
-  </p:clrMapOvr>
-</p:notes>
-</file>
-
-<file path=ppt/notesSlides/notesSlide2.xml><?xml version="1.0" encoding="utf-8"?>
-<p:notes xmlns:a="http://schemas.openxmlformats.org/drawingml/2006/main" xmlns:r="http://schemas.openxmlformats.org/officeDocument/2006/relationships" xmlns:p="http://schemas.openxmlformats.org/presentationml/2006/main">
-  <p:cSld>
-    <p:spTree>
-      <p:nvGrpSpPr>
-        <p:cNvPr id="1" name=""/>
-        <p:cNvGrpSpPr/>
-        <p:nvPr/>
-      </p:nvGrpSpPr>
-      <p:grpSpPr>
-        <a:xfrm>
-          <a:off x="0" y="0"/>
-          <a:ext cx="0" cy="0"/>
-          <a:chOff x="0" y="0"/>
-          <a:chExt cx="0" cy="0"/>
-        </a:xfrm>
-      </p:grpSpPr>
-      <p:sp>
-        <p:nvSpPr>
-          <p:cNvPr id="4" name="Rectangle 2"/>
-          <p:cNvSpPr>
-            <a:spLocks noGrp="1" noChangeArrowheads="1"/>
-          </p:cNvSpPr>
-          <p:nvPr>
-            <p:ph type="hdr" sz="quarter"/>
-          </p:nvPr>
-        </p:nvSpPr>
-        <p:spPr>
-          <a:ln/>
-        </p:spPr>
-        <p:txBody>
-          <a:bodyPr/>
-          <a:lstStyle/>
-          <a:p>
-            <a:r>
-              <a:rPr lang="en-US"/>
-              <a:t>xxxxxxxxxxxxxxx</a:t>
-            </a:r>
-          </a:p>
-        </p:txBody>
-      </p:sp>
-      <p:sp>
-        <p:nvSpPr>
-          <p:cNvPr id="5" name="Rectangle 3"/>
-          <p:cNvSpPr>
-            <a:spLocks noGrp="1" noChangeArrowheads="1"/>
-          </p:cNvSpPr>
-          <p:nvPr>
-            <p:ph type="dt" idx="1"/>
-          </p:nvPr>
-        </p:nvSpPr>
-        <p:spPr>
-          <a:ln/>
-        </p:spPr>
-        <p:txBody>
-          <a:bodyPr/>
-          <a:lstStyle/>
-          <a:p>
-            <a:fld id="{D75D9CB6-A154-4961-BE96-B8A670095A3E}" type="datetime1">
-              <a:rPr lang="en-US"/>
-              <a:pPr/>
-              <a:t>2/19/2013</a:t>
-            </a:fld>
-            <a:endParaRPr lang="en-US"/>
-          </a:p>
-        </p:txBody>
-      </p:sp>
-      <p:sp>
-        <p:nvSpPr>
-          <p:cNvPr id="6" name="Rectangle 6"/>
-          <p:cNvSpPr>
-            <a:spLocks noGrp="1" noChangeArrowheads="1"/>
-          </p:cNvSpPr>
-          <p:nvPr>
-            <p:ph type="ftr" sz="quarter" idx="4"/>
-          </p:nvPr>
-        </p:nvSpPr>
-        <p:spPr>
-          <a:ln/>
-        </p:spPr>
-        <p:txBody>
-          <a:bodyPr/>
-          <a:lstStyle/>
-          <a:p>
-            <a:r>
-              <a:rPr lang="en-US"/>
-              <a:t>xxxxxxxxxxxxx</a:t>
-            </a:r>
-          </a:p>
-        </p:txBody>
-      </p:sp>
-      <p:sp>
-        <p:nvSpPr>
-          <p:cNvPr id="7" name="Rectangle 7"/>
-          <p:cNvSpPr>
-            <a:spLocks noGrp="1" noChangeArrowheads="1"/>
-          </p:cNvSpPr>
-          <p:nvPr>
-            <p:ph type="sldNum" sz="quarter" idx="5"/>
-          </p:nvPr>
-        </p:nvSpPr>
-        <p:spPr>
-          <a:ln/>
-        </p:spPr>
-        <p:txBody>
-          <a:bodyPr/>
-          <a:lstStyle/>
-          <a:p>
-            <a:fld id="{9670D17F-B3A3-4718-8A92-DA29315C8C76}" type="slidenum">
-              <a:rPr lang="en-US"/>
-              <a:pPr/>
-              <a:t>2</a:t>
-            </a:fld>
-            <a:endParaRPr lang="en-US"/>
-          </a:p>
-        </p:txBody>
-      </p:sp>
-      <p:sp>
-        <p:nvSpPr>
-          <p:cNvPr id="183298" name="Rectangle 2"/>
-          <p:cNvSpPr>
-            <a:spLocks noRot="1" noChangeArrowheads="1" noTextEdit="1"/>
-          </p:cNvSpPr>
-          <p:nvPr>
-            <p:ph type="sldImg"/>
-          </p:nvPr>
-        </p:nvSpPr>
-        <p:spPr>
-          <a:ln/>
-        </p:spPr>
-      </p:sp>
-      <p:sp>
-        <p:nvSpPr>
-          <p:cNvPr id="183299" name="Rectangle 3"/>
-          <p:cNvSpPr>
-            <a:spLocks noGrp="1" noChangeArrowheads="1"/>
-          </p:cNvSpPr>
-          <p:nvPr>
-            <p:ph type="body" idx="1"/>
-          </p:nvPr>
-        </p:nvSpPr>
-        <p:spPr/>
-        <p:txBody>
-          <a:bodyPr/>
-          <a:lstStyle/>
-          <a:p>
-            <a:endParaRPr lang="nl-NL"/>
-          </a:p>
-        </p:txBody>
-      </p:sp>
-    </p:spTree>
-  </p:cSld>
-  <p:clrMapOvr>
-    <a:masterClrMapping/>
-  </p:clrMapOvr>
-</p:notes>
-</file>
-
-<file path=ppt/notesSlides/notesSlide3.xml><?xml version="1.0" encoding="utf-8"?>
-<p:notes xmlns:a="http://schemas.openxmlformats.org/drawingml/2006/main" xmlns:r="http://schemas.openxmlformats.org/officeDocument/2006/relationships" xmlns:p="http://schemas.openxmlformats.org/presentationml/2006/main">
-  <p:cSld>
-    <p:spTree>
-      <p:nvGrpSpPr>
-        <p:cNvPr id="1" name=""/>
-        <p:cNvGrpSpPr/>
-        <p:nvPr/>
-      </p:nvGrpSpPr>
-      <p:grpSpPr>
-        <a:xfrm>
-          <a:off x="0" y="0"/>
-          <a:ext cx="0" cy="0"/>
-          <a:chOff x="0" y="0"/>
-          <a:chExt cx="0" cy="0"/>
-        </a:xfrm>
-      </p:grpSpPr>
-      <p:sp>
-        <p:nvSpPr>
-          <p:cNvPr id="4" name="Rectangle 2"/>
-          <p:cNvSpPr>
-            <a:spLocks noGrp="1" noChangeArrowheads="1"/>
-          </p:cNvSpPr>
-          <p:nvPr>
-            <p:ph type="hdr" sz="quarter"/>
-          </p:nvPr>
-        </p:nvSpPr>
-        <p:spPr>
-          <a:ln/>
-        </p:spPr>
-        <p:txBody>
-          <a:bodyPr/>
-          <a:lstStyle/>
-          <a:p>
-            <a:r>
-              <a:rPr lang="en-US"/>
-              <a:t>xxxxxxxxxxxxxxx</a:t>
-            </a:r>
-          </a:p>
-        </p:txBody>
-      </p:sp>
-      <p:sp>
-        <p:nvSpPr>
-          <p:cNvPr id="5" name="Rectangle 3"/>
-          <p:cNvSpPr>
-            <a:spLocks noGrp="1" noChangeArrowheads="1"/>
-          </p:cNvSpPr>
-          <p:nvPr>
-            <p:ph type="dt" idx="1"/>
-          </p:nvPr>
-        </p:nvSpPr>
-        <p:spPr>
-          <a:ln/>
-        </p:spPr>
-        <p:txBody>
-          <a:bodyPr/>
-          <a:lstStyle/>
-          <a:p>
-            <a:fld id="{FE64602E-BCD2-4C79-9F9B-2C05BD27637D}" type="datetime1">
-              <a:rPr lang="en-US"/>
-              <a:pPr/>
-              <a:t>2/19/2013</a:t>
-            </a:fld>
-            <a:endParaRPr lang="en-US"/>
-          </a:p>
-        </p:txBody>
-      </p:sp>
-      <p:sp>
-        <p:nvSpPr>
-          <p:cNvPr id="6" name="Rectangle 6"/>
-          <p:cNvSpPr>
-            <a:spLocks noGrp="1" noChangeArrowheads="1"/>
-          </p:cNvSpPr>
-          <p:nvPr>
-            <p:ph type="ftr" sz="quarter" idx="4"/>
-          </p:nvPr>
-        </p:nvSpPr>
-        <p:spPr>
-          <a:ln/>
-        </p:spPr>
-        <p:txBody>
-          <a:bodyPr/>
-          <a:lstStyle/>
-          <a:p>
-            <a:r>
-              <a:rPr lang="en-US"/>
-              <a:t>xxxxxxxxxxxxx</a:t>
-            </a:r>
-          </a:p>
-        </p:txBody>
-      </p:sp>
-      <p:sp>
-        <p:nvSpPr>
-          <p:cNvPr id="7" name="Rectangle 7"/>
-          <p:cNvSpPr>
-            <a:spLocks noGrp="1" noChangeArrowheads="1"/>
-          </p:cNvSpPr>
-          <p:nvPr>
-            <p:ph type="sldNum" sz="quarter" idx="5"/>
-          </p:nvPr>
-        </p:nvSpPr>
-        <p:spPr>
-          <a:ln/>
-        </p:spPr>
-        <p:txBody>
-          <a:bodyPr/>
-          <a:lstStyle/>
-          <a:p>
-            <a:fld id="{CDD309D1-08CF-441E-9DB4-960ECFE49892}" type="slidenum">
-              <a:rPr lang="en-US"/>
-              <a:pPr/>
-              <a:t>3</a:t>
-            </a:fld>
-            <a:endParaRPr lang="en-US"/>
-          </a:p>
-        </p:txBody>
-      </p:sp>
-      <p:sp>
-        <p:nvSpPr>
-          <p:cNvPr id="184322" name="Rectangle 2"/>
-          <p:cNvSpPr>
-            <a:spLocks noRot="1" noChangeArrowheads="1" noTextEdit="1"/>
-          </p:cNvSpPr>
-          <p:nvPr>
-            <p:ph type="sldImg"/>
-          </p:nvPr>
-        </p:nvSpPr>
-        <p:spPr>
-          <a:ln/>
-        </p:spPr>
-      </p:sp>
-      <p:sp>
-        <p:nvSpPr>
-          <p:cNvPr id="184323" name="Rectangle 3"/>
-          <p:cNvSpPr>
-            <a:spLocks noGrp="1" noChangeArrowheads="1"/>
-          </p:cNvSpPr>
-          <p:nvPr>
-            <p:ph type="body" idx="1"/>
-          </p:nvPr>
-        </p:nvSpPr>
-        <p:spPr/>
-        <p:txBody>
-          <a:bodyPr/>
-          <a:lstStyle/>
-          <a:p>
-            <a:endParaRPr lang="nl-NL"/>
-          </a:p>
-        </p:txBody>
-      </p:sp>
-    </p:spTree>
-  </p:cSld>
-  <p:clrMapOvr>
-    <a:masterClrMapping/>
-  </p:clrMapOvr>
-</p:notes>
-</file>
-
-<file path=ppt/notesSlides/notesSlide4.xml><?xml version="1.0" encoding="utf-8"?>
-<p:notes xmlns:a="http://schemas.openxmlformats.org/drawingml/2006/main" xmlns:r="http://schemas.openxmlformats.org/officeDocument/2006/relationships" xmlns:p="http://schemas.openxmlformats.org/presentationml/2006/main">
-  <p:cSld>
-    <p:spTree>
-      <p:nvGrpSpPr>
-        <p:cNvPr id="1" name=""/>
-        <p:cNvGrpSpPr/>
-        <p:nvPr/>
-      </p:nvGrpSpPr>
-      <p:grpSpPr>
-        <a:xfrm>
-          <a:off x="0" y="0"/>
-          <a:ext cx="0" cy="0"/>
-          <a:chOff x="0" y="0"/>
-          <a:chExt cx="0" cy="0"/>
-        </a:xfrm>
-      </p:grpSpPr>
-      <p:sp>
-        <p:nvSpPr>
-          <p:cNvPr id="4" name="Rectangle 2"/>
-          <p:cNvSpPr>
-            <a:spLocks noGrp="1" noChangeArrowheads="1"/>
-          </p:cNvSpPr>
-          <p:nvPr>
-            <p:ph type="hdr" sz="quarter"/>
-          </p:nvPr>
-        </p:nvSpPr>
-        <p:spPr>
-          <a:ln/>
-        </p:spPr>
-        <p:txBody>
-          <a:bodyPr/>
-          <a:lstStyle/>
-          <a:p>
-            <a:r>
-              <a:rPr lang="en-US"/>
-              <a:t>xxxxxxxxxxxxxxx</a:t>
-            </a:r>
-          </a:p>
-        </p:txBody>
-      </p:sp>
-      <p:sp>
-        <p:nvSpPr>
-          <p:cNvPr id="5" name="Rectangle 3"/>
-          <p:cNvSpPr>
-            <a:spLocks noGrp="1" noChangeArrowheads="1"/>
-          </p:cNvSpPr>
-          <p:nvPr>
-            <p:ph type="dt" idx="1"/>
-          </p:nvPr>
-        </p:nvSpPr>
-        <p:spPr>
-          <a:ln/>
-        </p:spPr>
-        <p:txBody>
-          <a:bodyPr/>
-          <a:lstStyle/>
-          <a:p>
-            <a:fld id="{3A9285C3-5D65-4A73-97EF-F314E52DFB4D}" type="datetime1">
-              <a:rPr lang="en-US"/>
-              <a:pPr/>
-              <a:t>2/19/2013</a:t>
-            </a:fld>
-            <a:endParaRPr lang="en-US"/>
-          </a:p>
-        </p:txBody>
-      </p:sp>
-      <p:sp>
-        <p:nvSpPr>
-          <p:cNvPr id="6" name="Rectangle 6"/>
-          <p:cNvSpPr>
-            <a:spLocks noGrp="1" noChangeArrowheads="1"/>
-          </p:cNvSpPr>
-          <p:nvPr>
-            <p:ph type="ftr" sz="quarter" idx="4"/>
-          </p:nvPr>
-        </p:nvSpPr>
-        <p:spPr>
-          <a:ln/>
-        </p:spPr>
-        <p:txBody>
-          <a:bodyPr/>
-          <a:lstStyle/>
-          <a:p>
-            <a:r>
-              <a:rPr lang="en-US"/>
-              <a:t>xxxxxxxxxxxxx</a:t>
-            </a:r>
-          </a:p>
-        </p:txBody>
-      </p:sp>
-      <p:sp>
-        <p:nvSpPr>
-          <p:cNvPr id="7" name="Rectangle 7"/>
-          <p:cNvSpPr>
-            <a:spLocks noGrp="1" noChangeArrowheads="1"/>
-          </p:cNvSpPr>
-          <p:nvPr>
-            <p:ph type="sldNum" sz="quarter" idx="5"/>
-          </p:nvPr>
-        </p:nvSpPr>
-        <p:spPr>
-          <a:ln/>
-        </p:spPr>
-        <p:txBody>
-          <a:bodyPr/>
-          <a:lstStyle/>
-          <a:p>
-            <a:fld id="{228D5BC3-B994-462F-A11D-9C2A0A52EDDD}" type="slidenum">
-              <a:rPr lang="en-US"/>
-              <a:pPr/>
-              <a:t>4</a:t>
-            </a:fld>
-            <a:endParaRPr lang="en-US"/>
-          </a:p>
-        </p:txBody>
-      </p:sp>
-      <p:sp>
-        <p:nvSpPr>
-          <p:cNvPr id="185346" name="Rectangle 2"/>
-          <p:cNvSpPr>
-            <a:spLocks noRot="1" noChangeArrowheads="1" noTextEdit="1"/>
-          </p:cNvSpPr>
-          <p:nvPr>
-            <p:ph type="sldImg"/>
-          </p:nvPr>
-        </p:nvSpPr>
-        <p:spPr>
-          <a:ln/>
-        </p:spPr>
-      </p:sp>
-      <p:sp>
-        <p:nvSpPr>
-          <p:cNvPr id="185347" name="Rectangle 3"/>
-          <p:cNvSpPr>
-            <a:spLocks noGrp="1" noChangeArrowheads="1"/>
-          </p:cNvSpPr>
-          <p:nvPr>
-            <p:ph type="body" idx="1"/>
-          </p:nvPr>
-        </p:nvSpPr>
-        <p:spPr/>
-        <p:txBody>
-          <a:bodyPr/>
-          <a:lstStyle/>
-          <a:p>
-            <a:endParaRPr lang="nl-NL"/>
-          </a:p>
-        </p:txBody>
-      </p:sp>
-    </p:spTree>
-  </p:cSld>
-  <p:clrMapOvr>
-    <a:masterClrMapping/>
-  </p:clrMapOvr>
-</p:notes>
-</file>
-
-<file path=ppt/notesSlides/notesSlide5.xml><?xml version="1.0" encoding="utf-8"?>
-<p:notes xmlns:a="http://schemas.openxmlformats.org/drawingml/2006/main" xmlns:r="http://schemas.openxmlformats.org/officeDocument/2006/relationships" xmlns:p="http://schemas.openxmlformats.org/presentationml/2006/main">
-  <p:cSld>
-    <p:spTree>
-      <p:nvGrpSpPr>
-        <p:cNvPr id="1" name=""/>
-        <p:cNvGrpSpPr/>
-        <p:nvPr/>
-      </p:nvGrpSpPr>
-      <p:grpSpPr>
-        <a:xfrm>
-          <a:off x="0" y="0"/>
-          <a:ext cx="0" cy="0"/>
-          <a:chOff x="0" y="0"/>
-          <a:chExt cx="0" cy="0"/>
-        </a:xfrm>
-      </p:grpSpPr>
-      <p:sp>
-        <p:nvSpPr>
-          <p:cNvPr id="4" name="Rectangle 2"/>
-          <p:cNvSpPr>
-            <a:spLocks noGrp="1" noChangeArrowheads="1"/>
-          </p:cNvSpPr>
-          <p:nvPr>
-            <p:ph type="hdr" sz="quarter"/>
-          </p:nvPr>
-        </p:nvSpPr>
-        <p:spPr>
-          <a:ln/>
-        </p:spPr>
-        <p:txBody>
-          <a:bodyPr/>
-          <a:lstStyle/>
-          <a:p>
-            <a:r>
-              <a:rPr lang="en-US"/>
-              <a:t>xxxxxxxxxxxxxxx</a:t>
-            </a:r>
-          </a:p>
-        </p:txBody>
-      </p:sp>
-      <p:sp>
-        <p:nvSpPr>
-          <p:cNvPr id="5" name="Rectangle 3"/>
-          <p:cNvSpPr>
-            <a:spLocks noGrp="1" noChangeArrowheads="1"/>
-          </p:cNvSpPr>
-          <p:nvPr>
-            <p:ph type="dt" idx="1"/>
-          </p:nvPr>
-        </p:nvSpPr>
-        <p:spPr>
-          <a:ln/>
-        </p:spPr>
-        <p:txBody>
-          <a:bodyPr/>
-          <a:lstStyle/>
-          <a:p>
-            <a:fld id="{A4B8657F-9B7B-42B4-A71A-56C1FB299691}" type="datetime1">
-              <a:rPr lang="en-US"/>
-              <a:pPr/>
-              <a:t>2/19/2013</a:t>
-            </a:fld>
-            <a:endParaRPr lang="en-US"/>
-          </a:p>
-        </p:txBody>
-      </p:sp>
-      <p:sp>
-        <p:nvSpPr>
-          <p:cNvPr id="6" name="Rectangle 6"/>
-          <p:cNvSpPr>
-            <a:spLocks noGrp="1" noChangeArrowheads="1"/>
-          </p:cNvSpPr>
-          <p:nvPr>
-            <p:ph type="ftr" sz="quarter" idx="4"/>
-          </p:nvPr>
-        </p:nvSpPr>
-        <p:spPr>
-          <a:ln/>
-        </p:spPr>
-        <p:txBody>
-          <a:bodyPr/>
-          <a:lstStyle/>
-          <a:p>
-            <a:r>
-              <a:rPr lang="en-US"/>
-              <a:t>xxxxxxxxxxxxx</a:t>
-            </a:r>
-          </a:p>
-        </p:txBody>
-      </p:sp>
-      <p:sp>
-        <p:nvSpPr>
-          <p:cNvPr id="7" name="Rectangle 7"/>
-          <p:cNvSpPr>
-            <a:spLocks noGrp="1" noChangeArrowheads="1"/>
-          </p:cNvSpPr>
-          <p:nvPr>
-            <p:ph type="sldNum" sz="quarter" idx="5"/>
-          </p:nvPr>
-        </p:nvSpPr>
-        <p:spPr>
-          <a:ln/>
-        </p:spPr>
-        <p:txBody>
-          <a:bodyPr/>
-          <a:lstStyle/>
-          <a:p>
-            <a:fld id="{98A3F1F1-1BE1-4826-8E66-04F9BEBFBA7E}" type="slidenum">
-              <a:rPr lang="en-US"/>
-              <a:pPr/>
-              <a:t>5</a:t>
-            </a:fld>
-            <a:endParaRPr lang="en-US"/>
-          </a:p>
-        </p:txBody>
-      </p:sp>
-      <p:sp>
-        <p:nvSpPr>
-          <p:cNvPr id="186370" name="Rectangle 2"/>
-          <p:cNvSpPr>
-            <a:spLocks noRot="1" noChangeArrowheads="1" noTextEdit="1"/>
-          </p:cNvSpPr>
-          <p:nvPr>
-            <p:ph type="sldImg"/>
-          </p:nvPr>
-        </p:nvSpPr>
-        <p:spPr>
-          <a:ln/>
-        </p:spPr>
-      </p:sp>
-      <p:sp>
-        <p:nvSpPr>
-          <p:cNvPr id="186371" name="Rectangle 3"/>
-          <p:cNvSpPr>
-            <a:spLocks noGrp="1" noChangeArrowheads="1"/>
-          </p:cNvSpPr>
-          <p:nvPr>
-            <p:ph type="body" idx="1"/>
-          </p:nvPr>
-        </p:nvSpPr>
-        <p:spPr/>
-        <p:txBody>
-          <a:bodyPr/>
-          <a:lstStyle/>
-          <a:p>
-            <a:endParaRPr lang="nl-NL"/>
-          </a:p>
-        </p:txBody>
-      </p:sp>
-    </p:spTree>
-  </p:cSld>
-  <p:clrMapOvr>
-    <a:masterClrMapping/>
-  </p:clrMapOvr>
-</p:notes>
-</file>
-
-<file path=ppt/notesSlides/notesSlide6.xml><?xml version="1.0" encoding="utf-8"?>
-<p:notes xmlns:a="http://schemas.openxmlformats.org/drawingml/2006/main" xmlns:r="http://schemas.openxmlformats.org/officeDocument/2006/relationships" xmlns:p="http://schemas.openxmlformats.org/presentationml/2006/main">
-  <p:cSld>
-    <p:spTree>
-      <p:nvGrpSpPr>
-        <p:cNvPr id="1" name=""/>
-        <p:cNvGrpSpPr/>
-        <p:nvPr/>
-      </p:nvGrpSpPr>
-      <p:grpSpPr>
-        <a:xfrm>
-          <a:off x="0" y="0"/>
-          <a:ext cx="0" cy="0"/>
-          <a:chOff x="0" y="0"/>
-          <a:chExt cx="0" cy="0"/>
-        </a:xfrm>
-      </p:grpSpPr>
-      <p:sp>
-        <p:nvSpPr>
-          <p:cNvPr id="4" name="Rectangle 2"/>
-          <p:cNvSpPr>
-            <a:spLocks noGrp="1" noChangeArrowheads="1"/>
-          </p:cNvSpPr>
-          <p:nvPr>
-            <p:ph type="hdr" sz="quarter"/>
-          </p:nvPr>
-        </p:nvSpPr>
-        <p:spPr>
-          <a:ln/>
-        </p:spPr>
-        <p:txBody>
-          <a:bodyPr/>
-          <a:lstStyle/>
-          <a:p>
-            <a:r>
-              <a:rPr lang="en-US"/>
-              <a:t>xxxxxxxxxxxxxxx</a:t>
-            </a:r>
-          </a:p>
-        </p:txBody>
-      </p:sp>
-      <p:sp>
-        <p:nvSpPr>
-          <p:cNvPr id="5" name="Rectangle 3"/>
-          <p:cNvSpPr>
-            <a:spLocks noGrp="1" noChangeArrowheads="1"/>
-          </p:cNvSpPr>
-          <p:nvPr>
-            <p:ph type="dt" idx="1"/>
-          </p:nvPr>
-        </p:nvSpPr>
-        <p:spPr>
-          <a:ln/>
-        </p:spPr>
-        <p:txBody>
-          <a:bodyPr/>
-          <a:lstStyle/>
-          <a:p>
-            <a:fld id="{2A04ECD9-CD1F-48DC-A3FA-02E8247F768F}" type="datetime1">
-              <a:rPr lang="en-US"/>
-              <a:pPr/>
-              <a:t>2/19/2013</a:t>
-            </a:fld>
-            <a:endParaRPr lang="en-US"/>
-          </a:p>
-        </p:txBody>
-      </p:sp>
-      <p:sp>
-        <p:nvSpPr>
-          <p:cNvPr id="6" name="Rectangle 6"/>
-          <p:cNvSpPr>
-            <a:spLocks noGrp="1" noChangeArrowheads="1"/>
-          </p:cNvSpPr>
-          <p:nvPr>
-            <p:ph type="ftr" sz="quarter" idx="4"/>
-          </p:nvPr>
-        </p:nvSpPr>
-        <p:spPr>
-          <a:ln/>
-        </p:spPr>
-        <p:txBody>
-          <a:bodyPr/>
-          <a:lstStyle/>
-          <a:p>
-            <a:r>
-              <a:rPr lang="en-US"/>
-              <a:t>xxxxxxxxxxxxx</a:t>
-            </a:r>
-          </a:p>
-        </p:txBody>
-      </p:sp>
-      <p:sp>
-        <p:nvSpPr>
-          <p:cNvPr id="7" name="Rectangle 7"/>
-          <p:cNvSpPr>
-            <a:spLocks noGrp="1" noChangeArrowheads="1"/>
-          </p:cNvSpPr>
-          <p:nvPr>
-            <p:ph type="sldNum" sz="quarter" idx="5"/>
-          </p:nvPr>
-        </p:nvSpPr>
-        <p:spPr>
-          <a:ln/>
-        </p:spPr>
-        <p:txBody>
-          <a:bodyPr/>
-          <a:lstStyle/>
-          <a:p>
-            <a:fld id="{A54D6D3A-60B6-4E2F-96FF-5A0A1570CE34}" type="slidenum">
-              <a:rPr lang="en-US"/>
-              <a:pPr/>
-              <a:t>6</a:t>
-            </a:fld>
-            <a:endParaRPr lang="en-US"/>
-          </a:p>
-        </p:txBody>
-      </p:sp>
-      <p:sp>
-        <p:nvSpPr>
-          <p:cNvPr id="187394" name="Rectangle 2"/>
-          <p:cNvSpPr>
-            <a:spLocks noRot="1" noChangeArrowheads="1" noTextEdit="1"/>
-          </p:cNvSpPr>
-          <p:nvPr>
-            <p:ph type="sldImg"/>
-          </p:nvPr>
-        </p:nvSpPr>
-        <p:spPr>
-          <a:ln/>
-        </p:spPr>
-      </p:sp>
-      <p:sp>
-        <p:nvSpPr>
-          <p:cNvPr id="187395" name="Rectangle 3"/>
-          <p:cNvSpPr>
-            <a:spLocks noGrp="1" noChangeArrowheads="1"/>
-          </p:cNvSpPr>
-          <p:nvPr>
-            <p:ph type="body" idx="1"/>
-          </p:nvPr>
-        </p:nvSpPr>
-        <p:spPr/>
-        <p:txBody>
-          <a:bodyPr/>
-          <a:lstStyle/>
-          <a:p>
-            <a:endParaRPr lang="nl-NL"/>
-          </a:p>
-        </p:txBody>
-      </p:sp>
-    </p:spTree>
-  </p:cSld>
-  <p:clrMapOvr>
-    <a:masterClrMapping/>
-  </p:clrMapOvr>
-</p:notes>
-</file>
-
-<file path=ppt/notesSlides/notesSlide7.xml><?xml version="1.0" encoding="utf-8"?>
-<p:notes xmlns:a="http://schemas.openxmlformats.org/drawingml/2006/main" xmlns:r="http://schemas.openxmlformats.org/officeDocument/2006/relationships" xmlns:p="http://schemas.openxmlformats.org/presentationml/2006/main">
-  <p:cSld>
-    <p:spTree>
-      <p:nvGrpSpPr>
-        <p:cNvPr id="1" name=""/>
-        <p:cNvGrpSpPr/>
-        <p:nvPr/>
-      </p:nvGrpSpPr>
-      <p:grpSpPr>
-        <a:xfrm>
-          <a:off x="0" y="0"/>
-          <a:ext cx="0" cy="0"/>
-          <a:chOff x="0" y="0"/>
-          <a:chExt cx="0" cy="0"/>
-        </a:xfrm>
-      </p:grpSpPr>
-      <p:sp>
-        <p:nvSpPr>
-          <p:cNvPr id="4" name="Rectangle 2"/>
-          <p:cNvSpPr>
-            <a:spLocks noGrp="1" noChangeArrowheads="1"/>
-          </p:cNvSpPr>
-          <p:nvPr>
-            <p:ph type="hdr" sz="quarter"/>
-          </p:nvPr>
-        </p:nvSpPr>
-        <p:spPr>
-          <a:ln/>
-        </p:spPr>
-        <p:txBody>
-          <a:bodyPr/>
-          <a:lstStyle/>
-          <a:p>
-            <a:r>
-              <a:rPr lang="en-US"/>
-              <a:t>xxxxxxxxxxxxxxx</a:t>
-            </a:r>
-          </a:p>
-        </p:txBody>
-      </p:sp>
-      <p:sp>
-        <p:nvSpPr>
-          <p:cNvPr id="5" name="Rectangle 3"/>
-          <p:cNvSpPr>
-            <a:spLocks noGrp="1" noChangeArrowheads="1"/>
-          </p:cNvSpPr>
-          <p:nvPr>
-            <p:ph type="dt" idx="1"/>
-          </p:nvPr>
-        </p:nvSpPr>
-        <p:spPr>
-          <a:ln/>
-        </p:spPr>
-        <p:txBody>
-          <a:bodyPr/>
-          <a:lstStyle/>
-          <a:p>
-            <a:fld id="{44D02D24-DF92-4868-A617-AFB17E64FD83}" type="datetime1">
-              <a:rPr lang="en-US"/>
-              <a:pPr/>
-              <a:t>2/19/2013</a:t>
-            </a:fld>
-            <a:endParaRPr lang="en-US"/>
-          </a:p>
-        </p:txBody>
-      </p:sp>
-      <p:sp>
-        <p:nvSpPr>
-          <p:cNvPr id="6" name="Rectangle 6"/>
-          <p:cNvSpPr>
-            <a:spLocks noGrp="1" noChangeArrowheads="1"/>
-          </p:cNvSpPr>
-          <p:nvPr>
-            <p:ph type="ftr" sz="quarter" idx="4"/>
-          </p:nvPr>
-        </p:nvSpPr>
-        <p:spPr>
-          <a:ln/>
-        </p:spPr>
-        <p:txBody>
-          <a:bodyPr/>
-          <a:lstStyle/>
-          <a:p>
-            <a:r>
-              <a:rPr lang="en-US"/>
-              <a:t>xxxxxxxxxxxxx</a:t>
-            </a:r>
-          </a:p>
-        </p:txBody>
-      </p:sp>
-      <p:sp>
-        <p:nvSpPr>
-          <p:cNvPr id="7" name="Rectangle 7"/>
-          <p:cNvSpPr>
-            <a:spLocks noGrp="1" noChangeArrowheads="1"/>
-          </p:cNvSpPr>
-          <p:nvPr>
-            <p:ph type="sldNum" sz="quarter" idx="5"/>
-          </p:nvPr>
-        </p:nvSpPr>
-        <p:spPr>
-          <a:ln/>
-        </p:spPr>
-        <p:txBody>
-          <a:bodyPr/>
-          <a:lstStyle/>
-          <a:p>
-            <a:fld id="{1CE20ECD-122A-431E-9180-D0AF6053AA97}" type="slidenum">
-              <a:rPr lang="en-US"/>
-              <a:pPr/>
-              <a:t>7</a:t>
-            </a:fld>
-            <a:endParaRPr lang="en-US"/>
-          </a:p>
-        </p:txBody>
-      </p:sp>
-      <p:sp>
-        <p:nvSpPr>
-          <p:cNvPr id="188418" name="Rectangle 2"/>
-          <p:cNvSpPr>
-            <a:spLocks noRot="1" noChangeArrowheads="1" noTextEdit="1"/>
-          </p:cNvSpPr>
-          <p:nvPr>
-            <p:ph type="sldImg"/>
-          </p:nvPr>
-        </p:nvSpPr>
-        <p:spPr>
-          <a:ln/>
-        </p:spPr>
-      </p:sp>
-      <p:sp>
-        <p:nvSpPr>
-          <p:cNvPr id="188419" name="Rectangle 3"/>
-          <p:cNvSpPr>
-            <a:spLocks noGrp="1" noChangeArrowheads="1"/>
-          </p:cNvSpPr>
-          <p:nvPr>
-            <p:ph type="body" idx="1"/>
-          </p:nvPr>
-        </p:nvSpPr>
-        <p:spPr/>
-        <p:txBody>
-          <a:bodyPr/>
-          <a:lstStyle/>
-          <a:p>
-            <a:endParaRPr lang="nl-NL"/>
-          </a:p>
-        </p:txBody>
-      </p:sp>
-    </p:spTree>
-  </p:cSld>
-  <p:clrMapOvr>
-    <a:masterClrMapping/>
-  </p:clrMapOvr>
-</p:notes>
-</file>
-
-<file path=ppt/notesSlides/notesSlide8.xml><?xml version="1.0" encoding="utf-8"?>
-<p:notes xmlns:a="http://schemas.openxmlformats.org/drawingml/2006/main" xmlns:r="http://schemas.openxmlformats.org/officeDocument/2006/relationships" xmlns:p="http://schemas.openxmlformats.org/presentationml/2006/main">
-  <p:cSld>
-    <p:spTree>
-      <p:nvGrpSpPr>
-        <p:cNvPr id="1" name=""/>
-        <p:cNvGrpSpPr/>
-        <p:nvPr/>
-      </p:nvGrpSpPr>
-      <p:grpSpPr>
-        <a:xfrm>
-          <a:off x="0" y="0"/>
-          <a:ext cx="0" cy="0"/>
-          <a:chOff x="0" y="0"/>
-          <a:chExt cx="0" cy="0"/>
-        </a:xfrm>
-      </p:grpSpPr>
-      <p:sp>
-        <p:nvSpPr>
-          <p:cNvPr id="4" name="Rectangle 2"/>
-          <p:cNvSpPr>
-            <a:spLocks noGrp="1" noChangeArrowheads="1"/>
-          </p:cNvSpPr>
-          <p:nvPr>
-            <p:ph type="hdr" sz="quarter"/>
-          </p:nvPr>
-        </p:nvSpPr>
-        <p:spPr>
-          <a:ln/>
-        </p:spPr>
-        <p:txBody>
-          <a:bodyPr/>
-          <a:lstStyle/>
-          <a:p>
-            <a:r>
-              <a:rPr lang="en-US"/>
-              <a:t>xxxxxxxxxxxxxxx</a:t>
-            </a:r>
-          </a:p>
-        </p:txBody>
-      </p:sp>
-      <p:sp>
-        <p:nvSpPr>
-          <p:cNvPr id="5" name="Rectangle 3"/>
-          <p:cNvSpPr>
-            <a:spLocks noGrp="1" noChangeArrowheads="1"/>
-          </p:cNvSpPr>
-          <p:nvPr>
-            <p:ph type="dt" idx="1"/>
-          </p:nvPr>
-        </p:nvSpPr>
-        <p:spPr>
-          <a:ln/>
-        </p:spPr>
-        <p:txBody>
-          <a:bodyPr/>
-          <a:lstStyle/>
-          <a:p>
-            <a:fld id="{65156C2C-AC52-4106-9D3A-30D2E7496094}" type="datetime1">
-              <a:rPr lang="en-US"/>
-              <a:pPr/>
-              <a:t>2/19/2013</a:t>
-            </a:fld>
-            <a:endParaRPr lang="en-US"/>
-          </a:p>
-        </p:txBody>
-      </p:sp>
-      <p:sp>
-        <p:nvSpPr>
-          <p:cNvPr id="6" name="Rectangle 6"/>
-          <p:cNvSpPr>
-            <a:spLocks noGrp="1" noChangeArrowheads="1"/>
-          </p:cNvSpPr>
-          <p:nvPr>
-            <p:ph type="ftr" sz="quarter" idx="4"/>
-          </p:nvPr>
-        </p:nvSpPr>
-        <p:spPr>
-          <a:ln/>
-        </p:spPr>
-        <p:txBody>
-          <a:bodyPr/>
-          <a:lstStyle/>
-          <a:p>
-            <a:r>
-              <a:rPr lang="en-US"/>
-              <a:t>xxxxxxxxxxxxx</a:t>
-            </a:r>
-          </a:p>
-        </p:txBody>
-      </p:sp>
-      <p:sp>
-        <p:nvSpPr>
-          <p:cNvPr id="7" name="Rectangle 7"/>
-          <p:cNvSpPr>
-            <a:spLocks noGrp="1" noChangeArrowheads="1"/>
-          </p:cNvSpPr>
-          <p:nvPr>
-            <p:ph type="sldNum" sz="quarter" idx="5"/>
-          </p:nvPr>
-        </p:nvSpPr>
-        <p:spPr>
-          <a:ln/>
-        </p:spPr>
-        <p:txBody>
-          <a:bodyPr/>
-          <a:lstStyle/>
-          <a:p>
-            <a:fld id="{22015A77-993A-47B7-8DFA-A8FC7083A1A9}" type="slidenum">
-              <a:rPr lang="en-US"/>
-              <a:pPr/>
-              <a:t>8</a:t>
-            </a:fld>
-            <a:endParaRPr lang="en-US"/>
-          </a:p>
-        </p:txBody>
-      </p:sp>
-      <p:sp>
-        <p:nvSpPr>
-          <p:cNvPr id="189442" name="Rectangle 2"/>
-          <p:cNvSpPr>
-            <a:spLocks noRot="1" noChangeArrowheads="1" noTextEdit="1"/>
-          </p:cNvSpPr>
-          <p:nvPr>
-            <p:ph type="sldImg"/>
-          </p:nvPr>
-        </p:nvSpPr>
-        <p:spPr>
-          <a:ln/>
-        </p:spPr>
-      </p:sp>
-      <p:sp>
-        <p:nvSpPr>
-          <p:cNvPr id="189443" name="Rectangle 3"/>
-          <p:cNvSpPr>
-            <a:spLocks noGrp="1" noChangeArrowheads="1"/>
-          </p:cNvSpPr>
-          <p:nvPr>
-            <p:ph type="body" idx="1"/>
-          </p:nvPr>
-        </p:nvSpPr>
-        <p:spPr/>
-        <p:txBody>
-          <a:bodyPr/>
-          <a:lstStyle/>
-          <a:p>
-            <a:endParaRPr lang="nl-NL"/>
-          </a:p>
-        </p:txBody>
-      </p:sp>
-    </p:spTree>
-  </p:cSld>
-  <p:clrMapOvr>
-    <a:masterClrMapping/>
-  </p:clrMapOvr>
-</p:notes>
-</file>
-
-<file path=ppt/notesSlides/notesSlide9.xml><?xml version="1.0" encoding="utf-8"?>
-<p:notes xmlns:a="http://schemas.openxmlformats.org/drawingml/2006/main" xmlns:r="http://schemas.openxmlformats.org/officeDocument/2006/relationships" xmlns:p="http://schemas.openxmlformats.org/presentationml/2006/main">
-  <p:cSld>
-    <p:spTree>
-      <p:nvGrpSpPr>
-        <p:cNvPr id="1" name=""/>
-        <p:cNvGrpSpPr/>
-        <p:nvPr/>
-      </p:nvGrpSpPr>
-      <p:grpSpPr>
-        <a:xfrm>
-          <a:off x="0" y="0"/>
-          <a:ext cx="0" cy="0"/>
-          <a:chOff x="0" y="0"/>
-          <a:chExt cx="0" cy="0"/>
-        </a:xfrm>
-      </p:grpSpPr>
-      <p:sp>
-        <p:nvSpPr>
-          <p:cNvPr id="4" name="Rectangle 2"/>
-          <p:cNvSpPr>
-            <a:spLocks noGrp="1" noChangeArrowheads="1"/>
-          </p:cNvSpPr>
-          <p:nvPr>
-            <p:ph type="hdr" sz="quarter"/>
-          </p:nvPr>
-        </p:nvSpPr>
-        <p:spPr>
-          <a:ln/>
-        </p:spPr>
-        <p:txBody>
-          <a:bodyPr/>
-          <a:lstStyle/>
-          <a:p>
-            <a:r>
-              <a:rPr lang="en-US"/>
-              <a:t>xxxxxxxxxxxxxxx</a:t>
-            </a:r>
-          </a:p>
-        </p:txBody>
-      </p:sp>
-      <p:sp>
-        <p:nvSpPr>
-          <p:cNvPr id="5" name="Rectangle 3"/>
-          <p:cNvSpPr>
-            <a:spLocks noGrp="1" noChangeArrowheads="1"/>
-          </p:cNvSpPr>
-          <p:nvPr>
-            <p:ph type="dt" idx="1"/>
-          </p:nvPr>
-        </p:nvSpPr>
-        <p:spPr>
-          <a:ln/>
-        </p:spPr>
-        <p:txBody>
-          <a:bodyPr/>
-          <a:lstStyle/>
-          <a:p>
-            <a:fld id="{6D2115F2-323E-4739-AAA5-A0527194E8D9}" type="datetime1">
-              <a:rPr lang="en-US"/>
-              <a:pPr/>
-              <a:t>2/19/2013</a:t>
-            </a:fld>
-            <a:endParaRPr lang="en-US"/>
-          </a:p>
-        </p:txBody>
-      </p:sp>
-      <p:sp>
-        <p:nvSpPr>
-          <p:cNvPr id="6" name="Rectangle 6"/>
-          <p:cNvSpPr>
-            <a:spLocks noGrp="1" noChangeArrowheads="1"/>
-          </p:cNvSpPr>
-          <p:nvPr>
-            <p:ph type="ftr" sz="quarter" idx="4"/>
-          </p:nvPr>
-        </p:nvSpPr>
-        <p:spPr>
-          <a:ln/>
-        </p:spPr>
-        <p:txBody>
-          <a:bodyPr/>
-          <a:lstStyle/>
-          <a:p>
-            <a:r>
-              <a:rPr lang="en-US"/>
-              <a:t>xxxxxxxxxxxxx</a:t>
-            </a:r>
-          </a:p>
-        </p:txBody>
-      </p:sp>
-      <p:sp>
-        <p:nvSpPr>
-          <p:cNvPr id="7" name="Rectangle 7"/>
-          <p:cNvSpPr>
-            <a:spLocks noGrp="1" noChangeArrowheads="1"/>
-          </p:cNvSpPr>
-          <p:nvPr>
-            <p:ph type="sldNum" sz="quarter" idx="5"/>
-          </p:nvPr>
-        </p:nvSpPr>
-        <p:spPr>
-          <a:ln/>
-        </p:spPr>
-        <p:txBody>
-          <a:bodyPr/>
-          <a:lstStyle/>
-          <a:p>
-            <a:fld id="{AD2C158C-A258-478D-9F91-4BA9D35DE1F3}" type="slidenum">
-              <a:rPr lang="en-US"/>
-              <a:pPr/>
-              <a:t>9</a:t>
-            </a:fld>
-            <a:endParaRPr lang="en-US"/>
-          </a:p>
-        </p:txBody>
-      </p:sp>
-      <p:sp>
-        <p:nvSpPr>
-          <p:cNvPr id="190466" name="Rectangle 2"/>
-          <p:cNvSpPr>
-            <a:spLocks noRot="1" noChangeArrowheads="1" noTextEdit="1"/>
-          </p:cNvSpPr>
-          <p:nvPr>
-            <p:ph type="sldImg"/>
-          </p:nvPr>
-        </p:nvSpPr>
-        <p:spPr>
-          <a:ln/>
-        </p:spPr>
-      </p:sp>
-      <p:sp>
-        <p:nvSpPr>
-          <p:cNvPr id="190467" name="Rectangle 3"/>
-          <p:cNvSpPr>
-            <a:spLocks noGrp="1" noChangeArrowheads="1"/>
-          </p:cNvSpPr>
-          <p:nvPr>
-            <p:ph type="body" idx="1"/>
-          </p:nvPr>
-        </p:nvSpPr>
-        <p:spPr/>
-        <p:txBody>
-          <a:bodyPr/>
-          <a:lstStyle/>
-          <a:p>
-            <a:endParaRPr lang="nl-NL"/>
-          </a:p>
-        </p:txBody>
-      </p:sp>
-    </p:spTree>
+    <p:extLst>
+      <p:ext uri="{BB962C8B-B14F-4D97-AF65-F5344CB8AC3E}">
+        <p14:creationId xmlns:p14="http://schemas.microsoft.com/office/powerpoint/2010/main" val="985511541"/>
+      </p:ext>
+    </p:extLst>
   </p:cSld>
   <p:clrMapOvr>
     <a:masterClrMapping/>
@@ -2671,7 +1124,7 @@
             <a:fld id="{93F21019-3A00-48AC-9663-40DF67A83229}" type="datetime1">
               <a:rPr lang="en-US"/>
               <a:pPr/>
-              <a:t>2/19/2013</a:t>
+              <a:t>12/12/2018</a:t>
             </a:fld>
             <a:endParaRPr lang="en-US">
               <a:solidFill>
@@ -2857,7 +1310,7 @@
             <a:fld id="{8B2EF9C8-0AC3-4A53-9A61-1834A571F420}" type="datetime1">
               <a:rPr lang="en-US"/>
               <a:pPr/>
-              <a:t>2/19/2013</a:t>
+              <a:t>12/12/2018</a:t>
             </a:fld>
             <a:endParaRPr lang="en-US" sz="1400">
               <a:solidFill>
@@ -3054,7 +1507,7 @@
             <a:fld id="{F02960F3-A385-4905-A491-FDC17E063DD1}" type="datetime1">
               <a:rPr lang="en-US"/>
               <a:pPr/>
-              <a:t>2/19/2013</a:t>
+              <a:t>12/12/2018</a:t>
             </a:fld>
             <a:endParaRPr lang="en-US" sz="1400">
               <a:solidFill>
@@ -3313,7 +1766,7 @@
             <a:fld id="{CD3AD70A-8E2A-47B5-AC18-ABBB5A8E737D}" type="datetime1">
               <a:rPr lang="en-US"/>
               <a:pPr/>
-              <a:t>2/19/2013</a:t>
+              <a:t>12/12/2018</a:t>
             </a:fld>
             <a:endParaRPr lang="en-US" sz="1400">
               <a:solidFill>
@@ -3549,7 +2002,7 @@
             <a:fld id="{07008C2E-9BD6-496B-BFC3-B4A975EBC85E}" type="datetime1">
               <a:rPr lang="en-US"/>
               <a:pPr/>
-              <a:t>2/19/2013</a:t>
+              <a:t>12/12/2018</a:t>
             </a:fld>
             <a:endParaRPr lang="en-US" sz="1400">
               <a:solidFill>
@@ -3728,7 +2181,7 @@
             <a:fld id="{1AA2C3CF-866C-4FDE-B76D-4E9536901630}" type="datetime1">
               <a:rPr lang="en-US"/>
               <a:pPr/>
-              <a:t>2/19/2013</a:t>
+              <a:t>12/12/2018</a:t>
             </a:fld>
             <a:endParaRPr lang="en-US" sz="1400">
               <a:solidFill>
@@ -3907,7 +2360,7 @@
             <a:fld id="{555EE259-FE08-4558-B721-B189FFE77284}" type="datetime1">
               <a:rPr lang="en-US"/>
               <a:pPr/>
-              <a:t>2/19/2013</a:t>
+              <a:t>12/12/2018</a:t>
             </a:fld>
             <a:endParaRPr lang="en-US" sz="1400">
               <a:solidFill>
@@ -4176,7 +2629,7 @@
             <a:fld id="{0AF4064E-5624-49AB-B7C6-E301A8F6B1FF}" type="datetime1">
               <a:rPr lang="en-US"/>
               <a:pPr/>
-              <a:t>2/19/2013</a:t>
+              <a:t>12/12/2018</a:t>
             </a:fld>
             <a:endParaRPr lang="en-US" sz="1400">
               <a:solidFill>
@@ -4373,7 +2826,7 @@
             <a:fld id="{CBC97FCD-6C54-4833-B032-BFBCDFA8379D}" type="datetime1">
               <a:rPr lang="en-US"/>
               <a:pPr/>
-              <a:t>2/19/2013</a:t>
+              <a:t>12/12/2018</a:t>
             </a:fld>
             <a:endParaRPr lang="en-US" sz="1400">
               <a:solidFill>
@@ -4582,7 +3035,7 @@
             <a:fld id="{F04AA577-515A-431F-98B6-3B03494ABB11}" type="datetime1">
               <a:rPr lang="en-US"/>
               <a:pPr/>
-              <a:t>2/19/2013</a:t>
+              <a:t>12/12/2018</a:t>
             </a:fld>
             <a:endParaRPr lang="en-US" sz="1400">
               <a:solidFill>
@@ -4887,7 +3340,7 @@
             <a:fld id="{6475F1A4-C474-4345-A800-2F40B0E4E70C}" type="datetime1">
               <a:rPr lang="en-US"/>
               <a:pPr/>
-              <a:t>2/19/2013</a:t>
+              <a:t>12/12/2018</a:t>
             </a:fld>
             <a:endParaRPr lang="en-US" sz="1400">
               <a:solidFill>
@@ -5331,7 +3784,7 @@
             <a:fld id="{7BA535AB-820E-4207-9DA8-5F37106C7AF4}" type="datetime1">
               <a:rPr lang="en-US"/>
               <a:pPr/>
-              <a:t>2/19/2013</a:t>
+              <a:t>12/12/2018</a:t>
             </a:fld>
             <a:endParaRPr lang="en-US" sz="1400">
               <a:solidFill>
@@ -5466,7 +3919,7 @@
             <a:fld id="{0A7E69FA-D7EE-42C0-9117-1971B541885F}" type="datetime1">
               <a:rPr lang="en-US"/>
               <a:pPr/>
-              <a:t>2/19/2013</a:t>
+              <a:t>12/12/2018</a:t>
             </a:fld>
             <a:endParaRPr lang="en-US" sz="1400">
               <a:solidFill>
@@ -5578,7 +4031,7 @@
             <a:fld id="{10D7644E-1B5D-4325-BA79-338DF2B89B56}" type="datetime1">
               <a:rPr lang="en-US"/>
               <a:pPr/>
-              <a:t>2/19/2013</a:t>
+              <a:t>12/12/2018</a:t>
             </a:fld>
             <a:endParaRPr lang="en-US" sz="1400">
               <a:solidFill>
@@ -5872,7 +4325,7 @@
             <a:fld id="{B790C882-0B74-4932-8998-E9ABB8AF1740}" type="datetime1">
               <a:rPr lang="en-US"/>
               <a:pPr/>
-              <a:t>2/19/2013</a:t>
+              <a:t>12/12/2018</a:t>
             </a:fld>
             <a:endParaRPr lang="en-US" sz="1400">
               <a:solidFill>
@@ -6142,7 +4595,7 @@
             <a:fld id="{9DC585DC-AE7D-44C1-90AB-C3A391DEA065}" type="datetime1">
               <a:rPr lang="en-US"/>
               <a:pPr/>
-              <a:t>2/19/2013</a:t>
+              <a:t>12/12/2018</a:t>
             </a:fld>
             <a:endParaRPr lang="en-US" sz="1400">
               <a:solidFill>
@@ -6406,7 +4859,7 @@
             <a:fld id="{256CE565-1940-4E5F-9190-C0815CEAAA9D}" type="datetime1">
               <a:rPr lang="en-US"/>
               <a:pPr/>
-              <a:t>2/19/2013</a:t>
+              <a:t>12/12/2018</a:t>
             </a:fld>
             <a:endParaRPr lang="en-US"/>
           </a:p>
@@ -6976,15 +5429,42 @@
             <p:ph type="ctrTitle"/>
           </p:nvPr>
         </p:nvSpPr>
-        <p:spPr/>
+        <p:spPr>
+          <a:xfrm>
+            <a:off x="1798638" y="2286000"/>
+            <a:ext cx="6583362" cy="1569660"/>
+          </a:xfrm>
+        </p:spPr>
         <p:txBody>
           <a:bodyPr/>
           <a:lstStyle/>
           <a:p>
             <a:r>
-              <a:rPr lang="en-US"/>
-              <a:t>HU powerpoint-presentatie</a:t>
-            </a:r>
+              <a:rPr lang="en-US" dirty="0" smtClean="0"/>
+              <a:t>Data-driven learning</a:t>
+            </a:r>
+            <a:br>
+              <a:rPr lang="en-US" dirty="0" smtClean="0"/>
+            </a:br>
+            <a:r>
+              <a:rPr lang="en-US" sz="2400" dirty="0" smtClean="0"/>
+              <a:t>W7 L2:</a:t>
+            </a:r>
+            <a:r>
+              <a:rPr lang="en-US" sz="2400" smtClean="0"/>
+              <a:t/>
+            </a:r>
+            <a:br>
+              <a:rPr lang="en-US" sz="2400" smtClean="0"/>
+            </a:br>
+            <a:r>
+              <a:rPr lang="en-US" sz="2000" dirty="0" smtClean="0"/>
+              <a:t/>
+            </a:r>
+            <a:br>
+              <a:rPr lang="en-US" sz="2000" dirty="0" smtClean="0"/>
+            </a:br>
+            <a:endParaRPr lang="en-US" sz="2000" dirty="0"/>
           </a:p>
         </p:txBody>
       </p:sp>
@@ -7001,1682 +5481,39 @@
         <p:spPr>
           <a:xfrm>
             <a:off x="1798638" y="3886200"/>
-            <a:ext cx="6583362" cy="336550"/>
+            <a:ext cx="6583362" cy="1569660"/>
           </a:xfrm>
         </p:spPr>
         <p:txBody>
           <a:bodyPr/>
           <a:lstStyle/>
           <a:p>
-            <a:r>
-              <a:rPr lang="en-US"/>
-              <a:t>Voorbeelden en suggesties</a:t>
-            </a:r>
+            <a:endParaRPr lang="en-US" dirty="0" smtClean="0"/>
+          </a:p>
+          <a:p>
+            <a:endParaRPr lang="en-US" dirty="0"/>
+          </a:p>
+          <a:p>
+            <a:endParaRPr lang="en-US" dirty="0" smtClean="0"/>
+          </a:p>
+          <a:p>
+            <a:endParaRPr lang="en-US" dirty="0"/>
+          </a:p>
+          <a:p>
+            <a:r>
+              <a:rPr lang="en-US" dirty="0" smtClean="0"/>
+              <a:t>Jonas Moons</a:t>
+            </a:r>
+            <a:endParaRPr lang="en-US" dirty="0"/>
           </a:p>
         </p:txBody>
       </p:sp>
     </p:spTree>
-  </p:cSld>
-  <p:clrMapOvr>
-    <a:masterClrMapping/>
-  </p:clrMapOvr>
-  <p:timing>
-    <p:tnLst>
-      <p:par>
-        <p:cTn id="1" dur="indefinite" restart="never" nodeType="tmRoot"/>
-      </p:par>
-    </p:tnLst>
-  </p:timing>
-</p:sld>
-</file>
-
-<file path=ppt/slides/slide10.xml><?xml version="1.0" encoding="utf-8"?>
-<p:sld xmlns:a="http://schemas.openxmlformats.org/drawingml/2006/main" xmlns:r="http://schemas.openxmlformats.org/officeDocument/2006/relationships" xmlns:p="http://schemas.openxmlformats.org/presentationml/2006/main">
-  <p:cSld>
-    <p:spTree>
-      <p:nvGrpSpPr>
-        <p:cNvPr id="1" name=""/>
-        <p:cNvGrpSpPr/>
-        <p:nvPr/>
-      </p:nvGrpSpPr>
-      <p:grpSpPr>
-        <a:xfrm>
-          <a:off x="0" y="0"/>
-          <a:ext cx="0" cy="0"/>
-          <a:chOff x="0" y="0"/>
-          <a:chExt cx="0" cy="0"/>
-        </a:xfrm>
-      </p:grpSpPr>
-      <p:sp>
-        <p:nvSpPr>
-          <p:cNvPr id="176130" name="Rectangle 2"/>
-          <p:cNvSpPr>
-            <a:spLocks noGrp="1" noChangeArrowheads="1"/>
-          </p:cNvSpPr>
-          <p:nvPr>
-            <p:ph type="title"/>
-          </p:nvPr>
-        </p:nvSpPr>
-        <p:spPr/>
-        <p:txBody>
-          <a:bodyPr/>
-          <a:lstStyle/>
-          <a:p>
-            <a:r>
-              <a:rPr lang="en-US"/>
-              <a:t>HU ppt [tabel]</a:t>
-            </a:r>
-          </a:p>
-        </p:txBody>
-      </p:sp>
-      <p:graphicFrame>
-        <p:nvGraphicFramePr>
-          <p:cNvPr id="176488" name="Group 360"/>
-          <p:cNvGraphicFramePr>
-            <a:graphicFrameLocks noGrp="1"/>
-          </p:cNvGraphicFramePr>
-          <p:nvPr>
-            <p:ph type="tbl" idx="1"/>
-          </p:nvPr>
-        </p:nvGraphicFramePr>
-        <p:xfrm>
-          <a:off x="762000" y="1762125"/>
-          <a:ext cx="7620000" cy="2540002"/>
-        </p:xfrm>
-        <a:graphic>
-          <a:graphicData uri="http://schemas.openxmlformats.org/drawingml/2006/table">
-            <a:tbl>
-              <a:tblPr/>
-              <a:tblGrid>
-                <a:gridCol w="1905000"/>
-                <a:gridCol w="1905000"/>
-                <a:gridCol w="1905000"/>
-                <a:gridCol w="1905000"/>
-              </a:tblGrid>
-              <a:tr h="636588">
-                <a:tc>
-                  <a:txBody>
-                    <a:bodyPr/>
-                    <a:lstStyle/>
-                    <a:p>
-                      <a:pPr marL="0" marR="0" lvl="0" indent="0" algn="l" defTabSz="914400" rtl="0" eaLnBrk="1" fontAlgn="base" latinLnBrk="0" hangingPunct="1">
-                        <a:lnSpc>
-                          <a:spcPct val="100000"/>
-                        </a:lnSpc>
-                        <a:spcBef>
-                          <a:spcPct val="20000"/>
-                        </a:spcBef>
-                        <a:spcAft>
-                          <a:spcPct val="0"/>
-                        </a:spcAft>
-                        <a:buClr>
-                          <a:srgbClr val="ED0010"/>
-                        </a:buClr>
-                        <a:buSzPct val="60000"/>
-                        <a:buFont typeface="Zapf Dingbats" charset="2"/>
-                        <a:buNone/>
-                        <a:tabLst/>
-                      </a:pPr>
-                      <a:endParaRPr kumimoji="0" lang="nl-NL" sz="2400" b="0" i="0" u="none" strike="noStrike" cap="none" normalizeH="0" baseline="0" smtClean="0">
-                        <a:ln>
-                          <a:noFill/>
-                        </a:ln>
-                        <a:solidFill>
-                          <a:srgbClr val="000000"/>
-                        </a:solidFill>
-                        <a:effectLst/>
-                        <a:latin typeface="Arial" charset="0"/>
-                      </a:endParaRPr>
-                    </a:p>
-                  </a:txBody>
-                  <a:tcPr horzOverflow="overflow">
-                    <a:lnL w="12700" cap="flat" cmpd="sng" algn="ctr">
-                      <a:solidFill>
-                        <a:schemeClr val="bg1"/>
-                      </a:solidFill>
-                      <a:prstDash val="solid"/>
-                      <a:round/>
-                      <a:headEnd type="none" w="med" len="med"/>
-                      <a:tailEnd type="none" w="med" len="med"/>
-                    </a:lnL>
-                    <a:lnR w="28575" cap="flat" cmpd="sng" algn="ctr">
-                      <a:solidFill>
-                        <a:schemeClr val="bg1"/>
-                      </a:solidFill>
-                      <a:prstDash val="solid"/>
-                      <a:round/>
-                      <a:headEnd type="none" w="med" len="med"/>
-                      <a:tailEnd type="none" w="med" len="med"/>
-                    </a:lnR>
-                    <a:lnT w="12700" cap="flat" cmpd="sng" algn="ctr">
-                      <a:solidFill>
-                        <a:schemeClr val="bg1"/>
-                      </a:solidFill>
-                      <a:prstDash val="solid"/>
-                      <a:round/>
-                      <a:headEnd type="none" w="med" len="med"/>
-                      <a:tailEnd type="none" w="med" len="med"/>
-                    </a:lnT>
-                    <a:lnB w="28575" cap="flat" cmpd="sng" algn="ctr">
-                      <a:solidFill>
-                        <a:schemeClr val="bg1"/>
-                      </a:solidFill>
-                      <a:prstDash val="solid"/>
-                      <a:round/>
-                      <a:headEnd type="none" w="med" len="med"/>
-                      <a:tailEnd type="none" w="med" len="med"/>
-                    </a:lnB>
-                    <a:lnTlToBr>
-                      <a:noFill/>
-                    </a:lnTlToBr>
-                    <a:lnBlToTr>
-                      <a:noFill/>
-                    </a:lnBlToTr>
-                    <a:solidFill>
-                      <a:schemeClr val="accent1"/>
-                    </a:solidFill>
-                  </a:tcPr>
-                </a:tc>
-                <a:tc>
-                  <a:txBody>
-                    <a:bodyPr/>
-                    <a:lstStyle/>
-                    <a:p>
-                      <a:pPr marL="0" marR="0" lvl="0" indent="0" algn="l" defTabSz="914400" rtl="0" eaLnBrk="1" fontAlgn="base" latinLnBrk="0" hangingPunct="1">
-                        <a:lnSpc>
-                          <a:spcPct val="100000"/>
-                        </a:lnSpc>
-                        <a:spcBef>
-                          <a:spcPct val="20000"/>
-                        </a:spcBef>
-                        <a:spcAft>
-                          <a:spcPct val="0"/>
-                        </a:spcAft>
-                        <a:buClr>
-                          <a:srgbClr val="ED0010"/>
-                        </a:buClr>
-                        <a:buSzPct val="60000"/>
-                        <a:buFont typeface="Zapf Dingbats" charset="2"/>
-                        <a:buNone/>
-                        <a:tabLst/>
-                      </a:pPr>
-                      <a:r>
-                        <a:rPr kumimoji="0" lang="en-US" sz="2400" b="1" i="0" u="none" strike="noStrike" cap="none" normalizeH="0" baseline="0" smtClean="0">
-                          <a:ln>
-                            <a:noFill/>
-                          </a:ln>
-                          <a:solidFill>
-                            <a:srgbClr val="000000"/>
-                          </a:solidFill>
-                          <a:effectLst/>
-                          <a:latin typeface="Arial" charset="0"/>
-                        </a:rPr>
-                        <a:t>Instituut</a:t>
-                      </a:r>
-                      <a:endParaRPr kumimoji="0" lang="en-US" sz="2400" b="0" i="0" u="none" strike="noStrike" cap="none" normalizeH="0" baseline="0" smtClean="0">
-                        <a:ln>
-                          <a:noFill/>
-                        </a:ln>
-                        <a:solidFill>
-                          <a:srgbClr val="000000"/>
-                        </a:solidFill>
-                        <a:effectLst/>
-                        <a:latin typeface="Arial" charset="0"/>
-                      </a:endParaRPr>
-                    </a:p>
-                  </a:txBody>
-                  <a:tcPr horzOverflow="overflow">
-                    <a:lnL w="28575" cap="flat" cmpd="sng" algn="ctr">
-                      <a:solidFill>
-                        <a:schemeClr val="bg1"/>
-                      </a:solidFill>
-                      <a:prstDash val="solid"/>
-                      <a:round/>
-                      <a:headEnd type="none" w="med" len="med"/>
-                      <a:tailEnd type="none" w="med" len="med"/>
-                    </a:lnL>
-                    <a:lnR w="28575" cap="flat" cmpd="sng" algn="ctr">
-                      <a:solidFill>
-                        <a:schemeClr val="bg1"/>
-                      </a:solidFill>
-                      <a:prstDash val="solid"/>
-                      <a:round/>
-                      <a:headEnd type="none" w="med" len="med"/>
-                      <a:tailEnd type="none" w="med" len="med"/>
-                    </a:lnR>
-                    <a:lnT w="12700" cap="flat" cmpd="sng" algn="ctr">
-                      <a:solidFill>
-                        <a:schemeClr val="bg1"/>
-                      </a:solidFill>
-                      <a:prstDash val="solid"/>
-                      <a:round/>
-                      <a:headEnd type="none" w="med" len="med"/>
-                      <a:tailEnd type="none" w="med" len="med"/>
-                    </a:lnT>
-                    <a:lnB w="28575" cap="flat" cmpd="sng" algn="ctr">
-                      <a:solidFill>
-                        <a:schemeClr val="bg1"/>
-                      </a:solidFill>
-                      <a:prstDash val="solid"/>
-                      <a:round/>
-                      <a:headEnd type="none" w="med" len="med"/>
-                      <a:tailEnd type="none" w="med" len="med"/>
-                    </a:lnB>
-                    <a:lnTlToBr>
-                      <a:noFill/>
-                    </a:lnTlToBr>
-                    <a:lnBlToTr>
-                      <a:noFill/>
-                    </a:lnBlToTr>
-                    <a:solidFill>
-                      <a:schemeClr val="accent1"/>
-                    </a:solidFill>
-                  </a:tcPr>
-                </a:tc>
-                <a:tc>
-                  <a:txBody>
-                    <a:bodyPr/>
-                    <a:lstStyle/>
-                    <a:p>
-                      <a:pPr marL="0" marR="0" lvl="0" indent="0" algn="l" defTabSz="914400" rtl="0" eaLnBrk="1" fontAlgn="base" latinLnBrk="0" hangingPunct="1">
-                        <a:lnSpc>
-                          <a:spcPct val="100000"/>
-                        </a:lnSpc>
-                        <a:spcBef>
-                          <a:spcPct val="20000"/>
-                        </a:spcBef>
-                        <a:spcAft>
-                          <a:spcPct val="0"/>
-                        </a:spcAft>
-                        <a:buClr>
-                          <a:srgbClr val="ED0010"/>
-                        </a:buClr>
-                        <a:buSzPct val="60000"/>
-                        <a:buFont typeface="Zapf Dingbats" charset="2"/>
-                        <a:buNone/>
-                        <a:tabLst/>
-                      </a:pPr>
-                      <a:r>
-                        <a:rPr kumimoji="0" lang="en-US" sz="2400" b="1" i="0" u="none" strike="noStrike" cap="none" normalizeH="0" baseline="0" smtClean="0">
-                          <a:ln>
-                            <a:noFill/>
-                          </a:ln>
-                          <a:solidFill>
-                            <a:srgbClr val="000000"/>
-                          </a:solidFill>
-                          <a:effectLst/>
-                          <a:latin typeface="Arial" charset="0"/>
-                        </a:rPr>
-                        <a:t>academie</a:t>
-                      </a:r>
-                    </a:p>
-                  </a:txBody>
-                  <a:tcPr horzOverflow="overflow">
-                    <a:lnL w="28575" cap="flat" cmpd="sng" algn="ctr">
-                      <a:solidFill>
-                        <a:schemeClr val="bg1"/>
-                      </a:solidFill>
-                      <a:prstDash val="solid"/>
-                      <a:round/>
-                      <a:headEnd type="none" w="med" len="med"/>
-                      <a:tailEnd type="none" w="med" len="med"/>
-                    </a:lnL>
-                    <a:lnR w="28575" cap="flat" cmpd="sng" algn="ctr">
-                      <a:solidFill>
-                        <a:schemeClr val="bg1"/>
-                      </a:solidFill>
-                      <a:prstDash val="solid"/>
-                      <a:round/>
-                      <a:headEnd type="none" w="med" len="med"/>
-                      <a:tailEnd type="none" w="med" len="med"/>
-                    </a:lnR>
-                    <a:lnT w="12700" cap="flat" cmpd="sng" algn="ctr">
-                      <a:solidFill>
-                        <a:schemeClr val="bg1"/>
-                      </a:solidFill>
-                      <a:prstDash val="solid"/>
-                      <a:round/>
-                      <a:headEnd type="none" w="med" len="med"/>
-                      <a:tailEnd type="none" w="med" len="med"/>
-                    </a:lnT>
-                    <a:lnB w="28575" cap="flat" cmpd="sng" algn="ctr">
-                      <a:solidFill>
-                        <a:schemeClr val="bg1"/>
-                      </a:solidFill>
-                      <a:prstDash val="solid"/>
-                      <a:round/>
-                      <a:headEnd type="none" w="med" len="med"/>
-                      <a:tailEnd type="none" w="med" len="med"/>
-                    </a:lnB>
-                    <a:lnTlToBr>
-                      <a:noFill/>
-                    </a:lnTlToBr>
-                    <a:lnBlToTr>
-                      <a:noFill/>
-                    </a:lnBlToTr>
-                    <a:solidFill>
-                      <a:schemeClr val="accent1"/>
-                    </a:solidFill>
-                  </a:tcPr>
-                </a:tc>
-                <a:tc>
-                  <a:txBody>
-                    <a:bodyPr/>
-                    <a:lstStyle/>
-                    <a:p>
-                      <a:pPr marL="0" marR="0" lvl="0" indent="0" algn="l" defTabSz="914400" rtl="0" eaLnBrk="1" fontAlgn="base" latinLnBrk="0" hangingPunct="1">
-                        <a:lnSpc>
-                          <a:spcPct val="100000"/>
-                        </a:lnSpc>
-                        <a:spcBef>
-                          <a:spcPct val="20000"/>
-                        </a:spcBef>
-                        <a:spcAft>
-                          <a:spcPct val="0"/>
-                        </a:spcAft>
-                        <a:buClr>
-                          <a:srgbClr val="ED0010"/>
-                        </a:buClr>
-                        <a:buSzPct val="60000"/>
-                        <a:buFont typeface="Zapf Dingbats" charset="2"/>
-                        <a:buNone/>
-                        <a:tabLst/>
-                      </a:pPr>
-                      <a:r>
-                        <a:rPr kumimoji="0" lang="en-US" sz="2400" b="1" i="0" u="none" strike="noStrike" cap="none" normalizeH="0" baseline="0" smtClean="0">
-                          <a:ln>
-                            <a:noFill/>
-                          </a:ln>
-                          <a:solidFill>
-                            <a:srgbClr val="000000"/>
-                          </a:solidFill>
-                          <a:effectLst/>
-                          <a:latin typeface="Arial" charset="0"/>
-                        </a:rPr>
-                        <a:t>centrum</a:t>
-                      </a:r>
-                    </a:p>
-                  </a:txBody>
-                  <a:tcPr horzOverflow="overflow">
-                    <a:lnL w="28575" cap="flat" cmpd="sng" algn="ctr">
-                      <a:solidFill>
-                        <a:schemeClr val="bg1"/>
-                      </a:solidFill>
-                      <a:prstDash val="solid"/>
-                      <a:round/>
-                      <a:headEnd type="none" w="med" len="med"/>
-                      <a:tailEnd type="none" w="med" len="med"/>
-                    </a:lnL>
-                    <a:lnR w="12700" cap="flat" cmpd="sng" algn="ctr">
-                      <a:solidFill>
-                        <a:schemeClr val="bg1"/>
-                      </a:solidFill>
-                      <a:prstDash val="solid"/>
-                      <a:round/>
-                      <a:headEnd type="none" w="med" len="med"/>
-                      <a:tailEnd type="none" w="med" len="med"/>
-                    </a:lnR>
-                    <a:lnT w="12700" cap="flat" cmpd="sng" algn="ctr">
-                      <a:solidFill>
-                        <a:schemeClr val="bg1"/>
-                      </a:solidFill>
-                      <a:prstDash val="solid"/>
-                      <a:round/>
-                      <a:headEnd type="none" w="med" len="med"/>
-                      <a:tailEnd type="none" w="med" len="med"/>
-                    </a:lnT>
-                    <a:lnB w="28575" cap="flat" cmpd="sng" algn="ctr">
-                      <a:solidFill>
-                        <a:schemeClr val="bg1"/>
-                      </a:solidFill>
-                      <a:prstDash val="solid"/>
-                      <a:round/>
-                      <a:headEnd type="none" w="med" len="med"/>
-                      <a:tailEnd type="none" w="med" len="med"/>
-                    </a:lnB>
-                    <a:lnTlToBr>
-                      <a:noFill/>
-                    </a:lnTlToBr>
-                    <a:lnBlToTr>
-                      <a:noFill/>
-                    </a:lnBlToTr>
-                    <a:solidFill>
-                      <a:schemeClr val="accent1"/>
-                    </a:solidFill>
-                  </a:tcPr>
-                </a:tc>
-              </a:tr>
-              <a:tr h="633413">
-                <a:tc>
-                  <a:txBody>
-                    <a:bodyPr/>
-                    <a:lstStyle/>
-                    <a:p>
-                      <a:pPr marL="0" marR="0" lvl="0" indent="0" algn="l" defTabSz="914400" rtl="0" eaLnBrk="1" fontAlgn="base" latinLnBrk="0" hangingPunct="1">
-                        <a:lnSpc>
-                          <a:spcPct val="100000"/>
-                        </a:lnSpc>
-                        <a:spcBef>
-                          <a:spcPct val="20000"/>
-                        </a:spcBef>
-                        <a:spcAft>
-                          <a:spcPct val="0"/>
-                        </a:spcAft>
-                        <a:buClr>
-                          <a:srgbClr val="ED0010"/>
-                        </a:buClr>
-                        <a:buSzPct val="60000"/>
-                        <a:buFont typeface="Zapf Dingbats" charset="2"/>
-                        <a:buNone/>
-                        <a:tabLst/>
-                      </a:pPr>
-                      <a:r>
-                        <a:rPr kumimoji="0" lang="en-US" sz="2400" b="1" i="0" u="none" strike="noStrike" cap="none" normalizeH="0" baseline="0" smtClean="0">
-                          <a:ln>
-                            <a:noFill/>
-                          </a:ln>
-                          <a:solidFill>
-                            <a:srgbClr val="000000"/>
-                          </a:solidFill>
-                          <a:effectLst/>
-                          <a:latin typeface="Arial" charset="0"/>
-                        </a:rPr>
-                        <a:t>2003</a:t>
-                      </a:r>
-                      <a:endParaRPr kumimoji="0" lang="en-US" sz="2400" b="0" i="0" u="none" strike="noStrike" cap="none" normalizeH="0" baseline="0" smtClean="0">
-                        <a:ln>
-                          <a:noFill/>
-                        </a:ln>
-                        <a:solidFill>
-                          <a:srgbClr val="000000"/>
-                        </a:solidFill>
-                        <a:effectLst/>
-                        <a:latin typeface="Arial" charset="0"/>
-                      </a:endParaRPr>
-                    </a:p>
-                  </a:txBody>
-                  <a:tcPr horzOverflow="overflow">
-                    <a:lnL w="12700" cap="flat" cmpd="sng" algn="ctr">
-                      <a:solidFill>
-                        <a:schemeClr val="bg1"/>
-                      </a:solidFill>
-                      <a:prstDash val="solid"/>
-                      <a:round/>
-                      <a:headEnd type="none" w="med" len="med"/>
-                      <a:tailEnd type="none" w="med" len="med"/>
-                    </a:lnL>
-                    <a:lnR w="28575" cap="flat" cmpd="sng" algn="ctr">
-                      <a:solidFill>
-                        <a:schemeClr val="bg1"/>
-                      </a:solidFill>
-                      <a:prstDash val="solid"/>
-                      <a:round/>
-                      <a:headEnd type="none" w="med" len="med"/>
-                      <a:tailEnd type="none" w="med" len="med"/>
-                    </a:lnR>
-                    <a:lnT w="28575" cap="flat" cmpd="sng" algn="ctr">
-                      <a:solidFill>
-                        <a:schemeClr val="bg1"/>
-                      </a:solidFill>
-                      <a:prstDash val="solid"/>
-                      <a:round/>
-                      <a:headEnd type="none" w="med" len="med"/>
-                      <a:tailEnd type="none" w="med" len="med"/>
-                    </a:lnT>
-                    <a:lnB w="28575" cap="flat" cmpd="sng" algn="ctr">
-                      <a:solidFill>
-                        <a:schemeClr val="bg1"/>
-                      </a:solidFill>
-                      <a:prstDash val="solid"/>
-                      <a:round/>
-                      <a:headEnd type="none" w="med" len="med"/>
-                      <a:tailEnd type="none" w="med" len="med"/>
-                    </a:lnB>
-                    <a:lnTlToBr>
-                      <a:noFill/>
-                    </a:lnTlToBr>
-                    <a:lnBlToTr>
-                      <a:noFill/>
-                    </a:lnBlToTr>
-                    <a:solidFill>
-                      <a:schemeClr val="accent1"/>
-                    </a:solidFill>
-                  </a:tcPr>
-                </a:tc>
-                <a:tc>
-                  <a:txBody>
-                    <a:bodyPr/>
-                    <a:lstStyle/>
-                    <a:p>
-                      <a:pPr marL="0" marR="0" lvl="0" indent="0" algn="l" defTabSz="914400" rtl="0" eaLnBrk="1" fontAlgn="base" latinLnBrk="0" hangingPunct="1">
-                        <a:lnSpc>
-                          <a:spcPct val="100000"/>
-                        </a:lnSpc>
-                        <a:spcBef>
-                          <a:spcPct val="20000"/>
-                        </a:spcBef>
-                        <a:spcAft>
-                          <a:spcPct val="0"/>
-                        </a:spcAft>
-                        <a:buClr>
-                          <a:srgbClr val="ED0010"/>
-                        </a:buClr>
-                        <a:buSzPct val="60000"/>
-                        <a:buFont typeface="Zapf Dingbats" charset="2"/>
-                        <a:buNone/>
-                        <a:tabLst/>
-                      </a:pPr>
-                      <a:r>
-                        <a:rPr kumimoji="0" lang="en-US" sz="2400" b="0" i="0" u="none" strike="noStrike" cap="none" normalizeH="0" baseline="0" smtClean="0">
-                          <a:ln>
-                            <a:noFill/>
-                          </a:ln>
-                          <a:solidFill>
-                            <a:srgbClr val="000000"/>
-                          </a:solidFill>
-                          <a:effectLst/>
-                          <a:latin typeface="Arial" charset="0"/>
-                        </a:rPr>
-                        <a:t>30%</a:t>
-                      </a:r>
-                    </a:p>
-                  </a:txBody>
-                  <a:tcPr horzOverflow="overflow">
-                    <a:lnL w="28575" cap="flat" cmpd="sng" algn="ctr">
-                      <a:solidFill>
-                        <a:schemeClr val="bg1"/>
-                      </a:solidFill>
-                      <a:prstDash val="solid"/>
-                      <a:round/>
-                      <a:headEnd type="none" w="med" len="med"/>
-                      <a:tailEnd type="none" w="med" len="med"/>
-                    </a:lnL>
-                    <a:lnR w="28575" cap="flat" cmpd="sng" algn="ctr">
-                      <a:solidFill>
-                        <a:schemeClr val="bg1"/>
-                      </a:solidFill>
-                      <a:prstDash val="solid"/>
-                      <a:round/>
-                      <a:headEnd type="none" w="med" len="med"/>
-                      <a:tailEnd type="none" w="med" len="med"/>
-                    </a:lnR>
-                    <a:lnT w="28575" cap="flat" cmpd="sng" algn="ctr">
-                      <a:solidFill>
-                        <a:schemeClr val="bg1"/>
-                      </a:solidFill>
-                      <a:prstDash val="solid"/>
-                      <a:round/>
-                      <a:headEnd type="none" w="med" len="med"/>
-                      <a:tailEnd type="none" w="med" len="med"/>
-                    </a:lnT>
-                    <a:lnB w="28575" cap="flat" cmpd="sng" algn="ctr">
-                      <a:solidFill>
-                        <a:schemeClr val="bg1"/>
-                      </a:solidFill>
-                      <a:prstDash val="solid"/>
-                      <a:round/>
-                      <a:headEnd type="none" w="med" len="med"/>
-                      <a:tailEnd type="none" w="med" len="med"/>
-                    </a:lnB>
-                    <a:lnTlToBr>
-                      <a:noFill/>
-                    </a:lnTlToBr>
-                    <a:lnBlToTr>
-                      <a:noFill/>
-                    </a:lnBlToTr>
-                    <a:solidFill>
-                      <a:schemeClr val="accent1"/>
-                    </a:solidFill>
-                  </a:tcPr>
-                </a:tc>
-                <a:tc>
-                  <a:txBody>
-                    <a:bodyPr/>
-                    <a:lstStyle/>
-                    <a:p>
-                      <a:pPr marL="0" marR="0" lvl="0" indent="0" algn="l" defTabSz="914400" rtl="0" eaLnBrk="1" fontAlgn="base" latinLnBrk="0" hangingPunct="1">
-                        <a:lnSpc>
-                          <a:spcPct val="100000"/>
-                        </a:lnSpc>
-                        <a:spcBef>
-                          <a:spcPct val="20000"/>
-                        </a:spcBef>
-                        <a:spcAft>
-                          <a:spcPct val="0"/>
-                        </a:spcAft>
-                        <a:buClr>
-                          <a:srgbClr val="ED0010"/>
-                        </a:buClr>
-                        <a:buSzPct val="60000"/>
-                        <a:buFont typeface="Zapf Dingbats" charset="2"/>
-                        <a:buNone/>
-                        <a:tabLst/>
-                      </a:pPr>
-                      <a:r>
-                        <a:rPr kumimoji="0" lang="en-US" sz="2400" b="0" i="0" u="none" strike="noStrike" cap="none" normalizeH="0" baseline="0" smtClean="0">
-                          <a:ln>
-                            <a:noFill/>
-                          </a:ln>
-                          <a:solidFill>
-                            <a:srgbClr val="000000"/>
-                          </a:solidFill>
-                          <a:effectLst/>
-                          <a:latin typeface="Arial" charset="0"/>
-                        </a:rPr>
-                        <a:t>28%</a:t>
-                      </a:r>
-                    </a:p>
-                  </a:txBody>
-                  <a:tcPr horzOverflow="overflow">
-                    <a:lnL w="28575" cap="flat" cmpd="sng" algn="ctr">
-                      <a:solidFill>
-                        <a:schemeClr val="bg1"/>
-                      </a:solidFill>
-                      <a:prstDash val="solid"/>
-                      <a:round/>
-                      <a:headEnd type="none" w="med" len="med"/>
-                      <a:tailEnd type="none" w="med" len="med"/>
-                    </a:lnL>
-                    <a:lnR w="28575" cap="flat" cmpd="sng" algn="ctr">
-                      <a:solidFill>
-                        <a:schemeClr val="bg1"/>
-                      </a:solidFill>
-                      <a:prstDash val="solid"/>
-                      <a:round/>
-                      <a:headEnd type="none" w="med" len="med"/>
-                      <a:tailEnd type="none" w="med" len="med"/>
-                    </a:lnR>
-                    <a:lnT w="28575" cap="flat" cmpd="sng" algn="ctr">
-                      <a:solidFill>
-                        <a:schemeClr val="bg1"/>
-                      </a:solidFill>
-                      <a:prstDash val="solid"/>
-                      <a:round/>
-                      <a:headEnd type="none" w="med" len="med"/>
-                      <a:tailEnd type="none" w="med" len="med"/>
-                    </a:lnT>
-                    <a:lnB w="28575" cap="flat" cmpd="sng" algn="ctr">
-                      <a:solidFill>
-                        <a:schemeClr val="bg1"/>
-                      </a:solidFill>
-                      <a:prstDash val="solid"/>
-                      <a:round/>
-                      <a:headEnd type="none" w="med" len="med"/>
-                      <a:tailEnd type="none" w="med" len="med"/>
-                    </a:lnB>
-                    <a:lnTlToBr>
-                      <a:noFill/>
-                    </a:lnTlToBr>
-                    <a:lnBlToTr>
-                      <a:noFill/>
-                    </a:lnBlToTr>
-                    <a:solidFill>
-                      <a:schemeClr val="accent1"/>
-                    </a:solidFill>
-                  </a:tcPr>
-                </a:tc>
-                <a:tc>
-                  <a:txBody>
-                    <a:bodyPr/>
-                    <a:lstStyle/>
-                    <a:p>
-                      <a:pPr marL="0" marR="0" lvl="0" indent="0" algn="l" defTabSz="914400" rtl="0" eaLnBrk="1" fontAlgn="base" latinLnBrk="0" hangingPunct="1">
-                        <a:lnSpc>
-                          <a:spcPct val="100000"/>
-                        </a:lnSpc>
-                        <a:spcBef>
-                          <a:spcPct val="20000"/>
-                        </a:spcBef>
-                        <a:spcAft>
-                          <a:spcPct val="0"/>
-                        </a:spcAft>
-                        <a:buClr>
-                          <a:srgbClr val="ED0010"/>
-                        </a:buClr>
-                        <a:buSzPct val="60000"/>
-                        <a:buFont typeface="Zapf Dingbats" charset="2"/>
-                        <a:buNone/>
-                        <a:tabLst/>
-                      </a:pPr>
-                      <a:r>
-                        <a:rPr kumimoji="0" lang="en-US" sz="2400" b="0" i="0" u="none" strike="noStrike" cap="none" normalizeH="0" baseline="0" smtClean="0">
-                          <a:ln>
-                            <a:noFill/>
-                          </a:ln>
-                          <a:solidFill>
-                            <a:srgbClr val="000000"/>
-                          </a:solidFill>
-                          <a:effectLst/>
-                          <a:latin typeface="Arial" charset="0"/>
-                        </a:rPr>
-                        <a:t>32%</a:t>
-                      </a:r>
-                    </a:p>
-                  </a:txBody>
-                  <a:tcPr horzOverflow="overflow">
-                    <a:lnL w="28575" cap="flat" cmpd="sng" algn="ctr">
-                      <a:solidFill>
-                        <a:schemeClr val="bg1"/>
-                      </a:solidFill>
-                      <a:prstDash val="solid"/>
-                      <a:round/>
-                      <a:headEnd type="none" w="med" len="med"/>
-                      <a:tailEnd type="none" w="med" len="med"/>
-                    </a:lnL>
-                    <a:lnR w="12700" cap="flat" cmpd="sng" algn="ctr">
-                      <a:solidFill>
-                        <a:schemeClr val="bg1"/>
-                      </a:solidFill>
-                      <a:prstDash val="solid"/>
-                      <a:round/>
-                      <a:headEnd type="none" w="med" len="med"/>
-                      <a:tailEnd type="none" w="med" len="med"/>
-                    </a:lnR>
-                    <a:lnT w="28575" cap="flat" cmpd="sng" algn="ctr">
-                      <a:solidFill>
-                        <a:schemeClr val="bg1"/>
-                      </a:solidFill>
-                      <a:prstDash val="solid"/>
-                      <a:round/>
-                      <a:headEnd type="none" w="med" len="med"/>
-                      <a:tailEnd type="none" w="med" len="med"/>
-                    </a:lnT>
-                    <a:lnB w="28575" cap="flat" cmpd="sng" algn="ctr">
-                      <a:solidFill>
-                        <a:schemeClr val="bg1"/>
-                      </a:solidFill>
-                      <a:prstDash val="solid"/>
-                      <a:round/>
-                      <a:headEnd type="none" w="med" len="med"/>
-                      <a:tailEnd type="none" w="med" len="med"/>
-                    </a:lnB>
-                    <a:lnTlToBr>
-                      <a:noFill/>
-                    </a:lnTlToBr>
-                    <a:lnBlToTr>
-                      <a:noFill/>
-                    </a:lnBlToTr>
-                    <a:solidFill>
-                      <a:schemeClr val="accent1"/>
-                    </a:solidFill>
-                  </a:tcPr>
-                </a:tc>
-              </a:tr>
-              <a:tr h="636588">
-                <a:tc>
-                  <a:txBody>
-                    <a:bodyPr/>
-                    <a:lstStyle/>
-                    <a:p>
-                      <a:pPr marL="0" marR="0" lvl="0" indent="0" algn="l" defTabSz="914400" rtl="0" eaLnBrk="1" fontAlgn="base" latinLnBrk="0" hangingPunct="1">
-                        <a:lnSpc>
-                          <a:spcPct val="100000"/>
-                        </a:lnSpc>
-                        <a:spcBef>
-                          <a:spcPct val="20000"/>
-                        </a:spcBef>
-                        <a:spcAft>
-                          <a:spcPct val="0"/>
-                        </a:spcAft>
-                        <a:buClr>
-                          <a:srgbClr val="ED0010"/>
-                        </a:buClr>
-                        <a:buSzPct val="60000"/>
-                        <a:buFont typeface="Zapf Dingbats" charset="2"/>
-                        <a:buNone/>
-                        <a:tabLst/>
-                      </a:pPr>
-                      <a:r>
-                        <a:rPr kumimoji="0" lang="en-US" sz="2400" b="1" i="0" u="none" strike="noStrike" cap="none" normalizeH="0" baseline="0" smtClean="0">
-                          <a:ln>
-                            <a:noFill/>
-                          </a:ln>
-                          <a:solidFill>
-                            <a:srgbClr val="000000"/>
-                          </a:solidFill>
-                          <a:effectLst/>
-                          <a:latin typeface="Arial" charset="0"/>
-                        </a:rPr>
-                        <a:t>2004</a:t>
-                      </a:r>
-                      <a:endParaRPr kumimoji="0" lang="en-US" sz="2400" b="0" i="0" u="none" strike="noStrike" cap="none" normalizeH="0" baseline="0" smtClean="0">
-                        <a:ln>
-                          <a:noFill/>
-                        </a:ln>
-                        <a:solidFill>
-                          <a:srgbClr val="000000"/>
-                        </a:solidFill>
-                        <a:effectLst/>
-                        <a:latin typeface="Arial" charset="0"/>
-                      </a:endParaRPr>
-                    </a:p>
-                  </a:txBody>
-                  <a:tcPr horzOverflow="overflow">
-                    <a:lnL w="12700" cap="flat" cmpd="sng" algn="ctr">
-                      <a:solidFill>
-                        <a:schemeClr val="bg1"/>
-                      </a:solidFill>
-                      <a:prstDash val="solid"/>
-                      <a:round/>
-                      <a:headEnd type="none" w="med" len="med"/>
-                      <a:tailEnd type="none" w="med" len="med"/>
-                    </a:lnL>
-                    <a:lnR w="28575" cap="flat" cmpd="sng" algn="ctr">
-                      <a:solidFill>
-                        <a:schemeClr val="bg1"/>
-                      </a:solidFill>
-                      <a:prstDash val="solid"/>
-                      <a:round/>
-                      <a:headEnd type="none" w="med" len="med"/>
-                      <a:tailEnd type="none" w="med" len="med"/>
-                    </a:lnR>
-                    <a:lnT w="28575" cap="flat" cmpd="sng" algn="ctr">
-                      <a:solidFill>
-                        <a:schemeClr val="bg1"/>
-                      </a:solidFill>
-                      <a:prstDash val="solid"/>
-                      <a:round/>
-                      <a:headEnd type="none" w="med" len="med"/>
-                      <a:tailEnd type="none" w="med" len="med"/>
-                    </a:lnT>
-                    <a:lnB w="28575" cap="flat" cmpd="sng" algn="ctr">
-                      <a:solidFill>
-                        <a:schemeClr val="bg1"/>
-                      </a:solidFill>
-                      <a:prstDash val="solid"/>
-                      <a:round/>
-                      <a:headEnd type="none" w="med" len="med"/>
-                      <a:tailEnd type="none" w="med" len="med"/>
-                    </a:lnB>
-                    <a:lnTlToBr>
-                      <a:noFill/>
-                    </a:lnTlToBr>
-                    <a:lnBlToTr>
-                      <a:noFill/>
-                    </a:lnBlToTr>
-                    <a:solidFill>
-                      <a:schemeClr val="accent1"/>
-                    </a:solidFill>
-                  </a:tcPr>
-                </a:tc>
-                <a:tc>
-                  <a:txBody>
-                    <a:bodyPr/>
-                    <a:lstStyle/>
-                    <a:p>
-                      <a:pPr marL="0" marR="0" lvl="0" indent="0" algn="l" defTabSz="914400" rtl="0" eaLnBrk="1" fontAlgn="base" latinLnBrk="0" hangingPunct="1">
-                        <a:lnSpc>
-                          <a:spcPct val="100000"/>
-                        </a:lnSpc>
-                        <a:spcBef>
-                          <a:spcPct val="20000"/>
-                        </a:spcBef>
-                        <a:spcAft>
-                          <a:spcPct val="0"/>
-                        </a:spcAft>
-                        <a:buClr>
-                          <a:srgbClr val="ED0010"/>
-                        </a:buClr>
-                        <a:buSzPct val="60000"/>
-                        <a:buFont typeface="Zapf Dingbats" charset="2"/>
-                        <a:buNone/>
-                        <a:tabLst/>
-                      </a:pPr>
-                      <a:r>
-                        <a:rPr kumimoji="0" lang="en-US" sz="2400" b="0" i="0" u="none" strike="noStrike" cap="none" normalizeH="0" baseline="0" smtClean="0">
-                          <a:ln>
-                            <a:noFill/>
-                          </a:ln>
-                          <a:solidFill>
-                            <a:srgbClr val="000000"/>
-                          </a:solidFill>
-                          <a:effectLst/>
-                          <a:latin typeface="Arial" charset="0"/>
-                        </a:rPr>
-                        <a:t>28%</a:t>
-                      </a:r>
-                    </a:p>
-                  </a:txBody>
-                  <a:tcPr horzOverflow="overflow">
-                    <a:lnL w="28575" cap="flat" cmpd="sng" algn="ctr">
-                      <a:solidFill>
-                        <a:schemeClr val="bg1"/>
-                      </a:solidFill>
-                      <a:prstDash val="solid"/>
-                      <a:round/>
-                      <a:headEnd type="none" w="med" len="med"/>
-                      <a:tailEnd type="none" w="med" len="med"/>
-                    </a:lnL>
-                    <a:lnR w="28575" cap="flat" cmpd="sng" algn="ctr">
-                      <a:solidFill>
-                        <a:schemeClr val="bg1"/>
-                      </a:solidFill>
-                      <a:prstDash val="solid"/>
-                      <a:round/>
-                      <a:headEnd type="none" w="med" len="med"/>
-                      <a:tailEnd type="none" w="med" len="med"/>
-                    </a:lnR>
-                    <a:lnT w="28575" cap="flat" cmpd="sng" algn="ctr">
-                      <a:solidFill>
-                        <a:schemeClr val="bg1"/>
-                      </a:solidFill>
-                      <a:prstDash val="solid"/>
-                      <a:round/>
-                      <a:headEnd type="none" w="med" len="med"/>
-                      <a:tailEnd type="none" w="med" len="med"/>
-                    </a:lnT>
-                    <a:lnB w="28575" cap="flat" cmpd="sng" algn="ctr">
-                      <a:solidFill>
-                        <a:schemeClr val="bg1"/>
-                      </a:solidFill>
-                      <a:prstDash val="solid"/>
-                      <a:round/>
-                      <a:headEnd type="none" w="med" len="med"/>
-                      <a:tailEnd type="none" w="med" len="med"/>
-                    </a:lnB>
-                    <a:lnTlToBr>
-                      <a:noFill/>
-                    </a:lnTlToBr>
-                    <a:lnBlToTr>
-                      <a:noFill/>
-                    </a:lnBlToTr>
-                    <a:solidFill>
-                      <a:schemeClr val="accent1"/>
-                    </a:solidFill>
-                  </a:tcPr>
-                </a:tc>
-                <a:tc>
-                  <a:txBody>
-                    <a:bodyPr/>
-                    <a:lstStyle/>
-                    <a:p>
-                      <a:pPr marL="0" marR="0" lvl="0" indent="0" algn="l" defTabSz="914400" rtl="0" eaLnBrk="1" fontAlgn="base" latinLnBrk="0" hangingPunct="1">
-                        <a:lnSpc>
-                          <a:spcPct val="100000"/>
-                        </a:lnSpc>
-                        <a:spcBef>
-                          <a:spcPct val="20000"/>
-                        </a:spcBef>
-                        <a:spcAft>
-                          <a:spcPct val="0"/>
-                        </a:spcAft>
-                        <a:buClr>
-                          <a:srgbClr val="ED0010"/>
-                        </a:buClr>
-                        <a:buSzPct val="60000"/>
-                        <a:buFont typeface="Zapf Dingbats" charset="2"/>
-                        <a:buNone/>
-                        <a:tabLst/>
-                      </a:pPr>
-                      <a:r>
-                        <a:rPr kumimoji="0" lang="en-US" sz="2400" b="0" i="0" u="none" strike="noStrike" cap="none" normalizeH="0" baseline="0" smtClean="0">
-                          <a:ln>
-                            <a:noFill/>
-                          </a:ln>
-                          <a:solidFill>
-                            <a:srgbClr val="000000"/>
-                          </a:solidFill>
-                          <a:effectLst/>
-                          <a:latin typeface="Arial" charset="0"/>
-                        </a:rPr>
-                        <a:t>32%</a:t>
-                      </a:r>
-                    </a:p>
-                  </a:txBody>
-                  <a:tcPr horzOverflow="overflow">
-                    <a:lnL w="28575" cap="flat" cmpd="sng" algn="ctr">
-                      <a:solidFill>
-                        <a:schemeClr val="bg1"/>
-                      </a:solidFill>
-                      <a:prstDash val="solid"/>
-                      <a:round/>
-                      <a:headEnd type="none" w="med" len="med"/>
-                      <a:tailEnd type="none" w="med" len="med"/>
-                    </a:lnL>
-                    <a:lnR w="28575" cap="flat" cmpd="sng" algn="ctr">
-                      <a:solidFill>
-                        <a:schemeClr val="bg1"/>
-                      </a:solidFill>
-                      <a:prstDash val="solid"/>
-                      <a:round/>
-                      <a:headEnd type="none" w="med" len="med"/>
-                      <a:tailEnd type="none" w="med" len="med"/>
-                    </a:lnR>
-                    <a:lnT w="28575" cap="flat" cmpd="sng" algn="ctr">
-                      <a:solidFill>
-                        <a:schemeClr val="bg1"/>
-                      </a:solidFill>
-                      <a:prstDash val="solid"/>
-                      <a:round/>
-                      <a:headEnd type="none" w="med" len="med"/>
-                      <a:tailEnd type="none" w="med" len="med"/>
-                    </a:lnT>
-                    <a:lnB w="28575" cap="flat" cmpd="sng" algn="ctr">
-                      <a:solidFill>
-                        <a:schemeClr val="bg1"/>
-                      </a:solidFill>
-                      <a:prstDash val="solid"/>
-                      <a:round/>
-                      <a:headEnd type="none" w="med" len="med"/>
-                      <a:tailEnd type="none" w="med" len="med"/>
-                    </a:lnB>
-                    <a:lnTlToBr>
-                      <a:noFill/>
-                    </a:lnTlToBr>
-                    <a:lnBlToTr>
-                      <a:noFill/>
-                    </a:lnBlToTr>
-                    <a:solidFill>
-                      <a:schemeClr val="accent1"/>
-                    </a:solidFill>
-                  </a:tcPr>
-                </a:tc>
-                <a:tc>
-                  <a:txBody>
-                    <a:bodyPr/>
-                    <a:lstStyle/>
-                    <a:p>
-                      <a:pPr marL="0" marR="0" lvl="0" indent="0" algn="l" defTabSz="914400" rtl="0" eaLnBrk="1" fontAlgn="base" latinLnBrk="0" hangingPunct="1">
-                        <a:lnSpc>
-                          <a:spcPct val="100000"/>
-                        </a:lnSpc>
-                        <a:spcBef>
-                          <a:spcPct val="20000"/>
-                        </a:spcBef>
-                        <a:spcAft>
-                          <a:spcPct val="0"/>
-                        </a:spcAft>
-                        <a:buClr>
-                          <a:srgbClr val="ED0010"/>
-                        </a:buClr>
-                        <a:buSzPct val="60000"/>
-                        <a:buFont typeface="Zapf Dingbats" charset="2"/>
-                        <a:buNone/>
-                        <a:tabLst/>
-                      </a:pPr>
-                      <a:r>
-                        <a:rPr kumimoji="0" lang="en-US" sz="2400" b="0" i="0" u="none" strike="noStrike" cap="none" normalizeH="0" baseline="0" smtClean="0">
-                          <a:ln>
-                            <a:noFill/>
-                          </a:ln>
-                          <a:solidFill>
-                            <a:srgbClr val="000000"/>
-                          </a:solidFill>
-                          <a:effectLst/>
-                          <a:latin typeface="Arial" charset="0"/>
-                        </a:rPr>
-                        <a:t>30%</a:t>
-                      </a:r>
-                    </a:p>
-                  </a:txBody>
-                  <a:tcPr horzOverflow="overflow">
-                    <a:lnL w="28575" cap="flat" cmpd="sng" algn="ctr">
-                      <a:solidFill>
-                        <a:schemeClr val="bg1"/>
-                      </a:solidFill>
-                      <a:prstDash val="solid"/>
-                      <a:round/>
-                      <a:headEnd type="none" w="med" len="med"/>
-                      <a:tailEnd type="none" w="med" len="med"/>
-                    </a:lnL>
-                    <a:lnR w="12700" cap="flat" cmpd="sng" algn="ctr">
-                      <a:solidFill>
-                        <a:schemeClr val="bg1"/>
-                      </a:solidFill>
-                      <a:prstDash val="solid"/>
-                      <a:round/>
-                      <a:headEnd type="none" w="med" len="med"/>
-                      <a:tailEnd type="none" w="med" len="med"/>
-                    </a:lnR>
-                    <a:lnT w="28575" cap="flat" cmpd="sng" algn="ctr">
-                      <a:solidFill>
-                        <a:schemeClr val="bg1"/>
-                      </a:solidFill>
-                      <a:prstDash val="solid"/>
-                      <a:round/>
-                      <a:headEnd type="none" w="med" len="med"/>
-                      <a:tailEnd type="none" w="med" len="med"/>
-                    </a:lnT>
-                    <a:lnB w="28575" cap="flat" cmpd="sng" algn="ctr">
-                      <a:solidFill>
-                        <a:schemeClr val="bg1"/>
-                      </a:solidFill>
-                      <a:prstDash val="solid"/>
-                      <a:round/>
-                      <a:headEnd type="none" w="med" len="med"/>
-                      <a:tailEnd type="none" w="med" len="med"/>
-                    </a:lnB>
-                    <a:lnTlToBr>
-                      <a:noFill/>
-                    </a:lnTlToBr>
-                    <a:lnBlToTr>
-                      <a:noFill/>
-                    </a:lnBlToTr>
-                    <a:solidFill>
-                      <a:schemeClr val="accent1"/>
-                    </a:solidFill>
-                  </a:tcPr>
-                </a:tc>
-              </a:tr>
-              <a:tr h="633413">
-                <a:tc>
-                  <a:txBody>
-                    <a:bodyPr/>
-                    <a:lstStyle/>
-                    <a:p>
-                      <a:pPr marL="0" marR="0" lvl="0" indent="0" algn="l" defTabSz="914400" rtl="0" eaLnBrk="1" fontAlgn="base" latinLnBrk="0" hangingPunct="1">
-                        <a:lnSpc>
-                          <a:spcPct val="100000"/>
-                        </a:lnSpc>
-                        <a:spcBef>
-                          <a:spcPct val="20000"/>
-                        </a:spcBef>
-                        <a:spcAft>
-                          <a:spcPct val="0"/>
-                        </a:spcAft>
-                        <a:buClr>
-                          <a:srgbClr val="ED0010"/>
-                        </a:buClr>
-                        <a:buSzPct val="60000"/>
-                        <a:buFont typeface="Zapf Dingbats" charset="2"/>
-                        <a:buNone/>
-                        <a:tabLst/>
-                      </a:pPr>
-                      <a:r>
-                        <a:rPr kumimoji="0" lang="en-US" sz="2400" b="1" i="0" u="none" strike="noStrike" cap="none" normalizeH="0" baseline="0" smtClean="0">
-                          <a:ln>
-                            <a:noFill/>
-                          </a:ln>
-                          <a:solidFill>
-                            <a:srgbClr val="000000"/>
-                          </a:solidFill>
-                          <a:effectLst/>
-                          <a:latin typeface="Arial" charset="0"/>
-                        </a:rPr>
-                        <a:t>2005</a:t>
-                      </a:r>
-                      <a:endParaRPr kumimoji="0" lang="en-US" sz="2400" b="0" i="0" u="none" strike="noStrike" cap="none" normalizeH="0" baseline="0" smtClean="0">
-                        <a:ln>
-                          <a:noFill/>
-                        </a:ln>
-                        <a:solidFill>
-                          <a:srgbClr val="000000"/>
-                        </a:solidFill>
-                        <a:effectLst/>
-                        <a:latin typeface="Arial" charset="0"/>
-                      </a:endParaRPr>
-                    </a:p>
-                  </a:txBody>
-                  <a:tcPr horzOverflow="overflow">
-                    <a:lnL w="12700" cap="flat" cmpd="sng" algn="ctr">
-                      <a:solidFill>
-                        <a:schemeClr val="bg1"/>
-                      </a:solidFill>
-                      <a:prstDash val="solid"/>
-                      <a:round/>
-                      <a:headEnd type="none" w="med" len="med"/>
-                      <a:tailEnd type="none" w="med" len="med"/>
-                    </a:lnL>
-                    <a:lnR w="28575" cap="flat" cmpd="sng" algn="ctr">
-                      <a:solidFill>
-                        <a:schemeClr val="bg1"/>
-                      </a:solidFill>
-                      <a:prstDash val="solid"/>
-                      <a:round/>
-                      <a:headEnd type="none" w="med" len="med"/>
-                      <a:tailEnd type="none" w="med" len="med"/>
-                    </a:lnR>
-                    <a:lnT w="28575" cap="flat" cmpd="sng" algn="ctr">
-                      <a:solidFill>
-                        <a:schemeClr val="bg1"/>
-                      </a:solidFill>
-                      <a:prstDash val="solid"/>
-                      <a:round/>
-                      <a:headEnd type="none" w="med" len="med"/>
-                      <a:tailEnd type="none" w="med" len="med"/>
-                    </a:lnT>
-                    <a:lnB w="12700" cap="flat" cmpd="sng" algn="ctr">
-                      <a:solidFill>
-                        <a:schemeClr val="bg1"/>
-                      </a:solidFill>
-                      <a:prstDash val="solid"/>
-                      <a:round/>
-                      <a:headEnd type="none" w="med" len="med"/>
-                      <a:tailEnd type="none" w="med" len="med"/>
-                    </a:lnB>
-                    <a:lnTlToBr>
-                      <a:noFill/>
-                    </a:lnTlToBr>
-                    <a:lnBlToTr>
-                      <a:noFill/>
-                    </a:lnBlToTr>
-                    <a:solidFill>
-                      <a:schemeClr val="accent1"/>
-                    </a:solidFill>
-                  </a:tcPr>
-                </a:tc>
-                <a:tc>
-                  <a:txBody>
-                    <a:bodyPr/>
-                    <a:lstStyle/>
-                    <a:p>
-                      <a:pPr marL="0" marR="0" lvl="0" indent="0" algn="l" defTabSz="914400" rtl="0" eaLnBrk="1" fontAlgn="base" latinLnBrk="0" hangingPunct="1">
-                        <a:lnSpc>
-                          <a:spcPct val="100000"/>
-                        </a:lnSpc>
-                        <a:spcBef>
-                          <a:spcPct val="20000"/>
-                        </a:spcBef>
-                        <a:spcAft>
-                          <a:spcPct val="0"/>
-                        </a:spcAft>
-                        <a:buClr>
-                          <a:srgbClr val="ED0010"/>
-                        </a:buClr>
-                        <a:buSzPct val="60000"/>
-                        <a:buFont typeface="Zapf Dingbats" charset="2"/>
-                        <a:buNone/>
-                        <a:tabLst/>
-                      </a:pPr>
-                      <a:r>
-                        <a:rPr kumimoji="0" lang="en-US" sz="2400" b="0" i="0" u="none" strike="noStrike" cap="none" normalizeH="0" baseline="0" smtClean="0">
-                          <a:ln>
-                            <a:noFill/>
-                          </a:ln>
-                          <a:solidFill>
-                            <a:srgbClr val="000000"/>
-                          </a:solidFill>
-                          <a:effectLst/>
-                          <a:latin typeface="Arial" charset="0"/>
-                        </a:rPr>
-                        <a:t>32%</a:t>
-                      </a:r>
-                    </a:p>
-                  </a:txBody>
-                  <a:tcPr horzOverflow="overflow">
-                    <a:lnL w="28575" cap="flat" cmpd="sng" algn="ctr">
-                      <a:solidFill>
-                        <a:schemeClr val="bg1"/>
-                      </a:solidFill>
-                      <a:prstDash val="solid"/>
-                      <a:round/>
-                      <a:headEnd type="none" w="med" len="med"/>
-                      <a:tailEnd type="none" w="med" len="med"/>
-                    </a:lnL>
-                    <a:lnR w="28575" cap="flat" cmpd="sng" algn="ctr">
-                      <a:solidFill>
-                        <a:schemeClr val="bg1"/>
-                      </a:solidFill>
-                      <a:prstDash val="solid"/>
-                      <a:round/>
-                      <a:headEnd type="none" w="med" len="med"/>
-                      <a:tailEnd type="none" w="med" len="med"/>
-                    </a:lnR>
-                    <a:lnT w="28575" cap="flat" cmpd="sng" algn="ctr">
-                      <a:solidFill>
-                        <a:schemeClr val="bg1"/>
-                      </a:solidFill>
-                      <a:prstDash val="solid"/>
-                      <a:round/>
-                      <a:headEnd type="none" w="med" len="med"/>
-                      <a:tailEnd type="none" w="med" len="med"/>
-                    </a:lnT>
-                    <a:lnB w="12700" cap="flat" cmpd="sng" algn="ctr">
-                      <a:solidFill>
-                        <a:schemeClr val="bg1"/>
-                      </a:solidFill>
-                      <a:prstDash val="solid"/>
-                      <a:round/>
-                      <a:headEnd type="none" w="med" len="med"/>
-                      <a:tailEnd type="none" w="med" len="med"/>
-                    </a:lnB>
-                    <a:lnTlToBr>
-                      <a:noFill/>
-                    </a:lnTlToBr>
-                    <a:lnBlToTr>
-                      <a:noFill/>
-                    </a:lnBlToTr>
-                    <a:solidFill>
-                      <a:schemeClr val="accent1"/>
-                    </a:solidFill>
-                  </a:tcPr>
-                </a:tc>
-                <a:tc>
-                  <a:txBody>
-                    <a:bodyPr/>
-                    <a:lstStyle/>
-                    <a:p>
-                      <a:pPr marL="0" marR="0" lvl="0" indent="0" algn="l" defTabSz="914400" rtl="0" eaLnBrk="1" fontAlgn="base" latinLnBrk="0" hangingPunct="1">
-                        <a:lnSpc>
-                          <a:spcPct val="100000"/>
-                        </a:lnSpc>
-                        <a:spcBef>
-                          <a:spcPct val="20000"/>
-                        </a:spcBef>
-                        <a:spcAft>
-                          <a:spcPct val="0"/>
-                        </a:spcAft>
-                        <a:buClr>
-                          <a:srgbClr val="ED0010"/>
-                        </a:buClr>
-                        <a:buSzPct val="60000"/>
-                        <a:buFont typeface="Zapf Dingbats" charset="2"/>
-                        <a:buNone/>
-                        <a:tabLst/>
-                      </a:pPr>
-                      <a:r>
-                        <a:rPr kumimoji="0" lang="en-US" sz="2400" b="0" i="0" u="none" strike="noStrike" cap="none" normalizeH="0" baseline="0" smtClean="0">
-                          <a:ln>
-                            <a:noFill/>
-                          </a:ln>
-                          <a:solidFill>
-                            <a:srgbClr val="000000"/>
-                          </a:solidFill>
-                          <a:effectLst/>
-                          <a:latin typeface="Arial" charset="0"/>
-                        </a:rPr>
-                        <a:t>30%</a:t>
-                      </a:r>
-                    </a:p>
-                  </a:txBody>
-                  <a:tcPr horzOverflow="overflow">
-                    <a:lnL w="28575" cap="flat" cmpd="sng" algn="ctr">
-                      <a:solidFill>
-                        <a:schemeClr val="bg1"/>
-                      </a:solidFill>
-                      <a:prstDash val="solid"/>
-                      <a:round/>
-                      <a:headEnd type="none" w="med" len="med"/>
-                      <a:tailEnd type="none" w="med" len="med"/>
-                    </a:lnL>
-                    <a:lnR w="28575" cap="flat" cmpd="sng" algn="ctr">
-                      <a:solidFill>
-                        <a:schemeClr val="bg1"/>
-                      </a:solidFill>
-                      <a:prstDash val="solid"/>
-                      <a:round/>
-                      <a:headEnd type="none" w="med" len="med"/>
-                      <a:tailEnd type="none" w="med" len="med"/>
-                    </a:lnR>
-                    <a:lnT w="28575" cap="flat" cmpd="sng" algn="ctr">
-                      <a:solidFill>
-                        <a:schemeClr val="bg1"/>
-                      </a:solidFill>
-                      <a:prstDash val="solid"/>
-                      <a:round/>
-                      <a:headEnd type="none" w="med" len="med"/>
-                      <a:tailEnd type="none" w="med" len="med"/>
-                    </a:lnT>
-                    <a:lnB w="12700" cap="flat" cmpd="sng" algn="ctr">
-                      <a:solidFill>
-                        <a:schemeClr val="bg1"/>
-                      </a:solidFill>
-                      <a:prstDash val="solid"/>
-                      <a:round/>
-                      <a:headEnd type="none" w="med" len="med"/>
-                      <a:tailEnd type="none" w="med" len="med"/>
-                    </a:lnB>
-                    <a:lnTlToBr>
-                      <a:noFill/>
-                    </a:lnTlToBr>
-                    <a:lnBlToTr>
-                      <a:noFill/>
-                    </a:lnBlToTr>
-                    <a:solidFill>
-                      <a:schemeClr val="accent1"/>
-                    </a:solidFill>
-                  </a:tcPr>
-                </a:tc>
-                <a:tc>
-                  <a:txBody>
-                    <a:bodyPr/>
-                    <a:lstStyle/>
-                    <a:p>
-                      <a:pPr marL="0" marR="0" lvl="0" indent="0" algn="l" defTabSz="914400" rtl="0" eaLnBrk="1" fontAlgn="base" latinLnBrk="0" hangingPunct="1">
-                        <a:lnSpc>
-                          <a:spcPct val="100000"/>
-                        </a:lnSpc>
-                        <a:spcBef>
-                          <a:spcPct val="20000"/>
-                        </a:spcBef>
-                        <a:spcAft>
-                          <a:spcPct val="0"/>
-                        </a:spcAft>
-                        <a:buClr>
-                          <a:srgbClr val="ED0010"/>
-                        </a:buClr>
-                        <a:buSzPct val="60000"/>
-                        <a:buFont typeface="Zapf Dingbats" charset="2"/>
-                        <a:buNone/>
-                        <a:tabLst/>
-                      </a:pPr>
-                      <a:r>
-                        <a:rPr kumimoji="0" lang="en-US" sz="2400" b="0" i="0" u="none" strike="noStrike" cap="none" normalizeH="0" baseline="0" smtClean="0">
-                          <a:ln>
-                            <a:noFill/>
-                          </a:ln>
-                          <a:solidFill>
-                            <a:srgbClr val="000000"/>
-                          </a:solidFill>
-                          <a:effectLst/>
-                          <a:latin typeface="Arial" charset="0"/>
-                        </a:rPr>
-                        <a:t>28%</a:t>
-                      </a:r>
-                    </a:p>
-                  </a:txBody>
-                  <a:tcPr horzOverflow="overflow">
-                    <a:lnL w="28575" cap="flat" cmpd="sng" algn="ctr">
-                      <a:solidFill>
-                        <a:schemeClr val="bg1"/>
-                      </a:solidFill>
-                      <a:prstDash val="solid"/>
-                      <a:round/>
-                      <a:headEnd type="none" w="med" len="med"/>
-                      <a:tailEnd type="none" w="med" len="med"/>
-                    </a:lnL>
-                    <a:lnR w="12700" cap="flat" cmpd="sng" algn="ctr">
-                      <a:solidFill>
-                        <a:schemeClr val="bg1"/>
-                      </a:solidFill>
-                      <a:prstDash val="solid"/>
-                      <a:round/>
-                      <a:headEnd type="none" w="med" len="med"/>
-                      <a:tailEnd type="none" w="med" len="med"/>
-                    </a:lnR>
-                    <a:lnT w="28575" cap="flat" cmpd="sng" algn="ctr">
-                      <a:solidFill>
-                        <a:schemeClr val="bg1"/>
-                      </a:solidFill>
-                      <a:prstDash val="solid"/>
-                      <a:round/>
-                      <a:headEnd type="none" w="med" len="med"/>
-                      <a:tailEnd type="none" w="med" len="med"/>
-                    </a:lnT>
-                    <a:lnB w="12700" cap="flat" cmpd="sng" algn="ctr">
-                      <a:solidFill>
-                        <a:schemeClr val="bg1"/>
-                      </a:solidFill>
-                      <a:prstDash val="solid"/>
-                      <a:round/>
-                      <a:headEnd type="none" w="med" len="med"/>
-                      <a:tailEnd type="none" w="med" len="med"/>
-                    </a:lnB>
-                    <a:lnTlToBr>
-                      <a:noFill/>
-                    </a:lnTlToBr>
-                    <a:lnBlToTr>
-                      <a:noFill/>
-                    </a:lnBlToTr>
-                    <a:solidFill>
-                      <a:schemeClr val="accent1"/>
-                    </a:solidFill>
-                  </a:tcPr>
-                </a:tc>
-              </a:tr>
-            </a:tbl>
-          </a:graphicData>
-        </a:graphic>
-      </p:graphicFrame>
-    </p:spTree>
-  </p:cSld>
-  <p:clrMapOvr>
-    <a:masterClrMapping/>
-  </p:clrMapOvr>
-  <p:timing>
-    <p:tnLst>
-      <p:par>
-        <p:cTn id="1" dur="indefinite" restart="never" nodeType="tmRoot"/>
-      </p:par>
-    </p:tnLst>
-  </p:timing>
-</p:sld>
-</file>
-
-<file path=ppt/slides/slide11.xml><?xml version="1.0" encoding="utf-8"?>
-<p:sld xmlns:a="http://schemas.openxmlformats.org/drawingml/2006/main" xmlns:r="http://schemas.openxmlformats.org/officeDocument/2006/relationships" xmlns:p="http://schemas.openxmlformats.org/presentationml/2006/main">
-  <p:cSld>
-    <p:spTree>
-      <p:nvGrpSpPr>
-        <p:cNvPr id="1" name=""/>
-        <p:cNvGrpSpPr/>
-        <p:nvPr/>
-      </p:nvGrpSpPr>
-      <p:grpSpPr>
-        <a:xfrm>
-          <a:off x="0" y="0"/>
-          <a:ext cx="0" cy="0"/>
-          <a:chOff x="0" y="0"/>
-          <a:chExt cx="0" cy="0"/>
-        </a:xfrm>
-      </p:grpSpPr>
-      <p:sp>
-        <p:nvSpPr>
-          <p:cNvPr id="5" name="Tijdelijke aanduiding voor dianummer 5"/>
-          <p:cNvSpPr>
-            <a:spLocks noGrp="1"/>
-          </p:cNvSpPr>
-          <p:nvPr>
-            <p:ph type="sldNum" sz="quarter" idx="11"/>
-          </p:nvPr>
-        </p:nvSpPr>
-        <p:spPr/>
-        <p:txBody>
-          <a:bodyPr/>
-          <a:lstStyle/>
-          <a:p>
-            <a:fld id="{E1AE7EA4-5A90-44E6-8B58-0534BBE8B606}" type="slidenum">
-              <a:rPr lang="en-US"/>
-              <a:pPr/>
-              <a:t>11</a:t>
-            </a:fld>
-            <a:endParaRPr lang="en-US"/>
-          </a:p>
-        </p:txBody>
-      </p:sp>
-      <p:sp>
-        <p:nvSpPr>
-          <p:cNvPr id="6" name="Tijdelijke aanduiding voor voettekst 6"/>
-          <p:cNvSpPr>
-            <a:spLocks noGrp="1"/>
-          </p:cNvSpPr>
-          <p:nvPr>
-            <p:ph type="ftr" sz="quarter" idx="12"/>
-          </p:nvPr>
-        </p:nvSpPr>
-        <p:spPr/>
-        <p:txBody>
-          <a:bodyPr/>
-          <a:lstStyle/>
-          <a:p>
-            <a:r>
-              <a:rPr lang="en-US"/>
-              <a:t>HU powerpoint template</a:t>
-            </a:r>
-            <a:endParaRPr lang="en-US" sz="1400"/>
-          </a:p>
-        </p:txBody>
-      </p:sp>
-      <p:sp>
-        <p:nvSpPr>
-          <p:cNvPr id="179202" name="Rectangle 2"/>
-          <p:cNvSpPr>
-            <a:spLocks noGrp="1" noChangeArrowheads="1"/>
-          </p:cNvSpPr>
-          <p:nvPr>
-            <p:ph type="title"/>
-          </p:nvPr>
-        </p:nvSpPr>
-        <p:spPr/>
-        <p:txBody>
-          <a:bodyPr/>
-          <a:lstStyle/>
-          <a:p>
-            <a:r>
-              <a:rPr lang="en-US"/>
-              <a:t>HU ppt [kop- en voetregels]</a:t>
-            </a:r>
-          </a:p>
-        </p:txBody>
-      </p:sp>
-      <p:sp>
-        <p:nvSpPr>
-          <p:cNvPr id="179203" name="Rectangle 3"/>
-          <p:cNvSpPr>
-            <a:spLocks noGrp="1" noChangeAspect="1" noChangeArrowheads="1"/>
-          </p:cNvSpPr>
-          <p:nvPr>
-            <p:ph type="body" sz="half" idx="1"/>
-          </p:nvPr>
-        </p:nvSpPr>
-        <p:spPr>
-          <a:xfrm>
-            <a:off x="457200" y="1762125"/>
-            <a:ext cx="4168775" cy="1552575"/>
-          </a:xfrm>
-        </p:spPr>
-        <p:txBody>
-          <a:bodyPr/>
-          <a:lstStyle/>
-          <a:p>
-            <a:pPr>
-              <a:buFont typeface="Zapf Dingbats" charset="2"/>
-              <a:buNone/>
-            </a:pPr>
-            <a:r>
-              <a:rPr lang="en-US" sz="2400"/>
-              <a:t>	Door ‘Footer’ te activeren in het hiernaast getoonde venster kunt u voetregels activeren</a:t>
-            </a:r>
-          </a:p>
-        </p:txBody>
-      </p:sp>
-      <p:pic>
-        <p:nvPicPr>
-          <p:cNvPr id="179209" name="Picture 9" descr="kop en voet.pdf                                                000C6298Macintosh HD                   BB707946:"/>
-          <p:cNvPicPr>
-            <a:picLocks noChangeAspect="1" noChangeArrowheads="1"/>
-          </p:cNvPicPr>
-          <p:nvPr/>
-        </p:nvPicPr>
-        <p:blipFill>
-          <a:blip r:embed="rId3" r:link="rId4" cstate="print"/>
-          <a:srcRect/>
-          <a:stretch>
-            <a:fillRect/>
-          </a:stretch>
-        </p:blipFill>
-        <p:spPr bwMode="auto">
-          <a:xfrm>
-            <a:off x="4876800" y="1828800"/>
-            <a:ext cx="3482975" cy="3657600"/>
-          </a:xfrm>
-          <a:prstGeom prst="rect">
-            <a:avLst/>
-          </a:prstGeom>
-          <a:noFill/>
-        </p:spPr>
-      </p:pic>
-    </p:spTree>
+    <p:extLst>
+      <p:ext uri="{BB962C8B-B14F-4D97-AF65-F5344CB8AC3E}">
+        <p14:creationId xmlns:p14="http://schemas.microsoft.com/office/powerpoint/2010/main" val="1875330228"/>
+      </p:ext>
+    </p:extLst>
   </p:cSld>
   <p:clrMapOvr>
     <a:masterClrMapping/>
@@ -8710,9 +5547,9 @@
       </p:grpSpPr>
       <p:sp>
         <p:nvSpPr>
-          <p:cNvPr id="164866" name="Rectangle 2"/>
-          <p:cNvSpPr>
-            <a:spLocks noGrp="1" noChangeArrowheads="1"/>
+          <p:cNvPr id="2" name="Titel 1"/>
+          <p:cNvSpPr>
+            <a:spLocks noGrp="1"/>
           </p:cNvSpPr>
           <p:nvPr>
             <p:ph type="title"/>
@@ -8724,66 +5561,110 @@
           <a:lstStyle/>
           <a:p>
             <a:r>
-              <a:rPr lang="en-US"/>
-              <a:t>HU-ppt [bullets 1 kolom]</a:t>
-            </a:r>
-          </a:p>
-        </p:txBody>
-      </p:sp>
-      <p:sp>
-        <p:nvSpPr>
-          <p:cNvPr id="164867" name="Rectangle 3"/>
-          <p:cNvSpPr>
-            <a:spLocks noGrp="1" noChangeAspect="1" noChangeArrowheads="1"/>
-          </p:cNvSpPr>
-          <p:nvPr>
-            <p:ph type="body" idx="1"/>
-          </p:nvPr>
-        </p:nvSpPr>
+              <a:rPr lang="nl-NL" dirty="0" smtClean="0"/>
+              <a:t>Check-in</a:t>
+            </a:r>
+            <a:endParaRPr lang="nl-NL" dirty="0"/>
+          </a:p>
+        </p:txBody>
+      </p:sp>
+      <p:sp>
+        <p:nvSpPr>
+          <p:cNvPr id="9" name="Tijdelijke aanduiding voor inhoud 8"/>
+          <p:cNvSpPr>
+            <a:spLocks noGrp="1"/>
+          </p:cNvSpPr>
+          <p:nvPr>
+            <p:ph idx="1"/>
+          </p:nvPr>
+        </p:nvSpPr>
+        <p:spPr/>
+        <p:txBody>
+          <a:bodyPr/>
+          <a:lstStyle/>
+          <a:p>
+            <a:endParaRPr lang="nl-NL"/>
+          </a:p>
+        </p:txBody>
+      </p:sp>
+      <p:pic>
+        <p:nvPicPr>
+          <p:cNvPr id="12" name="Afbeelding 11"/>
+          <p:cNvPicPr>
+            <a:picLocks noChangeAspect="1"/>
+          </p:cNvPicPr>
+          <p:nvPr/>
+        </p:nvPicPr>
+        <p:blipFill>
+          <a:blip r:embed="rId2"/>
+          <a:stretch>
+            <a:fillRect/>
+          </a:stretch>
+        </p:blipFill>
         <p:spPr>
           <a:xfrm>
-            <a:off x="762000" y="1762125"/>
-            <a:ext cx="7881938" cy="1947863"/>
+            <a:off x="6156176" y="2492896"/>
+            <a:ext cx="2253070" cy="2016224"/>
           </a:xfrm>
+          <a:prstGeom prst="rect">
+            <a:avLst/>
+          </a:prstGeom>
         </p:spPr>
-        <p:txBody>
-          <a:bodyPr/>
-          <a:lstStyle/>
-          <a:p>
-            <a:pPr>
-              <a:buClr>
-                <a:schemeClr val="accent2"/>
-              </a:buClr>
-            </a:pPr>
-            <a:r>
-              <a:rPr lang="en-US"/>
-              <a:t>HU huisstijl kernbegrippen </a:t>
-            </a:r>
-          </a:p>
-          <a:p>
-            <a:pPr lvl="1"/>
-            <a:r>
-              <a:rPr lang="en-US"/>
-              <a:t>krachtig</a:t>
-            </a:r>
-          </a:p>
-          <a:p>
-            <a:pPr lvl="1"/>
-            <a:r>
-              <a:rPr lang="en-US"/>
-              <a:t>vriendelijk</a:t>
-            </a:r>
-          </a:p>
-          <a:p>
-            <a:pPr lvl="1"/>
-            <a:r>
-              <a:rPr lang="en-US"/>
-              <a:t>helder</a:t>
-            </a:r>
-          </a:p>
-        </p:txBody>
-      </p:sp>
+      </p:pic>
+      <p:pic>
+        <p:nvPicPr>
+          <p:cNvPr id="13" name="Afbeelding 12"/>
+          <p:cNvPicPr>
+            <a:picLocks noChangeAspect="1"/>
+          </p:cNvPicPr>
+          <p:nvPr/>
+        </p:nvPicPr>
+        <p:blipFill>
+          <a:blip r:embed="rId3"/>
+          <a:stretch>
+            <a:fillRect/>
+          </a:stretch>
+        </p:blipFill>
+        <p:spPr>
+          <a:xfrm>
+            <a:off x="3491880" y="2616786"/>
+            <a:ext cx="2129219" cy="1988089"/>
+          </a:xfrm>
+          <a:prstGeom prst="rect">
+            <a:avLst/>
+          </a:prstGeom>
+        </p:spPr>
+      </p:pic>
+      <p:pic>
+        <p:nvPicPr>
+          <p:cNvPr id="14" name="Afbeelding 13"/>
+          <p:cNvPicPr>
+            <a:picLocks noChangeAspect="1"/>
+          </p:cNvPicPr>
+          <p:nvPr/>
+        </p:nvPicPr>
+        <p:blipFill>
+          <a:blip r:embed="rId4"/>
+          <a:stretch>
+            <a:fillRect/>
+          </a:stretch>
+        </p:blipFill>
+        <p:spPr>
+          <a:xfrm>
+            <a:off x="869217" y="2712543"/>
+            <a:ext cx="1873659" cy="1796577"/>
+          </a:xfrm>
+          <a:prstGeom prst="rect">
+            <a:avLst/>
+          </a:prstGeom>
+        </p:spPr>
+      </p:pic>
     </p:spTree>
+    <p:extLst>
+      <p:ext uri="{BB962C8B-B14F-4D97-AF65-F5344CB8AC3E}">
+        <p14:creationId xmlns:p14="http://schemas.microsoft.com/office/powerpoint/2010/main" val="664396404"/>
+      </p:ext>
+    </p:extLst>
   </p:cSld>
   <p:clrMapOvr>
     <a:masterClrMapping/>
@@ -8817,9 +5698,9 @@
       </p:grpSpPr>
       <p:sp>
         <p:nvSpPr>
-          <p:cNvPr id="165890" name="Rectangle 2"/>
-          <p:cNvSpPr>
-            <a:spLocks noGrp="1" noChangeArrowheads="1"/>
+          <p:cNvPr id="2" name="Titel 1"/>
+          <p:cNvSpPr>
+            <a:spLocks noGrp="1"/>
           </p:cNvSpPr>
           <p:nvPr>
             <p:ph type="title"/>
@@ -8831,240 +5712,42 @@
           <a:lstStyle/>
           <a:p>
             <a:r>
-              <a:rPr lang="en-US"/>
-              <a:t>HU-ppt [bullets 2 kolommen]</a:t>
-            </a:r>
-          </a:p>
-        </p:txBody>
-      </p:sp>
-      <p:sp>
-        <p:nvSpPr>
-          <p:cNvPr id="165891" name="Rectangle 3"/>
-          <p:cNvSpPr>
-            <a:spLocks noGrp="1" noChangeAspect="1" noChangeArrowheads="1"/>
-          </p:cNvSpPr>
-          <p:nvPr>
-            <p:ph type="body" sz="half" idx="1"/>
-          </p:nvPr>
-        </p:nvSpPr>
-        <p:spPr>
-          <a:xfrm>
-            <a:off x="762000" y="1762125"/>
-            <a:ext cx="3863975" cy="2465388"/>
-          </a:xfrm>
-        </p:spPr>
+              <a:rPr lang="nl-NL" dirty="0" smtClean="0"/>
+              <a:t>Intro</a:t>
+            </a:r>
+            <a:endParaRPr lang="nl-NL" dirty="0"/>
+          </a:p>
+        </p:txBody>
+      </p:sp>
+      <p:sp>
+        <p:nvSpPr>
+          <p:cNvPr id="3" name="Tijdelijke aanduiding voor inhoud 2"/>
+          <p:cNvSpPr>
+            <a:spLocks noGrp="1"/>
+          </p:cNvSpPr>
+          <p:nvPr>
+            <p:ph idx="1"/>
+          </p:nvPr>
+        </p:nvSpPr>
+        <p:spPr/>
         <p:txBody>
           <a:bodyPr/>
           <a:lstStyle/>
           <a:p>
-            <a:pPr>
-              <a:buClr>
-                <a:schemeClr val="accent2"/>
-              </a:buClr>
-            </a:pPr>
-            <a:r>
-              <a:rPr lang="en-US" sz="2400"/>
-              <a:t>HU Blauw</a:t>
-            </a:r>
-          </a:p>
-          <a:p>
-            <a:pPr lvl="1"/>
-            <a:r>
-              <a:rPr lang="en-US" sz="2200"/>
-              <a:t>PMS 639</a:t>
-            </a:r>
-          </a:p>
-          <a:p>
-            <a:pPr lvl="1"/>
-            <a:r>
-              <a:rPr lang="en-US" sz="2200"/>
-              <a:t>CMYK 100/0/5/5</a:t>
-            </a:r>
-          </a:p>
-          <a:p>
-            <a:pPr lvl="1"/>
-            <a:r>
-              <a:rPr lang="en-US" sz="2200"/>
-              <a:t>RGB 0/160/210</a:t>
-            </a:r>
-          </a:p>
-          <a:p>
-            <a:pPr lvl="1"/>
-            <a:r>
-              <a:rPr lang="en-US" sz="2200"/>
-              <a:t>RAL Himmelblau</a:t>
-            </a:r>
-          </a:p>
-          <a:p>
-            <a:pPr lvl="1"/>
-            <a:endParaRPr lang="en-US" sz="2200"/>
-          </a:p>
-        </p:txBody>
-      </p:sp>
-      <p:sp>
-        <p:nvSpPr>
-          <p:cNvPr id="165892" name="Rectangle 4"/>
-          <p:cNvSpPr>
-            <a:spLocks noGrp="1" noChangeAspect="1" noChangeArrowheads="1"/>
-          </p:cNvSpPr>
-          <p:nvPr>
-            <p:ph type="body" sz="half" idx="2"/>
-          </p:nvPr>
-        </p:nvSpPr>
-        <p:spPr>
-          <a:xfrm>
-            <a:off x="4778375" y="1762125"/>
-            <a:ext cx="3865563" cy="2063750"/>
-          </a:xfrm>
-        </p:spPr>
-        <p:txBody>
-          <a:bodyPr/>
-          <a:lstStyle/>
-          <a:p>
-            <a:pPr>
-              <a:buClr>
-                <a:schemeClr val="accent2"/>
-              </a:buClr>
-            </a:pPr>
-            <a:r>
-              <a:rPr lang="en-US" sz="2400"/>
-              <a:t>HU Rood</a:t>
-            </a:r>
-          </a:p>
-          <a:p>
-            <a:pPr lvl="1"/>
-            <a:r>
-              <a:rPr lang="en-US" sz="2200"/>
-              <a:t>PMS 485</a:t>
-            </a:r>
-          </a:p>
-          <a:p>
-            <a:pPr lvl="1"/>
-            <a:r>
-              <a:rPr lang="en-US" sz="2200"/>
-              <a:t>CMYK 0/85/100/0</a:t>
-            </a:r>
-          </a:p>
-          <a:p>
-            <a:pPr lvl="1"/>
-            <a:r>
-              <a:rPr lang="en-US" sz="2200"/>
-              <a:t>RGB 237/0/16</a:t>
-            </a:r>
-          </a:p>
-          <a:p>
-            <a:pPr lvl="1"/>
-            <a:r>
-              <a:rPr lang="en-US" sz="2200"/>
-              <a:t>RAL 2002 Blutorange</a:t>
-            </a:r>
-          </a:p>
-        </p:txBody>
-      </p:sp>
-      <p:sp>
-        <p:nvSpPr>
-          <p:cNvPr id="165893" name="Rectangle 5"/>
-          <p:cNvSpPr>
-            <a:spLocks noChangeArrowheads="1"/>
-          </p:cNvSpPr>
-          <p:nvPr/>
-        </p:nvSpPr>
-        <p:spPr bwMode="auto">
-          <a:xfrm>
-            <a:off x="914400" y="4114800"/>
-            <a:ext cx="2133600" cy="2133600"/>
-          </a:xfrm>
-          <a:prstGeom prst="rect">
-            <a:avLst/>
-          </a:prstGeom>
-          <a:solidFill>
-            <a:schemeClr val="bg1"/>
-          </a:solidFill>
-          <a:ln w="9525">
-            <a:solidFill>
-              <a:schemeClr val="tx1"/>
-            </a:solidFill>
-            <a:miter lim="800000"/>
-            <a:headEnd/>
-            <a:tailEnd/>
-          </a:ln>
-          <a:effectLst>
-            <a:outerShdw dist="35921" dir="2700000" algn="ctr" rotWithShape="0">
-              <a:schemeClr val="bg2"/>
-            </a:outerShdw>
-          </a:effectLst>
-        </p:spPr>
-        <p:txBody>
-          <a:bodyPr wrap="none" anchor="ctr"/>
-          <a:lstStyle/>
-          <a:p>
-            <a:pPr algn="ctr"/>
-            <a:endParaRPr lang="nl-NL">
-              <a:solidFill>
-                <a:schemeClr val="accent2"/>
-              </a:solidFill>
-            </a:endParaRPr>
-          </a:p>
-        </p:txBody>
-      </p:sp>
-      <p:sp>
-        <p:nvSpPr>
-          <p:cNvPr id="165895" name="Rectangle 7"/>
-          <p:cNvSpPr>
-            <a:spLocks noChangeArrowheads="1"/>
-          </p:cNvSpPr>
-          <p:nvPr/>
-        </p:nvSpPr>
-        <p:spPr bwMode="auto">
-          <a:xfrm>
-            <a:off x="4876800" y="4114800"/>
-            <a:ext cx="2133600" cy="2133600"/>
-          </a:xfrm>
-          <a:prstGeom prst="rect">
-            <a:avLst/>
-          </a:prstGeom>
-          <a:solidFill>
-            <a:schemeClr val="accent2"/>
-          </a:solidFill>
-          <a:ln w="9525">
-            <a:solidFill>
-              <a:schemeClr val="accent2"/>
-            </a:solidFill>
-            <a:miter lim="800000"/>
-            <a:headEnd/>
-            <a:tailEnd/>
-          </a:ln>
-          <a:effectLst>
-            <a:outerShdw dist="35921" dir="2700000" algn="ctr" rotWithShape="0">
-              <a:schemeClr val="bg2"/>
-            </a:outerShdw>
-          </a:effectLst>
-        </p:spPr>
-        <p:txBody>
-          <a:bodyPr wrap="none" anchor="ctr"/>
-          <a:lstStyle/>
-          <a:p>
-            <a:pPr algn="ctr"/>
-            <a:endParaRPr lang="nl-NL">
-              <a:solidFill>
-                <a:schemeClr val="accent2"/>
-              </a:solidFill>
-            </a:endParaRPr>
+            <a:endParaRPr lang="nl-NL"/>
           </a:p>
         </p:txBody>
       </p:sp>
     </p:spTree>
+    <p:extLst>
+      <p:ext uri="{BB962C8B-B14F-4D97-AF65-F5344CB8AC3E}">
+        <p14:creationId xmlns:p14="http://schemas.microsoft.com/office/powerpoint/2010/main" val="249064969"/>
+      </p:ext>
+    </p:extLst>
   </p:cSld>
   <p:clrMapOvr>
     <a:masterClrMapping/>
   </p:clrMapOvr>
-  <p:timing>
-    <p:tnLst>
-      <p:par>
-        <p:cTn id="1" dur="indefinite" restart="never" nodeType="tmRoot"/>
-      </p:par>
-    </p:tnLst>
-  </p:timing>
 </p:sld>
 </file>
 
@@ -9087,9 +5770,9 @@
       </p:grpSpPr>
       <p:sp>
         <p:nvSpPr>
-          <p:cNvPr id="166914" name="Rectangle 2"/>
-          <p:cNvSpPr>
-            <a:spLocks noGrp="1" noChangeArrowheads="1"/>
+          <p:cNvPr id="2" name="Titel 1"/>
+          <p:cNvSpPr>
+            <a:spLocks noGrp="1"/>
           </p:cNvSpPr>
           <p:nvPr>
             <p:ph type="title"/>
@@ -9101,82 +5784,42 @@
           <a:lstStyle/>
           <a:p>
             <a:r>
-              <a:rPr lang="en-US"/>
-              <a:t>Hu ppt [fotografie]</a:t>
-            </a:r>
-          </a:p>
-        </p:txBody>
-      </p:sp>
-      <p:sp>
-        <p:nvSpPr>
-          <p:cNvPr id="166915" name="Rectangle 3"/>
-          <p:cNvSpPr>
-            <a:spLocks noGrp="1" noChangeAspect="1" noChangeArrowheads="1"/>
-          </p:cNvSpPr>
-          <p:nvPr>
-            <p:ph type="body" idx="1"/>
-          </p:nvPr>
-        </p:nvSpPr>
-        <p:spPr>
-          <a:xfrm>
-            <a:off x="3962400" y="3206750"/>
-            <a:ext cx="3843338" cy="946150"/>
-          </a:xfrm>
-          <a:noFill/>
-        </p:spPr>
+              <a:rPr lang="nl-NL" dirty="0" smtClean="0"/>
+              <a:t>Feedback</a:t>
+            </a:r>
+            <a:endParaRPr lang="nl-NL" dirty="0"/>
+          </a:p>
+        </p:txBody>
+      </p:sp>
+      <p:sp>
+        <p:nvSpPr>
+          <p:cNvPr id="3" name="Tijdelijke aanduiding voor inhoud 2"/>
+          <p:cNvSpPr>
+            <a:spLocks noGrp="1"/>
+          </p:cNvSpPr>
+          <p:nvPr>
+            <p:ph idx="1"/>
+          </p:nvPr>
+        </p:nvSpPr>
+        <p:spPr/>
         <p:txBody>
           <a:bodyPr/>
           <a:lstStyle/>
           <a:p>
-            <a:pPr>
-              <a:buFont typeface="Zapf Dingbats" charset="2"/>
-              <a:buNone/>
-            </a:pPr>
-            <a:r>
-              <a:rPr lang="en-US"/>
-              <a:t>	foto’s bij voorkeur aflopend plaatsen</a:t>
-            </a:r>
-          </a:p>
-        </p:txBody>
-      </p:sp>
-      <p:pic>
-        <p:nvPicPr>
-          <p:cNvPr id="166923" name="Picture 11" descr="fotografie.pdf                                                 000C6298Macintosh HD                   BB707946:"/>
-          <p:cNvPicPr>
-            <a:picLocks noChangeAspect="1" noChangeArrowheads="1"/>
-          </p:cNvPicPr>
-          <p:nvPr/>
-        </p:nvPicPr>
-        <p:blipFill>
-          <a:blip r:embed="rId3" r:link="rId4" cstate="print"/>
-          <a:srcRect/>
-          <a:stretch>
-            <a:fillRect/>
-          </a:stretch>
-        </p:blipFill>
-        <p:spPr bwMode="auto">
-          <a:xfrm>
-            <a:off x="-63500" y="1371600"/>
-            <a:ext cx="3949700" cy="5715000"/>
-          </a:xfrm>
-          <a:prstGeom prst="rect">
-            <a:avLst/>
-          </a:prstGeom>
-          <a:noFill/>
-        </p:spPr>
-      </p:pic>
+            <a:endParaRPr lang="nl-NL"/>
+          </a:p>
+        </p:txBody>
+      </p:sp>
     </p:spTree>
+    <p:extLst>
+      <p:ext uri="{BB962C8B-B14F-4D97-AF65-F5344CB8AC3E}">
+        <p14:creationId xmlns:p14="http://schemas.microsoft.com/office/powerpoint/2010/main" val="326962619"/>
+      </p:ext>
+    </p:extLst>
   </p:cSld>
   <p:clrMapOvr>
     <a:masterClrMapping/>
   </p:clrMapOvr>
-  <p:timing>
-    <p:tnLst>
-      <p:par>
-        <p:cTn id="1" dur="indefinite" restart="never" nodeType="tmRoot"/>
-      </p:par>
-    </p:tnLst>
-  </p:timing>
 </p:sld>
 </file>
 
@@ -9199,9 +5842,9 @@
       </p:grpSpPr>
       <p:sp>
         <p:nvSpPr>
-          <p:cNvPr id="169986" name="Rectangle 2"/>
-          <p:cNvSpPr>
-            <a:spLocks noGrp="1" noChangeArrowheads="1"/>
+          <p:cNvPr id="2" name="Titel 1"/>
+          <p:cNvSpPr>
+            <a:spLocks noGrp="1"/>
           </p:cNvSpPr>
           <p:nvPr>
             <p:ph type="title"/>
@@ -9213,558 +5856,42 @@
           <a:lstStyle/>
           <a:p>
             <a:r>
-              <a:rPr lang="en-US"/>
-              <a:t>HU ppt kleurenschema</a:t>
-            </a:r>
-          </a:p>
-        </p:txBody>
-      </p:sp>
-      <p:sp>
-        <p:nvSpPr>
-          <p:cNvPr id="169988" name="Rectangle 4"/>
-          <p:cNvSpPr>
-            <a:spLocks noGrp="1" noChangeAspect="1" noChangeArrowheads="1"/>
-          </p:cNvSpPr>
-          <p:nvPr>
-            <p:ph type="body" sz="half" idx="2"/>
-          </p:nvPr>
-        </p:nvSpPr>
-        <p:spPr>
-          <a:xfrm>
-            <a:off x="4191000" y="3111500"/>
-            <a:ext cx="4724400" cy="1552575"/>
-          </a:xfrm>
-        </p:spPr>
+              <a:rPr lang="nl-NL" dirty="0" smtClean="0"/>
+              <a:t>Topics</a:t>
+            </a:r>
+            <a:endParaRPr lang="nl-NL" dirty="0"/>
+          </a:p>
+        </p:txBody>
+      </p:sp>
+      <p:sp>
+        <p:nvSpPr>
+          <p:cNvPr id="3" name="Tijdelijke aanduiding voor inhoud 2"/>
+          <p:cNvSpPr>
+            <a:spLocks noGrp="1"/>
+          </p:cNvSpPr>
+          <p:nvPr>
+            <p:ph idx="1"/>
+          </p:nvPr>
+        </p:nvSpPr>
+        <p:spPr/>
         <p:txBody>
           <a:bodyPr/>
           <a:lstStyle/>
           <a:p>
-            <a:pPr>
-              <a:buClr>
-                <a:schemeClr val="tx1"/>
-              </a:buClr>
-              <a:buSzPct val="70000"/>
-              <a:buFont typeface="Wingdings" pitchFamily="2" charset="2"/>
-              <a:buNone/>
-            </a:pPr>
-            <a:r>
-              <a:rPr lang="en-US" sz="2400"/>
-              <a:t>	Het hiernaast weergegeven kleurenschema is in de        HU-template ingesteld als voorkeursschema</a:t>
-            </a:r>
-          </a:p>
-        </p:txBody>
-      </p:sp>
-      <p:pic>
-        <p:nvPicPr>
-          <p:cNvPr id="169993" name="Picture 9" descr="kleurenschema.pdf                                              000C6298Macintosh HD                   BB707946:"/>
-          <p:cNvPicPr>
-            <a:picLocks noGrp="1" noChangeAspect="1" noChangeArrowheads="1"/>
-          </p:cNvPicPr>
-          <p:nvPr>
-            <p:ph sz="half" idx="1"/>
-          </p:nvPr>
-        </p:nvPicPr>
-        <p:blipFill>
-          <a:blip r:embed="rId3" r:link="rId4" cstate="print"/>
-          <a:srcRect/>
-          <a:stretch>
-            <a:fillRect/>
-          </a:stretch>
-        </p:blipFill>
-        <p:spPr>
-          <a:xfrm>
-            <a:off x="928688" y="1752600"/>
-            <a:ext cx="3262312" cy="3810000"/>
-          </a:xfrm>
-        </p:spPr>
-      </p:pic>
+            <a:endParaRPr lang="nl-NL" dirty="0"/>
+          </a:p>
+        </p:txBody>
+      </p:sp>
     </p:spTree>
+    <p:extLst>
+      <p:ext uri="{BB962C8B-B14F-4D97-AF65-F5344CB8AC3E}">
+        <p14:creationId xmlns:p14="http://schemas.microsoft.com/office/powerpoint/2010/main" val="3991965016"/>
+      </p:ext>
+    </p:extLst>
   </p:cSld>
   <p:clrMapOvr>
     <a:masterClrMapping/>
   </p:clrMapOvr>
-  <p:timing>
-    <p:tnLst>
-      <p:par>
-        <p:cTn id="1" dur="indefinite" restart="never" nodeType="tmRoot"/>
-      </p:par>
-    </p:tnLst>
-  </p:timing>
-</p:sld>
-</file>
-
-<file path=ppt/slides/slide6.xml><?xml version="1.0" encoding="utf-8"?>
-<p:sld xmlns:a="http://schemas.openxmlformats.org/drawingml/2006/main" xmlns:r="http://schemas.openxmlformats.org/officeDocument/2006/relationships" xmlns:p="http://schemas.openxmlformats.org/presentationml/2006/main">
-  <p:cSld>
-    <p:spTree>
-      <p:nvGrpSpPr>
-        <p:cNvPr id="1" name=""/>
-        <p:cNvGrpSpPr/>
-        <p:nvPr/>
-      </p:nvGrpSpPr>
-      <p:grpSpPr>
-        <a:xfrm>
-          <a:off x="0" y="0"/>
-          <a:ext cx="0" cy="0"/>
-          <a:chOff x="0" y="0"/>
-          <a:chExt cx="0" cy="0"/>
-        </a:xfrm>
-      </p:grpSpPr>
-      <p:sp>
-        <p:nvSpPr>
-          <p:cNvPr id="171010" name="Rectangle 2"/>
-          <p:cNvSpPr>
-            <a:spLocks noGrp="1" noChangeArrowheads="1"/>
-          </p:cNvSpPr>
-          <p:nvPr>
-            <p:ph type="title"/>
-          </p:nvPr>
-        </p:nvSpPr>
-        <p:spPr/>
-        <p:txBody>
-          <a:bodyPr/>
-          <a:lstStyle/>
-          <a:p>
-            <a:r>
-              <a:rPr lang="en-US"/>
-              <a:t>HU ppt [taart]</a:t>
-            </a:r>
-          </a:p>
-        </p:txBody>
-      </p:sp>
-      <p:graphicFrame>
-        <p:nvGraphicFramePr>
-          <p:cNvPr id="171011" name="Object 3"/>
-          <p:cNvGraphicFramePr>
-            <a:graphicFrameLocks noChangeAspect="1"/>
-          </p:cNvGraphicFramePr>
-          <p:nvPr>
-            <p:ph type="chart" sz="half" idx="1"/>
-          </p:nvPr>
-        </p:nvGraphicFramePr>
-        <p:xfrm>
-          <a:off x="-1219200" y="1219200"/>
-          <a:ext cx="5943600" cy="3406775"/>
-        </p:xfrm>
-        <a:graphic>
-          <a:graphicData uri="http://schemas.openxmlformats.org/presentationml/2006/ole">
-            <p:oleObj spid="_x0000_s171011" name="Chart" r:id="rId4" imgW="8991600" imgH="5152934" progId="MSGraph.Chart.8">
-              <p:embed followColorScheme="full"/>
-            </p:oleObj>
-          </a:graphicData>
-        </a:graphic>
-      </p:graphicFrame>
-      <p:sp>
-        <p:nvSpPr>
-          <p:cNvPr id="171012" name="Rectangle 4"/>
-          <p:cNvSpPr>
-            <a:spLocks noGrp="1" noChangeAspect="1" noChangeArrowheads="1"/>
-          </p:cNvSpPr>
-          <p:nvPr>
-            <p:ph type="body" sz="half" idx="2"/>
-          </p:nvPr>
-        </p:nvSpPr>
-        <p:spPr>
-          <a:xfrm>
-            <a:off x="381000" y="4953000"/>
-            <a:ext cx="8262938" cy="822325"/>
-          </a:xfrm>
-        </p:spPr>
-        <p:txBody>
-          <a:bodyPr/>
-          <a:lstStyle/>
-          <a:p>
-            <a:pPr>
-              <a:buFont typeface="Zapf Dingbats" charset="2"/>
-              <a:buNone/>
-            </a:pPr>
-            <a:r>
-              <a:rPr lang="en-US" sz="2400"/>
-              <a:t>	Door dubbel te klikken op de ‘taart’ kunt u deze toevoegen aan uw persoonlijke voorkeuren</a:t>
-            </a:r>
-          </a:p>
-        </p:txBody>
-      </p:sp>
-      <p:pic>
-        <p:nvPicPr>
-          <p:cNvPr id="171015" name="Picture 7" descr="hu-taart.pdf                                                   000C6298Macintosh HD                   BB707946:"/>
-          <p:cNvPicPr>
-            <a:picLocks noChangeAspect="1" noChangeArrowheads="1"/>
-          </p:cNvPicPr>
-          <p:nvPr/>
-        </p:nvPicPr>
-        <p:blipFill>
-          <a:blip r:embed="rId5" r:link="rId6" cstate="print"/>
-          <a:srcRect/>
-          <a:stretch>
-            <a:fillRect/>
-          </a:stretch>
-        </p:blipFill>
-        <p:spPr bwMode="auto">
-          <a:xfrm>
-            <a:off x="4953000" y="1828800"/>
-            <a:ext cx="2328863" cy="2514600"/>
-          </a:xfrm>
-          <a:prstGeom prst="rect">
-            <a:avLst/>
-          </a:prstGeom>
-          <a:noFill/>
-        </p:spPr>
-      </p:pic>
-    </p:spTree>
-  </p:cSld>
-  <p:clrMapOvr>
-    <a:masterClrMapping/>
-  </p:clrMapOvr>
-  <p:timing>
-    <p:tnLst>
-      <p:par>
-        <p:cTn id="1" dur="indefinite" restart="never" nodeType="tmRoot"/>
-      </p:par>
-    </p:tnLst>
-  </p:timing>
-</p:sld>
-</file>
-
-<file path=ppt/slides/slide7.xml><?xml version="1.0" encoding="utf-8"?>
-<p:sld xmlns:a="http://schemas.openxmlformats.org/drawingml/2006/main" xmlns:r="http://schemas.openxmlformats.org/officeDocument/2006/relationships" xmlns:p="http://schemas.openxmlformats.org/presentationml/2006/main">
-  <p:cSld>
-    <p:spTree>
-      <p:nvGrpSpPr>
-        <p:cNvPr id="1" name=""/>
-        <p:cNvGrpSpPr/>
-        <p:nvPr/>
-      </p:nvGrpSpPr>
-      <p:grpSpPr>
-        <a:xfrm>
-          <a:off x="0" y="0"/>
-          <a:ext cx="0" cy="0"/>
-          <a:chOff x="0" y="0"/>
-          <a:chExt cx="0" cy="0"/>
-        </a:xfrm>
-      </p:grpSpPr>
-      <p:sp>
-        <p:nvSpPr>
-          <p:cNvPr id="172034" name="Rectangle 2"/>
-          <p:cNvSpPr>
-            <a:spLocks noGrp="1" noChangeArrowheads="1"/>
-          </p:cNvSpPr>
-          <p:nvPr>
-            <p:ph type="title"/>
-          </p:nvPr>
-        </p:nvSpPr>
-        <p:spPr/>
-        <p:txBody>
-          <a:bodyPr/>
-          <a:lstStyle/>
-          <a:p>
-            <a:r>
-              <a:rPr lang="en-US"/>
-              <a:t>HU ppt [staaf]</a:t>
-            </a:r>
-          </a:p>
-        </p:txBody>
-      </p:sp>
-      <p:graphicFrame>
-        <p:nvGraphicFramePr>
-          <p:cNvPr id="172035" name="Object 3"/>
-          <p:cNvGraphicFramePr>
-            <a:graphicFrameLocks noChangeAspect="1"/>
-          </p:cNvGraphicFramePr>
-          <p:nvPr>
-            <p:ph type="chart" sz="half" idx="1"/>
-          </p:nvPr>
-        </p:nvGraphicFramePr>
-        <p:xfrm>
-          <a:off x="-1295400" y="1681163"/>
-          <a:ext cx="6096000" cy="3494087"/>
-        </p:xfrm>
-        <a:graphic>
-          <a:graphicData uri="http://schemas.openxmlformats.org/presentationml/2006/ole">
-            <p:oleObj spid="_x0000_s172035" name="Chart" r:id="rId4" imgW="8991600" imgH="5152934" progId="MSGraph.Chart.8">
-              <p:embed followColorScheme="full"/>
-            </p:oleObj>
-          </a:graphicData>
-        </a:graphic>
-      </p:graphicFrame>
-      <p:sp>
-        <p:nvSpPr>
-          <p:cNvPr id="172036" name="Rectangle 4"/>
-          <p:cNvSpPr>
-            <a:spLocks noGrp="1" noChangeAspect="1" noChangeArrowheads="1"/>
-          </p:cNvSpPr>
-          <p:nvPr>
-            <p:ph type="body" sz="half" idx="2"/>
-          </p:nvPr>
-        </p:nvSpPr>
-        <p:spPr>
-          <a:xfrm>
-            <a:off x="457200" y="4953000"/>
-            <a:ext cx="8262938" cy="822325"/>
-          </a:xfrm>
-        </p:spPr>
-        <p:txBody>
-          <a:bodyPr/>
-          <a:lstStyle/>
-          <a:p>
-            <a:pPr>
-              <a:buFont typeface="Zapf Dingbats" charset="2"/>
-              <a:buNone/>
-            </a:pPr>
-            <a:r>
-              <a:rPr lang="en-US" sz="2400"/>
-              <a:t>	Door dubbel te klikken op de ‘staafdiagram’ kunt u deze toevoegen aan uw persoonlijke voorkeuren</a:t>
-            </a:r>
-          </a:p>
-        </p:txBody>
-      </p:sp>
-      <p:pic>
-        <p:nvPicPr>
-          <p:cNvPr id="172040" name="Picture 8" descr=" staaf.pdf                                                      000C6298Macintosh HD                   BB707946:"/>
-          <p:cNvPicPr>
-            <a:picLocks noChangeAspect="1" noChangeArrowheads="1"/>
-          </p:cNvPicPr>
-          <p:nvPr/>
-        </p:nvPicPr>
-        <p:blipFill>
-          <a:blip r:embed="rId5" r:link="rId6" cstate="print"/>
-          <a:srcRect/>
-          <a:stretch>
-            <a:fillRect/>
-          </a:stretch>
-        </p:blipFill>
-        <p:spPr bwMode="auto">
-          <a:xfrm>
-            <a:off x="4953000" y="1828800"/>
-            <a:ext cx="2654300" cy="2819400"/>
-          </a:xfrm>
-          <a:prstGeom prst="rect">
-            <a:avLst/>
-          </a:prstGeom>
-          <a:noFill/>
-        </p:spPr>
-      </p:pic>
-    </p:spTree>
-  </p:cSld>
-  <p:clrMapOvr>
-    <a:masterClrMapping/>
-  </p:clrMapOvr>
-  <p:timing>
-    <p:tnLst>
-      <p:par>
-        <p:cTn id="1" dur="indefinite" restart="never" nodeType="tmRoot"/>
-      </p:par>
-    </p:tnLst>
-  </p:timing>
-</p:sld>
-</file>
-
-<file path=ppt/slides/slide8.xml><?xml version="1.0" encoding="utf-8"?>
-<p:sld xmlns:a="http://schemas.openxmlformats.org/drawingml/2006/main" xmlns:r="http://schemas.openxmlformats.org/officeDocument/2006/relationships" xmlns:p="http://schemas.openxmlformats.org/presentationml/2006/main">
-  <p:cSld>
-    <p:spTree>
-      <p:nvGrpSpPr>
-        <p:cNvPr id="1" name=""/>
-        <p:cNvGrpSpPr/>
-        <p:nvPr/>
-      </p:nvGrpSpPr>
-      <p:grpSpPr>
-        <a:xfrm>
-          <a:off x="0" y="0"/>
-          <a:ext cx="0" cy="0"/>
-          <a:chOff x="0" y="0"/>
-          <a:chExt cx="0" cy="0"/>
-        </a:xfrm>
-      </p:grpSpPr>
-      <p:sp>
-        <p:nvSpPr>
-          <p:cNvPr id="173058" name="Rectangle 2"/>
-          <p:cNvSpPr>
-            <a:spLocks noGrp="1" noChangeArrowheads="1"/>
-          </p:cNvSpPr>
-          <p:nvPr>
-            <p:ph type="title"/>
-          </p:nvPr>
-        </p:nvSpPr>
-        <p:spPr/>
-        <p:txBody>
-          <a:bodyPr/>
-          <a:lstStyle/>
-          <a:p>
-            <a:r>
-              <a:rPr lang="en-US"/>
-              <a:t>HU ppt [lijn]</a:t>
-            </a:r>
-          </a:p>
-        </p:txBody>
-      </p:sp>
-      <p:graphicFrame>
-        <p:nvGraphicFramePr>
-          <p:cNvPr id="173059" name="Object 3"/>
-          <p:cNvGraphicFramePr>
-            <a:graphicFrameLocks noChangeAspect="1"/>
-          </p:cNvGraphicFramePr>
-          <p:nvPr>
-            <p:ph type="chart" sz="half" idx="1"/>
-          </p:nvPr>
-        </p:nvGraphicFramePr>
-        <p:xfrm>
-          <a:off x="-1219200" y="1681163"/>
-          <a:ext cx="6096000" cy="3494087"/>
-        </p:xfrm>
-        <a:graphic>
-          <a:graphicData uri="http://schemas.openxmlformats.org/presentationml/2006/ole">
-            <p:oleObj spid="_x0000_s173059" name="Chart" r:id="rId4" imgW="8991600" imgH="5152934" progId="MSGraph.Chart.8">
-              <p:embed followColorScheme="full"/>
-            </p:oleObj>
-          </a:graphicData>
-        </a:graphic>
-      </p:graphicFrame>
-      <p:sp>
-        <p:nvSpPr>
-          <p:cNvPr id="173060" name="Rectangle 4"/>
-          <p:cNvSpPr>
-            <a:spLocks noGrp="1" noChangeAspect="1" noChangeArrowheads="1"/>
-          </p:cNvSpPr>
-          <p:nvPr>
-            <p:ph type="body" sz="half" idx="2"/>
-          </p:nvPr>
-        </p:nvSpPr>
-        <p:spPr>
-          <a:xfrm>
-            <a:off x="457200" y="4953000"/>
-            <a:ext cx="8262938" cy="822325"/>
-          </a:xfrm>
-        </p:spPr>
-        <p:txBody>
-          <a:bodyPr/>
-          <a:lstStyle/>
-          <a:p>
-            <a:pPr>
-              <a:buFont typeface="Zapf Dingbats" charset="2"/>
-              <a:buNone/>
-            </a:pPr>
-            <a:r>
-              <a:rPr lang="en-US" sz="2400"/>
-              <a:t>	Door dubbel te klikken op de ‘lijndiagram’ kunt u deze toevoegen aan uw persoonlijke voorkeuren</a:t>
-            </a:r>
-          </a:p>
-        </p:txBody>
-      </p:sp>
-      <p:pic>
-        <p:nvPicPr>
-          <p:cNvPr id="173063" name="Picture 7" descr="lijn.pdf                                                       000C6298Macintosh HD                   BB707946:"/>
-          <p:cNvPicPr>
-            <a:picLocks noChangeAspect="1" noChangeArrowheads="1"/>
-          </p:cNvPicPr>
-          <p:nvPr/>
-        </p:nvPicPr>
-        <p:blipFill>
-          <a:blip r:embed="rId5" r:link="rId6" cstate="print"/>
-          <a:srcRect/>
-          <a:stretch>
-            <a:fillRect/>
-          </a:stretch>
-        </p:blipFill>
-        <p:spPr bwMode="auto">
-          <a:xfrm>
-            <a:off x="4875213" y="1828800"/>
-            <a:ext cx="2617787" cy="2819400"/>
-          </a:xfrm>
-          <a:prstGeom prst="rect">
-            <a:avLst/>
-          </a:prstGeom>
-          <a:noFill/>
-        </p:spPr>
-      </p:pic>
-    </p:spTree>
-  </p:cSld>
-  <p:clrMapOvr>
-    <a:masterClrMapping/>
-  </p:clrMapOvr>
-  <p:timing>
-    <p:tnLst>
-      <p:par>
-        <p:cTn id="1" dur="indefinite" restart="never" nodeType="tmRoot"/>
-      </p:par>
-    </p:tnLst>
-  </p:timing>
-</p:sld>
-</file>
-
-<file path=ppt/slides/slide9.xml><?xml version="1.0" encoding="utf-8"?>
-<p:sld xmlns:a="http://schemas.openxmlformats.org/drawingml/2006/main" xmlns:r="http://schemas.openxmlformats.org/officeDocument/2006/relationships" xmlns:p="http://schemas.openxmlformats.org/presentationml/2006/main">
-  <p:cSld>
-    <p:spTree>
-      <p:nvGrpSpPr>
-        <p:cNvPr id="1" name=""/>
-        <p:cNvGrpSpPr/>
-        <p:nvPr/>
-      </p:nvGrpSpPr>
-      <p:grpSpPr>
-        <a:xfrm>
-          <a:off x="0" y="0"/>
-          <a:ext cx="0" cy="0"/>
-          <a:chOff x="0" y="0"/>
-          <a:chExt cx="0" cy="0"/>
-        </a:xfrm>
-      </p:grpSpPr>
-      <p:sp>
-        <p:nvSpPr>
-          <p:cNvPr id="175106" name="Rectangle 2"/>
-          <p:cNvSpPr>
-            <a:spLocks noGrp="1" noChangeArrowheads="1"/>
-          </p:cNvSpPr>
-          <p:nvPr>
-            <p:ph type="title"/>
-          </p:nvPr>
-        </p:nvSpPr>
-        <p:spPr/>
-        <p:txBody>
-          <a:bodyPr/>
-          <a:lstStyle/>
-          <a:p>
-            <a:r>
-              <a:rPr lang="en-US"/>
-              <a:t>HU ppt [organisatieschema]</a:t>
-            </a:r>
-          </a:p>
-        </p:txBody>
-      </p:sp>
-      <p:graphicFrame>
-        <p:nvGraphicFramePr>
-          <p:cNvPr id="175107" name="Object 3"/>
-          <p:cNvGraphicFramePr>
-            <a:graphicFrameLocks noChangeAspect="1"/>
-          </p:cNvGraphicFramePr>
-          <p:nvPr>
-            <p:ph type="dgm" idx="1"/>
-          </p:nvPr>
-        </p:nvGraphicFramePr>
-        <p:xfrm>
-          <a:off x="1187450" y="2060575"/>
-          <a:ext cx="6769100" cy="1368425"/>
-        </p:xfrm>
-        <a:graphic>
-          <a:graphicData uri="http://schemas.openxmlformats.org/presentationml/2006/ole">
-            <p:oleObj spid="_x0000_s175107" name="Microsoft Organization Chart" r:id="rId4" imgW="9550400" imgH="2667000" progId="MSOrgChart.2">
-              <p:embed followColorScheme="full"/>
-            </p:oleObj>
-          </a:graphicData>
-        </a:graphic>
-      </p:graphicFrame>
-    </p:spTree>
-  </p:cSld>
-  <p:clrMapOvr>
-    <a:masterClrMapping/>
-  </p:clrMapOvr>
-  <p:timing>
-    <p:tnLst>
-      <p:par>
-        <p:cTn id="1" dur="indefinite" restart="never" nodeType="tmRoot"/>
-      </p:par>
-    </p:tnLst>
-  </p:timing>
 </p:sld>
 </file>
 

--- a/slides/ddl-w7l2.pptx
+++ b/slides/ddl-w7l2.pptx
@@ -5,17 +5,28 @@
     <p:sldMasterId id="2147483649" r:id="rId1"/>
   </p:sldMasterIdLst>
   <p:notesMasterIdLst>
-    <p:notesMasterId r:id="rId7"/>
+    <p:notesMasterId r:id="rId18"/>
   </p:notesMasterIdLst>
   <p:handoutMasterIdLst>
-    <p:handoutMasterId r:id="rId8"/>
+    <p:handoutMasterId r:id="rId19"/>
   </p:handoutMasterIdLst>
   <p:sldIdLst>
     <p:sldId id="256" r:id="rId2"/>
     <p:sldId id="257" r:id="rId3"/>
     <p:sldId id="258" r:id="rId4"/>
     <p:sldId id="259" r:id="rId5"/>
-    <p:sldId id="260" r:id="rId6"/>
+    <p:sldId id="261" r:id="rId6"/>
+    <p:sldId id="275" r:id="rId7"/>
+    <p:sldId id="279" r:id="rId8"/>
+    <p:sldId id="277" r:id="rId9"/>
+    <p:sldId id="278" r:id="rId10"/>
+    <p:sldId id="280" r:id="rId11"/>
+    <p:sldId id="265" r:id="rId12"/>
+    <p:sldId id="281" r:id="rId13"/>
+    <p:sldId id="263" r:id="rId14"/>
+    <p:sldId id="268" r:id="rId15"/>
+    <p:sldId id="270" r:id="rId16"/>
+    <p:sldId id="273" r:id="rId17"/>
   </p:sldIdLst>
   <p:sldSz cx="9144000" cy="6858000" type="screen4x3"/>
   <p:notesSz cx="6858000" cy="9144000"/>
@@ -181,6 +192,1254 @@
 </p:presentation>
 </file>
 
+<file path=ppt/charts/chart1.xml><?xml version="1.0" encoding="utf-8"?>
+<c:chartSpace xmlns:c="http://schemas.openxmlformats.org/drawingml/2006/chart" xmlns:a="http://schemas.openxmlformats.org/drawingml/2006/main" xmlns:r="http://schemas.openxmlformats.org/officeDocument/2006/relationships" xmlns:c16r2="http://schemas.microsoft.com/office/drawing/2015/06/chart">
+  <c:date1904 val="0"/>
+  <c:lang val="nl-NL"/>
+  <c:roundedCorners val="0"/>
+  <mc:AlternateContent xmlns:mc="http://schemas.openxmlformats.org/markup-compatibility/2006">
+    <mc:Choice xmlns:c14="http://schemas.microsoft.com/office/drawing/2007/8/2/chart" Requires="c14">
+      <c14:style val="102"/>
+    </mc:Choice>
+    <mc:Fallback>
+      <c:style val="2"/>
+    </mc:Fallback>
+  </mc:AlternateContent>
+  <c:clrMapOvr bg1="lt1" tx1="dk1" bg2="lt2" tx2="dk2" accent1="accent1" accent2="accent2" accent3="accent3" accent4="accent4" accent5="accent5" accent6="accent6" hlink="hlink" folHlink="folHlink"/>
+  <c:chart>
+    <c:autoTitleDeleted val="1"/>
+    <c:plotArea>
+      <c:layout>
+        <c:manualLayout>
+          <c:layoutTarget val="inner"/>
+          <c:xMode val="edge"/>
+          <c:yMode val="edge"/>
+          <c:x val="0.14000658731839019"/>
+          <c:y val="0.11671090217847735"/>
+          <c:w val="0.82265726159230101"/>
+          <c:h val="0.62981855528928454"/>
+        </c:manualLayout>
+      </c:layout>
+      <c:scatterChart>
+        <c:scatterStyle val="lineMarker"/>
+        <c:varyColors val="0"/>
+        <c:ser>
+          <c:idx val="0"/>
+          <c:order val="0"/>
+          <c:tx>
+            <c:strRef>
+              <c:f>Blad1!$J$7</c:f>
+              <c:strCache>
+                <c:ptCount val="1"/>
+                <c:pt idx="0">
+                  <c:v>The Godfather</c:v>
+                </c:pt>
+              </c:strCache>
+            </c:strRef>
+          </c:tx>
+          <c:spPr>
+            <a:ln w="19050" cap="rnd">
+              <a:noFill/>
+              <a:round/>
+            </a:ln>
+            <a:effectLst/>
+          </c:spPr>
+          <c:marker>
+            <c:symbol val="circle"/>
+            <c:size val="10"/>
+            <c:spPr>
+              <a:solidFill>
+                <a:schemeClr val="accent1"/>
+              </a:solidFill>
+              <a:ln w="38100">
+                <a:noFill/>
+              </a:ln>
+              <a:effectLst/>
+            </c:spPr>
+          </c:marker>
+          <c:dPt>
+            <c:idx val="0"/>
+            <c:marker>
+              <c:symbol val="circle"/>
+              <c:size val="10"/>
+              <c:spPr>
+                <a:solidFill>
+                  <a:schemeClr val="accent2"/>
+                </a:solidFill>
+                <a:ln w="38100">
+                  <a:noFill/>
+                </a:ln>
+                <a:effectLst/>
+              </c:spPr>
+            </c:marker>
+            <c:bubble3D val="0"/>
+            <c:extLst>
+              <c:ext xmlns:c16="http://schemas.microsoft.com/office/drawing/2014/chart" uri="{C3380CC4-5D6E-409C-BE32-E72D297353CC}">
+                <c16:uniqueId val="{00000000-95D0-4F1C-BD96-6C6CB9CCAAD1}"/>
+              </c:ext>
+            </c:extLst>
+          </c:dPt>
+          <c:dPt>
+            <c:idx val="1"/>
+            <c:marker>
+              <c:symbol val="circle"/>
+              <c:size val="10"/>
+              <c:spPr>
+                <a:solidFill>
+                  <a:srgbClr val="FF0000"/>
+                </a:solidFill>
+                <a:ln w="38100">
+                  <a:noFill/>
+                </a:ln>
+                <a:effectLst/>
+              </c:spPr>
+            </c:marker>
+            <c:bubble3D val="0"/>
+            <c:extLst>
+              <c:ext xmlns:c16="http://schemas.microsoft.com/office/drawing/2014/chart" uri="{C3380CC4-5D6E-409C-BE32-E72D297353CC}">
+                <c16:uniqueId val="{00000001-95D0-4F1C-BD96-6C6CB9CCAAD1}"/>
+              </c:ext>
+            </c:extLst>
+          </c:dPt>
+          <c:dPt>
+            <c:idx val="2"/>
+            <c:marker>
+              <c:symbol val="circle"/>
+              <c:size val="10"/>
+              <c:spPr>
+                <a:solidFill>
+                  <a:srgbClr val="0070C0"/>
+                </a:solidFill>
+                <a:ln w="38100">
+                  <a:noFill/>
+                </a:ln>
+                <a:effectLst/>
+              </c:spPr>
+            </c:marker>
+            <c:bubble3D val="0"/>
+            <c:extLst>
+              <c:ext xmlns:c16="http://schemas.microsoft.com/office/drawing/2014/chart" uri="{C3380CC4-5D6E-409C-BE32-E72D297353CC}">
+                <c16:uniqueId val="{00000002-95D0-4F1C-BD96-6C6CB9CCAAD1}"/>
+              </c:ext>
+            </c:extLst>
+          </c:dPt>
+          <c:dLbls>
+            <c:dLbl>
+              <c:idx val="0"/>
+              <c:layout/>
+              <c:tx>
+                <c:rich>
+                  <a:bodyPr/>
+                  <a:lstStyle/>
+                  <a:p>
+                    <a:fld id="{84CCFFC8-411A-4009-AA21-FE1C0CD38BE2}" type="CELLRANGE">
+                      <a:rPr lang="en-US"/>
+                      <a:pPr/>
+                      <a:t>[CELLRANGE]</a:t>
+                    </a:fld>
+                    <a:endParaRPr lang="nl-NL"/>
+                  </a:p>
+                </c:rich>
+              </c:tx>
+              <c:dLblPos val="t"/>
+              <c:showLegendKey val="0"/>
+              <c:showVal val="0"/>
+              <c:showCatName val="0"/>
+              <c:showSerName val="0"/>
+              <c:showPercent val="0"/>
+              <c:showBubbleSize val="0"/>
+              <c:extLst>
+                <c:ext xmlns:c15="http://schemas.microsoft.com/office/drawing/2012/chart" uri="{CE6537A1-D6FC-4f65-9D91-7224C49458BB}">
+                  <c15:layout/>
+                  <c15:dlblFieldTable/>
+                  <c15:showDataLabelsRange val="1"/>
+                </c:ext>
+                <c:ext xmlns:c16="http://schemas.microsoft.com/office/drawing/2014/chart" uri="{C3380CC4-5D6E-409C-BE32-E72D297353CC}">
+                  <c16:uniqueId val="{00000000-95D0-4F1C-BD96-6C6CB9CCAAD1}"/>
+                </c:ext>
+              </c:extLst>
+            </c:dLbl>
+            <c:dLbl>
+              <c:idx val="1"/>
+              <c:layout/>
+              <c:tx>
+                <c:rich>
+                  <a:bodyPr/>
+                  <a:lstStyle/>
+                  <a:p>
+                    <a:fld id="{84A50E21-7BC8-4E7D-B686-CCA39021CE57}" type="CELLRANGE">
+                      <a:rPr lang="nl-NL"/>
+                      <a:pPr/>
+                      <a:t>[CELLRANGE]</a:t>
+                    </a:fld>
+                    <a:endParaRPr lang="nl-NL"/>
+                  </a:p>
+                </c:rich>
+              </c:tx>
+              <c:dLblPos val="t"/>
+              <c:showLegendKey val="0"/>
+              <c:showVal val="0"/>
+              <c:showCatName val="0"/>
+              <c:showSerName val="0"/>
+              <c:showPercent val="0"/>
+              <c:showBubbleSize val="0"/>
+              <c:extLst>
+                <c:ext xmlns:c15="http://schemas.microsoft.com/office/drawing/2012/chart" uri="{CE6537A1-D6FC-4f65-9D91-7224C49458BB}">
+                  <c15:layout/>
+                  <c15:dlblFieldTable/>
+                  <c15:xForSave val="1"/>
+                  <c15:showDataLabelsRange val="1"/>
+                </c:ext>
+                <c:ext xmlns:c16="http://schemas.microsoft.com/office/drawing/2014/chart" uri="{C3380CC4-5D6E-409C-BE32-E72D297353CC}">
+                  <c16:uniqueId val="{00000001-95D0-4F1C-BD96-6C6CB9CCAAD1}"/>
+                </c:ext>
+              </c:extLst>
+            </c:dLbl>
+            <c:dLbl>
+              <c:idx val="2"/>
+              <c:layout>
+                <c:manualLayout>
+                  <c:x val="-0.15627613768571055"/>
+                  <c:y val="-5.957562295619552E-2"/>
+                </c:manualLayout>
+              </c:layout>
+              <c:tx>
+                <c:rich>
+                  <a:bodyPr/>
+                  <a:lstStyle/>
+                  <a:p>
+                    <a:fld id="{DADF5840-93DB-4AC9-BF92-2AEDB01B0671}" type="CELLRANGE">
+                      <a:rPr lang="en-US"/>
+                      <a:pPr/>
+                      <a:t>[CELLRANGE]</a:t>
+                    </a:fld>
+                    <a:endParaRPr lang="nl-NL"/>
+                  </a:p>
+                </c:rich>
+              </c:tx>
+              <c:dLblPos val="r"/>
+              <c:showLegendKey val="0"/>
+              <c:showVal val="0"/>
+              <c:showCatName val="0"/>
+              <c:showSerName val="0"/>
+              <c:showPercent val="0"/>
+              <c:showBubbleSize val="0"/>
+              <c:extLst>
+                <c:ext xmlns:c15="http://schemas.microsoft.com/office/drawing/2012/chart" uri="{CE6537A1-D6FC-4f65-9D91-7224C49458BB}">
+                  <c15:layout/>
+                  <c15:dlblFieldTable/>
+                  <c15:showDataLabelsRange val="1"/>
+                </c:ext>
+                <c:ext xmlns:c16="http://schemas.microsoft.com/office/drawing/2014/chart" uri="{C3380CC4-5D6E-409C-BE32-E72D297353CC}">
+                  <c16:uniqueId val="{00000002-95D0-4F1C-BD96-6C6CB9CCAAD1}"/>
+                </c:ext>
+              </c:extLst>
+            </c:dLbl>
+            <c:spPr>
+              <a:noFill/>
+              <a:ln>
+                <a:noFill/>
+              </a:ln>
+              <a:effectLst/>
+            </c:spPr>
+            <c:txPr>
+              <a:bodyPr rot="0" spcFirstLastPara="1" vertOverflow="ellipsis" vert="horz" wrap="square" lIns="38100" tIns="19050" rIns="38100" bIns="19050" anchor="ctr" anchorCtr="1">
+                <a:spAutoFit/>
+              </a:bodyPr>
+              <a:lstStyle/>
+              <a:p>
+                <a:pPr>
+                  <a:defRPr sz="1800" b="0" i="0" u="none" strike="noStrike" kern="1200" baseline="0">
+                    <a:solidFill>
+                      <a:schemeClr val="tx1">
+                        <a:lumMod val="75000"/>
+                        <a:lumOff val="25000"/>
+                      </a:schemeClr>
+                    </a:solidFill>
+                    <a:latin typeface="+mn-lt"/>
+                    <a:ea typeface="+mn-ea"/>
+                    <a:cs typeface="+mn-cs"/>
+                  </a:defRPr>
+                </a:pPr>
+                <a:endParaRPr lang="nl-NL"/>
+              </a:p>
+            </c:txPr>
+            <c:dLblPos val="t"/>
+            <c:showLegendKey val="0"/>
+            <c:showVal val="0"/>
+            <c:showCatName val="0"/>
+            <c:showSerName val="0"/>
+            <c:showPercent val="0"/>
+            <c:showBubbleSize val="0"/>
+            <c:showLeaderLines val="0"/>
+            <c:extLst>
+              <c:ext xmlns:c15="http://schemas.microsoft.com/office/drawing/2012/chart" uri="{CE6537A1-D6FC-4f65-9D91-7224C49458BB}">
+                <c15:layout/>
+                <c15:showDataLabelsRange val="1"/>
+                <c15:showLeaderLines val="1"/>
+                <c15:leaderLines>
+                  <c:spPr>
+                    <a:ln w="9525" cap="flat" cmpd="sng" algn="ctr">
+                      <a:solidFill>
+                        <a:schemeClr val="tx1">
+                          <a:lumMod val="35000"/>
+                          <a:lumOff val="65000"/>
+                        </a:schemeClr>
+                      </a:solidFill>
+                      <a:round/>
+                    </a:ln>
+                    <a:effectLst/>
+                  </c:spPr>
+                </c15:leaderLines>
+              </c:ext>
+            </c:extLst>
+          </c:dLbls>
+          <c:xVal>
+            <c:numRef>
+              <c:f>Blad1!$I$8:$I$10</c:f>
+              <c:numCache>
+                <c:formatCode>General</c:formatCode>
+                <c:ptCount val="3"/>
+                <c:pt idx="0">
+                  <c:v>3</c:v>
+                </c:pt>
+                <c:pt idx="1">
+                  <c:v>5</c:v>
+                </c:pt>
+                <c:pt idx="2">
+                  <c:v>1</c:v>
+                </c:pt>
+              </c:numCache>
+            </c:numRef>
+          </c:xVal>
+          <c:yVal>
+            <c:numRef>
+              <c:f>Blad1!$J$8:$J$10</c:f>
+              <c:numCache>
+                <c:formatCode>General</c:formatCode>
+                <c:ptCount val="3"/>
+                <c:pt idx="0">
+                  <c:v>3</c:v>
+                </c:pt>
+                <c:pt idx="1">
+                  <c:v>5</c:v>
+                </c:pt>
+                <c:pt idx="2">
+                  <c:v>2</c:v>
+                </c:pt>
+              </c:numCache>
+            </c:numRef>
+          </c:yVal>
+          <c:smooth val="0"/>
+          <c:extLst>
+            <c:ext xmlns:c15="http://schemas.microsoft.com/office/drawing/2012/chart" uri="{02D57815-91ED-43cb-92C2-25804820EDAC}">
+              <c15:datalabelsRange>
+                <c15:f>Blad1!$I$13:$I$15</c15:f>
+                <c15:dlblRangeCache>
+                  <c:ptCount val="3"/>
+                  <c:pt idx="0">
+                    <c:v>User 2</c:v>
+                  </c:pt>
+                  <c:pt idx="1">
+                    <c:v>User 3</c:v>
+                  </c:pt>
+                  <c:pt idx="2">
+                    <c:v>User 1</c:v>
+                  </c:pt>
+                </c15:dlblRangeCache>
+              </c15:datalabelsRange>
+            </c:ext>
+            <c:ext xmlns:c16="http://schemas.microsoft.com/office/drawing/2014/chart" uri="{C3380CC4-5D6E-409C-BE32-E72D297353CC}">
+              <c16:uniqueId val="{00000003-95D0-4F1C-BD96-6C6CB9CCAAD1}"/>
+            </c:ext>
+          </c:extLst>
+        </c:ser>
+        <c:dLbls>
+          <c:showLegendKey val="0"/>
+          <c:showVal val="0"/>
+          <c:showCatName val="0"/>
+          <c:showSerName val="0"/>
+          <c:showPercent val="0"/>
+          <c:showBubbleSize val="0"/>
+        </c:dLbls>
+        <c:axId val="491948624"/>
+        <c:axId val="491949280"/>
+      </c:scatterChart>
+      <c:valAx>
+        <c:axId val="491948624"/>
+        <c:scaling>
+          <c:orientation val="minMax"/>
+          <c:max val="5"/>
+        </c:scaling>
+        <c:delete val="0"/>
+        <c:axPos val="b"/>
+        <c:majorGridlines>
+          <c:spPr>
+            <a:ln w="9525" cap="flat" cmpd="sng" algn="ctr">
+              <a:solidFill>
+                <a:schemeClr val="tx1">
+                  <a:lumMod val="15000"/>
+                  <a:lumOff val="85000"/>
+                </a:schemeClr>
+              </a:solidFill>
+              <a:round/>
+            </a:ln>
+            <a:effectLst/>
+          </c:spPr>
+        </c:majorGridlines>
+        <c:title>
+          <c:tx>
+            <c:rich>
+              <a:bodyPr rot="0" spcFirstLastPara="1" vertOverflow="ellipsis" vert="horz" wrap="square" anchor="ctr" anchorCtr="1"/>
+              <a:lstStyle/>
+              <a:p>
+                <a:pPr>
+                  <a:defRPr sz="2000" b="0" i="0" u="none" strike="noStrike" kern="1200" baseline="0">
+                    <a:solidFill>
+                      <a:schemeClr val="tx1">
+                        <a:lumMod val="65000"/>
+                        <a:lumOff val="35000"/>
+                      </a:schemeClr>
+                    </a:solidFill>
+                    <a:latin typeface="+mn-lt"/>
+                    <a:ea typeface="+mn-ea"/>
+                    <a:cs typeface="+mn-cs"/>
+                  </a:defRPr>
+                </a:pPr>
+                <a:r>
+                  <a:rPr lang="nl-NL" sz="2000"/>
+                  <a:t>Pulp Fiction</a:t>
+                </a:r>
+              </a:p>
+            </c:rich>
+          </c:tx>
+          <c:layout/>
+          <c:overlay val="0"/>
+          <c:spPr>
+            <a:noFill/>
+            <a:ln>
+              <a:noFill/>
+            </a:ln>
+            <a:effectLst/>
+          </c:spPr>
+          <c:txPr>
+            <a:bodyPr rot="0" spcFirstLastPara="1" vertOverflow="ellipsis" vert="horz" wrap="square" anchor="ctr" anchorCtr="1"/>
+            <a:lstStyle/>
+            <a:p>
+              <a:pPr>
+                <a:defRPr sz="2000" b="0" i="0" u="none" strike="noStrike" kern="1200" baseline="0">
+                  <a:solidFill>
+                    <a:schemeClr val="tx1">
+                      <a:lumMod val="65000"/>
+                      <a:lumOff val="35000"/>
+                    </a:schemeClr>
+                  </a:solidFill>
+                  <a:latin typeface="+mn-lt"/>
+                  <a:ea typeface="+mn-ea"/>
+                  <a:cs typeface="+mn-cs"/>
+                </a:defRPr>
+              </a:pPr>
+              <a:endParaRPr lang="nl-NL"/>
+            </a:p>
+          </c:txPr>
+        </c:title>
+        <c:numFmt formatCode="General" sourceLinked="1"/>
+        <c:majorTickMark val="none"/>
+        <c:minorTickMark val="none"/>
+        <c:tickLblPos val="nextTo"/>
+        <c:spPr>
+          <a:noFill/>
+          <a:ln w="9525" cap="flat" cmpd="sng" algn="ctr">
+            <a:solidFill>
+              <a:schemeClr val="tx1">
+                <a:lumMod val="25000"/>
+                <a:lumOff val="75000"/>
+              </a:schemeClr>
+            </a:solidFill>
+            <a:round/>
+          </a:ln>
+          <a:effectLst/>
+        </c:spPr>
+        <c:txPr>
+          <a:bodyPr rot="-60000000" spcFirstLastPara="1" vertOverflow="ellipsis" vert="horz" wrap="square" anchor="ctr" anchorCtr="1"/>
+          <a:lstStyle/>
+          <a:p>
+            <a:pPr>
+              <a:defRPr sz="1800" b="0" i="0" u="none" strike="noStrike" kern="1200" baseline="0">
+                <a:solidFill>
+                  <a:schemeClr val="tx1">
+                    <a:lumMod val="65000"/>
+                    <a:lumOff val="35000"/>
+                  </a:schemeClr>
+                </a:solidFill>
+                <a:latin typeface="+mn-lt"/>
+                <a:ea typeface="+mn-ea"/>
+                <a:cs typeface="+mn-cs"/>
+              </a:defRPr>
+            </a:pPr>
+            <a:endParaRPr lang="nl-NL"/>
+          </a:p>
+        </c:txPr>
+        <c:crossAx val="491949280"/>
+        <c:crosses val="autoZero"/>
+        <c:crossBetween val="midCat"/>
+        <c:majorUnit val="1"/>
+      </c:valAx>
+      <c:valAx>
+        <c:axId val="491949280"/>
+        <c:scaling>
+          <c:orientation val="minMax"/>
+          <c:max val="5"/>
+        </c:scaling>
+        <c:delete val="0"/>
+        <c:axPos val="l"/>
+        <c:majorGridlines>
+          <c:spPr>
+            <a:ln w="9525" cap="flat" cmpd="sng" algn="ctr">
+              <a:solidFill>
+                <a:schemeClr val="tx1">
+                  <a:lumMod val="15000"/>
+                  <a:lumOff val="85000"/>
+                </a:schemeClr>
+              </a:solidFill>
+              <a:round/>
+            </a:ln>
+            <a:effectLst/>
+          </c:spPr>
+        </c:majorGridlines>
+        <c:title>
+          <c:tx>
+            <c:rich>
+              <a:bodyPr rot="-5400000" spcFirstLastPara="1" vertOverflow="ellipsis" vert="horz" wrap="square" anchor="ctr" anchorCtr="1"/>
+              <a:lstStyle/>
+              <a:p>
+                <a:pPr>
+                  <a:defRPr sz="2000" b="0" i="0" u="none" strike="noStrike" kern="1200" baseline="0">
+                    <a:solidFill>
+                      <a:schemeClr val="tx1">
+                        <a:lumMod val="65000"/>
+                        <a:lumOff val="35000"/>
+                      </a:schemeClr>
+                    </a:solidFill>
+                    <a:latin typeface="+mn-lt"/>
+                    <a:ea typeface="+mn-ea"/>
+                    <a:cs typeface="+mn-cs"/>
+                  </a:defRPr>
+                </a:pPr>
+                <a:r>
+                  <a:rPr lang="nl-NL" sz="2000"/>
+                  <a:t>The Godfather</a:t>
+                </a:r>
+              </a:p>
+            </c:rich>
+          </c:tx>
+          <c:layout/>
+          <c:overlay val="0"/>
+          <c:spPr>
+            <a:noFill/>
+            <a:ln>
+              <a:noFill/>
+            </a:ln>
+            <a:effectLst/>
+          </c:spPr>
+          <c:txPr>
+            <a:bodyPr rot="-5400000" spcFirstLastPara="1" vertOverflow="ellipsis" vert="horz" wrap="square" anchor="ctr" anchorCtr="1"/>
+            <a:lstStyle/>
+            <a:p>
+              <a:pPr>
+                <a:defRPr sz="2000" b="0" i="0" u="none" strike="noStrike" kern="1200" baseline="0">
+                  <a:solidFill>
+                    <a:schemeClr val="tx1">
+                      <a:lumMod val="65000"/>
+                      <a:lumOff val="35000"/>
+                    </a:schemeClr>
+                  </a:solidFill>
+                  <a:latin typeface="+mn-lt"/>
+                  <a:ea typeface="+mn-ea"/>
+                  <a:cs typeface="+mn-cs"/>
+                </a:defRPr>
+              </a:pPr>
+              <a:endParaRPr lang="nl-NL"/>
+            </a:p>
+          </c:txPr>
+        </c:title>
+        <c:numFmt formatCode="General" sourceLinked="1"/>
+        <c:majorTickMark val="none"/>
+        <c:minorTickMark val="none"/>
+        <c:tickLblPos val="nextTo"/>
+        <c:spPr>
+          <a:noFill/>
+          <a:ln w="9525" cap="flat" cmpd="sng" algn="ctr">
+            <a:solidFill>
+              <a:schemeClr val="tx1">
+                <a:lumMod val="25000"/>
+                <a:lumOff val="75000"/>
+              </a:schemeClr>
+            </a:solidFill>
+            <a:round/>
+          </a:ln>
+          <a:effectLst/>
+        </c:spPr>
+        <c:txPr>
+          <a:bodyPr rot="-60000000" spcFirstLastPara="1" vertOverflow="ellipsis" vert="horz" wrap="square" anchor="ctr" anchorCtr="1"/>
+          <a:lstStyle/>
+          <a:p>
+            <a:pPr>
+              <a:defRPr sz="1800" b="0" i="0" u="none" strike="noStrike" kern="1200" baseline="0">
+                <a:solidFill>
+                  <a:schemeClr val="tx1">
+                    <a:lumMod val="65000"/>
+                    <a:lumOff val="35000"/>
+                  </a:schemeClr>
+                </a:solidFill>
+                <a:latin typeface="+mn-lt"/>
+                <a:ea typeface="+mn-ea"/>
+                <a:cs typeface="+mn-cs"/>
+              </a:defRPr>
+            </a:pPr>
+            <a:endParaRPr lang="nl-NL"/>
+          </a:p>
+        </c:txPr>
+        <c:crossAx val="491948624"/>
+        <c:crosses val="autoZero"/>
+        <c:crossBetween val="midCat"/>
+        <c:majorUnit val="1"/>
+      </c:valAx>
+      <c:spPr>
+        <a:noFill/>
+        <a:ln>
+          <a:noFill/>
+        </a:ln>
+        <a:effectLst/>
+      </c:spPr>
+    </c:plotArea>
+    <c:plotVisOnly val="1"/>
+    <c:dispBlanksAs val="gap"/>
+    <c:showDLblsOverMax val="0"/>
+  </c:chart>
+  <c:spPr>
+    <a:noFill/>
+    <a:ln>
+      <a:noFill/>
+    </a:ln>
+    <a:effectLst/>
+  </c:spPr>
+  <c:txPr>
+    <a:bodyPr/>
+    <a:lstStyle/>
+    <a:p>
+      <a:pPr>
+        <a:defRPr/>
+      </a:pPr>
+      <a:endParaRPr lang="nl-NL"/>
+    </a:p>
+  </c:txPr>
+  <c:externalData r:id="rId4">
+    <c:autoUpdate val="0"/>
+  </c:externalData>
+  <c:userShapes r:id="rId5"/>
+</c:chartSpace>
+</file>
+
+<file path=ppt/charts/colors1.xml><?xml version="1.0" encoding="utf-8"?>
+<cs:colorStyle xmlns:cs="http://schemas.microsoft.com/office/drawing/2012/chartStyle" xmlns:a="http://schemas.openxmlformats.org/drawingml/2006/main" meth="cycle" id="10">
+  <a:schemeClr val="accent1"/>
+  <a:schemeClr val="accent2"/>
+  <a:schemeClr val="accent3"/>
+  <a:schemeClr val="accent4"/>
+  <a:schemeClr val="accent5"/>
+  <a:schemeClr val="accent6"/>
+  <cs:variation/>
+  <cs:variation>
+    <a:lumMod val="60000"/>
+  </cs:variation>
+  <cs:variation>
+    <a:lumMod val="80000"/>
+    <a:lumOff val="20000"/>
+  </cs:variation>
+  <cs:variation>
+    <a:lumMod val="80000"/>
+  </cs:variation>
+  <cs:variation>
+    <a:lumMod val="60000"/>
+    <a:lumOff val="40000"/>
+  </cs:variation>
+  <cs:variation>
+    <a:lumMod val="50000"/>
+  </cs:variation>
+  <cs:variation>
+    <a:lumMod val="70000"/>
+    <a:lumOff val="30000"/>
+  </cs:variation>
+  <cs:variation>
+    <a:lumMod val="70000"/>
+  </cs:variation>
+  <cs:variation>
+    <a:lumMod val="50000"/>
+    <a:lumOff val="50000"/>
+  </cs:variation>
+</cs:colorStyle>
+</file>
+
+<file path=ppt/charts/style1.xml><?xml version="1.0" encoding="utf-8"?>
+<cs:chartStyle xmlns:cs="http://schemas.microsoft.com/office/drawing/2012/chartStyle" xmlns:a="http://schemas.openxmlformats.org/drawingml/2006/main" id="240">
+  <cs:axisTitle>
+    <cs:lnRef idx="0"/>
+    <cs:fillRef idx="0"/>
+    <cs:effectRef idx="0"/>
+    <cs:fontRef idx="minor">
+      <a:schemeClr val="tx1">
+        <a:lumMod val="65000"/>
+        <a:lumOff val="35000"/>
+      </a:schemeClr>
+    </cs:fontRef>
+    <cs:defRPr sz="1000" kern="1200"/>
+  </cs:axisTitle>
+  <cs:categoryAxis>
+    <cs:lnRef idx="0"/>
+    <cs:fillRef idx="0"/>
+    <cs:effectRef idx="0"/>
+    <cs:fontRef idx="minor">
+      <a:schemeClr val="tx1">
+        <a:lumMod val="65000"/>
+        <a:lumOff val="35000"/>
+      </a:schemeClr>
+    </cs:fontRef>
+    <cs:spPr>
+      <a:ln w="9525" cap="flat" cmpd="sng" algn="ctr">
+        <a:solidFill>
+          <a:schemeClr val="tx1">
+            <a:lumMod val="25000"/>
+            <a:lumOff val="75000"/>
+          </a:schemeClr>
+        </a:solidFill>
+        <a:round/>
+      </a:ln>
+    </cs:spPr>
+    <cs:defRPr sz="900" kern="1200"/>
+  </cs:categoryAxis>
+  <cs:chartArea mods="allowNoFillOverride allowNoLineOverride">
+    <cs:lnRef idx="0"/>
+    <cs:fillRef idx="0"/>
+    <cs:effectRef idx="0"/>
+    <cs:fontRef idx="minor">
+      <a:schemeClr val="tx1"/>
+    </cs:fontRef>
+    <cs:spPr>
+      <a:solidFill>
+        <a:schemeClr val="bg1"/>
+      </a:solidFill>
+      <a:ln w="9525" cap="flat" cmpd="sng" algn="ctr">
+        <a:solidFill>
+          <a:schemeClr val="tx1">
+            <a:lumMod val="15000"/>
+            <a:lumOff val="85000"/>
+          </a:schemeClr>
+        </a:solidFill>
+        <a:round/>
+      </a:ln>
+    </cs:spPr>
+    <cs:defRPr sz="1000" kern="1200"/>
+  </cs:chartArea>
+  <cs:dataLabel>
+    <cs:lnRef idx="0"/>
+    <cs:fillRef idx="0"/>
+    <cs:effectRef idx="0"/>
+    <cs:fontRef idx="minor">
+      <a:schemeClr val="tx1">
+        <a:lumMod val="75000"/>
+        <a:lumOff val="25000"/>
+      </a:schemeClr>
+    </cs:fontRef>
+    <cs:defRPr sz="900" kern="1200"/>
+  </cs:dataLabel>
+  <cs:dataLabelCallout>
+    <cs:lnRef idx="0"/>
+    <cs:fillRef idx="0"/>
+    <cs:effectRef idx="0"/>
+    <cs:fontRef idx="minor">
+      <a:schemeClr val="dk1">
+        <a:lumMod val="65000"/>
+        <a:lumOff val="35000"/>
+      </a:schemeClr>
+    </cs:fontRef>
+    <cs:spPr>
+      <a:solidFill>
+        <a:schemeClr val="lt1"/>
+      </a:solidFill>
+      <a:ln>
+        <a:solidFill>
+          <a:schemeClr val="dk1">
+            <a:lumMod val="25000"/>
+            <a:lumOff val="75000"/>
+          </a:schemeClr>
+        </a:solidFill>
+      </a:ln>
+    </cs:spPr>
+    <cs:defRPr sz="900" kern="1200"/>
+    <cs:bodyPr rot="0" spcFirstLastPara="1" vertOverflow="clip" horzOverflow="clip" vert="horz" wrap="square" lIns="36576" tIns="18288" rIns="36576" bIns="18288" anchor="ctr" anchorCtr="1">
+      <a:spAutoFit/>
+    </cs:bodyPr>
+  </cs:dataLabelCallout>
+  <cs:dataPoint>
+    <cs:lnRef idx="0"/>
+    <cs:fillRef idx="1">
+      <cs:styleClr val="auto"/>
+    </cs:fillRef>
+    <cs:effectRef idx="0"/>
+    <cs:fontRef idx="minor">
+      <a:schemeClr val="tx1"/>
+    </cs:fontRef>
+  </cs:dataPoint>
+  <cs:dataPoint3D>
+    <cs:lnRef idx="0"/>
+    <cs:fillRef idx="1">
+      <cs:styleClr val="auto"/>
+    </cs:fillRef>
+    <cs:effectRef idx="0"/>
+    <cs:fontRef idx="minor">
+      <a:schemeClr val="tx1"/>
+    </cs:fontRef>
+  </cs:dataPoint3D>
+  <cs:dataPointLine>
+    <cs:lnRef idx="0">
+      <cs:styleClr val="auto"/>
+    </cs:lnRef>
+    <cs:fillRef idx="1"/>
+    <cs:effectRef idx="0"/>
+    <cs:fontRef idx="minor">
+      <a:schemeClr val="tx1"/>
+    </cs:fontRef>
+    <cs:spPr>
+      <a:ln w="19050" cap="rnd">
+        <a:solidFill>
+          <a:schemeClr val="phClr"/>
+        </a:solidFill>
+        <a:round/>
+      </a:ln>
+    </cs:spPr>
+  </cs:dataPointLine>
+  <cs:dataPointMarker>
+    <cs:lnRef idx="0">
+      <cs:styleClr val="auto"/>
+    </cs:lnRef>
+    <cs:fillRef idx="1">
+      <cs:styleClr val="auto"/>
+    </cs:fillRef>
+    <cs:effectRef idx="0"/>
+    <cs:fontRef idx="minor">
+      <a:schemeClr val="tx1"/>
+    </cs:fontRef>
+    <cs:spPr>
+      <a:ln w="9525">
+        <a:solidFill>
+          <a:schemeClr val="phClr"/>
+        </a:solidFill>
+      </a:ln>
+    </cs:spPr>
+  </cs:dataPointMarker>
+  <cs:dataPointMarkerLayout symbol="circle" size="5"/>
+  <cs:dataPointWireframe>
+    <cs:lnRef idx="0">
+      <cs:styleClr val="auto"/>
+    </cs:lnRef>
+    <cs:fillRef idx="0"/>
+    <cs:effectRef idx="0"/>
+    <cs:fontRef idx="minor">
+      <a:schemeClr val="dk1"/>
+    </cs:fontRef>
+    <cs:spPr>
+      <a:ln w="9525" cap="rnd">
+        <a:solidFill>
+          <a:schemeClr val="phClr"/>
+        </a:solidFill>
+        <a:round/>
+      </a:ln>
+    </cs:spPr>
+  </cs:dataPointWireframe>
+  <cs:dataTable>
+    <cs:lnRef idx="0"/>
+    <cs:fillRef idx="0"/>
+    <cs:effectRef idx="0"/>
+    <cs:fontRef idx="minor">
+      <a:schemeClr val="tx1">
+        <a:lumMod val="65000"/>
+        <a:lumOff val="35000"/>
+      </a:schemeClr>
+    </cs:fontRef>
+    <cs:spPr>
+      <a:noFill/>
+      <a:ln w="9525" cap="flat" cmpd="sng" algn="ctr">
+        <a:solidFill>
+          <a:schemeClr val="tx1">
+            <a:lumMod val="15000"/>
+            <a:lumOff val="85000"/>
+          </a:schemeClr>
+        </a:solidFill>
+        <a:round/>
+      </a:ln>
+    </cs:spPr>
+    <cs:defRPr sz="900" kern="1200"/>
+  </cs:dataTable>
+  <cs:downBar>
+    <cs:lnRef idx="0"/>
+    <cs:fillRef idx="0"/>
+    <cs:effectRef idx="0"/>
+    <cs:fontRef idx="minor">
+      <a:schemeClr val="tx1"/>
+    </cs:fontRef>
+    <cs:spPr>
+      <a:solidFill>
+        <a:schemeClr val="dk1">
+          <a:lumMod val="75000"/>
+          <a:lumOff val="25000"/>
+        </a:schemeClr>
+      </a:solidFill>
+      <a:ln w="9525" cap="flat" cmpd="sng" algn="ctr">
+        <a:solidFill>
+          <a:schemeClr val="tx1">
+            <a:lumMod val="65000"/>
+            <a:lumOff val="35000"/>
+          </a:schemeClr>
+        </a:solidFill>
+        <a:round/>
+      </a:ln>
+    </cs:spPr>
+  </cs:downBar>
+  <cs:dropLine>
+    <cs:lnRef idx="0"/>
+    <cs:fillRef idx="0"/>
+    <cs:effectRef idx="0"/>
+    <cs:fontRef idx="minor">
+      <a:schemeClr val="tx1"/>
+    </cs:fontRef>
+    <cs:spPr>
+      <a:ln w="9525" cap="flat" cmpd="sng" algn="ctr">
+        <a:solidFill>
+          <a:schemeClr val="tx1">
+            <a:lumMod val="35000"/>
+            <a:lumOff val="65000"/>
+          </a:schemeClr>
+        </a:solidFill>
+        <a:round/>
+      </a:ln>
+    </cs:spPr>
+  </cs:dropLine>
+  <cs:errorBar>
+    <cs:lnRef idx="0"/>
+    <cs:fillRef idx="0"/>
+    <cs:effectRef idx="0"/>
+    <cs:fontRef idx="minor">
+      <a:schemeClr val="tx1"/>
+    </cs:fontRef>
+    <cs:spPr>
+      <a:ln w="9525" cap="flat" cmpd="sng" algn="ctr">
+        <a:solidFill>
+          <a:schemeClr val="tx1">
+            <a:lumMod val="65000"/>
+            <a:lumOff val="35000"/>
+          </a:schemeClr>
+        </a:solidFill>
+        <a:round/>
+      </a:ln>
+    </cs:spPr>
+  </cs:errorBar>
+  <cs:floor>
+    <cs:lnRef idx="0"/>
+    <cs:fillRef idx="0"/>
+    <cs:effectRef idx="0"/>
+    <cs:fontRef idx="minor">
+      <a:schemeClr val="tx1"/>
+    </cs:fontRef>
+    <cs:spPr>
+      <a:noFill/>
+      <a:ln>
+        <a:noFill/>
+      </a:ln>
+    </cs:spPr>
+  </cs:floor>
+  <cs:gridlineMajor>
+    <cs:lnRef idx="0"/>
+    <cs:fillRef idx="0"/>
+    <cs:effectRef idx="0"/>
+    <cs:fontRef idx="minor">
+      <a:schemeClr val="tx1"/>
+    </cs:fontRef>
+    <cs:spPr>
+      <a:ln w="9525" cap="flat" cmpd="sng" algn="ctr">
+        <a:solidFill>
+          <a:schemeClr val="tx1">
+            <a:lumMod val="15000"/>
+            <a:lumOff val="85000"/>
+          </a:schemeClr>
+        </a:solidFill>
+        <a:round/>
+      </a:ln>
+    </cs:spPr>
+  </cs:gridlineMajor>
+  <cs:gridlineMinor>
+    <cs:lnRef idx="0"/>
+    <cs:fillRef idx="0"/>
+    <cs:effectRef idx="0"/>
+    <cs:fontRef idx="minor">
+      <a:schemeClr val="tx1"/>
+    </cs:fontRef>
+    <cs:spPr>
+      <a:ln w="9525" cap="flat" cmpd="sng" algn="ctr">
+        <a:solidFill>
+          <a:schemeClr val="tx1">
+            <a:lumMod val="5000"/>
+            <a:lumOff val="95000"/>
+          </a:schemeClr>
+        </a:solidFill>
+        <a:round/>
+      </a:ln>
+    </cs:spPr>
+  </cs:gridlineMinor>
+  <cs:hiLoLine>
+    <cs:lnRef idx="0"/>
+    <cs:fillRef idx="0"/>
+    <cs:effectRef idx="0"/>
+    <cs:fontRef idx="minor">
+      <a:schemeClr val="tx1"/>
+    </cs:fontRef>
+    <cs:spPr>
+      <a:ln w="9525" cap="flat" cmpd="sng" algn="ctr">
+        <a:solidFill>
+          <a:schemeClr val="tx1">
+            <a:lumMod val="50000"/>
+            <a:lumOff val="50000"/>
+          </a:schemeClr>
+        </a:solidFill>
+        <a:round/>
+      </a:ln>
+    </cs:spPr>
+  </cs:hiLoLine>
+  <cs:leaderLine>
+    <cs:lnRef idx="0"/>
+    <cs:fillRef idx="0"/>
+    <cs:effectRef idx="0"/>
+    <cs:fontRef idx="minor">
+      <a:schemeClr val="tx1"/>
+    </cs:fontRef>
+    <cs:spPr>
+      <a:ln w="9525" cap="flat" cmpd="sng" algn="ctr">
+        <a:solidFill>
+          <a:schemeClr val="tx1">
+            <a:lumMod val="35000"/>
+            <a:lumOff val="65000"/>
+          </a:schemeClr>
+        </a:solidFill>
+        <a:round/>
+      </a:ln>
+    </cs:spPr>
+  </cs:leaderLine>
+  <cs:legend>
+    <cs:lnRef idx="0"/>
+    <cs:fillRef idx="0"/>
+    <cs:effectRef idx="0"/>
+    <cs:fontRef idx="minor">
+      <a:schemeClr val="tx1">
+        <a:lumMod val="65000"/>
+        <a:lumOff val="35000"/>
+      </a:schemeClr>
+    </cs:fontRef>
+    <cs:defRPr sz="900" kern="1200"/>
+  </cs:legend>
+  <cs:plotArea mods="allowNoFillOverride allowNoLineOverride">
+    <cs:lnRef idx="0"/>
+    <cs:fillRef idx="0"/>
+    <cs:effectRef idx="0"/>
+    <cs:fontRef idx="minor">
+      <a:schemeClr val="tx1"/>
+    </cs:fontRef>
+  </cs:plotArea>
+  <cs:plotArea3D mods="allowNoFillOverride allowNoLineOverride">
+    <cs:lnRef idx="0"/>
+    <cs:fillRef idx="0"/>
+    <cs:effectRef idx="0"/>
+    <cs:fontRef idx="minor">
+      <a:schemeClr val="tx1"/>
+    </cs:fontRef>
+  </cs:plotArea3D>
+  <cs:seriesAxis>
+    <cs:lnRef idx="0"/>
+    <cs:fillRef idx="0"/>
+    <cs:effectRef idx="0"/>
+    <cs:fontRef idx="minor">
+      <a:schemeClr val="tx1">
+        <a:lumMod val="65000"/>
+        <a:lumOff val="35000"/>
+      </a:schemeClr>
+    </cs:fontRef>
+    <cs:defRPr sz="900" kern="1200"/>
+  </cs:seriesAxis>
+  <cs:seriesLine>
+    <cs:lnRef idx="0"/>
+    <cs:fillRef idx="0"/>
+    <cs:effectRef idx="0"/>
+    <cs:fontRef idx="minor">
+      <a:schemeClr val="tx1"/>
+    </cs:fontRef>
+    <cs:spPr>
+      <a:ln w="9525" cap="flat" cmpd="sng" algn="ctr">
+        <a:solidFill>
+          <a:schemeClr val="tx1">
+            <a:lumMod val="35000"/>
+            <a:lumOff val="65000"/>
+          </a:schemeClr>
+        </a:solidFill>
+        <a:round/>
+      </a:ln>
+    </cs:spPr>
+  </cs:seriesLine>
+  <cs:title>
+    <cs:lnRef idx="0"/>
+    <cs:fillRef idx="0"/>
+    <cs:effectRef idx="0"/>
+    <cs:fontRef idx="minor">
+      <a:schemeClr val="tx1">
+        <a:lumMod val="65000"/>
+        <a:lumOff val="35000"/>
+      </a:schemeClr>
+    </cs:fontRef>
+    <cs:defRPr sz="1400" b="0" kern="1200" spc="0" baseline="0"/>
+  </cs:title>
+  <cs:trendline>
+    <cs:lnRef idx="0">
+      <cs:styleClr val="auto"/>
+    </cs:lnRef>
+    <cs:fillRef idx="0"/>
+    <cs:effectRef idx="0"/>
+    <cs:fontRef idx="minor">
+      <a:schemeClr val="tx1"/>
+    </cs:fontRef>
+    <cs:spPr>
+      <a:ln w="19050" cap="rnd">
+        <a:solidFill>
+          <a:schemeClr val="phClr"/>
+        </a:solidFill>
+        <a:prstDash val="sysDot"/>
+      </a:ln>
+    </cs:spPr>
+  </cs:trendline>
+  <cs:trendlineLabel>
+    <cs:lnRef idx="0"/>
+    <cs:fillRef idx="0"/>
+    <cs:effectRef idx="0"/>
+    <cs:fontRef idx="minor">
+      <a:schemeClr val="tx1">
+        <a:lumMod val="65000"/>
+        <a:lumOff val="35000"/>
+      </a:schemeClr>
+    </cs:fontRef>
+    <cs:defRPr sz="900" kern="1200"/>
+  </cs:trendlineLabel>
+  <cs:upBar>
+    <cs:lnRef idx="0"/>
+    <cs:fillRef idx="0"/>
+    <cs:effectRef idx="0"/>
+    <cs:fontRef idx="minor">
+      <a:schemeClr val="tx1"/>
+    </cs:fontRef>
+    <cs:spPr>
+      <a:solidFill>
+        <a:schemeClr val="lt1"/>
+      </a:solidFill>
+      <a:ln w="9525" cap="flat" cmpd="sng" algn="ctr">
+        <a:solidFill>
+          <a:schemeClr val="tx1">
+            <a:lumMod val="65000"/>
+            <a:lumOff val="35000"/>
+          </a:schemeClr>
+        </a:solidFill>
+        <a:round/>
+      </a:ln>
+    </cs:spPr>
+  </cs:upBar>
+  <cs:valueAxis>
+    <cs:lnRef idx="0"/>
+    <cs:fillRef idx="0"/>
+    <cs:effectRef idx="0"/>
+    <cs:fontRef idx="minor">
+      <a:schemeClr val="tx1">
+        <a:lumMod val="65000"/>
+        <a:lumOff val="35000"/>
+      </a:schemeClr>
+    </cs:fontRef>
+    <cs:spPr>
+      <a:ln w="9525" cap="flat" cmpd="sng" algn="ctr">
+        <a:solidFill>
+          <a:schemeClr val="tx1">
+            <a:lumMod val="25000"/>
+            <a:lumOff val="75000"/>
+          </a:schemeClr>
+        </a:solidFill>
+        <a:round/>
+      </a:ln>
+    </cs:spPr>
+    <cs:defRPr sz="900" kern="1200"/>
+  </cs:valueAxis>
+  <cs:wall>
+    <cs:lnRef idx="0"/>
+    <cs:fillRef idx="0"/>
+    <cs:effectRef idx="0"/>
+    <cs:fontRef idx="minor">
+      <a:schemeClr val="tx1"/>
+    </cs:fontRef>
+    <cs:spPr>
+      <a:noFill/>
+      <a:ln>
+        <a:noFill/>
+      </a:ln>
+    </cs:spPr>
+  </cs:wall>
+</cs:chartStyle>
+</file>
+
+<file path=ppt/drawings/drawing1.xml><?xml version="1.0" encoding="utf-8"?>
+<c:userShapes xmlns:c="http://schemas.openxmlformats.org/drawingml/2006/chart">
+  <cdr:relSizeAnchor xmlns:cdr="http://schemas.openxmlformats.org/drawingml/2006/chartDrawing">
+    <cdr:from>
+      <cdr:x>0.14151</cdr:x>
+      <cdr:y>0.5</cdr:y>
+    </cdr:from>
+    <cdr:to>
+      <cdr:x>0.29245</cdr:x>
+      <cdr:y>0.74576</cdr:y>
+    </cdr:to>
+    <cdr:cxnSp macro="">
+      <cdr:nvCxnSpPr>
+        <cdr:cNvPr id="4" name="Rechte verbindingslijn met pijl 3"/>
+        <cdr:cNvCxnSpPr/>
+      </cdr:nvCxnSpPr>
+      <cdr:spPr bwMode="auto">
+        <a:xfrm xmlns:a="http://schemas.openxmlformats.org/drawingml/2006/main" flipV="1">
+          <a:off x="1080120" y="2124236"/>
+          <a:ext cx="1152128" cy="1044116"/>
+        </a:xfrm>
+        <a:prstGeom xmlns:a="http://schemas.openxmlformats.org/drawingml/2006/main" prst="straightConnector1">
+          <a:avLst/>
+        </a:prstGeom>
+        <a:solidFill xmlns:a="http://schemas.openxmlformats.org/drawingml/2006/main">
+          <a:schemeClr val="accent1"/>
+        </a:solidFill>
+        <a:ln xmlns:a="http://schemas.openxmlformats.org/drawingml/2006/main" w="31750" cap="flat" cmpd="sng" algn="ctr">
+          <a:solidFill>
+            <a:srgbClr val="0070C0"/>
+          </a:solidFill>
+          <a:prstDash val="solid"/>
+          <a:round/>
+          <a:headEnd type="none" w="med" len="med"/>
+          <a:tailEnd type="triangle"/>
+        </a:ln>
+        <a:effectLst xmlns:a="http://schemas.openxmlformats.org/drawingml/2006/main"/>
+      </cdr:spPr>
+    </cdr:cxnSp>
+  </cdr:relSizeAnchor>
+</c:userShapes>
+</file>
+
 <file path=ppt/handoutMasters/handoutMaster1.xml><?xml version="1.0" encoding="utf-8"?>
 <p:handoutMaster xmlns:a="http://schemas.openxmlformats.org/drawingml/2006/main" xmlns:r="http://schemas.openxmlformats.org/officeDocument/2006/relationships" xmlns:p="http://schemas.openxmlformats.org/presentationml/2006/main">
   <p:cSld>
@@ -294,7 +1553,7 @@
             <a:fld id="{373F1B60-BDF4-4D63-AD79-99D5A5B1DF99}" type="datetime1">
               <a:rPr lang="en-US"/>
               <a:pPr/>
-              <a:t>12/12/2018</a:t>
+              <a:t>1/3/2019</a:t>
             </a:fld>
             <a:endParaRPr lang="en-US"/>
           </a:p>
@@ -513,7 +1772,7 @@
             <a:fld id="{4387A7AA-DFE9-4771-BEDE-3294FCEBFB02}" type="datetime1">
               <a:rPr lang="en-US"/>
               <a:pPr/>
-              <a:t>12/12/2018</a:t>
+              <a:t>1/3/2019</a:t>
             </a:fld>
             <a:endParaRPr lang="en-US"/>
           </a:p>
@@ -904,7 +2163,7 @@
             <a:fld id="{8541E2CD-DBF4-40F9-B6F8-EEFD0DF8A138}" type="datetime1">
               <a:rPr lang="en-US"/>
               <a:pPr/>
-              <a:t>12/12/2018</a:t>
+              <a:t>1/3/2019</a:t>
             </a:fld>
             <a:endParaRPr lang="en-US"/>
           </a:p>
@@ -1124,7 +2383,7 @@
             <a:fld id="{93F21019-3A00-48AC-9663-40DF67A83229}" type="datetime1">
               <a:rPr lang="en-US"/>
               <a:pPr/>
-              <a:t>12/12/2018</a:t>
+              <a:t>1/3/2019</a:t>
             </a:fld>
             <a:endParaRPr lang="en-US">
               <a:solidFill>
@@ -1310,7 +2569,7 @@
             <a:fld id="{8B2EF9C8-0AC3-4A53-9A61-1834A571F420}" type="datetime1">
               <a:rPr lang="en-US"/>
               <a:pPr/>
-              <a:t>12/12/2018</a:t>
+              <a:t>1/3/2019</a:t>
             </a:fld>
             <a:endParaRPr lang="en-US" sz="1400">
               <a:solidFill>
@@ -1507,7 +2766,7 @@
             <a:fld id="{F02960F3-A385-4905-A491-FDC17E063DD1}" type="datetime1">
               <a:rPr lang="en-US"/>
               <a:pPr/>
-              <a:t>12/12/2018</a:t>
+              <a:t>1/3/2019</a:t>
             </a:fld>
             <a:endParaRPr lang="en-US" sz="1400">
               <a:solidFill>
@@ -1766,7 +3025,7 @@
             <a:fld id="{CD3AD70A-8E2A-47B5-AC18-ABBB5A8E737D}" type="datetime1">
               <a:rPr lang="en-US"/>
               <a:pPr/>
-              <a:t>12/12/2018</a:t>
+              <a:t>1/3/2019</a:t>
             </a:fld>
             <a:endParaRPr lang="en-US" sz="1400">
               <a:solidFill>
@@ -2002,7 +3261,7 @@
             <a:fld id="{07008C2E-9BD6-496B-BFC3-B4A975EBC85E}" type="datetime1">
               <a:rPr lang="en-US"/>
               <a:pPr/>
-              <a:t>12/12/2018</a:t>
+              <a:t>1/3/2019</a:t>
             </a:fld>
             <a:endParaRPr lang="en-US" sz="1400">
               <a:solidFill>
@@ -2181,7 +3440,7 @@
             <a:fld id="{1AA2C3CF-866C-4FDE-B76D-4E9536901630}" type="datetime1">
               <a:rPr lang="en-US"/>
               <a:pPr/>
-              <a:t>12/12/2018</a:t>
+              <a:t>1/3/2019</a:t>
             </a:fld>
             <a:endParaRPr lang="en-US" sz="1400">
               <a:solidFill>
@@ -2360,7 +3619,7 @@
             <a:fld id="{555EE259-FE08-4558-B721-B189FFE77284}" type="datetime1">
               <a:rPr lang="en-US"/>
               <a:pPr/>
-              <a:t>12/12/2018</a:t>
+              <a:t>1/3/2019</a:t>
             </a:fld>
             <a:endParaRPr lang="en-US" sz="1400">
               <a:solidFill>
@@ -2629,7 +3888,7 @@
             <a:fld id="{0AF4064E-5624-49AB-B7C6-E301A8F6B1FF}" type="datetime1">
               <a:rPr lang="en-US"/>
               <a:pPr/>
-              <a:t>12/12/2018</a:t>
+              <a:t>1/3/2019</a:t>
             </a:fld>
             <a:endParaRPr lang="en-US" sz="1400">
               <a:solidFill>
@@ -2826,7 +4085,7 @@
             <a:fld id="{CBC97FCD-6C54-4833-B032-BFBCDFA8379D}" type="datetime1">
               <a:rPr lang="en-US"/>
               <a:pPr/>
-              <a:t>12/12/2018</a:t>
+              <a:t>1/3/2019</a:t>
             </a:fld>
             <a:endParaRPr lang="en-US" sz="1400">
               <a:solidFill>
@@ -3035,7 +4294,7 @@
             <a:fld id="{F04AA577-515A-431F-98B6-3B03494ABB11}" type="datetime1">
               <a:rPr lang="en-US"/>
               <a:pPr/>
-              <a:t>12/12/2018</a:t>
+              <a:t>1/3/2019</a:t>
             </a:fld>
             <a:endParaRPr lang="en-US" sz="1400">
               <a:solidFill>
@@ -3340,7 +4599,7 @@
             <a:fld id="{6475F1A4-C474-4345-A800-2F40B0E4E70C}" type="datetime1">
               <a:rPr lang="en-US"/>
               <a:pPr/>
-              <a:t>12/12/2018</a:t>
+              <a:t>1/3/2019</a:t>
             </a:fld>
             <a:endParaRPr lang="en-US" sz="1400">
               <a:solidFill>
@@ -3784,7 +5043,7 @@
             <a:fld id="{7BA535AB-820E-4207-9DA8-5F37106C7AF4}" type="datetime1">
               <a:rPr lang="en-US"/>
               <a:pPr/>
-              <a:t>12/12/2018</a:t>
+              <a:t>1/3/2019</a:t>
             </a:fld>
             <a:endParaRPr lang="en-US" sz="1400">
               <a:solidFill>
@@ -3919,7 +5178,7 @@
             <a:fld id="{0A7E69FA-D7EE-42C0-9117-1971B541885F}" type="datetime1">
               <a:rPr lang="en-US"/>
               <a:pPr/>
-              <a:t>12/12/2018</a:t>
+              <a:t>1/3/2019</a:t>
             </a:fld>
             <a:endParaRPr lang="en-US" sz="1400">
               <a:solidFill>
@@ -4031,7 +5290,7 @@
             <a:fld id="{10D7644E-1B5D-4325-BA79-338DF2B89B56}" type="datetime1">
               <a:rPr lang="en-US"/>
               <a:pPr/>
-              <a:t>12/12/2018</a:t>
+              <a:t>1/3/2019</a:t>
             </a:fld>
             <a:endParaRPr lang="en-US" sz="1400">
               <a:solidFill>
@@ -4325,7 +5584,7 @@
             <a:fld id="{B790C882-0B74-4932-8998-E9ABB8AF1740}" type="datetime1">
               <a:rPr lang="en-US"/>
               <a:pPr/>
-              <a:t>12/12/2018</a:t>
+              <a:t>1/3/2019</a:t>
             </a:fld>
             <a:endParaRPr lang="en-US" sz="1400">
               <a:solidFill>
@@ -4595,7 +5854,7 @@
             <a:fld id="{9DC585DC-AE7D-44C1-90AB-C3A391DEA065}" type="datetime1">
               <a:rPr lang="en-US"/>
               <a:pPr/>
-              <a:t>12/12/2018</a:t>
+              <a:t>1/3/2019</a:t>
             </a:fld>
             <a:endParaRPr lang="en-US" sz="1400">
               <a:solidFill>
@@ -4859,7 +6118,7 @@
             <a:fld id="{256CE565-1940-4E5F-9190-C0815CEAAA9D}" type="datetime1">
               <a:rPr lang="en-US"/>
               <a:pPr/>
-              <a:t>12/12/2018</a:t>
+              <a:t>1/3/2019</a:t>
             </a:fld>
             <a:endParaRPr lang="en-US"/>
           </a:p>
@@ -5448,14 +6707,10 @@
             </a:br>
             <a:r>
               <a:rPr lang="en-US" sz="2400" dirty="0" smtClean="0"/>
-              <a:t>W7 L2:</a:t>
-            </a:r>
-            <a:r>
-              <a:rPr lang="en-US" sz="2400" smtClean="0"/>
-              <a:t/>
+              <a:t>W7 L2: Recommender systems</a:t>
             </a:r>
             <a:br>
-              <a:rPr lang="en-US" sz="2400" smtClean="0"/>
+              <a:rPr lang="en-US" sz="2400" dirty="0" smtClean="0"/>
             </a:br>
             <a:r>
               <a:rPr lang="en-US" sz="2000" dirty="0" smtClean="0"/>
@@ -5512,6 +6767,3084 @@
     <p:extLst>
       <p:ext uri="{BB962C8B-B14F-4D97-AF65-F5344CB8AC3E}">
         <p14:creationId xmlns:p14="http://schemas.microsoft.com/office/powerpoint/2010/main" val="1875330228"/>
+      </p:ext>
+    </p:extLst>
+  </p:cSld>
+  <p:clrMapOvr>
+    <a:masterClrMapping/>
+  </p:clrMapOvr>
+  <p:timing>
+    <p:tnLst>
+      <p:par>
+        <p:cTn id="1" dur="indefinite" restart="never" nodeType="tmRoot"/>
+      </p:par>
+    </p:tnLst>
+  </p:timing>
+</p:sld>
+</file>
+
+<file path=ppt/slides/slide10.xml><?xml version="1.0" encoding="utf-8"?>
+<p:sld xmlns:a="http://schemas.openxmlformats.org/drawingml/2006/main" xmlns:r="http://schemas.openxmlformats.org/officeDocument/2006/relationships" xmlns:p="http://schemas.openxmlformats.org/presentationml/2006/main">
+  <p:cSld>
+    <p:spTree>
+      <p:nvGrpSpPr>
+        <p:cNvPr id="1" name=""/>
+        <p:cNvGrpSpPr/>
+        <p:nvPr/>
+      </p:nvGrpSpPr>
+      <p:grpSpPr>
+        <a:xfrm>
+          <a:off x="0" y="0"/>
+          <a:ext cx="0" cy="0"/>
+          <a:chOff x="0" y="0"/>
+          <a:chExt cx="0" cy="0"/>
+        </a:xfrm>
+      </p:grpSpPr>
+      <p:sp>
+        <p:nvSpPr>
+          <p:cNvPr id="2" name="Titel 1"/>
+          <p:cNvSpPr>
+            <a:spLocks noGrp="1"/>
+          </p:cNvSpPr>
+          <p:nvPr>
+            <p:ph type="title"/>
+          </p:nvPr>
+        </p:nvSpPr>
+        <p:spPr/>
+        <p:txBody>
+          <a:bodyPr/>
+          <a:lstStyle/>
+          <a:p>
+            <a:r>
+              <a:rPr lang="nl-NL" dirty="0" smtClean="0"/>
+              <a:t>Topics</a:t>
+            </a:r>
+            <a:endParaRPr lang="nl-NL" dirty="0"/>
+          </a:p>
+        </p:txBody>
+      </p:sp>
+      <p:sp>
+        <p:nvSpPr>
+          <p:cNvPr id="3" name="Tijdelijke aanduiding voor inhoud 2"/>
+          <p:cNvSpPr>
+            <a:spLocks noGrp="1"/>
+          </p:cNvSpPr>
+          <p:nvPr>
+            <p:ph idx="1"/>
+          </p:nvPr>
+        </p:nvSpPr>
+        <p:spPr>
+          <a:xfrm>
+            <a:off x="762000" y="1762125"/>
+            <a:ext cx="7881938" cy="2751522"/>
+          </a:xfrm>
+        </p:spPr>
+        <p:txBody>
+          <a:bodyPr/>
+          <a:lstStyle/>
+          <a:p>
+            <a:r>
+              <a:rPr lang="nl-NL" sz="2400" dirty="0" smtClean="0"/>
+              <a:t>Clustering users</a:t>
+            </a:r>
+            <a:endParaRPr lang="nl-NL" sz="2400" dirty="0" smtClean="0"/>
+          </a:p>
+          <a:p>
+            <a:endParaRPr lang="nl-NL" sz="2400" dirty="0"/>
+          </a:p>
+          <a:p>
+            <a:r>
+              <a:rPr lang="nl-NL" sz="2400" dirty="0" err="1" smtClean="0"/>
+              <a:t>Recommender</a:t>
+            </a:r>
+            <a:r>
+              <a:rPr lang="nl-NL" sz="2400" dirty="0" smtClean="0"/>
+              <a:t> </a:t>
+            </a:r>
+            <a:r>
+              <a:rPr lang="nl-NL" sz="2400" dirty="0" smtClean="0"/>
+              <a:t>systems</a:t>
+            </a:r>
+          </a:p>
+          <a:p>
+            <a:endParaRPr lang="nl-NL" sz="2400" dirty="0" smtClean="0"/>
+          </a:p>
+          <a:p>
+            <a:r>
+              <a:rPr lang="nl-NL" sz="2400" dirty="0" err="1" smtClean="0"/>
+              <a:t>Collaborative</a:t>
+            </a:r>
+            <a:r>
+              <a:rPr lang="nl-NL" sz="2400" dirty="0" smtClean="0"/>
+              <a:t> filtering</a:t>
+            </a:r>
+          </a:p>
+          <a:p>
+            <a:pPr marL="0" indent="0">
+              <a:buNone/>
+            </a:pPr>
+            <a:endParaRPr lang="nl-NL" dirty="0"/>
+          </a:p>
+        </p:txBody>
+      </p:sp>
+    </p:spTree>
+    <p:extLst>
+      <p:ext uri="{BB962C8B-B14F-4D97-AF65-F5344CB8AC3E}">
+        <p14:creationId xmlns:p14="http://schemas.microsoft.com/office/powerpoint/2010/main" val="3335360350"/>
+      </p:ext>
+    </p:extLst>
+  </p:cSld>
+  <p:clrMapOvr>
+    <a:masterClrMapping/>
+  </p:clrMapOvr>
+</p:sld>
+</file>
+
+<file path=ppt/slides/slide11.xml><?xml version="1.0" encoding="utf-8"?>
+<p:sld xmlns:a="http://schemas.openxmlformats.org/drawingml/2006/main" xmlns:r="http://schemas.openxmlformats.org/officeDocument/2006/relationships" xmlns:p="http://schemas.openxmlformats.org/presentationml/2006/main">
+  <p:cSld>
+    <p:spTree>
+      <p:nvGrpSpPr>
+        <p:cNvPr id="1" name=""/>
+        <p:cNvGrpSpPr/>
+        <p:nvPr/>
+      </p:nvGrpSpPr>
+      <p:grpSpPr>
+        <a:xfrm>
+          <a:off x="0" y="0"/>
+          <a:ext cx="0" cy="0"/>
+          <a:chOff x="0" y="0"/>
+          <a:chExt cx="0" cy="0"/>
+        </a:xfrm>
+      </p:grpSpPr>
+      <p:sp>
+        <p:nvSpPr>
+          <p:cNvPr id="2" name="Titel 1"/>
+          <p:cNvSpPr>
+            <a:spLocks noGrp="1"/>
+          </p:cNvSpPr>
+          <p:nvPr>
+            <p:ph type="title"/>
+          </p:nvPr>
+        </p:nvSpPr>
+        <p:spPr/>
+        <p:txBody>
+          <a:bodyPr/>
+          <a:lstStyle/>
+          <a:p>
+            <a:r>
+              <a:rPr lang="nl-NL" dirty="0" err="1" smtClean="0"/>
+              <a:t>Recommender</a:t>
+            </a:r>
+            <a:r>
+              <a:rPr lang="nl-NL" dirty="0" smtClean="0"/>
+              <a:t> systems</a:t>
+            </a:r>
+            <a:endParaRPr lang="nl-NL" dirty="0"/>
+          </a:p>
+        </p:txBody>
+      </p:sp>
+      <p:sp>
+        <p:nvSpPr>
+          <p:cNvPr id="3" name="Tijdelijke aanduiding voor inhoud 2"/>
+          <p:cNvSpPr>
+            <a:spLocks noGrp="1"/>
+          </p:cNvSpPr>
+          <p:nvPr>
+            <p:ph idx="1"/>
+          </p:nvPr>
+        </p:nvSpPr>
+        <p:spPr>
+          <a:xfrm>
+            <a:off x="683568" y="1556792"/>
+            <a:ext cx="7881938" cy="5533823"/>
+          </a:xfrm>
+        </p:spPr>
+        <p:txBody>
+          <a:bodyPr/>
+          <a:lstStyle/>
+          <a:p>
+            <a:r>
+              <a:rPr lang="nl-NL" sz="2000" dirty="0" err="1"/>
+              <a:t>Collaborative</a:t>
+            </a:r>
+            <a:r>
+              <a:rPr lang="nl-NL" sz="2000" dirty="0"/>
+              <a:t> filtering</a:t>
+            </a:r>
+          </a:p>
+          <a:p>
+            <a:pPr lvl="1"/>
+            <a:r>
+              <a:rPr lang="nl-NL" sz="2000" dirty="0" err="1"/>
+              <a:t>Use</a:t>
+            </a:r>
+            <a:r>
+              <a:rPr lang="nl-NL" sz="2000" dirty="0"/>
+              <a:t> the </a:t>
+            </a:r>
+            <a:r>
+              <a:rPr lang="nl-NL" sz="2000" dirty="0" err="1"/>
+              <a:t>distance</a:t>
+            </a:r>
+            <a:r>
+              <a:rPr lang="nl-NL" sz="2000" dirty="0"/>
+              <a:t> </a:t>
+            </a:r>
+            <a:r>
+              <a:rPr lang="nl-NL" sz="2000" dirty="0" err="1"/>
+              <a:t>between</a:t>
+            </a:r>
+            <a:r>
+              <a:rPr lang="nl-NL" sz="2000" dirty="0"/>
+              <a:t> </a:t>
+            </a:r>
+            <a:r>
+              <a:rPr lang="nl-NL" sz="2000" i="1" dirty="0"/>
+              <a:t>users </a:t>
+            </a:r>
+            <a:r>
+              <a:rPr lang="nl-NL" sz="2000" dirty="0" err="1"/>
+              <a:t>and</a:t>
+            </a:r>
+            <a:r>
+              <a:rPr lang="nl-NL" sz="2000" dirty="0"/>
+              <a:t>/or </a:t>
+            </a:r>
+            <a:r>
+              <a:rPr lang="nl-NL" sz="2000" i="1" dirty="0"/>
+              <a:t>items </a:t>
+            </a:r>
+            <a:r>
+              <a:rPr lang="nl-NL" sz="2000" dirty="0" err="1"/>
+              <a:t>to</a:t>
+            </a:r>
+            <a:r>
+              <a:rPr lang="nl-NL" sz="2000" dirty="0"/>
+              <a:t> </a:t>
+            </a:r>
+            <a:r>
+              <a:rPr lang="nl-NL" sz="2000" dirty="0" err="1"/>
+              <a:t>recommend</a:t>
+            </a:r>
+            <a:r>
+              <a:rPr lang="nl-NL" sz="2000" dirty="0"/>
+              <a:t> </a:t>
+            </a:r>
+            <a:r>
+              <a:rPr lang="nl-NL" sz="2000" dirty="0" err="1"/>
+              <a:t>similar</a:t>
+            </a:r>
+            <a:r>
+              <a:rPr lang="nl-NL" sz="2000" dirty="0"/>
+              <a:t> content </a:t>
+            </a:r>
+            <a:endParaRPr lang="nl-NL" sz="2000" dirty="0" smtClean="0"/>
+          </a:p>
+          <a:p>
+            <a:pPr lvl="1"/>
+            <a:r>
+              <a:rPr lang="nl-NL" sz="2000" dirty="0" err="1" smtClean="0"/>
+              <a:t>Example</a:t>
+            </a:r>
+            <a:r>
+              <a:rPr lang="nl-NL" sz="2000" dirty="0"/>
+              <a:t>: Movielens.org</a:t>
+            </a:r>
+          </a:p>
+          <a:p>
+            <a:pPr lvl="1"/>
+            <a:endParaRPr lang="nl-NL" sz="2000" dirty="0"/>
+          </a:p>
+          <a:p>
+            <a:r>
+              <a:rPr lang="nl-NL" sz="2000" dirty="0"/>
+              <a:t>Content filtering</a:t>
+            </a:r>
+          </a:p>
+          <a:p>
+            <a:pPr lvl="1"/>
+            <a:r>
+              <a:rPr lang="nl-NL" sz="2000" dirty="0" err="1"/>
+              <a:t>Use</a:t>
+            </a:r>
+            <a:r>
+              <a:rPr lang="nl-NL" sz="2000" dirty="0"/>
+              <a:t> </a:t>
+            </a:r>
+            <a:r>
+              <a:rPr lang="nl-NL" sz="2000" dirty="0" err="1"/>
+              <a:t>properties</a:t>
+            </a:r>
+            <a:r>
+              <a:rPr lang="nl-NL" sz="2000" dirty="0"/>
+              <a:t> of </a:t>
+            </a:r>
+            <a:r>
+              <a:rPr lang="nl-NL" sz="2000" i="1" dirty="0"/>
+              <a:t>items</a:t>
+            </a:r>
+            <a:r>
+              <a:rPr lang="nl-NL" sz="2000" dirty="0"/>
+              <a:t> </a:t>
+            </a:r>
+            <a:r>
+              <a:rPr lang="nl-NL" sz="2000" dirty="0" err="1"/>
+              <a:t>to</a:t>
+            </a:r>
+            <a:r>
+              <a:rPr lang="nl-NL" sz="2000" dirty="0"/>
+              <a:t> </a:t>
+            </a:r>
+            <a:r>
+              <a:rPr lang="nl-NL" sz="2000" dirty="0" err="1"/>
+              <a:t>recommend</a:t>
+            </a:r>
+            <a:r>
+              <a:rPr lang="nl-NL" sz="2000" dirty="0"/>
+              <a:t> items </a:t>
+            </a:r>
+            <a:r>
+              <a:rPr lang="nl-NL" sz="2000" dirty="0" err="1"/>
+              <a:t>similar</a:t>
+            </a:r>
+            <a:r>
+              <a:rPr lang="nl-NL" sz="2000" dirty="0"/>
+              <a:t> </a:t>
+            </a:r>
+            <a:r>
+              <a:rPr lang="nl-NL" sz="2000" dirty="0" err="1"/>
+              <a:t>to</a:t>
+            </a:r>
+            <a:r>
+              <a:rPr lang="nl-NL" sz="2000" dirty="0"/>
+              <a:t> the </a:t>
+            </a:r>
+            <a:r>
+              <a:rPr lang="nl-NL" sz="2000" dirty="0" err="1"/>
+              <a:t>ones</a:t>
+            </a:r>
+            <a:r>
+              <a:rPr lang="nl-NL" sz="2000" dirty="0"/>
+              <a:t> the user </a:t>
+            </a:r>
+            <a:r>
+              <a:rPr lang="nl-NL" sz="2000" dirty="0" err="1"/>
+              <a:t>liked</a:t>
+            </a:r>
+            <a:endParaRPr lang="nl-NL" sz="2000" dirty="0"/>
+          </a:p>
+          <a:p>
+            <a:pPr lvl="1"/>
+            <a:r>
+              <a:rPr lang="nl-NL" sz="2000" dirty="0" err="1"/>
+              <a:t>Example</a:t>
+            </a:r>
+            <a:r>
+              <a:rPr lang="nl-NL" sz="2000" dirty="0"/>
+              <a:t>: Last.fm</a:t>
+            </a:r>
+          </a:p>
+          <a:p>
+            <a:endParaRPr lang="nl-NL" sz="2000" dirty="0"/>
+          </a:p>
+          <a:p>
+            <a:r>
+              <a:rPr lang="nl-NL" sz="2000" dirty="0" err="1"/>
+              <a:t>Hybrid</a:t>
+            </a:r>
+            <a:r>
+              <a:rPr lang="nl-NL" sz="2000" dirty="0"/>
+              <a:t> approach</a:t>
+            </a:r>
+          </a:p>
+          <a:p>
+            <a:pPr lvl="1"/>
+            <a:r>
+              <a:rPr lang="nl-NL" sz="2000" dirty="0"/>
+              <a:t>Combine </a:t>
+            </a:r>
+            <a:r>
+              <a:rPr lang="nl-NL" sz="2000" dirty="0" err="1"/>
+              <a:t>both</a:t>
+            </a:r>
+            <a:r>
+              <a:rPr lang="nl-NL" sz="2000" dirty="0"/>
+              <a:t> approaches</a:t>
+            </a:r>
+          </a:p>
+          <a:p>
+            <a:pPr lvl="1"/>
+            <a:r>
+              <a:rPr lang="nl-NL" sz="2000" dirty="0"/>
+              <a:t>Most big platforms (e.g., </a:t>
+            </a:r>
+            <a:r>
+              <a:rPr lang="nl-NL" sz="2000" dirty="0" err="1"/>
+              <a:t>Netflix</a:t>
+            </a:r>
+            <a:r>
+              <a:rPr lang="nl-NL" sz="2000" dirty="0"/>
+              <a:t>, Facebook) </a:t>
+            </a:r>
+            <a:r>
+              <a:rPr lang="nl-NL" sz="2000" dirty="0" err="1"/>
+              <a:t>use</a:t>
+            </a:r>
+            <a:r>
+              <a:rPr lang="nl-NL" sz="2000" dirty="0"/>
+              <a:t> </a:t>
+            </a:r>
+            <a:r>
+              <a:rPr lang="nl-NL" sz="2000" dirty="0" err="1"/>
+              <a:t>tailor-made</a:t>
+            </a:r>
+            <a:r>
+              <a:rPr lang="nl-NL" sz="2000" dirty="0"/>
+              <a:t> </a:t>
+            </a:r>
+            <a:r>
+              <a:rPr lang="nl-NL" sz="2000" dirty="0" err="1"/>
+              <a:t>algorithms</a:t>
+            </a:r>
+            <a:endParaRPr lang="nl-NL" sz="2000" dirty="0"/>
+          </a:p>
+          <a:p>
+            <a:pPr marL="0" indent="0">
+              <a:buNone/>
+            </a:pPr>
+            <a:endParaRPr lang="nl-NL" dirty="0"/>
+          </a:p>
+        </p:txBody>
+      </p:sp>
+    </p:spTree>
+    <p:extLst>
+      <p:ext uri="{BB962C8B-B14F-4D97-AF65-F5344CB8AC3E}">
+        <p14:creationId xmlns:p14="http://schemas.microsoft.com/office/powerpoint/2010/main" val="3535743431"/>
+      </p:ext>
+    </p:extLst>
+  </p:cSld>
+  <p:clrMapOvr>
+    <a:masterClrMapping/>
+  </p:clrMapOvr>
+</p:sld>
+</file>
+
+<file path=ppt/slides/slide12.xml><?xml version="1.0" encoding="utf-8"?>
+<p:sld xmlns:a="http://schemas.openxmlformats.org/drawingml/2006/main" xmlns:r="http://schemas.openxmlformats.org/officeDocument/2006/relationships" xmlns:p="http://schemas.openxmlformats.org/presentationml/2006/main">
+  <p:cSld>
+    <p:spTree>
+      <p:nvGrpSpPr>
+        <p:cNvPr id="1" name=""/>
+        <p:cNvGrpSpPr/>
+        <p:nvPr/>
+      </p:nvGrpSpPr>
+      <p:grpSpPr>
+        <a:xfrm>
+          <a:off x="0" y="0"/>
+          <a:ext cx="0" cy="0"/>
+          <a:chOff x="0" y="0"/>
+          <a:chExt cx="0" cy="0"/>
+        </a:xfrm>
+      </p:grpSpPr>
+      <p:sp>
+        <p:nvSpPr>
+          <p:cNvPr id="2" name="Titel 1"/>
+          <p:cNvSpPr>
+            <a:spLocks noGrp="1"/>
+          </p:cNvSpPr>
+          <p:nvPr>
+            <p:ph type="title"/>
+          </p:nvPr>
+        </p:nvSpPr>
+        <p:spPr/>
+        <p:txBody>
+          <a:bodyPr/>
+          <a:lstStyle/>
+          <a:p>
+            <a:r>
+              <a:rPr lang="nl-NL" dirty="0" smtClean="0"/>
+              <a:t>Topics</a:t>
+            </a:r>
+            <a:endParaRPr lang="nl-NL" dirty="0"/>
+          </a:p>
+        </p:txBody>
+      </p:sp>
+      <p:sp>
+        <p:nvSpPr>
+          <p:cNvPr id="3" name="Tijdelijke aanduiding voor inhoud 2"/>
+          <p:cNvSpPr>
+            <a:spLocks noGrp="1"/>
+          </p:cNvSpPr>
+          <p:nvPr>
+            <p:ph idx="1"/>
+          </p:nvPr>
+        </p:nvSpPr>
+        <p:spPr>
+          <a:xfrm>
+            <a:off x="762000" y="1762125"/>
+            <a:ext cx="7881938" cy="2751522"/>
+          </a:xfrm>
+        </p:spPr>
+        <p:txBody>
+          <a:bodyPr/>
+          <a:lstStyle/>
+          <a:p>
+            <a:r>
+              <a:rPr lang="nl-NL" sz="2400" dirty="0" smtClean="0"/>
+              <a:t>Clustering users</a:t>
+            </a:r>
+            <a:endParaRPr lang="nl-NL" sz="2400" dirty="0" smtClean="0"/>
+          </a:p>
+          <a:p>
+            <a:endParaRPr lang="nl-NL" sz="2400" dirty="0"/>
+          </a:p>
+          <a:p>
+            <a:r>
+              <a:rPr lang="nl-NL" sz="2400" dirty="0" err="1" smtClean="0"/>
+              <a:t>Recommender</a:t>
+            </a:r>
+            <a:r>
+              <a:rPr lang="nl-NL" sz="2400" dirty="0" smtClean="0"/>
+              <a:t> </a:t>
+            </a:r>
+            <a:r>
+              <a:rPr lang="nl-NL" sz="2400" dirty="0" smtClean="0"/>
+              <a:t>systems</a:t>
+            </a:r>
+          </a:p>
+          <a:p>
+            <a:endParaRPr lang="nl-NL" sz="2400" dirty="0" smtClean="0"/>
+          </a:p>
+          <a:p>
+            <a:r>
+              <a:rPr lang="nl-NL" sz="2400" dirty="0" err="1" smtClean="0"/>
+              <a:t>Collaborative</a:t>
+            </a:r>
+            <a:r>
+              <a:rPr lang="nl-NL" sz="2400" dirty="0" smtClean="0"/>
+              <a:t> filtering</a:t>
+            </a:r>
+          </a:p>
+          <a:p>
+            <a:pPr marL="0" indent="0">
+              <a:buNone/>
+            </a:pPr>
+            <a:endParaRPr lang="nl-NL" dirty="0"/>
+          </a:p>
+        </p:txBody>
+      </p:sp>
+    </p:spTree>
+    <p:extLst>
+      <p:ext uri="{BB962C8B-B14F-4D97-AF65-F5344CB8AC3E}">
+        <p14:creationId xmlns:p14="http://schemas.microsoft.com/office/powerpoint/2010/main" val="508764841"/>
+      </p:ext>
+    </p:extLst>
+  </p:cSld>
+  <p:clrMapOvr>
+    <a:masterClrMapping/>
+  </p:clrMapOvr>
+</p:sld>
+</file>
+
+<file path=ppt/slides/slide13.xml><?xml version="1.0" encoding="utf-8"?>
+<p:sld xmlns:a="http://schemas.openxmlformats.org/drawingml/2006/main" xmlns:r="http://schemas.openxmlformats.org/officeDocument/2006/relationships" xmlns:p="http://schemas.openxmlformats.org/presentationml/2006/main">
+  <p:cSld>
+    <p:spTree>
+      <p:nvGrpSpPr>
+        <p:cNvPr id="1" name=""/>
+        <p:cNvGrpSpPr/>
+        <p:nvPr/>
+      </p:nvGrpSpPr>
+      <p:grpSpPr>
+        <a:xfrm>
+          <a:off x="0" y="0"/>
+          <a:ext cx="0" cy="0"/>
+          <a:chOff x="0" y="0"/>
+          <a:chExt cx="0" cy="0"/>
+        </a:xfrm>
+      </p:grpSpPr>
+      <p:sp>
+        <p:nvSpPr>
+          <p:cNvPr id="2" name="Titel 1"/>
+          <p:cNvSpPr>
+            <a:spLocks noGrp="1"/>
+          </p:cNvSpPr>
+          <p:nvPr>
+            <p:ph type="title"/>
+          </p:nvPr>
+        </p:nvSpPr>
+        <p:spPr>
+          <a:xfrm>
+            <a:off x="838200" y="234931"/>
+            <a:ext cx="6172200" cy="954107"/>
+          </a:xfrm>
+        </p:spPr>
+        <p:txBody>
+          <a:bodyPr/>
+          <a:lstStyle/>
+          <a:p>
+            <a:r>
+              <a:rPr lang="nl-NL" sz="2800" dirty="0" err="1" smtClean="0"/>
+              <a:t>Nearest-neighbor</a:t>
+            </a:r>
+            <a:r>
+              <a:rPr lang="nl-NL" sz="2800" dirty="0" smtClean="0"/>
+              <a:t> </a:t>
+            </a:r>
+            <a:r>
+              <a:rPr lang="nl-NL" sz="2800" dirty="0" err="1" smtClean="0"/>
+              <a:t>collaborative</a:t>
+            </a:r>
+            <a:r>
+              <a:rPr lang="nl-NL" sz="2800" dirty="0" smtClean="0"/>
+              <a:t> filtering</a:t>
+            </a:r>
+            <a:endParaRPr lang="nl-NL" sz="2800" dirty="0"/>
+          </a:p>
+        </p:txBody>
+      </p:sp>
+      <p:sp>
+        <p:nvSpPr>
+          <p:cNvPr id="3" name="Tijdelijke aanduiding voor inhoud 2"/>
+          <p:cNvSpPr>
+            <a:spLocks noGrp="1"/>
+          </p:cNvSpPr>
+          <p:nvPr>
+            <p:ph idx="1"/>
+          </p:nvPr>
+        </p:nvSpPr>
+        <p:spPr>
+          <a:xfrm>
+            <a:off x="762000" y="1762125"/>
+            <a:ext cx="7881938" cy="2529923"/>
+          </a:xfrm>
+        </p:spPr>
+        <p:txBody>
+          <a:bodyPr/>
+          <a:lstStyle/>
+          <a:p>
+            <a:r>
+              <a:rPr lang="nl-NL" sz="2400" dirty="0" err="1" smtClean="0"/>
+              <a:t>Use</a:t>
+            </a:r>
+            <a:r>
+              <a:rPr lang="nl-NL" sz="2400" dirty="0" smtClean="0"/>
+              <a:t> the </a:t>
+            </a:r>
+            <a:r>
+              <a:rPr lang="nl-NL" sz="2400" i="1" dirty="0" smtClean="0"/>
+              <a:t>n</a:t>
+            </a:r>
+            <a:r>
+              <a:rPr lang="nl-NL" sz="2400" dirty="0" smtClean="0"/>
+              <a:t> </a:t>
+            </a:r>
+            <a:r>
+              <a:rPr lang="nl-NL" sz="2400" dirty="0" err="1" smtClean="0"/>
+              <a:t>nearest</a:t>
+            </a:r>
+            <a:r>
+              <a:rPr lang="nl-NL" sz="2400" dirty="0" smtClean="0"/>
+              <a:t> </a:t>
+            </a:r>
+            <a:r>
+              <a:rPr lang="nl-NL" sz="2400" dirty="0" err="1" smtClean="0"/>
+              <a:t>neighbor</a:t>
+            </a:r>
+            <a:r>
+              <a:rPr lang="nl-NL" sz="2400" dirty="0" smtClean="0"/>
+              <a:t> users </a:t>
+            </a:r>
+            <a:r>
+              <a:rPr lang="nl-NL" sz="2400" dirty="0" err="1" smtClean="0"/>
+              <a:t>to</a:t>
+            </a:r>
+            <a:r>
+              <a:rPr lang="nl-NL" sz="2400" dirty="0" smtClean="0"/>
+              <a:t> </a:t>
+            </a:r>
+            <a:r>
+              <a:rPr lang="nl-NL" sz="2400" dirty="0" err="1" smtClean="0"/>
+              <a:t>calculate</a:t>
+            </a:r>
+            <a:r>
+              <a:rPr lang="nl-NL" sz="2400" dirty="0" smtClean="0"/>
+              <a:t> the </a:t>
+            </a:r>
+            <a:r>
+              <a:rPr lang="nl-NL" sz="2400" dirty="0" err="1" smtClean="0"/>
+              <a:t>predicted</a:t>
+            </a:r>
+            <a:r>
+              <a:rPr lang="nl-NL" sz="2400" dirty="0" smtClean="0"/>
+              <a:t> rating </a:t>
+            </a:r>
+          </a:p>
+          <a:p>
+            <a:endParaRPr lang="nl-NL" sz="2400" dirty="0"/>
+          </a:p>
+          <a:p>
+            <a:r>
+              <a:rPr lang="nl-NL" sz="2400" dirty="0" err="1" smtClean="0"/>
+              <a:t>Distance</a:t>
+            </a:r>
+            <a:r>
+              <a:rPr lang="nl-NL" sz="2400" dirty="0" smtClean="0"/>
+              <a:t> </a:t>
+            </a:r>
+            <a:r>
+              <a:rPr lang="nl-NL" sz="2400" dirty="0" err="1" smtClean="0"/>
+              <a:t>can</a:t>
+            </a:r>
+            <a:r>
+              <a:rPr lang="nl-NL" sz="2400" dirty="0" smtClean="0"/>
+              <a:t> </a:t>
+            </a:r>
+            <a:r>
+              <a:rPr lang="nl-NL" sz="2400" dirty="0" err="1" smtClean="0"/>
+              <a:t>be</a:t>
+            </a:r>
+            <a:r>
+              <a:rPr lang="nl-NL" sz="2400" dirty="0" smtClean="0"/>
+              <a:t> </a:t>
+            </a:r>
+            <a:r>
+              <a:rPr lang="nl-NL" sz="2400" dirty="0" err="1" smtClean="0"/>
+              <a:t>calculated</a:t>
+            </a:r>
+            <a:r>
+              <a:rPr lang="nl-NL" sz="2400" dirty="0" smtClean="0"/>
+              <a:t> in </a:t>
+            </a:r>
+            <a:r>
+              <a:rPr lang="nl-NL" sz="2400" dirty="0" err="1" smtClean="0"/>
+              <a:t>various</a:t>
+            </a:r>
+            <a:r>
+              <a:rPr lang="nl-NL" sz="2400" dirty="0" smtClean="0"/>
+              <a:t> </a:t>
+            </a:r>
+            <a:r>
+              <a:rPr lang="nl-NL" sz="2400" dirty="0" err="1" smtClean="0"/>
+              <a:t>ways</a:t>
+            </a:r>
+            <a:r>
+              <a:rPr lang="nl-NL" sz="2400" dirty="0" smtClean="0"/>
+              <a:t>, e.g.,</a:t>
+            </a:r>
+          </a:p>
+          <a:p>
+            <a:pPr lvl="1"/>
+            <a:r>
+              <a:rPr lang="nl-NL" sz="2200" dirty="0" smtClean="0"/>
+              <a:t>Correlation </a:t>
+            </a:r>
+            <a:r>
+              <a:rPr lang="nl-NL" sz="2200" dirty="0" err="1" smtClean="0"/>
+              <a:t>between</a:t>
+            </a:r>
+            <a:r>
+              <a:rPr lang="nl-NL" sz="2200" dirty="0" smtClean="0"/>
+              <a:t> users / items</a:t>
+            </a:r>
+          </a:p>
+          <a:p>
+            <a:pPr lvl="1"/>
+            <a:r>
+              <a:rPr lang="nl-NL" sz="2200" dirty="0" err="1" smtClean="0"/>
+              <a:t>Cosine</a:t>
+            </a:r>
+            <a:r>
+              <a:rPr lang="nl-NL" sz="2200" dirty="0" smtClean="0"/>
+              <a:t> </a:t>
+            </a:r>
+            <a:r>
+              <a:rPr lang="nl-NL" sz="2200" dirty="0" err="1" smtClean="0"/>
+              <a:t>similarity</a:t>
+            </a:r>
+            <a:endParaRPr lang="nl-NL" sz="2200" dirty="0"/>
+          </a:p>
+        </p:txBody>
+      </p:sp>
+    </p:spTree>
+    <p:extLst>
+      <p:ext uri="{BB962C8B-B14F-4D97-AF65-F5344CB8AC3E}">
+        <p14:creationId xmlns:p14="http://schemas.microsoft.com/office/powerpoint/2010/main" val="3337249391"/>
+      </p:ext>
+    </p:extLst>
+  </p:cSld>
+  <p:clrMapOvr>
+    <a:masterClrMapping/>
+  </p:clrMapOvr>
+</p:sld>
+</file>
+
+<file path=ppt/slides/slide14.xml><?xml version="1.0" encoding="utf-8"?>
+<p:sld xmlns:a="http://schemas.openxmlformats.org/drawingml/2006/main" xmlns:r="http://schemas.openxmlformats.org/officeDocument/2006/relationships" xmlns:p="http://schemas.openxmlformats.org/presentationml/2006/main">
+  <p:cSld>
+    <p:spTree>
+      <p:nvGrpSpPr>
+        <p:cNvPr id="1" name=""/>
+        <p:cNvGrpSpPr/>
+        <p:nvPr/>
+      </p:nvGrpSpPr>
+      <p:grpSpPr>
+        <a:xfrm>
+          <a:off x="0" y="0"/>
+          <a:ext cx="0" cy="0"/>
+          <a:chOff x="0" y="0"/>
+          <a:chExt cx="0" cy="0"/>
+        </a:xfrm>
+      </p:grpSpPr>
+      <p:sp>
+        <p:nvSpPr>
+          <p:cNvPr id="2" name="Titel 1"/>
+          <p:cNvSpPr>
+            <a:spLocks noGrp="1"/>
+          </p:cNvSpPr>
+          <p:nvPr>
+            <p:ph type="title"/>
+          </p:nvPr>
+        </p:nvSpPr>
+        <p:spPr/>
+        <p:txBody>
+          <a:bodyPr/>
+          <a:lstStyle/>
+          <a:p>
+            <a:r>
+              <a:rPr lang="nl-NL" dirty="0" err="1" smtClean="0"/>
+              <a:t>Cosine</a:t>
+            </a:r>
+            <a:r>
+              <a:rPr lang="nl-NL" dirty="0" smtClean="0"/>
+              <a:t> </a:t>
+            </a:r>
+            <a:r>
+              <a:rPr lang="nl-NL" dirty="0" err="1" smtClean="0"/>
+              <a:t>similarity</a:t>
+            </a:r>
+            <a:endParaRPr lang="nl-NL" dirty="0"/>
+          </a:p>
+        </p:txBody>
+      </p:sp>
+      <p:graphicFrame>
+        <p:nvGraphicFramePr>
+          <p:cNvPr id="5" name="Tijdelijke aanduiding voor inhoud 4"/>
+          <p:cNvGraphicFramePr>
+            <a:graphicFrameLocks/>
+          </p:cNvGraphicFramePr>
+          <p:nvPr>
+            <p:extLst>
+              <p:ext uri="{D42A27DB-BD31-4B8C-83A1-F6EECF244321}">
+                <p14:modId xmlns:p14="http://schemas.microsoft.com/office/powerpoint/2010/main" val="1485193911"/>
+              </p:ext>
+            </p:extLst>
+          </p:nvPr>
+        </p:nvGraphicFramePr>
+        <p:xfrm>
+          <a:off x="1951825" y="1659580"/>
+          <a:ext cx="4348367" cy="4793756"/>
+        </p:xfrm>
+        <a:graphic>
+          <a:graphicData uri="http://schemas.openxmlformats.org/drawingml/2006/chart">
+            <c:chart xmlns:c="http://schemas.openxmlformats.org/drawingml/2006/chart" xmlns:r="http://schemas.openxmlformats.org/officeDocument/2006/relationships" r:id="rId2"/>
+          </a:graphicData>
+        </a:graphic>
+      </p:graphicFrame>
+      <p:cxnSp>
+        <p:nvCxnSpPr>
+          <p:cNvPr id="6" name="Rechte verbindingslijn met pijl 5"/>
+          <p:cNvCxnSpPr/>
+          <p:nvPr/>
+        </p:nvCxnSpPr>
+        <p:spPr bwMode="auto">
+          <a:xfrm flipV="1">
+            <a:off x="2525525" y="3501008"/>
+            <a:ext cx="2118483" cy="1728192"/>
+          </a:xfrm>
+          <a:prstGeom prst="straightConnector1">
+            <a:avLst/>
+          </a:prstGeom>
+          <a:solidFill>
+            <a:schemeClr val="accent1"/>
+          </a:solidFill>
+          <a:ln w="31750" cap="flat" cmpd="sng" algn="ctr">
+            <a:solidFill>
+              <a:srgbClr val="0070C0"/>
+            </a:solidFill>
+            <a:prstDash val="solid"/>
+            <a:round/>
+            <a:headEnd type="none" w="med" len="med"/>
+            <a:tailEnd type="triangle"/>
+          </a:ln>
+          <a:effectLst/>
+        </p:spPr>
+      </p:cxnSp>
+      <p:sp>
+        <p:nvSpPr>
+          <p:cNvPr id="10" name="Vrije vorm 9"/>
+          <p:cNvSpPr/>
+          <p:nvPr/>
+        </p:nvSpPr>
+        <p:spPr bwMode="auto">
+          <a:xfrm>
+            <a:off x="3094361" y="4187278"/>
+            <a:ext cx="330773" cy="355652"/>
+          </a:xfrm>
+          <a:custGeom>
+            <a:avLst/>
+            <a:gdLst>
+              <a:gd name="connsiteX0" fmla="*/ 297720 w 330773"/>
+              <a:gd name="connsiteY0" fmla="*/ 355652 h 355652"/>
+              <a:gd name="connsiteX1" fmla="*/ 306957 w 330773"/>
+              <a:gd name="connsiteY1" fmla="*/ 13907 h 355652"/>
+              <a:gd name="connsiteX2" fmla="*/ 29866 w 330773"/>
+              <a:gd name="connsiteY2" fmla="*/ 69325 h 355652"/>
+              <a:gd name="connsiteX3" fmla="*/ 20630 w 330773"/>
+              <a:gd name="connsiteY3" fmla="*/ 97034 h 355652"/>
+            </a:gdLst>
+            <a:ahLst/>
+            <a:cxnLst>
+              <a:cxn ang="0">
+                <a:pos x="connsiteX0" y="connsiteY0"/>
+              </a:cxn>
+              <a:cxn ang="0">
+                <a:pos x="connsiteX1" y="connsiteY1"/>
+              </a:cxn>
+              <a:cxn ang="0">
+                <a:pos x="connsiteX2" y="connsiteY2"/>
+              </a:cxn>
+              <a:cxn ang="0">
+                <a:pos x="connsiteX3" y="connsiteY3"/>
+              </a:cxn>
+            </a:cxnLst>
+            <a:rect l="l" t="t" r="r" b="b"/>
+            <a:pathLst>
+              <a:path w="330773" h="355652">
+                <a:moveTo>
+                  <a:pt x="297720" y="355652"/>
+                </a:moveTo>
+                <a:cubicBezTo>
+                  <a:pt x="324659" y="208640"/>
+                  <a:pt x="351599" y="61628"/>
+                  <a:pt x="306957" y="13907"/>
+                </a:cubicBezTo>
+                <a:cubicBezTo>
+                  <a:pt x="262315" y="-33814"/>
+                  <a:pt x="77587" y="55470"/>
+                  <a:pt x="29866" y="69325"/>
+                </a:cubicBezTo>
+                <a:cubicBezTo>
+                  <a:pt x="-17855" y="83179"/>
+                  <a:pt x="1387" y="90106"/>
+                  <a:pt x="20630" y="97034"/>
+                </a:cubicBezTo>
+              </a:path>
+            </a:pathLst>
+          </a:custGeom>
+          <a:noFill/>
+          <a:ln w="25400" cap="flat" cmpd="sng" algn="ctr">
+            <a:solidFill>
+              <a:srgbClr val="0070C0"/>
+            </a:solidFill>
+            <a:prstDash val="solid"/>
+            <a:round/>
+            <a:headEnd type="none" w="med" len="med"/>
+            <a:tailEnd type="none" w="med" len="med"/>
+          </a:ln>
+          <a:effectLst/>
+        </p:spPr>
+        <p:txBody>
+          <a:bodyPr vert="horz" wrap="none" lIns="91440" tIns="45720" rIns="91440" bIns="45720" numCol="1" rtlCol="0" anchor="ctr" anchorCtr="0" compatLnSpc="1">
+            <a:prstTxWarp prst="textNoShape">
+              <a:avLst/>
+            </a:prstTxWarp>
+          </a:bodyPr>
+          <a:lstStyle/>
+          <a:p>
+            <a:pPr marL="0" marR="0" indent="0" algn="l" defTabSz="914400" rtl="0" eaLnBrk="1" fontAlgn="base" latinLnBrk="0" hangingPunct="1">
+              <a:lnSpc>
+                <a:spcPct val="100000"/>
+              </a:lnSpc>
+              <a:spcBef>
+                <a:spcPct val="0"/>
+              </a:spcBef>
+              <a:spcAft>
+                <a:spcPct val="0"/>
+              </a:spcAft>
+              <a:buClrTx/>
+              <a:buSzTx/>
+              <a:buFontTx/>
+              <a:buNone/>
+              <a:tabLst/>
+            </a:pPr>
+            <a:endParaRPr kumimoji="0" lang="nl-NL" sz="1400" b="0" i="0" u="none" strike="noStrike" cap="none" normalizeH="0" baseline="0" smtClean="0">
+              <a:ln>
+                <a:noFill/>
+              </a:ln>
+              <a:solidFill>
+                <a:schemeClr val="tx1"/>
+              </a:solidFill>
+              <a:effectLst/>
+              <a:latin typeface="Arial" charset="0"/>
+            </a:endParaRPr>
+          </a:p>
+        </p:txBody>
+      </p:sp>
+      <p:cxnSp>
+        <p:nvCxnSpPr>
+          <p:cNvPr id="11" name="Rechte verbindingslijn met pijl 10"/>
+          <p:cNvCxnSpPr/>
+          <p:nvPr/>
+        </p:nvCxnSpPr>
+        <p:spPr bwMode="auto">
+          <a:xfrm flipV="1">
+            <a:off x="2639291" y="2348880"/>
+            <a:ext cx="3444877" cy="2880320"/>
+          </a:xfrm>
+          <a:prstGeom prst="straightConnector1">
+            <a:avLst/>
+          </a:prstGeom>
+          <a:solidFill>
+            <a:schemeClr val="accent1"/>
+          </a:solidFill>
+          <a:ln w="31750" cap="flat" cmpd="sng" algn="ctr">
+            <a:solidFill>
+              <a:srgbClr val="FFC000"/>
+            </a:solidFill>
+            <a:prstDash val="solid"/>
+            <a:round/>
+            <a:headEnd type="none" w="med" len="med"/>
+            <a:tailEnd type="triangle"/>
+          </a:ln>
+          <a:effectLst/>
+        </p:spPr>
+      </p:cxnSp>
+      <p:cxnSp>
+        <p:nvCxnSpPr>
+          <p:cNvPr id="13" name="Rechte verbindingslijn met pijl 12"/>
+          <p:cNvCxnSpPr/>
+          <p:nvPr/>
+        </p:nvCxnSpPr>
+        <p:spPr bwMode="auto">
+          <a:xfrm flipV="1">
+            <a:off x="2699792" y="3501008"/>
+            <a:ext cx="2088232" cy="1728192"/>
+          </a:xfrm>
+          <a:prstGeom prst="straightConnector1">
+            <a:avLst/>
+          </a:prstGeom>
+          <a:solidFill>
+            <a:schemeClr val="accent1"/>
+          </a:solidFill>
+          <a:ln w="31750" cap="flat" cmpd="sng" algn="ctr">
+            <a:solidFill>
+              <a:srgbClr val="FFC000"/>
+            </a:solidFill>
+            <a:prstDash val="solid"/>
+            <a:round/>
+            <a:headEnd type="none" w="med" len="med"/>
+            <a:tailEnd type="triangle"/>
+          </a:ln>
+          <a:effectLst/>
+        </p:spPr>
+      </p:cxnSp>
+      <p:sp>
+        <p:nvSpPr>
+          <p:cNvPr id="17" name="Tekstvak 16"/>
+          <p:cNvSpPr txBox="1"/>
+          <p:nvPr/>
+        </p:nvSpPr>
+        <p:spPr>
+          <a:xfrm>
+            <a:off x="4126008" y="4150816"/>
+            <a:ext cx="992579" cy="307777"/>
+          </a:xfrm>
+          <a:prstGeom prst="rect">
+            <a:avLst/>
+          </a:prstGeom>
+          <a:noFill/>
+        </p:spPr>
+        <p:txBody>
+          <a:bodyPr wrap="none" rtlCol="0">
+            <a:spAutoFit/>
+          </a:bodyPr>
+          <a:lstStyle/>
+          <a:p>
+            <a:r>
+              <a:rPr lang="nl-NL" dirty="0" err="1"/>
+              <a:t>a</a:t>
+            </a:r>
+            <a:r>
+              <a:rPr lang="nl-NL" dirty="0" err="1" smtClean="0"/>
+              <a:t>ngle</a:t>
+            </a:r>
+            <a:r>
+              <a:rPr lang="nl-NL" dirty="0" smtClean="0"/>
+              <a:t> = 0</a:t>
+            </a:r>
+            <a:r>
+              <a:rPr lang="nl-NL" baseline="30000" dirty="0" smtClean="0"/>
+              <a:t>o</a:t>
+            </a:r>
+            <a:endParaRPr lang="nl-NL" dirty="0"/>
+          </a:p>
+        </p:txBody>
+      </p:sp>
+      <p:sp>
+        <p:nvSpPr>
+          <p:cNvPr id="8" name="Tekstvak 7"/>
+          <p:cNvSpPr txBox="1"/>
+          <p:nvPr/>
+        </p:nvSpPr>
+        <p:spPr>
+          <a:xfrm>
+            <a:off x="3423979" y="3615647"/>
+            <a:ext cx="825867" cy="523220"/>
+          </a:xfrm>
+          <a:prstGeom prst="rect">
+            <a:avLst/>
+          </a:prstGeom>
+          <a:noFill/>
+        </p:spPr>
+        <p:txBody>
+          <a:bodyPr wrap="none" rtlCol="0">
+            <a:spAutoFit/>
+          </a:bodyPr>
+          <a:lstStyle/>
+          <a:p>
+            <a:r>
+              <a:rPr lang="nl-NL" dirty="0" err="1"/>
+              <a:t>a</a:t>
+            </a:r>
+            <a:r>
+              <a:rPr lang="nl-NL" dirty="0" err="1" smtClean="0"/>
+              <a:t>ngle</a:t>
+            </a:r>
+            <a:r>
+              <a:rPr lang="nl-NL" dirty="0" smtClean="0"/>
+              <a:t> = </a:t>
+            </a:r>
+          </a:p>
+          <a:p>
+            <a:r>
+              <a:rPr lang="nl-NL" dirty="0" smtClean="0"/>
+              <a:t>33</a:t>
+            </a:r>
+            <a:r>
+              <a:rPr lang="nl-NL" baseline="30000" dirty="0"/>
+              <a:t>o</a:t>
+            </a:r>
+            <a:endParaRPr lang="nl-NL" dirty="0"/>
+          </a:p>
+        </p:txBody>
+      </p:sp>
+      <p:sp>
+        <p:nvSpPr>
+          <p:cNvPr id="23" name="Tijdelijke aanduiding voor inhoud 2"/>
+          <p:cNvSpPr txBox="1">
+            <a:spLocks/>
+          </p:cNvSpPr>
+          <p:nvPr/>
+        </p:nvSpPr>
+        <p:spPr bwMode="auto">
+          <a:xfrm>
+            <a:off x="1619672" y="6150495"/>
+            <a:ext cx="7881938" cy="461665"/>
+          </a:xfrm>
+          <a:prstGeom prst="rect">
+            <a:avLst/>
+          </a:prstGeom>
+          <a:noFill/>
+          <a:ln w="9525">
+            <a:noFill/>
+            <a:miter lim="800000"/>
+            <a:headEnd/>
+            <a:tailEnd/>
+          </a:ln>
+          <a:effectLst/>
+        </p:spPr>
+        <p:txBody>
+          <a:bodyPr vert="horz" wrap="square" lIns="91440" tIns="45720" rIns="91440" bIns="45720" numCol="1" anchor="t" anchorCtr="0" compatLnSpc="1">
+            <a:prstTxWarp prst="textNoShape">
+              <a:avLst/>
+            </a:prstTxWarp>
+            <a:spAutoFit/>
+          </a:bodyPr>
+          <a:lstStyle>
+            <a:lvl1pPr marL="342900" indent="-342900" algn="l" rtl="0" fontAlgn="base">
+              <a:spcBef>
+                <a:spcPct val="20000"/>
+              </a:spcBef>
+              <a:spcAft>
+                <a:spcPct val="0"/>
+              </a:spcAft>
+              <a:buClr>
+                <a:srgbClr val="ED0010"/>
+              </a:buClr>
+              <a:buSzPct val="60000"/>
+              <a:buFont typeface="Zapf Dingbats" charset="2"/>
+              <a:buChar char="n"/>
+              <a:defRPr sz="2800">
+                <a:solidFill>
+                  <a:srgbClr val="000000"/>
+                </a:solidFill>
+                <a:latin typeface="+mn-lt"/>
+                <a:ea typeface="+mn-ea"/>
+                <a:cs typeface="+mn-cs"/>
+              </a:defRPr>
+            </a:lvl1pPr>
+            <a:lvl2pPr marL="819150" indent="-285750" algn="l" rtl="0" fontAlgn="base">
+              <a:spcBef>
+                <a:spcPct val="20000"/>
+              </a:spcBef>
+              <a:spcAft>
+                <a:spcPct val="0"/>
+              </a:spcAft>
+              <a:buClr>
+                <a:schemeClr val="accent1"/>
+              </a:buClr>
+              <a:buSzPct val="60000"/>
+              <a:buFont typeface="Zapf Dingbats" charset="2"/>
+              <a:buChar char="n"/>
+              <a:defRPr sz="2600">
+                <a:solidFill>
+                  <a:srgbClr val="000000"/>
+                </a:solidFill>
+                <a:latin typeface="+mn-lt"/>
+              </a:defRPr>
+            </a:lvl2pPr>
+            <a:lvl3pPr marL="1143000" indent="-228600" algn="l" rtl="0" fontAlgn="base">
+              <a:spcBef>
+                <a:spcPct val="20000"/>
+              </a:spcBef>
+              <a:spcAft>
+                <a:spcPct val="0"/>
+              </a:spcAft>
+              <a:buClr>
+                <a:schemeClr val="accent1"/>
+              </a:buClr>
+              <a:buSzPct val="60000"/>
+              <a:buFont typeface="Zapf Dingbats" charset="2"/>
+              <a:buChar char="n"/>
+              <a:defRPr sz="2400">
+                <a:solidFill>
+                  <a:srgbClr val="000000"/>
+                </a:solidFill>
+                <a:latin typeface="+mn-lt"/>
+              </a:defRPr>
+            </a:lvl3pPr>
+            <a:lvl4pPr marL="1562100" indent="-228600" algn="l" rtl="0" fontAlgn="base">
+              <a:spcBef>
+                <a:spcPct val="20000"/>
+              </a:spcBef>
+              <a:spcAft>
+                <a:spcPct val="0"/>
+              </a:spcAft>
+              <a:buClr>
+                <a:schemeClr val="accent1"/>
+              </a:buClr>
+              <a:buSzPct val="60000"/>
+              <a:buFont typeface="Zapf Dingbats" charset="2"/>
+              <a:buChar char="n"/>
+              <a:defRPr sz="2200">
+                <a:solidFill>
+                  <a:srgbClr val="000000"/>
+                </a:solidFill>
+                <a:latin typeface="+mn-lt"/>
+              </a:defRPr>
+            </a:lvl4pPr>
+            <a:lvl5pPr marL="1981200" indent="-228600" algn="l" rtl="0" fontAlgn="base">
+              <a:spcBef>
+                <a:spcPct val="20000"/>
+              </a:spcBef>
+              <a:spcAft>
+                <a:spcPct val="0"/>
+              </a:spcAft>
+              <a:buClr>
+                <a:schemeClr val="accent1"/>
+              </a:buClr>
+              <a:buSzPct val="60000"/>
+              <a:buFont typeface="Zapf Dingbats" charset="2"/>
+              <a:buChar char="n"/>
+              <a:defRPr sz="2000">
+                <a:solidFill>
+                  <a:srgbClr val="000000"/>
+                </a:solidFill>
+                <a:latin typeface="+mn-lt"/>
+              </a:defRPr>
+            </a:lvl5pPr>
+            <a:lvl6pPr marL="2438400" indent="-228600" algn="l" rtl="0" fontAlgn="base">
+              <a:spcBef>
+                <a:spcPct val="20000"/>
+              </a:spcBef>
+              <a:spcAft>
+                <a:spcPct val="0"/>
+              </a:spcAft>
+              <a:buClr>
+                <a:schemeClr val="accent1"/>
+              </a:buClr>
+              <a:buSzPct val="60000"/>
+              <a:buFont typeface="Zapf Dingbats" charset="2"/>
+              <a:buChar char="n"/>
+              <a:defRPr sz="2000">
+                <a:solidFill>
+                  <a:srgbClr val="000000"/>
+                </a:solidFill>
+                <a:latin typeface="+mn-lt"/>
+              </a:defRPr>
+            </a:lvl6pPr>
+            <a:lvl7pPr marL="2895600" indent="-228600" algn="l" rtl="0" fontAlgn="base">
+              <a:spcBef>
+                <a:spcPct val="20000"/>
+              </a:spcBef>
+              <a:spcAft>
+                <a:spcPct val="0"/>
+              </a:spcAft>
+              <a:buClr>
+                <a:schemeClr val="accent1"/>
+              </a:buClr>
+              <a:buSzPct val="60000"/>
+              <a:buFont typeface="Zapf Dingbats" charset="2"/>
+              <a:buChar char="n"/>
+              <a:defRPr sz="2000">
+                <a:solidFill>
+                  <a:srgbClr val="000000"/>
+                </a:solidFill>
+                <a:latin typeface="+mn-lt"/>
+              </a:defRPr>
+            </a:lvl7pPr>
+            <a:lvl8pPr marL="3352800" indent="-228600" algn="l" rtl="0" fontAlgn="base">
+              <a:spcBef>
+                <a:spcPct val="20000"/>
+              </a:spcBef>
+              <a:spcAft>
+                <a:spcPct val="0"/>
+              </a:spcAft>
+              <a:buClr>
+                <a:schemeClr val="accent1"/>
+              </a:buClr>
+              <a:buSzPct val="60000"/>
+              <a:buFont typeface="Zapf Dingbats" charset="2"/>
+              <a:buChar char="n"/>
+              <a:defRPr sz="2000">
+                <a:solidFill>
+                  <a:srgbClr val="000000"/>
+                </a:solidFill>
+                <a:latin typeface="+mn-lt"/>
+              </a:defRPr>
+            </a:lvl8pPr>
+            <a:lvl9pPr marL="3810000" indent="-228600" algn="l" rtl="0" fontAlgn="base">
+              <a:spcBef>
+                <a:spcPct val="20000"/>
+              </a:spcBef>
+              <a:spcAft>
+                <a:spcPct val="0"/>
+              </a:spcAft>
+              <a:buClr>
+                <a:schemeClr val="accent1"/>
+              </a:buClr>
+              <a:buSzPct val="60000"/>
+              <a:buFont typeface="Zapf Dingbats" charset="2"/>
+              <a:buChar char="n"/>
+              <a:defRPr sz="2000">
+                <a:solidFill>
+                  <a:srgbClr val="000000"/>
+                </a:solidFill>
+                <a:latin typeface="+mn-lt"/>
+              </a:defRPr>
+            </a:lvl9pPr>
+          </a:lstStyle>
+          <a:p>
+            <a:pPr marL="0" indent="0">
+              <a:buNone/>
+            </a:pPr>
+            <a:r>
+              <a:rPr lang="nl-NL" sz="2400" kern="0" dirty="0" err="1" smtClean="0"/>
+              <a:t>Cosine</a:t>
+            </a:r>
+            <a:r>
+              <a:rPr lang="nl-NL" sz="2400" kern="0" dirty="0" smtClean="0"/>
+              <a:t> </a:t>
+            </a:r>
+            <a:r>
+              <a:rPr lang="nl-NL" sz="2400" kern="0" dirty="0" err="1" smtClean="0"/>
+              <a:t>similarity</a:t>
+            </a:r>
+            <a:r>
+              <a:rPr lang="nl-NL" sz="2400" kern="0" dirty="0" smtClean="0"/>
+              <a:t>: user 2&amp;3 are </a:t>
+            </a:r>
+            <a:r>
+              <a:rPr lang="nl-NL" sz="2400" kern="0" dirty="0" err="1" smtClean="0"/>
+              <a:t>closest</a:t>
+            </a:r>
+            <a:endParaRPr lang="nl-NL" sz="2400" kern="0" dirty="0"/>
+          </a:p>
+        </p:txBody>
+      </p:sp>
+    </p:spTree>
+    <p:extLst>
+      <p:ext uri="{BB962C8B-B14F-4D97-AF65-F5344CB8AC3E}">
+        <p14:creationId xmlns:p14="http://schemas.microsoft.com/office/powerpoint/2010/main" val="2415202962"/>
+      </p:ext>
+    </p:extLst>
+  </p:cSld>
+  <p:clrMapOvr>
+    <a:masterClrMapping/>
+  </p:clrMapOvr>
+</p:sld>
+</file>
+
+<file path=ppt/slides/slide15.xml><?xml version="1.0" encoding="utf-8"?>
+<p:sld xmlns:a="http://schemas.openxmlformats.org/drawingml/2006/main" xmlns:r="http://schemas.openxmlformats.org/officeDocument/2006/relationships" xmlns:p="http://schemas.openxmlformats.org/presentationml/2006/main">
+  <p:cSld>
+    <p:spTree>
+      <p:nvGrpSpPr>
+        <p:cNvPr id="1" name=""/>
+        <p:cNvGrpSpPr/>
+        <p:nvPr/>
+      </p:nvGrpSpPr>
+      <p:grpSpPr>
+        <a:xfrm>
+          <a:off x="0" y="0"/>
+          <a:ext cx="0" cy="0"/>
+          <a:chOff x="0" y="0"/>
+          <a:chExt cx="0" cy="0"/>
+        </a:xfrm>
+      </p:grpSpPr>
+      <p:sp>
+        <p:nvSpPr>
+          <p:cNvPr id="2" name="Titel 1"/>
+          <p:cNvSpPr>
+            <a:spLocks noGrp="1"/>
+          </p:cNvSpPr>
+          <p:nvPr>
+            <p:ph type="title"/>
+          </p:nvPr>
+        </p:nvSpPr>
+        <p:spPr/>
+        <p:txBody>
+          <a:bodyPr/>
+          <a:lstStyle/>
+          <a:p>
+            <a:r>
+              <a:rPr lang="nl-NL" dirty="0" err="1" smtClean="0"/>
+              <a:t>Problems</a:t>
+            </a:r>
+            <a:endParaRPr lang="nl-NL" dirty="0"/>
+          </a:p>
+        </p:txBody>
+      </p:sp>
+      <p:sp>
+        <p:nvSpPr>
+          <p:cNvPr id="3" name="Tijdelijke aanduiding voor inhoud 2"/>
+          <p:cNvSpPr>
+            <a:spLocks noGrp="1"/>
+          </p:cNvSpPr>
+          <p:nvPr>
+            <p:ph idx="1"/>
+          </p:nvPr>
+        </p:nvSpPr>
+        <p:spPr>
+          <a:xfrm>
+            <a:off x="838200" y="1772816"/>
+            <a:ext cx="7881938" cy="4376583"/>
+          </a:xfrm>
+        </p:spPr>
+        <p:txBody>
+          <a:bodyPr/>
+          <a:lstStyle/>
+          <a:p>
+            <a:r>
+              <a:rPr lang="nl-NL" sz="2400" dirty="0" err="1" smtClean="0"/>
+              <a:t>Sparsity</a:t>
+            </a:r>
+            <a:r>
+              <a:rPr lang="nl-NL" sz="2400" dirty="0" smtClean="0"/>
+              <a:t> </a:t>
+            </a:r>
+            <a:r>
+              <a:rPr lang="nl-NL" sz="2400" dirty="0"/>
+              <a:t>(</a:t>
+            </a:r>
+            <a:r>
+              <a:rPr lang="nl-NL" sz="2400" dirty="0" err="1"/>
+              <a:t>there</a:t>
+            </a:r>
+            <a:r>
+              <a:rPr lang="nl-NL" sz="2400" dirty="0"/>
+              <a:t> are </a:t>
+            </a:r>
+            <a:r>
+              <a:rPr lang="nl-NL" sz="2400" dirty="0" err="1"/>
+              <a:t>millions</a:t>
+            </a:r>
+            <a:r>
+              <a:rPr lang="nl-NL" sz="2400" dirty="0"/>
+              <a:t> of </a:t>
+            </a:r>
+            <a:r>
+              <a:rPr lang="nl-NL" sz="2400" dirty="0" err="1"/>
+              <a:t>movies</a:t>
+            </a:r>
+            <a:r>
+              <a:rPr lang="nl-NL" sz="2400" dirty="0"/>
+              <a:t>: are </a:t>
+            </a:r>
+            <a:r>
+              <a:rPr lang="nl-NL" sz="2400" dirty="0" err="1"/>
+              <a:t>there</a:t>
+            </a:r>
+            <a:r>
+              <a:rPr lang="nl-NL" sz="2400" dirty="0"/>
+              <a:t> </a:t>
+            </a:r>
+            <a:r>
+              <a:rPr lang="nl-NL" sz="2400" dirty="0" err="1"/>
+              <a:t>enough</a:t>
+            </a:r>
+            <a:r>
+              <a:rPr lang="nl-NL" sz="2400" dirty="0"/>
+              <a:t> </a:t>
+            </a:r>
+            <a:r>
+              <a:rPr lang="nl-NL" sz="2400" dirty="0" err="1"/>
+              <a:t>similar</a:t>
+            </a:r>
+            <a:r>
+              <a:rPr lang="nl-NL" sz="2400" dirty="0"/>
+              <a:t> users</a:t>
+            </a:r>
+            <a:r>
+              <a:rPr lang="nl-NL" sz="2400" dirty="0" smtClean="0"/>
+              <a:t>?)</a:t>
+            </a:r>
+          </a:p>
+          <a:p>
+            <a:endParaRPr lang="nl-NL" sz="2400" dirty="0"/>
+          </a:p>
+          <a:p>
+            <a:r>
+              <a:rPr lang="nl-NL" sz="2400" dirty="0" smtClean="0"/>
+              <a:t>‘</a:t>
+            </a:r>
+            <a:r>
+              <a:rPr lang="nl-NL" sz="2400" dirty="0" err="1" smtClean="0"/>
+              <a:t>Cold</a:t>
+            </a:r>
+            <a:r>
+              <a:rPr lang="nl-NL" sz="2400" dirty="0" smtClean="0"/>
+              <a:t> start’</a:t>
+            </a:r>
+          </a:p>
+          <a:p>
+            <a:endParaRPr lang="nl-NL" sz="2400" dirty="0"/>
+          </a:p>
+          <a:p>
+            <a:r>
+              <a:rPr lang="nl-NL" sz="2400" dirty="0" err="1" smtClean="0"/>
+              <a:t>Lack</a:t>
+            </a:r>
+            <a:r>
+              <a:rPr lang="nl-NL" sz="2400" dirty="0" smtClean="0"/>
+              <a:t> of </a:t>
+            </a:r>
+            <a:r>
+              <a:rPr lang="nl-NL" sz="2400" dirty="0" err="1" smtClean="0"/>
+              <a:t>serendipity</a:t>
+            </a:r>
+            <a:r>
+              <a:rPr lang="nl-NL" sz="2400" dirty="0" smtClean="0"/>
+              <a:t> / </a:t>
+            </a:r>
+            <a:r>
+              <a:rPr lang="nl-NL" sz="2400" dirty="0" err="1" smtClean="0"/>
+              <a:t>blandness</a:t>
+            </a:r>
+            <a:r>
+              <a:rPr lang="nl-NL" sz="2400" dirty="0" smtClean="0"/>
+              <a:t> of </a:t>
+            </a:r>
+            <a:r>
+              <a:rPr lang="nl-NL" sz="2400" dirty="0" err="1" smtClean="0"/>
+              <a:t>recommendations</a:t>
+            </a:r>
+            <a:endParaRPr lang="nl-NL" sz="2400" dirty="0" smtClean="0"/>
+          </a:p>
+          <a:p>
+            <a:endParaRPr lang="nl-NL" sz="2400" dirty="0"/>
+          </a:p>
+          <a:p>
+            <a:r>
+              <a:rPr lang="nl-NL" sz="2400" dirty="0" err="1" smtClean="0"/>
+              <a:t>Scalability</a:t>
+            </a:r>
+            <a:r>
+              <a:rPr lang="nl-NL" sz="2400" dirty="0" smtClean="0"/>
+              <a:t> </a:t>
+            </a:r>
+            <a:r>
+              <a:rPr lang="nl-NL" sz="2400" dirty="0"/>
+              <a:t>(the </a:t>
+            </a:r>
+            <a:r>
+              <a:rPr lang="nl-NL" sz="2400" dirty="0" err="1"/>
+              <a:t>bigger</a:t>
+            </a:r>
+            <a:r>
+              <a:rPr lang="nl-NL" sz="2400" dirty="0"/>
+              <a:t> the system, the more time </a:t>
+            </a:r>
+            <a:r>
+              <a:rPr lang="nl-NL" sz="2400" dirty="0" err="1"/>
+              <a:t>it</a:t>
+            </a:r>
+            <a:r>
+              <a:rPr lang="nl-NL" sz="2400" dirty="0"/>
+              <a:t> takes </a:t>
+            </a:r>
+            <a:r>
+              <a:rPr lang="nl-NL" sz="2400" dirty="0" err="1"/>
+              <a:t>to</a:t>
+            </a:r>
+            <a:r>
+              <a:rPr lang="nl-NL" sz="2400" dirty="0"/>
+              <a:t> </a:t>
+            </a:r>
+            <a:r>
+              <a:rPr lang="nl-NL" sz="2400" dirty="0" err="1"/>
+              <a:t>calculate</a:t>
+            </a:r>
+            <a:r>
+              <a:rPr lang="nl-NL" sz="2400" dirty="0"/>
+              <a:t> </a:t>
+            </a:r>
+            <a:r>
+              <a:rPr lang="nl-NL" sz="2400" dirty="0" err="1"/>
+              <a:t>everything</a:t>
+            </a:r>
+            <a:r>
+              <a:rPr lang="nl-NL" sz="2400" dirty="0"/>
+              <a:t>)</a:t>
+            </a:r>
+          </a:p>
+          <a:p>
+            <a:endParaRPr lang="nl-NL" dirty="0"/>
+          </a:p>
+        </p:txBody>
+      </p:sp>
+    </p:spTree>
+    <p:extLst>
+      <p:ext uri="{BB962C8B-B14F-4D97-AF65-F5344CB8AC3E}">
+        <p14:creationId xmlns:p14="http://schemas.microsoft.com/office/powerpoint/2010/main" val="2215855430"/>
+      </p:ext>
+    </p:extLst>
+  </p:cSld>
+  <p:clrMapOvr>
+    <a:masterClrMapping/>
+  </p:clrMapOvr>
+</p:sld>
+</file>
+
+<file path=ppt/slides/slide16.xml><?xml version="1.0" encoding="utf-8"?>
+<p:sld xmlns:a="http://schemas.openxmlformats.org/drawingml/2006/main" xmlns:r="http://schemas.openxmlformats.org/officeDocument/2006/relationships" xmlns:p="http://schemas.openxmlformats.org/presentationml/2006/main">
+  <p:cSld>
+    <p:spTree>
+      <p:nvGrpSpPr>
+        <p:cNvPr id="1" name=""/>
+        <p:cNvGrpSpPr/>
+        <p:nvPr/>
+      </p:nvGrpSpPr>
+      <p:grpSpPr>
+        <a:xfrm>
+          <a:off x="0" y="0"/>
+          <a:ext cx="0" cy="0"/>
+          <a:chOff x="0" y="0"/>
+          <a:chExt cx="0" cy="0"/>
+        </a:xfrm>
+      </p:grpSpPr>
+      <p:sp>
+        <p:nvSpPr>
+          <p:cNvPr id="2" name="Titel 1"/>
+          <p:cNvSpPr>
+            <a:spLocks noGrp="1"/>
+          </p:cNvSpPr>
+          <p:nvPr>
+            <p:ph type="title"/>
+          </p:nvPr>
+        </p:nvSpPr>
+        <p:spPr>
+          <a:xfrm>
+            <a:off x="838200" y="665818"/>
+            <a:ext cx="6172200" cy="523220"/>
+          </a:xfrm>
+        </p:spPr>
+        <p:txBody>
+          <a:bodyPr/>
+          <a:lstStyle/>
+          <a:p>
+            <a:r>
+              <a:rPr lang="nl-NL" sz="2800" dirty="0" err="1" smtClean="0"/>
+              <a:t>Exercise</a:t>
+            </a:r>
+            <a:r>
+              <a:rPr lang="nl-NL" sz="2800" dirty="0" smtClean="0"/>
+              <a:t> 2: </a:t>
+            </a:r>
+            <a:r>
+              <a:rPr lang="nl-NL" sz="2800" dirty="0" err="1" smtClean="0"/>
+              <a:t>collaborative</a:t>
+            </a:r>
+            <a:r>
+              <a:rPr lang="nl-NL" sz="2800" dirty="0" smtClean="0"/>
+              <a:t> filtering</a:t>
+            </a:r>
+            <a:endParaRPr lang="nl-NL" sz="2800" dirty="0"/>
+          </a:p>
+        </p:txBody>
+      </p:sp>
+      <p:sp>
+        <p:nvSpPr>
+          <p:cNvPr id="4" name="Tijdelijke aanduiding voor inhoud 2"/>
+          <p:cNvSpPr txBox="1">
+            <a:spLocks/>
+          </p:cNvSpPr>
+          <p:nvPr/>
+        </p:nvSpPr>
+        <p:spPr bwMode="auto">
+          <a:xfrm>
+            <a:off x="838200" y="1772816"/>
+            <a:ext cx="7881938" cy="6195542"/>
+          </a:xfrm>
+          <a:prstGeom prst="rect">
+            <a:avLst/>
+          </a:prstGeom>
+          <a:noFill/>
+          <a:ln w="9525">
+            <a:noFill/>
+            <a:miter lim="800000"/>
+            <a:headEnd/>
+            <a:tailEnd/>
+          </a:ln>
+          <a:effectLst/>
+        </p:spPr>
+        <p:txBody>
+          <a:bodyPr vert="horz" wrap="square" lIns="91440" tIns="45720" rIns="91440" bIns="45720" numCol="1" anchor="t" anchorCtr="0" compatLnSpc="1">
+            <a:prstTxWarp prst="textNoShape">
+              <a:avLst/>
+            </a:prstTxWarp>
+            <a:spAutoFit/>
+          </a:bodyPr>
+          <a:lstStyle>
+            <a:lvl1pPr marL="342900" indent="-342900" algn="l" rtl="0" fontAlgn="base">
+              <a:spcBef>
+                <a:spcPct val="20000"/>
+              </a:spcBef>
+              <a:spcAft>
+                <a:spcPct val="0"/>
+              </a:spcAft>
+              <a:buClr>
+                <a:srgbClr val="ED0010"/>
+              </a:buClr>
+              <a:buSzPct val="60000"/>
+              <a:buFont typeface="Zapf Dingbats" charset="2"/>
+              <a:buChar char="n"/>
+              <a:defRPr sz="2800">
+                <a:solidFill>
+                  <a:srgbClr val="000000"/>
+                </a:solidFill>
+                <a:latin typeface="+mn-lt"/>
+                <a:ea typeface="+mn-ea"/>
+                <a:cs typeface="+mn-cs"/>
+              </a:defRPr>
+            </a:lvl1pPr>
+            <a:lvl2pPr marL="819150" indent="-285750" algn="l" rtl="0" fontAlgn="base">
+              <a:spcBef>
+                <a:spcPct val="20000"/>
+              </a:spcBef>
+              <a:spcAft>
+                <a:spcPct val="0"/>
+              </a:spcAft>
+              <a:buClr>
+                <a:schemeClr val="accent1"/>
+              </a:buClr>
+              <a:buSzPct val="60000"/>
+              <a:buFont typeface="Zapf Dingbats" charset="2"/>
+              <a:buChar char="n"/>
+              <a:defRPr sz="2600">
+                <a:solidFill>
+                  <a:srgbClr val="000000"/>
+                </a:solidFill>
+                <a:latin typeface="+mn-lt"/>
+              </a:defRPr>
+            </a:lvl2pPr>
+            <a:lvl3pPr marL="1143000" indent="-228600" algn="l" rtl="0" fontAlgn="base">
+              <a:spcBef>
+                <a:spcPct val="20000"/>
+              </a:spcBef>
+              <a:spcAft>
+                <a:spcPct val="0"/>
+              </a:spcAft>
+              <a:buClr>
+                <a:schemeClr val="accent1"/>
+              </a:buClr>
+              <a:buSzPct val="60000"/>
+              <a:buFont typeface="Zapf Dingbats" charset="2"/>
+              <a:buChar char="n"/>
+              <a:defRPr sz="2400">
+                <a:solidFill>
+                  <a:srgbClr val="000000"/>
+                </a:solidFill>
+                <a:latin typeface="+mn-lt"/>
+              </a:defRPr>
+            </a:lvl3pPr>
+            <a:lvl4pPr marL="1562100" indent="-228600" algn="l" rtl="0" fontAlgn="base">
+              <a:spcBef>
+                <a:spcPct val="20000"/>
+              </a:spcBef>
+              <a:spcAft>
+                <a:spcPct val="0"/>
+              </a:spcAft>
+              <a:buClr>
+                <a:schemeClr val="accent1"/>
+              </a:buClr>
+              <a:buSzPct val="60000"/>
+              <a:buFont typeface="Zapf Dingbats" charset="2"/>
+              <a:buChar char="n"/>
+              <a:defRPr sz="2200">
+                <a:solidFill>
+                  <a:srgbClr val="000000"/>
+                </a:solidFill>
+                <a:latin typeface="+mn-lt"/>
+              </a:defRPr>
+            </a:lvl4pPr>
+            <a:lvl5pPr marL="1981200" indent="-228600" algn="l" rtl="0" fontAlgn="base">
+              <a:spcBef>
+                <a:spcPct val="20000"/>
+              </a:spcBef>
+              <a:spcAft>
+                <a:spcPct val="0"/>
+              </a:spcAft>
+              <a:buClr>
+                <a:schemeClr val="accent1"/>
+              </a:buClr>
+              <a:buSzPct val="60000"/>
+              <a:buFont typeface="Zapf Dingbats" charset="2"/>
+              <a:buChar char="n"/>
+              <a:defRPr sz="2000">
+                <a:solidFill>
+                  <a:srgbClr val="000000"/>
+                </a:solidFill>
+                <a:latin typeface="+mn-lt"/>
+              </a:defRPr>
+            </a:lvl5pPr>
+            <a:lvl6pPr marL="2438400" indent="-228600" algn="l" rtl="0" fontAlgn="base">
+              <a:spcBef>
+                <a:spcPct val="20000"/>
+              </a:spcBef>
+              <a:spcAft>
+                <a:spcPct val="0"/>
+              </a:spcAft>
+              <a:buClr>
+                <a:schemeClr val="accent1"/>
+              </a:buClr>
+              <a:buSzPct val="60000"/>
+              <a:buFont typeface="Zapf Dingbats" charset="2"/>
+              <a:buChar char="n"/>
+              <a:defRPr sz="2000">
+                <a:solidFill>
+                  <a:srgbClr val="000000"/>
+                </a:solidFill>
+                <a:latin typeface="+mn-lt"/>
+              </a:defRPr>
+            </a:lvl6pPr>
+            <a:lvl7pPr marL="2895600" indent="-228600" algn="l" rtl="0" fontAlgn="base">
+              <a:spcBef>
+                <a:spcPct val="20000"/>
+              </a:spcBef>
+              <a:spcAft>
+                <a:spcPct val="0"/>
+              </a:spcAft>
+              <a:buClr>
+                <a:schemeClr val="accent1"/>
+              </a:buClr>
+              <a:buSzPct val="60000"/>
+              <a:buFont typeface="Zapf Dingbats" charset="2"/>
+              <a:buChar char="n"/>
+              <a:defRPr sz="2000">
+                <a:solidFill>
+                  <a:srgbClr val="000000"/>
+                </a:solidFill>
+                <a:latin typeface="+mn-lt"/>
+              </a:defRPr>
+            </a:lvl7pPr>
+            <a:lvl8pPr marL="3352800" indent="-228600" algn="l" rtl="0" fontAlgn="base">
+              <a:spcBef>
+                <a:spcPct val="20000"/>
+              </a:spcBef>
+              <a:spcAft>
+                <a:spcPct val="0"/>
+              </a:spcAft>
+              <a:buClr>
+                <a:schemeClr val="accent1"/>
+              </a:buClr>
+              <a:buSzPct val="60000"/>
+              <a:buFont typeface="Zapf Dingbats" charset="2"/>
+              <a:buChar char="n"/>
+              <a:defRPr sz="2000">
+                <a:solidFill>
+                  <a:srgbClr val="000000"/>
+                </a:solidFill>
+                <a:latin typeface="+mn-lt"/>
+              </a:defRPr>
+            </a:lvl8pPr>
+            <a:lvl9pPr marL="3810000" indent="-228600" algn="l" rtl="0" fontAlgn="base">
+              <a:spcBef>
+                <a:spcPct val="20000"/>
+              </a:spcBef>
+              <a:spcAft>
+                <a:spcPct val="0"/>
+              </a:spcAft>
+              <a:buClr>
+                <a:schemeClr val="accent1"/>
+              </a:buClr>
+              <a:buSzPct val="60000"/>
+              <a:buFont typeface="Zapf Dingbats" charset="2"/>
+              <a:buChar char="n"/>
+              <a:defRPr sz="2000">
+                <a:solidFill>
+                  <a:srgbClr val="000000"/>
+                </a:solidFill>
+                <a:latin typeface="+mn-lt"/>
+              </a:defRPr>
+            </a:lvl9pPr>
+          </a:lstStyle>
+          <a:p>
+            <a:pPr marL="0" indent="0">
+              <a:buNone/>
+            </a:pPr>
+            <a:r>
+              <a:rPr lang="nl-NL" sz="1500" kern="0" dirty="0" smtClean="0">
+                <a:latin typeface="Courier New" panose="02070309020205020404" pitchFamily="49" charset="0"/>
+                <a:cs typeface="Courier New" panose="02070309020205020404" pitchFamily="49" charset="0"/>
+              </a:rPr>
+              <a:t>In this </a:t>
+            </a:r>
+            <a:r>
+              <a:rPr lang="nl-NL" sz="1500" kern="0" dirty="0" err="1" smtClean="0">
+                <a:latin typeface="Courier New" panose="02070309020205020404" pitchFamily="49" charset="0"/>
+                <a:cs typeface="Courier New" panose="02070309020205020404" pitchFamily="49" charset="0"/>
+              </a:rPr>
+              <a:t>exercise</a:t>
+            </a:r>
+            <a:r>
+              <a:rPr lang="nl-NL" sz="1500" kern="0" dirty="0" smtClean="0">
+                <a:latin typeface="Courier New" panose="02070309020205020404" pitchFamily="49" charset="0"/>
+                <a:cs typeface="Courier New" panose="02070309020205020404" pitchFamily="49" charset="0"/>
+              </a:rPr>
+              <a:t>, </a:t>
+            </a:r>
+            <a:r>
+              <a:rPr lang="nl-NL" sz="1500" kern="0" dirty="0" err="1" smtClean="0">
+                <a:latin typeface="Courier New" panose="02070309020205020404" pitchFamily="49" charset="0"/>
+                <a:cs typeface="Courier New" panose="02070309020205020404" pitchFamily="49" charset="0"/>
+              </a:rPr>
+              <a:t>you</a:t>
+            </a:r>
+            <a:r>
+              <a:rPr lang="nl-NL" sz="1500" kern="0" dirty="0" smtClean="0">
+                <a:latin typeface="Courier New" panose="02070309020205020404" pitchFamily="49" charset="0"/>
+                <a:cs typeface="Courier New" panose="02070309020205020404" pitchFamily="49" charset="0"/>
+              </a:rPr>
+              <a:t> are </a:t>
+            </a:r>
+            <a:r>
+              <a:rPr lang="nl-NL" sz="1500" kern="0" dirty="0" err="1" smtClean="0">
+                <a:latin typeface="Courier New" panose="02070309020205020404" pitchFamily="49" charset="0"/>
+                <a:cs typeface="Courier New" panose="02070309020205020404" pitchFamily="49" charset="0"/>
+              </a:rPr>
+              <a:t>going</a:t>
+            </a:r>
+            <a:r>
+              <a:rPr lang="nl-NL" sz="1500" kern="0" dirty="0" smtClean="0">
+                <a:latin typeface="Courier New" panose="02070309020205020404" pitchFamily="49" charset="0"/>
+                <a:cs typeface="Courier New" panose="02070309020205020404" pitchFamily="49" charset="0"/>
+              </a:rPr>
+              <a:t> </a:t>
+            </a:r>
+            <a:r>
+              <a:rPr lang="nl-NL" sz="1500" kern="0" dirty="0" err="1" smtClean="0">
+                <a:latin typeface="Courier New" panose="02070309020205020404" pitchFamily="49" charset="0"/>
+                <a:cs typeface="Courier New" panose="02070309020205020404" pitchFamily="49" charset="0"/>
+              </a:rPr>
+              <a:t>to</a:t>
+            </a:r>
+            <a:r>
+              <a:rPr lang="nl-NL" sz="1500" kern="0" dirty="0" smtClean="0">
+                <a:latin typeface="Courier New" panose="02070309020205020404" pitchFamily="49" charset="0"/>
+                <a:cs typeface="Courier New" panose="02070309020205020404" pitchFamily="49" charset="0"/>
+              </a:rPr>
+              <a:t> </a:t>
+            </a:r>
+            <a:r>
+              <a:rPr lang="nl-NL" sz="1500" kern="0" dirty="0" err="1" smtClean="0">
+                <a:latin typeface="Courier New" panose="02070309020205020404" pitchFamily="49" charset="0"/>
+                <a:cs typeface="Courier New" panose="02070309020205020404" pitchFamily="49" charset="0"/>
+              </a:rPr>
+              <a:t>build</a:t>
+            </a:r>
+            <a:r>
+              <a:rPr lang="nl-NL" sz="1500" kern="0" dirty="0" smtClean="0">
+                <a:latin typeface="Courier New" panose="02070309020205020404" pitchFamily="49" charset="0"/>
+                <a:cs typeface="Courier New" panose="02070309020205020404" pitchFamily="49" charset="0"/>
+              </a:rPr>
+              <a:t> the building </a:t>
+            </a:r>
+            <a:r>
+              <a:rPr lang="nl-NL" sz="1500" kern="0" dirty="0" err="1" smtClean="0">
+                <a:latin typeface="Courier New" panose="02070309020205020404" pitchFamily="49" charset="0"/>
+                <a:cs typeface="Courier New" panose="02070309020205020404" pitchFamily="49" charset="0"/>
+              </a:rPr>
+              <a:t>blocks</a:t>
+            </a:r>
+            <a:r>
+              <a:rPr lang="nl-NL" sz="1500" kern="0" dirty="0" smtClean="0">
+                <a:latin typeface="Courier New" panose="02070309020205020404" pitchFamily="49" charset="0"/>
+                <a:cs typeface="Courier New" panose="02070309020205020404" pitchFamily="49" charset="0"/>
+              </a:rPr>
+              <a:t> of a </a:t>
+            </a:r>
+            <a:r>
+              <a:rPr lang="nl-NL" sz="1500" kern="0" dirty="0" err="1" smtClean="0">
+                <a:latin typeface="Courier New" panose="02070309020205020404" pitchFamily="49" charset="0"/>
+                <a:cs typeface="Courier New" panose="02070309020205020404" pitchFamily="49" charset="0"/>
+              </a:rPr>
+              <a:t>recommender</a:t>
+            </a:r>
+            <a:r>
+              <a:rPr lang="nl-NL" sz="1500" kern="0" dirty="0" smtClean="0">
+                <a:latin typeface="Courier New" panose="02070309020205020404" pitchFamily="49" charset="0"/>
+                <a:cs typeface="Courier New" panose="02070309020205020404" pitchFamily="49" charset="0"/>
+              </a:rPr>
+              <a:t> system </a:t>
+            </a:r>
+            <a:r>
+              <a:rPr lang="nl-NL" sz="1500" kern="0" dirty="0" err="1" smtClean="0">
+                <a:latin typeface="Courier New" panose="02070309020205020404" pitchFamily="49" charset="0"/>
+                <a:cs typeface="Courier New" panose="02070309020205020404" pitchFamily="49" charset="0"/>
+              </a:rPr>
+              <a:t>using</a:t>
+            </a:r>
+            <a:r>
+              <a:rPr lang="nl-NL" sz="1500" kern="0" dirty="0" smtClean="0">
+                <a:latin typeface="Courier New" panose="02070309020205020404" pitchFamily="49" charset="0"/>
+                <a:cs typeface="Courier New" panose="02070309020205020404" pitchFamily="49" charset="0"/>
+              </a:rPr>
+              <a:t> </a:t>
+            </a:r>
+            <a:r>
+              <a:rPr lang="nl-NL" sz="1500" kern="0" dirty="0" err="1" smtClean="0">
+                <a:latin typeface="Courier New" panose="02070309020205020404" pitchFamily="49" charset="0"/>
+                <a:cs typeface="Courier New" panose="02070309020205020404" pitchFamily="49" charset="0"/>
+              </a:rPr>
+              <a:t>correlation</a:t>
+            </a:r>
+            <a:r>
+              <a:rPr lang="nl-NL" sz="1500" kern="0" dirty="0" smtClean="0">
+                <a:latin typeface="Courier New" panose="02070309020205020404" pitchFamily="49" charset="0"/>
+                <a:cs typeface="Courier New" panose="02070309020205020404" pitchFamily="49" charset="0"/>
+              </a:rPr>
+              <a:t> </a:t>
+            </a:r>
+            <a:r>
+              <a:rPr lang="nl-NL" sz="1500" kern="0" dirty="0" err="1" smtClean="0">
+                <a:latin typeface="Courier New" panose="02070309020205020404" pitchFamily="49" charset="0"/>
+                <a:cs typeface="Courier New" panose="02070309020205020404" pitchFamily="49" charset="0"/>
+              </a:rPr>
+              <a:t>between</a:t>
+            </a:r>
+            <a:r>
+              <a:rPr lang="nl-NL" sz="1500" kern="0" dirty="0" smtClean="0">
+                <a:latin typeface="Courier New" panose="02070309020205020404" pitchFamily="49" charset="0"/>
+                <a:cs typeface="Courier New" panose="02070309020205020404" pitchFamily="49" charset="0"/>
+              </a:rPr>
+              <a:t> items.</a:t>
+            </a:r>
+          </a:p>
+          <a:p>
+            <a:pPr marL="0" indent="0">
+              <a:buNone/>
+            </a:pPr>
+            <a:endParaRPr lang="nl-NL" sz="1500" kern="0" dirty="0" smtClean="0">
+              <a:latin typeface="Courier New" panose="02070309020205020404" pitchFamily="49" charset="0"/>
+              <a:cs typeface="Courier New" panose="02070309020205020404" pitchFamily="49" charset="0"/>
+            </a:endParaRPr>
+          </a:p>
+          <a:p>
+            <a:pPr>
+              <a:buFont typeface="+mj-lt"/>
+              <a:buAutoNum type="arabicPeriod"/>
+            </a:pPr>
+            <a:r>
+              <a:rPr lang="nl-NL" sz="1500" kern="0" dirty="0" smtClean="0">
+                <a:latin typeface="Courier New" panose="02070309020205020404" pitchFamily="49" charset="0"/>
+                <a:cs typeface="Courier New" panose="02070309020205020404" pitchFamily="49" charset="0"/>
+              </a:rPr>
+              <a:t>Make a item-user pivot </a:t>
+            </a:r>
+            <a:r>
+              <a:rPr lang="nl-NL" sz="1500" kern="0" dirty="0" err="1" smtClean="0">
+                <a:latin typeface="Courier New" panose="02070309020205020404" pitchFamily="49" charset="0"/>
+                <a:cs typeface="Courier New" panose="02070309020205020404" pitchFamily="49" charset="0"/>
+              </a:rPr>
+              <a:t>table</a:t>
+            </a:r>
+            <a:r>
+              <a:rPr lang="nl-NL" sz="1500" kern="0" dirty="0">
+                <a:latin typeface="Courier New" panose="02070309020205020404" pitchFamily="49" charset="0"/>
+                <a:cs typeface="Courier New" panose="02070309020205020404" pitchFamily="49" charset="0"/>
+              </a:rPr>
+              <a:t> </a:t>
+            </a:r>
+            <a:r>
+              <a:rPr lang="nl-NL" sz="1500" kern="0" dirty="0" smtClean="0">
+                <a:latin typeface="Courier New" panose="02070309020205020404" pitchFamily="49" charset="0"/>
+                <a:cs typeface="Courier New" panose="02070309020205020404" pitchFamily="49" charset="0"/>
+              </a:rPr>
+              <a:t>of the Movielens data, </a:t>
+            </a:r>
+            <a:r>
+              <a:rPr lang="nl-NL" sz="1500" kern="0" dirty="0" err="1" smtClean="0">
+                <a:latin typeface="Courier New" panose="02070309020205020404" pitchFamily="49" charset="0"/>
+                <a:cs typeface="Courier New" panose="02070309020205020404" pitchFamily="49" charset="0"/>
+              </a:rPr>
+              <a:t>with</a:t>
+            </a:r>
+            <a:r>
+              <a:rPr lang="nl-NL" sz="1500" kern="0" dirty="0" smtClean="0">
+                <a:latin typeface="Courier New" panose="02070309020205020404" pitchFamily="49" charset="0"/>
+                <a:cs typeface="Courier New" panose="02070309020205020404" pitchFamily="49" charset="0"/>
+              </a:rPr>
+              <a:t> items in the </a:t>
+            </a:r>
+            <a:r>
+              <a:rPr lang="nl-NL" sz="1500" b="1" kern="0" dirty="0" err="1" smtClean="0">
+                <a:latin typeface="Courier New" panose="02070309020205020404" pitchFamily="49" charset="0"/>
+                <a:cs typeface="Courier New" panose="02070309020205020404" pitchFamily="49" charset="0"/>
+              </a:rPr>
+              <a:t>rows</a:t>
+            </a:r>
+            <a:r>
+              <a:rPr lang="nl-NL" sz="1500" b="1" kern="0" dirty="0" smtClean="0">
+                <a:latin typeface="Courier New" panose="02070309020205020404" pitchFamily="49" charset="0"/>
+                <a:cs typeface="Courier New" panose="02070309020205020404" pitchFamily="49" charset="0"/>
+              </a:rPr>
+              <a:t> </a:t>
+            </a:r>
+            <a:r>
+              <a:rPr lang="nl-NL" sz="1500" kern="0" dirty="0" err="1" smtClean="0">
+                <a:latin typeface="Courier New" panose="02070309020205020404" pitchFamily="49" charset="0"/>
+                <a:cs typeface="Courier New" panose="02070309020205020404" pitchFamily="49" charset="0"/>
+              </a:rPr>
+              <a:t>and</a:t>
+            </a:r>
+            <a:r>
+              <a:rPr lang="nl-NL" sz="1500" kern="0" dirty="0" smtClean="0">
+                <a:latin typeface="Courier New" panose="02070309020205020404" pitchFamily="49" charset="0"/>
+                <a:cs typeface="Courier New" panose="02070309020205020404" pitchFamily="49" charset="0"/>
+              </a:rPr>
+              <a:t> users</a:t>
+            </a:r>
+            <a:r>
+              <a:rPr lang="nl-NL" sz="1500" b="1" kern="0" dirty="0" smtClean="0">
+                <a:latin typeface="Courier New" panose="02070309020205020404" pitchFamily="49" charset="0"/>
+                <a:cs typeface="Courier New" panose="02070309020205020404" pitchFamily="49" charset="0"/>
+              </a:rPr>
+              <a:t> </a:t>
+            </a:r>
+            <a:r>
+              <a:rPr lang="nl-NL" sz="1500" kern="0" dirty="0" smtClean="0">
+                <a:latin typeface="Courier New" panose="02070309020205020404" pitchFamily="49" charset="0"/>
+                <a:cs typeface="Courier New" panose="02070309020205020404" pitchFamily="49" charset="0"/>
+              </a:rPr>
+              <a:t>in the </a:t>
+            </a:r>
+            <a:r>
+              <a:rPr lang="nl-NL" sz="1500" b="1" kern="0" dirty="0" smtClean="0">
+                <a:latin typeface="Courier New" panose="02070309020205020404" pitchFamily="49" charset="0"/>
+                <a:cs typeface="Courier New" panose="02070309020205020404" pitchFamily="49" charset="0"/>
+              </a:rPr>
+              <a:t>columns</a:t>
+            </a:r>
+            <a:r>
+              <a:rPr lang="nl-NL" sz="1500" kern="0" dirty="0" smtClean="0">
+                <a:latin typeface="Courier New" panose="02070309020205020404" pitchFamily="49" charset="0"/>
+                <a:cs typeface="Courier New" panose="02070309020205020404" pitchFamily="49" charset="0"/>
+              </a:rPr>
+              <a:t> (i.e., the </a:t>
+            </a:r>
+            <a:r>
+              <a:rPr lang="nl-NL" sz="1500" kern="0" dirty="0" err="1" smtClean="0">
+                <a:latin typeface="Courier New" panose="02070309020205020404" pitchFamily="49" charset="0"/>
+                <a:cs typeface="Courier New" panose="02070309020205020404" pitchFamily="49" charset="0"/>
+              </a:rPr>
+              <a:t>other</a:t>
+            </a:r>
+            <a:r>
+              <a:rPr lang="nl-NL" sz="1500" kern="0" dirty="0" smtClean="0">
+                <a:latin typeface="Courier New" panose="02070309020205020404" pitchFamily="49" charset="0"/>
+                <a:cs typeface="Courier New" panose="02070309020205020404" pitchFamily="49" charset="0"/>
+              </a:rPr>
+              <a:t> way </a:t>
+            </a:r>
+            <a:r>
+              <a:rPr lang="nl-NL" sz="1500" kern="0" dirty="0" err="1" smtClean="0">
+                <a:latin typeface="Courier New" panose="02070309020205020404" pitchFamily="49" charset="0"/>
+                <a:cs typeface="Courier New" panose="02070309020205020404" pitchFamily="49" charset="0"/>
+              </a:rPr>
+              <a:t>around</a:t>
+            </a:r>
+            <a:r>
+              <a:rPr lang="nl-NL" sz="1500" kern="0" dirty="0" smtClean="0">
+                <a:latin typeface="Courier New" panose="02070309020205020404" pitchFamily="49" charset="0"/>
+                <a:cs typeface="Courier New" panose="02070309020205020404" pitchFamily="49" charset="0"/>
+              </a:rPr>
+              <a:t>).</a:t>
+            </a:r>
+          </a:p>
+          <a:p>
+            <a:pPr>
+              <a:buFont typeface="+mj-lt"/>
+              <a:buAutoNum type="arabicPeriod"/>
+            </a:pPr>
+            <a:endParaRPr lang="nl-NL" sz="1500" kern="0" dirty="0" smtClean="0">
+              <a:latin typeface="Courier New" panose="02070309020205020404" pitchFamily="49" charset="0"/>
+              <a:cs typeface="Courier New" panose="02070309020205020404" pitchFamily="49" charset="0"/>
+            </a:endParaRPr>
+          </a:p>
+          <a:p>
+            <a:pPr>
+              <a:buFont typeface="+mj-lt"/>
+              <a:buAutoNum type="arabicPeriod"/>
+            </a:pPr>
+            <a:r>
+              <a:rPr lang="nl-NL" sz="1500" kern="0" dirty="0" err="1" smtClean="0">
+                <a:latin typeface="Courier New" panose="02070309020205020404" pitchFamily="49" charset="0"/>
+                <a:cs typeface="Courier New" panose="02070309020205020404" pitchFamily="49" charset="0"/>
+              </a:rPr>
+              <a:t>Choose</a:t>
+            </a:r>
+            <a:r>
+              <a:rPr lang="nl-NL" sz="1500" kern="0" dirty="0" smtClean="0">
+                <a:latin typeface="Courier New" panose="02070309020205020404" pitchFamily="49" charset="0"/>
+                <a:cs typeface="Courier New" panose="02070309020205020404" pitchFamily="49" charset="0"/>
+              </a:rPr>
+              <a:t> a </a:t>
+            </a:r>
+            <a:r>
+              <a:rPr lang="nl-NL" sz="1500" kern="0" dirty="0" err="1" smtClean="0">
+                <a:latin typeface="Courier New" panose="02070309020205020404" pitchFamily="49" charset="0"/>
+                <a:cs typeface="Courier New" panose="02070309020205020404" pitchFamily="49" charset="0"/>
+              </a:rPr>
+              <a:t>favorite</a:t>
+            </a:r>
+            <a:r>
+              <a:rPr lang="nl-NL" sz="1500" kern="0" dirty="0" smtClean="0">
+                <a:latin typeface="Courier New" panose="02070309020205020404" pitchFamily="49" charset="0"/>
+                <a:cs typeface="Courier New" panose="02070309020205020404" pitchFamily="49" charset="0"/>
+              </a:rPr>
+              <a:t> movie of </a:t>
+            </a:r>
+            <a:r>
+              <a:rPr lang="nl-NL" sz="1500" kern="0" dirty="0" err="1" smtClean="0">
+                <a:latin typeface="Courier New" panose="02070309020205020404" pitchFamily="49" charset="0"/>
+                <a:cs typeface="Courier New" panose="02070309020205020404" pitchFamily="49" charset="0"/>
+              </a:rPr>
+              <a:t>yours</a:t>
+            </a:r>
+            <a:r>
+              <a:rPr lang="nl-NL" sz="1500" kern="0" dirty="0" smtClean="0">
+                <a:latin typeface="Courier New" panose="02070309020205020404" pitchFamily="49" charset="0"/>
+                <a:cs typeface="Courier New" panose="02070309020205020404" pitchFamily="49" charset="0"/>
+              </a:rPr>
+              <a:t>. Write a </a:t>
+            </a:r>
+            <a:r>
+              <a:rPr lang="nl-NL" sz="1500" kern="0" dirty="0" err="1" smtClean="0">
+                <a:latin typeface="Courier New" panose="02070309020205020404" pitchFamily="49" charset="0"/>
+                <a:cs typeface="Courier New" panose="02070309020205020404" pitchFamily="49" charset="0"/>
+              </a:rPr>
+              <a:t>for</a:t>
+            </a:r>
+            <a:r>
+              <a:rPr lang="nl-NL" sz="1500" kern="0" dirty="0" smtClean="0">
+                <a:latin typeface="Courier New" panose="02070309020205020404" pitchFamily="49" charset="0"/>
+                <a:cs typeface="Courier New" panose="02070309020205020404" pitchFamily="49" charset="0"/>
+              </a:rPr>
+              <a:t>-loop </a:t>
+            </a:r>
+            <a:r>
+              <a:rPr lang="nl-NL" sz="1500" kern="0" dirty="0" err="1" smtClean="0">
+                <a:latin typeface="Courier New" panose="02070309020205020404" pitchFamily="49" charset="0"/>
+                <a:cs typeface="Courier New" panose="02070309020205020404" pitchFamily="49" charset="0"/>
+              </a:rPr>
+              <a:t>that</a:t>
+            </a:r>
+            <a:r>
+              <a:rPr lang="nl-NL" sz="1500" kern="0" dirty="0" smtClean="0">
+                <a:latin typeface="Courier New" panose="02070309020205020404" pitchFamily="49" charset="0"/>
+                <a:cs typeface="Courier New" panose="02070309020205020404" pitchFamily="49" charset="0"/>
+              </a:rPr>
+              <a:t> </a:t>
+            </a:r>
+            <a:r>
+              <a:rPr lang="nl-NL" sz="1500" kern="0" dirty="0" err="1" smtClean="0">
+                <a:latin typeface="Courier New" panose="02070309020205020404" pitchFamily="49" charset="0"/>
+                <a:cs typeface="Courier New" panose="02070309020205020404" pitchFamily="49" charset="0"/>
+              </a:rPr>
+              <a:t>creates</a:t>
+            </a:r>
+            <a:r>
+              <a:rPr lang="nl-NL" sz="1500" kern="0" dirty="0" smtClean="0">
+                <a:latin typeface="Courier New" panose="02070309020205020404" pitchFamily="49" charset="0"/>
+                <a:cs typeface="Courier New" panose="02070309020205020404" pitchFamily="49" charset="0"/>
+              </a:rPr>
+              <a:t> a dataframe </a:t>
+            </a:r>
+            <a:r>
+              <a:rPr lang="nl-NL" sz="1500" kern="0" dirty="0" err="1" smtClean="0">
+                <a:latin typeface="Courier New" panose="02070309020205020404" pitchFamily="49" charset="0"/>
+                <a:cs typeface="Courier New" panose="02070309020205020404" pitchFamily="49" charset="0"/>
+              </a:rPr>
+              <a:t>with</a:t>
+            </a:r>
+            <a:r>
+              <a:rPr lang="nl-NL" sz="1500" kern="0" dirty="0" smtClean="0">
+                <a:latin typeface="Courier New" panose="02070309020205020404" pitchFamily="49" charset="0"/>
+                <a:cs typeface="Courier New" panose="02070309020205020404" pitchFamily="49" charset="0"/>
+              </a:rPr>
+              <a:t> </a:t>
+            </a:r>
+            <a:r>
+              <a:rPr lang="nl-NL" sz="1500" kern="0" dirty="0" err="1" smtClean="0">
+                <a:latin typeface="Courier New" panose="02070309020205020404" pitchFamily="49" charset="0"/>
+                <a:cs typeface="Courier New" panose="02070309020205020404" pitchFamily="49" charset="0"/>
+              </a:rPr>
+              <a:t>all</a:t>
+            </a:r>
+            <a:r>
+              <a:rPr lang="nl-NL" sz="1500" kern="0" dirty="0" smtClean="0">
+                <a:latin typeface="Courier New" panose="02070309020205020404" pitchFamily="49" charset="0"/>
+                <a:cs typeface="Courier New" panose="02070309020205020404" pitchFamily="49" charset="0"/>
+              </a:rPr>
+              <a:t> </a:t>
+            </a:r>
+            <a:r>
+              <a:rPr lang="nl-NL" sz="1500" kern="0" dirty="0" err="1" smtClean="0">
+                <a:latin typeface="Courier New" panose="02070309020205020404" pitchFamily="49" charset="0"/>
+                <a:cs typeface="Courier New" panose="02070309020205020404" pitchFamily="49" charset="0"/>
+              </a:rPr>
+              <a:t>correlations</a:t>
+            </a:r>
+            <a:r>
+              <a:rPr lang="nl-NL" sz="1500" kern="0" dirty="0" smtClean="0">
+                <a:latin typeface="Courier New" panose="02070309020205020404" pitchFamily="49" charset="0"/>
+                <a:cs typeface="Courier New" panose="02070309020205020404" pitchFamily="49" charset="0"/>
+              </a:rPr>
+              <a:t> </a:t>
+            </a:r>
+            <a:r>
+              <a:rPr lang="nl-NL" sz="1500" kern="0" dirty="0" err="1" smtClean="0">
+                <a:latin typeface="Courier New" panose="02070309020205020404" pitchFamily="49" charset="0"/>
+                <a:cs typeface="Courier New" panose="02070309020205020404" pitchFamily="49" charset="0"/>
+              </a:rPr>
+              <a:t>with</a:t>
+            </a:r>
+            <a:r>
+              <a:rPr lang="nl-NL" sz="1500" kern="0" dirty="0" smtClean="0">
+                <a:latin typeface="Courier New" panose="02070309020205020404" pitchFamily="49" charset="0"/>
+                <a:cs typeface="Courier New" panose="02070309020205020404" pitchFamily="49" charset="0"/>
+              </a:rPr>
+              <a:t> </a:t>
+            </a:r>
+            <a:r>
+              <a:rPr lang="nl-NL" sz="1500" kern="0" dirty="0" err="1" smtClean="0">
+                <a:latin typeface="Courier New" panose="02070309020205020404" pitchFamily="49" charset="0"/>
+                <a:cs typeface="Courier New" panose="02070309020205020404" pitchFamily="49" charset="0"/>
+              </a:rPr>
+              <a:t>that</a:t>
+            </a:r>
+            <a:r>
+              <a:rPr lang="nl-NL" sz="1500" kern="0" dirty="0" smtClean="0">
+                <a:latin typeface="Courier New" panose="02070309020205020404" pitchFamily="49" charset="0"/>
+                <a:cs typeface="Courier New" panose="02070309020205020404" pitchFamily="49" charset="0"/>
+              </a:rPr>
+              <a:t> movie (</a:t>
+            </a:r>
+            <a:r>
+              <a:rPr lang="nl-NL" sz="1500" kern="0" dirty="0" err="1" smtClean="0">
+                <a:latin typeface="Courier New" panose="02070309020205020404" pitchFamily="49" charset="0"/>
+                <a:cs typeface="Courier New" panose="02070309020205020404" pitchFamily="49" charset="0"/>
+              </a:rPr>
+              <a:t>sorted</a:t>
+            </a:r>
+            <a:r>
+              <a:rPr lang="nl-NL" sz="1500" kern="0" dirty="0" smtClean="0">
+                <a:latin typeface="Courier New" panose="02070309020205020404" pitchFamily="49" charset="0"/>
+                <a:cs typeface="Courier New" panose="02070309020205020404" pitchFamily="49" charset="0"/>
+              </a:rPr>
+              <a:t> high </a:t>
+            </a:r>
+            <a:r>
+              <a:rPr lang="nl-NL" sz="1500" kern="0" dirty="0" err="1" smtClean="0">
+                <a:latin typeface="Courier New" panose="02070309020205020404" pitchFamily="49" charset="0"/>
+                <a:cs typeface="Courier New" panose="02070309020205020404" pitchFamily="49" charset="0"/>
+              </a:rPr>
+              <a:t>to</a:t>
+            </a:r>
+            <a:r>
+              <a:rPr lang="nl-NL" sz="1500" kern="0" dirty="0" smtClean="0">
+                <a:latin typeface="Courier New" panose="02070309020205020404" pitchFamily="49" charset="0"/>
+                <a:cs typeface="Courier New" panose="02070309020205020404" pitchFamily="49" charset="0"/>
+              </a:rPr>
+              <a:t> low). </a:t>
+            </a:r>
+            <a:r>
+              <a:rPr lang="nl-NL" sz="1500" kern="0" dirty="0" err="1" smtClean="0">
+                <a:latin typeface="Courier New" panose="02070309020205020404" pitchFamily="49" charset="0"/>
+                <a:cs typeface="Courier New" panose="02070309020205020404" pitchFamily="49" charset="0"/>
+              </a:rPr>
+              <a:t>Inspect</a:t>
+            </a:r>
+            <a:r>
+              <a:rPr lang="nl-NL" sz="1500" kern="0" dirty="0" smtClean="0">
+                <a:latin typeface="Courier New" panose="02070309020205020404" pitchFamily="49" charset="0"/>
+                <a:cs typeface="Courier New" panose="02070309020205020404" pitchFamily="49" charset="0"/>
+              </a:rPr>
+              <a:t> the top </a:t>
+            </a:r>
+            <a:r>
+              <a:rPr lang="nl-NL" sz="1500" kern="0" dirty="0" err="1" smtClean="0">
+                <a:latin typeface="Courier New" panose="02070309020205020404" pitchFamily="49" charset="0"/>
+                <a:cs typeface="Courier New" panose="02070309020205020404" pitchFamily="49" charset="0"/>
+              </a:rPr>
+              <a:t>movies</a:t>
+            </a:r>
+            <a:r>
+              <a:rPr lang="nl-NL" sz="1500" kern="0" dirty="0" smtClean="0">
+                <a:latin typeface="Courier New" panose="02070309020205020404" pitchFamily="49" charset="0"/>
+                <a:cs typeface="Courier New" panose="02070309020205020404" pitchFamily="49" charset="0"/>
+              </a:rPr>
+              <a:t>. Do </a:t>
+            </a:r>
+            <a:r>
+              <a:rPr lang="nl-NL" sz="1500" kern="0" dirty="0" err="1" smtClean="0">
+                <a:latin typeface="Courier New" panose="02070309020205020404" pitchFamily="49" charset="0"/>
+                <a:cs typeface="Courier New" panose="02070309020205020404" pitchFamily="49" charset="0"/>
+              </a:rPr>
+              <a:t>you</a:t>
+            </a:r>
+            <a:r>
+              <a:rPr lang="nl-NL" sz="1500" kern="0" dirty="0" smtClean="0">
+                <a:latin typeface="Courier New" panose="02070309020205020404" pitchFamily="49" charset="0"/>
+                <a:cs typeface="Courier New" panose="02070309020205020404" pitchFamily="49" charset="0"/>
+              </a:rPr>
+              <a:t> </a:t>
+            </a:r>
+            <a:r>
+              <a:rPr lang="nl-NL" sz="1500" kern="0" dirty="0" err="1" smtClean="0">
+                <a:latin typeface="Courier New" panose="02070309020205020404" pitchFamily="49" charset="0"/>
+                <a:cs typeface="Courier New" panose="02070309020205020404" pitchFamily="49" charset="0"/>
+              </a:rPr>
+              <a:t>agree</a:t>
+            </a:r>
+            <a:r>
+              <a:rPr lang="nl-NL" sz="1500" kern="0" dirty="0" smtClean="0">
+                <a:latin typeface="Courier New" panose="02070309020205020404" pitchFamily="49" charset="0"/>
+                <a:cs typeface="Courier New" panose="02070309020205020404" pitchFamily="49" charset="0"/>
+              </a:rPr>
+              <a:t> </a:t>
+            </a:r>
+            <a:r>
+              <a:rPr lang="nl-NL" sz="1500" kern="0" dirty="0" err="1" smtClean="0">
+                <a:latin typeface="Courier New" panose="02070309020205020404" pitchFamily="49" charset="0"/>
+                <a:cs typeface="Courier New" panose="02070309020205020404" pitchFamily="49" charset="0"/>
+              </a:rPr>
+              <a:t>with</a:t>
+            </a:r>
+            <a:r>
+              <a:rPr lang="nl-NL" sz="1500" kern="0" dirty="0" smtClean="0">
+                <a:latin typeface="Courier New" panose="02070309020205020404" pitchFamily="49" charset="0"/>
+                <a:cs typeface="Courier New" panose="02070309020205020404" pitchFamily="49" charset="0"/>
+              </a:rPr>
+              <a:t> the </a:t>
+            </a:r>
+            <a:r>
+              <a:rPr lang="nl-NL" sz="1500" kern="0" dirty="0" err="1" smtClean="0">
+                <a:latin typeface="Courier New" panose="02070309020205020404" pitchFamily="49" charset="0"/>
+                <a:cs typeface="Courier New" panose="02070309020205020404" pitchFamily="49" charset="0"/>
+              </a:rPr>
+              <a:t>results</a:t>
+            </a:r>
+            <a:r>
+              <a:rPr lang="nl-NL" sz="1500" kern="0" dirty="0" smtClean="0">
+                <a:latin typeface="Courier New" panose="02070309020205020404" pitchFamily="49" charset="0"/>
+                <a:cs typeface="Courier New" panose="02070309020205020404" pitchFamily="49" charset="0"/>
+              </a:rPr>
+              <a:t>?</a:t>
+            </a:r>
+          </a:p>
+          <a:p>
+            <a:pPr>
+              <a:buFont typeface="+mj-lt"/>
+              <a:buAutoNum type="arabicPeriod"/>
+            </a:pPr>
+            <a:endParaRPr lang="nl-NL" sz="1500" kern="0" dirty="0" smtClean="0">
+              <a:latin typeface="Courier New" panose="02070309020205020404" pitchFamily="49" charset="0"/>
+              <a:cs typeface="Courier New" panose="02070309020205020404" pitchFamily="49" charset="0"/>
+            </a:endParaRPr>
+          </a:p>
+          <a:p>
+            <a:pPr>
+              <a:buFont typeface="+mj-lt"/>
+              <a:buAutoNum type="arabicPeriod"/>
+            </a:pPr>
+            <a:r>
+              <a:rPr lang="nl-NL" sz="1500" kern="0" dirty="0" smtClean="0">
+                <a:latin typeface="Courier New" panose="02070309020205020404" pitchFamily="49" charset="0"/>
+                <a:cs typeface="Courier New" panose="02070309020205020404" pitchFamily="49" charset="0"/>
+              </a:rPr>
+              <a:t>Advanced: </a:t>
+            </a:r>
+            <a:r>
+              <a:rPr lang="nl-NL" sz="1500" kern="0" dirty="0" err="1" smtClean="0">
+                <a:latin typeface="Courier New" panose="02070309020205020404" pitchFamily="49" charset="0"/>
+                <a:cs typeface="Courier New" panose="02070309020205020404" pitchFamily="49" charset="0"/>
+              </a:rPr>
+              <a:t>refine</a:t>
+            </a:r>
+            <a:r>
+              <a:rPr lang="nl-NL" sz="1500" kern="0" dirty="0" smtClean="0">
+                <a:latin typeface="Courier New" panose="02070309020205020404" pitchFamily="49" charset="0"/>
+                <a:cs typeface="Courier New" panose="02070309020205020404" pitchFamily="49" charset="0"/>
+              </a:rPr>
+              <a:t> Step 2 </a:t>
+            </a:r>
+            <a:r>
+              <a:rPr lang="nl-NL" sz="1500" kern="0" dirty="0" err="1" smtClean="0">
+                <a:latin typeface="Courier New" panose="02070309020205020404" pitchFamily="49" charset="0"/>
+                <a:cs typeface="Courier New" panose="02070309020205020404" pitchFamily="49" charset="0"/>
+              </a:rPr>
+              <a:t>by</a:t>
+            </a:r>
+            <a:r>
+              <a:rPr lang="nl-NL" sz="1500" kern="0" dirty="0" smtClean="0">
+                <a:latin typeface="Courier New" panose="02070309020205020404" pitchFamily="49" charset="0"/>
+                <a:cs typeface="Courier New" panose="02070309020205020404" pitchFamily="49" charset="0"/>
+              </a:rPr>
+              <a:t> </a:t>
+            </a:r>
+            <a:r>
+              <a:rPr lang="nl-NL" sz="1500" kern="0" dirty="0" err="1" smtClean="0">
+                <a:latin typeface="Courier New" panose="02070309020205020404" pitchFamily="49" charset="0"/>
+                <a:cs typeface="Courier New" panose="02070309020205020404" pitchFamily="49" charset="0"/>
+              </a:rPr>
+              <a:t>only</a:t>
+            </a:r>
+            <a:r>
+              <a:rPr lang="nl-NL" sz="1500" kern="0" dirty="0" smtClean="0">
+                <a:latin typeface="Courier New" panose="02070309020205020404" pitchFamily="49" charset="0"/>
+                <a:cs typeface="Courier New" panose="02070309020205020404" pitchFamily="49" charset="0"/>
+              </a:rPr>
+              <a:t> </a:t>
+            </a:r>
+            <a:r>
+              <a:rPr lang="nl-NL" sz="1500" kern="0" dirty="0" err="1" smtClean="0">
+                <a:latin typeface="Courier New" panose="02070309020205020404" pitchFamily="49" charset="0"/>
+                <a:cs typeface="Courier New" panose="02070309020205020404" pitchFamily="49" charset="0"/>
+              </a:rPr>
+              <a:t>showing</a:t>
+            </a:r>
+            <a:r>
+              <a:rPr lang="nl-NL" sz="1500" kern="0" dirty="0" smtClean="0">
+                <a:latin typeface="Courier New" panose="02070309020205020404" pitchFamily="49" charset="0"/>
+                <a:cs typeface="Courier New" panose="02070309020205020404" pitchFamily="49" charset="0"/>
+              </a:rPr>
+              <a:t> </a:t>
+            </a:r>
+            <a:r>
+              <a:rPr lang="nl-NL" sz="1500" kern="0" dirty="0" err="1" smtClean="0">
+                <a:latin typeface="Courier New" panose="02070309020205020404" pitchFamily="49" charset="0"/>
+                <a:cs typeface="Courier New" panose="02070309020205020404" pitchFamily="49" charset="0"/>
+              </a:rPr>
+              <a:t>results</a:t>
+            </a:r>
+            <a:r>
+              <a:rPr lang="nl-NL" sz="1500" kern="0" dirty="0" smtClean="0">
+                <a:latin typeface="Courier New" panose="02070309020205020404" pitchFamily="49" charset="0"/>
+                <a:cs typeface="Courier New" panose="02070309020205020404" pitchFamily="49" charset="0"/>
+              </a:rPr>
+              <a:t> </a:t>
+            </a:r>
+            <a:r>
+              <a:rPr lang="nl-NL" sz="1500" kern="0" dirty="0" err="1" smtClean="0">
+                <a:latin typeface="Courier New" panose="02070309020205020404" pitchFamily="49" charset="0"/>
+                <a:cs typeface="Courier New" panose="02070309020205020404" pitchFamily="49" charset="0"/>
+              </a:rPr>
+              <a:t>for</a:t>
+            </a:r>
+            <a:r>
+              <a:rPr lang="nl-NL" sz="1500" kern="0" dirty="0" smtClean="0">
+                <a:latin typeface="Courier New" panose="02070309020205020404" pitchFamily="49" charset="0"/>
+                <a:cs typeface="Courier New" panose="02070309020205020404" pitchFamily="49" charset="0"/>
+              </a:rPr>
+              <a:t> </a:t>
+            </a:r>
+            <a:r>
+              <a:rPr lang="nl-NL" sz="1500" kern="0" dirty="0" err="1" smtClean="0">
+                <a:latin typeface="Courier New" panose="02070309020205020404" pitchFamily="49" charset="0"/>
+                <a:cs typeface="Courier New" panose="02070309020205020404" pitchFamily="49" charset="0"/>
+              </a:rPr>
+              <a:t>which</a:t>
+            </a:r>
+            <a:r>
+              <a:rPr lang="nl-NL" sz="1500" kern="0" dirty="0" smtClean="0">
+                <a:latin typeface="Courier New" panose="02070309020205020404" pitchFamily="49" charset="0"/>
+                <a:cs typeface="Courier New" panose="02070309020205020404" pitchFamily="49" charset="0"/>
+              </a:rPr>
+              <a:t> the </a:t>
+            </a:r>
+            <a:r>
+              <a:rPr lang="nl-NL" sz="1500" kern="0" dirty="0" err="1" smtClean="0">
+                <a:latin typeface="Courier New" panose="02070309020205020404" pitchFamily="49" charset="0"/>
+                <a:cs typeface="Courier New" panose="02070309020205020404" pitchFamily="49" charset="0"/>
+              </a:rPr>
+              <a:t>correlation</a:t>
+            </a:r>
+            <a:r>
+              <a:rPr lang="nl-NL" sz="1500" kern="0" dirty="0" smtClean="0">
+                <a:latin typeface="Courier New" panose="02070309020205020404" pitchFamily="49" charset="0"/>
+                <a:cs typeface="Courier New" panose="02070309020205020404" pitchFamily="49" charset="0"/>
+              </a:rPr>
+              <a:t> </a:t>
+            </a:r>
+            <a:r>
+              <a:rPr lang="nl-NL" sz="1500" kern="0" dirty="0" err="1" smtClean="0">
+                <a:latin typeface="Courier New" panose="02070309020205020404" pitchFamily="49" charset="0"/>
+                <a:cs typeface="Courier New" panose="02070309020205020404" pitchFamily="49" charset="0"/>
+              </a:rPr>
+              <a:t>can</a:t>
+            </a:r>
+            <a:r>
+              <a:rPr lang="nl-NL" sz="1500" kern="0" dirty="0" smtClean="0">
+                <a:latin typeface="Courier New" panose="02070309020205020404" pitchFamily="49" charset="0"/>
+                <a:cs typeface="Courier New" panose="02070309020205020404" pitchFamily="49" charset="0"/>
+              </a:rPr>
+              <a:t> </a:t>
+            </a:r>
+            <a:r>
+              <a:rPr lang="nl-NL" sz="1500" kern="0" dirty="0" err="1" smtClean="0">
+                <a:latin typeface="Courier New" panose="02070309020205020404" pitchFamily="49" charset="0"/>
+                <a:cs typeface="Courier New" panose="02070309020205020404" pitchFamily="49" charset="0"/>
+              </a:rPr>
+              <a:t>be</a:t>
+            </a:r>
+            <a:r>
+              <a:rPr lang="nl-NL" sz="1500" kern="0" dirty="0" smtClean="0">
+                <a:latin typeface="Courier New" panose="02070309020205020404" pitchFamily="49" charset="0"/>
+                <a:cs typeface="Courier New" panose="02070309020205020404" pitchFamily="49" charset="0"/>
+              </a:rPr>
+              <a:t> </a:t>
+            </a:r>
+            <a:r>
+              <a:rPr lang="nl-NL" sz="1500" kern="0" dirty="0" err="1" smtClean="0">
+                <a:latin typeface="Courier New" panose="02070309020205020404" pitchFamily="49" charset="0"/>
+                <a:cs typeface="Courier New" panose="02070309020205020404" pitchFamily="49" charset="0"/>
+              </a:rPr>
+              <a:t>trusted</a:t>
+            </a:r>
+            <a:r>
+              <a:rPr lang="nl-NL" sz="1500" kern="0" dirty="0" smtClean="0">
+                <a:latin typeface="Courier New" panose="02070309020205020404" pitchFamily="49" charset="0"/>
+                <a:cs typeface="Courier New" panose="02070309020205020404" pitchFamily="49" charset="0"/>
+              </a:rPr>
+              <a:t> </a:t>
+            </a:r>
+            <a:r>
+              <a:rPr lang="nl-NL" sz="1500" kern="0" dirty="0" err="1" smtClean="0">
+                <a:latin typeface="Courier New" panose="02070309020205020404" pitchFamily="49" charset="0"/>
+                <a:cs typeface="Courier New" panose="02070309020205020404" pitchFamily="49" charset="0"/>
+              </a:rPr>
+              <a:t>to</a:t>
+            </a:r>
+            <a:r>
+              <a:rPr lang="nl-NL" sz="1500" kern="0" dirty="0" smtClean="0">
+                <a:latin typeface="Courier New" panose="02070309020205020404" pitchFamily="49" charset="0"/>
+                <a:cs typeface="Courier New" panose="02070309020205020404" pitchFamily="49" charset="0"/>
+              </a:rPr>
+              <a:t> </a:t>
+            </a:r>
+            <a:r>
+              <a:rPr lang="nl-NL" sz="1500" kern="0" dirty="0" err="1" smtClean="0">
+                <a:latin typeface="Courier New" panose="02070309020205020404" pitchFamily="49" charset="0"/>
+                <a:cs typeface="Courier New" panose="02070309020205020404" pitchFamily="49" charset="0"/>
+              </a:rPr>
+              <a:t>be</a:t>
+            </a:r>
+            <a:r>
+              <a:rPr lang="nl-NL" sz="1500" kern="0" dirty="0" smtClean="0">
+                <a:latin typeface="Courier New" panose="02070309020205020404" pitchFamily="49" charset="0"/>
+                <a:cs typeface="Courier New" panose="02070309020205020404" pitchFamily="49" charset="0"/>
+              </a:rPr>
+              <a:t> </a:t>
+            </a:r>
+            <a:r>
+              <a:rPr lang="nl-NL" sz="1500" kern="0" dirty="0" err="1" smtClean="0">
+                <a:latin typeface="Courier New" panose="02070309020205020404" pitchFamily="49" charset="0"/>
+                <a:cs typeface="Courier New" panose="02070309020205020404" pitchFamily="49" charset="0"/>
+              </a:rPr>
+              <a:t>reliable</a:t>
+            </a:r>
+            <a:r>
+              <a:rPr lang="nl-NL" sz="1500" kern="0" dirty="0" smtClean="0">
+                <a:latin typeface="Courier New" panose="02070309020205020404" pitchFamily="49" charset="0"/>
+                <a:cs typeface="Courier New" panose="02070309020205020404" pitchFamily="49" charset="0"/>
+              </a:rPr>
+              <a:t> (</a:t>
+            </a:r>
+            <a:r>
+              <a:rPr lang="nl-NL" sz="1500" kern="0" dirty="0" err="1" smtClean="0">
+                <a:latin typeface="Courier New" panose="02070309020205020404" pitchFamily="49" charset="0"/>
+                <a:cs typeface="Courier New" panose="02070309020205020404" pitchFamily="49" charset="0"/>
+              </a:rPr>
+              <a:t>when</a:t>
+            </a:r>
+            <a:r>
+              <a:rPr lang="nl-NL" sz="1500" kern="0" dirty="0" smtClean="0">
+                <a:latin typeface="Courier New" panose="02070309020205020404" pitchFamily="49" charset="0"/>
+                <a:cs typeface="Courier New" panose="02070309020205020404" pitchFamily="49" charset="0"/>
+              </a:rPr>
+              <a:t> is this?).</a:t>
+            </a:r>
+          </a:p>
+          <a:p>
+            <a:pPr>
+              <a:buFont typeface="+mj-lt"/>
+              <a:buAutoNum type="arabicPeriod"/>
+            </a:pPr>
+            <a:endParaRPr lang="nl-NL" sz="1500" kern="0" dirty="0">
+              <a:latin typeface="Courier New" panose="02070309020205020404" pitchFamily="49" charset="0"/>
+              <a:cs typeface="Courier New" panose="02070309020205020404" pitchFamily="49" charset="0"/>
+            </a:endParaRPr>
+          </a:p>
+          <a:p>
+            <a:pPr>
+              <a:buFont typeface="+mj-lt"/>
+              <a:buAutoNum type="arabicPeriod"/>
+            </a:pPr>
+            <a:r>
+              <a:rPr lang="nl-NL" sz="1500" kern="0" dirty="0" smtClean="0">
+                <a:latin typeface="Courier New" panose="02070309020205020404" pitchFamily="49" charset="0"/>
+                <a:cs typeface="Courier New" panose="02070309020205020404" pitchFamily="49" charset="0"/>
+              </a:rPr>
+              <a:t>Even more </a:t>
+            </a:r>
+            <a:r>
+              <a:rPr lang="nl-NL" sz="1500" kern="0" dirty="0" err="1" smtClean="0">
+                <a:latin typeface="Courier New" panose="02070309020205020404" pitchFamily="49" charset="0"/>
+                <a:cs typeface="Courier New" panose="02070309020205020404" pitchFamily="49" charset="0"/>
+              </a:rPr>
+              <a:t>advanced</a:t>
+            </a:r>
+            <a:r>
+              <a:rPr lang="nl-NL" sz="1500" kern="0" dirty="0" smtClean="0">
+                <a:latin typeface="Courier New" panose="02070309020205020404" pitchFamily="49" charset="0"/>
+                <a:cs typeface="Courier New" panose="02070309020205020404" pitchFamily="49" charset="0"/>
+              </a:rPr>
+              <a:t>: </a:t>
+            </a:r>
+            <a:r>
+              <a:rPr lang="nl-NL" sz="1500" kern="0" dirty="0" err="1" smtClean="0">
+                <a:latin typeface="Courier New" panose="02070309020205020404" pitchFamily="49" charset="0"/>
+                <a:cs typeface="Courier New" panose="02070309020205020404" pitchFamily="49" charset="0"/>
+              </a:rPr>
+              <a:t>create</a:t>
+            </a:r>
+            <a:r>
+              <a:rPr lang="nl-NL" sz="1500" kern="0" dirty="0" smtClean="0">
+                <a:latin typeface="Courier New" panose="02070309020205020404" pitchFamily="49" charset="0"/>
+                <a:cs typeface="Courier New" panose="02070309020205020404" pitchFamily="49" charset="0"/>
+              </a:rPr>
+              <a:t> a look-up </a:t>
+            </a:r>
+            <a:r>
+              <a:rPr lang="nl-NL" sz="1500" kern="0" dirty="0" err="1" smtClean="0">
+                <a:latin typeface="Courier New" panose="02070309020205020404" pitchFamily="49" charset="0"/>
+                <a:cs typeface="Courier New" panose="02070309020205020404" pitchFamily="49" charset="0"/>
+              </a:rPr>
+              <a:t>table</a:t>
+            </a:r>
+            <a:r>
+              <a:rPr lang="nl-NL" sz="1500" kern="0" dirty="0" smtClean="0">
+                <a:latin typeface="Courier New" panose="02070309020205020404" pitchFamily="49" charset="0"/>
+                <a:cs typeface="Courier New" panose="02070309020205020404" pitchFamily="49" charset="0"/>
+              </a:rPr>
+              <a:t> / dataframe </a:t>
+            </a:r>
+            <a:r>
+              <a:rPr lang="nl-NL" sz="1500" kern="0" dirty="0" err="1" smtClean="0">
+                <a:latin typeface="Courier New" panose="02070309020205020404" pitchFamily="49" charset="0"/>
+                <a:cs typeface="Courier New" panose="02070309020205020404" pitchFamily="49" charset="0"/>
+              </a:rPr>
+              <a:t>with</a:t>
+            </a:r>
+            <a:r>
+              <a:rPr lang="nl-NL" sz="1500" kern="0" dirty="0" smtClean="0">
+                <a:latin typeface="Courier New" panose="02070309020205020404" pitchFamily="49" charset="0"/>
+                <a:cs typeface="Courier New" panose="02070309020205020404" pitchFamily="49" charset="0"/>
+              </a:rPr>
+              <a:t> </a:t>
+            </a:r>
+            <a:r>
+              <a:rPr lang="nl-NL" sz="1500" i="1" kern="0" dirty="0" err="1" smtClean="0">
+                <a:latin typeface="Courier New" panose="02070309020205020404" pitchFamily="49" charset="0"/>
+                <a:cs typeface="Courier New" panose="02070309020205020404" pitchFamily="49" charset="0"/>
+              </a:rPr>
+              <a:t>all</a:t>
+            </a:r>
+            <a:r>
+              <a:rPr lang="nl-NL" sz="1500" i="1" kern="0" dirty="0" smtClean="0">
+                <a:latin typeface="Courier New" panose="02070309020205020404" pitchFamily="49" charset="0"/>
+                <a:cs typeface="Courier New" panose="02070309020205020404" pitchFamily="49" charset="0"/>
+              </a:rPr>
+              <a:t> </a:t>
+            </a:r>
+            <a:r>
+              <a:rPr lang="nl-NL" sz="1500" kern="0" dirty="0" smtClean="0">
+                <a:latin typeface="Courier New" panose="02070309020205020404" pitchFamily="49" charset="0"/>
+                <a:cs typeface="Courier New" panose="02070309020205020404" pitchFamily="49" charset="0"/>
+              </a:rPr>
+              <a:t>the </a:t>
+            </a:r>
+            <a:r>
+              <a:rPr lang="nl-NL" sz="1500" kern="0" dirty="0" err="1" smtClean="0">
+                <a:latin typeface="Courier New" panose="02070309020205020404" pitchFamily="49" charset="0"/>
+                <a:cs typeface="Courier New" panose="02070309020205020404" pitchFamily="49" charset="0"/>
+              </a:rPr>
+              <a:t>reliable</a:t>
+            </a:r>
+            <a:r>
+              <a:rPr lang="nl-NL" sz="1500" kern="0" dirty="0" smtClean="0">
+                <a:latin typeface="Courier New" panose="02070309020205020404" pitchFamily="49" charset="0"/>
+                <a:cs typeface="Courier New" panose="02070309020205020404" pitchFamily="49" charset="0"/>
+              </a:rPr>
+              <a:t> </a:t>
+            </a:r>
+            <a:r>
+              <a:rPr lang="nl-NL" sz="1500" kern="0" dirty="0" err="1" smtClean="0">
+                <a:latin typeface="Courier New" panose="02070309020205020404" pitchFamily="49" charset="0"/>
+                <a:cs typeface="Courier New" panose="02070309020205020404" pitchFamily="49" charset="0"/>
+              </a:rPr>
+              <a:t>correlations</a:t>
+            </a:r>
+            <a:r>
+              <a:rPr lang="nl-NL" sz="1500" kern="0" dirty="0" smtClean="0">
+                <a:latin typeface="Courier New" panose="02070309020205020404" pitchFamily="49" charset="0"/>
+                <a:cs typeface="Courier New" panose="02070309020205020404" pitchFamily="49" charset="0"/>
+              </a:rPr>
+              <a:t> </a:t>
+            </a:r>
+            <a:r>
+              <a:rPr lang="nl-NL" sz="1500" kern="0" dirty="0" err="1" smtClean="0">
+                <a:latin typeface="Courier New" panose="02070309020205020404" pitchFamily="49" charset="0"/>
+                <a:cs typeface="Courier New" panose="02070309020205020404" pitchFamily="49" charset="0"/>
+              </a:rPr>
+              <a:t>between</a:t>
+            </a:r>
+            <a:r>
+              <a:rPr lang="nl-NL" sz="1500" kern="0" dirty="0" smtClean="0">
+                <a:latin typeface="Courier New" panose="02070309020205020404" pitchFamily="49" charset="0"/>
+                <a:cs typeface="Courier New" panose="02070309020205020404" pitchFamily="49" charset="0"/>
+              </a:rPr>
+              <a:t> </a:t>
+            </a:r>
+            <a:r>
+              <a:rPr lang="nl-NL" sz="1500" kern="0" dirty="0" err="1" smtClean="0">
+                <a:latin typeface="Courier New" panose="02070309020205020404" pitchFamily="49" charset="0"/>
+                <a:cs typeface="Courier New" panose="02070309020205020404" pitchFamily="49" charset="0"/>
+              </a:rPr>
+              <a:t>movies</a:t>
+            </a:r>
+            <a:r>
+              <a:rPr lang="nl-NL" sz="1500" kern="0" dirty="0" smtClean="0">
+                <a:latin typeface="Courier New" panose="02070309020205020404" pitchFamily="49" charset="0"/>
+                <a:cs typeface="Courier New" panose="02070309020205020404" pitchFamily="49" charset="0"/>
+              </a:rPr>
+              <a:t>. A movie service </a:t>
+            </a:r>
+            <a:r>
+              <a:rPr lang="nl-NL" sz="1500" kern="0" dirty="0" err="1" smtClean="0">
+                <a:latin typeface="Courier New" panose="02070309020205020404" pitchFamily="49" charset="0"/>
+                <a:cs typeface="Courier New" panose="02070309020205020404" pitchFamily="49" charset="0"/>
+              </a:rPr>
+              <a:t>such</a:t>
+            </a:r>
+            <a:r>
+              <a:rPr lang="nl-NL" sz="1500" kern="0" dirty="0" smtClean="0">
+                <a:latin typeface="Courier New" panose="02070309020205020404" pitchFamily="49" charset="0"/>
+                <a:cs typeface="Courier New" panose="02070309020205020404" pitchFamily="49" charset="0"/>
+              </a:rPr>
+              <a:t> as </a:t>
+            </a:r>
+            <a:r>
+              <a:rPr lang="nl-NL" sz="1500" kern="0" dirty="0" err="1" smtClean="0">
+                <a:latin typeface="Courier New" panose="02070309020205020404" pitchFamily="49" charset="0"/>
+                <a:cs typeface="Courier New" panose="02070309020205020404" pitchFamily="49" charset="0"/>
+              </a:rPr>
+              <a:t>Netflix</a:t>
+            </a:r>
+            <a:r>
+              <a:rPr lang="nl-NL" sz="1500" kern="0" dirty="0" smtClean="0">
+                <a:latin typeface="Courier New" panose="02070309020205020404" pitchFamily="49" charset="0"/>
+                <a:cs typeface="Courier New" panose="02070309020205020404" pitchFamily="49" charset="0"/>
+              </a:rPr>
+              <a:t> </a:t>
+            </a:r>
+            <a:r>
+              <a:rPr lang="nl-NL" sz="1500" kern="0" dirty="0" err="1" smtClean="0">
+                <a:latin typeface="Courier New" panose="02070309020205020404" pitchFamily="49" charset="0"/>
+                <a:cs typeface="Courier New" panose="02070309020205020404" pitchFamily="49" charset="0"/>
+              </a:rPr>
+              <a:t>could</a:t>
+            </a:r>
+            <a:r>
+              <a:rPr lang="nl-NL" sz="1500" kern="0" dirty="0" smtClean="0">
+                <a:latin typeface="Courier New" panose="02070309020205020404" pitchFamily="49" charset="0"/>
+                <a:cs typeface="Courier New" panose="02070309020205020404" pitchFamily="49" charset="0"/>
+              </a:rPr>
+              <a:t> </a:t>
+            </a:r>
+            <a:r>
+              <a:rPr lang="nl-NL" sz="1500" kern="0" dirty="0" err="1" smtClean="0">
+                <a:latin typeface="Courier New" panose="02070309020205020404" pitchFamily="49" charset="0"/>
+                <a:cs typeface="Courier New" panose="02070309020205020404" pitchFamily="49" charset="0"/>
+              </a:rPr>
+              <a:t>use</a:t>
+            </a:r>
+            <a:r>
+              <a:rPr lang="nl-NL" sz="1500" kern="0" dirty="0" smtClean="0">
+                <a:latin typeface="Courier New" panose="02070309020205020404" pitchFamily="49" charset="0"/>
+                <a:cs typeface="Courier New" panose="02070309020205020404" pitchFamily="49" charset="0"/>
+              </a:rPr>
+              <a:t> this </a:t>
+            </a:r>
+            <a:r>
+              <a:rPr lang="nl-NL" sz="1500" kern="0" dirty="0" err="1" smtClean="0">
+                <a:latin typeface="Courier New" panose="02070309020205020404" pitchFamily="49" charset="0"/>
+                <a:cs typeface="Courier New" panose="02070309020205020404" pitchFamily="49" charset="0"/>
+              </a:rPr>
+              <a:t>to</a:t>
+            </a:r>
+            <a:r>
+              <a:rPr lang="nl-NL" sz="1500" kern="0" dirty="0" smtClean="0">
+                <a:latin typeface="Courier New" panose="02070309020205020404" pitchFamily="49" charset="0"/>
+                <a:cs typeface="Courier New" panose="02070309020205020404" pitchFamily="49" charset="0"/>
+              </a:rPr>
+              <a:t> show users </a:t>
+            </a:r>
+            <a:r>
+              <a:rPr lang="nl-NL" sz="1500" kern="0" dirty="0" err="1" smtClean="0">
+                <a:latin typeface="Courier New" panose="02070309020205020404" pitchFamily="49" charset="0"/>
+                <a:cs typeface="Courier New" panose="02070309020205020404" pitchFamily="49" charset="0"/>
+              </a:rPr>
+              <a:t>suggestions</a:t>
+            </a:r>
+            <a:r>
+              <a:rPr lang="nl-NL" sz="1500" kern="0" dirty="0" smtClean="0">
+                <a:latin typeface="Courier New" panose="02070309020205020404" pitchFamily="49" charset="0"/>
+                <a:cs typeface="Courier New" panose="02070309020205020404" pitchFamily="49" charset="0"/>
+              </a:rPr>
+              <a:t>.</a:t>
+            </a:r>
+          </a:p>
+          <a:p>
+            <a:pPr>
+              <a:buFont typeface="+mj-lt"/>
+              <a:buAutoNum type="arabicPeriod"/>
+            </a:pPr>
+            <a:endParaRPr lang="nl-NL" sz="1400" kern="0" dirty="0" smtClean="0">
+              <a:latin typeface="Courier New" panose="02070309020205020404" pitchFamily="49" charset="0"/>
+              <a:cs typeface="Courier New" panose="02070309020205020404" pitchFamily="49" charset="0"/>
+            </a:endParaRPr>
+          </a:p>
+          <a:p>
+            <a:pPr>
+              <a:buFont typeface="+mj-lt"/>
+              <a:buAutoNum type="arabicPeriod"/>
+            </a:pPr>
+            <a:endParaRPr lang="nl-NL" sz="1400" b="1" kern="0" dirty="0" smtClean="0">
+              <a:latin typeface="Courier New" panose="02070309020205020404" pitchFamily="49" charset="0"/>
+              <a:cs typeface="Courier New" panose="02070309020205020404" pitchFamily="49" charset="0"/>
+            </a:endParaRPr>
+          </a:p>
+          <a:p>
+            <a:pPr>
+              <a:buFont typeface="+mj-lt"/>
+              <a:buAutoNum type="arabicPeriod"/>
+            </a:pPr>
+            <a:endParaRPr lang="nl-NL" sz="1400" kern="0" dirty="0" smtClean="0">
+              <a:latin typeface="Courier New" panose="02070309020205020404" pitchFamily="49" charset="0"/>
+              <a:cs typeface="Courier New" panose="02070309020205020404" pitchFamily="49" charset="0"/>
+            </a:endParaRPr>
+          </a:p>
+          <a:p>
+            <a:pPr marL="0" indent="0">
+              <a:buFont typeface="Zapf Dingbats" charset="2"/>
+              <a:buNone/>
+            </a:pPr>
+            <a:endParaRPr lang="nl-NL" sz="1400" kern="0" dirty="0">
+              <a:latin typeface="Courier New" panose="02070309020205020404" pitchFamily="49" charset="0"/>
+              <a:cs typeface="Courier New" panose="02070309020205020404" pitchFamily="49" charset="0"/>
+            </a:endParaRPr>
+          </a:p>
+          <a:p>
+            <a:pPr marL="0" indent="0">
+              <a:buFont typeface="Zapf Dingbats" charset="2"/>
+              <a:buNone/>
+            </a:pPr>
+            <a:endParaRPr lang="nl-NL" sz="1400" kern="0" dirty="0" smtClean="0">
+              <a:latin typeface="Courier New" panose="02070309020205020404" pitchFamily="49" charset="0"/>
+              <a:cs typeface="Courier New" panose="02070309020205020404" pitchFamily="49" charset="0"/>
+            </a:endParaRPr>
+          </a:p>
+          <a:p>
+            <a:pPr marL="0" indent="0">
+              <a:buFont typeface="Zapf Dingbats" charset="2"/>
+              <a:buNone/>
+            </a:pPr>
+            <a:endParaRPr lang="nl-NL" sz="1400" kern="0" dirty="0">
+              <a:latin typeface="Courier New" panose="02070309020205020404" pitchFamily="49" charset="0"/>
+              <a:cs typeface="Courier New" panose="02070309020205020404" pitchFamily="49" charset="0"/>
+            </a:endParaRPr>
+          </a:p>
+          <a:p>
+            <a:pPr marL="0" indent="0">
+              <a:buFont typeface="Zapf Dingbats" charset="2"/>
+              <a:buNone/>
+            </a:pPr>
+            <a:endParaRPr lang="nl-NL" sz="1400" kern="0" dirty="0" smtClean="0">
+              <a:latin typeface="Courier New" panose="02070309020205020404" pitchFamily="49" charset="0"/>
+              <a:cs typeface="Courier New" panose="02070309020205020404" pitchFamily="49" charset="0"/>
+            </a:endParaRPr>
+          </a:p>
+        </p:txBody>
+      </p:sp>
+    </p:spTree>
+    <p:extLst>
+      <p:ext uri="{BB962C8B-B14F-4D97-AF65-F5344CB8AC3E}">
+        <p14:creationId xmlns:p14="http://schemas.microsoft.com/office/powerpoint/2010/main" val="2614876902"/>
       </p:ext>
     </p:extLst>
   </p:cSld>
@@ -5873,11 +10206,56 @@
             <p:ph idx="1"/>
           </p:nvPr>
         </p:nvSpPr>
-        <p:spPr/>
+        <p:spPr>
+          <a:xfrm>
+            <a:off x="762000" y="1762125"/>
+            <a:ext cx="7881938" cy="2751522"/>
+          </a:xfrm>
+        </p:spPr>
         <p:txBody>
           <a:bodyPr/>
           <a:lstStyle/>
           <a:p>
+            <a:r>
+              <a:rPr lang="nl-NL" sz="2400" dirty="0" smtClean="0"/>
+              <a:t>Clustering users</a:t>
+            </a:r>
+            <a:endParaRPr lang="nl-NL" sz="2400" dirty="0" smtClean="0"/>
+          </a:p>
+          <a:p>
+            <a:endParaRPr lang="nl-NL" sz="2400" dirty="0"/>
+          </a:p>
+          <a:p>
+            <a:r>
+              <a:rPr lang="nl-NL" sz="2400" dirty="0" err="1" smtClean="0"/>
+              <a:t>Recommender</a:t>
+            </a:r>
+            <a:r>
+              <a:rPr lang="nl-NL" sz="2400" dirty="0" smtClean="0"/>
+              <a:t> </a:t>
+            </a:r>
+            <a:r>
+              <a:rPr lang="nl-NL" sz="2400" dirty="0" smtClean="0"/>
+              <a:t>systems</a:t>
+            </a:r>
+          </a:p>
+          <a:p>
+            <a:endParaRPr lang="nl-NL" sz="2400" dirty="0" smtClean="0"/>
+          </a:p>
+          <a:p>
+            <a:r>
+              <a:rPr lang="nl-NL" sz="2400" dirty="0" err="1" smtClean="0"/>
+              <a:t>Collaborative</a:t>
+            </a:r>
+            <a:r>
+              <a:rPr lang="nl-NL" sz="2400" dirty="0" smtClean="0"/>
+              <a:t> filtering</a:t>
+            </a:r>
+          </a:p>
+          <a:p>
+            <a:pPr marL="0" indent="0">
+              <a:buNone/>
+            </a:pPr>
             <a:endParaRPr lang="nl-NL" dirty="0"/>
           </a:p>
         </p:txBody>
@@ -5885,7 +10263,2651 @@
     </p:spTree>
     <p:extLst>
       <p:ext uri="{BB962C8B-B14F-4D97-AF65-F5344CB8AC3E}">
-        <p14:creationId xmlns:p14="http://schemas.microsoft.com/office/powerpoint/2010/main" val="3991965016"/>
+        <p14:creationId xmlns:p14="http://schemas.microsoft.com/office/powerpoint/2010/main" val="4129354310"/>
+      </p:ext>
+    </p:extLst>
+  </p:cSld>
+  <p:clrMapOvr>
+    <a:masterClrMapping/>
+  </p:clrMapOvr>
+</p:sld>
+</file>
+
+<file path=ppt/slides/slide6.xml><?xml version="1.0" encoding="utf-8"?>
+<p:sld xmlns:a="http://schemas.openxmlformats.org/drawingml/2006/main" xmlns:r="http://schemas.openxmlformats.org/officeDocument/2006/relationships" xmlns:p="http://schemas.openxmlformats.org/presentationml/2006/main">
+  <p:cSld>
+    <p:spTree>
+      <p:nvGrpSpPr>
+        <p:cNvPr id="1" name=""/>
+        <p:cNvGrpSpPr/>
+        <p:nvPr/>
+      </p:nvGrpSpPr>
+      <p:grpSpPr>
+        <a:xfrm>
+          <a:off x="0" y="0"/>
+          <a:ext cx="0" cy="0"/>
+          <a:chOff x="0" y="0"/>
+          <a:chExt cx="0" cy="0"/>
+        </a:xfrm>
+      </p:grpSpPr>
+      <p:sp>
+        <p:nvSpPr>
+          <p:cNvPr id="2" name="Titel 1"/>
+          <p:cNvSpPr>
+            <a:spLocks noGrp="1"/>
+          </p:cNvSpPr>
+          <p:nvPr>
+            <p:ph type="title"/>
+          </p:nvPr>
+        </p:nvSpPr>
+        <p:spPr/>
+        <p:txBody>
+          <a:bodyPr/>
+          <a:lstStyle/>
+          <a:p>
+            <a:r>
+              <a:rPr lang="nl-NL" dirty="0" smtClean="0"/>
+              <a:t>User ratings</a:t>
+            </a:r>
+            <a:endParaRPr lang="nl-NL" dirty="0"/>
+          </a:p>
+        </p:txBody>
+      </p:sp>
+      <p:sp>
+        <p:nvSpPr>
+          <p:cNvPr id="3" name="Tijdelijke aanduiding voor inhoud 2"/>
+          <p:cNvSpPr>
+            <a:spLocks noGrp="1"/>
+          </p:cNvSpPr>
+          <p:nvPr>
+            <p:ph idx="1"/>
+          </p:nvPr>
+        </p:nvSpPr>
+        <p:spPr>
+          <a:xfrm>
+            <a:off x="683568" y="4653136"/>
+            <a:ext cx="7881938" cy="1754326"/>
+          </a:xfrm>
+        </p:spPr>
+        <p:txBody>
+          <a:bodyPr/>
+          <a:lstStyle/>
+          <a:p>
+            <a:pPr>
+              <a:buFont typeface="Wingdings" panose="05000000000000000000" pitchFamily="2" charset="2"/>
+              <a:buChar char="§"/>
+            </a:pPr>
+            <a:r>
+              <a:rPr lang="nl-NL" sz="2000" dirty="0" smtClean="0"/>
+              <a:t>Ratings are </a:t>
+            </a:r>
+            <a:r>
+              <a:rPr lang="nl-NL" sz="2000" dirty="0" err="1" smtClean="0"/>
+              <a:t>typically</a:t>
+            </a:r>
+            <a:r>
+              <a:rPr lang="nl-NL" sz="2000" dirty="0" smtClean="0"/>
+              <a:t> </a:t>
+            </a:r>
+            <a:r>
+              <a:rPr lang="nl-NL" sz="2000" dirty="0" err="1" smtClean="0"/>
+              <a:t>left-skewed</a:t>
+            </a:r>
+            <a:r>
+              <a:rPr lang="nl-NL" sz="2000" dirty="0" smtClean="0"/>
+              <a:t> </a:t>
+            </a:r>
+            <a:r>
+              <a:rPr lang="nl-NL" sz="2000" dirty="0" err="1" smtClean="0"/>
+              <a:t>and</a:t>
+            </a:r>
+            <a:r>
+              <a:rPr lang="nl-NL" sz="2000" dirty="0" smtClean="0"/>
+              <a:t> the mean is </a:t>
+            </a:r>
+            <a:r>
+              <a:rPr lang="nl-NL" sz="2000" dirty="0" err="1" smtClean="0"/>
+              <a:t>above</a:t>
+            </a:r>
+            <a:r>
+              <a:rPr lang="nl-NL" sz="2000" dirty="0" smtClean="0"/>
+              <a:t> the center of the </a:t>
+            </a:r>
+            <a:r>
+              <a:rPr lang="nl-NL" sz="2000" dirty="0" err="1" smtClean="0"/>
+              <a:t>scale</a:t>
+            </a:r>
+            <a:endParaRPr lang="nl-NL" sz="2000" dirty="0" smtClean="0"/>
+          </a:p>
+          <a:p>
+            <a:pPr>
+              <a:buFont typeface="Wingdings" panose="05000000000000000000" pitchFamily="2" charset="2"/>
+              <a:buChar char="§"/>
+            </a:pPr>
+            <a:r>
+              <a:rPr lang="nl-NL" sz="2000" dirty="0" smtClean="0"/>
+              <a:t>Ratings (</a:t>
+            </a:r>
+            <a:r>
+              <a:rPr lang="nl-NL" sz="2000" dirty="0" err="1" smtClean="0"/>
+              <a:t>especially</a:t>
+            </a:r>
+            <a:r>
+              <a:rPr lang="nl-NL" sz="2000" dirty="0" smtClean="0"/>
+              <a:t> product ratings) </a:t>
+            </a:r>
+            <a:r>
+              <a:rPr lang="nl-NL" sz="2000" dirty="0" err="1" smtClean="0"/>
+              <a:t>may</a:t>
+            </a:r>
+            <a:r>
+              <a:rPr lang="nl-NL" sz="2000" dirty="0" smtClean="0"/>
+              <a:t> have a smaller peak at the low end</a:t>
+            </a:r>
+          </a:p>
+          <a:p>
+            <a:pPr>
+              <a:buFont typeface="Wingdings" panose="05000000000000000000" pitchFamily="2" charset="2"/>
+              <a:buChar char="§"/>
+            </a:pPr>
+            <a:r>
+              <a:rPr lang="nl-NL" sz="2000" dirty="0" smtClean="0"/>
+              <a:t>People </a:t>
+            </a:r>
+            <a:r>
+              <a:rPr lang="nl-NL" sz="2000" dirty="0" err="1" smtClean="0"/>
+              <a:t>vote</a:t>
+            </a:r>
+            <a:r>
+              <a:rPr lang="nl-NL" sz="2000" dirty="0" smtClean="0"/>
+              <a:t> </a:t>
+            </a:r>
+            <a:r>
+              <a:rPr lang="nl-NL" sz="2000" dirty="0" err="1" smtClean="0"/>
+              <a:t>for</a:t>
+            </a:r>
+            <a:r>
+              <a:rPr lang="nl-NL" sz="2000" dirty="0" smtClean="0"/>
+              <a:t> </a:t>
+            </a:r>
+            <a:r>
+              <a:rPr lang="nl-NL" sz="2000" dirty="0" err="1" smtClean="0"/>
+              <a:t>their</a:t>
+            </a:r>
+            <a:r>
+              <a:rPr lang="nl-NL" sz="2000" dirty="0" smtClean="0"/>
+              <a:t> </a:t>
+            </a:r>
+            <a:r>
+              <a:rPr lang="nl-NL" sz="2000" dirty="0" err="1" smtClean="0"/>
+              <a:t>favorites</a:t>
+            </a:r>
+            <a:endParaRPr lang="nl-NL" sz="2000" dirty="0" smtClean="0"/>
+          </a:p>
+        </p:txBody>
+      </p:sp>
+      <p:pic>
+        <p:nvPicPr>
+          <p:cNvPr id="4" name="Afbeelding 3"/>
+          <p:cNvPicPr>
+            <a:picLocks noChangeAspect="1"/>
+          </p:cNvPicPr>
+          <p:nvPr/>
+        </p:nvPicPr>
+        <p:blipFill>
+          <a:blip r:embed="rId2"/>
+          <a:stretch>
+            <a:fillRect/>
+          </a:stretch>
+        </p:blipFill>
+        <p:spPr>
+          <a:xfrm>
+            <a:off x="802324" y="1844824"/>
+            <a:ext cx="7277881" cy="2562634"/>
+          </a:xfrm>
+          <a:prstGeom prst="rect">
+            <a:avLst/>
+          </a:prstGeom>
+        </p:spPr>
+      </p:pic>
+    </p:spTree>
+    <p:extLst>
+      <p:ext uri="{BB962C8B-B14F-4D97-AF65-F5344CB8AC3E}">
+        <p14:creationId xmlns:p14="http://schemas.microsoft.com/office/powerpoint/2010/main" val="3228788009"/>
+      </p:ext>
+    </p:extLst>
+  </p:cSld>
+  <p:clrMapOvr>
+    <a:masterClrMapping/>
+  </p:clrMapOvr>
+</p:sld>
+</file>
+
+<file path=ppt/slides/slide7.xml><?xml version="1.0" encoding="utf-8"?>
+<p:sld xmlns:a="http://schemas.openxmlformats.org/drawingml/2006/main" xmlns:r="http://schemas.openxmlformats.org/officeDocument/2006/relationships" xmlns:p="http://schemas.openxmlformats.org/presentationml/2006/main">
+  <p:cSld>
+    <p:spTree>
+      <p:nvGrpSpPr>
+        <p:cNvPr id="1" name=""/>
+        <p:cNvGrpSpPr/>
+        <p:nvPr/>
+      </p:nvGrpSpPr>
+      <p:grpSpPr>
+        <a:xfrm>
+          <a:off x="0" y="0"/>
+          <a:ext cx="0" cy="0"/>
+          <a:chOff x="0" y="0"/>
+          <a:chExt cx="0" cy="0"/>
+        </a:xfrm>
+      </p:grpSpPr>
+      <p:sp>
+        <p:nvSpPr>
+          <p:cNvPr id="2" name="Titel 1"/>
+          <p:cNvSpPr>
+            <a:spLocks noGrp="1"/>
+          </p:cNvSpPr>
+          <p:nvPr>
+            <p:ph type="title"/>
+          </p:nvPr>
+        </p:nvSpPr>
+        <p:spPr/>
+        <p:txBody>
+          <a:bodyPr/>
+          <a:lstStyle/>
+          <a:p>
+            <a:r>
+              <a:rPr lang="nl-NL" dirty="0" err="1" smtClean="0"/>
+              <a:t>What</a:t>
+            </a:r>
+            <a:r>
+              <a:rPr lang="nl-NL" dirty="0" smtClean="0"/>
+              <a:t> is clustering?</a:t>
+            </a:r>
+            <a:endParaRPr lang="nl-NL" dirty="0"/>
+          </a:p>
+        </p:txBody>
+      </p:sp>
+      <p:pic>
+        <p:nvPicPr>
+          <p:cNvPr id="4" name="Tijdelijke aanduiding voor inhoud 3"/>
+          <p:cNvPicPr>
+            <a:picLocks noGrp="1" noChangeAspect="1"/>
+          </p:cNvPicPr>
+          <p:nvPr>
+            <p:ph idx="1"/>
+          </p:nvPr>
+        </p:nvPicPr>
+        <p:blipFill>
+          <a:blip r:embed="rId2" cstate="print">
+            <a:extLst>
+              <a:ext uri="{28A0092B-C50C-407E-A947-70E740481C1C}">
+                <a14:useLocalDpi xmlns:a14="http://schemas.microsoft.com/office/drawing/2010/main" val="0"/>
+              </a:ext>
+            </a:extLst>
+          </a:blip>
+          <a:stretch>
+            <a:fillRect/>
+          </a:stretch>
+        </p:blipFill>
+        <p:spPr>
+          <a:xfrm>
+            <a:off x="5508104" y="2060848"/>
+            <a:ext cx="3928692" cy="2627313"/>
+          </a:xfrm>
+        </p:spPr>
+      </p:pic>
+      <p:sp>
+        <p:nvSpPr>
+          <p:cNvPr id="5" name="Tijdelijke aanduiding voor inhoud 2"/>
+          <p:cNvSpPr txBox="1">
+            <a:spLocks/>
+          </p:cNvSpPr>
+          <p:nvPr/>
+        </p:nvSpPr>
+        <p:spPr bwMode="auto">
+          <a:xfrm>
+            <a:off x="762000" y="1762125"/>
+            <a:ext cx="4746104" cy="6383286"/>
+          </a:xfrm>
+          <a:prstGeom prst="rect">
+            <a:avLst/>
+          </a:prstGeom>
+          <a:noFill/>
+          <a:ln w="9525">
+            <a:noFill/>
+            <a:miter lim="800000"/>
+            <a:headEnd/>
+            <a:tailEnd/>
+          </a:ln>
+          <a:effectLst/>
+        </p:spPr>
+        <p:txBody>
+          <a:bodyPr vert="horz" wrap="square" lIns="91440" tIns="45720" rIns="91440" bIns="45720" numCol="1" anchor="t" anchorCtr="0" compatLnSpc="1">
+            <a:prstTxWarp prst="textNoShape">
+              <a:avLst/>
+            </a:prstTxWarp>
+            <a:spAutoFit/>
+          </a:bodyPr>
+          <a:lstStyle>
+            <a:lvl1pPr marL="342900" indent="-342900" algn="l" rtl="0" fontAlgn="base">
+              <a:spcBef>
+                <a:spcPct val="20000"/>
+              </a:spcBef>
+              <a:spcAft>
+                <a:spcPct val="0"/>
+              </a:spcAft>
+              <a:buClr>
+                <a:srgbClr val="ED0010"/>
+              </a:buClr>
+              <a:buSzPct val="60000"/>
+              <a:buFont typeface="Zapf Dingbats" charset="2"/>
+              <a:buChar char="n"/>
+              <a:defRPr sz="2800">
+                <a:solidFill>
+                  <a:srgbClr val="000000"/>
+                </a:solidFill>
+                <a:latin typeface="+mn-lt"/>
+                <a:ea typeface="+mn-ea"/>
+                <a:cs typeface="+mn-cs"/>
+              </a:defRPr>
+            </a:lvl1pPr>
+            <a:lvl2pPr marL="819150" indent="-285750" algn="l" rtl="0" fontAlgn="base">
+              <a:spcBef>
+                <a:spcPct val="20000"/>
+              </a:spcBef>
+              <a:spcAft>
+                <a:spcPct val="0"/>
+              </a:spcAft>
+              <a:buClr>
+                <a:schemeClr val="accent1"/>
+              </a:buClr>
+              <a:buSzPct val="60000"/>
+              <a:buFont typeface="Zapf Dingbats" charset="2"/>
+              <a:buChar char="n"/>
+              <a:defRPr sz="2600">
+                <a:solidFill>
+                  <a:srgbClr val="000000"/>
+                </a:solidFill>
+                <a:latin typeface="+mn-lt"/>
+              </a:defRPr>
+            </a:lvl2pPr>
+            <a:lvl3pPr marL="1143000" indent="-228600" algn="l" rtl="0" fontAlgn="base">
+              <a:spcBef>
+                <a:spcPct val="20000"/>
+              </a:spcBef>
+              <a:spcAft>
+                <a:spcPct val="0"/>
+              </a:spcAft>
+              <a:buClr>
+                <a:schemeClr val="accent1"/>
+              </a:buClr>
+              <a:buSzPct val="60000"/>
+              <a:buFont typeface="Zapf Dingbats" charset="2"/>
+              <a:buChar char="n"/>
+              <a:defRPr sz="2400">
+                <a:solidFill>
+                  <a:srgbClr val="000000"/>
+                </a:solidFill>
+                <a:latin typeface="+mn-lt"/>
+              </a:defRPr>
+            </a:lvl3pPr>
+            <a:lvl4pPr marL="1562100" indent="-228600" algn="l" rtl="0" fontAlgn="base">
+              <a:spcBef>
+                <a:spcPct val="20000"/>
+              </a:spcBef>
+              <a:spcAft>
+                <a:spcPct val="0"/>
+              </a:spcAft>
+              <a:buClr>
+                <a:schemeClr val="accent1"/>
+              </a:buClr>
+              <a:buSzPct val="60000"/>
+              <a:buFont typeface="Zapf Dingbats" charset="2"/>
+              <a:buChar char="n"/>
+              <a:defRPr sz="2200">
+                <a:solidFill>
+                  <a:srgbClr val="000000"/>
+                </a:solidFill>
+                <a:latin typeface="+mn-lt"/>
+              </a:defRPr>
+            </a:lvl4pPr>
+            <a:lvl5pPr marL="1981200" indent="-228600" algn="l" rtl="0" fontAlgn="base">
+              <a:spcBef>
+                <a:spcPct val="20000"/>
+              </a:spcBef>
+              <a:spcAft>
+                <a:spcPct val="0"/>
+              </a:spcAft>
+              <a:buClr>
+                <a:schemeClr val="accent1"/>
+              </a:buClr>
+              <a:buSzPct val="60000"/>
+              <a:buFont typeface="Zapf Dingbats" charset="2"/>
+              <a:buChar char="n"/>
+              <a:defRPr sz="2000">
+                <a:solidFill>
+                  <a:srgbClr val="000000"/>
+                </a:solidFill>
+                <a:latin typeface="+mn-lt"/>
+              </a:defRPr>
+            </a:lvl5pPr>
+            <a:lvl6pPr marL="2438400" indent="-228600" algn="l" rtl="0" fontAlgn="base">
+              <a:spcBef>
+                <a:spcPct val="20000"/>
+              </a:spcBef>
+              <a:spcAft>
+                <a:spcPct val="0"/>
+              </a:spcAft>
+              <a:buClr>
+                <a:schemeClr val="accent1"/>
+              </a:buClr>
+              <a:buSzPct val="60000"/>
+              <a:buFont typeface="Zapf Dingbats" charset="2"/>
+              <a:buChar char="n"/>
+              <a:defRPr sz="2000">
+                <a:solidFill>
+                  <a:srgbClr val="000000"/>
+                </a:solidFill>
+                <a:latin typeface="+mn-lt"/>
+              </a:defRPr>
+            </a:lvl6pPr>
+            <a:lvl7pPr marL="2895600" indent="-228600" algn="l" rtl="0" fontAlgn="base">
+              <a:spcBef>
+                <a:spcPct val="20000"/>
+              </a:spcBef>
+              <a:spcAft>
+                <a:spcPct val="0"/>
+              </a:spcAft>
+              <a:buClr>
+                <a:schemeClr val="accent1"/>
+              </a:buClr>
+              <a:buSzPct val="60000"/>
+              <a:buFont typeface="Zapf Dingbats" charset="2"/>
+              <a:buChar char="n"/>
+              <a:defRPr sz="2000">
+                <a:solidFill>
+                  <a:srgbClr val="000000"/>
+                </a:solidFill>
+                <a:latin typeface="+mn-lt"/>
+              </a:defRPr>
+            </a:lvl7pPr>
+            <a:lvl8pPr marL="3352800" indent="-228600" algn="l" rtl="0" fontAlgn="base">
+              <a:spcBef>
+                <a:spcPct val="20000"/>
+              </a:spcBef>
+              <a:spcAft>
+                <a:spcPct val="0"/>
+              </a:spcAft>
+              <a:buClr>
+                <a:schemeClr val="accent1"/>
+              </a:buClr>
+              <a:buSzPct val="60000"/>
+              <a:buFont typeface="Zapf Dingbats" charset="2"/>
+              <a:buChar char="n"/>
+              <a:defRPr sz="2000">
+                <a:solidFill>
+                  <a:srgbClr val="000000"/>
+                </a:solidFill>
+                <a:latin typeface="+mn-lt"/>
+              </a:defRPr>
+            </a:lvl8pPr>
+            <a:lvl9pPr marL="3810000" indent="-228600" algn="l" rtl="0" fontAlgn="base">
+              <a:spcBef>
+                <a:spcPct val="20000"/>
+              </a:spcBef>
+              <a:spcAft>
+                <a:spcPct val="0"/>
+              </a:spcAft>
+              <a:buClr>
+                <a:schemeClr val="accent1"/>
+              </a:buClr>
+              <a:buSzPct val="60000"/>
+              <a:buFont typeface="Zapf Dingbats" charset="2"/>
+              <a:buChar char="n"/>
+              <a:defRPr sz="2000">
+                <a:solidFill>
+                  <a:srgbClr val="000000"/>
+                </a:solidFill>
+                <a:latin typeface="+mn-lt"/>
+              </a:defRPr>
+            </a:lvl9pPr>
+          </a:lstStyle>
+          <a:p>
+            <a:r>
+              <a:rPr lang="nl-NL" sz="2000" kern="0" dirty="0" err="1" smtClean="0"/>
+              <a:t>Assign</a:t>
+            </a:r>
+            <a:r>
+              <a:rPr lang="nl-NL" sz="2000" kern="0" dirty="0" smtClean="0"/>
+              <a:t> </a:t>
+            </a:r>
+            <a:r>
+              <a:rPr lang="nl-NL" sz="2000" kern="0" dirty="0" err="1" smtClean="0"/>
+              <a:t>observations</a:t>
+            </a:r>
+            <a:r>
+              <a:rPr lang="nl-NL" sz="2000" kern="0" dirty="0" smtClean="0"/>
+              <a:t> </a:t>
+            </a:r>
+            <a:r>
+              <a:rPr lang="nl-NL" sz="2000" kern="0" dirty="0" err="1" smtClean="0"/>
+              <a:t>to</a:t>
+            </a:r>
+            <a:r>
+              <a:rPr lang="nl-NL" sz="2000" kern="0" dirty="0" smtClean="0"/>
+              <a:t> </a:t>
+            </a:r>
+            <a:r>
+              <a:rPr lang="nl-NL" sz="2000" kern="0" dirty="0" err="1" smtClean="0"/>
+              <a:t>several</a:t>
+            </a:r>
+            <a:r>
+              <a:rPr lang="nl-NL" sz="2000" kern="0" dirty="0" smtClean="0"/>
+              <a:t> clusters</a:t>
+            </a:r>
+          </a:p>
+          <a:p>
+            <a:endParaRPr lang="nl-NL" sz="2000" kern="0" dirty="0"/>
+          </a:p>
+          <a:p>
+            <a:r>
+              <a:rPr lang="nl-NL" sz="2000" kern="0" dirty="0" smtClean="0"/>
+              <a:t>It’s </a:t>
+            </a:r>
+            <a:r>
+              <a:rPr lang="nl-NL" sz="2000" kern="0" dirty="0" err="1" smtClean="0"/>
+              <a:t>not</a:t>
+            </a:r>
+            <a:r>
+              <a:rPr lang="nl-NL" sz="2000" kern="0" dirty="0" smtClean="0"/>
+              <a:t> </a:t>
+            </a:r>
+            <a:r>
+              <a:rPr lang="nl-NL" sz="2000" kern="0" dirty="0" err="1" smtClean="0"/>
+              <a:t>always</a:t>
+            </a:r>
+            <a:r>
+              <a:rPr lang="nl-NL" sz="2000" kern="0" dirty="0" smtClean="0"/>
+              <a:t> </a:t>
+            </a:r>
+            <a:r>
+              <a:rPr lang="nl-NL" sz="2000" kern="0" dirty="0" err="1" smtClean="0"/>
+              <a:t>clear</a:t>
+            </a:r>
+            <a:r>
+              <a:rPr lang="nl-NL" sz="2000" kern="0" dirty="0" smtClean="0"/>
+              <a:t> </a:t>
+            </a:r>
+            <a:r>
+              <a:rPr lang="nl-NL" sz="2000" kern="0" dirty="0" err="1" smtClean="0"/>
+              <a:t>which</a:t>
+            </a:r>
+            <a:r>
+              <a:rPr lang="nl-NL" sz="2000" kern="0" dirty="0" smtClean="0"/>
+              <a:t> solution is ‘correct’</a:t>
+            </a:r>
+          </a:p>
+          <a:p>
+            <a:endParaRPr lang="nl-NL" sz="2000" kern="0" dirty="0"/>
+          </a:p>
+          <a:p>
+            <a:r>
+              <a:rPr lang="nl-NL" sz="2000" kern="0" dirty="0" err="1" smtClean="0"/>
+              <a:t>There</a:t>
+            </a:r>
+            <a:r>
+              <a:rPr lang="nl-NL" sz="2000" kern="0" dirty="0" smtClean="0"/>
+              <a:t> are </a:t>
+            </a:r>
+            <a:r>
+              <a:rPr lang="nl-NL" sz="2000" kern="0" dirty="0" err="1" smtClean="0"/>
+              <a:t>many</a:t>
+            </a:r>
+            <a:r>
+              <a:rPr lang="nl-NL" sz="2000" kern="0" dirty="0" smtClean="0"/>
+              <a:t> </a:t>
+            </a:r>
+            <a:r>
+              <a:rPr lang="nl-NL" sz="2000" kern="0" dirty="0" err="1" smtClean="0"/>
+              <a:t>algorithms</a:t>
+            </a:r>
+            <a:r>
+              <a:rPr lang="nl-NL" sz="2000" kern="0" dirty="0"/>
+              <a:t>;</a:t>
+            </a:r>
+            <a:r>
+              <a:rPr lang="nl-NL" sz="2000" kern="0" dirty="0" smtClean="0"/>
+              <a:t> we </a:t>
+            </a:r>
+            <a:r>
+              <a:rPr lang="nl-NL" sz="2000" kern="0" dirty="0" err="1" smtClean="0"/>
+              <a:t>will</a:t>
+            </a:r>
+            <a:r>
+              <a:rPr lang="nl-NL" sz="2000" kern="0" dirty="0" smtClean="0"/>
+              <a:t> </a:t>
+            </a:r>
+            <a:r>
+              <a:rPr lang="nl-NL" sz="2000" kern="0" dirty="0" err="1" smtClean="0"/>
+              <a:t>use</a:t>
+            </a:r>
+            <a:r>
+              <a:rPr lang="nl-NL" sz="2000" kern="0" dirty="0" smtClean="0"/>
+              <a:t> </a:t>
+            </a:r>
+            <a:r>
+              <a:rPr lang="nl-NL" sz="2000" i="1" kern="0" dirty="0" smtClean="0"/>
+              <a:t>k-</a:t>
+            </a:r>
+            <a:r>
+              <a:rPr lang="nl-NL" sz="2000" kern="0" dirty="0" smtClean="0"/>
+              <a:t>means (</a:t>
+            </a:r>
+            <a:r>
+              <a:rPr lang="nl-NL" sz="2000" kern="0" dirty="0" err="1" smtClean="0"/>
+              <a:t>simple</a:t>
+            </a:r>
+            <a:r>
+              <a:rPr lang="nl-NL" sz="2000" kern="0" dirty="0" smtClean="0"/>
+              <a:t> </a:t>
+            </a:r>
+            <a:r>
+              <a:rPr lang="nl-NL" sz="2000" kern="0" dirty="0" err="1" smtClean="0"/>
+              <a:t>to</a:t>
+            </a:r>
+            <a:r>
+              <a:rPr lang="nl-NL" sz="2000" kern="0" dirty="0" smtClean="0"/>
+              <a:t> </a:t>
+            </a:r>
+            <a:r>
+              <a:rPr lang="nl-NL" sz="2000" kern="0" dirty="0" err="1" smtClean="0"/>
+              <a:t>understand</a:t>
+            </a:r>
+            <a:r>
+              <a:rPr lang="nl-NL" sz="2000" kern="0" dirty="0" smtClean="0"/>
+              <a:t> but </a:t>
+            </a:r>
+            <a:r>
+              <a:rPr lang="nl-NL" sz="2000" kern="0" dirty="0" err="1" smtClean="0"/>
+              <a:t>often</a:t>
+            </a:r>
+            <a:r>
+              <a:rPr lang="nl-NL" sz="2000" kern="0" dirty="0" smtClean="0"/>
+              <a:t> </a:t>
+            </a:r>
+            <a:r>
+              <a:rPr lang="nl-NL" sz="2000" kern="0" dirty="0" err="1" smtClean="0"/>
+              <a:t>suboptimal</a:t>
+            </a:r>
+            <a:r>
+              <a:rPr lang="nl-NL" sz="2000" kern="0" dirty="0" smtClean="0"/>
+              <a:t>)</a:t>
+            </a:r>
+          </a:p>
+          <a:p>
+            <a:endParaRPr lang="nl-NL" sz="2000" kern="0" dirty="0"/>
+          </a:p>
+          <a:p>
+            <a:r>
+              <a:rPr lang="nl-NL" sz="2000" kern="0" dirty="0" err="1" smtClean="0"/>
+              <a:t>Remember</a:t>
+            </a:r>
+            <a:r>
+              <a:rPr lang="nl-NL" sz="2000" kern="0" dirty="0" smtClean="0"/>
+              <a:t>: </a:t>
+            </a:r>
+            <a:r>
+              <a:rPr lang="nl-NL" sz="2000" kern="0" dirty="0" err="1" smtClean="0"/>
+              <a:t>shown</a:t>
+            </a:r>
+            <a:r>
+              <a:rPr lang="nl-NL" sz="2000" kern="0" dirty="0" smtClean="0"/>
+              <a:t> as 2-dimensional here but </a:t>
+            </a:r>
+            <a:r>
+              <a:rPr lang="nl-NL" sz="2000" i="1" kern="0" dirty="0" smtClean="0"/>
+              <a:t>n</a:t>
+            </a:r>
+            <a:r>
+              <a:rPr lang="nl-NL" sz="2000" kern="0" dirty="0" smtClean="0"/>
+              <a:t>-</a:t>
+            </a:r>
+            <a:r>
+              <a:rPr lang="nl-NL" sz="2000" kern="0" dirty="0" err="1" smtClean="0"/>
+              <a:t>dimensional</a:t>
+            </a:r>
+            <a:r>
+              <a:rPr lang="nl-NL" sz="2000" kern="0" dirty="0" smtClean="0"/>
+              <a:t> in </a:t>
+            </a:r>
+            <a:r>
+              <a:rPr lang="nl-NL" sz="2000" kern="0" dirty="0" err="1" smtClean="0"/>
+              <a:t>reality</a:t>
+            </a:r>
+            <a:r>
+              <a:rPr lang="nl-NL" sz="2000" kern="0" dirty="0" smtClean="0"/>
+              <a:t>, </a:t>
+            </a:r>
+            <a:r>
+              <a:rPr lang="nl-NL" sz="2000" i="1" kern="0" dirty="0" smtClean="0"/>
+              <a:t>n </a:t>
+            </a:r>
+            <a:r>
+              <a:rPr lang="nl-NL" sz="2000" kern="0" dirty="0" err="1" smtClean="0"/>
+              <a:t>being</a:t>
+            </a:r>
+            <a:r>
+              <a:rPr lang="nl-NL" sz="2000" kern="0" dirty="0" smtClean="0"/>
+              <a:t> the </a:t>
+            </a:r>
+            <a:r>
+              <a:rPr lang="nl-NL" sz="2000" kern="0" dirty="0" err="1" smtClean="0"/>
+              <a:t>number</a:t>
+            </a:r>
+            <a:r>
+              <a:rPr lang="nl-NL" sz="2000" kern="0" dirty="0" smtClean="0"/>
+              <a:t> of variables </a:t>
+            </a:r>
+            <a:r>
+              <a:rPr lang="nl-NL" sz="2000" kern="0" dirty="0" err="1" smtClean="0"/>
+              <a:t>used</a:t>
+            </a:r>
+            <a:endParaRPr lang="nl-NL" sz="2000" kern="0" dirty="0" smtClean="0"/>
+          </a:p>
+          <a:p>
+            <a:pPr lvl="1"/>
+            <a:endParaRPr lang="nl-NL" sz="2000" kern="0" dirty="0" smtClean="0"/>
+          </a:p>
+          <a:p>
+            <a:pPr marL="0" indent="0">
+              <a:buFont typeface="Zapf Dingbats" charset="2"/>
+              <a:buNone/>
+            </a:pPr>
+            <a:endParaRPr lang="nl-NL" sz="2400" kern="0" dirty="0" smtClean="0"/>
+          </a:p>
+          <a:p>
+            <a:pPr lvl="1"/>
+            <a:endParaRPr lang="nl-NL" sz="2000" kern="0" dirty="0" smtClean="0"/>
+          </a:p>
+          <a:p>
+            <a:endParaRPr lang="nl-NL" sz="2000" kern="0" dirty="0" smtClean="0"/>
+          </a:p>
+          <a:p>
+            <a:pPr marL="0" indent="0">
+              <a:buFont typeface="Zapf Dingbats" charset="2"/>
+              <a:buNone/>
+            </a:pPr>
+            <a:endParaRPr lang="nl-NL" sz="2000" kern="0" dirty="0"/>
+          </a:p>
+        </p:txBody>
+      </p:sp>
+    </p:spTree>
+    <p:extLst>
+      <p:ext uri="{BB962C8B-B14F-4D97-AF65-F5344CB8AC3E}">
+        <p14:creationId xmlns:p14="http://schemas.microsoft.com/office/powerpoint/2010/main" val="3119061923"/>
+      </p:ext>
+    </p:extLst>
+  </p:cSld>
+  <p:clrMapOvr>
+    <a:masterClrMapping/>
+  </p:clrMapOvr>
+</p:sld>
+</file>
+
+<file path=ppt/slides/slide8.xml><?xml version="1.0" encoding="utf-8"?>
+<p:sld xmlns:a="http://schemas.openxmlformats.org/drawingml/2006/main" xmlns:r="http://schemas.openxmlformats.org/officeDocument/2006/relationships" xmlns:p="http://schemas.openxmlformats.org/presentationml/2006/main">
+  <p:cSld>
+    <p:spTree>
+      <p:nvGrpSpPr>
+        <p:cNvPr id="1" name=""/>
+        <p:cNvGrpSpPr/>
+        <p:nvPr/>
+      </p:nvGrpSpPr>
+      <p:grpSpPr>
+        <a:xfrm>
+          <a:off x="0" y="0"/>
+          <a:ext cx="0" cy="0"/>
+          <a:chOff x="0" y="0"/>
+          <a:chExt cx="0" cy="0"/>
+        </a:xfrm>
+      </p:grpSpPr>
+      <p:sp>
+        <p:nvSpPr>
+          <p:cNvPr id="2" name="Titel 1"/>
+          <p:cNvSpPr>
+            <a:spLocks noGrp="1"/>
+          </p:cNvSpPr>
+          <p:nvPr>
+            <p:ph type="title"/>
+          </p:nvPr>
+        </p:nvSpPr>
+        <p:spPr/>
+        <p:txBody>
+          <a:bodyPr/>
+          <a:lstStyle/>
+          <a:p>
+            <a:r>
+              <a:rPr lang="nl-NL" dirty="0" err="1" smtClean="0"/>
+              <a:t>Exercise</a:t>
+            </a:r>
+            <a:r>
+              <a:rPr lang="nl-NL" dirty="0" smtClean="0"/>
+              <a:t> 1</a:t>
+            </a:r>
+            <a:endParaRPr lang="nl-NL" dirty="0"/>
+          </a:p>
+        </p:txBody>
+      </p:sp>
+      <p:sp>
+        <p:nvSpPr>
+          <p:cNvPr id="3" name="Tijdelijke aanduiding voor inhoud 2"/>
+          <p:cNvSpPr>
+            <a:spLocks noGrp="1"/>
+          </p:cNvSpPr>
+          <p:nvPr>
+            <p:ph idx="1"/>
+          </p:nvPr>
+        </p:nvSpPr>
+        <p:spPr>
+          <a:xfrm>
+            <a:off x="762000" y="1762125"/>
+            <a:ext cx="7881938" cy="3822585"/>
+          </a:xfrm>
+        </p:spPr>
+        <p:txBody>
+          <a:bodyPr/>
+          <a:lstStyle/>
+          <a:p>
+            <a:r>
+              <a:rPr lang="nl-NL" sz="2400" dirty="0" smtClean="0"/>
+              <a:t>For </a:t>
+            </a:r>
+            <a:r>
+              <a:rPr lang="nl-NL" sz="2400" dirty="0" err="1" smtClean="0"/>
+              <a:t>exercise</a:t>
+            </a:r>
+            <a:r>
+              <a:rPr lang="nl-NL" sz="2400" dirty="0" smtClean="0"/>
+              <a:t> 1, </a:t>
+            </a:r>
+            <a:r>
+              <a:rPr lang="nl-NL" sz="2400" dirty="0" err="1" smtClean="0"/>
+              <a:t>some</a:t>
+            </a:r>
+            <a:r>
+              <a:rPr lang="nl-NL" sz="2400" dirty="0" smtClean="0"/>
+              <a:t> pre-processing has been </a:t>
+            </a:r>
+            <a:r>
+              <a:rPr lang="nl-NL" sz="2400" dirty="0" err="1" smtClean="0"/>
+              <a:t>done</a:t>
+            </a:r>
+            <a:r>
+              <a:rPr lang="nl-NL" sz="2400" dirty="0" smtClean="0"/>
+              <a:t>:</a:t>
+            </a:r>
+            <a:endParaRPr lang="nl-NL" sz="2400" dirty="0"/>
+          </a:p>
+          <a:p>
+            <a:endParaRPr lang="nl-NL" sz="2400" dirty="0" smtClean="0"/>
+          </a:p>
+          <a:p>
+            <a:pPr lvl="1"/>
+            <a:r>
+              <a:rPr lang="nl-NL" sz="2200" dirty="0" err="1" smtClean="0"/>
+              <a:t>Filling</a:t>
+            </a:r>
+            <a:r>
+              <a:rPr lang="nl-NL" sz="2200" dirty="0" smtClean="0"/>
+              <a:t> the </a:t>
+            </a:r>
+            <a:r>
+              <a:rPr lang="nl-NL" sz="2200" dirty="0" err="1" smtClean="0"/>
+              <a:t>NaN</a:t>
+            </a:r>
+            <a:r>
+              <a:rPr lang="nl-NL" sz="2200" dirty="0" smtClean="0"/>
+              <a:t> of </a:t>
+            </a:r>
+            <a:r>
+              <a:rPr lang="nl-NL" sz="2200" dirty="0" err="1" smtClean="0"/>
+              <a:t>unrated</a:t>
+            </a:r>
+            <a:r>
+              <a:rPr lang="nl-NL" sz="2200" dirty="0" smtClean="0"/>
+              <a:t> </a:t>
+            </a:r>
+            <a:r>
+              <a:rPr lang="nl-NL" sz="2200" dirty="0" err="1" smtClean="0"/>
+              <a:t>movies</a:t>
+            </a:r>
+            <a:r>
+              <a:rPr lang="nl-NL" sz="2200" dirty="0" smtClean="0"/>
+              <a:t> </a:t>
+            </a:r>
+            <a:r>
+              <a:rPr lang="nl-NL" sz="2200" dirty="0" err="1" smtClean="0"/>
+              <a:t>with</a:t>
+            </a:r>
+            <a:r>
+              <a:rPr lang="nl-NL" sz="2200" dirty="0" smtClean="0"/>
+              <a:t> 0 (</a:t>
+            </a:r>
+            <a:r>
+              <a:rPr lang="nl-NL" sz="2200" dirty="0" err="1" smtClean="0"/>
+              <a:t>not</a:t>
+            </a:r>
+            <a:r>
+              <a:rPr lang="nl-NL" sz="2200" dirty="0" smtClean="0"/>
+              <a:t> at </a:t>
+            </a:r>
+            <a:r>
+              <a:rPr lang="nl-NL" sz="2200" dirty="0" err="1" smtClean="0"/>
+              <a:t>all</a:t>
+            </a:r>
+            <a:r>
+              <a:rPr lang="nl-NL" sz="2200" dirty="0" smtClean="0"/>
+              <a:t> a </a:t>
+            </a:r>
+            <a:r>
+              <a:rPr lang="nl-NL" sz="2200" dirty="0" err="1" smtClean="0"/>
+              <a:t>great</a:t>
+            </a:r>
+            <a:r>
+              <a:rPr lang="nl-NL" sz="2200" dirty="0" smtClean="0"/>
+              <a:t> solution -&gt; </a:t>
+            </a:r>
+            <a:r>
+              <a:rPr lang="nl-NL" sz="2200" dirty="0" err="1" smtClean="0"/>
+              <a:t>why</a:t>
+            </a:r>
+            <a:r>
+              <a:rPr lang="nl-NL" sz="2200" dirty="0" smtClean="0"/>
+              <a:t> </a:t>
+            </a:r>
+            <a:r>
+              <a:rPr lang="nl-NL" sz="2200" dirty="0" err="1" smtClean="0"/>
+              <a:t>not</a:t>
+            </a:r>
+            <a:r>
+              <a:rPr lang="nl-NL" sz="2200" dirty="0" smtClean="0"/>
+              <a:t>?)</a:t>
+            </a:r>
+          </a:p>
+          <a:p>
+            <a:endParaRPr lang="nl-NL" sz="2400" dirty="0"/>
+          </a:p>
+          <a:p>
+            <a:pPr lvl="1"/>
+            <a:r>
+              <a:rPr lang="nl-NL" sz="2200" dirty="0" smtClean="0"/>
+              <a:t>Ordering the columns of the dataframe from most </a:t>
+            </a:r>
+            <a:r>
+              <a:rPr lang="nl-NL" sz="2200" dirty="0" err="1" smtClean="0"/>
+              <a:t>frequently</a:t>
+            </a:r>
+            <a:r>
+              <a:rPr lang="nl-NL" sz="2200" dirty="0" smtClean="0"/>
+              <a:t> </a:t>
+            </a:r>
+            <a:r>
+              <a:rPr lang="nl-NL" sz="2200" dirty="0" err="1" smtClean="0"/>
+              <a:t>rated</a:t>
+            </a:r>
+            <a:r>
+              <a:rPr lang="nl-NL" sz="2200" dirty="0" smtClean="0"/>
+              <a:t> </a:t>
+            </a:r>
+            <a:r>
+              <a:rPr lang="nl-NL" sz="2200" dirty="0" err="1" smtClean="0"/>
+              <a:t>to</a:t>
+            </a:r>
+            <a:r>
+              <a:rPr lang="nl-NL" sz="2200" dirty="0" smtClean="0"/>
+              <a:t> </a:t>
+            </a:r>
+            <a:r>
+              <a:rPr lang="nl-NL" sz="2200" dirty="0" err="1" smtClean="0"/>
+              <a:t>least</a:t>
+            </a:r>
+            <a:r>
+              <a:rPr lang="nl-NL" sz="2200" dirty="0" smtClean="0"/>
+              <a:t> </a:t>
+            </a:r>
+            <a:r>
+              <a:rPr lang="nl-NL" sz="2200" dirty="0" err="1" smtClean="0"/>
+              <a:t>frequently</a:t>
+            </a:r>
+            <a:r>
+              <a:rPr lang="nl-NL" sz="2200" dirty="0" smtClean="0"/>
+              <a:t> </a:t>
+            </a:r>
+            <a:r>
+              <a:rPr lang="nl-NL" sz="2200" dirty="0" err="1" smtClean="0"/>
+              <a:t>rated</a:t>
+            </a:r>
+            <a:endParaRPr lang="nl-NL" sz="2200" dirty="0"/>
+          </a:p>
+          <a:p>
+            <a:endParaRPr lang="nl-NL" sz="2400" dirty="0" smtClean="0"/>
+          </a:p>
+          <a:p>
+            <a:r>
+              <a:rPr lang="nl-NL" sz="2400" dirty="0" err="1" smtClean="0"/>
+              <a:t>Your</a:t>
+            </a:r>
+            <a:r>
+              <a:rPr lang="nl-NL" sz="2400" dirty="0" smtClean="0"/>
+              <a:t> job is </a:t>
+            </a:r>
+            <a:r>
+              <a:rPr lang="nl-NL" sz="2400" dirty="0" err="1" smtClean="0"/>
+              <a:t>to</a:t>
+            </a:r>
+            <a:r>
+              <a:rPr lang="nl-NL" sz="2400" dirty="0" smtClean="0"/>
+              <a:t> finish the </a:t>
+            </a:r>
+            <a:r>
+              <a:rPr lang="nl-NL" sz="2400" dirty="0" err="1" smtClean="0"/>
+              <a:t>example</a:t>
+            </a:r>
+            <a:r>
+              <a:rPr lang="nl-NL" sz="2400" dirty="0" smtClean="0"/>
+              <a:t> code</a:t>
+            </a:r>
+            <a:endParaRPr lang="nl-NL" sz="2400" dirty="0"/>
+          </a:p>
+        </p:txBody>
+      </p:sp>
+    </p:spTree>
+    <p:extLst>
+      <p:ext uri="{BB962C8B-B14F-4D97-AF65-F5344CB8AC3E}">
+        <p14:creationId xmlns:p14="http://schemas.microsoft.com/office/powerpoint/2010/main" val="2138475806"/>
+      </p:ext>
+    </p:extLst>
+  </p:cSld>
+  <p:clrMapOvr>
+    <a:masterClrMapping/>
+  </p:clrMapOvr>
+</p:sld>
+</file>
+
+<file path=ppt/slides/slide9.xml><?xml version="1.0" encoding="utf-8"?>
+<p:sld xmlns:a="http://schemas.openxmlformats.org/drawingml/2006/main" xmlns:r="http://schemas.openxmlformats.org/officeDocument/2006/relationships" xmlns:p="http://schemas.openxmlformats.org/presentationml/2006/main">
+  <p:cSld>
+    <p:spTree>
+      <p:nvGrpSpPr>
+        <p:cNvPr id="1" name=""/>
+        <p:cNvGrpSpPr/>
+        <p:nvPr/>
+      </p:nvGrpSpPr>
+      <p:grpSpPr>
+        <a:xfrm>
+          <a:off x="0" y="0"/>
+          <a:ext cx="0" cy="0"/>
+          <a:chOff x="0" y="0"/>
+          <a:chExt cx="0" cy="0"/>
+        </a:xfrm>
+      </p:grpSpPr>
+      <p:sp>
+        <p:nvSpPr>
+          <p:cNvPr id="2" name="Titel 1"/>
+          <p:cNvSpPr>
+            <a:spLocks noGrp="1"/>
+          </p:cNvSpPr>
+          <p:nvPr>
+            <p:ph type="title"/>
+          </p:nvPr>
+        </p:nvSpPr>
+        <p:spPr/>
+        <p:txBody>
+          <a:bodyPr/>
+          <a:lstStyle/>
+          <a:p>
+            <a:r>
+              <a:rPr lang="nl-NL" dirty="0" err="1" smtClean="0"/>
+              <a:t>Exercise</a:t>
+            </a:r>
+            <a:r>
+              <a:rPr lang="nl-NL" dirty="0" smtClean="0"/>
+              <a:t> </a:t>
+            </a:r>
+            <a:r>
+              <a:rPr lang="nl-NL" dirty="0" smtClean="0"/>
+              <a:t>1: </a:t>
+            </a:r>
+            <a:r>
+              <a:rPr lang="nl-NL" dirty="0" smtClean="0"/>
+              <a:t>clustering users</a:t>
+            </a:r>
+            <a:endParaRPr lang="nl-NL" dirty="0"/>
+          </a:p>
+        </p:txBody>
+      </p:sp>
+      <p:sp>
+        <p:nvSpPr>
+          <p:cNvPr id="4" name="Tijdelijke aanduiding voor inhoud 2"/>
+          <p:cNvSpPr txBox="1">
+            <a:spLocks/>
+          </p:cNvSpPr>
+          <p:nvPr/>
+        </p:nvSpPr>
+        <p:spPr bwMode="auto">
+          <a:xfrm>
+            <a:off x="683568" y="1340768"/>
+            <a:ext cx="7881938" cy="6124754"/>
+          </a:xfrm>
+          <a:prstGeom prst="rect">
+            <a:avLst/>
+          </a:prstGeom>
+          <a:noFill/>
+          <a:ln w="9525">
+            <a:noFill/>
+            <a:miter lim="800000"/>
+            <a:headEnd/>
+            <a:tailEnd/>
+          </a:ln>
+          <a:effectLst/>
+        </p:spPr>
+        <p:txBody>
+          <a:bodyPr vert="horz" wrap="square" lIns="91440" tIns="45720" rIns="91440" bIns="45720" numCol="1" anchor="t" anchorCtr="0" compatLnSpc="1">
+            <a:prstTxWarp prst="textNoShape">
+              <a:avLst/>
+            </a:prstTxWarp>
+            <a:spAutoFit/>
+          </a:bodyPr>
+          <a:lstStyle>
+            <a:lvl1pPr marL="342900" indent="-342900" algn="l" rtl="0" fontAlgn="base">
+              <a:spcBef>
+                <a:spcPct val="20000"/>
+              </a:spcBef>
+              <a:spcAft>
+                <a:spcPct val="0"/>
+              </a:spcAft>
+              <a:buClr>
+                <a:srgbClr val="ED0010"/>
+              </a:buClr>
+              <a:buSzPct val="60000"/>
+              <a:buFont typeface="Zapf Dingbats" charset="2"/>
+              <a:buChar char="n"/>
+              <a:defRPr sz="2800">
+                <a:solidFill>
+                  <a:srgbClr val="000000"/>
+                </a:solidFill>
+                <a:latin typeface="+mn-lt"/>
+                <a:ea typeface="+mn-ea"/>
+                <a:cs typeface="+mn-cs"/>
+              </a:defRPr>
+            </a:lvl1pPr>
+            <a:lvl2pPr marL="819150" indent="-285750" algn="l" rtl="0" fontAlgn="base">
+              <a:spcBef>
+                <a:spcPct val="20000"/>
+              </a:spcBef>
+              <a:spcAft>
+                <a:spcPct val="0"/>
+              </a:spcAft>
+              <a:buClr>
+                <a:schemeClr val="accent1"/>
+              </a:buClr>
+              <a:buSzPct val="60000"/>
+              <a:buFont typeface="Zapf Dingbats" charset="2"/>
+              <a:buChar char="n"/>
+              <a:defRPr sz="2600">
+                <a:solidFill>
+                  <a:srgbClr val="000000"/>
+                </a:solidFill>
+                <a:latin typeface="+mn-lt"/>
+              </a:defRPr>
+            </a:lvl2pPr>
+            <a:lvl3pPr marL="1143000" indent="-228600" algn="l" rtl="0" fontAlgn="base">
+              <a:spcBef>
+                <a:spcPct val="20000"/>
+              </a:spcBef>
+              <a:spcAft>
+                <a:spcPct val="0"/>
+              </a:spcAft>
+              <a:buClr>
+                <a:schemeClr val="accent1"/>
+              </a:buClr>
+              <a:buSzPct val="60000"/>
+              <a:buFont typeface="Zapf Dingbats" charset="2"/>
+              <a:buChar char="n"/>
+              <a:defRPr sz="2400">
+                <a:solidFill>
+                  <a:srgbClr val="000000"/>
+                </a:solidFill>
+                <a:latin typeface="+mn-lt"/>
+              </a:defRPr>
+            </a:lvl3pPr>
+            <a:lvl4pPr marL="1562100" indent="-228600" algn="l" rtl="0" fontAlgn="base">
+              <a:spcBef>
+                <a:spcPct val="20000"/>
+              </a:spcBef>
+              <a:spcAft>
+                <a:spcPct val="0"/>
+              </a:spcAft>
+              <a:buClr>
+                <a:schemeClr val="accent1"/>
+              </a:buClr>
+              <a:buSzPct val="60000"/>
+              <a:buFont typeface="Zapf Dingbats" charset="2"/>
+              <a:buChar char="n"/>
+              <a:defRPr sz="2200">
+                <a:solidFill>
+                  <a:srgbClr val="000000"/>
+                </a:solidFill>
+                <a:latin typeface="+mn-lt"/>
+              </a:defRPr>
+            </a:lvl4pPr>
+            <a:lvl5pPr marL="1981200" indent="-228600" algn="l" rtl="0" fontAlgn="base">
+              <a:spcBef>
+                <a:spcPct val="20000"/>
+              </a:spcBef>
+              <a:spcAft>
+                <a:spcPct val="0"/>
+              </a:spcAft>
+              <a:buClr>
+                <a:schemeClr val="accent1"/>
+              </a:buClr>
+              <a:buSzPct val="60000"/>
+              <a:buFont typeface="Zapf Dingbats" charset="2"/>
+              <a:buChar char="n"/>
+              <a:defRPr sz="2000">
+                <a:solidFill>
+                  <a:srgbClr val="000000"/>
+                </a:solidFill>
+                <a:latin typeface="+mn-lt"/>
+              </a:defRPr>
+            </a:lvl5pPr>
+            <a:lvl6pPr marL="2438400" indent="-228600" algn="l" rtl="0" fontAlgn="base">
+              <a:spcBef>
+                <a:spcPct val="20000"/>
+              </a:spcBef>
+              <a:spcAft>
+                <a:spcPct val="0"/>
+              </a:spcAft>
+              <a:buClr>
+                <a:schemeClr val="accent1"/>
+              </a:buClr>
+              <a:buSzPct val="60000"/>
+              <a:buFont typeface="Zapf Dingbats" charset="2"/>
+              <a:buChar char="n"/>
+              <a:defRPr sz="2000">
+                <a:solidFill>
+                  <a:srgbClr val="000000"/>
+                </a:solidFill>
+                <a:latin typeface="+mn-lt"/>
+              </a:defRPr>
+            </a:lvl6pPr>
+            <a:lvl7pPr marL="2895600" indent="-228600" algn="l" rtl="0" fontAlgn="base">
+              <a:spcBef>
+                <a:spcPct val="20000"/>
+              </a:spcBef>
+              <a:spcAft>
+                <a:spcPct val="0"/>
+              </a:spcAft>
+              <a:buClr>
+                <a:schemeClr val="accent1"/>
+              </a:buClr>
+              <a:buSzPct val="60000"/>
+              <a:buFont typeface="Zapf Dingbats" charset="2"/>
+              <a:buChar char="n"/>
+              <a:defRPr sz="2000">
+                <a:solidFill>
+                  <a:srgbClr val="000000"/>
+                </a:solidFill>
+                <a:latin typeface="+mn-lt"/>
+              </a:defRPr>
+            </a:lvl7pPr>
+            <a:lvl8pPr marL="3352800" indent="-228600" algn="l" rtl="0" fontAlgn="base">
+              <a:spcBef>
+                <a:spcPct val="20000"/>
+              </a:spcBef>
+              <a:spcAft>
+                <a:spcPct val="0"/>
+              </a:spcAft>
+              <a:buClr>
+                <a:schemeClr val="accent1"/>
+              </a:buClr>
+              <a:buSzPct val="60000"/>
+              <a:buFont typeface="Zapf Dingbats" charset="2"/>
+              <a:buChar char="n"/>
+              <a:defRPr sz="2000">
+                <a:solidFill>
+                  <a:srgbClr val="000000"/>
+                </a:solidFill>
+                <a:latin typeface="+mn-lt"/>
+              </a:defRPr>
+            </a:lvl8pPr>
+            <a:lvl9pPr marL="3810000" indent="-228600" algn="l" rtl="0" fontAlgn="base">
+              <a:spcBef>
+                <a:spcPct val="20000"/>
+              </a:spcBef>
+              <a:spcAft>
+                <a:spcPct val="0"/>
+              </a:spcAft>
+              <a:buClr>
+                <a:schemeClr val="accent1"/>
+              </a:buClr>
+              <a:buSzPct val="60000"/>
+              <a:buFont typeface="Zapf Dingbats" charset="2"/>
+              <a:buChar char="n"/>
+              <a:defRPr sz="2000">
+                <a:solidFill>
+                  <a:srgbClr val="000000"/>
+                </a:solidFill>
+                <a:latin typeface="+mn-lt"/>
+              </a:defRPr>
+            </a:lvl9pPr>
+          </a:lstStyle>
+          <a:p>
+            <a:pPr marL="0" indent="0">
+              <a:buFont typeface="Zapf Dingbats" charset="2"/>
+              <a:buNone/>
+            </a:pPr>
+            <a:r>
+              <a:rPr lang="nl-NL" sz="1400" kern="0" dirty="0" smtClean="0">
+                <a:latin typeface="Courier New" panose="02070309020205020404" pitchFamily="49" charset="0"/>
+                <a:cs typeface="Courier New" panose="02070309020205020404" pitchFamily="49" charset="0"/>
+              </a:rPr>
+              <a:t>In this </a:t>
+            </a:r>
+            <a:r>
+              <a:rPr lang="nl-NL" sz="1400" kern="0" dirty="0" err="1" smtClean="0">
+                <a:latin typeface="Courier New" panose="02070309020205020404" pitchFamily="49" charset="0"/>
+                <a:cs typeface="Courier New" panose="02070309020205020404" pitchFamily="49" charset="0"/>
+              </a:rPr>
+              <a:t>Exercise</a:t>
+            </a:r>
+            <a:r>
+              <a:rPr lang="nl-NL" sz="1400" kern="0" dirty="0" smtClean="0">
+                <a:latin typeface="Courier New" panose="02070309020205020404" pitchFamily="49" charset="0"/>
+                <a:cs typeface="Courier New" panose="02070309020205020404" pitchFamily="49" charset="0"/>
+              </a:rPr>
+              <a:t>, </a:t>
+            </a:r>
+            <a:r>
+              <a:rPr lang="nl-NL" sz="1400" kern="0" dirty="0" err="1" smtClean="0">
+                <a:latin typeface="Courier New" panose="02070309020205020404" pitchFamily="49" charset="0"/>
+                <a:cs typeface="Courier New" panose="02070309020205020404" pitchFamily="49" charset="0"/>
+              </a:rPr>
+              <a:t>you</a:t>
+            </a:r>
+            <a:r>
+              <a:rPr lang="nl-NL" sz="1400" kern="0" dirty="0" smtClean="0">
+                <a:latin typeface="Courier New" panose="02070309020205020404" pitchFamily="49" charset="0"/>
+                <a:cs typeface="Courier New" panose="02070309020205020404" pitchFamily="49" charset="0"/>
+              </a:rPr>
+              <a:t> </a:t>
+            </a:r>
+            <a:r>
+              <a:rPr lang="nl-NL" sz="1400" kern="0" dirty="0" err="1" smtClean="0">
+                <a:latin typeface="Courier New" panose="02070309020205020404" pitchFamily="49" charset="0"/>
+                <a:cs typeface="Courier New" panose="02070309020205020404" pitchFamily="49" charset="0"/>
+              </a:rPr>
+              <a:t>will</a:t>
+            </a:r>
+            <a:r>
+              <a:rPr lang="nl-NL" sz="1400" kern="0" dirty="0" smtClean="0">
+                <a:latin typeface="Courier New" panose="02070309020205020404" pitchFamily="49" charset="0"/>
+                <a:cs typeface="Courier New" panose="02070309020205020404" pitchFamily="49" charset="0"/>
+              </a:rPr>
+              <a:t> </a:t>
+            </a:r>
+            <a:r>
+              <a:rPr lang="nl-NL" sz="1400" kern="0" dirty="0" err="1" smtClean="0">
+                <a:latin typeface="Courier New" panose="02070309020205020404" pitchFamily="49" charset="0"/>
+                <a:cs typeface="Courier New" panose="02070309020205020404" pitchFamily="49" charset="0"/>
+              </a:rPr>
+              <a:t>use</a:t>
+            </a:r>
+            <a:r>
+              <a:rPr lang="nl-NL" sz="1400" kern="0" dirty="0" smtClean="0">
+                <a:latin typeface="Courier New" panose="02070309020205020404" pitchFamily="49" charset="0"/>
+                <a:cs typeface="Courier New" panose="02070309020205020404" pitchFamily="49" charset="0"/>
+              </a:rPr>
+              <a:t> the Movielens data </a:t>
+            </a:r>
+            <a:r>
+              <a:rPr lang="nl-NL" sz="1400" kern="0" dirty="0" err="1" smtClean="0">
+                <a:latin typeface="Courier New" panose="02070309020205020404" pitchFamily="49" charset="0"/>
+                <a:cs typeface="Courier New" panose="02070309020205020404" pitchFamily="49" charset="0"/>
+              </a:rPr>
+              <a:t>to</a:t>
+            </a:r>
+            <a:r>
+              <a:rPr lang="nl-NL" sz="1400" kern="0" dirty="0" smtClean="0">
+                <a:latin typeface="Courier New" panose="02070309020205020404" pitchFamily="49" charset="0"/>
+                <a:cs typeface="Courier New" panose="02070309020205020404" pitchFamily="49" charset="0"/>
+              </a:rPr>
+              <a:t> </a:t>
+            </a:r>
+            <a:r>
+              <a:rPr lang="nl-NL" sz="1400" kern="0" dirty="0" err="1" smtClean="0">
+                <a:latin typeface="Courier New" panose="02070309020205020404" pitchFamily="49" charset="0"/>
+                <a:cs typeface="Courier New" panose="02070309020205020404" pitchFamily="49" charset="0"/>
+              </a:rPr>
+              <a:t>find</a:t>
+            </a:r>
+            <a:r>
+              <a:rPr lang="nl-NL" sz="1400" kern="0" dirty="0" smtClean="0">
+                <a:latin typeface="Courier New" panose="02070309020205020404" pitchFamily="49" charset="0"/>
+                <a:cs typeface="Courier New" panose="02070309020205020404" pitchFamily="49" charset="0"/>
+              </a:rPr>
+              <a:t> user clusters </a:t>
+            </a:r>
+            <a:r>
+              <a:rPr lang="nl-NL" sz="1400" kern="0" dirty="0" err="1" smtClean="0">
+                <a:latin typeface="Courier New" panose="02070309020205020404" pitchFamily="49" charset="0"/>
+                <a:cs typeface="Courier New" panose="02070309020205020404" pitchFamily="49" charset="0"/>
+              </a:rPr>
+              <a:t>with</a:t>
+            </a:r>
+            <a:r>
+              <a:rPr lang="nl-NL" sz="1400" kern="0" dirty="0" smtClean="0">
+                <a:latin typeface="Courier New" panose="02070309020205020404" pitchFamily="49" charset="0"/>
+                <a:cs typeface="Courier New" panose="02070309020205020404" pitchFamily="49" charset="0"/>
+              </a:rPr>
+              <a:t> </a:t>
+            </a:r>
+            <a:r>
+              <a:rPr lang="nl-NL" sz="1400" kern="0" dirty="0" err="1" smtClean="0">
+                <a:latin typeface="Courier New" panose="02070309020205020404" pitchFamily="49" charset="0"/>
+                <a:cs typeface="Courier New" panose="02070309020205020404" pitchFamily="49" charset="0"/>
+              </a:rPr>
+              <a:t>similar</a:t>
+            </a:r>
+            <a:r>
+              <a:rPr lang="nl-NL" sz="1400" kern="0" dirty="0" smtClean="0">
+                <a:latin typeface="Courier New" panose="02070309020205020404" pitchFamily="49" charset="0"/>
+                <a:cs typeface="Courier New" panose="02070309020205020404" pitchFamily="49" charset="0"/>
+              </a:rPr>
+              <a:t> taste</a:t>
+            </a:r>
+            <a:r>
+              <a:rPr lang="nl-NL" sz="1400" kern="0" dirty="0" smtClean="0">
+                <a:latin typeface="Courier New" panose="02070309020205020404" pitchFamily="49" charset="0"/>
+                <a:cs typeface="Courier New" panose="02070309020205020404" pitchFamily="49" charset="0"/>
+              </a:rPr>
+              <a:t>. The first part has been </a:t>
+            </a:r>
+            <a:r>
+              <a:rPr lang="nl-NL" sz="1400" kern="0" dirty="0" err="1" smtClean="0">
+                <a:latin typeface="Courier New" panose="02070309020205020404" pitchFamily="49" charset="0"/>
+                <a:cs typeface="Courier New" panose="02070309020205020404" pitchFamily="49" charset="0"/>
+              </a:rPr>
+              <a:t>done</a:t>
+            </a:r>
+            <a:r>
+              <a:rPr lang="nl-NL" sz="1400" kern="0" dirty="0" smtClean="0">
+                <a:latin typeface="Courier New" panose="02070309020205020404" pitchFamily="49" charset="0"/>
+                <a:cs typeface="Courier New" panose="02070309020205020404" pitchFamily="49" charset="0"/>
+              </a:rPr>
+              <a:t>, </a:t>
+            </a:r>
+            <a:r>
+              <a:rPr lang="nl-NL" sz="1400" kern="0" dirty="0" err="1" smtClean="0">
+                <a:latin typeface="Courier New" panose="02070309020205020404" pitchFamily="49" charset="0"/>
+                <a:cs typeface="Courier New" panose="02070309020205020404" pitchFamily="49" charset="0"/>
+              </a:rPr>
+              <a:t>see</a:t>
+            </a:r>
+            <a:r>
+              <a:rPr lang="nl-NL" sz="1400" kern="0" dirty="0" smtClean="0">
+                <a:latin typeface="Courier New" panose="02070309020205020404" pitchFamily="49" charset="0"/>
+                <a:cs typeface="Courier New" panose="02070309020205020404" pitchFamily="49" charset="0"/>
+              </a:rPr>
+              <a:t> </a:t>
+            </a:r>
+            <a:r>
+              <a:rPr lang="nl-NL" sz="1400" i="1" kern="0" dirty="0" err="1" smtClean="0">
+                <a:latin typeface="Courier New" panose="02070309020205020404" pitchFamily="49" charset="0"/>
+                <a:cs typeface="Courier New" panose="02070309020205020404" pitchFamily="49" charset="0"/>
+              </a:rPr>
+              <a:t>movielens_clustering</a:t>
+            </a:r>
+            <a:r>
+              <a:rPr lang="nl-NL" sz="1400" kern="0" dirty="0" smtClean="0">
+                <a:latin typeface="Courier New" panose="02070309020205020404" pitchFamily="49" charset="0"/>
+                <a:cs typeface="Courier New" panose="02070309020205020404" pitchFamily="49" charset="0"/>
+              </a:rPr>
+              <a:t> in the </a:t>
+            </a:r>
+            <a:r>
+              <a:rPr lang="nl-NL" sz="1400" i="1" kern="0" dirty="0" err="1" smtClean="0">
+                <a:latin typeface="Courier New" panose="02070309020205020404" pitchFamily="49" charset="0"/>
+                <a:cs typeface="Courier New" panose="02070309020205020404" pitchFamily="49" charset="0"/>
+              </a:rPr>
+              <a:t>Examples</a:t>
+            </a:r>
+            <a:r>
+              <a:rPr lang="nl-NL" sz="1400" kern="0" dirty="0" smtClean="0">
+                <a:latin typeface="Courier New" panose="02070309020205020404" pitchFamily="49" charset="0"/>
+                <a:cs typeface="Courier New" panose="02070309020205020404" pitchFamily="49" charset="0"/>
+              </a:rPr>
+              <a:t> folder.</a:t>
+            </a:r>
+            <a:endParaRPr lang="nl-NL" sz="1400" kern="0" dirty="0" smtClean="0">
+              <a:latin typeface="Courier New" panose="02070309020205020404" pitchFamily="49" charset="0"/>
+              <a:cs typeface="Courier New" panose="02070309020205020404" pitchFamily="49" charset="0"/>
+            </a:endParaRPr>
+          </a:p>
+          <a:p>
+            <a:pPr marL="0" indent="0">
+              <a:buFont typeface="Zapf Dingbats" charset="2"/>
+              <a:buNone/>
+            </a:pPr>
+            <a:endParaRPr lang="nl-NL" sz="1400" kern="0" dirty="0">
+              <a:latin typeface="Courier New" panose="02070309020205020404" pitchFamily="49" charset="0"/>
+              <a:cs typeface="Courier New" panose="02070309020205020404" pitchFamily="49" charset="0"/>
+            </a:endParaRPr>
+          </a:p>
+          <a:p>
+            <a:pPr>
+              <a:buFont typeface="+mj-lt"/>
+              <a:buAutoNum type="arabicPeriod"/>
+            </a:pPr>
+            <a:r>
+              <a:rPr lang="nl-NL" sz="1400" kern="0" dirty="0" err="1" smtClean="0">
+                <a:latin typeface="Courier New" panose="02070309020205020404" pitchFamily="49" charset="0"/>
+                <a:cs typeface="Courier New" panose="02070309020205020404" pitchFamily="49" charset="0"/>
+              </a:rPr>
+              <a:t>What</a:t>
+            </a:r>
+            <a:r>
+              <a:rPr lang="nl-NL" sz="1400" kern="0" dirty="0" smtClean="0">
+                <a:latin typeface="Courier New" panose="02070309020205020404" pitchFamily="49" charset="0"/>
+                <a:cs typeface="Courier New" panose="02070309020205020404" pitchFamily="49" charset="0"/>
+              </a:rPr>
+              <a:t> </a:t>
+            </a:r>
+            <a:r>
+              <a:rPr lang="nl-NL" sz="1400" kern="0" dirty="0" err="1" smtClean="0">
+                <a:latin typeface="Courier New" panose="02070309020205020404" pitchFamily="49" charset="0"/>
+                <a:cs typeface="Courier New" panose="02070309020205020404" pitchFamily="49" charset="0"/>
+              </a:rPr>
+              <a:t>would</a:t>
+            </a:r>
+            <a:r>
+              <a:rPr lang="nl-NL" sz="1400" kern="0" dirty="0" smtClean="0">
+                <a:latin typeface="Courier New" panose="02070309020205020404" pitchFamily="49" charset="0"/>
+                <a:cs typeface="Courier New" panose="02070309020205020404" pitchFamily="49" charset="0"/>
+              </a:rPr>
+              <a:t> </a:t>
+            </a:r>
+            <a:r>
+              <a:rPr lang="nl-NL" sz="1400" kern="0" dirty="0" err="1" smtClean="0">
+                <a:latin typeface="Courier New" panose="02070309020205020404" pitchFamily="49" charset="0"/>
+                <a:cs typeface="Courier New" panose="02070309020205020404" pitchFamily="49" charset="0"/>
+              </a:rPr>
+              <a:t>be</a:t>
+            </a:r>
+            <a:r>
+              <a:rPr lang="nl-NL" sz="1400" kern="0" dirty="0" smtClean="0">
+                <a:latin typeface="Courier New" panose="02070309020205020404" pitchFamily="49" charset="0"/>
+                <a:cs typeface="Courier New" panose="02070309020205020404" pitchFamily="49" charset="0"/>
+              </a:rPr>
+              <a:t> a </a:t>
+            </a:r>
+            <a:r>
+              <a:rPr lang="nl-NL" sz="1400" kern="0" dirty="0" err="1" smtClean="0">
+                <a:latin typeface="Courier New" panose="02070309020205020404" pitchFamily="49" charset="0"/>
+                <a:cs typeface="Courier New" panose="02070309020205020404" pitchFamily="49" charset="0"/>
+              </a:rPr>
+              <a:t>suitable</a:t>
+            </a:r>
+            <a:r>
+              <a:rPr lang="nl-NL" sz="1400" kern="0" dirty="0" smtClean="0">
+                <a:latin typeface="Courier New" panose="02070309020205020404" pitchFamily="49" charset="0"/>
+                <a:cs typeface="Courier New" panose="02070309020205020404" pitchFamily="49" charset="0"/>
+              </a:rPr>
+              <a:t> </a:t>
+            </a:r>
+            <a:r>
+              <a:rPr lang="nl-NL" sz="1400" kern="0" dirty="0" err="1" smtClean="0">
+                <a:latin typeface="Courier New" panose="02070309020205020404" pitchFamily="49" charset="0"/>
+                <a:cs typeface="Courier New" panose="02070309020205020404" pitchFamily="49" charset="0"/>
+              </a:rPr>
+              <a:t>number</a:t>
+            </a:r>
+            <a:r>
+              <a:rPr lang="nl-NL" sz="1400" kern="0" dirty="0" smtClean="0">
+                <a:latin typeface="Courier New" panose="02070309020205020404" pitchFamily="49" charset="0"/>
+                <a:cs typeface="Courier New" panose="02070309020205020404" pitchFamily="49" charset="0"/>
+              </a:rPr>
+              <a:t> of clusters </a:t>
+            </a:r>
+            <a:r>
+              <a:rPr lang="nl-NL" sz="1400" kern="0" dirty="0" err="1" smtClean="0">
+                <a:latin typeface="Courier New" panose="02070309020205020404" pitchFamily="49" charset="0"/>
+                <a:cs typeface="Courier New" panose="02070309020205020404" pitchFamily="49" charset="0"/>
+              </a:rPr>
+              <a:t>to</a:t>
+            </a:r>
+            <a:r>
+              <a:rPr lang="nl-NL" sz="1400" kern="0" dirty="0" smtClean="0">
+                <a:latin typeface="Courier New" panose="02070309020205020404" pitchFamily="49" charset="0"/>
+                <a:cs typeface="Courier New" panose="02070309020205020404" pitchFamily="49" charset="0"/>
+              </a:rPr>
+              <a:t> </a:t>
+            </a:r>
+            <a:r>
+              <a:rPr lang="nl-NL" sz="1400" kern="0" dirty="0" err="1" smtClean="0">
+                <a:latin typeface="Courier New" panose="02070309020205020404" pitchFamily="49" charset="0"/>
+                <a:cs typeface="Courier New" panose="02070309020205020404" pitchFamily="49" charset="0"/>
+              </a:rPr>
+              <a:t>divide</a:t>
+            </a:r>
+            <a:r>
+              <a:rPr lang="nl-NL" sz="1400" kern="0" dirty="0" smtClean="0">
+                <a:latin typeface="Courier New" panose="02070309020205020404" pitchFamily="49" charset="0"/>
+                <a:cs typeface="Courier New" panose="02070309020205020404" pitchFamily="49" charset="0"/>
+              </a:rPr>
+              <a:t> </a:t>
+            </a:r>
+            <a:r>
+              <a:rPr lang="nl-NL" sz="1400" kern="0" dirty="0" err="1" smtClean="0">
+                <a:latin typeface="Courier New" panose="02070309020205020404" pitchFamily="49" charset="0"/>
+                <a:cs typeface="Courier New" panose="02070309020205020404" pitchFamily="49" charset="0"/>
+              </a:rPr>
+              <a:t>moviegoers</a:t>
+            </a:r>
+            <a:r>
+              <a:rPr lang="nl-NL" sz="1400" kern="0" dirty="0" smtClean="0">
+                <a:latin typeface="Courier New" panose="02070309020205020404" pitchFamily="49" charset="0"/>
+                <a:cs typeface="Courier New" panose="02070309020205020404" pitchFamily="49" charset="0"/>
+              </a:rPr>
+              <a:t> </a:t>
+            </a:r>
+            <a:r>
+              <a:rPr lang="nl-NL" sz="1400" kern="0" dirty="0" err="1" smtClean="0">
+                <a:latin typeface="Courier New" panose="02070309020205020404" pitchFamily="49" charset="0"/>
+                <a:cs typeface="Courier New" panose="02070309020205020404" pitchFamily="49" charset="0"/>
+              </a:rPr>
+              <a:t>into</a:t>
+            </a:r>
+            <a:r>
+              <a:rPr lang="nl-NL" sz="1400" kern="0" dirty="0" smtClean="0">
+                <a:latin typeface="Courier New" panose="02070309020205020404" pitchFamily="49" charset="0"/>
+                <a:cs typeface="Courier New" panose="02070309020205020404" pitchFamily="49" charset="0"/>
+              </a:rPr>
+              <a:t>? </a:t>
+            </a:r>
+          </a:p>
+          <a:p>
+            <a:pPr>
+              <a:buFont typeface="+mj-lt"/>
+              <a:buAutoNum type="arabicPeriod"/>
+            </a:pPr>
+            <a:endParaRPr lang="nl-NL" sz="1400" kern="0" dirty="0">
+              <a:latin typeface="Courier New" panose="02070309020205020404" pitchFamily="49" charset="0"/>
+              <a:cs typeface="Courier New" panose="02070309020205020404" pitchFamily="49" charset="0"/>
+            </a:endParaRPr>
+          </a:p>
+          <a:p>
+            <a:pPr>
+              <a:buFont typeface="+mj-lt"/>
+              <a:buAutoNum type="arabicPeriod"/>
+            </a:pPr>
+            <a:r>
+              <a:rPr lang="nl-NL" sz="1400" kern="0" dirty="0" err="1" smtClean="0">
+                <a:latin typeface="Courier New" panose="02070309020205020404" pitchFamily="49" charset="0"/>
+                <a:cs typeface="Courier New" panose="02070309020205020404" pitchFamily="49" charset="0"/>
+              </a:rPr>
+              <a:t>Apply</a:t>
+            </a:r>
+            <a:r>
+              <a:rPr lang="nl-NL" sz="1400" kern="0" dirty="0" smtClean="0">
+                <a:latin typeface="Courier New" panose="02070309020205020404" pitchFamily="49" charset="0"/>
+                <a:cs typeface="Courier New" panose="02070309020205020404" pitchFamily="49" charset="0"/>
+              </a:rPr>
+              <a:t> the </a:t>
+            </a:r>
+            <a:r>
+              <a:rPr lang="nl-NL" sz="1400" i="1" kern="0" dirty="0" smtClean="0">
+                <a:latin typeface="Courier New" panose="02070309020205020404" pitchFamily="49" charset="0"/>
+                <a:cs typeface="Courier New" panose="02070309020205020404" pitchFamily="49" charset="0"/>
+              </a:rPr>
+              <a:t>k</a:t>
+            </a:r>
+            <a:r>
+              <a:rPr lang="nl-NL" sz="1400" kern="0" dirty="0" smtClean="0">
+                <a:latin typeface="Courier New" panose="02070309020205020404" pitchFamily="49" charset="0"/>
+                <a:cs typeface="Courier New" panose="02070309020205020404" pitchFamily="49" charset="0"/>
+              </a:rPr>
+              <a:t>-means </a:t>
+            </a:r>
+            <a:r>
+              <a:rPr lang="nl-NL" sz="1400" kern="0" dirty="0" err="1" smtClean="0">
+                <a:latin typeface="Courier New" panose="02070309020205020404" pitchFamily="49" charset="0"/>
+                <a:cs typeface="Courier New" panose="02070309020205020404" pitchFamily="49" charset="0"/>
+              </a:rPr>
+              <a:t>algorithm</a:t>
+            </a:r>
+            <a:r>
+              <a:rPr lang="nl-NL" sz="1400" kern="0" dirty="0" smtClean="0">
+                <a:latin typeface="Courier New" panose="02070309020205020404" pitchFamily="49" charset="0"/>
+                <a:cs typeface="Courier New" panose="02070309020205020404" pitchFamily="49" charset="0"/>
+              </a:rPr>
+              <a:t> </a:t>
+            </a:r>
+            <a:r>
+              <a:rPr lang="nl-NL" sz="1400" kern="0" dirty="0" err="1" smtClean="0">
+                <a:latin typeface="Courier New" panose="02070309020205020404" pitchFamily="49" charset="0"/>
+                <a:cs typeface="Courier New" panose="02070309020205020404" pitchFamily="49" charset="0"/>
+              </a:rPr>
+              <a:t>to</a:t>
+            </a:r>
+            <a:r>
+              <a:rPr lang="nl-NL" sz="1400" kern="0" dirty="0" smtClean="0">
+                <a:latin typeface="Courier New" panose="02070309020205020404" pitchFamily="49" charset="0"/>
+                <a:cs typeface="Courier New" panose="02070309020205020404" pitchFamily="49" charset="0"/>
+              </a:rPr>
+              <a:t> the Movielens user-item matrix </a:t>
+            </a:r>
+            <a:r>
+              <a:rPr lang="nl-NL" sz="1400" kern="0" dirty="0" err="1" smtClean="0">
+                <a:latin typeface="Courier New" panose="02070309020205020404" pitchFamily="49" charset="0"/>
+                <a:cs typeface="Courier New" panose="02070309020205020404" pitchFamily="49" charset="0"/>
+              </a:rPr>
+              <a:t>that</a:t>
+            </a:r>
+            <a:r>
+              <a:rPr lang="nl-NL" sz="1400" kern="0" dirty="0" smtClean="0">
+                <a:latin typeface="Courier New" panose="02070309020205020404" pitchFamily="49" charset="0"/>
+                <a:cs typeface="Courier New" panose="02070309020205020404" pitchFamily="49" charset="0"/>
+              </a:rPr>
+              <a:t> </a:t>
+            </a:r>
+            <a:r>
+              <a:rPr lang="nl-NL" sz="1400" kern="0" dirty="0" smtClean="0">
+                <a:latin typeface="Courier New" panose="02070309020205020404" pitchFamily="49" charset="0"/>
+                <a:cs typeface="Courier New" panose="02070309020205020404" pitchFamily="49" charset="0"/>
+              </a:rPr>
+              <a:t>is in the code. </a:t>
+            </a:r>
+            <a:r>
+              <a:rPr lang="nl-NL" sz="1400" kern="0" dirty="0" smtClean="0">
+                <a:latin typeface="Courier New" panose="02070309020205020404" pitchFamily="49" charset="0"/>
+                <a:cs typeface="Courier New" panose="02070309020205020404" pitchFamily="49" charset="0"/>
+              </a:rPr>
+              <a:t>Store the cluster </a:t>
+            </a:r>
+            <a:r>
+              <a:rPr lang="nl-NL" sz="1400" kern="0" dirty="0" err="1" smtClean="0">
+                <a:latin typeface="Courier New" panose="02070309020205020404" pitchFamily="49" charset="0"/>
+                <a:cs typeface="Courier New" panose="02070309020205020404" pitchFamily="49" charset="0"/>
+              </a:rPr>
+              <a:t>predictions</a:t>
+            </a:r>
+            <a:r>
+              <a:rPr lang="nl-NL" sz="1400" kern="0" dirty="0">
+                <a:latin typeface="Courier New" panose="02070309020205020404" pitchFamily="49" charset="0"/>
+                <a:cs typeface="Courier New" panose="02070309020205020404" pitchFamily="49" charset="0"/>
+              </a:rPr>
+              <a:t> </a:t>
+            </a:r>
+            <a:r>
+              <a:rPr lang="nl-NL" sz="1400" kern="0" dirty="0" smtClean="0">
+                <a:latin typeface="Courier New" panose="02070309020205020404" pitchFamily="49" charset="0"/>
+                <a:cs typeface="Courier New" panose="02070309020205020404" pitchFamily="49" charset="0"/>
+              </a:rPr>
+              <a:t>in the </a:t>
+            </a:r>
+            <a:r>
+              <a:rPr lang="nl-NL" sz="1400" b="1" kern="0" dirty="0" err="1" smtClean="0">
+                <a:latin typeface="Courier New" panose="02070309020205020404" pitchFamily="49" charset="0"/>
+                <a:cs typeface="Courier New" panose="02070309020205020404" pitchFamily="49" charset="0"/>
+              </a:rPr>
+              <a:t>original</a:t>
+            </a:r>
+            <a:r>
+              <a:rPr lang="nl-NL" sz="1400" b="1" kern="0" dirty="0" smtClean="0">
+                <a:latin typeface="Courier New" panose="02070309020205020404" pitchFamily="49" charset="0"/>
+                <a:cs typeface="Courier New" panose="02070309020205020404" pitchFamily="49" charset="0"/>
+              </a:rPr>
+              <a:t> </a:t>
+            </a:r>
+            <a:r>
+              <a:rPr lang="nl-NL" sz="1400" i="1" kern="0" dirty="0" smtClean="0">
+                <a:latin typeface="Courier New" panose="02070309020205020404" pitchFamily="49" charset="0"/>
+                <a:cs typeface="Courier New" panose="02070309020205020404" pitchFamily="49" charset="0"/>
+              </a:rPr>
+              <a:t>ratings </a:t>
+            </a:r>
+            <a:r>
+              <a:rPr lang="nl-NL" sz="1400" kern="0" dirty="0" smtClean="0">
+                <a:latin typeface="Courier New" panose="02070309020205020404" pitchFamily="49" charset="0"/>
+                <a:cs typeface="Courier New" panose="02070309020205020404" pitchFamily="49" charset="0"/>
+              </a:rPr>
+              <a:t>dataframe </a:t>
+            </a:r>
+            <a:r>
+              <a:rPr lang="nl-NL" sz="1400" kern="0" dirty="0" err="1" smtClean="0">
+                <a:latin typeface="Courier New" panose="02070309020205020404" pitchFamily="49" charset="0"/>
+                <a:cs typeface="Courier New" panose="02070309020205020404" pitchFamily="49" charset="0"/>
+              </a:rPr>
+              <a:t>and</a:t>
+            </a:r>
+            <a:r>
+              <a:rPr lang="nl-NL" sz="1400" kern="0" dirty="0" smtClean="0">
+                <a:latin typeface="Courier New" panose="02070309020205020404" pitchFamily="49" charset="0"/>
+                <a:cs typeface="Courier New" panose="02070309020205020404" pitchFamily="49" charset="0"/>
+              </a:rPr>
+              <a:t> continue </a:t>
+            </a:r>
+            <a:r>
+              <a:rPr lang="nl-NL" sz="1400" kern="0" dirty="0" err="1" smtClean="0">
+                <a:latin typeface="Courier New" panose="02070309020205020404" pitchFamily="49" charset="0"/>
+                <a:cs typeface="Courier New" panose="02070309020205020404" pitchFamily="49" charset="0"/>
+              </a:rPr>
+              <a:t>working</a:t>
+            </a:r>
+            <a:r>
+              <a:rPr lang="nl-NL" sz="1400" kern="0" dirty="0" smtClean="0">
+                <a:latin typeface="Courier New" panose="02070309020205020404" pitchFamily="49" charset="0"/>
+                <a:cs typeface="Courier New" panose="02070309020205020404" pitchFamily="49" charset="0"/>
+              </a:rPr>
+              <a:t> </a:t>
+            </a:r>
+            <a:r>
+              <a:rPr lang="nl-NL" sz="1400" kern="0" dirty="0" err="1" smtClean="0">
+                <a:latin typeface="Courier New" panose="02070309020205020404" pitchFamily="49" charset="0"/>
+                <a:cs typeface="Courier New" panose="02070309020205020404" pitchFamily="49" charset="0"/>
+              </a:rPr>
+              <a:t>with</a:t>
+            </a:r>
+            <a:r>
+              <a:rPr lang="nl-NL" sz="1400" kern="0" dirty="0" smtClean="0">
+                <a:latin typeface="Courier New" panose="02070309020205020404" pitchFamily="49" charset="0"/>
+                <a:cs typeface="Courier New" panose="02070309020205020404" pitchFamily="49" charset="0"/>
+              </a:rPr>
+              <a:t> </a:t>
+            </a:r>
+            <a:r>
+              <a:rPr lang="nl-NL" sz="1400" kern="0" dirty="0" err="1" smtClean="0">
+                <a:latin typeface="Courier New" panose="02070309020205020404" pitchFamily="49" charset="0"/>
+                <a:cs typeface="Courier New" panose="02070309020205020404" pitchFamily="49" charset="0"/>
+              </a:rPr>
+              <a:t>that</a:t>
+            </a:r>
+            <a:r>
+              <a:rPr lang="nl-NL" sz="1400" kern="0" dirty="0" smtClean="0">
+                <a:latin typeface="Courier New" panose="02070309020205020404" pitchFamily="49" charset="0"/>
+                <a:cs typeface="Courier New" panose="02070309020205020404" pitchFamily="49" charset="0"/>
+              </a:rPr>
+              <a:t> dataframe (</a:t>
+            </a:r>
+            <a:r>
+              <a:rPr lang="nl-NL" sz="1400" kern="0" dirty="0" err="1" smtClean="0">
+                <a:latin typeface="Courier New" panose="02070309020205020404" pitchFamily="49" charset="0"/>
+                <a:cs typeface="Courier New" panose="02070309020205020404" pitchFamily="49" charset="0"/>
+              </a:rPr>
+              <a:t>why</a:t>
+            </a:r>
+            <a:r>
+              <a:rPr lang="nl-NL" sz="1400" kern="0" dirty="0" smtClean="0">
+                <a:latin typeface="Courier New" panose="02070309020205020404" pitchFamily="49" charset="0"/>
+                <a:cs typeface="Courier New" panose="02070309020205020404" pitchFamily="49" charset="0"/>
+              </a:rPr>
+              <a:t>?).</a:t>
+            </a:r>
+          </a:p>
+          <a:p>
+            <a:pPr>
+              <a:buFont typeface="+mj-lt"/>
+              <a:buAutoNum type="arabicPeriod"/>
+            </a:pPr>
+            <a:endParaRPr lang="nl-NL" sz="1400" kern="0" dirty="0">
+              <a:latin typeface="Courier New" panose="02070309020205020404" pitchFamily="49" charset="0"/>
+              <a:cs typeface="Courier New" panose="02070309020205020404" pitchFamily="49" charset="0"/>
+            </a:endParaRPr>
+          </a:p>
+          <a:p>
+            <a:pPr>
+              <a:buFont typeface="+mj-lt"/>
+              <a:buAutoNum type="arabicPeriod"/>
+            </a:pPr>
+            <a:r>
+              <a:rPr lang="nl-NL" sz="1400" kern="0" dirty="0" smtClean="0">
+                <a:latin typeface="Courier New" panose="02070309020205020404" pitchFamily="49" charset="0"/>
+                <a:cs typeface="Courier New" panose="02070309020205020404" pitchFamily="49" charset="0"/>
+              </a:rPr>
+              <a:t>How </a:t>
+            </a:r>
+            <a:r>
+              <a:rPr lang="nl-NL" sz="1400" kern="0" dirty="0" err="1" smtClean="0">
+                <a:latin typeface="Courier New" panose="02070309020205020404" pitchFamily="49" charset="0"/>
+                <a:cs typeface="Courier New" panose="02070309020205020404" pitchFamily="49" charset="0"/>
+              </a:rPr>
+              <a:t>many</a:t>
+            </a:r>
+            <a:r>
+              <a:rPr lang="nl-NL" sz="1400" kern="0" dirty="0" smtClean="0">
+                <a:latin typeface="Courier New" panose="02070309020205020404" pitchFamily="49" charset="0"/>
+                <a:cs typeface="Courier New" panose="02070309020205020404" pitchFamily="49" charset="0"/>
+              </a:rPr>
+              <a:t> users are </a:t>
+            </a:r>
+            <a:r>
+              <a:rPr lang="nl-NL" sz="1400" kern="0" dirty="0" err="1" smtClean="0">
+                <a:latin typeface="Courier New" panose="02070309020205020404" pitchFamily="49" charset="0"/>
+                <a:cs typeface="Courier New" panose="02070309020205020404" pitchFamily="49" charset="0"/>
+              </a:rPr>
+              <a:t>there</a:t>
+            </a:r>
+            <a:r>
+              <a:rPr lang="nl-NL" sz="1400" kern="0" dirty="0" smtClean="0">
+                <a:latin typeface="Courier New" panose="02070309020205020404" pitchFamily="49" charset="0"/>
+                <a:cs typeface="Courier New" panose="02070309020205020404" pitchFamily="49" charset="0"/>
+              </a:rPr>
+              <a:t> per cluster (</a:t>
+            </a:r>
+            <a:r>
+              <a:rPr lang="nl-NL" sz="1400" kern="0" dirty="0" err="1" smtClean="0">
+                <a:latin typeface="Courier New" panose="02070309020205020404" pitchFamily="49" charset="0"/>
+                <a:cs typeface="Courier New" panose="02070309020205020404" pitchFamily="49" charset="0"/>
+              </a:rPr>
+              <a:t>which</a:t>
+            </a:r>
+            <a:r>
+              <a:rPr lang="nl-NL" sz="1400" kern="0" dirty="0" smtClean="0">
+                <a:latin typeface="Courier New" panose="02070309020205020404" pitchFamily="49" charset="0"/>
+                <a:cs typeface="Courier New" panose="02070309020205020404" pitchFamily="49" charset="0"/>
+              </a:rPr>
+              <a:t> </a:t>
+            </a:r>
+            <a:r>
+              <a:rPr lang="nl-NL" sz="1400" kern="0" dirty="0" err="1" smtClean="0">
+                <a:latin typeface="Courier New" panose="02070309020205020404" pitchFamily="49" charset="0"/>
+                <a:cs typeface="Courier New" panose="02070309020205020404" pitchFamily="49" charset="0"/>
+              </a:rPr>
+              <a:t>Pandas</a:t>
+            </a:r>
+            <a:r>
+              <a:rPr lang="nl-NL" sz="1400" kern="0" dirty="0" smtClean="0">
+                <a:latin typeface="Courier New" panose="02070309020205020404" pitchFamily="49" charset="0"/>
+                <a:cs typeface="Courier New" panose="02070309020205020404" pitchFamily="49" charset="0"/>
+              </a:rPr>
+              <a:t> </a:t>
+            </a:r>
+            <a:r>
+              <a:rPr lang="nl-NL" sz="1400" kern="0" dirty="0" err="1" smtClean="0">
+                <a:latin typeface="Courier New" panose="02070309020205020404" pitchFamily="49" charset="0"/>
+                <a:cs typeface="Courier New" panose="02070309020205020404" pitchFamily="49" charset="0"/>
+              </a:rPr>
+              <a:t>function</a:t>
+            </a:r>
+            <a:r>
+              <a:rPr lang="nl-NL" sz="1400" kern="0" dirty="0" smtClean="0">
+                <a:latin typeface="Courier New" panose="02070309020205020404" pitchFamily="49" charset="0"/>
+                <a:cs typeface="Courier New" panose="02070309020205020404" pitchFamily="49" charset="0"/>
+              </a:rPr>
+              <a:t> do </a:t>
+            </a:r>
+            <a:r>
+              <a:rPr lang="nl-NL" sz="1400" kern="0" dirty="0" err="1" smtClean="0">
+                <a:latin typeface="Courier New" panose="02070309020205020404" pitchFamily="49" charset="0"/>
+                <a:cs typeface="Courier New" panose="02070309020205020404" pitchFamily="49" charset="0"/>
+              </a:rPr>
+              <a:t>you</a:t>
+            </a:r>
+            <a:r>
+              <a:rPr lang="nl-NL" sz="1400" kern="0" dirty="0" smtClean="0">
+                <a:latin typeface="Courier New" panose="02070309020205020404" pitchFamily="49" charset="0"/>
+                <a:cs typeface="Courier New" panose="02070309020205020404" pitchFamily="49" charset="0"/>
+              </a:rPr>
+              <a:t> </a:t>
+            </a:r>
+            <a:r>
+              <a:rPr lang="nl-NL" sz="1400" kern="0" dirty="0" err="1" smtClean="0">
+                <a:latin typeface="Courier New" panose="02070309020205020404" pitchFamily="49" charset="0"/>
+                <a:cs typeface="Courier New" panose="02070309020205020404" pitchFamily="49" charset="0"/>
+              </a:rPr>
+              <a:t>need</a:t>
+            </a:r>
+            <a:r>
+              <a:rPr lang="nl-NL" sz="1400" kern="0" dirty="0" smtClean="0">
+                <a:latin typeface="Courier New" panose="02070309020205020404" pitchFamily="49" charset="0"/>
+                <a:cs typeface="Courier New" panose="02070309020205020404" pitchFamily="49" charset="0"/>
+              </a:rPr>
+              <a:t>?)?</a:t>
+            </a:r>
+            <a:endParaRPr lang="nl-NL" sz="1400" kern="0" dirty="0" smtClean="0">
+              <a:latin typeface="Courier New" panose="02070309020205020404" pitchFamily="49" charset="0"/>
+              <a:cs typeface="Courier New" panose="02070309020205020404" pitchFamily="49" charset="0"/>
+            </a:endParaRPr>
+          </a:p>
+          <a:p>
+            <a:pPr>
+              <a:buFont typeface="+mj-lt"/>
+              <a:buAutoNum type="arabicPeriod"/>
+            </a:pPr>
+            <a:endParaRPr lang="nl-NL" sz="1400" kern="0" dirty="0">
+              <a:latin typeface="Courier New" panose="02070309020205020404" pitchFamily="49" charset="0"/>
+              <a:cs typeface="Courier New" panose="02070309020205020404" pitchFamily="49" charset="0"/>
+            </a:endParaRPr>
+          </a:p>
+          <a:p>
+            <a:pPr>
+              <a:buFont typeface="+mj-lt"/>
+              <a:buAutoNum type="arabicPeriod"/>
+            </a:pPr>
+            <a:r>
+              <a:rPr lang="nl-NL" sz="1400" kern="0" dirty="0" err="1" smtClean="0">
+                <a:latin typeface="Courier New" panose="02070309020205020404" pitchFamily="49" charset="0"/>
+                <a:cs typeface="Courier New" panose="02070309020205020404" pitchFamily="49" charset="0"/>
+              </a:rPr>
+              <a:t>Calculate</a:t>
+            </a:r>
+            <a:r>
+              <a:rPr lang="nl-NL" sz="1400" kern="0" dirty="0" smtClean="0">
+                <a:latin typeface="Courier New" panose="02070309020205020404" pitchFamily="49" charset="0"/>
+                <a:cs typeface="Courier New" panose="02070309020205020404" pitchFamily="49" charset="0"/>
+              </a:rPr>
+              <a:t> the mean rating </a:t>
+            </a:r>
+            <a:r>
+              <a:rPr lang="nl-NL" sz="1400" kern="0" dirty="0" err="1" smtClean="0">
+                <a:latin typeface="Courier New" panose="02070309020205020404" pitchFamily="49" charset="0"/>
+                <a:cs typeface="Courier New" panose="02070309020205020404" pitchFamily="49" charset="0"/>
+              </a:rPr>
+              <a:t>by</a:t>
+            </a:r>
+            <a:r>
+              <a:rPr lang="nl-NL" sz="1400" kern="0" dirty="0" smtClean="0">
+                <a:latin typeface="Courier New" panose="02070309020205020404" pitchFamily="49" charset="0"/>
+                <a:cs typeface="Courier New" panose="02070309020205020404" pitchFamily="49" charset="0"/>
+              </a:rPr>
+              <a:t> user cluster </a:t>
+            </a:r>
+            <a:r>
+              <a:rPr lang="nl-NL" sz="1400" kern="0" dirty="0" err="1" smtClean="0">
+                <a:latin typeface="Courier New" panose="02070309020205020404" pitchFamily="49" charset="0"/>
+                <a:cs typeface="Courier New" panose="02070309020205020404" pitchFamily="49" charset="0"/>
+              </a:rPr>
+              <a:t>using</a:t>
+            </a:r>
+            <a:r>
+              <a:rPr lang="nl-NL" sz="1400" kern="0" dirty="0" smtClean="0">
+                <a:latin typeface="Courier New" panose="02070309020205020404" pitchFamily="49" charset="0"/>
+                <a:cs typeface="Courier New" panose="02070309020205020404" pitchFamily="49" charset="0"/>
+              </a:rPr>
+              <a:t> the </a:t>
+            </a:r>
+            <a:r>
+              <a:rPr lang="nl-NL" sz="1400" kern="0" dirty="0" err="1" smtClean="0">
+                <a:latin typeface="Courier New" panose="02070309020205020404" pitchFamily="49" charset="0"/>
+                <a:cs typeface="Courier New" panose="02070309020205020404" pitchFamily="49" charset="0"/>
+              </a:rPr>
+              <a:t>Pandas</a:t>
+            </a:r>
+            <a:r>
+              <a:rPr lang="nl-NL" sz="1400" kern="0" dirty="0" smtClean="0">
+                <a:latin typeface="Courier New" panose="02070309020205020404" pitchFamily="49" charset="0"/>
+                <a:cs typeface="Courier New" panose="02070309020205020404" pitchFamily="49" charset="0"/>
+              </a:rPr>
+              <a:t> </a:t>
+            </a:r>
+            <a:r>
+              <a:rPr lang="nl-NL" sz="1400" i="1" kern="0" dirty="0" err="1" smtClean="0">
+                <a:latin typeface="Courier New" panose="02070309020205020404" pitchFamily="49" charset="0"/>
+                <a:cs typeface="Courier New" panose="02070309020205020404" pitchFamily="49" charset="0"/>
+              </a:rPr>
+              <a:t>pivot_table</a:t>
+            </a:r>
+            <a:r>
+              <a:rPr lang="nl-NL" sz="1400" i="1" kern="0" dirty="0" smtClean="0">
+                <a:latin typeface="Courier New" panose="02070309020205020404" pitchFamily="49" charset="0"/>
+                <a:cs typeface="Courier New" panose="02070309020205020404" pitchFamily="49" charset="0"/>
+              </a:rPr>
+              <a:t> </a:t>
+            </a:r>
+            <a:r>
+              <a:rPr lang="nl-NL" sz="1400" kern="0" dirty="0" err="1" smtClean="0">
+                <a:latin typeface="Courier New" panose="02070309020205020404" pitchFamily="49" charset="0"/>
+                <a:cs typeface="Courier New" panose="02070309020205020404" pitchFamily="49" charset="0"/>
+              </a:rPr>
+              <a:t>function</a:t>
+            </a:r>
+            <a:r>
+              <a:rPr lang="nl-NL" sz="1400" kern="0" dirty="0" smtClean="0">
+                <a:latin typeface="Courier New" panose="02070309020205020404" pitchFamily="49" charset="0"/>
+                <a:cs typeface="Courier New" panose="02070309020205020404" pitchFamily="49" charset="0"/>
+              </a:rPr>
+              <a:t>. </a:t>
+            </a:r>
+            <a:r>
+              <a:rPr lang="nl-NL" sz="1400" kern="0" dirty="0" err="1" smtClean="0">
+                <a:latin typeface="Courier New" panose="02070309020205020404" pitchFamily="49" charset="0"/>
+                <a:cs typeface="Courier New" panose="02070309020205020404" pitchFamily="49" charset="0"/>
+              </a:rPr>
+              <a:t>Pandas</a:t>
+            </a:r>
+            <a:r>
+              <a:rPr lang="nl-NL" sz="1400" kern="0" dirty="0" smtClean="0">
+                <a:latin typeface="Courier New" panose="02070309020205020404" pitchFamily="49" charset="0"/>
+                <a:cs typeface="Courier New" panose="02070309020205020404" pitchFamily="49" charset="0"/>
+              </a:rPr>
+              <a:t> </a:t>
+            </a:r>
+            <a:r>
+              <a:rPr lang="nl-NL" sz="1400" kern="0" dirty="0" err="1" smtClean="0">
+                <a:latin typeface="Courier New" panose="02070309020205020404" pitchFamily="49" charset="0"/>
+                <a:cs typeface="Courier New" panose="02070309020205020404" pitchFamily="49" charset="0"/>
+              </a:rPr>
+              <a:t>will</a:t>
+            </a:r>
+            <a:r>
+              <a:rPr lang="nl-NL" sz="1400" kern="0" dirty="0" smtClean="0">
+                <a:latin typeface="Courier New" panose="02070309020205020404" pitchFamily="49" charset="0"/>
+                <a:cs typeface="Courier New" panose="02070309020205020404" pitchFamily="49" charset="0"/>
+              </a:rPr>
+              <a:t> </a:t>
+            </a:r>
+            <a:r>
+              <a:rPr lang="nl-NL" sz="1400" kern="0" dirty="0" err="1" smtClean="0">
+                <a:latin typeface="Courier New" panose="02070309020205020404" pitchFamily="49" charset="0"/>
+                <a:cs typeface="Courier New" panose="02070309020205020404" pitchFamily="49" charset="0"/>
+              </a:rPr>
+              <a:t>sort</a:t>
+            </a:r>
+            <a:r>
+              <a:rPr lang="nl-NL" sz="1400" kern="0" dirty="0" smtClean="0">
+                <a:latin typeface="Courier New" panose="02070309020205020404" pitchFamily="49" charset="0"/>
+                <a:cs typeface="Courier New" panose="02070309020205020404" pitchFamily="49" charset="0"/>
+              </a:rPr>
+              <a:t> </a:t>
+            </a:r>
+            <a:r>
+              <a:rPr lang="nl-NL" sz="1400" kern="0" dirty="0" err="1" smtClean="0">
+                <a:latin typeface="Courier New" panose="02070309020205020404" pitchFamily="49" charset="0"/>
+                <a:cs typeface="Courier New" panose="02070309020205020404" pitchFamily="49" charset="0"/>
+              </a:rPr>
+              <a:t>alphabetically</a:t>
+            </a:r>
+            <a:r>
+              <a:rPr lang="nl-NL" sz="1400" kern="0" dirty="0" smtClean="0">
+                <a:latin typeface="Courier New" panose="02070309020205020404" pitchFamily="49" charset="0"/>
+                <a:cs typeface="Courier New" panose="02070309020205020404" pitchFamily="49" charset="0"/>
+              </a:rPr>
+              <a:t>, </a:t>
+            </a:r>
+            <a:r>
+              <a:rPr lang="nl-NL" sz="1400" kern="0" dirty="0" err="1" smtClean="0">
+                <a:latin typeface="Courier New" panose="02070309020205020404" pitchFamily="49" charset="0"/>
+                <a:cs typeface="Courier New" panose="02070309020205020404" pitchFamily="49" charset="0"/>
+              </a:rPr>
+              <a:t>so</a:t>
+            </a:r>
+            <a:r>
+              <a:rPr lang="nl-NL" sz="1400" kern="0" dirty="0" smtClean="0">
+                <a:latin typeface="Courier New" panose="02070309020205020404" pitchFamily="49" charset="0"/>
+                <a:cs typeface="Courier New" panose="02070309020205020404" pitchFamily="49" charset="0"/>
+              </a:rPr>
+              <a:t> </a:t>
+            </a:r>
+            <a:r>
+              <a:rPr lang="nl-NL" sz="1400" kern="0" dirty="0" err="1" smtClean="0">
+                <a:latin typeface="Courier New" panose="02070309020205020404" pitchFamily="49" charset="0"/>
+                <a:cs typeface="Courier New" panose="02070309020205020404" pitchFamily="49" charset="0"/>
+              </a:rPr>
+              <a:t>you</a:t>
+            </a:r>
+            <a:r>
+              <a:rPr lang="nl-NL" sz="1400" kern="0" dirty="0" smtClean="0">
+                <a:latin typeface="Courier New" panose="02070309020205020404" pitchFamily="49" charset="0"/>
+                <a:cs typeface="Courier New" panose="02070309020205020404" pitchFamily="49" charset="0"/>
+              </a:rPr>
+              <a:t> </a:t>
+            </a:r>
+            <a:r>
+              <a:rPr lang="nl-NL" sz="1400" kern="0" dirty="0" err="1" smtClean="0">
+                <a:latin typeface="Courier New" panose="02070309020205020404" pitchFamily="49" charset="0"/>
+                <a:cs typeface="Courier New" panose="02070309020205020404" pitchFamily="49" charset="0"/>
+              </a:rPr>
+              <a:t>will</a:t>
+            </a:r>
+            <a:r>
+              <a:rPr lang="nl-NL" sz="1400" kern="0" dirty="0" smtClean="0">
+                <a:latin typeface="Courier New" panose="02070309020205020404" pitchFamily="49" charset="0"/>
+                <a:cs typeface="Courier New" panose="02070309020205020404" pitchFamily="49" charset="0"/>
+              </a:rPr>
+              <a:t> </a:t>
+            </a:r>
+            <a:r>
+              <a:rPr lang="nl-NL" sz="1400" kern="0" dirty="0" err="1" smtClean="0">
+                <a:latin typeface="Courier New" panose="02070309020205020404" pitchFamily="49" charset="0"/>
+                <a:cs typeface="Courier New" panose="02070309020205020404" pitchFamily="49" charset="0"/>
+              </a:rPr>
+              <a:t>need</a:t>
+            </a:r>
+            <a:r>
+              <a:rPr lang="nl-NL" sz="1400" kern="0" dirty="0" smtClean="0">
+                <a:latin typeface="Courier New" panose="02070309020205020404" pitchFamily="49" charset="0"/>
+                <a:cs typeface="Courier New" panose="02070309020205020404" pitchFamily="49" charset="0"/>
+              </a:rPr>
+              <a:t> </a:t>
+            </a:r>
+            <a:r>
+              <a:rPr lang="nl-NL" sz="1400" kern="0" dirty="0" err="1" smtClean="0">
+                <a:latin typeface="Courier New" panose="02070309020205020404" pitchFamily="49" charset="0"/>
+                <a:cs typeface="Courier New" panose="02070309020205020404" pitchFamily="49" charset="0"/>
+              </a:rPr>
+              <a:t>to</a:t>
+            </a:r>
+            <a:r>
+              <a:rPr lang="nl-NL" sz="1400" kern="0" dirty="0" smtClean="0">
+                <a:latin typeface="Courier New" panose="02070309020205020404" pitchFamily="49" charset="0"/>
+                <a:cs typeface="Courier New" panose="02070309020205020404" pitchFamily="49" charset="0"/>
+              </a:rPr>
+              <a:t> </a:t>
+            </a:r>
+            <a:r>
+              <a:rPr lang="nl-NL" sz="1400" kern="0" dirty="0" err="1" smtClean="0">
+                <a:latin typeface="Courier New" panose="02070309020205020404" pitchFamily="49" charset="0"/>
+                <a:cs typeface="Courier New" panose="02070309020205020404" pitchFamily="49" charset="0"/>
+              </a:rPr>
+              <a:t>reorder</a:t>
+            </a:r>
+            <a:r>
+              <a:rPr lang="nl-NL" sz="1400" kern="0" dirty="0" smtClean="0">
+                <a:latin typeface="Courier New" panose="02070309020205020404" pitchFamily="49" charset="0"/>
+                <a:cs typeface="Courier New" panose="02070309020205020404" pitchFamily="49" charset="0"/>
+              </a:rPr>
+              <a:t> </a:t>
+            </a:r>
+            <a:r>
+              <a:rPr lang="nl-NL" sz="1400" kern="0" dirty="0" err="1" smtClean="0">
+                <a:latin typeface="Courier New" panose="02070309020205020404" pitchFamily="49" charset="0"/>
+                <a:cs typeface="Courier New" panose="02070309020205020404" pitchFamily="49" charset="0"/>
+              </a:rPr>
+              <a:t>your</a:t>
+            </a:r>
+            <a:r>
+              <a:rPr lang="nl-NL" sz="1400" kern="0" dirty="0" smtClean="0">
+                <a:latin typeface="Courier New" panose="02070309020205020404" pitchFamily="49" charset="0"/>
+                <a:cs typeface="Courier New" panose="02070309020205020404" pitchFamily="49" charset="0"/>
+              </a:rPr>
+              <a:t> pivot </a:t>
+            </a:r>
+            <a:r>
+              <a:rPr lang="nl-NL" sz="1400" kern="0" dirty="0" err="1" smtClean="0">
+                <a:latin typeface="Courier New" panose="02070309020205020404" pitchFamily="49" charset="0"/>
+                <a:cs typeface="Courier New" panose="02070309020205020404" pitchFamily="49" charset="0"/>
+              </a:rPr>
+              <a:t>table</a:t>
+            </a:r>
+            <a:r>
+              <a:rPr lang="nl-NL" sz="1400" kern="0" dirty="0" smtClean="0">
+                <a:latin typeface="Courier New" panose="02070309020205020404" pitchFamily="49" charset="0"/>
+                <a:cs typeface="Courier New" panose="02070309020205020404" pitchFamily="49" charset="0"/>
+              </a:rPr>
+              <a:t> </a:t>
+            </a:r>
+            <a:r>
+              <a:rPr lang="nl-NL" sz="1400" kern="0" dirty="0" err="1" smtClean="0">
+                <a:latin typeface="Courier New" panose="02070309020205020404" pitchFamily="49" charset="0"/>
+                <a:cs typeface="Courier New" panose="02070309020205020404" pitchFamily="49" charset="0"/>
+              </a:rPr>
+              <a:t>with</a:t>
+            </a:r>
+            <a:r>
+              <a:rPr lang="nl-NL" sz="1400" kern="0" dirty="0" smtClean="0">
+                <a:latin typeface="Courier New" panose="02070309020205020404" pitchFamily="49" charset="0"/>
+                <a:cs typeface="Courier New" panose="02070309020205020404" pitchFamily="49" charset="0"/>
+              </a:rPr>
+              <a:t> </a:t>
+            </a:r>
+            <a:r>
+              <a:rPr lang="nl-NL" sz="1400" i="1" kern="0" dirty="0" err="1" smtClean="0">
+                <a:latin typeface="Courier New" panose="02070309020205020404" pitchFamily="49" charset="0"/>
+                <a:cs typeface="Courier New" panose="02070309020205020404" pitchFamily="49" charset="0"/>
+              </a:rPr>
+              <a:t>my_pivot</a:t>
+            </a:r>
+            <a:r>
+              <a:rPr lang="nl-NL" sz="1400" i="1" kern="0" dirty="0" err="1" smtClean="0">
+                <a:latin typeface="Courier New" panose="02070309020205020404" pitchFamily="49" charset="0"/>
+                <a:cs typeface="Courier New" panose="02070309020205020404" pitchFamily="49" charset="0"/>
+              </a:rPr>
+              <a:t>.</a:t>
+            </a:r>
+            <a:r>
+              <a:rPr lang="nl-NL" sz="1400" i="1" kern="0" dirty="0" err="1" smtClean="0">
+                <a:latin typeface="Courier New" panose="02070309020205020404" pitchFamily="49" charset="0"/>
+                <a:cs typeface="Courier New" panose="02070309020205020404" pitchFamily="49" charset="0"/>
+              </a:rPr>
+              <a:t>reindex</a:t>
+            </a:r>
+            <a:r>
+              <a:rPr lang="nl-NL" sz="1400" i="1" kern="0" dirty="0" smtClean="0">
+                <a:latin typeface="Courier New" panose="02070309020205020404" pitchFamily="49" charset="0"/>
+                <a:cs typeface="Courier New" panose="02070309020205020404" pitchFamily="49" charset="0"/>
+              </a:rPr>
+              <a:t>(</a:t>
+            </a:r>
+            <a:r>
+              <a:rPr lang="nl-NL" sz="1400" i="1" kern="0" dirty="0" err="1" smtClean="0">
+                <a:latin typeface="Courier New" panose="02070309020205020404" pitchFamily="49" charset="0"/>
+                <a:cs typeface="Courier New" panose="02070309020205020404" pitchFamily="49" charset="0"/>
+              </a:rPr>
+              <a:t>ratings.count</a:t>
+            </a:r>
+            <a:r>
+              <a:rPr lang="nl-NL" sz="1400" i="1" kern="0" dirty="0">
+                <a:latin typeface="Courier New" panose="02070309020205020404" pitchFamily="49" charset="0"/>
+                <a:cs typeface="Courier New" panose="02070309020205020404" pitchFamily="49" charset="0"/>
+              </a:rPr>
+              <a:t>().</a:t>
+            </a:r>
+            <a:r>
+              <a:rPr lang="nl-NL" sz="1400" i="1" kern="0" dirty="0" err="1">
+                <a:latin typeface="Courier New" panose="02070309020205020404" pitchFamily="49" charset="0"/>
+                <a:cs typeface="Courier New" panose="02070309020205020404" pitchFamily="49" charset="0"/>
+              </a:rPr>
+              <a:t>sort_values</a:t>
+            </a:r>
+            <a:r>
+              <a:rPr lang="nl-NL" sz="1400" i="1" kern="0" dirty="0">
+                <a:latin typeface="Courier New" panose="02070309020205020404" pitchFamily="49" charset="0"/>
+                <a:cs typeface="Courier New" panose="02070309020205020404" pitchFamily="49" charset="0"/>
+              </a:rPr>
+              <a:t>(</a:t>
+            </a:r>
+            <a:r>
+              <a:rPr lang="nl-NL" sz="1400" i="1" kern="0" dirty="0" err="1">
+                <a:latin typeface="Courier New" panose="02070309020205020404" pitchFamily="49" charset="0"/>
+                <a:cs typeface="Courier New" panose="02070309020205020404" pitchFamily="49" charset="0"/>
+              </a:rPr>
+              <a:t>ascending</a:t>
+            </a:r>
+            <a:r>
+              <a:rPr lang="nl-NL" sz="1400" i="1" kern="0" dirty="0">
+                <a:latin typeface="Courier New" panose="02070309020205020404" pitchFamily="49" charset="0"/>
+                <a:cs typeface="Courier New" panose="02070309020205020404" pitchFamily="49" charset="0"/>
+              </a:rPr>
+              <a:t>=</a:t>
+            </a:r>
+            <a:r>
+              <a:rPr lang="nl-NL" sz="1400" i="1" kern="0" dirty="0" err="1">
+                <a:latin typeface="Courier New" panose="02070309020205020404" pitchFamily="49" charset="0"/>
+                <a:cs typeface="Courier New" panose="02070309020205020404" pitchFamily="49" charset="0"/>
+              </a:rPr>
+              <a:t>False</a:t>
+            </a:r>
+            <a:r>
+              <a:rPr lang="nl-NL" sz="1400" i="1" kern="0" dirty="0">
+                <a:latin typeface="Courier New" panose="02070309020205020404" pitchFamily="49" charset="0"/>
+                <a:cs typeface="Courier New" panose="02070309020205020404" pitchFamily="49" charset="0"/>
+              </a:rPr>
+              <a:t>).index, </a:t>
+            </a:r>
+            <a:r>
+              <a:rPr lang="nl-NL" sz="1400" i="1" kern="0" dirty="0" err="1">
+                <a:latin typeface="Courier New" panose="02070309020205020404" pitchFamily="49" charset="0"/>
+                <a:cs typeface="Courier New" panose="02070309020205020404" pitchFamily="49" charset="0"/>
+              </a:rPr>
+              <a:t>axis</a:t>
+            </a:r>
+            <a:r>
+              <a:rPr lang="nl-NL" sz="1400" i="1" kern="0" dirty="0">
+                <a:latin typeface="Courier New" panose="02070309020205020404" pitchFamily="49" charset="0"/>
+                <a:cs typeface="Courier New" panose="02070309020205020404" pitchFamily="49" charset="0"/>
+              </a:rPr>
+              <a:t>=1</a:t>
+            </a:r>
+            <a:r>
+              <a:rPr lang="nl-NL" sz="1400" i="1" kern="0" dirty="0" smtClean="0">
+                <a:latin typeface="Courier New" panose="02070309020205020404" pitchFamily="49" charset="0"/>
+                <a:cs typeface="Courier New" panose="02070309020205020404" pitchFamily="49" charset="0"/>
+              </a:rPr>
+              <a:t>)</a:t>
+            </a:r>
+          </a:p>
+          <a:p>
+            <a:pPr>
+              <a:buFont typeface="+mj-lt"/>
+              <a:buAutoNum type="arabicPeriod"/>
+            </a:pPr>
+            <a:endParaRPr lang="nl-NL" sz="1400" kern="0" dirty="0">
+              <a:latin typeface="Courier New" panose="02070309020205020404" pitchFamily="49" charset="0"/>
+              <a:cs typeface="Courier New" panose="02070309020205020404" pitchFamily="49" charset="0"/>
+            </a:endParaRPr>
+          </a:p>
+          <a:p>
+            <a:pPr>
+              <a:buFont typeface="+mj-lt"/>
+              <a:buAutoNum type="arabicPeriod"/>
+            </a:pPr>
+            <a:r>
+              <a:rPr lang="nl-NL" sz="1400" kern="0" dirty="0" err="1" smtClean="0">
+                <a:latin typeface="Courier New" panose="02070309020205020404" pitchFamily="49" charset="0"/>
+                <a:cs typeface="Courier New" panose="02070309020205020404" pitchFamily="49" charset="0"/>
+              </a:rPr>
+              <a:t>Examine</a:t>
+            </a:r>
+            <a:r>
+              <a:rPr lang="nl-NL" sz="1400" kern="0" dirty="0" smtClean="0">
+                <a:latin typeface="Courier New" panose="02070309020205020404" pitchFamily="49" charset="0"/>
+                <a:cs typeface="Courier New" panose="02070309020205020404" pitchFamily="49" charset="0"/>
+              </a:rPr>
+              <a:t> the mean ratings of the </a:t>
+            </a:r>
+            <a:r>
+              <a:rPr lang="nl-NL" sz="1400" kern="0" dirty="0" smtClean="0">
+                <a:latin typeface="Courier New" panose="02070309020205020404" pitchFamily="49" charset="0"/>
+                <a:cs typeface="Courier New" panose="02070309020205020404" pitchFamily="49" charset="0"/>
+              </a:rPr>
+              <a:t>top </a:t>
+            </a:r>
+            <a:r>
+              <a:rPr lang="nl-NL" sz="1400" kern="0" dirty="0" err="1" smtClean="0">
+                <a:latin typeface="Courier New" panose="02070309020205020404" pitchFamily="49" charset="0"/>
+                <a:cs typeface="Courier New" panose="02070309020205020404" pitchFamily="49" charset="0"/>
+              </a:rPr>
+              <a:t>rated</a:t>
+            </a:r>
+            <a:r>
+              <a:rPr lang="nl-NL" sz="1400" kern="0" dirty="0" smtClean="0">
+                <a:latin typeface="Courier New" panose="02070309020205020404" pitchFamily="49" charset="0"/>
+                <a:cs typeface="Courier New" panose="02070309020205020404" pitchFamily="49" charset="0"/>
+              </a:rPr>
+              <a:t> </a:t>
+            </a:r>
+            <a:r>
+              <a:rPr lang="nl-NL" sz="1400" kern="0" dirty="0" err="1" smtClean="0">
+                <a:latin typeface="Courier New" panose="02070309020205020404" pitchFamily="49" charset="0"/>
+                <a:cs typeface="Courier New" panose="02070309020205020404" pitchFamily="49" charset="0"/>
+              </a:rPr>
+              <a:t>movies</a:t>
+            </a:r>
+            <a:r>
+              <a:rPr lang="nl-NL" sz="1400" kern="0" dirty="0" smtClean="0">
+                <a:latin typeface="Courier New" panose="02070309020205020404" pitchFamily="49" charset="0"/>
+                <a:cs typeface="Courier New" panose="02070309020205020404" pitchFamily="49" charset="0"/>
+              </a:rPr>
+              <a:t> </a:t>
+            </a:r>
+            <a:r>
+              <a:rPr lang="nl-NL" sz="1400" kern="0" dirty="0" err="1" smtClean="0">
+                <a:latin typeface="Courier New" panose="02070309020205020404" pitchFamily="49" charset="0"/>
+                <a:cs typeface="Courier New" panose="02070309020205020404" pitchFamily="49" charset="0"/>
+              </a:rPr>
+              <a:t>by</a:t>
+            </a:r>
+            <a:r>
+              <a:rPr lang="nl-NL" sz="1400" kern="0" dirty="0" smtClean="0">
+                <a:latin typeface="Courier New" panose="02070309020205020404" pitchFamily="49" charset="0"/>
+                <a:cs typeface="Courier New" panose="02070309020205020404" pitchFamily="49" charset="0"/>
+              </a:rPr>
+              <a:t> user cluster. </a:t>
+            </a:r>
+            <a:r>
+              <a:rPr lang="nl-NL" sz="1400" kern="0" dirty="0" err="1" smtClean="0">
+                <a:latin typeface="Courier New" panose="02070309020205020404" pitchFamily="49" charset="0"/>
+                <a:cs typeface="Courier New" panose="02070309020205020404" pitchFamily="49" charset="0"/>
+              </a:rPr>
+              <a:t>Can</a:t>
+            </a:r>
+            <a:r>
+              <a:rPr lang="nl-NL" sz="1400" kern="0" dirty="0" smtClean="0">
+                <a:latin typeface="Courier New" panose="02070309020205020404" pitchFamily="49" charset="0"/>
+                <a:cs typeface="Courier New" panose="02070309020205020404" pitchFamily="49" charset="0"/>
+              </a:rPr>
+              <a:t> </a:t>
+            </a:r>
+            <a:r>
+              <a:rPr lang="nl-NL" sz="1400" kern="0" dirty="0" err="1" smtClean="0">
+                <a:latin typeface="Courier New" panose="02070309020205020404" pitchFamily="49" charset="0"/>
+                <a:cs typeface="Courier New" panose="02070309020205020404" pitchFamily="49" charset="0"/>
+              </a:rPr>
+              <a:t>you</a:t>
+            </a:r>
+            <a:r>
+              <a:rPr lang="nl-NL" sz="1400" kern="0" dirty="0" smtClean="0">
+                <a:latin typeface="Courier New" panose="02070309020205020404" pitchFamily="49" charset="0"/>
+                <a:cs typeface="Courier New" panose="02070309020205020404" pitchFamily="49" charset="0"/>
+              </a:rPr>
+              <a:t> </a:t>
+            </a:r>
+            <a:r>
+              <a:rPr lang="nl-NL" sz="1400" kern="0" dirty="0" err="1" smtClean="0">
+                <a:latin typeface="Courier New" panose="02070309020205020404" pitchFamily="49" charset="0"/>
+                <a:cs typeface="Courier New" panose="02070309020205020404" pitchFamily="49" charset="0"/>
+              </a:rPr>
+              <a:t>describe</a:t>
+            </a:r>
+            <a:r>
+              <a:rPr lang="nl-NL" sz="1400" kern="0" dirty="0" smtClean="0">
+                <a:latin typeface="Courier New" panose="02070309020205020404" pitchFamily="49" charset="0"/>
+                <a:cs typeface="Courier New" panose="02070309020205020404" pitchFamily="49" charset="0"/>
+              </a:rPr>
+              <a:t> the user clusters in</a:t>
+            </a:r>
+            <a:r>
+              <a:rPr lang="nl-NL" sz="1400" kern="0" dirty="0" smtClean="0">
+                <a:latin typeface="Courier New" panose="02070309020205020404" pitchFamily="49" charset="0"/>
+                <a:cs typeface="Courier New" panose="02070309020205020404" pitchFamily="49" charset="0"/>
+              </a:rPr>
+              <a:t> </a:t>
+            </a:r>
+            <a:r>
+              <a:rPr lang="nl-NL" sz="1400" kern="0" dirty="0" err="1" smtClean="0">
+                <a:latin typeface="Courier New" panose="02070309020205020404" pitchFamily="49" charset="0"/>
+                <a:cs typeface="Courier New" panose="02070309020205020404" pitchFamily="49" charset="0"/>
+              </a:rPr>
+              <a:t>plain</a:t>
+            </a:r>
+            <a:r>
+              <a:rPr lang="nl-NL" sz="1400" kern="0" dirty="0" smtClean="0">
+                <a:latin typeface="Courier New" panose="02070309020205020404" pitchFamily="49" charset="0"/>
+                <a:cs typeface="Courier New" panose="02070309020205020404" pitchFamily="49" charset="0"/>
+              </a:rPr>
+              <a:t> </a:t>
+            </a:r>
+            <a:r>
+              <a:rPr lang="nl-NL" sz="1400" kern="0" dirty="0" err="1" smtClean="0">
+                <a:latin typeface="Courier New" panose="02070309020205020404" pitchFamily="49" charset="0"/>
+                <a:cs typeface="Courier New" panose="02070309020205020404" pitchFamily="49" charset="0"/>
+              </a:rPr>
+              <a:t>language</a:t>
+            </a:r>
+            <a:r>
+              <a:rPr lang="nl-NL" sz="1400" kern="0" dirty="0" smtClean="0">
+                <a:latin typeface="Courier New" panose="02070309020205020404" pitchFamily="49" charset="0"/>
+                <a:cs typeface="Courier New" panose="02070309020205020404" pitchFamily="49" charset="0"/>
+              </a:rPr>
+              <a:t> (e.g., ‘</a:t>
+            </a:r>
+            <a:r>
+              <a:rPr lang="nl-NL" sz="1400" kern="0" dirty="0" err="1" smtClean="0">
+                <a:latin typeface="Courier New" panose="02070309020205020404" pitchFamily="49" charset="0"/>
+                <a:cs typeface="Courier New" panose="02070309020205020404" pitchFamily="49" charset="0"/>
+              </a:rPr>
+              <a:t>simple-minded</a:t>
+            </a:r>
+            <a:r>
+              <a:rPr lang="nl-NL" sz="1400" kern="0" dirty="0" smtClean="0">
+                <a:latin typeface="Courier New" panose="02070309020205020404" pitchFamily="49" charset="0"/>
+                <a:cs typeface="Courier New" panose="02070309020205020404" pitchFamily="49" charset="0"/>
+              </a:rPr>
+              <a:t> action movie lover’)? This </a:t>
+            </a:r>
+            <a:r>
+              <a:rPr lang="nl-NL" sz="1400" kern="0" dirty="0" err="1" smtClean="0">
+                <a:latin typeface="Courier New" panose="02070309020205020404" pitchFamily="49" charset="0"/>
+                <a:cs typeface="Courier New" panose="02070309020205020404" pitchFamily="49" charset="0"/>
+              </a:rPr>
+              <a:t>may</a:t>
+            </a:r>
+            <a:r>
+              <a:rPr lang="nl-NL" sz="1400" kern="0" dirty="0" smtClean="0">
+                <a:latin typeface="Courier New" panose="02070309020205020404" pitchFamily="49" charset="0"/>
+                <a:cs typeface="Courier New" panose="02070309020205020404" pitchFamily="49" charset="0"/>
+              </a:rPr>
+              <a:t> </a:t>
+            </a:r>
+            <a:r>
+              <a:rPr lang="nl-NL" sz="1400" kern="0" dirty="0" err="1" smtClean="0">
+                <a:latin typeface="Courier New" panose="02070309020205020404" pitchFamily="49" charset="0"/>
+                <a:cs typeface="Courier New" panose="02070309020205020404" pitchFamily="49" charset="0"/>
+              </a:rPr>
+              <a:t>be</a:t>
+            </a:r>
+            <a:r>
+              <a:rPr lang="nl-NL" sz="1400" kern="0" dirty="0">
+                <a:latin typeface="Courier New" panose="02070309020205020404" pitchFamily="49" charset="0"/>
+                <a:cs typeface="Courier New" panose="02070309020205020404" pitchFamily="49" charset="0"/>
+              </a:rPr>
+              <a:t> </a:t>
+            </a:r>
+            <a:r>
+              <a:rPr lang="nl-NL" sz="1400" kern="0" dirty="0" smtClean="0">
+                <a:latin typeface="Courier New" panose="02070309020205020404" pitchFamily="49" charset="0"/>
+                <a:cs typeface="Courier New" panose="02070309020205020404" pitchFamily="49" charset="0"/>
+              </a:rPr>
+              <a:t>hard…</a:t>
+            </a:r>
+            <a:endParaRPr lang="nl-NL" sz="1400" kern="0" dirty="0" smtClean="0">
+              <a:latin typeface="Courier New" panose="02070309020205020404" pitchFamily="49" charset="0"/>
+              <a:cs typeface="Courier New" panose="02070309020205020404" pitchFamily="49" charset="0"/>
+            </a:endParaRPr>
+          </a:p>
+          <a:p>
+            <a:endParaRPr lang="nl-NL" sz="1100" kern="0" dirty="0" smtClean="0">
+              <a:latin typeface="Courier New" panose="02070309020205020404" pitchFamily="49" charset="0"/>
+              <a:cs typeface="Courier New" panose="02070309020205020404" pitchFamily="49" charset="0"/>
+            </a:endParaRPr>
+          </a:p>
+          <a:p>
+            <a:pPr marL="0" indent="0">
+              <a:buFont typeface="Zapf Dingbats" charset="2"/>
+              <a:buNone/>
+            </a:pPr>
+            <a:endParaRPr lang="nl-NL" sz="1200" kern="0" dirty="0">
+              <a:latin typeface="Courier New" panose="02070309020205020404" pitchFamily="49" charset="0"/>
+              <a:cs typeface="Courier New" panose="02070309020205020404" pitchFamily="49" charset="0"/>
+            </a:endParaRPr>
+          </a:p>
+          <a:p>
+            <a:pPr marL="0" indent="0">
+              <a:buFont typeface="Zapf Dingbats" charset="2"/>
+              <a:buNone/>
+            </a:pPr>
+            <a:endParaRPr lang="nl-NL" sz="1200" kern="0" dirty="0" smtClean="0">
+              <a:latin typeface="Courier New" panose="02070309020205020404" pitchFamily="49" charset="0"/>
+              <a:cs typeface="Courier New" panose="02070309020205020404" pitchFamily="49" charset="0"/>
+            </a:endParaRPr>
+          </a:p>
+        </p:txBody>
+      </p:sp>
+    </p:spTree>
+    <p:extLst>
+      <p:ext uri="{BB962C8B-B14F-4D97-AF65-F5344CB8AC3E}">
+        <p14:creationId xmlns:p14="http://schemas.microsoft.com/office/powerpoint/2010/main" val="982445215"/>
       </p:ext>
     </p:extLst>
   </p:cSld>
@@ -7138,4 +14160,256 @@
   <a:objectDefaults/>
   <a:extraClrSchemeLst/>
 </a:theme>
+</file>
+
+<file path=ppt/theme/themeOverride1.xml><?xml version="1.0" encoding="utf-8"?>
+<a:themeOverride xmlns:a="http://schemas.openxmlformats.org/drawingml/2006/main">
+  <a:clrScheme name="Kantoor">
+    <a:dk1>
+      <a:sysClr val="windowText" lastClr="000000"/>
+    </a:dk1>
+    <a:lt1>
+      <a:sysClr val="window" lastClr="FFFFFF"/>
+    </a:lt1>
+    <a:dk2>
+      <a:srgbClr val="44546A"/>
+    </a:dk2>
+    <a:lt2>
+      <a:srgbClr val="E7E6E6"/>
+    </a:lt2>
+    <a:accent1>
+      <a:srgbClr val="5B9BD5"/>
+    </a:accent1>
+    <a:accent2>
+      <a:srgbClr val="ED7D31"/>
+    </a:accent2>
+    <a:accent3>
+      <a:srgbClr val="A5A5A5"/>
+    </a:accent3>
+    <a:accent4>
+      <a:srgbClr val="FFC000"/>
+    </a:accent4>
+    <a:accent5>
+      <a:srgbClr val="4472C4"/>
+    </a:accent5>
+    <a:accent6>
+      <a:srgbClr val="70AD47"/>
+    </a:accent6>
+    <a:hlink>
+      <a:srgbClr val="0563C1"/>
+    </a:hlink>
+    <a:folHlink>
+      <a:srgbClr val="954F72"/>
+    </a:folHlink>
+  </a:clrScheme>
+  <a:fontScheme name="Kantoor">
+    <a:majorFont>
+      <a:latin typeface="Calibri Light" panose="020F0302020204030204"/>
+      <a:ea typeface=""/>
+      <a:cs typeface=""/>
+      <a:font script="Jpan" typeface="游ゴシック Light"/>
+      <a:font script="Hang" typeface="맑은 고딕"/>
+      <a:font script="Hans" typeface="等线 Light"/>
+      <a:font script="Hant" typeface="新細明體"/>
+      <a:font script="Arab" typeface="Times New Roman"/>
+      <a:font script="Hebr" typeface="Times New Roman"/>
+      <a:font script="Thai" typeface="Tahoma"/>
+      <a:font script="Ethi" typeface="Nyala"/>
+      <a:font script="Beng" typeface="Vrinda"/>
+      <a:font script="Gujr" typeface="Shruti"/>
+      <a:font script="Khmr" typeface="MoolBoran"/>
+      <a:font script="Knda" typeface="Tunga"/>
+      <a:font script="Guru" typeface="Raavi"/>
+      <a:font script="Cans" typeface="Euphemia"/>
+      <a:font script="Cher" typeface="Plantagenet Cherokee"/>
+      <a:font script="Yiii" typeface="Microsoft Yi Baiti"/>
+      <a:font script="Tibt" typeface="Microsoft Himalaya"/>
+      <a:font script="Thaa" typeface="MV Boli"/>
+      <a:font script="Deva" typeface="Mangal"/>
+      <a:font script="Telu" typeface="Gautami"/>
+      <a:font script="Taml" typeface="Latha"/>
+      <a:font script="Syrc" typeface="Estrangelo Edessa"/>
+      <a:font script="Orya" typeface="Kalinga"/>
+      <a:font script="Mlym" typeface="Kartika"/>
+      <a:font script="Laoo" typeface="DokChampa"/>
+      <a:font script="Sinh" typeface="Iskoola Pota"/>
+      <a:font script="Mong" typeface="Mongolian Baiti"/>
+      <a:font script="Viet" typeface="Times New Roman"/>
+      <a:font script="Uigh" typeface="Microsoft Uighur"/>
+      <a:font script="Geor" typeface="Sylfaen"/>
+    </a:majorFont>
+    <a:minorFont>
+      <a:latin typeface="Calibri" panose="020F0502020204030204"/>
+      <a:ea typeface=""/>
+      <a:cs typeface=""/>
+      <a:font script="Jpan" typeface="游ゴシック"/>
+      <a:font script="Hang" typeface="맑은 고딕"/>
+      <a:font script="Hans" typeface="等线"/>
+      <a:font script="Hant" typeface="新細明體"/>
+      <a:font script="Arab" typeface="Arial"/>
+      <a:font script="Hebr" typeface="Arial"/>
+      <a:font script="Thai" typeface="Tahoma"/>
+      <a:font script="Ethi" typeface="Nyala"/>
+      <a:font script="Beng" typeface="Vrinda"/>
+      <a:font script="Gujr" typeface="Shruti"/>
+      <a:font script="Khmr" typeface="DaunPenh"/>
+      <a:font script="Knda" typeface="Tunga"/>
+      <a:font script="Guru" typeface="Raavi"/>
+      <a:font script="Cans" typeface="Euphemia"/>
+      <a:font script="Cher" typeface="Plantagenet Cherokee"/>
+      <a:font script="Yiii" typeface="Microsoft Yi Baiti"/>
+      <a:font script="Tibt" typeface="Microsoft Himalaya"/>
+      <a:font script="Thaa" typeface="MV Boli"/>
+      <a:font script="Deva" typeface="Mangal"/>
+      <a:font script="Telu" typeface="Gautami"/>
+      <a:font script="Taml" typeface="Latha"/>
+      <a:font script="Syrc" typeface="Estrangelo Edessa"/>
+      <a:font script="Orya" typeface="Kalinga"/>
+      <a:font script="Mlym" typeface="Kartika"/>
+      <a:font script="Laoo" typeface="DokChampa"/>
+      <a:font script="Sinh" typeface="Iskoola Pota"/>
+      <a:font script="Mong" typeface="Mongolian Baiti"/>
+      <a:font script="Viet" typeface="Arial"/>
+      <a:font script="Uigh" typeface="Microsoft Uighur"/>
+      <a:font script="Geor" typeface="Sylfaen"/>
+    </a:minorFont>
+  </a:fontScheme>
+  <a:fmtScheme name="Kantoor">
+    <a:fillStyleLst>
+      <a:solidFill>
+        <a:schemeClr val="phClr"/>
+      </a:solidFill>
+      <a:gradFill rotWithShape="1">
+        <a:gsLst>
+          <a:gs pos="0">
+            <a:schemeClr val="phClr">
+              <a:lumMod val="110000"/>
+              <a:satMod val="105000"/>
+              <a:tint val="67000"/>
+            </a:schemeClr>
+          </a:gs>
+          <a:gs pos="50000">
+            <a:schemeClr val="phClr">
+              <a:lumMod val="105000"/>
+              <a:satMod val="103000"/>
+              <a:tint val="73000"/>
+            </a:schemeClr>
+          </a:gs>
+          <a:gs pos="100000">
+            <a:schemeClr val="phClr">
+              <a:lumMod val="105000"/>
+              <a:satMod val="109000"/>
+              <a:tint val="81000"/>
+            </a:schemeClr>
+          </a:gs>
+        </a:gsLst>
+        <a:lin ang="5400000" scaled="0"/>
+      </a:gradFill>
+      <a:gradFill rotWithShape="1">
+        <a:gsLst>
+          <a:gs pos="0">
+            <a:schemeClr val="phClr">
+              <a:satMod val="103000"/>
+              <a:lumMod val="102000"/>
+              <a:tint val="94000"/>
+            </a:schemeClr>
+          </a:gs>
+          <a:gs pos="50000">
+            <a:schemeClr val="phClr">
+              <a:satMod val="110000"/>
+              <a:lumMod val="100000"/>
+              <a:shade val="100000"/>
+            </a:schemeClr>
+          </a:gs>
+          <a:gs pos="100000">
+            <a:schemeClr val="phClr">
+              <a:lumMod val="99000"/>
+              <a:satMod val="120000"/>
+              <a:shade val="78000"/>
+            </a:schemeClr>
+          </a:gs>
+        </a:gsLst>
+        <a:lin ang="5400000" scaled="0"/>
+      </a:gradFill>
+    </a:fillStyleLst>
+    <a:lnStyleLst>
+      <a:ln w="6350" cap="flat" cmpd="sng" algn="ctr">
+        <a:solidFill>
+          <a:schemeClr val="phClr"/>
+        </a:solidFill>
+        <a:prstDash val="solid"/>
+        <a:miter lim="800000"/>
+      </a:ln>
+      <a:ln w="12700" cap="flat" cmpd="sng" algn="ctr">
+        <a:solidFill>
+          <a:schemeClr val="phClr"/>
+        </a:solidFill>
+        <a:prstDash val="solid"/>
+        <a:miter lim="800000"/>
+      </a:ln>
+      <a:ln w="19050" cap="flat" cmpd="sng" algn="ctr">
+        <a:solidFill>
+          <a:schemeClr val="phClr"/>
+        </a:solidFill>
+        <a:prstDash val="solid"/>
+        <a:miter lim="800000"/>
+      </a:ln>
+    </a:lnStyleLst>
+    <a:effectStyleLst>
+      <a:effectStyle>
+        <a:effectLst/>
+      </a:effectStyle>
+      <a:effectStyle>
+        <a:effectLst/>
+      </a:effectStyle>
+      <a:effectStyle>
+        <a:effectLst>
+          <a:outerShdw blurRad="57150" dist="19050" dir="5400000" algn="ctr" rotWithShape="0">
+            <a:srgbClr val="000000">
+              <a:alpha val="63000"/>
+            </a:srgbClr>
+          </a:outerShdw>
+        </a:effectLst>
+      </a:effectStyle>
+    </a:effectStyleLst>
+    <a:bgFillStyleLst>
+      <a:solidFill>
+        <a:schemeClr val="phClr"/>
+      </a:solidFill>
+      <a:solidFill>
+        <a:schemeClr val="phClr">
+          <a:tint val="95000"/>
+          <a:satMod val="170000"/>
+        </a:schemeClr>
+      </a:solidFill>
+      <a:gradFill rotWithShape="1">
+        <a:gsLst>
+          <a:gs pos="0">
+            <a:schemeClr val="phClr">
+              <a:tint val="93000"/>
+              <a:satMod val="150000"/>
+              <a:shade val="98000"/>
+              <a:lumMod val="102000"/>
+            </a:schemeClr>
+          </a:gs>
+          <a:gs pos="50000">
+            <a:schemeClr val="phClr">
+              <a:tint val="98000"/>
+              <a:satMod val="130000"/>
+              <a:shade val="90000"/>
+              <a:lumMod val="103000"/>
+            </a:schemeClr>
+          </a:gs>
+          <a:gs pos="100000">
+            <a:schemeClr val="phClr">
+              <a:shade val="63000"/>
+              <a:satMod val="120000"/>
+            </a:schemeClr>
+          </a:gs>
+        </a:gsLst>
+        <a:lin ang="5400000" scaled="0"/>
+      </a:gradFill>
+    </a:bgFillStyleLst>
+  </a:fmtScheme>
+</a:themeOverride>
 </file>
--- a/slides/ddl-w7l2.pptx
+++ b/slides/ddl-w7l2.pptx
@@ -5,28 +5,23 @@
     <p:sldMasterId id="2147483649" r:id="rId1"/>
   </p:sldMasterIdLst>
   <p:notesMasterIdLst>
-    <p:notesMasterId r:id="rId18"/>
+    <p:notesMasterId r:id="rId13"/>
   </p:notesMasterIdLst>
   <p:handoutMasterIdLst>
-    <p:handoutMasterId r:id="rId19"/>
+    <p:handoutMasterId r:id="rId14"/>
   </p:handoutMasterIdLst>
   <p:sldIdLst>
     <p:sldId id="256" r:id="rId2"/>
     <p:sldId id="257" r:id="rId3"/>
-    <p:sldId id="258" r:id="rId4"/>
-    <p:sldId id="259" r:id="rId5"/>
+    <p:sldId id="259" r:id="rId4"/>
+    <p:sldId id="282" r:id="rId5"/>
     <p:sldId id="261" r:id="rId6"/>
-    <p:sldId id="275" r:id="rId7"/>
-    <p:sldId id="279" r:id="rId8"/>
-    <p:sldId id="277" r:id="rId9"/>
-    <p:sldId id="278" r:id="rId10"/>
-    <p:sldId id="280" r:id="rId11"/>
-    <p:sldId id="265" r:id="rId12"/>
-    <p:sldId id="281" r:id="rId13"/>
-    <p:sldId id="263" r:id="rId14"/>
-    <p:sldId id="268" r:id="rId15"/>
-    <p:sldId id="270" r:id="rId16"/>
-    <p:sldId id="273" r:id="rId17"/>
+    <p:sldId id="265" r:id="rId7"/>
+    <p:sldId id="281" r:id="rId8"/>
+    <p:sldId id="263" r:id="rId9"/>
+    <p:sldId id="268" r:id="rId10"/>
+    <p:sldId id="270" r:id="rId11"/>
+    <p:sldId id="273" r:id="rId12"/>
   </p:sldIdLst>
   <p:sldSz cx="9144000" cy="6858000" type="screen4x3"/>
   <p:notesSz cx="6858000" cy="9144000"/>
@@ -326,7 +321,6 @@
           <c:dLbls>
             <c:dLbl>
               <c:idx val="0"/>
-              <c:layout/>
               <c:tx>
                 <c:rich>
                   <a:bodyPr/>
@@ -350,7 +344,6 @@
               <c:showBubbleSize val="0"/>
               <c:extLst>
                 <c:ext xmlns:c15="http://schemas.microsoft.com/office/drawing/2012/chart" uri="{CE6537A1-D6FC-4f65-9D91-7224C49458BB}">
-                  <c15:layout/>
                   <c15:dlblFieldTable/>
                   <c15:showDataLabelsRange val="1"/>
                 </c:ext>
@@ -361,13 +354,12 @@
             </c:dLbl>
             <c:dLbl>
               <c:idx val="1"/>
-              <c:layout/>
               <c:tx>
                 <c:rich>
                   <a:bodyPr/>
                   <a:lstStyle/>
                   <a:p>
-                    <a:fld id="{84A50E21-7BC8-4E7D-B686-CCA39021CE57}" type="CELLRANGE">
+                    <a:fld id="{2945B06B-E98F-4835-AA76-B96768C9C8B3}" type="CELLRANGE">
                       <a:rPr lang="nl-NL"/>
                       <a:pPr/>
                       <a:t>[CELLRANGE]</a:t>
@@ -385,7 +377,6 @@
               <c:showBubbleSize val="0"/>
               <c:extLst>
                 <c:ext xmlns:c15="http://schemas.microsoft.com/office/drawing/2012/chart" uri="{CE6537A1-D6FC-4f65-9D91-7224C49458BB}">
-                  <c15:layout/>
                   <c15:dlblFieldTable/>
                   <c15:xForSave val="1"/>
                   <c15:showDataLabelsRange val="1"/>
@@ -426,7 +417,6 @@
               <c:showBubbleSize val="0"/>
               <c:extLst>
                 <c:ext xmlns:c15="http://schemas.microsoft.com/office/drawing/2012/chart" uri="{CE6537A1-D6FC-4f65-9D91-7224C49458BB}">
-                  <c15:layout/>
                   <c15:dlblFieldTable/>
                   <c15:showDataLabelsRange val="1"/>
                 </c:ext>
@@ -474,7 +464,6 @@
             <c:showLeaderLines val="0"/>
             <c:extLst>
               <c:ext xmlns:c15="http://schemas.microsoft.com/office/drawing/2012/chart" uri="{CE6537A1-D6FC-4f65-9D91-7224C49458BB}">
-                <c15:layout/>
                 <c15:showDataLabelsRange val="1"/>
                 <c15:showLeaderLines val="1"/>
                 <c15:leaderLines>
@@ -613,7 +602,6 @@
               </a:p>
             </c:rich>
           </c:tx>
-          <c:layout/>
           <c:overlay val="0"/>
           <c:spPr>
             <a:noFill/>
@@ -733,7 +721,6 @@
               </a:p>
             </c:rich>
           </c:tx>
-          <c:layout/>
           <c:overlay val="0"/>
           <c:spPr>
             <a:noFill/>
@@ -1553,7 +1540,7 @@
             <a:fld id="{373F1B60-BDF4-4D63-AD79-99D5A5B1DF99}" type="datetime1">
               <a:rPr lang="en-US"/>
               <a:pPr/>
-              <a:t>1/3/2019</a:t>
+              <a:t>1/8/2019</a:t>
             </a:fld>
             <a:endParaRPr lang="en-US"/>
           </a:p>
@@ -1772,7 +1759,7 @@
             <a:fld id="{4387A7AA-DFE9-4771-BEDE-3294FCEBFB02}" type="datetime1">
               <a:rPr lang="en-US"/>
               <a:pPr/>
-              <a:t>1/3/2019</a:t>
+              <a:t>1/8/2019</a:t>
             </a:fld>
             <a:endParaRPr lang="en-US"/>
           </a:p>
@@ -2163,7 +2150,7 @@
             <a:fld id="{8541E2CD-DBF4-40F9-B6F8-EEFD0DF8A138}" type="datetime1">
               <a:rPr lang="en-US"/>
               <a:pPr/>
-              <a:t>1/3/2019</a:t>
+              <a:t>1/8/2019</a:t>
             </a:fld>
             <a:endParaRPr lang="en-US"/>
           </a:p>
@@ -2383,7 +2370,7 @@
             <a:fld id="{93F21019-3A00-48AC-9663-40DF67A83229}" type="datetime1">
               <a:rPr lang="en-US"/>
               <a:pPr/>
-              <a:t>1/3/2019</a:t>
+              <a:t>1/8/2019</a:t>
             </a:fld>
             <a:endParaRPr lang="en-US">
               <a:solidFill>
@@ -2569,7 +2556,7 @@
             <a:fld id="{8B2EF9C8-0AC3-4A53-9A61-1834A571F420}" type="datetime1">
               <a:rPr lang="en-US"/>
               <a:pPr/>
-              <a:t>1/3/2019</a:t>
+              <a:t>1/8/2019</a:t>
             </a:fld>
             <a:endParaRPr lang="en-US" sz="1400">
               <a:solidFill>
@@ -2766,7 +2753,7 @@
             <a:fld id="{F02960F3-A385-4905-A491-FDC17E063DD1}" type="datetime1">
               <a:rPr lang="en-US"/>
               <a:pPr/>
-              <a:t>1/3/2019</a:t>
+              <a:t>1/8/2019</a:t>
             </a:fld>
             <a:endParaRPr lang="en-US" sz="1400">
               <a:solidFill>
@@ -3025,7 +3012,7 @@
             <a:fld id="{CD3AD70A-8E2A-47B5-AC18-ABBB5A8E737D}" type="datetime1">
               <a:rPr lang="en-US"/>
               <a:pPr/>
-              <a:t>1/3/2019</a:t>
+              <a:t>1/8/2019</a:t>
             </a:fld>
             <a:endParaRPr lang="en-US" sz="1400">
               <a:solidFill>
@@ -3261,7 +3248,7 @@
             <a:fld id="{07008C2E-9BD6-496B-BFC3-B4A975EBC85E}" type="datetime1">
               <a:rPr lang="en-US"/>
               <a:pPr/>
-              <a:t>1/3/2019</a:t>
+              <a:t>1/8/2019</a:t>
             </a:fld>
             <a:endParaRPr lang="en-US" sz="1400">
               <a:solidFill>
@@ -3440,7 +3427,7 @@
             <a:fld id="{1AA2C3CF-866C-4FDE-B76D-4E9536901630}" type="datetime1">
               <a:rPr lang="en-US"/>
               <a:pPr/>
-              <a:t>1/3/2019</a:t>
+              <a:t>1/8/2019</a:t>
             </a:fld>
             <a:endParaRPr lang="en-US" sz="1400">
               <a:solidFill>
@@ -3619,7 +3606,7 @@
             <a:fld id="{555EE259-FE08-4558-B721-B189FFE77284}" type="datetime1">
               <a:rPr lang="en-US"/>
               <a:pPr/>
-              <a:t>1/3/2019</a:t>
+              <a:t>1/8/2019</a:t>
             </a:fld>
             <a:endParaRPr lang="en-US" sz="1400">
               <a:solidFill>
@@ -3888,7 +3875,7 @@
             <a:fld id="{0AF4064E-5624-49AB-B7C6-E301A8F6B1FF}" type="datetime1">
               <a:rPr lang="en-US"/>
               <a:pPr/>
-              <a:t>1/3/2019</a:t>
+              <a:t>1/8/2019</a:t>
             </a:fld>
             <a:endParaRPr lang="en-US" sz="1400">
               <a:solidFill>
@@ -4085,7 +4072,7 @@
             <a:fld id="{CBC97FCD-6C54-4833-B032-BFBCDFA8379D}" type="datetime1">
               <a:rPr lang="en-US"/>
               <a:pPr/>
-              <a:t>1/3/2019</a:t>
+              <a:t>1/8/2019</a:t>
             </a:fld>
             <a:endParaRPr lang="en-US" sz="1400">
               <a:solidFill>
@@ -4294,7 +4281,7 @@
             <a:fld id="{F04AA577-515A-431F-98B6-3B03494ABB11}" type="datetime1">
               <a:rPr lang="en-US"/>
               <a:pPr/>
-              <a:t>1/3/2019</a:t>
+              <a:t>1/8/2019</a:t>
             </a:fld>
             <a:endParaRPr lang="en-US" sz="1400">
               <a:solidFill>
@@ -4599,7 +4586,7 @@
             <a:fld id="{6475F1A4-C474-4345-A800-2F40B0E4E70C}" type="datetime1">
               <a:rPr lang="en-US"/>
               <a:pPr/>
-              <a:t>1/3/2019</a:t>
+              <a:t>1/8/2019</a:t>
             </a:fld>
             <a:endParaRPr lang="en-US" sz="1400">
               <a:solidFill>
@@ -5043,7 +5030,7 @@
             <a:fld id="{7BA535AB-820E-4207-9DA8-5F37106C7AF4}" type="datetime1">
               <a:rPr lang="en-US"/>
               <a:pPr/>
-              <a:t>1/3/2019</a:t>
+              <a:t>1/8/2019</a:t>
             </a:fld>
             <a:endParaRPr lang="en-US" sz="1400">
               <a:solidFill>
@@ -5178,7 +5165,7 @@
             <a:fld id="{0A7E69FA-D7EE-42C0-9117-1971B541885F}" type="datetime1">
               <a:rPr lang="en-US"/>
               <a:pPr/>
-              <a:t>1/3/2019</a:t>
+              <a:t>1/8/2019</a:t>
             </a:fld>
             <a:endParaRPr lang="en-US" sz="1400">
               <a:solidFill>
@@ -5290,7 +5277,7 @@
             <a:fld id="{10D7644E-1B5D-4325-BA79-338DF2B89B56}" type="datetime1">
               <a:rPr lang="en-US"/>
               <a:pPr/>
-              <a:t>1/3/2019</a:t>
+              <a:t>1/8/2019</a:t>
             </a:fld>
             <a:endParaRPr lang="en-US" sz="1400">
               <a:solidFill>
@@ -5584,7 +5571,7 @@
             <a:fld id="{B790C882-0B74-4932-8998-E9ABB8AF1740}" type="datetime1">
               <a:rPr lang="en-US"/>
               <a:pPr/>
-              <a:t>1/3/2019</a:t>
+              <a:t>1/8/2019</a:t>
             </a:fld>
             <a:endParaRPr lang="en-US" sz="1400">
               <a:solidFill>
@@ -5854,7 +5841,7 @@
             <a:fld id="{9DC585DC-AE7D-44C1-90AB-C3A391DEA065}" type="datetime1">
               <a:rPr lang="en-US"/>
               <a:pPr/>
-              <a:t>1/3/2019</a:t>
+              <a:t>1/8/2019</a:t>
             </a:fld>
             <a:endParaRPr lang="en-US" sz="1400">
               <a:solidFill>
@@ -6118,7 +6105,7 @@
             <a:fld id="{256CE565-1940-4E5F-9190-C0815CEAAA9D}" type="datetime1">
               <a:rPr lang="en-US"/>
               <a:pPr/>
-              <a:t>1/3/2019</a:t>
+              <a:t>1/8/2019</a:t>
             </a:fld>
             <a:endParaRPr lang="en-US"/>
           </a:p>
@@ -6816,8 +6803,8 @@
           <a:lstStyle/>
           <a:p>
             <a:r>
-              <a:rPr lang="nl-NL" dirty="0" smtClean="0"/>
-              <a:t>Topics</a:t>
+              <a:rPr lang="nl-NL" dirty="0" err="1" smtClean="0"/>
+              <a:t>Problems</a:t>
             </a:r>
             <a:endParaRPr lang="nl-NL" dirty="0"/>
           </a:p>
@@ -6835,8 +6822,8 @@
         </p:nvSpPr>
         <p:spPr>
           <a:xfrm>
-            <a:off x="762000" y="1762125"/>
-            <a:ext cx="7881938" cy="2751522"/>
+            <a:off x="838200" y="1772816"/>
+            <a:ext cx="7881938" cy="4376583"/>
           </a:xfrm>
         </p:spPr>
         <p:txBody>
@@ -6844,45 +6831,179 @@
           <a:lstStyle/>
           <a:p>
             <a:r>
-              <a:rPr lang="nl-NL" sz="2400" dirty="0" smtClean="0"/>
-              <a:t>Clustering users</a:t>
-            </a:r>
-            <a:endParaRPr lang="nl-NL" sz="2400" dirty="0" smtClean="0"/>
-          </a:p>
-          <a:p>
-            <a:endParaRPr lang="nl-NL" sz="2400" dirty="0"/>
-          </a:p>
-          <a:p>
-            <a:r>
               <a:rPr lang="nl-NL" sz="2400" dirty="0" err="1" smtClean="0"/>
-              <a:t>Recommender</a:t>
+              <a:t>Sparsity</a:t>
             </a:r>
             <a:r>
               <a:rPr lang="nl-NL" sz="2400" dirty="0" smtClean="0"/>
               <a:t> </a:t>
             </a:r>
             <a:r>
+              <a:rPr lang="nl-NL" sz="2400" dirty="0"/>
+              <a:t>(</a:t>
+            </a:r>
+            <a:r>
+              <a:rPr lang="nl-NL" sz="2400" dirty="0" err="1"/>
+              <a:t>there</a:t>
+            </a:r>
+            <a:r>
+              <a:rPr lang="nl-NL" sz="2400" dirty="0"/>
+              <a:t> are </a:t>
+            </a:r>
+            <a:r>
+              <a:rPr lang="nl-NL" sz="2400" dirty="0" err="1"/>
+              <a:t>millions</a:t>
+            </a:r>
+            <a:r>
+              <a:rPr lang="nl-NL" sz="2400" dirty="0"/>
+              <a:t> of </a:t>
+            </a:r>
+            <a:r>
+              <a:rPr lang="nl-NL" sz="2400" dirty="0" err="1"/>
+              <a:t>movies</a:t>
+            </a:r>
+            <a:r>
+              <a:rPr lang="nl-NL" sz="2400" dirty="0"/>
+              <a:t>: are </a:t>
+            </a:r>
+            <a:r>
+              <a:rPr lang="nl-NL" sz="2400" dirty="0" err="1"/>
+              <a:t>there</a:t>
+            </a:r>
+            <a:r>
+              <a:rPr lang="nl-NL" sz="2400" dirty="0"/>
+              <a:t> </a:t>
+            </a:r>
+            <a:r>
+              <a:rPr lang="nl-NL" sz="2400" dirty="0" err="1"/>
+              <a:t>enough</a:t>
+            </a:r>
+            <a:r>
+              <a:rPr lang="nl-NL" sz="2400" dirty="0"/>
+              <a:t> </a:t>
+            </a:r>
+            <a:r>
+              <a:rPr lang="nl-NL" sz="2400" dirty="0" err="1"/>
+              <a:t>similar</a:t>
+            </a:r>
+            <a:r>
+              <a:rPr lang="nl-NL" sz="2400" dirty="0"/>
+              <a:t> users</a:t>
+            </a:r>
+            <a:r>
               <a:rPr lang="nl-NL" sz="2400" dirty="0" smtClean="0"/>
-              <a:t>systems</a:t>
-            </a:r>
-          </a:p>
-          <a:p>
+              <a:t>?)</a:t>
+            </a:r>
+          </a:p>
+          <a:p>
+            <a:endParaRPr lang="nl-NL" sz="2400" dirty="0"/>
+          </a:p>
+          <a:p>
+            <a:r>
+              <a:rPr lang="nl-NL" sz="2400" dirty="0" smtClean="0"/>
+              <a:t>‘</a:t>
+            </a:r>
+            <a:r>
+              <a:rPr lang="nl-NL" sz="2400" dirty="0" err="1" smtClean="0"/>
+              <a:t>Cold</a:t>
+            </a:r>
+            <a:r>
+              <a:rPr lang="nl-NL" sz="2400" dirty="0" smtClean="0"/>
+              <a:t> start’</a:t>
+            </a:r>
+          </a:p>
+          <a:p>
+            <a:endParaRPr lang="nl-NL" sz="2400" dirty="0"/>
+          </a:p>
+          <a:p>
+            <a:r>
+              <a:rPr lang="nl-NL" sz="2400" dirty="0" err="1" smtClean="0"/>
+              <a:t>Lack</a:t>
+            </a:r>
+            <a:r>
+              <a:rPr lang="nl-NL" sz="2400" dirty="0" smtClean="0"/>
+              <a:t> of </a:t>
+            </a:r>
+            <a:r>
+              <a:rPr lang="nl-NL" sz="2400" dirty="0" err="1" smtClean="0"/>
+              <a:t>serendipity</a:t>
+            </a:r>
+            <a:r>
+              <a:rPr lang="nl-NL" sz="2400" dirty="0" smtClean="0"/>
+              <a:t> / </a:t>
+            </a:r>
+            <a:r>
+              <a:rPr lang="nl-NL" sz="2400" dirty="0" err="1" smtClean="0"/>
+              <a:t>blandness</a:t>
+            </a:r>
+            <a:r>
+              <a:rPr lang="nl-NL" sz="2400" dirty="0" smtClean="0"/>
+              <a:t> of </a:t>
+            </a:r>
+            <a:r>
+              <a:rPr lang="nl-NL" sz="2400" dirty="0" err="1" smtClean="0"/>
+              <a:t>recommendations</a:t>
+            </a:r>
             <a:endParaRPr lang="nl-NL" sz="2400" dirty="0" smtClean="0"/>
           </a:p>
           <a:p>
+            <a:endParaRPr lang="nl-NL" sz="2400" dirty="0"/>
+          </a:p>
+          <a:p>
             <a:r>
               <a:rPr lang="nl-NL" sz="2400" dirty="0" err="1" smtClean="0"/>
-              <a:t>Collaborative</a:t>
+              <a:t>Scalability</a:t>
             </a:r>
             <a:r>
               <a:rPr lang="nl-NL" sz="2400" dirty="0" smtClean="0"/>
-              <a:t> filtering</a:t>
-            </a:r>
-          </a:p>
-          <a:p>
-            <a:pPr marL="0" indent="0">
-              <a:buNone/>
-            </a:pPr>
+              <a:t> </a:t>
+            </a:r>
+            <a:r>
+              <a:rPr lang="nl-NL" sz="2400" dirty="0"/>
+              <a:t>(the </a:t>
+            </a:r>
+            <a:r>
+              <a:rPr lang="nl-NL" sz="2400" dirty="0" err="1"/>
+              <a:t>bigger</a:t>
+            </a:r>
+            <a:r>
+              <a:rPr lang="nl-NL" sz="2400" dirty="0"/>
+              <a:t> the system, the more time </a:t>
+            </a:r>
+            <a:r>
+              <a:rPr lang="nl-NL" sz="2400" dirty="0" err="1"/>
+              <a:t>it</a:t>
+            </a:r>
+            <a:r>
+              <a:rPr lang="nl-NL" sz="2400" dirty="0"/>
+              <a:t> takes </a:t>
+            </a:r>
+            <a:r>
+              <a:rPr lang="nl-NL" sz="2400" dirty="0" err="1"/>
+              <a:t>to</a:t>
+            </a:r>
+            <a:r>
+              <a:rPr lang="nl-NL" sz="2400" dirty="0"/>
+              <a:t> </a:t>
+            </a:r>
+            <a:r>
+              <a:rPr lang="nl-NL" sz="2400" dirty="0" err="1"/>
+              <a:t>calculate</a:t>
+            </a:r>
+            <a:r>
+              <a:rPr lang="nl-NL" sz="2400" dirty="0"/>
+              <a:t> </a:t>
+            </a:r>
+            <a:r>
+              <a:rPr lang="nl-NL" sz="2400" dirty="0" err="1"/>
+              <a:t>everything</a:t>
+            </a:r>
+            <a:r>
+              <a:rPr lang="nl-NL" sz="2400" dirty="0"/>
+              <a:t>)</a:t>
+            </a:r>
+          </a:p>
+          <a:p>
             <a:endParaRPr lang="nl-NL" dirty="0"/>
           </a:p>
         </p:txBody>
@@ -6890,7 +7011,7 @@
     </p:spTree>
     <p:extLst>
       <p:ext uri="{BB962C8B-B14F-4D97-AF65-F5344CB8AC3E}">
-        <p14:creationId xmlns:p14="http://schemas.microsoft.com/office/powerpoint/2010/main" val="3335360350"/>
+        <p14:creationId xmlns:p14="http://schemas.microsoft.com/office/powerpoint/2010/main" val="2215855430"/>
       </p:ext>
     </p:extLst>
   </p:cSld>
@@ -6927,470 +7048,23 @@
             <p:ph type="title"/>
           </p:nvPr>
         </p:nvSpPr>
-        <p:spPr/>
+        <p:spPr>
+          <a:xfrm>
+            <a:off x="838200" y="665818"/>
+            <a:ext cx="6172200" cy="523220"/>
+          </a:xfrm>
+        </p:spPr>
         <p:txBody>
           <a:bodyPr/>
           <a:lstStyle/>
           <a:p>
             <a:r>
-              <a:rPr lang="nl-NL" dirty="0" err="1" smtClean="0"/>
-              <a:t>Recommender</a:t>
-            </a:r>
-            <a:r>
-              <a:rPr lang="nl-NL" dirty="0" smtClean="0"/>
-              <a:t> systems</a:t>
-            </a:r>
-            <a:endParaRPr lang="nl-NL" dirty="0"/>
-          </a:p>
-        </p:txBody>
-      </p:sp>
-      <p:sp>
-        <p:nvSpPr>
-          <p:cNvPr id="3" name="Tijdelijke aanduiding voor inhoud 2"/>
-          <p:cNvSpPr>
-            <a:spLocks noGrp="1"/>
-          </p:cNvSpPr>
-          <p:nvPr>
-            <p:ph idx="1"/>
-          </p:nvPr>
-        </p:nvSpPr>
-        <p:spPr>
-          <a:xfrm>
-            <a:off x="683568" y="1556792"/>
-            <a:ext cx="7881938" cy="5533823"/>
-          </a:xfrm>
-        </p:spPr>
-        <p:txBody>
-          <a:bodyPr/>
-          <a:lstStyle/>
-          <a:p>
-            <a:r>
-              <a:rPr lang="nl-NL" sz="2000" dirty="0" err="1"/>
-              <a:t>Collaborative</a:t>
-            </a:r>
-            <a:r>
-              <a:rPr lang="nl-NL" sz="2000" dirty="0"/>
-              <a:t> filtering</a:t>
-            </a:r>
-          </a:p>
-          <a:p>
-            <a:pPr lvl="1"/>
-            <a:r>
-              <a:rPr lang="nl-NL" sz="2000" dirty="0" err="1"/>
-              <a:t>Use</a:t>
-            </a:r>
-            <a:r>
-              <a:rPr lang="nl-NL" sz="2000" dirty="0"/>
-              <a:t> the </a:t>
-            </a:r>
-            <a:r>
-              <a:rPr lang="nl-NL" sz="2000" dirty="0" err="1"/>
-              <a:t>distance</a:t>
-            </a:r>
-            <a:r>
-              <a:rPr lang="nl-NL" sz="2000" dirty="0"/>
-              <a:t> </a:t>
-            </a:r>
-            <a:r>
-              <a:rPr lang="nl-NL" sz="2000" dirty="0" err="1"/>
-              <a:t>between</a:t>
-            </a:r>
-            <a:r>
-              <a:rPr lang="nl-NL" sz="2000" dirty="0"/>
-              <a:t> </a:t>
-            </a:r>
-            <a:r>
-              <a:rPr lang="nl-NL" sz="2000" i="1" dirty="0"/>
-              <a:t>users </a:t>
-            </a:r>
-            <a:r>
-              <a:rPr lang="nl-NL" sz="2000" dirty="0" err="1"/>
-              <a:t>and</a:t>
-            </a:r>
-            <a:r>
-              <a:rPr lang="nl-NL" sz="2000" dirty="0"/>
-              <a:t>/or </a:t>
-            </a:r>
-            <a:r>
-              <a:rPr lang="nl-NL" sz="2000" i="1" dirty="0"/>
-              <a:t>items </a:t>
-            </a:r>
-            <a:r>
-              <a:rPr lang="nl-NL" sz="2000" dirty="0" err="1"/>
-              <a:t>to</a:t>
-            </a:r>
-            <a:r>
-              <a:rPr lang="nl-NL" sz="2000" dirty="0"/>
-              <a:t> </a:t>
-            </a:r>
-            <a:r>
-              <a:rPr lang="nl-NL" sz="2000" dirty="0" err="1"/>
-              <a:t>recommend</a:t>
-            </a:r>
-            <a:r>
-              <a:rPr lang="nl-NL" sz="2000" dirty="0"/>
-              <a:t> </a:t>
-            </a:r>
-            <a:r>
-              <a:rPr lang="nl-NL" sz="2000" dirty="0" err="1"/>
-              <a:t>similar</a:t>
-            </a:r>
-            <a:r>
-              <a:rPr lang="nl-NL" sz="2000" dirty="0"/>
-              <a:t> content </a:t>
-            </a:r>
-            <a:endParaRPr lang="nl-NL" sz="2000" dirty="0" smtClean="0"/>
-          </a:p>
-          <a:p>
-            <a:pPr lvl="1"/>
-            <a:r>
-              <a:rPr lang="nl-NL" sz="2000" dirty="0" err="1" smtClean="0"/>
-              <a:t>Example</a:t>
-            </a:r>
-            <a:r>
-              <a:rPr lang="nl-NL" sz="2000" dirty="0"/>
-              <a:t>: Movielens.org</a:t>
-            </a:r>
-          </a:p>
-          <a:p>
-            <a:pPr lvl="1"/>
-            <a:endParaRPr lang="nl-NL" sz="2000" dirty="0"/>
-          </a:p>
-          <a:p>
-            <a:r>
-              <a:rPr lang="nl-NL" sz="2000" dirty="0"/>
-              <a:t>Content filtering</a:t>
-            </a:r>
-          </a:p>
-          <a:p>
-            <a:pPr lvl="1"/>
-            <a:r>
-              <a:rPr lang="nl-NL" sz="2000" dirty="0" err="1"/>
-              <a:t>Use</a:t>
-            </a:r>
-            <a:r>
-              <a:rPr lang="nl-NL" sz="2000" dirty="0"/>
-              <a:t> </a:t>
-            </a:r>
-            <a:r>
-              <a:rPr lang="nl-NL" sz="2000" dirty="0" err="1"/>
-              <a:t>properties</a:t>
-            </a:r>
-            <a:r>
-              <a:rPr lang="nl-NL" sz="2000" dirty="0"/>
-              <a:t> of </a:t>
-            </a:r>
-            <a:r>
-              <a:rPr lang="nl-NL" sz="2000" i="1" dirty="0"/>
-              <a:t>items</a:t>
-            </a:r>
-            <a:r>
-              <a:rPr lang="nl-NL" sz="2000" dirty="0"/>
-              <a:t> </a:t>
-            </a:r>
-            <a:r>
-              <a:rPr lang="nl-NL" sz="2000" dirty="0" err="1"/>
-              <a:t>to</a:t>
-            </a:r>
-            <a:r>
-              <a:rPr lang="nl-NL" sz="2000" dirty="0"/>
-              <a:t> </a:t>
-            </a:r>
-            <a:r>
-              <a:rPr lang="nl-NL" sz="2000" dirty="0" err="1"/>
-              <a:t>recommend</a:t>
-            </a:r>
-            <a:r>
-              <a:rPr lang="nl-NL" sz="2000" dirty="0"/>
-              <a:t> items </a:t>
-            </a:r>
-            <a:r>
-              <a:rPr lang="nl-NL" sz="2000" dirty="0" err="1"/>
-              <a:t>similar</a:t>
-            </a:r>
-            <a:r>
-              <a:rPr lang="nl-NL" sz="2000" dirty="0"/>
-              <a:t> </a:t>
-            </a:r>
-            <a:r>
-              <a:rPr lang="nl-NL" sz="2000" dirty="0" err="1"/>
-              <a:t>to</a:t>
-            </a:r>
-            <a:r>
-              <a:rPr lang="nl-NL" sz="2000" dirty="0"/>
-              <a:t> the </a:t>
-            </a:r>
-            <a:r>
-              <a:rPr lang="nl-NL" sz="2000" dirty="0" err="1"/>
-              <a:t>ones</a:t>
-            </a:r>
-            <a:r>
-              <a:rPr lang="nl-NL" sz="2000" dirty="0"/>
-              <a:t> the user </a:t>
-            </a:r>
-            <a:r>
-              <a:rPr lang="nl-NL" sz="2000" dirty="0" err="1"/>
-              <a:t>liked</a:t>
-            </a:r>
-            <a:endParaRPr lang="nl-NL" sz="2000" dirty="0"/>
-          </a:p>
-          <a:p>
-            <a:pPr lvl="1"/>
-            <a:r>
-              <a:rPr lang="nl-NL" sz="2000" dirty="0" err="1"/>
-              <a:t>Example</a:t>
-            </a:r>
-            <a:r>
-              <a:rPr lang="nl-NL" sz="2000" dirty="0"/>
-              <a:t>: Last.fm</a:t>
-            </a:r>
-          </a:p>
-          <a:p>
-            <a:endParaRPr lang="nl-NL" sz="2000" dirty="0"/>
-          </a:p>
-          <a:p>
-            <a:r>
-              <a:rPr lang="nl-NL" sz="2000" dirty="0" err="1"/>
-              <a:t>Hybrid</a:t>
-            </a:r>
-            <a:r>
-              <a:rPr lang="nl-NL" sz="2000" dirty="0"/>
-              <a:t> approach</a:t>
-            </a:r>
-          </a:p>
-          <a:p>
-            <a:pPr lvl="1"/>
-            <a:r>
-              <a:rPr lang="nl-NL" sz="2000" dirty="0"/>
-              <a:t>Combine </a:t>
-            </a:r>
-            <a:r>
-              <a:rPr lang="nl-NL" sz="2000" dirty="0" err="1"/>
-              <a:t>both</a:t>
-            </a:r>
-            <a:r>
-              <a:rPr lang="nl-NL" sz="2000" dirty="0"/>
-              <a:t> approaches</a:t>
-            </a:r>
-          </a:p>
-          <a:p>
-            <a:pPr lvl="1"/>
-            <a:r>
-              <a:rPr lang="nl-NL" sz="2000" dirty="0"/>
-              <a:t>Most big platforms (e.g., </a:t>
-            </a:r>
-            <a:r>
-              <a:rPr lang="nl-NL" sz="2000" dirty="0" err="1"/>
-              <a:t>Netflix</a:t>
-            </a:r>
-            <a:r>
-              <a:rPr lang="nl-NL" sz="2000" dirty="0"/>
-              <a:t>, Facebook) </a:t>
-            </a:r>
-            <a:r>
-              <a:rPr lang="nl-NL" sz="2000" dirty="0" err="1"/>
-              <a:t>use</a:t>
-            </a:r>
-            <a:r>
-              <a:rPr lang="nl-NL" sz="2000" dirty="0"/>
-              <a:t> </a:t>
-            </a:r>
-            <a:r>
-              <a:rPr lang="nl-NL" sz="2000" dirty="0" err="1"/>
-              <a:t>tailor-made</a:t>
-            </a:r>
-            <a:r>
-              <a:rPr lang="nl-NL" sz="2000" dirty="0"/>
-              <a:t> </a:t>
-            </a:r>
-            <a:r>
-              <a:rPr lang="nl-NL" sz="2000" dirty="0" err="1"/>
-              <a:t>algorithms</a:t>
-            </a:r>
-            <a:endParaRPr lang="nl-NL" sz="2000" dirty="0"/>
-          </a:p>
-          <a:p>
-            <a:pPr marL="0" indent="0">
-              <a:buNone/>
-            </a:pPr>
-            <a:endParaRPr lang="nl-NL" dirty="0"/>
-          </a:p>
-        </p:txBody>
-      </p:sp>
-    </p:spTree>
-    <p:extLst>
-      <p:ext uri="{BB962C8B-B14F-4D97-AF65-F5344CB8AC3E}">
-        <p14:creationId xmlns:p14="http://schemas.microsoft.com/office/powerpoint/2010/main" val="3535743431"/>
-      </p:ext>
-    </p:extLst>
-  </p:cSld>
-  <p:clrMapOvr>
-    <a:masterClrMapping/>
-  </p:clrMapOvr>
-</p:sld>
-</file>
-
-<file path=ppt/slides/slide12.xml><?xml version="1.0" encoding="utf-8"?>
-<p:sld xmlns:a="http://schemas.openxmlformats.org/drawingml/2006/main" xmlns:r="http://schemas.openxmlformats.org/officeDocument/2006/relationships" xmlns:p="http://schemas.openxmlformats.org/presentationml/2006/main">
-  <p:cSld>
-    <p:spTree>
-      <p:nvGrpSpPr>
-        <p:cNvPr id="1" name=""/>
-        <p:cNvGrpSpPr/>
-        <p:nvPr/>
-      </p:nvGrpSpPr>
-      <p:grpSpPr>
-        <a:xfrm>
-          <a:off x="0" y="0"/>
-          <a:ext cx="0" cy="0"/>
-          <a:chOff x="0" y="0"/>
-          <a:chExt cx="0" cy="0"/>
-        </a:xfrm>
-      </p:grpSpPr>
-      <p:sp>
-        <p:nvSpPr>
-          <p:cNvPr id="2" name="Titel 1"/>
-          <p:cNvSpPr>
-            <a:spLocks noGrp="1"/>
-          </p:cNvSpPr>
-          <p:nvPr>
-            <p:ph type="title"/>
-          </p:nvPr>
-        </p:nvSpPr>
-        <p:spPr/>
-        <p:txBody>
-          <a:bodyPr/>
-          <a:lstStyle/>
-          <a:p>
-            <a:r>
-              <a:rPr lang="nl-NL" dirty="0" smtClean="0"/>
-              <a:t>Topics</a:t>
-            </a:r>
-            <a:endParaRPr lang="nl-NL" dirty="0"/>
-          </a:p>
-        </p:txBody>
-      </p:sp>
-      <p:sp>
-        <p:nvSpPr>
-          <p:cNvPr id="3" name="Tijdelijke aanduiding voor inhoud 2"/>
-          <p:cNvSpPr>
-            <a:spLocks noGrp="1"/>
-          </p:cNvSpPr>
-          <p:nvPr>
-            <p:ph idx="1"/>
-          </p:nvPr>
-        </p:nvSpPr>
-        <p:spPr>
-          <a:xfrm>
-            <a:off x="762000" y="1762125"/>
-            <a:ext cx="7881938" cy="2751522"/>
-          </a:xfrm>
-        </p:spPr>
-        <p:txBody>
-          <a:bodyPr/>
-          <a:lstStyle/>
-          <a:p>
-            <a:r>
-              <a:rPr lang="nl-NL" sz="2400" dirty="0" smtClean="0"/>
-              <a:t>Clustering users</a:t>
-            </a:r>
-            <a:endParaRPr lang="nl-NL" sz="2400" dirty="0" smtClean="0"/>
-          </a:p>
-          <a:p>
-            <a:endParaRPr lang="nl-NL" sz="2400" dirty="0"/>
-          </a:p>
-          <a:p>
-            <a:r>
-              <a:rPr lang="nl-NL" sz="2400" dirty="0" err="1" smtClean="0"/>
-              <a:t>Recommender</a:t>
-            </a:r>
-            <a:r>
-              <a:rPr lang="nl-NL" sz="2400" dirty="0" smtClean="0"/>
-              <a:t> </a:t>
-            </a:r>
-            <a:r>
-              <a:rPr lang="nl-NL" sz="2400" dirty="0" smtClean="0"/>
-              <a:t>systems</a:t>
-            </a:r>
-          </a:p>
-          <a:p>
-            <a:endParaRPr lang="nl-NL" sz="2400" dirty="0" smtClean="0"/>
-          </a:p>
-          <a:p>
-            <a:r>
-              <a:rPr lang="nl-NL" sz="2400" dirty="0" err="1" smtClean="0"/>
-              <a:t>Collaborative</a:t>
-            </a:r>
-            <a:r>
-              <a:rPr lang="nl-NL" sz="2400" dirty="0" smtClean="0"/>
-              <a:t> filtering</a:t>
-            </a:r>
-          </a:p>
-          <a:p>
-            <a:pPr marL="0" indent="0">
-              <a:buNone/>
-            </a:pPr>
-            <a:endParaRPr lang="nl-NL" dirty="0"/>
-          </a:p>
-        </p:txBody>
-      </p:sp>
-    </p:spTree>
-    <p:extLst>
-      <p:ext uri="{BB962C8B-B14F-4D97-AF65-F5344CB8AC3E}">
-        <p14:creationId xmlns:p14="http://schemas.microsoft.com/office/powerpoint/2010/main" val="508764841"/>
-      </p:ext>
-    </p:extLst>
-  </p:cSld>
-  <p:clrMapOvr>
-    <a:masterClrMapping/>
-  </p:clrMapOvr>
-</p:sld>
-</file>
-
-<file path=ppt/slides/slide13.xml><?xml version="1.0" encoding="utf-8"?>
-<p:sld xmlns:a="http://schemas.openxmlformats.org/drawingml/2006/main" xmlns:r="http://schemas.openxmlformats.org/officeDocument/2006/relationships" xmlns:p="http://schemas.openxmlformats.org/presentationml/2006/main">
-  <p:cSld>
-    <p:spTree>
-      <p:nvGrpSpPr>
-        <p:cNvPr id="1" name=""/>
-        <p:cNvGrpSpPr/>
-        <p:nvPr/>
-      </p:nvGrpSpPr>
-      <p:grpSpPr>
-        <a:xfrm>
-          <a:off x="0" y="0"/>
-          <a:ext cx="0" cy="0"/>
-          <a:chOff x="0" y="0"/>
-          <a:chExt cx="0" cy="0"/>
-        </a:xfrm>
-      </p:grpSpPr>
-      <p:sp>
-        <p:nvSpPr>
-          <p:cNvPr id="2" name="Titel 1"/>
-          <p:cNvSpPr>
-            <a:spLocks noGrp="1"/>
-          </p:cNvSpPr>
-          <p:nvPr>
-            <p:ph type="title"/>
-          </p:nvPr>
-        </p:nvSpPr>
-        <p:spPr>
-          <a:xfrm>
-            <a:off x="838200" y="234931"/>
-            <a:ext cx="6172200" cy="954107"/>
-          </a:xfrm>
-        </p:spPr>
-        <p:txBody>
-          <a:bodyPr/>
-          <a:lstStyle/>
-          <a:p>
-            <a:r>
               <a:rPr lang="nl-NL" sz="2800" dirty="0" err="1" smtClean="0"/>
-              <a:t>Nearest-neighbor</a:t>
+              <a:t>Exercise</a:t>
             </a:r>
             <a:r>
               <a:rPr lang="nl-NL" sz="2800" dirty="0" smtClean="0"/>
-              <a:t> </a:t>
+              <a:t> 2: </a:t>
             </a:r>
             <a:r>
               <a:rPr lang="nl-NL" sz="2800" dirty="0" err="1" smtClean="0"/>
@@ -7406,552 +7080,16 @@
       </p:sp>
       <p:sp>
         <p:nvSpPr>
-          <p:cNvPr id="3" name="Tijdelijke aanduiding voor inhoud 2"/>
-          <p:cNvSpPr>
-            <a:spLocks noGrp="1"/>
-          </p:cNvSpPr>
-          <p:nvPr>
-            <p:ph idx="1"/>
-          </p:nvPr>
-        </p:nvSpPr>
-        <p:spPr>
-          <a:xfrm>
-            <a:off x="762000" y="1762125"/>
-            <a:ext cx="7881938" cy="2529923"/>
-          </a:xfrm>
-        </p:spPr>
-        <p:txBody>
-          <a:bodyPr/>
-          <a:lstStyle/>
-          <a:p>
-            <a:r>
-              <a:rPr lang="nl-NL" sz="2400" dirty="0" err="1" smtClean="0"/>
-              <a:t>Use</a:t>
-            </a:r>
-            <a:r>
-              <a:rPr lang="nl-NL" sz="2400" dirty="0" smtClean="0"/>
-              <a:t> the </a:t>
-            </a:r>
-            <a:r>
-              <a:rPr lang="nl-NL" sz="2400" i="1" dirty="0" smtClean="0"/>
-              <a:t>n</a:t>
-            </a:r>
-            <a:r>
-              <a:rPr lang="nl-NL" sz="2400" dirty="0" smtClean="0"/>
-              <a:t> </a:t>
-            </a:r>
-            <a:r>
-              <a:rPr lang="nl-NL" sz="2400" dirty="0" err="1" smtClean="0"/>
-              <a:t>nearest</a:t>
-            </a:r>
-            <a:r>
-              <a:rPr lang="nl-NL" sz="2400" dirty="0" smtClean="0"/>
-              <a:t> </a:t>
-            </a:r>
-            <a:r>
-              <a:rPr lang="nl-NL" sz="2400" dirty="0" err="1" smtClean="0"/>
-              <a:t>neighbor</a:t>
-            </a:r>
-            <a:r>
-              <a:rPr lang="nl-NL" sz="2400" dirty="0" smtClean="0"/>
-              <a:t> users </a:t>
-            </a:r>
-            <a:r>
-              <a:rPr lang="nl-NL" sz="2400" dirty="0" err="1" smtClean="0"/>
-              <a:t>to</a:t>
-            </a:r>
-            <a:r>
-              <a:rPr lang="nl-NL" sz="2400" dirty="0" smtClean="0"/>
-              <a:t> </a:t>
-            </a:r>
-            <a:r>
-              <a:rPr lang="nl-NL" sz="2400" dirty="0" err="1" smtClean="0"/>
-              <a:t>calculate</a:t>
-            </a:r>
-            <a:r>
-              <a:rPr lang="nl-NL" sz="2400" dirty="0" smtClean="0"/>
-              <a:t> the </a:t>
-            </a:r>
-            <a:r>
-              <a:rPr lang="nl-NL" sz="2400" dirty="0" err="1" smtClean="0"/>
-              <a:t>predicted</a:t>
-            </a:r>
-            <a:r>
-              <a:rPr lang="nl-NL" sz="2400" dirty="0" smtClean="0"/>
-              <a:t> rating </a:t>
-            </a:r>
-          </a:p>
-          <a:p>
-            <a:endParaRPr lang="nl-NL" sz="2400" dirty="0"/>
-          </a:p>
-          <a:p>
-            <a:r>
-              <a:rPr lang="nl-NL" sz="2400" dirty="0" err="1" smtClean="0"/>
-              <a:t>Distance</a:t>
-            </a:r>
-            <a:r>
-              <a:rPr lang="nl-NL" sz="2400" dirty="0" smtClean="0"/>
-              <a:t> </a:t>
-            </a:r>
-            <a:r>
-              <a:rPr lang="nl-NL" sz="2400" dirty="0" err="1" smtClean="0"/>
-              <a:t>can</a:t>
-            </a:r>
-            <a:r>
-              <a:rPr lang="nl-NL" sz="2400" dirty="0" smtClean="0"/>
-              <a:t> </a:t>
-            </a:r>
-            <a:r>
-              <a:rPr lang="nl-NL" sz="2400" dirty="0" err="1" smtClean="0"/>
-              <a:t>be</a:t>
-            </a:r>
-            <a:r>
-              <a:rPr lang="nl-NL" sz="2400" dirty="0" smtClean="0"/>
-              <a:t> </a:t>
-            </a:r>
-            <a:r>
-              <a:rPr lang="nl-NL" sz="2400" dirty="0" err="1" smtClean="0"/>
-              <a:t>calculated</a:t>
-            </a:r>
-            <a:r>
-              <a:rPr lang="nl-NL" sz="2400" dirty="0" smtClean="0"/>
-              <a:t> in </a:t>
-            </a:r>
-            <a:r>
-              <a:rPr lang="nl-NL" sz="2400" dirty="0" err="1" smtClean="0"/>
-              <a:t>various</a:t>
-            </a:r>
-            <a:r>
-              <a:rPr lang="nl-NL" sz="2400" dirty="0" smtClean="0"/>
-              <a:t> </a:t>
-            </a:r>
-            <a:r>
-              <a:rPr lang="nl-NL" sz="2400" dirty="0" err="1" smtClean="0"/>
-              <a:t>ways</a:t>
-            </a:r>
-            <a:r>
-              <a:rPr lang="nl-NL" sz="2400" dirty="0" smtClean="0"/>
-              <a:t>, e.g.,</a:t>
-            </a:r>
-          </a:p>
-          <a:p>
-            <a:pPr lvl="1"/>
-            <a:r>
-              <a:rPr lang="nl-NL" sz="2200" dirty="0" smtClean="0"/>
-              <a:t>Correlation </a:t>
-            </a:r>
-            <a:r>
-              <a:rPr lang="nl-NL" sz="2200" dirty="0" err="1" smtClean="0"/>
-              <a:t>between</a:t>
-            </a:r>
-            <a:r>
-              <a:rPr lang="nl-NL" sz="2200" dirty="0" smtClean="0"/>
-              <a:t> users / items</a:t>
-            </a:r>
-          </a:p>
-          <a:p>
-            <a:pPr lvl="1"/>
-            <a:r>
-              <a:rPr lang="nl-NL" sz="2200" dirty="0" err="1" smtClean="0"/>
-              <a:t>Cosine</a:t>
-            </a:r>
-            <a:r>
-              <a:rPr lang="nl-NL" sz="2200" dirty="0" smtClean="0"/>
-              <a:t> </a:t>
-            </a:r>
-            <a:r>
-              <a:rPr lang="nl-NL" sz="2200" dirty="0" err="1" smtClean="0"/>
-              <a:t>similarity</a:t>
-            </a:r>
-            <a:endParaRPr lang="nl-NL" sz="2200" dirty="0"/>
-          </a:p>
-        </p:txBody>
-      </p:sp>
-    </p:spTree>
-    <p:extLst>
-      <p:ext uri="{BB962C8B-B14F-4D97-AF65-F5344CB8AC3E}">
-        <p14:creationId xmlns:p14="http://schemas.microsoft.com/office/powerpoint/2010/main" val="3337249391"/>
-      </p:ext>
-    </p:extLst>
-  </p:cSld>
-  <p:clrMapOvr>
-    <a:masterClrMapping/>
-  </p:clrMapOvr>
-</p:sld>
-</file>
-
-<file path=ppt/slides/slide14.xml><?xml version="1.0" encoding="utf-8"?>
-<p:sld xmlns:a="http://schemas.openxmlformats.org/drawingml/2006/main" xmlns:r="http://schemas.openxmlformats.org/officeDocument/2006/relationships" xmlns:p="http://schemas.openxmlformats.org/presentationml/2006/main">
-  <p:cSld>
-    <p:spTree>
-      <p:nvGrpSpPr>
-        <p:cNvPr id="1" name=""/>
-        <p:cNvGrpSpPr/>
-        <p:nvPr/>
-      </p:nvGrpSpPr>
-      <p:grpSpPr>
-        <a:xfrm>
-          <a:off x="0" y="0"/>
-          <a:ext cx="0" cy="0"/>
-          <a:chOff x="0" y="0"/>
-          <a:chExt cx="0" cy="0"/>
-        </a:xfrm>
-      </p:grpSpPr>
-      <p:sp>
-        <p:nvSpPr>
-          <p:cNvPr id="2" name="Titel 1"/>
-          <p:cNvSpPr>
-            <a:spLocks noGrp="1"/>
-          </p:cNvSpPr>
-          <p:nvPr>
-            <p:ph type="title"/>
-          </p:nvPr>
-        </p:nvSpPr>
-        <p:spPr/>
-        <p:txBody>
-          <a:bodyPr/>
-          <a:lstStyle/>
-          <a:p>
-            <a:r>
-              <a:rPr lang="nl-NL" dirty="0" err="1" smtClean="0"/>
-              <a:t>Cosine</a:t>
-            </a:r>
-            <a:r>
-              <a:rPr lang="nl-NL" dirty="0" smtClean="0"/>
-              <a:t> </a:t>
-            </a:r>
-            <a:r>
-              <a:rPr lang="nl-NL" dirty="0" err="1" smtClean="0"/>
-              <a:t>similarity</a:t>
-            </a:r>
-            <a:endParaRPr lang="nl-NL" dirty="0"/>
-          </a:p>
-        </p:txBody>
-      </p:sp>
-      <p:graphicFrame>
-        <p:nvGraphicFramePr>
-          <p:cNvPr id="5" name="Tijdelijke aanduiding voor inhoud 4"/>
-          <p:cNvGraphicFramePr>
-            <a:graphicFrameLocks/>
-          </p:cNvGraphicFramePr>
-          <p:nvPr>
-            <p:extLst>
-              <p:ext uri="{D42A27DB-BD31-4B8C-83A1-F6EECF244321}">
-                <p14:modId xmlns:p14="http://schemas.microsoft.com/office/powerpoint/2010/main" val="1485193911"/>
-              </p:ext>
-            </p:extLst>
-          </p:nvPr>
-        </p:nvGraphicFramePr>
-        <p:xfrm>
-          <a:off x="1951825" y="1659580"/>
-          <a:ext cx="4348367" cy="4793756"/>
-        </p:xfrm>
-        <a:graphic>
-          <a:graphicData uri="http://schemas.openxmlformats.org/drawingml/2006/chart">
-            <c:chart xmlns:c="http://schemas.openxmlformats.org/drawingml/2006/chart" xmlns:r="http://schemas.openxmlformats.org/officeDocument/2006/relationships" r:id="rId2"/>
-          </a:graphicData>
-        </a:graphic>
-      </p:graphicFrame>
-      <p:cxnSp>
-        <p:nvCxnSpPr>
-          <p:cNvPr id="6" name="Rechte verbindingslijn met pijl 5"/>
-          <p:cNvCxnSpPr/>
-          <p:nvPr/>
-        </p:nvCxnSpPr>
-        <p:spPr bwMode="auto">
-          <a:xfrm flipV="1">
-            <a:off x="2525525" y="3501008"/>
-            <a:ext cx="2118483" cy="1728192"/>
-          </a:xfrm>
-          <a:prstGeom prst="straightConnector1">
-            <a:avLst/>
-          </a:prstGeom>
-          <a:solidFill>
-            <a:schemeClr val="accent1"/>
-          </a:solidFill>
-          <a:ln w="31750" cap="flat" cmpd="sng" algn="ctr">
-            <a:solidFill>
-              <a:srgbClr val="0070C0"/>
-            </a:solidFill>
-            <a:prstDash val="solid"/>
-            <a:round/>
-            <a:headEnd type="none" w="med" len="med"/>
-            <a:tailEnd type="triangle"/>
-          </a:ln>
-          <a:effectLst/>
-        </p:spPr>
-      </p:cxnSp>
-      <p:sp>
-        <p:nvSpPr>
-          <p:cNvPr id="10" name="Vrije vorm 9"/>
-          <p:cNvSpPr/>
+          <p:cNvPr id="4" name="Tijdelijke aanduiding voor inhoud 2"/>
+          <p:cNvSpPr txBox="1">
+            <a:spLocks/>
+          </p:cNvSpPr>
           <p:nvPr/>
         </p:nvSpPr>
         <p:spPr bwMode="auto">
           <a:xfrm>
-            <a:off x="3094361" y="4187278"/>
-            <a:ext cx="330773" cy="355652"/>
-          </a:xfrm>
-          <a:custGeom>
-            <a:avLst/>
-            <a:gdLst>
-              <a:gd name="connsiteX0" fmla="*/ 297720 w 330773"/>
-              <a:gd name="connsiteY0" fmla="*/ 355652 h 355652"/>
-              <a:gd name="connsiteX1" fmla="*/ 306957 w 330773"/>
-              <a:gd name="connsiteY1" fmla="*/ 13907 h 355652"/>
-              <a:gd name="connsiteX2" fmla="*/ 29866 w 330773"/>
-              <a:gd name="connsiteY2" fmla="*/ 69325 h 355652"/>
-              <a:gd name="connsiteX3" fmla="*/ 20630 w 330773"/>
-              <a:gd name="connsiteY3" fmla="*/ 97034 h 355652"/>
-            </a:gdLst>
-            <a:ahLst/>
-            <a:cxnLst>
-              <a:cxn ang="0">
-                <a:pos x="connsiteX0" y="connsiteY0"/>
-              </a:cxn>
-              <a:cxn ang="0">
-                <a:pos x="connsiteX1" y="connsiteY1"/>
-              </a:cxn>
-              <a:cxn ang="0">
-                <a:pos x="connsiteX2" y="connsiteY2"/>
-              </a:cxn>
-              <a:cxn ang="0">
-                <a:pos x="connsiteX3" y="connsiteY3"/>
-              </a:cxn>
-            </a:cxnLst>
-            <a:rect l="l" t="t" r="r" b="b"/>
-            <a:pathLst>
-              <a:path w="330773" h="355652">
-                <a:moveTo>
-                  <a:pt x="297720" y="355652"/>
-                </a:moveTo>
-                <a:cubicBezTo>
-                  <a:pt x="324659" y="208640"/>
-                  <a:pt x="351599" y="61628"/>
-                  <a:pt x="306957" y="13907"/>
-                </a:cubicBezTo>
-                <a:cubicBezTo>
-                  <a:pt x="262315" y="-33814"/>
-                  <a:pt x="77587" y="55470"/>
-                  <a:pt x="29866" y="69325"/>
-                </a:cubicBezTo>
-                <a:cubicBezTo>
-                  <a:pt x="-17855" y="83179"/>
-                  <a:pt x="1387" y="90106"/>
-                  <a:pt x="20630" y="97034"/>
-                </a:cubicBezTo>
-              </a:path>
-            </a:pathLst>
-          </a:custGeom>
-          <a:noFill/>
-          <a:ln w="25400" cap="flat" cmpd="sng" algn="ctr">
-            <a:solidFill>
-              <a:srgbClr val="0070C0"/>
-            </a:solidFill>
-            <a:prstDash val="solid"/>
-            <a:round/>
-            <a:headEnd type="none" w="med" len="med"/>
-            <a:tailEnd type="none" w="med" len="med"/>
-          </a:ln>
-          <a:effectLst/>
-        </p:spPr>
-        <p:txBody>
-          <a:bodyPr vert="horz" wrap="none" lIns="91440" tIns="45720" rIns="91440" bIns="45720" numCol="1" rtlCol="0" anchor="ctr" anchorCtr="0" compatLnSpc="1">
-            <a:prstTxWarp prst="textNoShape">
-              <a:avLst/>
-            </a:prstTxWarp>
-          </a:bodyPr>
-          <a:lstStyle/>
-          <a:p>
-            <a:pPr marL="0" marR="0" indent="0" algn="l" defTabSz="914400" rtl="0" eaLnBrk="1" fontAlgn="base" latinLnBrk="0" hangingPunct="1">
-              <a:lnSpc>
-                <a:spcPct val="100000"/>
-              </a:lnSpc>
-              <a:spcBef>
-                <a:spcPct val="0"/>
-              </a:spcBef>
-              <a:spcAft>
-                <a:spcPct val="0"/>
-              </a:spcAft>
-              <a:buClrTx/>
-              <a:buSzTx/>
-              <a:buFontTx/>
-              <a:buNone/>
-              <a:tabLst/>
-            </a:pPr>
-            <a:endParaRPr kumimoji="0" lang="nl-NL" sz="1400" b="0" i="0" u="none" strike="noStrike" cap="none" normalizeH="0" baseline="0" smtClean="0">
-              <a:ln>
-                <a:noFill/>
-              </a:ln>
-              <a:solidFill>
-                <a:schemeClr val="tx1"/>
-              </a:solidFill>
-              <a:effectLst/>
-              <a:latin typeface="Arial" charset="0"/>
-            </a:endParaRPr>
-          </a:p>
-        </p:txBody>
-      </p:sp>
-      <p:cxnSp>
-        <p:nvCxnSpPr>
-          <p:cNvPr id="11" name="Rechte verbindingslijn met pijl 10"/>
-          <p:cNvCxnSpPr/>
-          <p:nvPr/>
-        </p:nvCxnSpPr>
-        <p:spPr bwMode="auto">
-          <a:xfrm flipV="1">
-            <a:off x="2639291" y="2348880"/>
-            <a:ext cx="3444877" cy="2880320"/>
-          </a:xfrm>
-          <a:prstGeom prst="straightConnector1">
-            <a:avLst/>
-          </a:prstGeom>
-          <a:solidFill>
-            <a:schemeClr val="accent1"/>
-          </a:solidFill>
-          <a:ln w="31750" cap="flat" cmpd="sng" algn="ctr">
-            <a:solidFill>
-              <a:srgbClr val="FFC000"/>
-            </a:solidFill>
-            <a:prstDash val="solid"/>
-            <a:round/>
-            <a:headEnd type="none" w="med" len="med"/>
-            <a:tailEnd type="triangle"/>
-          </a:ln>
-          <a:effectLst/>
-        </p:spPr>
-      </p:cxnSp>
-      <p:cxnSp>
-        <p:nvCxnSpPr>
-          <p:cNvPr id="13" name="Rechte verbindingslijn met pijl 12"/>
-          <p:cNvCxnSpPr/>
-          <p:nvPr/>
-        </p:nvCxnSpPr>
-        <p:spPr bwMode="auto">
-          <a:xfrm flipV="1">
-            <a:off x="2699792" y="3501008"/>
-            <a:ext cx="2088232" cy="1728192"/>
-          </a:xfrm>
-          <a:prstGeom prst="straightConnector1">
-            <a:avLst/>
-          </a:prstGeom>
-          <a:solidFill>
-            <a:schemeClr val="accent1"/>
-          </a:solidFill>
-          <a:ln w="31750" cap="flat" cmpd="sng" algn="ctr">
-            <a:solidFill>
-              <a:srgbClr val="FFC000"/>
-            </a:solidFill>
-            <a:prstDash val="solid"/>
-            <a:round/>
-            <a:headEnd type="none" w="med" len="med"/>
-            <a:tailEnd type="triangle"/>
-          </a:ln>
-          <a:effectLst/>
-        </p:spPr>
-      </p:cxnSp>
-      <p:sp>
-        <p:nvSpPr>
-          <p:cNvPr id="17" name="Tekstvak 16"/>
-          <p:cNvSpPr txBox="1"/>
-          <p:nvPr/>
-        </p:nvSpPr>
-        <p:spPr>
-          <a:xfrm>
-            <a:off x="4126008" y="4150816"/>
-            <a:ext cx="992579" cy="307777"/>
-          </a:xfrm>
-          <a:prstGeom prst="rect">
-            <a:avLst/>
-          </a:prstGeom>
-          <a:noFill/>
-        </p:spPr>
-        <p:txBody>
-          <a:bodyPr wrap="none" rtlCol="0">
-            <a:spAutoFit/>
-          </a:bodyPr>
-          <a:lstStyle/>
-          <a:p>
-            <a:r>
-              <a:rPr lang="nl-NL" dirty="0" err="1"/>
-              <a:t>a</a:t>
-            </a:r>
-            <a:r>
-              <a:rPr lang="nl-NL" dirty="0" err="1" smtClean="0"/>
-              <a:t>ngle</a:t>
-            </a:r>
-            <a:r>
-              <a:rPr lang="nl-NL" dirty="0" smtClean="0"/>
-              <a:t> = 0</a:t>
-            </a:r>
-            <a:r>
-              <a:rPr lang="nl-NL" baseline="30000" dirty="0" smtClean="0"/>
-              <a:t>o</a:t>
-            </a:r>
-            <a:endParaRPr lang="nl-NL" dirty="0"/>
-          </a:p>
-        </p:txBody>
-      </p:sp>
-      <p:sp>
-        <p:nvSpPr>
-          <p:cNvPr id="8" name="Tekstvak 7"/>
-          <p:cNvSpPr txBox="1"/>
-          <p:nvPr/>
-        </p:nvSpPr>
-        <p:spPr>
-          <a:xfrm>
-            <a:off x="3423979" y="3615647"/>
-            <a:ext cx="825867" cy="523220"/>
-          </a:xfrm>
-          <a:prstGeom prst="rect">
-            <a:avLst/>
-          </a:prstGeom>
-          <a:noFill/>
-        </p:spPr>
-        <p:txBody>
-          <a:bodyPr wrap="none" rtlCol="0">
-            <a:spAutoFit/>
-          </a:bodyPr>
-          <a:lstStyle/>
-          <a:p>
-            <a:r>
-              <a:rPr lang="nl-NL" dirty="0" err="1"/>
-              <a:t>a</a:t>
-            </a:r>
-            <a:r>
-              <a:rPr lang="nl-NL" dirty="0" err="1" smtClean="0"/>
-              <a:t>ngle</a:t>
-            </a:r>
-            <a:r>
-              <a:rPr lang="nl-NL" dirty="0" smtClean="0"/>
-              <a:t> = </a:t>
-            </a:r>
-          </a:p>
-          <a:p>
-            <a:r>
-              <a:rPr lang="nl-NL" dirty="0" smtClean="0"/>
-              <a:t>33</a:t>
-            </a:r>
-            <a:r>
-              <a:rPr lang="nl-NL" baseline="30000" dirty="0"/>
-              <a:t>o</a:t>
-            </a:r>
-            <a:endParaRPr lang="nl-NL" dirty="0"/>
-          </a:p>
-        </p:txBody>
-      </p:sp>
-      <p:sp>
-        <p:nvSpPr>
-          <p:cNvPr id="23" name="Tijdelijke aanduiding voor inhoud 2"/>
-          <p:cNvSpPr txBox="1">
-            <a:spLocks/>
-          </p:cNvSpPr>
-          <p:nvPr/>
-        </p:nvSpPr>
-        <p:spPr bwMode="auto">
-          <a:xfrm>
-            <a:off x="1619672" y="6150495"/>
-            <a:ext cx="7881938" cy="461665"/>
+            <a:off x="838200" y="1772816"/>
+            <a:ext cx="7881938" cy="5456878"/>
           </a:xfrm>
           <a:prstGeom prst="rect">
             <a:avLst/>
@@ -8161,43 +7299,844 @@
               <a:buNone/>
             </a:pPr>
             <a:r>
-              <a:rPr lang="nl-NL" sz="2400" kern="0" dirty="0" err="1" smtClean="0"/>
-              <a:t>Cosine</a:t>
-            </a:r>
-            <a:r>
-              <a:rPr lang="nl-NL" sz="2400" kern="0" dirty="0" smtClean="0"/>
+              <a:rPr lang="nl-NL" sz="1500" kern="0" dirty="0" smtClean="0">
+                <a:latin typeface="Courier New" panose="02070309020205020404" pitchFamily="49" charset="0"/>
+                <a:cs typeface="Courier New" panose="02070309020205020404" pitchFamily="49" charset="0"/>
+              </a:rPr>
+              <a:t>In this </a:t>
+            </a:r>
+            <a:r>
+              <a:rPr lang="nl-NL" sz="1500" kern="0" dirty="0" err="1" smtClean="0">
+                <a:latin typeface="Courier New" panose="02070309020205020404" pitchFamily="49" charset="0"/>
+                <a:cs typeface="Courier New" panose="02070309020205020404" pitchFamily="49" charset="0"/>
+              </a:rPr>
+              <a:t>exercise</a:t>
+            </a:r>
+            <a:r>
+              <a:rPr lang="nl-NL" sz="1500" kern="0" dirty="0" smtClean="0">
+                <a:latin typeface="Courier New" panose="02070309020205020404" pitchFamily="49" charset="0"/>
+                <a:cs typeface="Courier New" panose="02070309020205020404" pitchFamily="49" charset="0"/>
+              </a:rPr>
+              <a:t>, </a:t>
+            </a:r>
+            <a:r>
+              <a:rPr lang="nl-NL" sz="1500" kern="0" dirty="0" err="1" smtClean="0">
+                <a:latin typeface="Courier New" panose="02070309020205020404" pitchFamily="49" charset="0"/>
+                <a:cs typeface="Courier New" panose="02070309020205020404" pitchFamily="49" charset="0"/>
+              </a:rPr>
+              <a:t>you</a:t>
+            </a:r>
+            <a:r>
+              <a:rPr lang="nl-NL" sz="1500" kern="0" dirty="0" smtClean="0">
+                <a:latin typeface="Courier New" panose="02070309020205020404" pitchFamily="49" charset="0"/>
+                <a:cs typeface="Courier New" panose="02070309020205020404" pitchFamily="49" charset="0"/>
+              </a:rPr>
+              <a:t> are </a:t>
+            </a:r>
+            <a:r>
+              <a:rPr lang="nl-NL" sz="1500" kern="0" dirty="0" err="1" smtClean="0">
+                <a:latin typeface="Courier New" panose="02070309020205020404" pitchFamily="49" charset="0"/>
+                <a:cs typeface="Courier New" panose="02070309020205020404" pitchFamily="49" charset="0"/>
+              </a:rPr>
+              <a:t>going</a:t>
+            </a:r>
+            <a:r>
+              <a:rPr lang="nl-NL" sz="1500" kern="0" dirty="0" smtClean="0">
+                <a:latin typeface="Courier New" panose="02070309020205020404" pitchFamily="49" charset="0"/>
+                <a:cs typeface="Courier New" panose="02070309020205020404" pitchFamily="49" charset="0"/>
+              </a:rPr>
               <a:t> </a:t>
             </a:r>
             <a:r>
-              <a:rPr lang="nl-NL" sz="2400" kern="0" dirty="0" err="1" smtClean="0"/>
-              <a:t>similarity</a:t>
-            </a:r>
-            <a:r>
-              <a:rPr lang="nl-NL" sz="2400" kern="0" dirty="0" smtClean="0"/>
-              <a:t>: user 2&amp;3 are </a:t>
-            </a:r>
-            <a:r>
-              <a:rPr lang="nl-NL" sz="2400" kern="0" dirty="0" err="1" smtClean="0"/>
-              <a:t>closest</a:t>
-            </a:r>
-            <a:endParaRPr lang="nl-NL" sz="2400" kern="0" dirty="0"/>
+              <a:rPr lang="nl-NL" sz="1500" kern="0" dirty="0" err="1" smtClean="0">
+                <a:latin typeface="Courier New" panose="02070309020205020404" pitchFamily="49" charset="0"/>
+                <a:cs typeface="Courier New" panose="02070309020205020404" pitchFamily="49" charset="0"/>
+              </a:rPr>
+              <a:t>to</a:t>
+            </a:r>
+            <a:r>
+              <a:rPr lang="nl-NL" sz="1500" kern="0" dirty="0" smtClean="0">
+                <a:latin typeface="Courier New" panose="02070309020205020404" pitchFamily="49" charset="0"/>
+                <a:cs typeface="Courier New" panose="02070309020205020404" pitchFamily="49" charset="0"/>
+              </a:rPr>
+              <a:t> </a:t>
+            </a:r>
+            <a:r>
+              <a:rPr lang="nl-NL" sz="1500" kern="0" dirty="0" err="1" smtClean="0">
+                <a:latin typeface="Courier New" panose="02070309020205020404" pitchFamily="49" charset="0"/>
+                <a:cs typeface="Courier New" panose="02070309020205020404" pitchFamily="49" charset="0"/>
+              </a:rPr>
+              <a:t>build</a:t>
+            </a:r>
+            <a:r>
+              <a:rPr lang="nl-NL" sz="1500" kern="0" dirty="0" smtClean="0">
+                <a:latin typeface="Courier New" panose="02070309020205020404" pitchFamily="49" charset="0"/>
+                <a:cs typeface="Courier New" panose="02070309020205020404" pitchFamily="49" charset="0"/>
+              </a:rPr>
+              <a:t> the building </a:t>
+            </a:r>
+            <a:r>
+              <a:rPr lang="nl-NL" sz="1500" kern="0" dirty="0" err="1" smtClean="0">
+                <a:latin typeface="Courier New" panose="02070309020205020404" pitchFamily="49" charset="0"/>
+                <a:cs typeface="Courier New" panose="02070309020205020404" pitchFamily="49" charset="0"/>
+              </a:rPr>
+              <a:t>blocks</a:t>
+            </a:r>
+            <a:r>
+              <a:rPr lang="nl-NL" sz="1500" kern="0" dirty="0" smtClean="0">
+                <a:latin typeface="Courier New" panose="02070309020205020404" pitchFamily="49" charset="0"/>
+                <a:cs typeface="Courier New" panose="02070309020205020404" pitchFamily="49" charset="0"/>
+              </a:rPr>
+              <a:t> of a </a:t>
+            </a:r>
+            <a:r>
+              <a:rPr lang="nl-NL" sz="1500" kern="0" dirty="0" err="1" smtClean="0">
+                <a:latin typeface="Courier New" panose="02070309020205020404" pitchFamily="49" charset="0"/>
+                <a:cs typeface="Courier New" panose="02070309020205020404" pitchFamily="49" charset="0"/>
+              </a:rPr>
+              <a:t>recommender</a:t>
+            </a:r>
+            <a:r>
+              <a:rPr lang="nl-NL" sz="1500" kern="0" dirty="0" smtClean="0">
+                <a:latin typeface="Courier New" panose="02070309020205020404" pitchFamily="49" charset="0"/>
+                <a:cs typeface="Courier New" panose="02070309020205020404" pitchFamily="49" charset="0"/>
+              </a:rPr>
+              <a:t> system </a:t>
+            </a:r>
+            <a:r>
+              <a:rPr lang="nl-NL" sz="1500" kern="0" dirty="0" err="1" smtClean="0">
+                <a:latin typeface="Courier New" panose="02070309020205020404" pitchFamily="49" charset="0"/>
+                <a:cs typeface="Courier New" panose="02070309020205020404" pitchFamily="49" charset="0"/>
+              </a:rPr>
+              <a:t>using</a:t>
+            </a:r>
+            <a:r>
+              <a:rPr lang="nl-NL" sz="1500" kern="0" dirty="0" smtClean="0">
+                <a:latin typeface="Courier New" panose="02070309020205020404" pitchFamily="49" charset="0"/>
+                <a:cs typeface="Courier New" panose="02070309020205020404" pitchFamily="49" charset="0"/>
+              </a:rPr>
+              <a:t> </a:t>
+            </a:r>
+            <a:r>
+              <a:rPr lang="nl-NL" sz="1500" kern="0" dirty="0" err="1" smtClean="0">
+                <a:latin typeface="Courier New" panose="02070309020205020404" pitchFamily="49" charset="0"/>
+                <a:cs typeface="Courier New" panose="02070309020205020404" pitchFamily="49" charset="0"/>
+              </a:rPr>
+              <a:t>correlation</a:t>
+            </a:r>
+            <a:r>
+              <a:rPr lang="nl-NL" sz="1500" kern="0" dirty="0" smtClean="0">
+                <a:latin typeface="Courier New" panose="02070309020205020404" pitchFamily="49" charset="0"/>
+                <a:cs typeface="Courier New" panose="02070309020205020404" pitchFamily="49" charset="0"/>
+              </a:rPr>
+              <a:t> </a:t>
+            </a:r>
+            <a:r>
+              <a:rPr lang="nl-NL" sz="1500" kern="0" dirty="0" err="1" smtClean="0">
+                <a:latin typeface="Courier New" panose="02070309020205020404" pitchFamily="49" charset="0"/>
+                <a:cs typeface="Courier New" panose="02070309020205020404" pitchFamily="49" charset="0"/>
+              </a:rPr>
+              <a:t>between</a:t>
+            </a:r>
+            <a:r>
+              <a:rPr lang="nl-NL" sz="1500" kern="0" dirty="0" smtClean="0">
+                <a:latin typeface="Courier New" panose="02070309020205020404" pitchFamily="49" charset="0"/>
+                <a:cs typeface="Courier New" panose="02070309020205020404" pitchFamily="49" charset="0"/>
+              </a:rPr>
+              <a:t> items.</a:t>
+            </a:r>
+          </a:p>
+          <a:p>
+            <a:pPr marL="0" indent="0">
+              <a:buNone/>
+            </a:pPr>
+            <a:endParaRPr lang="nl-NL" sz="1500" kern="0" dirty="0" smtClean="0">
+              <a:latin typeface="Courier New" panose="02070309020205020404" pitchFamily="49" charset="0"/>
+              <a:cs typeface="Courier New" panose="02070309020205020404" pitchFamily="49" charset="0"/>
+            </a:endParaRPr>
+          </a:p>
+          <a:p>
+            <a:pPr>
+              <a:buFont typeface="+mj-lt"/>
+              <a:buAutoNum type="arabicPeriod"/>
+            </a:pPr>
+            <a:r>
+              <a:rPr lang="nl-NL" sz="1500" kern="0" dirty="0" smtClean="0">
+                <a:latin typeface="Courier New" panose="02070309020205020404" pitchFamily="49" charset="0"/>
+                <a:cs typeface="Courier New" panose="02070309020205020404" pitchFamily="49" charset="0"/>
+              </a:rPr>
+              <a:t>Make a user-item pivot </a:t>
+            </a:r>
+            <a:r>
+              <a:rPr lang="nl-NL" sz="1500" kern="0" dirty="0" err="1" smtClean="0">
+                <a:latin typeface="Courier New" panose="02070309020205020404" pitchFamily="49" charset="0"/>
+                <a:cs typeface="Courier New" panose="02070309020205020404" pitchFamily="49" charset="0"/>
+              </a:rPr>
+              <a:t>table</a:t>
+            </a:r>
+            <a:r>
+              <a:rPr lang="nl-NL" sz="1500" kern="0" dirty="0">
+                <a:latin typeface="Courier New" panose="02070309020205020404" pitchFamily="49" charset="0"/>
+                <a:cs typeface="Courier New" panose="02070309020205020404" pitchFamily="49" charset="0"/>
+              </a:rPr>
+              <a:t> </a:t>
+            </a:r>
+            <a:r>
+              <a:rPr lang="nl-NL" sz="1500" kern="0" dirty="0" smtClean="0">
+                <a:latin typeface="Courier New" panose="02070309020205020404" pitchFamily="49" charset="0"/>
+                <a:cs typeface="Courier New" panose="02070309020205020404" pitchFamily="49" charset="0"/>
+              </a:rPr>
+              <a:t>of the Movielens data (or </a:t>
+            </a:r>
+            <a:r>
+              <a:rPr lang="nl-NL" sz="1500" kern="0" dirty="0" err="1" smtClean="0">
+                <a:latin typeface="Courier New" panose="02070309020205020404" pitchFamily="49" charset="0"/>
+                <a:cs typeface="Courier New" panose="02070309020205020404" pitchFamily="49" charset="0"/>
+              </a:rPr>
+              <a:t>use</a:t>
+            </a:r>
+            <a:r>
+              <a:rPr lang="nl-NL" sz="1500" kern="0" dirty="0" smtClean="0">
+                <a:latin typeface="Courier New" panose="02070309020205020404" pitchFamily="49" charset="0"/>
+                <a:cs typeface="Courier New" panose="02070309020205020404" pitchFamily="49" charset="0"/>
+              </a:rPr>
+              <a:t> </a:t>
+            </a:r>
+            <a:r>
+              <a:rPr lang="nl-NL" sz="1500" kern="0" dirty="0" err="1" smtClean="0">
+                <a:latin typeface="Courier New" panose="02070309020205020404" pitchFamily="49" charset="0"/>
+                <a:cs typeface="Courier New" panose="02070309020205020404" pitchFamily="49" charset="0"/>
+              </a:rPr>
+              <a:t>an</a:t>
+            </a:r>
+            <a:r>
+              <a:rPr lang="nl-NL" sz="1500" kern="0" dirty="0" smtClean="0">
+                <a:latin typeface="Courier New" panose="02070309020205020404" pitchFamily="49" charset="0"/>
+                <a:cs typeface="Courier New" panose="02070309020205020404" pitchFamily="49" charset="0"/>
+              </a:rPr>
+              <a:t> </a:t>
+            </a:r>
+            <a:r>
+              <a:rPr lang="nl-NL" sz="1500" kern="0" dirty="0" err="1" smtClean="0">
+                <a:latin typeface="Courier New" panose="02070309020205020404" pitchFamily="49" charset="0"/>
+                <a:cs typeface="Courier New" panose="02070309020205020404" pitchFamily="49" charset="0"/>
+              </a:rPr>
+              <a:t>old</a:t>
+            </a:r>
+            <a:r>
+              <a:rPr lang="nl-NL" sz="1500" kern="0" dirty="0" smtClean="0">
+                <a:latin typeface="Courier New" panose="02070309020205020404" pitchFamily="49" charset="0"/>
+                <a:cs typeface="Courier New" panose="02070309020205020404" pitchFamily="49" charset="0"/>
+              </a:rPr>
+              <a:t> file)</a:t>
+            </a:r>
+          </a:p>
+          <a:p>
+            <a:pPr>
+              <a:buFont typeface="+mj-lt"/>
+              <a:buAutoNum type="arabicPeriod"/>
+            </a:pPr>
+            <a:endParaRPr lang="nl-NL" sz="1500" kern="0" dirty="0" smtClean="0">
+              <a:latin typeface="Courier New" panose="02070309020205020404" pitchFamily="49" charset="0"/>
+              <a:cs typeface="Courier New" panose="02070309020205020404" pitchFamily="49" charset="0"/>
+            </a:endParaRPr>
+          </a:p>
+          <a:p>
+            <a:pPr>
+              <a:buFont typeface="+mj-lt"/>
+              <a:buAutoNum type="arabicPeriod"/>
+            </a:pPr>
+            <a:r>
+              <a:rPr lang="nl-NL" sz="1500" kern="0" dirty="0" err="1" smtClean="0">
+                <a:latin typeface="Courier New" panose="02070309020205020404" pitchFamily="49" charset="0"/>
+                <a:cs typeface="Courier New" panose="02070309020205020404" pitchFamily="49" charset="0"/>
+              </a:rPr>
+              <a:t>Choose</a:t>
+            </a:r>
+            <a:r>
+              <a:rPr lang="nl-NL" sz="1500" kern="0" dirty="0" smtClean="0">
+                <a:latin typeface="Courier New" panose="02070309020205020404" pitchFamily="49" charset="0"/>
+                <a:cs typeface="Courier New" panose="02070309020205020404" pitchFamily="49" charset="0"/>
+              </a:rPr>
+              <a:t> a </a:t>
+            </a:r>
+            <a:r>
+              <a:rPr lang="nl-NL" sz="1500" kern="0" dirty="0" err="1" smtClean="0">
+                <a:latin typeface="Courier New" panose="02070309020205020404" pitchFamily="49" charset="0"/>
+                <a:cs typeface="Courier New" panose="02070309020205020404" pitchFamily="49" charset="0"/>
+              </a:rPr>
+              <a:t>frequently</a:t>
+            </a:r>
+            <a:r>
+              <a:rPr lang="nl-NL" sz="1500" kern="0" dirty="0" smtClean="0">
+                <a:latin typeface="Courier New" panose="02070309020205020404" pitchFamily="49" charset="0"/>
+                <a:cs typeface="Courier New" panose="02070309020205020404" pitchFamily="49" charset="0"/>
+              </a:rPr>
+              <a:t> </a:t>
+            </a:r>
+            <a:r>
+              <a:rPr lang="nl-NL" sz="1500" kern="0" dirty="0" err="1" smtClean="0">
+                <a:latin typeface="Courier New" panose="02070309020205020404" pitchFamily="49" charset="0"/>
+                <a:cs typeface="Courier New" panose="02070309020205020404" pitchFamily="49" charset="0"/>
+              </a:rPr>
+              <a:t>rated</a:t>
+            </a:r>
+            <a:r>
+              <a:rPr lang="nl-NL" sz="1500" kern="0" dirty="0" smtClean="0">
+                <a:latin typeface="Courier New" panose="02070309020205020404" pitchFamily="49" charset="0"/>
+                <a:cs typeface="Courier New" panose="02070309020205020404" pitchFamily="49" charset="0"/>
+              </a:rPr>
+              <a:t> movie. Show </a:t>
+            </a:r>
+            <a:r>
+              <a:rPr lang="nl-NL" sz="1500" kern="0" dirty="0" err="1" smtClean="0">
+                <a:latin typeface="Courier New" panose="02070309020205020404" pitchFamily="49" charset="0"/>
+                <a:cs typeface="Courier New" panose="02070309020205020404" pitchFamily="49" charset="0"/>
+              </a:rPr>
+              <a:t>its</a:t>
+            </a:r>
+            <a:r>
+              <a:rPr lang="nl-NL" sz="1500" kern="0" dirty="0" smtClean="0">
+                <a:latin typeface="Courier New" panose="02070309020205020404" pitchFamily="49" charset="0"/>
+                <a:cs typeface="Courier New" panose="02070309020205020404" pitchFamily="49" charset="0"/>
+              </a:rPr>
+              <a:t> </a:t>
+            </a:r>
+            <a:r>
+              <a:rPr lang="nl-NL" sz="1500" kern="0" dirty="0" err="1" smtClean="0">
+                <a:latin typeface="Courier New" panose="02070309020205020404" pitchFamily="49" charset="0"/>
+                <a:cs typeface="Courier New" panose="02070309020205020404" pitchFamily="49" charset="0"/>
+              </a:rPr>
+              <a:t>correlation</a:t>
+            </a:r>
+            <a:r>
+              <a:rPr lang="nl-NL" sz="1500" kern="0" dirty="0" smtClean="0">
+                <a:latin typeface="Courier New" panose="02070309020205020404" pitchFamily="49" charset="0"/>
+                <a:cs typeface="Courier New" panose="02070309020205020404" pitchFamily="49" charset="0"/>
+              </a:rPr>
+              <a:t> </a:t>
+            </a:r>
+            <a:r>
+              <a:rPr lang="nl-NL" sz="1500" kern="0" dirty="0" err="1" smtClean="0">
+                <a:latin typeface="Courier New" panose="02070309020205020404" pitchFamily="49" charset="0"/>
+                <a:cs typeface="Courier New" panose="02070309020205020404" pitchFamily="49" charset="0"/>
+              </a:rPr>
+              <a:t>with</a:t>
+            </a:r>
+            <a:r>
+              <a:rPr lang="nl-NL" sz="1500" kern="0" dirty="0" smtClean="0">
+                <a:latin typeface="Courier New" panose="02070309020205020404" pitchFamily="49" charset="0"/>
+                <a:cs typeface="Courier New" panose="02070309020205020404" pitchFamily="49" charset="0"/>
+              </a:rPr>
+              <a:t> </a:t>
+            </a:r>
+            <a:r>
+              <a:rPr lang="nl-NL" sz="1500" kern="0" dirty="0" err="1" smtClean="0">
+                <a:latin typeface="Courier New" panose="02070309020205020404" pitchFamily="49" charset="0"/>
+                <a:cs typeface="Courier New" panose="02070309020205020404" pitchFamily="49" charset="0"/>
+              </a:rPr>
+              <a:t>other</a:t>
+            </a:r>
+            <a:r>
+              <a:rPr lang="nl-NL" sz="1500" kern="0" dirty="0" smtClean="0">
+                <a:latin typeface="Courier New" panose="02070309020205020404" pitchFamily="49" charset="0"/>
+                <a:cs typeface="Courier New" panose="02070309020205020404" pitchFamily="49" charset="0"/>
+              </a:rPr>
+              <a:t> </a:t>
+            </a:r>
+            <a:r>
+              <a:rPr lang="nl-NL" sz="1500" kern="0" dirty="0" err="1" smtClean="0">
+                <a:latin typeface="Courier New" panose="02070309020205020404" pitchFamily="49" charset="0"/>
+                <a:cs typeface="Courier New" panose="02070309020205020404" pitchFamily="49" charset="0"/>
+              </a:rPr>
+              <a:t>movies</a:t>
+            </a:r>
+            <a:r>
+              <a:rPr lang="nl-NL" sz="1500" kern="0" dirty="0" smtClean="0">
+                <a:latin typeface="Courier New" panose="02070309020205020404" pitchFamily="49" charset="0"/>
+                <a:cs typeface="Courier New" panose="02070309020205020404" pitchFamily="49" charset="0"/>
+              </a:rPr>
+              <a:t> </a:t>
+            </a:r>
+            <a:r>
+              <a:rPr lang="nl-NL" sz="1500" kern="0" dirty="0" err="1" smtClean="0">
+                <a:latin typeface="Courier New" panose="02070309020205020404" pitchFamily="49" charset="0"/>
+                <a:cs typeface="Courier New" panose="02070309020205020404" pitchFamily="49" charset="0"/>
+              </a:rPr>
+              <a:t>and</a:t>
+            </a:r>
+            <a:r>
+              <a:rPr lang="nl-NL" sz="1500" kern="0" dirty="0" smtClean="0">
+                <a:latin typeface="Courier New" panose="02070309020205020404" pitchFamily="49" charset="0"/>
+                <a:cs typeface="Courier New" panose="02070309020205020404" pitchFamily="49" charset="0"/>
+              </a:rPr>
+              <a:t> look at the top 10. Tip: </a:t>
+            </a:r>
+            <a:r>
+              <a:rPr lang="nl-NL" sz="1500" kern="0" dirty="0" err="1" smtClean="0">
+                <a:latin typeface="Courier New" panose="02070309020205020404" pitchFamily="49" charset="0"/>
+                <a:cs typeface="Courier New" panose="02070309020205020404" pitchFamily="49" charset="0"/>
+              </a:rPr>
+              <a:t>Pandas</a:t>
+            </a:r>
+            <a:r>
+              <a:rPr lang="nl-NL" sz="1500" kern="0" dirty="0" smtClean="0">
+                <a:latin typeface="Courier New" panose="02070309020205020404" pitchFamily="49" charset="0"/>
+                <a:cs typeface="Courier New" panose="02070309020205020404" pitchFamily="49" charset="0"/>
+              </a:rPr>
+              <a:t> has a </a:t>
+            </a:r>
+            <a:r>
+              <a:rPr lang="nl-NL" sz="1500" kern="0" dirty="0" err="1" smtClean="0">
+                <a:latin typeface="Courier New" panose="02070309020205020404" pitchFamily="49" charset="0"/>
+                <a:cs typeface="Courier New" panose="02070309020205020404" pitchFamily="49" charset="0"/>
+              </a:rPr>
+              <a:t>handy</a:t>
+            </a:r>
+            <a:r>
+              <a:rPr lang="nl-NL" sz="1500" kern="0" dirty="0" smtClean="0">
+                <a:latin typeface="Courier New" panose="02070309020205020404" pitchFamily="49" charset="0"/>
+                <a:cs typeface="Courier New" panose="02070309020205020404" pitchFamily="49" charset="0"/>
+              </a:rPr>
+              <a:t> </a:t>
+            </a:r>
+            <a:r>
+              <a:rPr lang="nl-NL" sz="1500" kern="0" dirty="0" err="1" smtClean="0">
+                <a:latin typeface="Courier New" panose="02070309020205020404" pitchFamily="49" charset="0"/>
+                <a:cs typeface="Courier New" panose="02070309020205020404" pitchFamily="49" charset="0"/>
+              </a:rPr>
+              <a:t>function</a:t>
+            </a:r>
+            <a:r>
+              <a:rPr lang="nl-NL" sz="1500" kern="0" dirty="0" smtClean="0">
+                <a:latin typeface="Courier New" panose="02070309020205020404" pitchFamily="49" charset="0"/>
+                <a:cs typeface="Courier New" panose="02070309020205020404" pitchFamily="49" charset="0"/>
+              </a:rPr>
+              <a:t> </a:t>
+            </a:r>
+            <a:r>
+              <a:rPr lang="nl-NL" sz="1500" kern="0" dirty="0" err="1" smtClean="0">
+                <a:latin typeface="Courier New" panose="02070309020205020404" pitchFamily="49" charset="0"/>
+                <a:cs typeface="Courier New" panose="02070309020205020404" pitchFamily="49" charset="0"/>
+              </a:rPr>
+              <a:t>called</a:t>
+            </a:r>
+            <a:r>
+              <a:rPr lang="nl-NL" sz="1500" kern="0" dirty="0" smtClean="0">
+                <a:latin typeface="Courier New" panose="02070309020205020404" pitchFamily="49" charset="0"/>
+                <a:cs typeface="Courier New" panose="02070309020205020404" pitchFamily="49" charset="0"/>
+              </a:rPr>
+              <a:t> </a:t>
+            </a:r>
+            <a:r>
+              <a:rPr lang="nl-NL" sz="1500" i="1" kern="0" dirty="0" err="1" smtClean="0">
+                <a:latin typeface="Courier New" panose="02070309020205020404" pitchFamily="49" charset="0"/>
+                <a:cs typeface="Courier New" panose="02070309020205020404" pitchFamily="49" charset="0"/>
+              </a:rPr>
+              <a:t>corr_with</a:t>
+            </a:r>
+            <a:r>
+              <a:rPr lang="nl-NL" sz="1500" i="1" kern="0" dirty="0" smtClean="0">
+                <a:latin typeface="Courier New" panose="02070309020205020404" pitchFamily="49" charset="0"/>
+                <a:cs typeface="Courier New" panose="02070309020205020404" pitchFamily="49" charset="0"/>
+              </a:rPr>
+              <a:t>. </a:t>
+            </a:r>
+            <a:r>
+              <a:rPr lang="nl-NL" sz="1500" kern="0" dirty="0" smtClean="0">
+                <a:latin typeface="Courier New" panose="02070309020205020404" pitchFamily="49" charset="0"/>
+                <a:cs typeface="Courier New" panose="02070309020205020404" pitchFamily="49" charset="0"/>
+              </a:rPr>
+              <a:t>Check out </a:t>
+            </a:r>
+            <a:r>
+              <a:rPr lang="nl-NL" sz="1500" kern="0" dirty="0" err="1" smtClean="0">
+                <a:latin typeface="Courier New" panose="02070309020205020404" pitchFamily="49" charset="0"/>
+                <a:cs typeface="Courier New" panose="02070309020205020404" pitchFamily="49" charset="0"/>
+              </a:rPr>
+              <a:t>its</a:t>
+            </a:r>
+            <a:r>
+              <a:rPr lang="nl-NL" sz="1500" kern="0" dirty="0" smtClean="0">
+                <a:latin typeface="Courier New" panose="02070309020205020404" pitchFamily="49" charset="0"/>
+                <a:cs typeface="Courier New" panose="02070309020205020404" pitchFamily="49" charset="0"/>
+              </a:rPr>
+              <a:t> documentation.</a:t>
+            </a:r>
+          </a:p>
+          <a:p>
+            <a:pPr>
+              <a:buFont typeface="+mj-lt"/>
+              <a:buAutoNum type="arabicPeriod"/>
+            </a:pPr>
+            <a:endParaRPr lang="nl-NL" sz="1500" kern="0" dirty="0" smtClean="0">
+              <a:latin typeface="Courier New" panose="02070309020205020404" pitchFamily="49" charset="0"/>
+              <a:cs typeface="Courier New" panose="02070309020205020404" pitchFamily="49" charset="0"/>
+            </a:endParaRPr>
+          </a:p>
+          <a:p>
+            <a:pPr>
+              <a:buFont typeface="+mj-lt"/>
+              <a:buAutoNum type="arabicPeriod"/>
+            </a:pPr>
+            <a:r>
+              <a:rPr lang="nl-NL" sz="1500" kern="0" dirty="0" smtClean="0">
+                <a:latin typeface="Courier New" panose="02070309020205020404" pitchFamily="49" charset="0"/>
+                <a:cs typeface="Courier New" panose="02070309020205020404" pitchFamily="49" charset="0"/>
+              </a:rPr>
+              <a:t>The </a:t>
+            </a:r>
+            <a:r>
+              <a:rPr lang="nl-NL" sz="1500" kern="0" dirty="0" err="1" smtClean="0">
+                <a:latin typeface="Courier New" panose="02070309020205020404" pitchFamily="49" charset="0"/>
+                <a:cs typeface="Courier New" panose="02070309020205020404" pitchFamily="49" charset="0"/>
+              </a:rPr>
+              <a:t>correlations</a:t>
+            </a:r>
+            <a:r>
+              <a:rPr lang="nl-NL" sz="1500" kern="0" dirty="0" smtClean="0">
+                <a:latin typeface="Courier New" panose="02070309020205020404" pitchFamily="49" charset="0"/>
+                <a:cs typeface="Courier New" panose="02070309020205020404" pitchFamily="49" charset="0"/>
+              </a:rPr>
+              <a:t> at step 2 are </a:t>
+            </a:r>
+            <a:r>
+              <a:rPr lang="nl-NL" sz="1500" kern="0" dirty="0" err="1" smtClean="0">
+                <a:latin typeface="Courier New" panose="02070309020205020404" pitchFamily="49" charset="0"/>
+                <a:cs typeface="Courier New" panose="02070309020205020404" pitchFamily="49" charset="0"/>
+              </a:rPr>
+              <a:t>not</a:t>
+            </a:r>
+            <a:r>
+              <a:rPr lang="nl-NL" sz="1500" kern="0" dirty="0" smtClean="0">
+                <a:latin typeface="Courier New" panose="02070309020205020404" pitchFamily="49" charset="0"/>
+                <a:cs typeface="Courier New" panose="02070309020205020404" pitchFamily="49" charset="0"/>
+              </a:rPr>
+              <a:t> </a:t>
+            </a:r>
+            <a:r>
+              <a:rPr lang="nl-NL" sz="1500" kern="0" dirty="0" err="1" smtClean="0">
+                <a:latin typeface="Courier New" panose="02070309020205020404" pitchFamily="49" charset="0"/>
+                <a:cs typeface="Courier New" panose="02070309020205020404" pitchFamily="49" charset="0"/>
+              </a:rPr>
+              <a:t>very</a:t>
+            </a:r>
+            <a:r>
+              <a:rPr lang="nl-NL" sz="1500" kern="0" dirty="0" smtClean="0">
+                <a:latin typeface="Courier New" panose="02070309020205020404" pitchFamily="49" charset="0"/>
+                <a:cs typeface="Courier New" panose="02070309020205020404" pitchFamily="49" charset="0"/>
+              </a:rPr>
+              <a:t> </a:t>
+            </a:r>
+            <a:r>
+              <a:rPr lang="nl-NL" sz="1500" kern="0" dirty="0" err="1" smtClean="0">
+                <a:latin typeface="Courier New" panose="02070309020205020404" pitchFamily="49" charset="0"/>
+                <a:cs typeface="Courier New" panose="02070309020205020404" pitchFamily="49" charset="0"/>
+              </a:rPr>
+              <a:t>useful</a:t>
+            </a:r>
+            <a:r>
+              <a:rPr lang="nl-NL" sz="1500" kern="0" dirty="0" smtClean="0">
+                <a:latin typeface="Courier New" panose="02070309020205020404" pitchFamily="49" charset="0"/>
+                <a:cs typeface="Courier New" panose="02070309020205020404" pitchFamily="49" charset="0"/>
+              </a:rPr>
+              <a:t>. </a:t>
+            </a:r>
+            <a:r>
+              <a:rPr lang="nl-NL" sz="1500" kern="0" dirty="0" err="1" smtClean="0">
+                <a:latin typeface="Courier New" panose="02070309020205020404" pitchFamily="49" charset="0"/>
+                <a:cs typeface="Courier New" panose="02070309020205020404" pitchFamily="49" charset="0"/>
+              </a:rPr>
+              <a:t>Why</a:t>
+            </a:r>
+            <a:r>
+              <a:rPr lang="nl-NL" sz="1500" kern="0" dirty="0" smtClean="0">
+                <a:latin typeface="Courier New" panose="02070309020205020404" pitchFamily="49" charset="0"/>
+                <a:cs typeface="Courier New" panose="02070309020205020404" pitchFamily="49" charset="0"/>
+              </a:rPr>
+              <a:t> </a:t>
+            </a:r>
+            <a:r>
+              <a:rPr lang="nl-NL" sz="1500" kern="0" dirty="0" err="1" smtClean="0">
+                <a:latin typeface="Courier New" panose="02070309020205020404" pitchFamily="49" charset="0"/>
+                <a:cs typeface="Courier New" panose="02070309020205020404" pitchFamily="49" charset="0"/>
+              </a:rPr>
+              <a:t>not</a:t>
+            </a:r>
+            <a:r>
+              <a:rPr lang="nl-NL" sz="1500" kern="0" dirty="0" smtClean="0">
+                <a:latin typeface="Courier New" panose="02070309020205020404" pitchFamily="49" charset="0"/>
+                <a:cs typeface="Courier New" panose="02070309020205020404" pitchFamily="49" charset="0"/>
+              </a:rPr>
+              <a:t>? </a:t>
+            </a:r>
+            <a:r>
+              <a:rPr lang="nl-NL" sz="1500" kern="0" dirty="0" err="1" smtClean="0">
+                <a:latin typeface="Courier New" panose="02070309020205020404" pitchFamily="49" charset="0"/>
+                <a:cs typeface="Courier New" panose="02070309020205020404" pitchFamily="49" charset="0"/>
+              </a:rPr>
+              <a:t>Improve</a:t>
+            </a:r>
+            <a:r>
+              <a:rPr lang="nl-NL" sz="1500" kern="0" dirty="0" smtClean="0">
+                <a:latin typeface="Courier New" panose="02070309020205020404" pitchFamily="49" charset="0"/>
+                <a:cs typeface="Courier New" panose="02070309020205020404" pitchFamily="49" charset="0"/>
+              </a:rPr>
+              <a:t> </a:t>
+            </a:r>
+            <a:r>
+              <a:rPr lang="nl-NL" sz="1500" kern="0" dirty="0" err="1" smtClean="0">
+                <a:latin typeface="Courier New" panose="02070309020205020404" pitchFamily="49" charset="0"/>
+                <a:cs typeface="Courier New" panose="02070309020205020404" pitchFamily="49" charset="0"/>
+              </a:rPr>
+              <a:t>your</a:t>
+            </a:r>
+            <a:r>
+              <a:rPr lang="nl-NL" sz="1500" kern="0" dirty="0" smtClean="0">
+                <a:latin typeface="Courier New" panose="02070309020205020404" pitchFamily="49" charset="0"/>
+                <a:cs typeface="Courier New" panose="02070309020205020404" pitchFamily="49" charset="0"/>
+              </a:rPr>
+              <a:t> </a:t>
+            </a:r>
+            <a:r>
+              <a:rPr lang="nl-NL" sz="1500" kern="0" dirty="0" err="1" smtClean="0">
+                <a:latin typeface="Courier New" panose="02070309020205020404" pitchFamily="49" charset="0"/>
+                <a:cs typeface="Courier New" panose="02070309020205020404" pitchFamily="49" charset="0"/>
+              </a:rPr>
+              <a:t>predictions</a:t>
+            </a:r>
+            <a:r>
+              <a:rPr lang="nl-NL" sz="1500" kern="0" dirty="0" smtClean="0">
+                <a:latin typeface="Courier New" panose="02070309020205020404" pitchFamily="49" charset="0"/>
+                <a:cs typeface="Courier New" panose="02070309020205020404" pitchFamily="49" charset="0"/>
+              </a:rPr>
+              <a:t>. (This step is </a:t>
+            </a:r>
+            <a:r>
+              <a:rPr lang="nl-NL" sz="1500" kern="0" dirty="0" err="1" smtClean="0">
+                <a:latin typeface="Courier New" panose="02070309020205020404" pitchFamily="49" charset="0"/>
+                <a:cs typeface="Courier New" panose="02070309020205020404" pitchFamily="49" charset="0"/>
+              </a:rPr>
+              <a:t>actually</a:t>
+            </a:r>
+            <a:r>
+              <a:rPr lang="nl-NL" sz="1500" kern="0" dirty="0" smtClean="0">
+                <a:latin typeface="Courier New" panose="02070309020205020404" pitchFamily="49" charset="0"/>
+                <a:cs typeface="Courier New" panose="02070309020205020404" pitchFamily="49" charset="0"/>
+              </a:rPr>
+              <a:t> </a:t>
+            </a:r>
+            <a:r>
+              <a:rPr lang="nl-NL" sz="1500" kern="0" dirty="0" err="1" smtClean="0">
+                <a:latin typeface="Courier New" panose="02070309020205020404" pitchFamily="49" charset="0"/>
+                <a:cs typeface="Courier New" panose="02070309020205020404" pitchFamily="49" charset="0"/>
+              </a:rPr>
+              <a:t>much</a:t>
+            </a:r>
+            <a:r>
+              <a:rPr lang="nl-NL" sz="1500" kern="0" dirty="0" smtClean="0">
+                <a:latin typeface="Courier New" panose="02070309020205020404" pitchFamily="49" charset="0"/>
+                <a:cs typeface="Courier New" panose="02070309020205020404" pitchFamily="49" charset="0"/>
+              </a:rPr>
+              <a:t> harder </a:t>
+            </a:r>
+            <a:r>
+              <a:rPr lang="nl-NL" sz="1500" kern="0" dirty="0" err="1" smtClean="0">
+                <a:latin typeface="Courier New" panose="02070309020205020404" pitchFamily="49" charset="0"/>
+                <a:cs typeface="Courier New" panose="02070309020205020404" pitchFamily="49" charset="0"/>
+              </a:rPr>
+              <a:t>than</a:t>
+            </a:r>
+            <a:r>
+              <a:rPr lang="nl-NL" sz="1500" kern="0" dirty="0" smtClean="0">
+                <a:latin typeface="Courier New" panose="02070309020205020404" pitchFamily="49" charset="0"/>
+                <a:cs typeface="Courier New" panose="02070309020205020404" pitchFamily="49" charset="0"/>
+              </a:rPr>
+              <a:t> </a:t>
+            </a:r>
+            <a:r>
+              <a:rPr lang="nl-NL" sz="1500" kern="0" dirty="0" err="1" smtClean="0">
+                <a:latin typeface="Courier New" panose="02070309020205020404" pitchFamily="49" charset="0"/>
+                <a:cs typeface="Courier New" panose="02070309020205020404" pitchFamily="49" charset="0"/>
+              </a:rPr>
+              <a:t>it</a:t>
+            </a:r>
+            <a:r>
+              <a:rPr lang="nl-NL" sz="1500" kern="0" dirty="0" smtClean="0">
+                <a:latin typeface="Courier New" panose="02070309020205020404" pitchFamily="49" charset="0"/>
+                <a:cs typeface="Courier New" panose="02070309020205020404" pitchFamily="49" charset="0"/>
+              </a:rPr>
+              <a:t> looks. </a:t>
+            </a:r>
+            <a:r>
+              <a:rPr lang="nl-NL" sz="1500" kern="0" dirty="0" err="1" smtClean="0">
+                <a:latin typeface="Courier New" panose="02070309020205020404" pitchFamily="49" charset="0"/>
+                <a:cs typeface="Courier New" panose="02070309020205020404" pitchFamily="49" charset="0"/>
+              </a:rPr>
+              <a:t>I’m</a:t>
+            </a:r>
+            <a:r>
+              <a:rPr lang="nl-NL" sz="1500" kern="0" dirty="0" smtClean="0">
+                <a:latin typeface="Courier New" panose="02070309020205020404" pitchFamily="49" charset="0"/>
+                <a:cs typeface="Courier New" panose="02070309020205020404" pitchFamily="49" charset="0"/>
+              </a:rPr>
+              <a:t> </a:t>
+            </a:r>
+            <a:r>
+              <a:rPr lang="nl-NL" sz="1500" kern="0" dirty="0" err="1" smtClean="0">
+                <a:latin typeface="Courier New" panose="02070309020205020404" pitchFamily="49" charset="0"/>
+                <a:cs typeface="Courier New" panose="02070309020205020404" pitchFamily="49" charset="0"/>
+              </a:rPr>
+              <a:t>interested</a:t>
+            </a:r>
+            <a:r>
+              <a:rPr lang="nl-NL" sz="1500" kern="0" dirty="0" smtClean="0">
+                <a:latin typeface="Courier New" panose="02070309020205020404" pitchFamily="49" charset="0"/>
+                <a:cs typeface="Courier New" panose="02070309020205020404" pitchFamily="49" charset="0"/>
+              </a:rPr>
+              <a:t> in </a:t>
+            </a:r>
+            <a:r>
+              <a:rPr lang="nl-NL" sz="1500" kern="0" dirty="0" err="1" smtClean="0">
+                <a:latin typeface="Courier New" panose="02070309020205020404" pitchFamily="49" charset="0"/>
+                <a:cs typeface="Courier New" panose="02070309020205020404" pitchFamily="49" charset="0"/>
+              </a:rPr>
+              <a:t>your</a:t>
+            </a:r>
+            <a:r>
+              <a:rPr lang="nl-NL" sz="1500" kern="0" dirty="0" smtClean="0">
+                <a:latin typeface="Courier New" panose="02070309020205020404" pitchFamily="49" charset="0"/>
+                <a:cs typeface="Courier New" panose="02070309020205020404" pitchFamily="49" charset="0"/>
+              </a:rPr>
+              <a:t> </a:t>
+            </a:r>
+            <a:r>
+              <a:rPr lang="nl-NL" sz="1500" kern="0" dirty="0" err="1" smtClean="0">
+                <a:latin typeface="Courier New" panose="02070309020205020404" pitchFamily="49" charset="0"/>
+                <a:cs typeface="Courier New" panose="02070309020205020404" pitchFamily="49" charset="0"/>
+              </a:rPr>
+              <a:t>solutions</a:t>
+            </a:r>
+            <a:r>
+              <a:rPr lang="nl-NL" sz="1500" kern="0" dirty="0" smtClean="0">
+                <a:latin typeface="Courier New" panose="02070309020205020404" pitchFamily="49" charset="0"/>
+                <a:cs typeface="Courier New" panose="02070309020205020404" pitchFamily="49" charset="0"/>
+              </a:rPr>
+              <a:t>)</a:t>
+            </a:r>
+            <a:endParaRPr lang="nl-NL" sz="1500" kern="0" dirty="0">
+              <a:latin typeface="Courier New" panose="02070309020205020404" pitchFamily="49" charset="0"/>
+              <a:cs typeface="Courier New" panose="02070309020205020404" pitchFamily="49" charset="0"/>
+            </a:endParaRPr>
+          </a:p>
+          <a:p>
+            <a:pPr marL="0" indent="0">
+              <a:buNone/>
+            </a:pPr>
+            <a:r>
+              <a:rPr lang="nl-NL" sz="1500" kern="0" dirty="0" smtClean="0">
+                <a:latin typeface="Courier New" panose="02070309020205020404" pitchFamily="49" charset="0"/>
+                <a:cs typeface="Courier New" panose="02070309020205020404" pitchFamily="49" charset="0"/>
+              </a:rPr>
+              <a:t> </a:t>
+            </a:r>
+            <a:endParaRPr lang="nl-NL" sz="1500" kern="0" dirty="0">
+              <a:latin typeface="Courier New" panose="02070309020205020404" pitchFamily="49" charset="0"/>
+              <a:cs typeface="Courier New" panose="02070309020205020404" pitchFamily="49" charset="0"/>
+            </a:endParaRPr>
+          </a:p>
+          <a:p>
+            <a:pPr marL="0" indent="0">
+              <a:buNone/>
+            </a:pPr>
+            <a:endParaRPr lang="nl-NL" sz="1400" kern="0" dirty="0" smtClean="0">
+              <a:latin typeface="Courier New" panose="02070309020205020404" pitchFamily="49" charset="0"/>
+              <a:cs typeface="Courier New" panose="02070309020205020404" pitchFamily="49" charset="0"/>
+            </a:endParaRPr>
+          </a:p>
+          <a:p>
+            <a:pPr>
+              <a:buFont typeface="+mj-lt"/>
+              <a:buAutoNum type="arabicPeriod"/>
+            </a:pPr>
+            <a:endParaRPr lang="nl-NL" sz="1400" b="1" kern="0" dirty="0" smtClean="0">
+              <a:latin typeface="Courier New" panose="02070309020205020404" pitchFamily="49" charset="0"/>
+              <a:cs typeface="Courier New" panose="02070309020205020404" pitchFamily="49" charset="0"/>
+            </a:endParaRPr>
+          </a:p>
+          <a:p>
+            <a:pPr>
+              <a:buFont typeface="+mj-lt"/>
+              <a:buAutoNum type="arabicPeriod"/>
+            </a:pPr>
+            <a:endParaRPr lang="nl-NL" sz="1400" kern="0" dirty="0" smtClean="0">
+              <a:latin typeface="Courier New" panose="02070309020205020404" pitchFamily="49" charset="0"/>
+              <a:cs typeface="Courier New" panose="02070309020205020404" pitchFamily="49" charset="0"/>
+            </a:endParaRPr>
+          </a:p>
+          <a:p>
+            <a:pPr marL="0" indent="0">
+              <a:buFont typeface="Zapf Dingbats" charset="2"/>
+              <a:buNone/>
+            </a:pPr>
+            <a:endParaRPr lang="nl-NL" sz="1400" kern="0" dirty="0">
+              <a:latin typeface="Courier New" panose="02070309020205020404" pitchFamily="49" charset="0"/>
+              <a:cs typeface="Courier New" panose="02070309020205020404" pitchFamily="49" charset="0"/>
+            </a:endParaRPr>
+          </a:p>
+          <a:p>
+            <a:pPr marL="0" indent="0">
+              <a:buFont typeface="Zapf Dingbats" charset="2"/>
+              <a:buNone/>
+            </a:pPr>
+            <a:endParaRPr lang="nl-NL" sz="1400" kern="0" dirty="0" smtClean="0">
+              <a:latin typeface="Courier New" panose="02070309020205020404" pitchFamily="49" charset="0"/>
+              <a:cs typeface="Courier New" panose="02070309020205020404" pitchFamily="49" charset="0"/>
+            </a:endParaRPr>
+          </a:p>
+          <a:p>
+            <a:pPr marL="0" indent="0">
+              <a:buFont typeface="Zapf Dingbats" charset="2"/>
+              <a:buNone/>
+            </a:pPr>
+            <a:endParaRPr lang="nl-NL" sz="1400" kern="0" dirty="0">
+              <a:latin typeface="Courier New" panose="02070309020205020404" pitchFamily="49" charset="0"/>
+              <a:cs typeface="Courier New" panose="02070309020205020404" pitchFamily="49" charset="0"/>
+            </a:endParaRPr>
+          </a:p>
+          <a:p>
+            <a:pPr marL="0" indent="0">
+              <a:buFont typeface="Zapf Dingbats" charset="2"/>
+              <a:buNone/>
+            </a:pPr>
+            <a:endParaRPr lang="nl-NL" sz="1400" kern="0" dirty="0" smtClean="0">
+              <a:latin typeface="Courier New" panose="02070309020205020404" pitchFamily="49" charset="0"/>
+              <a:cs typeface="Courier New" panose="02070309020205020404" pitchFamily="49" charset="0"/>
+            </a:endParaRPr>
           </a:p>
         </p:txBody>
       </p:sp>
     </p:spTree>
     <p:extLst>
       <p:ext uri="{BB962C8B-B14F-4D97-AF65-F5344CB8AC3E}">
-        <p14:creationId xmlns:p14="http://schemas.microsoft.com/office/powerpoint/2010/main" val="2415202962"/>
+        <p14:creationId xmlns:p14="http://schemas.microsoft.com/office/powerpoint/2010/main" val="2614876902"/>
       </p:ext>
     </p:extLst>
   </p:cSld>
   <p:clrMapOvr>
     <a:masterClrMapping/>
   </p:clrMapOvr>
+  <p:timing>
+    <p:tnLst>
+      <p:par>
+        <p:cTn id="1" dur="indefinite" restart="never" nodeType="tmRoot"/>
+      </p:par>
+    </p:tnLst>
+  </p:timing>
 </p:sld>
 </file>
 
-<file path=ppt/slides/slide15.xml><?xml version="1.0" encoding="utf-8"?>
+<file path=ppt/slides/slide2.xml><?xml version="1.0" encoding="utf-8"?>
 <p:sld xmlns:a="http://schemas.openxmlformats.org/drawingml/2006/main" xmlns:r="http://schemas.openxmlformats.org/officeDocument/2006/relationships" xmlns:p="http://schemas.openxmlformats.org/presentationml/2006/main">
   <p:cSld>
     <p:spTree>
@@ -8230,8 +8169,8 @@
           <a:lstStyle/>
           <a:p>
             <a:r>
-              <a:rPr lang="nl-NL" dirty="0" err="1" smtClean="0"/>
-              <a:t>Problems</a:t>
+              <a:rPr lang="nl-NL" dirty="0" smtClean="0"/>
+              <a:t>Check-in</a:t>
             </a:r>
             <a:endParaRPr lang="nl-NL" dirty="0"/>
           </a:p>
@@ -8239,7 +8178,7 @@
       </p:sp>
       <p:sp>
         <p:nvSpPr>
-          <p:cNvPr id="3" name="Tijdelijke aanduiding voor inhoud 2"/>
+          <p:cNvPr id="9" name="Tijdelijke aanduiding voor inhoud 8"/>
           <p:cNvSpPr>
             <a:spLocks noGrp="1"/>
           </p:cNvSpPr>
@@ -8247,208 +8186,108 @@
             <p:ph idx="1"/>
           </p:nvPr>
         </p:nvSpPr>
+        <p:spPr/>
+        <p:txBody>
+          <a:bodyPr/>
+          <a:lstStyle/>
+          <a:p>
+            <a:endParaRPr lang="nl-NL"/>
+          </a:p>
+        </p:txBody>
+      </p:sp>
+      <p:pic>
+        <p:nvPicPr>
+          <p:cNvPr id="12" name="Afbeelding 11"/>
+          <p:cNvPicPr>
+            <a:picLocks noChangeAspect="1"/>
+          </p:cNvPicPr>
+          <p:nvPr/>
+        </p:nvPicPr>
+        <p:blipFill>
+          <a:blip r:embed="rId2"/>
+          <a:stretch>
+            <a:fillRect/>
+          </a:stretch>
+        </p:blipFill>
         <p:spPr>
           <a:xfrm>
-            <a:off x="838200" y="1772816"/>
-            <a:ext cx="7881938" cy="4376583"/>
+            <a:off x="6156176" y="2492896"/>
+            <a:ext cx="2253070" cy="2016224"/>
           </a:xfrm>
+          <a:prstGeom prst="rect">
+            <a:avLst/>
+          </a:prstGeom>
         </p:spPr>
-        <p:txBody>
-          <a:bodyPr/>
-          <a:lstStyle/>
-          <a:p>
-            <a:r>
-              <a:rPr lang="nl-NL" sz="2400" dirty="0" err="1" smtClean="0"/>
-              <a:t>Sparsity</a:t>
-            </a:r>
-            <a:r>
-              <a:rPr lang="nl-NL" sz="2400" dirty="0" smtClean="0"/>
-              <a:t> </a:t>
-            </a:r>
-            <a:r>
-              <a:rPr lang="nl-NL" sz="2400" dirty="0"/>
-              <a:t>(</a:t>
-            </a:r>
-            <a:r>
-              <a:rPr lang="nl-NL" sz="2400" dirty="0" err="1"/>
-              <a:t>there</a:t>
-            </a:r>
-            <a:r>
-              <a:rPr lang="nl-NL" sz="2400" dirty="0"/>
-              <a:t> are </a:t>
-            </a:r>
-            <a:r>
-              <a:rPr lang="nl-NL" sz="2400" dirty="0" err="1"/>
-              <a:t>millions</a:t>
-            </a:r>
-            <a:r>
-              <a:rPr lang="nl-NL" sz="2400" dirty="0"/>
-              <a:t> of </a:t>
-            </a:r>
-            <a:r>
-              <a:rPr lang="nl-NL" sz="2400" dirty="0" err="1"/>
-              <a:t>movies</a:t>
-            </a:r>
-            <a:r>
-              <a:rPr lang="nl-NL" sz="2400" dirty="0"/>
-              <a:t>: are </a:t>
-            </a:r>
-            <a:r>
-              <a:rPr lang="nl-NL" sz="2400" dirty="0" err="1"/>
-              <a:t>there</a:t>
-            </a:r>
-            <a:r>
-              <a:rPr lang="nl-NL" sz="2400" dirty="0"/>
-              <a:t> </a:t>
-            </a:r>
-            <a:r>
-              <a:rPr lang="nl-NL" sz="2400" dirty="0" err="1"/>
-              <a:t>enough</a:t>
-            </a:r>
-            <a:r>
-              <a:rPr lang="nl-NL" sz="2400" dirty="0"/>
-              <a:t> </a:t>
-            </a:r>
-            <a:r>
-              <a:rPr lang="nl-NL" sz="2400" dirty="0" err="1"/>
-              <a:t>similar</a:t>
-            </a:r>
-            <a:r>
-              <a:rPr lang="nl-NL" sz="2400" dirty="0"/>
-              <a:t> users</a:t>
-            </a:r>
-            <a:r>
-              <a:rPr lang="nl-NL" sz="2400" dirty="0" smtClean="0"/>
-              <a:t>?)</a:t>
-            </a:r>
-          </a:p>
-          <a:p>
-            <a:endParaRPr lang="nl-NL" sz="2400" dirty="0"/>
-          </a:p>
-          <a:p>
-            <a:r>
-              <a:rPr lang="nl-NL" sz="2400" dirty="0" smtClean="0"/>
-              <a:t>‘</a:t>
-            </a:r>
-            <a:r>
-              <a:rPr lang="nl-NL" sz="2400" dirty="0" err="1" smtClean="0"/>
-              <a:t>Cold</a:t>
-            </a:r>
-            <a:r>
-              <a:rPr lang="nl-NL" sz="2400" dirty="0" smtClean="0"/>
-              <a:t> start’</a:t>
-            </a:r>
-          </a:p>
-          <a:p>
-            <a:endParaRPr lang="nl-NL" sz="2400" dirty="0"/>
-          </a:p>
-          <a:p>
-            <a:r>
-              <a:rPr lang="nl-NL" sz="2400" dirty="0" err="1" smtClean="0"/>
-              <a:t>Lack</a:t>
-            </a:r>
-            <a:r>
-              <a:rPr lang="nl-NL" sz="2400" dirty="0" smtClean="0"/>
-              <a:t> of </a:t>
-            </a:r>
-            <a:r>
-              <a:rPr lang="nl-NL" sz="2400" dirty="0" err="1" smtClean="0"/>
-              <a:t>serendipity</a:t>
-            </a:r>
-            <a:r>
-              <a:rPr lang="nl-NL" sz="2400" dirty="0" smtClean="0"/>
-              <a:t> / </a:t>
-            </a:r>
-            <a:r>
-              <a:rPr lang="nl-NL" sz="2400" dirty="0" err="1" smtClean="0"/>
-              <a:t>blandness</a:t>
-            </a:r>
-            <a:r>
-              <a:rPr lang="nl-NL" sz="2400" dirty="0" smtClean="0"/>
-              <a:t> of </a:t>
-            </a:r>
-            <a:r>
-              <a:rPr lang="nl-NL" sz="2400" dirty="0" err="1" smtClean="0"/>
-              <a:t>recommendations</a:t>
-            </a:r>
-            <a:endParaRPr lang="nl-NL" sz="2400" dirty="0" smtClean="0"/>
-          </a:p>
-          <a:p>
-            <a:endParaRPr lang="nl-NL" sz="2400" dirty="0"/>
-          </a:p>
-          <a:p>
-            <a:r>
-              <a:rPr lang="nl-NL" sz="2400" dirty="0" err="1" smtClean="0"/>
-              <a:t>Scalability</a:t>
-            </a:r>
-            <a:r>
-              <a:rPr lang="nl-NL" sz="2400" dirty="0" smtClean="0"/>
-              <a:t> </a:t>
-            </a:r>
-            <a:r>
-              <a:rPr lang="nl-NL" sz="2400" dirty="0"/>
-              <a:t>(the </a:t>
-            </a:r>
-            <a:r>
-              <a:rPr lang="nl-NL" sz="2400" dirty="0" err="1"/>
-              <a:t>bigger</a:t>
-            </a:r>
-            <a:r>
-              <a:rPr lang="nl-NL" sz="2400" dirty="0"/>
-              <a:t> the system, the more time </a:t>
-            </a:r>
-            <a:r>
-              <a:rPr lang="nl-NL" sz="2400" dirty="0" err="1"/>
-              <a:t>it</a:t>
-            </a:r>
-            <a:r>
-              <a:rPr lang="nl-NL" sz="2400" dirty="0"/>
-              <a:t> takes </a:t>
-            </a:r>
-            <a:r>
-              <a:rPr lang="nl-NL" sz="2400" dirty="0" err="1"/>
-              <a:t>to</a:t>
-            </a:r>
-            <a:r>
-              <a:rPr lang="nl-NL" sz="2400" dirty="0"/>
-              <a:t> </a:t>
-            </a:r>
-            <a:r>
-              <a:rPr lang="nl-NL" sz="2400" dirty="0" err="1"/>
-              <a:t>calculate</a:t>
-            </a:r>
-            <a:r>
-              <a:rPr lang="nl-NL" sz="2400" dirty="0"/>
-              <a:t> </a:t>
-            </a:r>
-            <a:r>
-              <a:rPr lang="nl-NL" sz="2400" dirty="0" err="1"/>
-              <a:t>everything</a:t>
-            </a:r>
-            <a:r>
-              <a:rPr lang="nl-NL" sz="2400" dirty="0"/>
-              <a:t>)</a:t>
-            </a:r>
-          </a:p>
-          <a:p>
-            <a:endParaRPr lang="nl-NL" dirty="0"/>
-          </a:p>
-        </p:txBody>
-      </p:sp>
+      </p:pic>
+      <p:pic>
+        <p:nvPicPr>
+          <p:cNvPr id="13" name="Afbeelding 12"/>
+          <p:cNvPicPr>
+            <a:picLocks noChangeAspect="1"/>
+          </p:cNvPicPr>
+          <p:nvPr/>
+        </p:nvPicPr>
+        <p:blipFill>
+          <a:blip r:embed="rId3"/>
+          <a:stretch>
+            <a:fillRect/>
+          </a:stretch>
+        </p:blipFill>
+        <p:spPr>
+          <a:xfrm>
+            <a:off x="3491880" y="2616786"/>
+            <a:ext cx="2129219" cy="1988089"/>
+          </a:xfrm>
+          <a:prstGeom prst="rect">
+            <a:avLst/>
+          </a:prstGeom>
+        </p:spPr>
+      </p:pic>
+      <p:pic>
+        <p:nvPicPr>
+          <p:cNvPr id="14" name="Afbeelding 13"/>
+          <p:cNvPicPr>
+            <a:picLocks noChangeAspect="1"/>
+          </p:cNvPicPr>
+          <p:nvPr/>
+        </p:nvPicPr>
+        <p:blipFill>
+          <a:blip r:embed="rId4"/>
+          <a:stretch>
+            <a:fillRect/>
+          </a:stretch>
+        </p:blipFill>
+        <p:spPr>
+          <a:xfrm>
+            <a:off x="869217" y="2712543"/>
+            <a:ext cx="1873659" cy="1796577"/>
+          </a:xfrm>
+          <a:prstGeom prst="rect">
+            <a:avLst/>
+          </a:prstGeom>
+        </p:spPr>
+      </p:pic>
     </p:spTree>
     <p:extLst>
       <p:ext uri="{BB962C8B-B14F-4D97-AF65-F5344CB8AC3E}">
-        <p14:creationId xmlns:p14="http://schemas.microsoft.com/office/powerpoint/2010/main" val="2215855430"/>
+        <p14:creationId xmlns:p14="http://schemas.microsoft.com/office/powerpoint/2010/main" val="664396404"/>
       </p:ext>
     </p:extLst>
   </p:cSld>
   <p:clrMapOvr>
     <a:masterClrMapping/>
   </p:clrMapOvr>
+  <p:timing>
+    <p:tnLst>
+      <p:par>
+        <p:cTn id="1" dur="indefinite" restart="never" nodeType="tmRoot"/>
+      </p:par>
+    </p:tnLst>
+  </p:timing>
 </p:sld>
 </file>
 
-<file path=ppt/slides/slide16.xml><?xml version="1.0" encoding="utf-8"?>
+<file path=ppt/slides/slide3.xml><?xml version="1.0" encoding="utf-8"?>
 <p:sld xmlns:a="http://schemas.openxmlformats.org/drawingml/2006/main" xmlns:r="http://schemas.openxmlformats.org/officeDocument/2006/relationships" xmlns:p="http://schemas.openxmlformats.org/presentationml/2006/main">
   <p:cSld>
     <p:spTree>
@@ -8475,10 +8314,254 @@
             <p:ph type="title"/>
           </p:nvPr>
         </p:nvSpPr>
+        <p:spPr/>
+        <p:txBody>
+          <a:bodyPr/>
+          <a:lstStyle/>
+          <a:p>
+            <a:r>
+              <a:rPr lang="nl-NL" dirty="0" smtClean="0"/>
+              <a:t>Feedback</a:t>
+            </a:r>
+            <a:endParaRPr lang="nl-NL" dirty="0"/>
+          </a:p>
+        </p:txBody>
+      </p:sp>
+      <p:pic>
+        <p:nvPicPr>
+          <p:cNvPr id="4" name="Afbeelding 3"/>
+          <p:cNvPicPr>
+            <a:picLocks noChangeAspect="1"/>
+          </p:cNvPicPr>
+          <p:nvPr/>
+        </p:nvPicPr>
+        <p:blipFill>
+          <a:blip r:embed="rId2"/>
+          <a:stretch>
+            <a:fillRect/>
+          </a:stretch>
+        </p:blipFill>
         <p:spPr>
           <a:xfrm>
-            <a:off x="838200" y="665818"/>
-            <a:ext cx="6172200" cy="523220"/>
+            <a:off x="683568" y="2060848"/>
+            <a:ext cx="7817122" cy="325374"/>
+          </a:xfrm>
+          <a:prstGeom prst="rect">
+            <a:avLst/>
+          </a:prstGeom>
+        </p:spPr>
+      </p:pic>
+      <p:pic>
+        <p:nvPicPr>
+          <p:cNvPr id="5" name="Afbeelding 4"/>
+          <p:cNvPicPr>
+            <a:picLocks noChangeAspect="1"/>
+          </p:cNvPicPr>
+          <p:nvPr/>
+        </p:nvPicPr>
+        <p:blipFill>
+          <a:blip r:embed="rId3"/>
+          <a:stretch>
+            <a:fillRect/>
+          </a:stretch>
+        </p:blipFill>
+        <p:spPr>
+          <a:xfrm>
+            <a:off x="683569" y="3933056"/>
+            <a:ext cx="7817122" cy="299343"/>
+          </a:xfrm>
+          <a:prstGeom prst="rect">
+            <a:avLst/>
+          </a:prstGeom>
+        </p:spPr>
+      </p:pic>
+      <p:pic>
+        <p:nvPicPr>
+          <p:cNvPr id="6" name="Afbeelding 5"/>
+          <p:cNvPicPr>
+            <a:picLocks noChangeAspect="1"/>
+          </p:cNvPicPr>
+          <p:nvPr/>
+        </p:nvPicPr>
+        <p:blipFill>
+          <a:blip r:embed="rId4"/>
+          <a:stretch>
+            <a:fillRect/>
+          </a:stretch>
+        </p:blipFill>
+        <p:spPr>
+          <a:xfrm>
+            <a:off x="716663" y="4293096"/>
+            <a:ext cx="7817123" cy="286675"/>
+          </a:xfrm>
+          <a:prstGeom prst="rect">
+            <a:avLst/>
+          </a:prstGeom>
+        </p:spPr>
+      </p:pic>
+    </p:spTree>
+    <p:extLst>
+      <p:ext uri="{BB962C8B-B14F-4D97-AF65-F5344CB8AC3E}">
+        <p14:creationId xmlns:p14="http://schemas.microsoft.com/office/powerpoint/2010/main" val="326962619"/>
+      </p:ext>
+    </p:extLst>
+  </p:cSld>
+  <p:clrMapOvr>
+    <a:masterClrMapping/>
+  </p:clrMapOvr>
+</p:sld>
+</file>
+
+<file path=ppt/slides/slide4.xml><?xml version="1.0" encoding="utf-8"?>
+<p:sld xmlns:a="http://schemas.openxmlformats.org/drawingml/2006/main" xmlns:r="http://schemas.openxmlformats.org/officeDocument/2006/relationships" xmlns:p="http://schemas.openxmlformats.org/presentationml/2006/main">
+  <p:cSld>
+    <p:spTree>
+      <p:nvGrpSpPr>
+        <p:cNvPr id="1" name=""/>
+        <p:cNvGrpSpPr/>
+        <p:nvPr/>
+      </p:nvGrpSpPr>
+      <p:grpSpPr>
+        <a:xfrm>
+          <a:off x="0" y="0"/>
+          <a:ext cx="0" cy="0"/>
+          <a:chOff x="0" y="0"/>
+          <a:chExt cx="0" cy="0"/>
+        </a:xfrm>
+      </p:grpSpPr>
+      <p:sp>
+        <p:nvSpPr>
+          <p:cNvPr id="2" name="Titel 1"/>
+          <p:cNvSpPr>
+            <a:spLocks noGrp="1"/>
+          </p:cNvSpPr>
+          <p:nvPr>
+            <p:ph type="title"/>
+          </p:nvPr>
+        </p:nvSpPr>
+        <p:spPr/>
+        <p:txBody>
+          <a:bodyPr/>
+          <a:lstStyle/>
+          <a:p>
+            <a:r>
+              <a:rPr lang="nl-NL" dirty="0" smtClean="0"/>
+              <a:t>Feedback</a:t>
+            </a:r>
+            <a:endParaRPr lang="nl-NL" dirty="0"/>
+          </a:p>
+        </p:txBody>
+      </p:sp>
+      <p:sp>
+        <p:nvSpPr>
+          <p:cNvPr id="3" name="Tijdelijke aanduiding voor inhoud 2"/>
+          <p:cNvSpPr>
+            <a:spLocks noGrp="1"/>
+          </p:cNvSpPr>
+          <p:nvPr>
+            <p:ph idx="1"/>
+          </p:nvPr>
+        </p:nvSpPr>
+        <p:spPr/>
+        <p:txBody>
+          <a:bodyPr/>
+          <a:lstStyle/>
+          <a:p>
+            <a:endParaRPr lang="nl-NL"/>
+          </a:p>
+        </p:txBody>
+      </p:sp>
+      <p:pic>
+        <p:nvPicPr>
+          <p:cNvPr id="4" name="Afbeelding 3"/>
+          <p:cNvPicPr>
+            <a:picLocks noChangeAspect="1"/>
+          </p:cNvPicPr>
+          <p:nvPr/>
+        </p:nvPicPr>
+        <p:blipFill>
+          <a:blip r:embed="rId2"/>
+          <a:stretch>
+            <a:fillRect/>
+          </a:stretch>
+        </p:blipFill>
+        <p:spPr>
+          <a:xfrm>
+            <a:off x="576905" y="1762125"/>
+            <a:ext cx="8252127" cy="4438054"/>
+          </a:xfrm>
+          <a:prstGeom prst="rect">
+            <a:avLst/>
+          </a:prstGeom>
+        </p:spPr>
+      </p:pic>
+    </p:spTree>
+    <p:extLst>
+      <p:ext uri="{BB962C8B-B14F-4D97-AF65-F5344CB8AC3E}">
+        <p14:creationId xmlns:p14="http://schemas.microsoft.com/office/powerpoint/2010/main" val="1921162702"/>
+      </p:ext>
+    </p:extLst>
+  </p:cSld>
+  <p:clrMapOvr>
+    <a:masterClrMapping/>
+  </p:clrMapOvr>
+</p:sld>
+</file>
+
+<file path=ppt/slides/slide5.xml><?xml version="1.0" encoding="utf-8"?>
+<p:sld xmlns:a="http://schemas.openxmlformats.org/drawingml/2006/main" xmlns:r="http://schemas.openxmlformats.org/officeDocument/2006/relationships" xmlns:p="http://schemas.openxmlformats.org/presentationml/2006/main">
+  <p:cSld>
+    <p:spTree>
+      <p:nvGrpSpPr>
+        <p:cNvPr id="1" name=""/>
+        <p:cNvGrpSpPr/>
+        <p:nvPr/>
+      </p:nvGrpSpPr>
+      <p:grpSpPr>
+        <a:xfrm>
+          <a:off x="0" y="0"/>
+          <a:ext cx="0" cy="0"/>
+          <a:chOff x="0" y="0"/>
+          <a:chExt cx="0" cy="0"/>
+        </a:xfrm>
+      </p:grpSpPr>
+      <p:sp>
+        <p:nvSpPr>
+          <p:cNvPr id="2" name="Titel 1"/>
+          <p:cNvSpPr>
+            <a:spLocks noGrp="1"/>
+          </p:cNvSpPr>
+          <p:nvPr>
+            <p:ph type="title"/>
+          </p:nvPr>
+        </p:nvSpPr>
+        <p:spPr/>
+        <p:txBody>
+          <a:bodyPr/>
+          <a:lstStyle/>
+          <a:p>
+            <a:r>
+              <a:rPr lang="nl-NL" dirty="0" smtClean="0"/>
+              <a:t>Topics</a:t>
+            </a:r>
+            <a:endParaRPr lang="nl-NL" dirty="0"/>
+          </a:p>
+        </p:txBody>
+      </p:sp>
+      <p:sp>
+        <p:nvSpPr>
+          <p:cNvPr id="3" name="Tijdelijke aanduiding voor inhoud 2"/>
+          <p:cNvSpPr>
+            <a:spLocks noGrp="1"/>
+          </p:cNvSpPr>
+          <p:nvPr>
+            <p:ph idx="1"/>
+          </p:nvPr>
+        </p:nvSpPr>
+        <p:spPr>
+          <a:xfrm>
+            <a:off x="762000" y="1762125"/>
+            <a:ext cx="7881938" cy="1791260"/>
           </a:xfrm>
         </p:spPr>
         <p:txBody>
@@ -8486,12 +8569,534 @@
           <a:lstStyle/>
           <a:p>
             <a:r>
+              <a:rPr lang="nl-NL" sz="2400" dirty="0" err="1" smtClean="0"/>
+              <a:t>Recommender</a:t>
+            </a:r>
+            <a:r>
+              <a:rPr lang="nl-NL" sz="2400" dirty="0" smtClean="0"/>
+              <a:t> systems</a:t>
+            </a:r>
+          </a:p>
+          <a:p>
+            <a:endParaRPr lang="nl-NL" sz="2400" dirty="0" smtClean="0"/>
+          </a:p>
+          <a:p>
+            <a:r>
+              <a:rPr lang="nl-NL" sz="2400" dirty="0" err="1" smtClean="0"/>
+              <a:t>Collaborative</a:t>
+            </a:r>
+            <a:r>
+              <a:rPr lang="nl-NL" sz="2400" dirty="0" smtClean="0"/>
+              <a:t> filtering</a:t>
+            </a:r>
+          </a:p>
+          <a:p>
+            <a:pPr marL="0" indent="0">
+              <a:buNone/>
+            </a:pPr>
+            <a:endParaRPr lang="nl-NL" sz="2400" dirty="0"/>
+          </a:p>
+        </p:txBody>
+      </p:sp>
+    </p:spTree>
+    <p:extLst>
+      <p:ext uri="{BB962C8B-B14F-4D97-AF65-F5344CB8AC3E}">
+        <p14:creationId xmlns:p14="http://schemas.microsoft.com/office/powerpoint/2010/main" val="4129354310"/>
+      </p:ext>
+    </p:extLst>
+  </p:cSld>
+  <p:clrMapOvr>
+    <a:masterClrMapping/>
+  </p:clrMapOvr>
+</p:sld>
+</file>
+
+<file path=ppt/slides/slide6.xml><?xml version="1.0" encoding="utf-8"?>
+<p:sld xmlns:a="http://schemas.openxmlformats.org/drawingml/2006/main" xmlns:r="http://schemas.openxmlformats.org/officeDocument/2006/relationships" xmlns:p="http://schemas.openxmlformats.org/presentationml/2006/main">
+  <p:cSld>
+    <p:spTree>
+      <p:nvGrpSpPr>
+        <p:cNvPr id="1" name=""/>
+        <p:cNvGrpSpPr/>
+        <p:nvPr/>
+      </p:nvGrpSpPr>
+      <p:grpSpPr>
+        <a:xfrm>
+          <a:off x="0" y="0"/>
+          <a:ext cx="0" cy="0"/>
+          <a:chOff x="0" y="0"/>
+          <a:chExt cx="0" cy="0"/>
+        </a:xfrm>
+      </p:grpSpPr>
+      <p:sp>
+        <p:nvSpPr>
+          <p:cNvPr id="2" name="Titel 1"/>
+          <p:cNvSpPr>
+            <a:spLocks noGrp="1"/>
+          </p:cNvSpPr>
+          <p:nvPr>
+            <p:ph type="title"/>
+          </p:nvPr>
+        </p:nvSpPr>
+        <p:spPr/>
+        <p:txBody>
+          <a:bodyPr/>
+          <a:lstStyle/>
+          <a:p>
+            <a:r>
+              <a:rPr lang="nl-NL" dirty="0" err="1" smtClean="0"/>
+              <a:t>Recommender</a:t>
+            </a:r>
+            <a:r>
+              <a:rPr lang="nl-NL" dirty="0" smtClean="0"/>
+              <a:t> systems</a:t>
+            </a:r>
+            <a:endParaRPr lang="nl-NL" dirty="0"/>
+          </a:p>
+        </p:txBody>
+      </p:sp>
+      <p:sp>
+        <p:nvSpPr>
+          <p:cNvPr id="3" name="Tijdelijke aanduiding voor inhoud 2"/>
+          <p:cNvSpPr>
+            <a:spLocks noGrp="1"/>
+          </p:cNvSpPr>
+          <p:nvPr>
+            <p:ph idx="1"/>
+          </p:nvPr>
+        </p:nvSpPr>
+        <p:spPr>
+          <a:xfrm>
+            <a:off x="683568" y="1556792"/>
+            <a:ext cx="7881938" cy="5533823"/>
+          </a:xfrm>
+        </p:spPr>
+        <p:txBody>
+          <a:bodyPr/>
+          <a:lstStyle/>
+          <a:p>
+            <a:r>
+              <a:rPr lang="nl-NL" sz="2000" dirty="0" err="1"/>
+              <a:t>Collaborative</a:t>
+            </a:r>
+            <a:r>
+              <a:rPr lang="nl-NL" sz="2000" dirty="0"/>
+              <a:t> filtering</a:t>
+            </a:r>
+          </a:p>
+          <a:p>
+            <a:pPr lvl="1"/>
+            <a:r>
+              <a:rPr lang="nl-NL" sz="2000" dirty="0" err="1"/>
+              <a:t>Use</a:t>
+            </a:r>
+            <a:r>
+              <a:rPr lang="nl-NL" sz="2000" dirty="0"/>
+              <a:t> the </a:t>
+            </a:r>
+            <a:r>
+              <a:rPr lang="nl-NL" sz="2000" dirty="0" err="1"/>
+              <a:t>distance</a:t>
+            </a:r>
+            <a:r>
+              <a:rPr lang="nl-NL" sz="2000" dirty="0"/>
+              <a:t> </a:t>
+            </a:r>
+            <a:r>
+              <a:rPr lang="nl-NL" sz="2000" dirty="0" err="1"/>
+              <a:t>between</a:t>
+            </a:r>
+            <a:r>
+              <a:rPr lang="nl-NL" sz="2000" dirty="0"/>
+              <a:t> </a:t>
+            </a:r>
+            <a:r>
+              <a:rPr lang="nl-NL" sz="2000" i="1" dirty="0"/>
+              <a:t>users </a:t>
+            </a:r>
+            <a:r>
+              <a:rPr lang="nl-NL" sz="2000" dirty="0" err="1"/>
+              <a:t>and</a:t>
+            </a:r>
+            <a:r>
+              <a:rPr lang="nl-NL" sz="2000" dirty="0"/>
+              <a:t>/or </a:t>
+            </a:r>
+            <a:r>
+              <a:rPr lang="nl-NL" sz="2000" i="1" dirty="0"/>
+              <a:t>items </a:t>
+            </a:r>
+            <a:r>
+              <a:rPr lang="nl-NL" sz="2000" dirty="0" err="1"/>
+              <a:t>to</a:t>
+            </a:r>
+            <a:r>
+              <a:rPr lang="nl-NL" sz="2000" dirty="0"/>
+              <a:t> </a:t>
+            </a:r>
+            <a:r>
+              <a:rPr lang="nl-NL" sz="2000" dirty="0" err="1"/>
+              <a:t>recommend</a:t>
+            </a:r>
+            <a:r>
+              <a:rPr lang="nl-NL" sz="2000" dirty="0"/>
+              <a:t> </a:t>
+            </a:r>
+            <a:r>
+              <a:rPr lang="nl-NL" sz="2000" dirty="0" err="1"/>
+              <a:t>similar</a:t>
+            </a:r>
+            <a:r>
+              <a:rPr lang="nl-NL" sz="2000" dirty="0"/>
+              <a:t> content </a:t>
+            </a:r>
+            <a:endParaRPr lang="nl-NL" sz="2000" dirty="0" smtClean="0"/>
+          </a:p>
+          <a:p>
+            <a:pPr lvl="1"/>
+            <a:r>
+              <a:rPr lang="nl-NL" sz="2000" dirty="0" err="1" smtClean="0"/>
+              <a:t>Example</a:t>
+            </a:r>
+            <a:r>
+              <a:rPr lang="nl-NL" sz="2000" dirty="0"/>
+              <a:t>: Movielens.org</a:t>
+            </a:r>
+          </a:p>
+          <a:p>
+            <a:pPr lvl="1"/>
+            <a:endParaRPr lang="nl-NL" sz="2000" dirty="0"/>
+          </a:p>
+          <a:p>
+            <a:r>
+              <a:rPr lang="nl-NL" sz="2000" dirty="0"/>
+              <a:t>Content filtering</a:t>
+            </a:r>
+          </a:p>
+          <a:p>
+            <a:pPr lvl="1"/>
+            <a:r>
+              <a:rPr lang="nl-NL" sz="2000" dirty="0" err="1"/>
+              <a:t>Use</a:t>
+            </a:r>
+            <a:r>
+              <a:rPr lang="nl-NL" sz="2000" dirty="0"/>
+              <a:t> </a:t>
+            </a:r>
+            <a:r>
+              <a:rPr lang="nl-NL" sz="2000" dirty="0" err="1"/>
+              <a:t>properties</a:t>
+            </a:r>
+            <a:r>
+              <a:rPr lang="nl-NL" sz="2000" dirty="0"/>
+              <a:t> of </a:t>
+            </a:r>
+            <a:r>
+              <a:rPr lang="nl-NL" sz="2000" i="1" dirty="0"/>
+              <a:t>items</a:t>
+            </a:r>
+            <a:r>
+              <a:rPr lang="nl-NL" sz="2000" dirty="0"/>
+              <a:t> </a:t>
+            </a:r>
+            <a:r>
+              <a:rPr lang="nl-NL" sz="2000" dirty="0" err="1"/>
+              <a:t>to</a:t>
+            </a:r>
+            <a:r>
+              <a:rPr lang="nl-NL" sz="2000" dirty="0"/>
+              <a:t> </a:t>
+            </a:r>
+            <a:r>
+              <a:rPr lang="nl-NL" sz="2000" dirty="0" err="1"/>
+              <a:t>recommend</a:t>
+            </a:r>
+            <a:r>
+              <a:rPr lang="nl-NL" sz="2000" dirty="0"/>
+              <a:t> items </a:t>
+            </a:r>
+            <a:r>
+              <a:rPr lang="nl-NL" sz="2000" dirty="0" err="1"/>
+              <a:t>similar</a:t>
+            </a:r>
+            <a:r>
+              <a:rPr lang="nl-NL" sz="2000" dirty="0"/>
+              <a:t> </a:t>
+            </a:r>
+            <a:r>
+              <a:rPr lang="nl-NL" sz="2000" dirty="0" err="1"/>
+              <a:t>to</a:t>
+            </a:r>
+            <a:r>
+              <a:rPr lang="nl-NL" sz="2000" dirty="0"/>
+              <a:t> the </a:t>
+            </a:r>
+            <a:r>
+              <a:rPr lang="nl-NL" sz="2000" dirty="0" err="1"/>
+              <a:t>ones</a:t>
+            </a:r>
+            <a:r>
+              <a:rPr lang="nl-NL" sz="2000" dirty="0"/>
+              <a:t> the user </a:t>
+            </a:r>
+            <a:r>
+              <a:rPr lang="nl-NL" sz="2000" dirty="0" err="1"/>
+              <a:t>liked</a:t>
+            </a:r>
+            <a:endParaRPr lang="nl-NL" sz="2000" dirty="0"/>
+          </a:p>
+          <a:p>
+            <a:pPr lvl="1"/>
+            <a:r>
+              <a:rPr lang="nl-NL" sz="2000" dirty="0" err="1"/>
+              <a:t>Example</a:t>
+            </a:r>
+            <a:r>
+              <a:rPr lang="nl-NL" sz="2000" dirty="0"/>
+              <a:t>: Last.fm</a:t>
+            </a:r>
+          </a:p>
+          <a:p>
+            <a:endParaRPr lang="nl-NL" sz="2000" dirty="0"/>
+          </a:p>
+          <a:p>
+            <a:r>
+              <a:rPr lang="nl-NL" sz="2000" dirty="0" err="1"/>
+              <a:t>Hybrid</a:t>
+            </a:r>
+            <a:r>
+              <a:rPr lang="nl-NL" sz="2000" dirty="0"/>
+              <a:t> approach</a:t>
+            </a:r>
+          </a:p>
+          <a:p>
+            <a:pPr lvl="1"/>
+            <a:r>
+              <a:rPr lang="nl-NL" sz="2000" dirty="0"/>
+              <a:t>Combine </a:t>
+            </a:r>
+            <a:r>
+              <a:rPr lang="nl-NL" sz="2000" dirty="0" err="1"/>
+              <a:t>both</a:t>
+            </a:r>
+            <a:r>
+              <a:rPr lang="nl-NL" sz="2000" dirty="0"/>
+              <a:t> approaches</a:t>
+            </a:r>
+          </a:p>
+          <a:p>
+            <a:pPr lvl="1"/>
+            <a:r>
+              <a:rPr lang="nl-NL" sz="2000" dirty="0"/>
+              <a:t>Most big platforms (e.g., </a:t>
+            </a:r>
+            <a:r>
+              <a:rPr lang="nl-NL" sz="2000" dirty="0" err="1"/>
+              <a:t>Netflix</a:t>
+            </a:r>
+            <a:r>
+              <a:rPr lang="nl-NL" sz="2000" dirty="0"/>
+              <a:t>, Facebook) </a:t>
+            </a:r>
+            <a:r>
+              <a:rPr lang="nl-NL" sz="2000" dirty="0" err="1"/>
+              <a:t>use</a:t>
+            </a:r>
+            <a:r>
+              <a:rPr lang="nl-NL" sz="2000" dirty="0"/>
+              <a:t> </a:t>
+            </a:r>
+            <a:r>
+              <a:rPr lang="nl-NL" sz="2000" dirty="0" err="1"/>
+              <a:t>tailor-made</a:t>
+            </a:r>
+            <a:r>
+              <a:rPr lang="nl-NL" sz="2000" dirty="0"/>
+              <a:t> </a:t>
+            </a:r>
+            <a:r>
+              <a:rPr lang="nl-NL" sz="2000" dirty="0" err="1"/>
+              <a:t>algorithms</a:t>
+            </a:r>
+            <a:endParaRPr lang="nl-NL" sz="2000" dirty="0"/>
+          </a:p>
+          <a:p>
+            <a:pPr marL="0" indent="0">
+              <a:buNone/>
+            </a:pPr>
+            <a:endParaRPr lang="nl-NL" dirty="0"/>
+          </a:p>
+        </p:txBody>
+      </p:sp>
+    </p:spTree>
+    <p:extLst>
+      <p:ext uri="{BB962C8B-B14F-4D97-AF65-F5344CB8AC3E}">
+        <p14:creationId xmlns:p14="http://schemas.microsoft.com/office/powerpoint/2010/main" val="3535743431"/>
+      </p:ext>
+    </p:extLst>
+  </p:cSld>
+  <p:clrMapOvr>
+    <a:masterClrMapping/>
+  </p:clrMapOvr>
+</p:sld>
+</file>
+
+<file path=ppt/slides/slide7.xml><?xml version="1.0" encoding="utf-8"?>
+<p:sld xmlns:a="http://schemas.openxmlformats.org/drawingml/2006/main" xmlns:r="http://schemas.openxmlformats.org/officeDocument/2006/relationships" xmlns:p="http://schemas.openxmlformats.org/presentationml/2006/main">
+  <p:cSld>
+    <p:spTree>
+      <p:nvGrpSpPr>
+        <p:cNvPr id="1" name=""/>
+        <p:cNvGrpSpPr/>
+        <p:nvPr/>
+      </p:nvGrpSpPr>
+      <p:grpSpPr>
+        <a:xfrm>
+          <a:off x="0" y="0"/>
+          <a:ext cx="0" cy="0"/>
+          <a:chOff x="0" y="0"/>
+          <a:chExt cx="0" cy="0"/>
+        </a:xfrm>
+      </p:grpSpPr>
+      <p:sp>
+        <p:nvSpPr>
+          <p:cNvPr id="2" name="Titel 1"/>
+          <p:cNvSpPr>
+            <a:spLocks noGrp="1"/>
+          </p:cNvSpPr>
+          <p:nvPr>
+            <p:ph type="title"/>
+          </p:nvPr>
+        </p:nvSpPr>
+        <p:spPr/>
+        <p:txBody>
+          <a:bodyPr/>
+          <a:lstStyle/>
+          <a:p>
+            <a:r>
+              <a:rPr lang="nl-NL" dirty="0" smtClean="0"/>
+              <a:t>Topics</a:t>
+            </a:r>
+            <a:endParaRPr lang="nl-NL" dirty="0"/>
+          </a:p>
+        </p:txBody>
+      </p:sp>
+      <p:sp>
+        <p:nvSpPr>
+          <p:cNvPr id="3" name="Tijdelijke aanduiding voor inhoud 2"/>
+          <p:cNvSpPr>
+            <a:spLocks noGrp="1"/>
+          </p:cNvSpPr>
+          <p:nvPr>
+            <p:ph idx="1"/>
+          </p:nvPr>
+        </p:nvSpPr>
+        <p:spPr>
+          <a:xfrm>
+            <a:off x="762000" y="1762125"/>
+            <a:ext cx="7881938" cy="2751522"/>
+          </a:xfrm>
+        </p:spPr>
+        <p:txBody>
+          <a:bodyPr/>
+          <a:lstStyle/>
+          <a:p>
+            <a:r>
+              <a:rPr lang="nl-NL" sz="2400" dirty="0" smtClean="0"/>
+              <a:t>Clustering users</a:t>
+            </a:r>
+          </a:p>
+          <a:p>
+            <a:endParaRPr lang="nl-NL" sz="2400" dirty="0"/>
+          </a:p>
+          <a:p>
+            <a:r>
+              <a:rPr lang="nl-NL" sz="2400" dirty="0" err="1" smtClean="0"/>
+              <a:t>Recommender</a:t>
+            </a:r>
+            <a:r>
+              <a:rPr lang="nl-NL" sz="2400" dirty="0" smtClean="0"/>
+              <a:t> systems</a:t>
+            </a:r>
+          </a:p>
+          <a:p>
+            <a:endParaRPr lang="nl-NL" sz="2400" dirty="0" smtClean="0"/>
+          </a:p>
+          <a:p>
+            <a:r>
+              <a:rPr lang="nl-NL" sz="2400" dirty="0" err="1" smtClean="0"/>
+              <a:t>Collaborative</a:t>
+            </a:r>
+            <a:r>
+              <a:rPr lang="nl-NL" sz="2400" dirty="0" smtClean="0"/>
+              <a:t> filtering</a:t>
+            </a:r>
+          </a:p>
+          <a:p>
+            <a:pPr marL="0" indent="0">
+              <a:buNone/>
+            </a:pPr>
+            <a:endParaRPr lang="nl-NL" dirty="0"/>
+          </a:p>
+        </p:txBody>
+      </p:sp>
+    </p:spTree>
+    <p:extLst>
+      <p:ext uri="{BB962C8B-B14F-4D97-AF65-F5344CB8AC3E}">
+        <p14:creationId xmlns:p14="http://schemas.microsoft.com/office/powerpoint/2010/main" val="508764841"/>
+      </p:ext>
+    </p:extLst>
+  </p:cSld>
+  <p:clrMapOvr>
+    <a:masterClrMapping/>
+  </p:clrMapOvr>
+</p:sld>
+</file>
+
+<file path=ppt/slides/slide8.xml><?xml version="1.0" encoding="utf-8"?>
+<p:sld xmlns:a="http://schemas.openxmlformats.org/drawingml/2006/main" xmlns:r="http://schemas.openxmlformats.org/officeDocument/2006/relationships" xmlns:p="http://schemas.openxmlformats.org/presentationml/2006/main">
+  <p:cSld>
+    <p:spTree>
+      <p:nvGrpSpPr>
+        <p:cNvPr id="1" name=""/>
+        <p:cNvGrpSpPr/>
+        <p:nvPr/>
+      </p:nvGrpSpPr>
+      <p:grpSpPr>
+        <a:xfrm>
+          <a:off x="0" y="0"/>
+          <a:ext cx="0" cy="0"/>
+          <a:chOff x="0" y="0"/>
+          <a:chExt cx="0" cy="0"/>
+        </a:xfrm>
+      </p:grpSpPr>
+      <p:sp>
+        <p:nvSpPr>
+          <p:cNvPr id="2" name="Titel 1"/>
+          <p:cNvSpPr>
+            <a:spLocks noGrp="1"/>
+          </p:cNvSpPr>
+          <p:nvPr>
+            <p:ph type="title"/>
+          </p:nvPr>
+        </p:nvSpPr>
+        <p:spPr>
+          <a:xfrm>
+            <a:off x="838200" y="234931"/>
+            <a:ext cx="6172200" cy="954107"/>
+          </a:xfrm>
+        </p:spPr>
+        <p:txBody>
+          <a:bodyPr/>
+          <a:lstStyle/>
+          <a:p>
+            <a:r>
               <a:rPr lang="nl-NL" sz="2800" dirty="0" err="1" smtClean="0"/>
-              <a:t>Exercise</a:t>
+              <a:t>Nearest-neighbor</a:t>
             </a:r>
             <a:r>
               <a:rPr lang="nl-NL" sz="2800" dirty="0" smtClean="0"/>
-              <a:t> 2: </a:t>
+              <a:t> </a:t>
             </a:r>
             <a:r>
               <a:rPr lang="nl-NL" sz="2800" dirty="0" err="1" smtClean="0"/>
@@ -8507,7 +9112,543 @@
       </p:sp>
       <p:sp>
         <p:nvSpPr>
-          <p:cNvPr id="4" name="Tijdelijke aanduiding voor inhoud 2"/>
+          <p:cNvPr id="3" name="Tijdelijke aanduiding voor inhoud 2"/>
+          <p:cNvSpPr>
+            <a:spLocks noGrp="1"/>
+          </p:cNvSpPr>
+          <p:nvPr>
+            <p:ph idx="1"/>
+          </p:nvPr>
+        </p:nvSpPr>
+        <p:spPr>
+          <a:xfrm>
+            <a:off x="762000" y="1762125"/>
+            <a:ext cx="7881938" cy="2529923"/>
+          </a:xfrm>
+        </p:spPr>
+        <p:txBody>
+          <a:bodyPr/>
+          <a:lstStyle/>
+          <a:p>
+            <a:r>
+              <a:rPr lang="nl-NL" sz="2400" dirty="0" err="1" smtClean="0"/>
+              <a:t>Use</a:t>
+            </a:r>
+            <a:r>
+              <a:rPr lang="nl-NL" sz="2400" dirty="0" smtClean="0"/>
+              <a:t> the </a:t>
+            </a:r>
+            <a:r>
+              <a:rPr lang="nl-NL" sz="2400" i="1" dirty="0" smtClean="0"/>
+              <a:t>n</a:t>
+            </a:r>
+            <a:r>
+              <a:rPr lang="nl-NL" sz="2400" dirty="0" smtClean="0"/>
+              <a:t> </a:t>
+            </a:r>
+            <a:r>
+              <a:rPr lang="nl-NL" sz="2400" dirty="0" err="1" smtClean="0"/>
+              <a:t>nearest</a:t>
+            </a:r>
+            <a:r>
+              <a:rPr lang="nl-NL" sz="2400" dirty="0" smtClean="0"/>
+              <a:t> </a:t>
+            </a:r>
+            <a:r>
+              <a:rPr lang="nl-NL" sz="2400" dirty="0" err="1" smtClean="0"/>
+              <a:t>neighbor</a:t>
+            </a:r>
+            <a:r>
+              <a:rPr lang="nl-NL" sz="2400" dirty="0" smtClean="0"/>
+              <a:t> users </a:t>
+            </a:r>
+            <a:r>
+              <a:rPr lang="nl-NL" sz="2400" dirty="0" err="1" smtClean="0"/>
+              <a:t>to</a:t>
+            </a:r>
+            <a:r>
+              <a:rPr lang="nl-NL" sz="2400" dirty="0" smtClean="0"/>
+              <a:t> </a:t>
+            </a:r>
+            <a:r>
+              <a:rPr lang="nl-NL" sz="2400" dirty="0" err="1" smtClean="0"/>
+              <a:t>calculate</a:t>
+            </a:r>
+            <a:r>
+              <a:rPr lang="nl-NL" sz="2400" dirty="0" smtClean="0"/>
+              <a:t> the </a:t>
+            </a:r>
+            <a:r>
+              <a:rPr lang="nl-NL" sz="2400" dirty="0" err="1" smtClean="0"/>
+              <a:t>predicted</a:t>
+            </a:r>
+            <a:r>
+              <a:rPr lang="nl-NL" sz="2400" dirty="0" smtClean="0"/>
+              <a:t> rating </a:t>
+            </a:r>
+          </a:p>
+          <a:p>
+            <a:endParaRPr lang="nl-NL" sz="2400" dirty="0"/>
+          </a:p>
+          <a:p>
+            <a:r>
+              <a:rPr lang="nl-NL" sz="2400" dirty="0" err="1" smtClean="0"/>
+              <a:t>Distance</a:t>
+            </a:r>
+            <a:r>
+              <a:rPr lang="nl-NL" sz="2400" dirty="0" smtClean="0"/>
+              <a:t> </a:t>
+            </a:r>
+            <a:r>
+              <a:rPr lang="nl-NL" sz="2400" dirty="0" err="1" smtClean="0"/>
+              <a:t>can</a:t>
+            </a:r>
+            <a:r>
+              <a:rPr lang="nl-NL" sz="2400" dirty="0" smtClean="0"/>
+              <a:t> </a:t>
+            </a:r>
+            <a:r>
+              <a:rPr lang="nl-NL" sz="2400" dirty="0" err="1" smtClean="0"/>
+              <a:t>be</a:t>
+            </a:r>
+            <a:r>
+              <a:rPr lang="nl-NL" sz="2400" dirty="0" smtClean="0"/>
+              <a:t> </a:t>
+            </a:r>
+            <a:r>
+              <a:rPr lang="nl-NL" sz="2400" dirty="0" err="1" smtClean="0"/>
+              <a:t>calculated</a:t>
+            </a:r>
+            <a:r>
+              <a:rPr lang="nl-NL" sz="2400" dirty="0" smtClean="0"/>
+              <a:t> in </a:t>
+            </a:r>
+            <a:r>
+              <a:rPr lang="nl-NL" sz="2400" dirty="0" err="1" smtClean="0"/>
+              <a:t>various</a:t>
+            </a:r>
+            <a:r>
+              <a:rPr lang="nl-NL" sz="2400" dirty="0" smtClean="0"/>
+              <a:t> </a:t>
+            </a:r>
+            <a:r>
+              <a:rPr lang="nl-NL" sz="2400" dirty="0" err="1" smtClean="0"/>
+              <a:t>ways</a:t>
+            </a:r>
+            <a:r>
+              <a:rPr lang="nl-NL" sz="2400" dirty="0" smtClean="0"/>
+              <a:t>, e.g.,</a:t>
+            </a:r>
+          </a:p>
+          <a:p>
+            <a:pPr lvl="1"/>
+            <a:r>
+              <a:rPr lang="nl-NL" sz="2200" dirty="0" smtClean="0"/>
+              <a:t>Correlation </a:t>
+            </a:r>
+            <a:r>
+              <a:rPr lang="nl-NL" sz="2200" dirty="0" err="1" smtClean="0"/>
+              <a:t>between</a:t>
+            </a:r>
+            <a:r>
+              <a:rPr lang="nl-NL" sz="2200" dirty="0" smtClean="0"/>
+              <a:t> users / items</a:t>
+            </a:r>
+          </a:p>
+          <a:p>
+            <a:pPr lvl="1"/>
+            <a:r>
+              <a:rPr lang="nl-NL" sz="2200" dirty="0" err="1" smtClean="0"/>
+              <a:t>Cosine</a:t>
+            </a:r>
+            <a:r>
+              <a:rPr lang="nl-NL" sz="2200" dirty="0" smtClean="0"/>
+              <a:t> </a:t>
+            </a:r>
+            <a:r>
+              <a:rPr lang="nl-NL" sz="2200" dirty="0" err="1" smtClean="0"/>
+              <a:t>similarity</a:t>
+            </a:r>
+            <a:endParaRPr lang="nl-NL" sz="2200" dirty="0"/>
+          </a:p>
+        </p:txBody>
+      </p:sp>
+    </p:spTree>
+    <p:extLst>
+      <p:ext uri="{BB962C8B-B14F-4D97-AF65-F5344CB8AC3E}">
+        <p14:creationId xmlns:p14="http://schemas.microsoft.com/office/powerpoint/2010/main" val="3337249391"/>
+      </p:ext>
+    </p:extLst>
+  </p:cSld>
+  <p:clrMapOvr>
+    <a:masterClrMapping/>
+  </p:clrMapOvr>
+</p:sld>
+</file>
+
+<file path=ppt/slides/slide9.xml><?xml version="1.0" encoding="utf-8"?>
+<p:sld xmlns:a="http://schemas.openxmlformats.org/drawingml/2006/main" xmlns:r="http://schemas.openxmlformats.org/officeDocument/2006/relationships" xmlns:p="http://schemas.openxmlformats.org/presentationml/2006/main">
+  <p:cSld>
+    <p:spTree>
+      <p:nvGrpSpPr>
+        <p:cNvPr id="1" name=""/>
+        <p:cNvGrpSpPr/>
+        <p:nvPr/>
+      </p:nvGrpSpPr>
+      <p:grpSpPr>
+        <a:xfrm>
+          <a:off x="0" y="0"/>
+          <a:ext cx="0" cy="0"/>
+          <a:chOff x="0" y="0"/>
+          <a:chExt cx="0" cy="0"/>
+        </a:xfrm>
+      </p:grpSpPr>
+      <p:sp>
+        <p:nvSpPr>
+          <p:cNvPr id="2" name="Titel 1"/>
+          <p:cNvSpPr>
+            <a:spLocks noGrp="1"/>
+          </p:cNvSpPr>
+          <p:nvPr>
+            <p:ph type="title"/>
+          </p:nvPr>
+        </p:nvSpPr>
+        <p:spPr/>
+        <p:txBody>
+          <a:bodyPr/>
+          <a:lstStyle/>
+          <a:p>
+            <a:r>
+              <a:rPr lang="nl-NL" dirty="0" err="1" smtClean="0"/>
+              <a:t>Cosine</a:t>
+            </a:r>
+            <a:r>
+              <a:rPr lang="nl-NL" dirty="0" smtClean="0"/>
+              <a:t> </a:t>
+            </a:r>
+            <a:r>
+              <a:rPr lang="nl-NL" dirty="0" err="1" smtClean="0"/>
+              <a:t>similarity</a:t>
+            </a:r>
+            <a:endParaRPr lang="nl-NL" dirty="0"/>
+          </a:p>
+        </p:txBody>
+      </p:sp>
+      <p:graphicFrame>
+        <p:nvGraphicFramePr>
+          <p:cNvPr id="5" name="Tijdelijke aanduiding voor inhoud 4"/>
+          <p:cNvGraphicFramePr>
+            <a:graphicFrameLocks/>
+          </p:cNvGraphicFramePr>
+          <p:nvPr>
+            <p:extLst>
+              <p:ext uri="{D42A27DB-BD31-4B8C-83A1-F6EECF244321}">
+                <p14:modId xmlns:p14="http://schemas.microsoft.com/office/powerpoint/2010/main" val="1485193911"/>
+              </p:ext>
+            </p:extLst>
+          </p:nvPr>
+        </p:nvGraphicFramePr>
+        <p:xfrm>
+          <a:off x="1951825" y="1659580"/>
+          <a:ext cx="4348367" cy="4793756"/>
+        </p:xfrm>
+        <a:graphic>
+          <a:graphicData uri="http://schemas.openxmlformats.org/drawingml/2006/chart">
+            <c:chart xmlns:c="http://schemas.openxmlformats.org/drawingml/2006/chart" xmlns:r="http://schemas.openxmlformats.org/officeDocument/2006/relationships" r:id="rId2"/>
+          </a:graphicData>
+        </a:graphic>
+      </p:graphicFrame>
+      <p:cxnSp>
+        <p:nvCxnSpPr>
+          <p:cNvPr id="6" name="Rechte verbindingslijn met pijl 5"/>
+          <p:cNvCxnSpPr/>
+          <p:nvPr/>
+        </p:nvCxnSpPr>
+        <p:spPr bwMode="auto">
+          <a:xfrm flipV="1">
+            <a:off x="2525525" y="3501008"/>
+            <a:ext cx="2118483" cy="1728192"/>
+          </a:xfrm>
+          <a:prstGeom prst="straightConnector1">
+            <a:avLst/>
+          </a:prstGeom>
+          <a:solidFill>
+            <a:schemeClr val="accent1"/>
+          </a:solidFill>
+          <a:ln w="31750" cap="flat" cmpd="sng" algn="ctr">
+            <a:solidFill>
+              <a:srgbClr val="0070C0"/>
+            </a:solidFill>
+            <a:prstDash val="solid"/>
+            <a:round/>
+            <a:headEnd type="none" w="med" len="med"/>
+            <a:tailEnd type="triangle"/>
+          </a:ln>
+          <a:effectLst/>
+        </p:spPr>
+      </p:cxnSp>
+      <p:sp>
+        <p:nvSpPr>
+          <p:cNvPr id="10" name="Vrije vorm 9"/>
+          <p:cNvSpPr/>
+          <p:nvPr/>
+        </p:nvSpPr>
+        <p:spPr bwMode="auto">
+          <a:xfrm>
+            <a:off x="3094361" y="4187278"/>
+            <a:ext cx="330773" cy="355652"/>
+          </a:xfrm>
+          <a:custGeom>
+            <a:avLst/>
+            <a:gdLst>
+              <a:gd name="connsiteX0" fmla="*/ 297720 w 330773"/>
+              <a:gd name="connsiteY0" fmla="*/ 355652 h 355652"/>
+              <a:gd name="connsiteX1" fmla="*/ 306957 w 330773"/>
+              <a:gd name="connsiteY1" fmla="*/ 13907 h 355652"/>
+              <a:gd name="connsiteX2" fmla="*/ 29866 w 330773"/>
+              <a:gd name="connsiteY2" fmla="*/ 69325 h 355652"/>
+              <a:gd name="connsiteX3" fmla="*/ 20630 w 330773"/>
+              <a:gd name="connsiteY3" fmla="*/ 97034 h 355652"/>
+            </a:gdLst>
+            <a:ahLst/>
+            <a:cxnLst>
+              <a:cxn ang="0">
+                <a:pos x="connsiteX0" y="connsiteY0"/>
+              </a:cxn>
+              <a:cxn ang="0">
+                <a:pos x="connsiteX1" y="connsiteY1"/>
+              </a:cxn>
+              <a:cxn ang="0">
+                <a:pos x="connsiteX2" y="connsiteY2"/>
+              </a:cxn>
+              <a:cxn ang="0">
+                <a:pos x="connsiteX3" y="connsiteY3"/>
+              </a:cxn>
+            </a:cxnLst>
+            <a:rect l="l" t="t" r="r" b="b"/>
+            <a:pathLst>
+              <a:path w="330773" h="355652">
+                <a:moveTo>
+                  <a:pt x="297720" y="355652"/>
+                </a:moveTo>
+                <a:cubicBezTo>
+                  <a:pt x="324659" y="208640"/>
+                  <a:pt x="351599" y="61628"/>
+                  <a:pt x="306957" y="13907"/>
+                </a:cubicBezTo>
+                <a:cubicBezTo>
+                  <a:pt x="262315" y="-33814"/>
+                  <a:pt x="77587" y="55470"/>
+                  <a:pt x="29866" y="69325"/>
+                </a:cubicBezTo>
+                <a:cubicBezTo>
+                  <a:pt x="-17855" y="83179"/>
+                  <a:pt x="1387" y="90106"/>
+                  <a:pt x="20630" y="97034"/>
+                </a:cubicBezTo>
+              </a:path>
+            </a:pathLst>
+          </a:custGeom>
+          <a:noFill/>
+          <a:ln w="25400" cap="flat" cmpd="sng" algn="ctr">
+            <a:solidFill>
+              <a:srgbClr val="0070C0"/>
+            </a:solidFill>
+            <a:prstDash val="solid"/>
+            <a:round/>
+            <a:headEnd type="none" w="med" len="med"/>
+            <a:tailEnd type="none" w="med" len="med"/>
+          </a:ln>
+          <a:effectLst/>
+        </p:spPr>
+        <p:txBody>
+          <a:bodyPr vert="horz" wrap="none" lIns="91440" tIns="45720" rIns="91440" bIns="45720" numCol="1" rtlCol="0" anchor="ctr" anchorCtr="0" compatLnSpc="1">
+            <a:prstTxWarp prst="textNoShape">
+              <a:avLst/>
+            </a:prstTxWarp>
+          </a:bodyPr>
+          <a:lstStyle/>
+          <a:p>
+            <a:pPr marL="0" marR="0" indent="0" algn="l" defTabSz="914400" rtl="0" eaLnBrk="1" fontAlgn="base" latinLnBrk="0" hangingPunct="1">
+              <a:lnSpc>
+                <a:spcPct val="100000"/>
+              </a:lnSpc>
+              <a:spcBef>
+                <a:spcPct val="0"/>
+              </a:spcBef>
+              <a:spcAft>
+                <a:spcPct val="0"/>
+              </a:spcAft>
+              <a:buClrTx/>
+              <a:buSzTx/>
+              <a:buFontTx/>
+              <a:buNone/>
+              <a:tabLst/>
+            </a:pPr>
+            <a:endParaRPr kumimoji="0" lang="nl-NL" sz="1400" b="0" i="0" u="none" strike="noStrike" cap="none" normalizeH="0" baseline="0" smtClean="0">
+              <a:ln>
+                <a:noFill/>
+              </a:ln>
+              <a:solidFill>
+                <a:schemeClr val="tx1"/>
+              </a:solidFill>
+              <a:effectLst/>
+              <a:latin typeface="Arial" charset="0"/>
+            </a:endParaRPr>
+          </a:p>
+        </p:txBody>
+      </p:sp>
+      <p:cxnSp>
+        <p:nvCxnSpPr>
+          <p:cNvPr id="11" name="Rechte verbindingslijn met pijl 10"/>
+          <p:cNvCxnSpPr/>
+          <p:nvPr/>
+        </p:nvCxnSpPr>
+        <p:spPr bwMode="auto">
+          <a:xfrm flipV="1">
+            <a:off x="2639291" y="2348880"/>
+            <a:ext cx="3444877" cy="2880320"/>
+          </a:xfrm>
+          <a:prstGeom prst="straightConnector1">
+            <a:avLst/>
+          </a:prstGeom>
+          <a:solidFill>
+            <a:schemeClr val="accent1"/>
+          </a:solidFill>
+          <a:ln w="31750" cap="flat" cmpd="sng" algn="ctr">
+            <a:solidFill>
+              <a:srgbClr val="FFC000"/>
+            </a:solidFill>
+            <a:prstDash val="solid"/>
+            <a:round/>
+            <a:headEnd type="none" w="med" len="med"/>
+            <a:tailEnd type="triangle"/>
+          </a:ln>
+          <a:effectLst/>
+        </p:spPr>
+      </p:cxnSp>
+      <p:cxnSp>
+        <p:nvCxnSpPr>
+          <p:cNvPr id="13" name="Rechte verbindingslijn met pijl 12"/>
+          <p:cNvCxnSpPr/>
+          <p:nvPr/>
+        </p:nvCxnSpPr>
+        <p:spPr bwMode="auto">
+          <a:xfrm flipV="1">
+            <a:off x="2699792" y="3501008"/>
+            <a:ext cx="2088232" cy="1728192"/>
+          </a:xfrm>
+          <a:prstGeom prst="straightConnector1">
+            <a:avLst/>
+          </a:prstGeom>
+          <a:solidFill>
+            <a:schemeClr val="accent1"/>
+          </a:solidFill>
+          <a:ln w="31750" cap="flat" cmpd="sng" algn="ctr">
+            <a:solidFill>
+              <a:srgbClr val="FFC000"/>
+            </a:solidFill>
+            <a:prstDash val="solid"/>
+            <a:round/>
+            <a:headEnd type="none" w="med" len="med"/>
+            <a:tailEnd type="triangle"/>
+          </a:ln>
+          <a:effectLst/>
+        </p:spPr>
+      </p:cxnSp>
+      <p:sp>
+        <p:nvSpPr>
+          <p:cNvPr id="17" name="Tekstvak 16"/>
+          <p:cNvSpPr txBox="1"/>
+          <p:nvPr/>
+        </p:nvSpPr>
+        <p:spPr>
+          <a:xfrm>
+            <a:off x="4126008" y="4150816"/>
+            <a:ext cx="992579" cy="307777"/>
+          </a:xfrm>
+          <a:prstGeom prst="rect">
+            <a:avLst/>
+          </a:prstGeom>
+          <a:noFill/>
+        </p:spPr>
+        <p:txBody>
+          <a:bodyPr wrap="none" rtlCol="0">
+            <a:spAutoFit/>
+          </a:bodyPr>
+          <a:lstStyle/>
+          <a:p>
+            <a:r>
+              <a:rPr lang="nl-NL" dirty="0" err="1"/>
+              <a:t>a</a:t>
+            </a:r>
+            <a:r>
+              <a:rPr lang="nl-NL" dirty="0" err="1" smtClean="0"/>
+              <a:t>ngle</a:t>
+            </a:r>
+            <a:r>
+              <a:rPr lang="nl-NL" dirty="0" smtClean="0"/>
+              <a:t> = 0</a:t>
+            </a:r>
+            <a:r>
+              <a:rPr lang="nl-NL" baseline="30000" dirty="0" smtClean="0"/>
+              <a:t>o</a:t>
+            </a:r>
+            <a:endParaRPr lang="nl-NL" dirty="0"/>
+          </a:p>
+        </p:txBody>
+      </p:sp>
+      <p:sp>
+        <p:nvSpPr>
+          <p:cNvPr id="8" name="Tekstvak 7"/>
+          <p:cNvSpPr txBox="1"/>
+          <p:nvPr/>
+        </p:nvSpPr>
+        <p:spPr>
+          <a:xfrm>
+            <a:off x="3423979" y="3615647"/>
+            <a:ext cx="825867" cy="523220"/>
+          </a:xfrm>
+          <a:prstGeom prst="rect">
+            <a:avLst/>
+          </a:prstGeom>
+          <a:noFill/>
+        </p:spPr>
+        <p:txBody>
+          <a:bodyPr wrap="none" rtlCol="0">
+            <a:spAutoFit/>
+          </a:bodyPr>
+          <a:lstStyle/>
+          <a:p>
+            <a:r>
+              <a:rPr lang="nl-NL" dirty="0" err="1"/>
+              <a:t>a</a:t>
+            </a:r>
+            <a:r>
+              <a:rPr lang="nl-NL" dirty="0" err="1" smtClean="0"/>
+              <a:t>ngle</a:t>
+            </a:r>
+            <a:r>
+              <a:rPr lang="nl-NL" dirty="0" smtClean="0"/>
+              <a:t> = </a:t>
+            </a:r>
+          </a:p>
+          <a:p>
+            <a:r>
+              <a:rPr lang="nl-NL" dirty="0" smtClean="0"/>
+              <a:t>33</a:t>
+            </a:r>
+            <a:r>
+              <a:rPr lang="nl-NL" baseline="30000" dirty="0"/>
+              <a:t>o</a:t>
+            </a:r>
+            <a:endParaRPr lang="nl-NL" dirty="0"/>
+          </a:p>
+        </p:txBody>
+      </p:sp>
+      <p:sp>
+        <p:nvSpPr>
+          <p:cNvPr id="23" name="Tijdelijke aanduiding voor inhoud 2"/>
           <p:cNvSpPr txBox="1">
             <a:spLocks/>
           </p:cNvSpPr>
@@ -8515,8 +9656,8 @@
         </p:nvSpPr>
         <p:spPr bwMode="auto">
           <a:xfrm>
-            <a:off x="838200" y="1772816"/>
-            <a:ext cx="7881938" cy="6195542"/>
+            <a:off x="1619672" y="6150495"/>
+            <a:ext cx="7881938" cy="461665"/>
           </a:xfrm>
           <a:prstGeom prst="rect">
             <a:avLst/>
@@ -8726,4188 +9867,33 @@
               <a:buNone/>
             </a:pPr>
             <a:r>
-              <a:rPr lang="nl-NL" sz="1500" kern="0" dirty="0" smtClean="0">
-                <a:latin typeface="Courier New" panose="02070309020205020404" pitchFamily="49" charset="0"/>
-                <a:cs typeface="Courier New" panose="02070309020205020404" pitchFamily="49" charset="0"/>
-              </a:rPr>
-              <a:t>In this </a:t>
-            </a:r>
-            <a:r>
-              <a:rPr lang="nl-NL" sz="1500" kern="0" dirty="0" err="1" smtClean="0">
-                <a:latin typeface="Courier New" panose="02070309020205020404" pitchFamily="49" charset="0"/>
-                <a:cs typeface="Courier New" panose="02070309020205020404" pitchFamily="49" charset="0"/>
-              </a:rPr>
-              <a:t>exercise</a:t>
-            </a:r>
-            <a:r>
-              <a:rPr lang="nl-NL" sz="1500" kern="0" dirty="0" smtClean="0">
-                <a:latin typeface="Courier New" panose="02070309020205020404" pitchFamily="49" charset="0"/>
-                <a:cs typeface="Courier New" panose="02070309020205020404" pitchFamily="49" charset="0"/>
-              </a:rPr>
-              <a:t>, </a:t>
-            </a:r>
-            <a:r>
-              <a:rPr lang="nl-NL" sz="1500" kern="0" dirty="0" err="1" smtClean="0">
-                <a:latin typeface="Courier New" panose="02070309020205020404" pitchFamily="49" charset="0"/>
-                <a:cs typeface="Courier New" panose="02070309020205020404" pitchFamily="49" charset="0"/>
-              </a:rPr>
-              <a:t>you</a:t>
-            </a:r>
-            <a:r>
-              <a:rPr lang="nl-NL" sz="1500" kern="0" dirty="0" smtClean="0">
-                <a:latin typeface="Courier New" panose="02070309020205020404" pitchFamily="49" charset="0"/>
-                <a:cs typeface="Courier New" panose="02070309020205020404" pitchFamily="49" charset="0"/>
-              </a:rPr>
-              <a:t> are </a:t>
-            </a:r>
-            <a:r>
-              <a:rPr lang="nl-NL" sz="1500" kern="0" dirty="0" err="1" smtClean="0">
-                <a:latin typeface="Courier New" panose="02070309020205020404" pitchFamily="49" charset="0"/>
-                <a:cs typeface="Courier New" panose="02070309020205020404" pitchFamily="49" charset="0"/>
-              </a:rPr>
-              <a:t>going</a:t>
-            </a:r>
-            <a:r>
-              <a:rPr lang="nl-NL" sz="1500" kern="0" dirty="0" smtClean="0">
-                <a:latin typeface="Courier New" panose="02070309020205020404" pitchFamily="49" charset="0"/>
-                <a:cs typeface="Courier New" panose="02070309020205020404" pitchFamily="49" charset="0"/>
-              </a:rPr>
+              <a:rPr lang="nl-NL" sz="2400" kern="0" dirty="0" err="1" smtClean="0"/>
+              <a:t>Cosine</a:t>
+            </a:r>
+            <a:r>
+              <a:rPr lang="nl-NL" sz="2400" kern="0" dirty="0" smtClean="0"/>
               <a:t> </a:t>
             </a:r>
             <a:r>
-              <a:rPr lang="nl-NL" sz="1500" kern="0" dirty="0" err="1" smtClean="0">
-                <a:latin typeface="Courier New" panose="02070309020205020404" pitchFamily="49" charset="0"/>
-                <a:cs typeface="Courier New" panose="02070309020205020404" pitchFamily="49" charset="0"/>
-              </a:rPr>
-              <a:t>to</a:t>
-            </a:r>
-            <a:r>
-              <a:rPr lang="nl-NL" sz="1500" kern="0" dirty="0" smtClean="0">
-                <a:latin typeface="Courier New" panose="02070309020205020404" pitchFamily="49" charset="0"/>
-                <a:cs typeface="Courier New" panose="02070309020205020404" pitchFamily="49" charset="0"/>
-              </a:rPr>
-              <a:t> </a:t>
-            </a:r>
-            <a:r>
-              <a:rPr lang="nl-NL" sz="1500" kern="0" dirty="0" err="1" smtClean="0">
-                <a:latin typeface="Courier New" panose="02070309020205020404" pitchFamily="49" charset="0"/>
-                <a:cs typeface="Courier New" panose="02070309020205020404" pitchFamily="49" charset="0"/>
-              </a:rPr>
-              <a:t>build</a:t>
-            </a:r>
-            <a:r>
-              <a:rPr lang="nl-NL" sz="1500" kern="0" dirty="0" smtClean="0">
-                <a:latin typeface="Courier New" panose="02070309020205020404" pitchFamily="49" charset="0"/>
-                <a:cs typeface="Courier New" panose="02070309020205020404" pitchFamily="49" charset="0"/>
-              </a:rPr>
-              <a:t> the building </a:t>
-            </a:r>
-            <a:r>
-              <a:rPr lang="nl-NL" sz="1500" kern="0" dirty="0" err="1" smtClean="0">
-                <a:latin typeface="Courier New" panose="02070309020205020404" pitchFamily="49" charset="0"/>
-                <a:cs typeface="Courier New" panose="02070309020205020404" pitchFamily="49" charset="0"/>
-              </a:rPr>
-              <a:t>blocks</a:t>
-            </a:r>
-            <a:r>
-              <a:rPr lang="nl-NL" sz="1500" kern="0" dirty="0" smtClean="0">
-                <a:latin typeface="Courier New" panose="02070309020205020404" pitchFamily="49" charset="0"/>
-                <a:cs typeface="Courier New" panose="02070309020205020404" pitchFamily="49" charset="0"/>
-              </a:rPr>
-              <a:t> of a </a:t>
-            </a:r>
-            <a:r>
-              <a:rPr lang="nl-NL" sz="1500" kern="0" dirty="0" err="1" smtClean="0">
-                <a:latin typeface="Courier New" panose="02070309020205020404" pitchFamily="49" charset="0"/>
-                <a:cs typeface="Courier New" panose="02070309020205020404" pitchFamily="49" charset="0"/>
-              </a:rPr>
-              <a:t>recommender</a:t>
-            </a:r>
-            <a:r>
-              <a:rPr lang="nl-NL" sz="1500" kern="0" dirty="0" smtClean="0">
-                <a:latin typeface="Courier New" panose="02070309020205020404" pitchFamily="49" charset="0"/>
-                <a:cs typeface="Courier New" panose="02070309020205020404" pitchFamily="49" charset="0"/>
-              </a:rPr>
-              <a:t> system </a:t>
-            </a:r>
-            <a:r>
-              <a:rPr lang="nl-NL" sz="1500" kern="0" dirty="0" err="1" smtClean="0">
-                <a:latin typeface="Courier New" panose="02070309020205020404" pitchFamily="49" charset="0"/>
-                <a:cs typeface="Courier New" panose="02070309020205020404" pitchFamily="49" charset="0"/>
-              </a:rPr>
-              <a:t>using</a:t>
-            </a:r>
-            <a:r>
-              <a:rPr lang="nl-NL" sz="1500" kern="0" dirty="0" smtClean="0">
-                <a:latin typeface="Courier New" panose="02070309020205020404" pitchFamily="49" charset="0"/>
-                <a:cs typeface="Courier New" panose="02070309020205020404" pitchFamily="49" charset="0"/>
-              </a:rPr>
-              <a:t> </a:t>
-            </a:r>
-            <a:r>
-              <a:rPr lang="nl-NL" sz="1500" kern="0" dirty="0" err="1" smtClean="0">
-                <a:latin typeface="Courier New" panose="02070309020205020404" pitchFamily="49" charset="0"/>
-                <a:cs typeface="Courier New" panose="02070309020205020404" pitchFamily="49" charset="0"/>
-              </a:rPr>
-              <a:t>correlation</a:t>
-            </a:r>
-            <a:r>
-              <a:rPr lang="nl-NL" sz="1500" kern="0" dirty="0" smtClean="0">
-                <a:latin typeface="Courier New" panose="02070309020205020404" pitchFamily="49" charset="0"/>
-                <a:cs typeface="Courier New" panose="02070309020205020404" pitchFamily="49" charset="0"/>
-              </a:rPr>
-              <a:t> </a:t>
-            </a:r>
-            <a:r>
-              <a:rPr lang="nl-NL" sz="1500" kern="0" dirty="0" err="1" smtClean="0">
-                <a:latin typeface="Courier New" panose="02070309020205020404" pitchFamily="49" charset="0"/>
-                <a:cs typeface="Courier New" panose="02070309020205020404" pitchFamily="49" charset="0"/>
-              </a:rPr>
-              <a:t>between</a:t>
-            </a:r>
-            <a:r>
-              <a:rPr lang="nl-NL" sz="1500" kern="0" dirty="0" smtClean="0">
-                <a:latin typeface="Courier New" panose="02070309020205020404" pitchFamily="49" charset="0"/>
-                <a:cs typeface="Courier New" panose="02070309020205020404" pitchFamily="49" charset="0"/>
-              </a:rPr>
-              <a:t> items.</a:t>
-            </a:r>
-          </a:p>
-          <a:p>
-            <a:pPr marL="0" indent="0">
-              <a:buNone/>
-            </a:pPr>
-            <a:endParaRPr lang="nl-NL" sz="1500" kern="0" dirty="0" smtClean="0">
-              <a:latin typeface="Courier New" panose="02070309020205020404" pitchFamily="49" charset="0"/>
-              <a:cs typeface="Courier New" panose="02070309020205020404" pitchFamily="49" charset="0"/>
-            </a:endParaRPr>
-          </a:p>
-          <a:p>
-            <a:pPr>
-              <a:buFont typeface="+mj-lt"/>
-              <a:buAutoNum type="arabicPeriod"/>
-            </a:pPr>
-            <a:r>
-              <a:rPr lang="nl-NL" sz="1500" kern="0" dirty="0" smtClean="0">
-                <a:latin typeface="Courier New" panose="02070309020205020404" pitchFamily="49" charset="0"/>
-                <a:cs typeface="Courier New" panose="02070309020205020404" pitchFamily="49" charset="0"/>
-              </a:rPr>
-              <a:t>Make a item-user pivot </a:t>
-            </a:r>
-            <a:r>
-              <a:rPr lang="nl-NL" sz="1500" kern="0" dirty="0" err="1" smtClean="0">
-                <a:latin typeface="Courier New" panose="02070309020205020404" pitchFamily="49" charset="0"/>
-                <a:cs typeface="Courier New" panose="02070309020205020404" pitchFamily="49" charset="0"/>
-              </a:rPr>
-              <a:t>table</a:t>
-            </a:r>
-            <a:r>
-              <a:rPr lang="nl-NL" sz="1500" kern="0" dirty="0">
-                <a:latin typeface="Courier New" panose="02070309020205020404" pitchFamily="49" charset="0"/>
-                <a:cs typeface="Courier New" panose="02070309020205020404" pitchFamily="49" charset="0"/>
-              </a:rPr>
-              <a:t> </a:t>
-            </a:r>
-            <a:r>
-              <a:rPr lang="nl-NL" sz="1500" kern="0" dirty="0" smtClean="0">
-                <a:latin typeface="Courier New" panose="02070309020205020404" pitchFamily="49" charset="0"/>
-                <a:cs typeface="Courier New" panose="02070309020205020404" pitchFamily="49" charset="0"/>
-              </a:rPr>
-              <a:t>of the Movielens data, </a:t>
-            </a:r>
-            <a:r>
-              <a:rPr lang="nl-NL" sz="1500" kern="0" dirty="0" err="1" smtClean="0">
-                <a:latin typeface="Courier New" panose="02070309020205020404" pitchFamily="49" charset="0"/>
-                <a:cs typeface="Courier New" panose="02070309020205020404" pitchFamily="49" charset="0"/>
-              </a:rPr>
-              <a:t>with</a:t>
-            </a:r>
-            <a:r>
-              <a:rPr lang="nl-NL" sz="1500" kern="0" dirty="0" smtClean="0">
-                <a:latin typeface="Courier New" panose="02070309020205020404" pitchFamily="49" charset="0"/>
-                <a:cs typeface="Courier New" panose="02070309020205020404" pitchFamily="49" charset="0"/>
-              </a:rPr>
-              <a:t> items in the </a:t>
-            </a:r>
-            <a:r>
-              <a:rPr lang="nl-NL" sz="1500" b="1" kern="0" dirty="0" err="1" smtClean="0">
-                <a:latin typeface="Courier New" panose="02070309020205020404" pitchFamily="49" charset="0"/>
-                <a:cs typeface="Courier New" panose="02070309020205020404" pitchFamily="49" charset="0"/>
-              </a:rPr>
-              <a:t>rows</a:t>
-            </a:r>
-            <a:r>
-              <a:rPr lang="nl-NL" sz="1500" b="1" kern="0" dirty="0" smtClean="0">
-                <a:latin typeface="Courier New" panose="02070309020205020404" pitchFamily="49" charset="0"/>
-                <a:cs typeface="Courier New" panose="02070309020205020404" pitchFamily="49" charset="0"/>
-              </a:rPr>
-              <a:t> </a:t>
-            </a:r>
-            <a:r>
-              <a:rPr lang="nl-NL" sz="1500" kern="0" dirty="0" err="1" smtClean="0">
-                <a:latin typeface="Courier New" panose="02070309020205020404" pitchFamily="49" charset="0"/>
-                <a:cs typeface="Courier New" panose="02070309020205020404" pitchFamily="49" charset="0"/>
-              </a:rPr>
-              <a:t>and</a:t>
-            </a:r>
-            <a:r>
-              <a:rPr lang="nl-NL" sz="1500" kern="0" dirty="0" smtClean="0">
-                <a:latin typeface="Courier New" panose="02070309020205020404" pitchFamily="49" charset="0"/>
-                <a:cs typeface="Courier New" panose="02070309020205020404" pitchFamily="49" charset="0"/>
-              </a:rPr>
-              <a:t> users</a:t>
-            </a:r>
-            <a:r>
-              <a:rPr lang="nl-NL" sz="1500" b="1" kern="0" dirty="0" smtClean="0">
-                <a:latin typeface="Courier New" panose="02070309020205020404" pitchFamily="49" charset="0"/>
-                <a:cs typeface="Courier New" panose="02070309020205020404" pitchFamily="49" charset="0"/>
-              </a:rPr>
-              <a:t> </a:t>
-            </a:r>
-            <a:r>
-              <a:rPr lang="nl-NL" sz="1500" kern="0" dirty="0" smtClean="0">
-                <a:latin typeface="Courier New" panose="02070309020205020404" pitchFamily="49" charset="0"/>
-                <a:cs typeface="Courier New" panose="02070309020205020404" pitchFamily="49" charset="0"/>
-              </a:rPr>
-              <a:t>in the </a:t>
-            </a:r>
-            <a:r>
-              <a:rPr lang="nl-NL" sz="1500" b="1" kern="0" dirty="0" smtClean="0">
-                <a:latin typeface="Courier New" panose="02070309020205020404" pitchFamily="49" charset="0"/>
-                <a:cs typeface="Courier New" panose="02070309020205020404" pitchFamily="49" charset="0"/>
-              </a:rPr>
-              <a:t>columns</a:t>
-            </a:r>
-            <a:r>
-              <a:rPr lang="nl-NL" sz="1500" kern="0" dirty="0" smtClean="0">
-                <a:latin typeface="Courier New" panose="02070309020205020404" pitchFamily="49" charset="0"/>
-                <a:cs typeface="Courier New" panose="02070309020205020404" pitchFamily="49" charset="0"/>
-              </a:rPr>
-              <a:t> (i.e., the </a:t>
-            </a:r>
-            <a:r>
-              <a:rPr lang="nl-NL" sz="1500" kern="0" dirty="0" err="1" smtClean="0">
-                <a:latin typeface="Courier New" panose="02070309020205020404" pitchFamily="49" charset="0"/>
-                <a:cs typeface="Courier New" panose="02070309020205020404" pitchFamily="49" charset="0"/>
-              </a:rPr>
-              <a:t>other</a:t>
-            </a:r>
-            <a:r>
-              <a:rPr lang="nl-NL" sz="1500" kern="0" dirty="0" smtClean="0">
-                <a:latin typeface="Courier New" panose="02070309020205020404" pitchFamily="49" charset="0"/>
-                <a:cs typeface="Courier New" panose="02070309020205020404" pitchFamily="49" charset="0"/>
-              </a:rPr>
-              <a:t> way </a:t>
-            </a:r>
-            <a:r>
-              <a:rPr lang="nl-NL" sz="1500" kern="0" dirty="0" err="1" smtClean="0">
-                <a:latin typeface="Courier New" panose="02070309020205020404" pitchFamily="49" charset="0"/>
-                <a:cs typeface="Courier New" panose="02070309020205020404" pitchFamily="49" charset="0"/>
-              </a:rPr>
-              <a:t>around</a:t>
-            </a:r>
-            <a:r>
-              <a:rPr lang="nl-NL" sz="1500" kern="0" dirty="0" smtClean="0">
-                <a:latin typeface="Courier New" panose="02070309020205020404" pitchFamily="49" charset="0"/>
-                <a:cs typeface="Courier New" panose="02070309020205020404" pitchFamily="49" charset="0"/>
-              </a:rPr>
-              <a:t>).</a:t>
-            </a:r>
-          </a:p>
-          <a:p>
-            <a:pPr>
-              <a:buFont typeface="+mj-lt"/>
-              <a:buAutoNum type="arabicPeriod"/>
-            </a:pPr>
-            <a:endParaRPr lang="nl-NL" sz="1500" kern="0" dirty="0" smtClean="0">
-              <a:latin typeface="Courier New" panose="02070309020205020404" pitchFamily="49" charset="0"/>
-              <a:cs typeface="Courier New" panose="02070309020205020404" pitchFamily="49" charset="0"/>
-            </a:endParaRPr>
-          </a:p>
-          <a:p>
-            <a:pPr>
-              <a:buFont typeface="+mj-lt"/>
-              <a:buAutoNum type="arabicPeriod"/>
-            </a:pPr>
-            <a:r>
-              <a:rPr lang="nl-NL" sz="1500" kern="0" dirty="0" err="1" smtClean="0">
-                <a:latin typeface="Courier New" panose="02070309020205020404" pitchFamily="49" charset="0"/>
-                <a:cs typeface="Courier New" panose="02070309020205020404" pitchFamily="49" charset="0"/>
-              </a:rPr>
-              <a:t>Choose</a:t>
-            </a:r>
-            <a:r>
-              <a:rPr lang="nl-NL" sz="1500" kern="0" dirty="0" smtClean="0">
-                <a:latin typeface="Courier New" panose="02070309020205020404" pitchFamily="49" charset="0"/>
-                <a:cs typeface="Courier New" panose="02070309020205020404" pitchFamily="49" charset="0"/>
-              </a:rPr>
-              <a:t> a </a:t>
-            </a:r>
-            <a:r>
-              <a:rPr lang="nl-NL" sz="1500" kern="0" dirty="0" err="1" smtClean="0">
-                <a:latin typeface="Courier New" panose="02070309020205020404" pitchFamily="49" charset="0"/>
-                <a:cs typeface="Courier New" panose="02070309020205020404" pitchFamily="49" charset="0"/>
-              </a:rPr>
-              <a:t>favorite</a:t>
-            </a:r>
-            <a:r>
-              <a:rPr lang="nl-NL" sz="1500" kern="0" dirty="0" smtClean="0">
-                <a:latin typeface="Courier New" panose="02070309020205020404" pitchFamily="49" charset="0"/>
-                <a:cs typeface="Courier New" panose="02070309020205020404" pitchFamily="49" charset="0"/>
-              </a:rPr>
-              <a:t> movie of </a:t>
-            </a:r>
-            <a:r>
-              <a:rPr lang="nl-NL" sz="1500" kern="0" dirty="0" err="1" smtClean="0">
-                <a:latin typeface="Courier New" panose="02070309020205020404" pitchFamily="49" charset="0"/>
-                <a:cs typeface="Courier New" panose="02070309020205020404" pitchFamily="49" charset="0"/>
-              </a:rPr>
-              <a:t>yours</a:t>
-            </a:r>
-            <a:r>
-              <a:rPr lang="nl-NL" sz="1500" kern="0" dirty="0" smtClean="0">
-                <a:latin typeface="Courier New" panose="02070309020205020404" pitchFamily="49" charset="0"/>
-                <a:cs typeface="Courier New" panose="02070309020205020404" pitchFamily="49" charset="0"/>
-              </a:rPr>
-              <a:t>. Write a </a:t>
-            </a:r>
-            <a:r>
-              <a:rPr lang="nl-NL" sz="1500" kern="0" dirty="0" err="1" smtClean="0">
-                <a:latin typeface="Courier New" panose="02070309020205020404" pitchFamily="49" charset="0"/>
-                <a:cs typeface="Courier New" panose="02070309020205020404" pitchFamily="49" charset="0"/>
-              </a:rPr>
-              <a:t>for</a:t>
-            </a:r>
-            <a:r>
-              <a:rPr lang="nl-NL" sz="1500" kern="0" dirty="0" smtClean="0">
-                <a:latin typeface="Courier New" panose="02070309020205020404" pitchFamily="49" charset="0"/>
-                <a:cs typeface="Courier New" panose="02070309020205020404" pitchFamily="49" charset="0"/>
-              </a:rPr>
-              <a:t>-loop </a:t>
-            </a:r>
-            <a:r>
-              <a:rPr lang="nl-NL" sz="1500" kern="0" dirty="0" err="1" smtClean="0">
-                <a:latin typeface="Courier New" panose="02070309020205020404" pitchFamily="49" charset="0"/>
-                <a:cs typeface="Courier New" panose="02070309020205020404" pitchFamily="49" charset="0"/>
-              </a:rPr>
-              <a:t>that</a:t>
-            </a:r>
-            <a:r>
-              <a:rPr lang="nl-NL" sz="1500" kern="0" dirty="0" smtClean="0">
-                <a:latin typeface="Courier New" panose="02070309020205020404" pitchFamily="49" charset="0"/>
-                <a:cs typeface="Courier New" panose="02070309020205020404" pitchFamily="49" charset="0"/>
-              </a:rPr>
-              <a:t> </a:t>
-            </a:r>
-            <a:r>
-              <a:rPr lang="nl-NL" sz="1500" kern="0" dirty="0" err="1" smtClean="0">
-                <a:latin typeface="Courier New" panose="02070309020205020404" pitchFamily="49" charset="0"/>
-                <a:cs typeface="Courier New" panose="02070309020205020404" pitchFamily="49" charset="0"/>
-              </a:rPr>
-              <a:t>creates</a:t>
-            </a:r>
-            <a:r>
-              <a:rPr lang="nl-NL" sz="1500" kern="0" dirty="0" smtClean="0">
-                <a:latin typeface="Courier New" panose="02070309020205020404" pitchFamily="49" charset="0"/>
-                <a:cs typeface="Courier New" panose="02070309020205020404" pitchFamily="49" charset="0"/>
-              </a:rPr>
-              <a:t> a dataframe </a:t>
-            </a:r>
-            <a:r>
-              <a:rPr lang="nl-NL" sz="1500" kern="0" dirty="0" err="1" smtClean="0">
-                <a:latin typeface="Courier New" panose="02070309020205020404" pitchFamily="49" charset="0"/>
-                <a:cs typeface="Courier New" panose="02070309020205020404" pitchFamily="49" charset="0"/>
-              </a:rPr>
-              <a:t>with</a:t>
-            </a:r>
-            <a:r>
-              <a:rPr lang="nl-NL" sz="1500" kern="0" dirty="0" smtClean="0">
-                <a:latin typeface="Courier New" panose="02070309020205020404" pitchFamily="49" charset="0"/>
-                <a:cs typeface="Courier New" panose="02070309020205020404" pitchFamily="49" charset="0"/>
-              </a:rPr>
-              <a:t> </a:t>
-            </a:r>
-            <a:r>
-              <a:rPr lang="nl-NL" sz="1500" kern="0" dirty="0" err="1" smtClean="0">
-                <a:latin typeface="Courier New" panose="02070309020205020404" pitchFamily="49" charset="0"/>
-                <a:cs typeface="Courier New" panose="02070309020205020404" pitchFamily="49" charset="0"/>
-              </a:rPr>
-              <a:t>all</a:t>
-            </a:r>
-            <a:r>
-              <a:rPr lang="nl-NL" sz="1500" kern="0" dirty="0" smtClean="0">
-                <a:latin typeface="Courier New" panose="02070309020205020404" pitchFamily="49" charset="0"/>
-                <a:cs typeface="Courier New" panose="02070309020205020404" pitchFamily="49" charset="0"/>
-              </a:rPr>
-              <a:t> </a:t>
-            </a:r>
-            <a:r>
-              <a:rPr lang="nl-NL" sz="1500" kern="0" dirty="0" err="1" smtClean="0">
-                <a:latin typeface="Courier New" panose="02070309020205020404" pitchFamily="49" charset="0"/>
-                <a:cs typeface="Courier New" panose="02070309020205020404" pitchFamily="49" charset="0"/>
-              </a:rPr>
-              <a:t>correlations</a:t>
-            </a:r>
-            <a:r>
-              <a:rPr lang="nl-NL" sz="1500" kern="0" dirty="0" smtClean="0">
-                <a:latin typeface="Courier New" panose="02070309020205020404" pitchFamily="49" charset="0"/>
-                <a:cs typeface="Courier New" panose="02070309020205020404" pitchFamily="49" charset="0"/>
-              </a:rPr>
-              <a:t> </a:t>
-            </a:r>
-            <a:r>
-              <a:rPr lang="nl-NL" sz="1500" kern="0" dirty="0" err="1" smtClean="0">
-                <a:latin typeface="Courier New" panose="02070309020205020404" pitchFamily="49" charset="0"/>
-                <a:cs typeface="Courier New" panose="02070309020205020404" pitchFamily="49" charset="0"/>
-              </a:rPr>
-              <a:t>with</a:t>
-            </a:r>
-            <a:r>
-              <a:rPr lang="nl-NL" sz="1500" kern="0" dirty="0" smtClean="0">
-                <a:latin typeface="Courier New" panose="02070309020205020404" pitchFamily="49" charset="0"/>
-                <a:cs typeface="Courier New" panose="02070309020205020404" pitchFamily="49" charset="0"/>
-              </a:rPr>
-              <a:t> </a:t>
-            </a:r>
-            <a:r>
-              <a:rPr lang="nl-NL" sz="1500" kern="0" dirty="0" err="1" smtClean="0">
-                <a:latin typeface="Courier New" panose="02070309020205020404" pitchFamily="49" charset="0"/>
-                <a:cs typeface="Courier New" panose="02070309020205020404" pitchFamily="49" charset="0"/>
-              </a:rPr>
-              <a:t>that</a:t>
-            </a:r>
-            <a:r>
-              <a:rPr lang="nl-NL" sz="1500" kern="0" dirty="0" smtClean="0">
-                <a:latin typeface="Courier New" panose="02070309020205020404" pitchFamily="49" charset="0"/>
-                <a:cs typeface="Courier New" panose="02070309020205020404" pitchFamily="49" charset="0"/>
-              </a:rPr>
-              <a:t> movie (</a:t>
-            </a:r>
-            <a:r>
-              <a:rPr lang="nl-NL" sz="1500" kern="0" dirty="0" err="1" smtClean="0">
-                <a:latin typeface="Courier New" panose="02070309020205020404" pitchFamily="49" charset="0"/>
-                <a:cs typeface="Courier New" panose="02070309020205020404" pitchFamily="49" charset="0"/>
-              </a:rPr>
-              <a:t>sorted</a:t>
-            </a:r>
-            <a:r>
-              <a:rPr lang="nl-NL" sz="1500" kern="0" dirty="0" smtClean="0">
-                <a:latin typeface="Courier New" panose="02070309020205020404" pitchFamily="49" charset="0"/>
-                <a:cs typeface="Courier New" panose="02070309020205020404" pitchFamily="49" charset="0"/>
-              </a:rPr>
-              <a:t> high </a:t>
-            </a:r>
-            <a:r>
-              <a:rPr lang="nl-NL" sz="1500" kern="0" dirty="0" err="1" smtClean="0">
-                <a:latin typeface="Courier New" panose="02070309020205020404" pitchFamily="49" charset="0"/>
-                <a:cs typeface="Courier New" panose="02070309020205020404" pitchFamily="49" charset="0"/>
-              </a:rPr>
-              <a:t>to</a:t>
-            </a:r>
-            <a:r>
-              <a:rPr lang="nl-NL" sz="1500" kern="0" dirty="0" smtClean="0">
-                <a:latin typeface="Courier New" panose="02070309020205020404" pitchFamily="49" charset="0"/>
-                <a:cs typeface="Courier New" panose="02070309020205020404" pitchFamily="49" charset="0"/>
-              </a:rPr>
-              <a:t> low). </a:t>
-            </a:r>
-            <a:r>
-              <a:rPr lang="nl-NL" sz="1500" kern="0" dirty="0" err="1" smtClean="0">
-                <a:latin typeface="Courier New" panose="02070309020205020404" pitchFamily="49" charset="0"/>
-                <a:cs typeface="Courier New" panose="02070309020205020404" pitchFamily="49" charset="0"/>
-              </a:rPr>
-              <a:t>Inspect</a:t>
-            </a:r>
-            <a:r>
-              <a:rPr lang="nl-NL" sz="1500" kern="0" dirty="0" smtClean="0">
-                <a:latin typeface="Courier New" panose="02070309020205020404" pitchFamily="49" charset="0"/>
-                <a:cs typeface="Courier New" panose="02070309020205020404" pitchFamily="49" charset="0"/>
-              </a:rPr>
-              <a:t> the top </a:t>
-            </a:r>
-            <a:r>
-              <a:rPr lang="nl-NL" sz="1500" kern="0" dirty="0" err="1" smtClean="0">
-                <a:latin typeface="Courier New" panose="02070309020205020404" pitchFamily="49" charset="0"/>
-                <a:cs typeface="Courier New" panose="02070309020205020404" pitchFamily="49" charset="0"/>
-              </a:rPr>
-              <a:t>movies</a:t>
-            </a:r>
-            <a:r>
-              <a:rPr lang="nl-NL" sz="1500" kern="0" dirty="0" smtClean="0">
-                <a:latin typeface="Courier New" panose="02070309020205020404" pitchFamily="49" charset="0"/>
-                <a:cs typeface="Courier New" panose="02070309020205020404" pitchFamily="49" charset="0"/>
-              </a:rPr>
-              <a:t>. Do </a:t>
-            </a:r>
-            <a:r>
-              <a:rPr lang="nl-NL" sz="1500" kern="0" dirty="0" err="1" smtClean="0">
-                <a:latin typeface="Courier New" panose="02070309020205020404" pitchFamily="49" charset="0"/>
-                <a:cs typeface="Courier New" panose="02070309020205020404" pitchFamily="49" charset="0"/>
-              </a:rPr>
-              <a:t>you</a:t>
-            </a:r>
-            <a:r>
-              <a:rPr lang="nl-NL" sz="1500" kern="0" dirty="0" smtClean="0">
-                <a:latin typeface="Courier New" panose="02070309020205020404" pitchFamily="49" charset="0"/>
-                <a:cs typeface="Courier New" panose="02070309020205020404" pitchFamily="49" charset="0"/>
-              </a:rPr>
-              <a:t> </a:t>
-            </a:r>
-            <a:r>
-              <a:rPr lang="nl-NL" sz="1500" kern="0" dirty="0" err="1" smtClean="0">
-                <a:latin typeface="Courier New" panose="02070309020205020404" pitchFamily="49" charset="0"/>
-                <a:cs typeface="Courier New" panose="02070309020205020404" pitchFamily="49" charset="0"/>
-              </a:rPr>
-              <a:t>agree</a:t>
-            </a:r>
-            <a:r>
-              <a:rPr lang="nl-NL" sz="1500" kern="0" dirty="0" smtClean="0">
-                <a:latin typeface="Courier New" panose="02070309020205020404" pitchFamily="49" charset="0"/>
-                <a:cs typeface="Courier New" panose="02070309020205020404" pitchFamily="49" charset="0"/>
-              </a:rPr>
-              <a:t> </a:t>
-            </a:r>
-            <a:r>
-              <a:rPr lang="nl-NL" sz="1500" kern="0" dirty="0" err="1" smtClean="0">
-                <a:latin typeface="Courier New" panose="02070309020205020404" pitchFamily="49" charset="0"/>
-                <a:cs typeface="Courier New" panose="02070309020205020404" pitchFamily="49" charset="0"/>
-              </a:rPr>
-              <a:t>with</a:t>
-            </a:r>
-            <a:r>
-              <a:rPr lang="nl-NL" sz="1500" kern="0" dirty="0" smtClean="0">
-                <a:latin typeface="Courier New" panose="02070309020205020404" pitchFamily="49" charset="0"/>
-                <a:cs typeface="Courier New" panose="02070309020205020404" pitchFamily="49" charset="0"/>
-              </a:rPr>
-              <a:t> the </a:t>
-            </a:r>
-            <a:r>
-              <a:rPr lang="nl-NL" sz="1500" kern="0" dirty="0" err="1" smtClean="0">
-                <a:latin typeface="Courier New" panose="02070309020205020404" pitchFamily="49" charset="0"/>
-                <a:cs typeface="Courier New" panose="02070309020205020404" pitchFamily="49" charset="0"/>
-              </a:rPr>
-              <a:t>results</a:t>
-            </a:r>
-            <a:r>
-              <a:rPr lang="nl-NL" sz="1500" kern="0" dirty="0" smtClean="0">
-                <a:latin typeface="Courier New" panose="02070309020205020404" pitchFamily="49" charset="0"/>
-                <a:cs typeface="Courier New" panose="02070309020205020404" pitchFamily="49" charset="0"/>
-              </a:rPr>
-              <a:t>?</a:t>
-            </a:r>
-          </a:p>
-          <a:p>
-            <a:pPr>
-              <a:buFont typeface="+mj-lt"/>
-              <a:buAutoNum type="arabicPeriod"/>
-            </a:pPr>
-            <a:endParaRPr lang="nl-NL" sz="1500" kern="0" dirty="0" smtClean="0">
-              <a:latin typeface="Courier New" panose="02070309020205020404" pitchFamily="49" charset="0"/>
-              <a:cs typeface="Courier New" panose="02070309020205020404" pitchFamily="49" charset="0"/>
-            </a:endParaRPr>
-          </a:p>
-          <a:p>
-            <a:pPr>
-              <a:buFont typeface="+mj-lt"/>
-              <a:buAutoNum type="arabicPeriod"/>
-            </a:pPr>
-            <a:r>
-              <a:rPr lang="nl-NL" sz="1500" kern="0" dirty="0" smtClean="0">
-                <a:latin typeface="Courier New" panose="02070309020205020404" pitchFamily="49" charset="0"/>
-                <a:cs typeface="Courier New" panose="02070309020205020404" pitchFamily="49" charset="0"/>
-              </a:rPr>
-              <a:t>Advanced: </a:t>
-            </a:r>
-            <a:r>
-              <a:rPr lang="nl-NL" sz="1500" kern="0" dirty="0" err="1" smtClean="0">
-                <a:latin typeface="Courier New" panose="02070309020205020404" pitchFamily="49" charset="0"/>
-                <a:cs typeface="Courier New" panose="02070309020205020404" pitchFamily="49" charset="0"/>
-              </a:rPr>
-              <a:t>refine</a:t>
-            </a:r>
-            <a:r>
-              <a:rPr lang="nl-NL" sz="1500" kern="0" dirty="0" smtClean="0">
-                <a:latin typeface="Courier New" panose="02070309020205020404" pitchFamily="49" charset="0"/>
-                <a:cs typeface="Courier New" panose="02070309020205020404" pitchFamily="49" charset="0"/>
-              </a:rPr>
-              <a:t> Step 2 </a:t>
-            </a:r>
-            <a:r>
-              <a:rPr lang="nl-NL" sz="1500" kern="0" dirty="0" err="1" smtClean="0">
-                <a:latin typeface="Courier New" panose="02070309020205020404" pitchFamily="49" charset="0"/>
-                <a:cs typeface="Courier New" panose="02070309020205020404" pitchFamily="49" charset="0"/>
-              </a:rPr>
-              <a:t>by</a:t>
-            </a:r>
-            <a:r>
-              <a:rPr lang="nl-NL" sz="1500" kern="0" dirty="0" smtClean="0">
-                <a:latin typeface="Courier New" panose="02070309020205020404" pitchFamily="49" charset="0"/>
-                <a:cs typeface="Courier New" panose="02070309020205020404" pitchFamily="49" charset="0"/>
-              </a:rPr>
-              <a:t> </a:t>
-            </a:r>
-            <a:r>
-              <a:rPr lang="nl-NL" sz="1500" kern="0" dirty="0" err="1" smtClean="0">
-                <a:latin typeface="Courier New" panose="02070309020205020404" pitchFamily="49" charset="0"/>
-                <a:cs typeface="Courier New" panose="02070309020205020404" pitchFamily="49" charset="0"/>
-              </a:rPr>
-              <a:t>only</a:t>
-            </a:r>
-            <a:r>
-              <a:rPr lang="nl-NL" sz="1500" kern="0" dirty="0" smtClean="0">
-                <a:latin typeface="Courier New" panose="02070309020205020404" pitchFamily="49" charset="0"/>
-                <a:cs typeface="Courier New" panose="02070309020205020404" pitchFamily="49" charset="0"/>
-              </a:rPr>
-              <a:t> </a:t>
-            </a:r>
-            <a:r>
-              <a:rPr lang="nl-NL" sz="1500" kern="0" dirty="0" err="1" smtClean="0">
-                <a:latin typeface="Courier New" panose="02070309020205020404" pitchFamily="49" charset="0"/>
-                <a:cs typeface="Courier New" panose="02070309020205020404" pitchFamily="49" charset="0"/>
-              </a:rPr>
-              <a:t>showing</a:t>
-            </a:r>
-            <a:r>
-              <a:rPr lang="nl-NL" sz="1500" kern="0" dirty="0" smtClean="0">
-                <a:latin typeface="Courier New" panose="02070309020205020404" pitchFamily="49" charset="0"/>
-                <a:cs typeface="Courier New" panose="02070309020205020404" pitchFamily="49" charset="0"/>
-              </a:rPr>
-              <a:t> </a:t>
-            </a:r>
-            <a:r>
-              <a:rPr lang="nl-NL" sz="1500" kern="0" dirty="0" err="1" smtClean="0">
-                <a:latin typeface="Courier New" panose="02070309020205020404" pitchFamily="49" charset="0"/>
-                <a:cs typeface="Courier New" panose="02070309020205020404" pitchFamily="49" charset="0"/>
-              </a:rPr>
-              <a:t>results</a:t>
-            </a:r>
-            <a:r>
-              <a:rPr lang="nl-NL" sz="1500" kern="0" dirty="0" smtClean="0">
-                <a:latin typeface="Courier New" panose="02070309020205020404" pitchFamily="49" charset="0"/>
-                <a:cs typeface="Courier New" panose="02070309020205020404" pitchFamily="49" charset="0"/>
-              </a:rPr>
-              <a:t> </a:t>
-            </a:r>
-            <a:r>
-              <a:rPr lang="nl-NL" sz="1500" kern="0" dirty="0" err="1" smtClean="0">
-                <a:latin typeface="Courier New" panose="02070309020205020404" pitchFamily="49" charset="0"/>
-                <a:cs typeface="Courier New" panose="02070309020205020404" pitchFamily="49" charset="0"/>
-              </a:rPr>
-              <a:t>for</a:t>
-            </a:r>
-            <a:r>
-              <a:rPr lang="nl-NL" sz="1500" kern="0" dirty="0" smtClean="0">
-                <a:latin typeface="Courier New" panose="02070309020205020404" pitchFamily="49" charset="0"/>
-                <a:cs typeface="Courier New" panose="02070309020205020404" pitchFamily="49" charset="0"/>
-              </a:rPr>
-              <a:t> </a:t>
-            </a:r>
-            <a:r>
-              <a:rPr lang="nl-NL" sz="1500" kern="0" dirty="0" err="1" smtClean="0">
-                <a:latin typeface="Courier New" panose="02070309020205020404" pitchFamily="49" charset="0"/>
-                <a:cs typeface="Courier New" panose="02070309020205020404" pitchFamily="49" charset="0"/>
-              </a:rPr>
-              <a:t>which</a:t>
-            </a:r>
-            <a:r>
-              <a:rPr lang="nl-NL" sz="1500" kern="0" dirty="0" smtClean="0">
-                <a:latin typeface="Courier New" panose="02070309020205020404" pitchFamily="49" charset="0"/>
-                <a:cs typeface="Courier New" panose="02070309020205020404" pitchFamily="49" charset="0"/>
-              </a:rPr>
-              <a:t> the </a:t>
-            </a:r>
-            <a:r>
-              <a:rPr lang="nl-NL" sz="1500" kern="0" dirty="0" err="1" smtClean="0">
-                <a:latin typeface="Courier New" panose="02070309020205020404" pitchFamily="49" charset="0"/>
-                <a:cs typeface="Courier New" panose="02070309020205020404" pitchFamily="49" charset="0"/>
-              </a:rPr>
-              <a:t>correlation</a:t>
-            </a:r>
-            <a:r>
-              <a:rPr lang="nl-NL" sz="1500" kern="0" dirty="0" smtClean="0">
-                <a:latin typeface="Courier New" panose="02070309020205020404" pitchFamily="49" charset="0"/>
-                <a:cs typeface="Courier New" panose="02070309020205020404" pitchFamily="49" charset="0"/>
-              </a:rPr>
-              <a:t> </a:t>
-            </a:r>
-            <a:r>
-              <a:rPr lang="nl-NL" sz="1500" kern="0" dirty="0" err="1" smtClean="0">
-                <a:latin typeface="Courier New" panose="02070309020205020404" pitchFamily="49" charset="0"/>
-                <a:cs typeface="Courier New" panose="02070309020205020404" pitchFamily="49" charset="0"/>
-              </a:rPr>
-              <a:t>can</a:t>
-            </a:r>
-            <a:r>
-              <a:rPr lang="nl-NL" sz="1500" kern="0" dirty="0" smtClean="0">
-                <a:latin typeface="Courier New" panose="02070309020205020404" pitchFamily="49" charset="0"/>
-                <a:cs typeface="Courier New" panose="02070309020205020404" pitchFamily="49" charset="0"/>
-              </a:rPr>
-              <a:t> </a:t>
-            </a:r>
-            <a:r>
-              <a:rPr lang="nl-NL" sz="1500" kern="0" dirty="0" err="1" smtClean="0">
-                <a:latin typeface="Courier New" panose="02070309020205020404" pitchFamily="49" charset="0"/>
-                <a:cs typeface="Courier New" panose="02070309020205020404" pitchFamily="49" charset="0"/>
-              </a:rPr>
-              <a:t>be</a:t>
-            </a:r>
-            <a:r>
-              <a:rPr lang="nl-NL" sz="1500" kern="0" dirty="0" smtClean="0">
-                <a:latin typeface="Courier New" panose="02070309020205020404" pitchFamily="49" charset="0"/>
-                <a:cs typeface="Courier New" panose="02070309020205020404" pitchFamily="49" charset="0"/>
-              </a:rPr>
-              <a:t> </a:t>
-            </a:r>
-            <a:r>
-              <a:rPr lang="nl-NL" sz="1500" kern="0" dirty="0" err="1" smtClean="0">
-                <a:latin typeface="Courier New" panose="02070309020205020404" pitchFamily="49" charset="0"/>
-                <a:cs typeface="Courier New" panose="02070309020205020404" pitchFamily="49" charset="0"/>
-              </a:rPr>
-              <a:t>trusted</a:t>
-            </a:r>
-            <a:r>
-              <a:rPr lang="nl-NL" sz="1500" kern="0" dirty="0" smtClean="0">
-                <a:latin typeface="Courier New" panose="02070309020205020404" pitchFamily="49" charset="0"/>
-                <a:cs typeface="Courier New" panose="02070309020205020404" pitchFamily="49" charset="0"/>
-              </a:rPr>
-              <a:t> </a:t>
-            </a:r>
-            <a:r>
-              <a:rPr lang="nl-NL" sz="1500" kern="0" dirty="0" err="1" smtClean="0">
-                <a:latin typeface="Courier New" panose="02070309020205020404" pitchFamily="49" charset="0"/>
-                <a:cs typeface="Courier New" panose="02070309020205020404" pitchFamily="49" charset="0"/>
-              </a:rPr>
-              <a:t>to</a:t>
-            </a:r>
-            <a:r>
-              <a:rPr lang="nl-NL" sz="1500" kern="0" dirty="0" smtClean="0">
-                <a:latin typeface="Courier New" panose="02070309020205020404" pitchFamily="49" charset="0"/>
-                <a:cs typeface="Courier New" panose="02070309020205020404" pitchFamily="49" charset="0"/>
-              </a:rPr>
-              <a:t> </a:t>
-            </a:r>
-            <a:r>
-              <a:rPr lang="nl-NL" sz="1500" kern="0" dirty="0" err="1" smtClean="0">
-                <a:latin typeface="Courier New" panose="02070309020205020404" pitchFamily="49" charset="0"/>
-                <a:cs typeface="Courier New" panose="02070309020205020404" pitchFamily="49" charset="0"/>
-              </a:rPr>
-              <a:t>be</a:t>
-            </a:r>
-            <a:r>
-              <a:rPr lang="nl-NL" sz="1500" kern="0" dirty="0" smtClean="0">
-                <a:latin typeface="Courier New" panose="02070309020205020404" pitchFamily="49" charset="0"/>
-                <a:cs typeface="Courier New" panose="02070309020205020404" pitchFamily="49" charset="0"/>
-              </a:rPr>
-              <a:t> </a:t>
-            </a:r>
-            <a:r>
-              <a:rPr lang="nl-NL" sz="1500" kern="0" dirty="0" err="1" smtClean="0">
-                <a:latin typeface="Courier New" panose="02070309020205020404" pitchFamily="49" charset="0"/>
-                <a:cs typeface="Courier New" panose="02070309020205020404" pitchFamily="49" charset="0"/>
-              </a:rPr>
-              <a:t>reliable</a:t>
-            </a:r>
-            <a:r>
-              <a:rPr lang="nl-NL" sz="1500" kern="0" dirty="0" smtClean="0">
-                <a:latin typeface="Courier New" panose="02070309020205020404" pitchFamily="49" charset="0"/>
-                <a:cs typeface="Courier New" panose="02070309020205020404" pitchFamily="49" charset="0"/>
-              </a:rPr>
-              <a:t> (</a:t>
-            </a:r>
-            <a:r>
-              <a:rPr lang="nl-NL" sz="1500" kern="0" dirty="0" err="1" smtClean="0">
-                <a:latin typeface="Courier New" panose="02070309020205020404" pitchFamily="49" charset="0"/>
-                <a:cs typeface="Courier New" panose="02070309020205020404" pitchFamily="49" charset="0"/>
-              </a:rPr>
-              <a:t>when</a:t>
-            </a:r>
-            <a:r>
-              <a:rPr lang="nl-NL" sz="1500" kern="0" dirty="0" smtClean="0">
-                <a:latin typeface="Courier New" panose="02070309020205020404" pitchFamily="49" charset="0"/>
-                <a:cs typeface="Courier New" panose="02070309020205020404" pitchFamily="49" charset="0"/>
-              </a:rPr>
-              <a:t> is this?).</a:t>
-            </a:r>
-          </a:p>
-          <a:p>
-            <a:pPr>
-              <a:buFont typeface="+mj-lt"/>
-              <a:buAutoNum type="arabicPeriod"/>
-            </a:pPr>
-            <a:endParaRPr lang="nl-NL" sz="1500" kern="0" dirty="0">
-              <a:latin typeface="Courier New" panose="02070309020205020404" pitchFamily="49" charset="0"/>
-              <a:cs typeface="Courier New" panose="02070309020205020404" pitchFamily="49" charset="0"/>
-            </a:endParaRPr>
-          </a:p>
-          <a:p>
-            <a:pPr>
-              <a:buFont typeface="+mj-lt"/>
-              <a:buAutoNum type="arabicPeriod"/>
-            </a:pPr>
-            <a:r>
-              <a:rPr lang="nl-NL" sz="1500" kern="0" dirty="0" smtClean="0">
-                <a:latin typeface="Courier New" panose="02070309020205020404" pitchFamily="49" charset="0"/>
-                <a:cs typeface="Courier New" panose="02070309020205020404" pitchFamily="49" charset="0"/>
-              </a:rPr>
-              <a:t>Even more </a:t>
-            </a:r>
-            <a:r>
-              <a:rPr lang="nl-NL" sz="1500" kern="0" dirty="0" err="1" smtClean="0">
-                <a:latin typeface="Courier New" panose="02070309020205020404" pitchFamily="49" charset="0"/>
-                <a:cs typeface="Courier New" panose="02070309020205020404" pitchFamily="49" charset="0"/>
-              </a:rPr>
-              <a:t>advanced</a:t>
-            </a:r>
-            <a:r>
-              <a:rPr lang="nl-NL" sz="1500" kern="0" dirty="0" smtClean="0">
-                <a:latin typeface="Courier New" panose="02070309020205020404" pitchFamily="49" charset="0"/>
-                <a:cs typeface="Courier New" panose="02070309020205020404" pitchFamily="49" charset="0"/>
-              </a:rPr>
-              <a:t>: </a:t>
-            </a:r>
-            <a:r>
-              <a:rPr lang="nl-NL" sz="1500" kern="0" dirty="0" err="1" smtClean="0">
-                <a:latin typeface="Courier New" panose="02070309020205020404" pitchFamily="49" charset="0"/>
-                <a:cs typeface="Courier New" panose="02070309020205020404" pitchFamily="49" charset="0"/>
-              </a:rPr>
-              <a:t>create</a:t>
-            </a:r>
-            <a:r>
-              <a:rPr lang="nl-NL" sz="1500" kern="0" dirty="0" smtClean="0">
-                <a:latin typeface="Courier New" panose="02070309020205020404" pitchFamily="49" charset="0"/>
-                <a:cs typeface="Courier New" panose="02070309020205020404" pitchFamily="49" charset="0"/>
-              </a:rPr>
-              <a:t> a look-up </a:t>
-            </a:r>
-            <a:r>
-              <a:rPr lang="nl-NL" sz="1500" kern="0" dirty="0" err="1" smtClean="0">
-                <a:latin typeface="Courier New" panose="02070309020205020404" pitchFamily="49" charset="0"/>
-                <a:cs typeface="Courier New" panose="02070309020205020404" pitchFamily="49" charset="0"/>
-              </a:rPr>
-              <a:t>table</a:t>
-            </a:r>
-            <a:r>
-              <a:rPr lang="nl-NL" sz="1500" kern="0" dirty="0" smtClean="0">
-                <a:latin typeface="Courier New" panose="02070309020205020404" pitchFamily="49" charset="0"/>
-                <a:cs typeface="Courier New" panose="02070309020205020404" pitchFamily="49" charset="0"/>
-              </a:rPr>
-              <a:t> / dataframe </a:t>
-            </a:r>
-            <a:r>
-              <a:rPr lang="nl-NL" sz="1500" kern="0" dirty="0" err="1" smtClean="0">
-                <a:latin typeface="Courier New" panose="02070309020205020404" pitchFamily="49" charset="0"/>
-                <a:cs typeface="Courier New" panose="02070309020205020404" pitchFamily="49" charset="0"/>
-              </a:rPr>
-              <a:t>with</a:t>
-            </a:r>
-            <a:r>
-              <a:rPr lang="nl-NL" sz="1500" kern="0" dirty="0" smtClean="0">
-                <a:latin typeface="Courier New" panose="02070309020205020404" pitchFamily="49" charset="0"/>
-                <a:cs typeface="Courier New" panose="02070309020205020404" pitchFamily="49" charset="0"/>
-              </a:rPr>
-              <a:t> </a:t>
-            </a:r>
-            <a:r>
-              <a:rPr lang="nl-NL" sz="1500" i="1" kern="0" dirty="0" err="1" smtClean="0">
-                <a:latin typeface="Courier New" panose="02070309020205020404" pitchFamily="49" charset="0"/>
-                <a:cs typeface="Courier New" panose="02070309020205020404" pitchFamily="49" charset="0"/>
-              </a:rPr>
-              <a:t>all</a:t>
-            </a:r>
-            <a:r>
-              <a:rPr lang="nl-NL" sz="1500" i="1" kern="0" dirty="0" smtClean="0">
-                <a:latin typeface="Courier New" panose="02070309020205020404" pitchFamily="49" charset="0"/>
-                <a:cs typeface="Courier New" panose="02070309020205020404" pitchFamily="49" charset="0"/>
-              </a:rPr>
-              <a:t> </a:t>
-            </a:r>
-            <a:r>
-              <a:rPr lang="nl-NL" sz="1500" kern="0" dirty="0" smtClean="0">
-                <a:latin typeface="Courier New" panose="02070309020205020404" pitchFamily="49" charset="0"/>
-                <a:cs typeface="Courier New" panose="02070309020205020404" pitchFamily="49" charset="0"/>
-              </a:rPr>
-              <a:t>the </a:t>
-            </a:r>
-            <a:r>
-              <a:rPr lang="nl-NL" sz="1500" kern="0" dirty="0" err="1" smtClean="0">
-                <a:latin typeface="Courier New" panose="02070309020205020404" pitchFamily="49" charset="0"/>
-                <a:cs typeface="Courier New" panose="02070309020205020404" pitchFamily="49" charset="0"/>
-              </a:rPr>
-              <a:t>reliable</a:t>
-            </a:r>
-            <a:r>
-              <a:rPr lang="nl-NL" sz="1500" kern="0" dirty="0" smtClean="0">
-                <a:latin typeface="Courier New" panose="02070309020205020404" pitchFamily="49" charset="0"/>
-                <a:cs typeface="Courier New" panose="02070309020205020404" pitchFamily="49" charset="0"/>
-              </a:rPr>
-              <a:t> </a:t>
-            </a:r>
-            <a:r>
-              <a:rPr lang="nl-NL" sz="1500" kern="0" dirty="0" err="1" smtClean="0">
-                <a:latin typeface="Courier New" panose="02070309020205020404" pitchFamily="49" charset="0"/>
-                <a:cs typeface="Courier New" panose="02070309020205020404" pitchFamily="49" charset="0"/>
-              </a:rPr>
-              <a:t>correlations</a:t>
-            </a:r>
-            <a:r>
-              <a:rPr lang="nl-NL" sz="1500" kern="0" dirty="0" smtClean="0">
-                <a:latin typeface="Courier New" panose="02070309020205020404" pitchFamily="49" charset="0"/>
-                <a:cs typeface="Courier New" panose="02070309020205020404" pitchFamily="49" charset="0"/>
-              </a:rPr>
-              <a:t> </a:t>
-            </a:r>
-            <a:r>
-              <a:rPr lang="nl-NL" sz="1500" kern="0" dirty="0" err="1" smtClean="0">
-                <a:latin typeface="Courier New" panose="02070309020205020404" pitchFamily="49" charset="0"/>
-                <a:cs typeface="Courier New" panose="02070309020205020404" pitchFamily="49" charset="0"/>
-              </a:rPr>
-              <a:t>between</a:t>
-            </a:r>
-            <a:r>
-              <a:rPr lang="nl-NL" sz="1500" kern="0" dirty="0" smtClean="0">
-                <a:latin typeface="Courier New" panose="02070309020205020404" pitchFamily="49" charset="0"/>
-                <a:cs typeface="Courier New" panose="02070309020205020404" pitchFamily="49" charset="0"/>
-              </a:rPr>
-              <a:t> </a:t>
-            </a:r>
-            <a:r>
-              <a:rPr lang="nl-NL" sz="1500" kern="0" dirty="0" err="1" smtClean="0">
-                <a:latin typeface="Courier New" panose="02070309020205020404" pitchFamily="49" charset="0"/>
-                <a:cs typeface="Courier New" panose="02070309020205020404" pitchFamily="49" charset="0"/>
-              </a:rPr>
-              <a:t>movies</a:t>
-            </a:r>
-            <a:r>
-              <a:rPr lang="nl-NL" sz="1500" kern="0" dirty="0" smtClean="0">
-                <a:latin typeface="Courier New" panose="02070309020205020404" pitchFamily="49" charset="0"/>
-                <a:cs typeface="Courier New" panose="02070309020205020404" pitchFamily="49" charset="0"/>
-              </a:rPr>
-              <a:t>. A movie service </a:t>
-            </a:r>
-            <a:r>
-              <a:rPr lang="nl-NL" sz="1500" kern="0" dirty="0" err="1" smtClean="0">
-                <a:latin typeface="Courier New" panose="02070309020205020404" pitchFamily="49" charset="0"/>
-                <a:cs typeface="Courier New" panose="02070309020205020404" pitchFamily="49" charset="0"/>
-              </a:rPr>
-              <a:t>such</a:t>
-            </a:r>
-            <a:r>
-              <a:rPr lang="nl-NL" sz="1500" kern="0" dirty="0" smtClean="0">
-                <a:latin typeface="Courier New" panose="02070309020205020404" pitchFamily="49" charset="0"/>
-                <a:cs typeface="Courier New" panose="02070309020205020404" pitchFamily="49" charset="0"/>
-              </a:rPr>
-              <a:t> as </a:t>
-            </a:r>
-            <a:r>
-              <a:rPr lang="nl-NL" sz="1500" kern="0" dirty="0" err="1" smtClean="0">
-                <a:latin typeface="Courier New" panose="02070309020205020404" pitchFamily="49" charset="0"/>
-                <a:cs typeface="Courier New" panose="02070309020205020404" pitchFamily="49" charset="0"/>
-              </a:rPr>
-              <a:t>Netflix</a:t>
-            </a:r>
-            <a:r>
-              <a:rPr lang="nl-NL" sz="1500" kern="0" dirty="0" smtClean="0">
-                <a:latin typeface="Courier New" panose="02070309020205020404" pitchFamily="49" charset="0"/>
-                <a:cs typeface="Courier New" panose="02070309020205020404" pitchFamily="49" charset="0"/>
-              </a:rPr>
-              <a:t> </a:t>
-            </a:r>
-            <a:r>
-              <a:rPr lang="nl-NL" sz="1500" kern="0" dirty="0" err="1" smtClean="0">
-                <a:latin typeface="Courier New" panose="02070309020205020404" pitchFamily="49" charset="0"/>
-                <a:cs typeface="Courier New" panose="02070309020205020404" pitchFamily="49" charset="0"/>
-              </a:rPr>
-              <a:t>could</a:t>
-            </a:r>
-            <a:r>
-              <a:rPr lang="nl-NL" sz="1500" kern="0" dirty="0" smtClean="0">
-                <a:latin typeface="Courier New" panose="02070309020205020404" pitchFamily="49" charset="0"/>
-                <a:cs typeface="Courier New" panose="02070309020205020404" pitchFamily="49" charset="0"/>
-              </a:rPr>
-              <a:t> </a:t>
-            </a:r>
-            <a:r>
-              <a:rPr lang="nl-NL" sz="1500" kern="0" dirty="0" err="1" smtClean="0">
-                <a:latin typeface="Courier New" panose="02070309020205020404" pitchFamily="49" charset="0"/>
-                <a:cs typeface="Courier New" panose="02070309020205020404" pitchFamily="49" charset="0"/>
-              </a:rPr>
-              <a:t>use</a:t>
-            </a:r>
-            <a:r>
-              <a:rPr lang="nl-NL" sz="1500" kern="0" dirty="0" smtClean="0">
-                <a:latin typeface="Courier New" panose="02070309020205020404" pitchFamily="49" charset="0"/>
-                <a:cs typeface="Courier New" panose="02070309020205020404" pitchFamily="49" charset="0"/>
-              </a:rPr>
-              <a:t> this </a:t>
-            </a:r>
-            <a:r>
-              <a:rPr lang="nl-NL" sz="1500" kern="0" dirty="0" err="1" smtClean="0">
-                <a:latin typeface="Courier New" panose="02070309020205020404" pitchFamily="49" charset="0"/>
-                <a:cs typeface="Courier New" panose="02070309020205020404" pitchFamily="49" charset="0"/>
-              </a:rPr>
-              <a:t>to</a:t>
-            </a:r>
-            <a:r>
-              <a:rPr lang="nl-NL" sz="1500" kern="0" dirty="0" smtClean="0">
-                <a:latin typeface="Courier New" panose="02070309020205020404" pitchFamily="49" charset="0"/>
-                <a:cs typeface="Courier New" panose="02070309020205020404" pitchFamily="49" charset="0"/>
-              </a:rPr>
-              <a:t> show users </a:t>
-            </a:r>
-            <a:r>
-              <a:rPr lang="nl-NL" sz="1500" kern="0" dirty="0" err="1" smtClean="0">
-                <a:latin typeface="Courier New" panose="02070309020205020404" pitchFamily="49" charset="0"/>
-                <a:cs typeface="Courier New" panose="02070309020205020404" pitchFamily="49" charset="0"/>
-              </a:rPr>
-              <a:t>suggestions</a:t>
-            </a:r>
-            <a:r>
-              <a:rPr lang="nl-NL" sz="1500" kern="0" dirty="0" smtClean="0">
-                <a:latin typeface="Courier New" panose="02070309020205020404" pitchFamily="49" charset="0"/>
-                <a:cs typeface="Courier New" panose="02070309020205020404" pitchFamily="49" charset="0"/>
-              </a:rPr>
-              <a:t>.</a:t>
-            </a:r>
-          </a:p>
-          <a:p>
-            <a:pPr>
-              <a:buFont typeface="+mj-lt"/>
-              <a:buAutoNum type="arabicPeriod"/>
-            </a:pPr>
-            <a:endParaRPr lang="nl-NL" sz="1400" kern="0" dirty="0" smtClean="0">
-              <a:latin typeface="Courier New" panose="02070309020205020404" pitchFamily="49" charset="0"/>
-              <a:cs typeface="Courier New" panose="02070309020205020404" pitchFamily="49" charset="0"/>
-            </a:endParaRPr>
-          </a:p>
-          <a:p>
-            <a:pPr>
-              <a:buFont typeface="+mj-lt"/>
-              <a:buAutoNum type="arabicPeriod"/>
-            </a:pPr>
-            <a:endParaRPr lang="nl-NL" sz="1400" b="1" kern="0" dirty="0" smtClean="0">
-              <a:latin typeface="Courier New" panose="02070309020205020404" pitchFamily="49" charset="0"/>
-              <a:cs typeface="Courier New" panose="02070309020205020404" pitchFamily="49" charset="0"/>
-            </a:endParaRPr>
-          </a:p>
-          <a:p>
-            <a:pPr>
-              <a:buFont typeface="+mj-lt"/>
-              <a:buAutoNum type="arabicPeriod"/>
-            </a:pPr>
-            <a:endParaRPr lang="nl-NL" sz="1400" kern="0" dirty="0" smtClean="0">
-              <a:latin typeface="Courier New" panose="02070309020205020404" pitchFamily="49" charset="0"/>
-              <a:cs typeface="Courier New" panose="02070309020205020404" pitchFamily="49" charset="0"/>
-            </a:endParaRPr>
-          </a:p>
-          <a:p>
-            <a:pPr marL="0" indent="0">
-              <a:buFont typeface="Zapf Dingbats" charset="2"/>
-              <a:buNone/>
-            </a:pPr>
-            <a:endParaRPr lang="nl-NL" sz="1400" kern="0" dirty="0">
-              <a:latin typeface="Courier New" panose="02070309020205020404" pitchFamily="49" charset="0"/>
-              <a:cs typeface="Courier New" panose="02070309020205020404" pitchFamily="49" charset="0"/>
-            </a:endParaRPr>
-          </a:p>
-          <a:p>
-            <a:pPr marL="0" indent="0">
-              <a:buFont typeface="Zapf Dingbats" charset="2"/>
-              <a:buNone/>
-            </a:pPr>
-            <a:endParaRPr lang="nl-NL" sz="1400" kern="0" dirty="0" smtClean="0">
-              <a:latin typeface="Courier New" panose="02070309020205020404" pitchFamily="49" charset="0"/>
-              <a:cs typeface="Courier New" panose="02070309020205020404" pitchFamily="49" charset="0"/>
-            </a:endParaRPr>
-          </a:p>
-          <a:p>
-            <a:pPr marL="0" indent="0">
-              <a:buFont typeface="Zapf Dingbats" charset="2"/>
-              <a:buNone/>
-            </a:pPr>
-            <a:endParaRPr lang="nl-NL" sz="1400" kern="0" dirty="0">
-              <a:latin typeface="Courier New" panose="02070309020205020404" pitchFamily="49" charset="0"/>
-              <a:cs typeface="Courier New" panose="02070309020205020404" pitchFamily="49" charset="0"/>
-            </a:endParaRPr>
-          </a:p>
-          <a:p>
-            <a:pPr marL="0" indent="0">
-              <a:buFont typeface="Zapf Dingbats" charset="2"/>
-              <a:buNone/>
-            </a:pPr>
-            <a:endParaRPr lang="nl-NL" sz="1400" kern="0" dirty="0" smtClean="0">
-              <a:latin typeface="Courier New" panose="02070309020205020404" pitchFamily="49" charset="0"/>
-              <a:cs typeface="Courier New" panose="02070309020205020404" pitchFamily="49" charset="0"/>
-            </a:endParaRPr>
+              <a:rPr lang="nl-NL" sz="2400" kern="0" dirty="0" err="1" smtClean="0"/>
+              <a:t>similarity</a:t>
+            </a:r>
+            <a:r>
+              <a:rPr lang="nl-NL" sz="2400" kern="0" dirty="0" smtClean="0"/>
+              <a:t>: user 2&amp;3 are </a:t>
+            </a:r>
+            <a:r>
+              <a:rPr lang="nl-NL" sz="2400" kern="0" dirty="0" err="1" smtClean="0"/>
+              <a:t>closest</a:t>
+            </a:r>
+            <a:endParaRPr lang="nl-NL" sz="2400" kern="0" dirty="0"/>
           </a:p>
         </p:txBody>
       </p:sp>
     </p:spTree>
     <p:extLst>
       <p:ext uri="{BB962C8B-B14F-4D97-AF65-F5344CB8AC3E}">
-        <p14:creationId xmlns:p14="http://schemas.microsoft.com/office/powerpoint/2010/main" val="2614876902"/>
-      </p:ext>
-    </p:extLst>
-  </p:cSld>
-  <p:clrMapOvr>
-    <a:masterClrMapping/>
-  </p:clrMapOvr>
-  <p:timing>
-    <p:tnLst>
-      <p:par>
-        <p:cTn id="1" dur="indefinite" restart="never" nodeType="tmRoot"/>
-      </p:par>
-    </p:tnLst>
-  </p:timing>
-</p:sld>
-</file>
-
-<file path=ppt/slides/slide2.xml><?xml version="1.0" encoding="utf-8"?>
-<p:sld xmlns:a="http://schemas.openxmlformats.org/drawingml/2006/main" xmlns:r="http://schemas.openxmlformats.org/officeDocument/2006/relationships" xmlns:p="http://schemas.openxmlformats.org/presentationml/2006/main">
-  <p:cSld>
-    <p:spTree>
-      <p:nvGrpSpPr>
-        <p:cNvPr id="1" name=""/>
-        <p:cNvGrpSpPr/>
-        <p:nvPr/>
-      </p:nvGrpSpPr>
-      <p:grpSpPr>
-        <a:xfrm>
-          <a:off x="0" y="0"/>
-          <a:ext cx="0" cy="0"/>
-          <a:chOff x="0" y="0"/>
-          <a:chExt cx="0" cy="0"/>
-        </a:xfrm>
-      </p:grpSpPr>
-      <p:sp>
-        <p:nvSpPr>
-          <p:cNvPr id="2" name="Titel 1"/>
-          <p:cNvSpPr>
-            <a:spLocks noGrp="1"/>
-          </p:cNvSpPr>
-          <p:nvPr>
-            <p:ph type="title"/>
-          </p:nvPr>
-        </p:nvSpPr>
-        <p:spPr/>
-        <p:txBody>
-          <a:bodyPr/>
-          <a:lstStyle/>
-          <a:p>
-            <a:r>
-              <a:rPr lang="nl-NL" dirty="0" smtClean="0"/>
-              <a:t>Check-in</a:t>
-            </a:r>
-            <a:endParaRPr lang="nl-NL" dirty="0"/>
-          </a:p>
-        </p:txBody>
-      </p:sp>
-      <p:sp>
-        <p:nvSpPr>
-          <p:cNvPr id="9" name="Tijdelijke aanduiding voor inhoud 8"/>
-          <p:cNvSpPr>
-            <a:spLocks noGrp="1"/>
-          </p:cNvSpPr>
-          <p:nvPr>
-            <p:ph idx="1"/>
-          </p:nvPr>
-        </p:nvSpPr>
-        <p:spPr/>
-        <p:txBody>
-          <a:bodyPr/>
-          <a:lstStyle/>
-          <a:p>
-            <a:endParaRPr lang="nl-NL"/>
-          </a:p>
-        </p:txBody>
-      </p:sp>
-      <p:pic>
-        <p:nvPicPr>
-          <p:cNvPr id="12" name="Afbeelding 11"/>
-          <p:cNvPicPr>
-            <a:picLocks noChangeAspect="1"/>
-          </p:cNvPicPr>
-          <p:nvPr/>
-        </p:nvPicPr>
-        <p:blipFill>
-          <a:blip r:embed="rId2"/>
-          <a:stretch>
-            <a:fillRect/>
-          </a:stretch>
-        </p:blipFill>
-        <p:spPr>
-          <a:xfrm>
-            <a:off x="6156176" y="2492896"/>
-            <a:ext cx="2253070" cy="2016224"/>
-          </a:xfrm>
-          <a:prstGeom prst="rect">
-            <a:avLst/>
-          </a:prstGeom>
-        </p:spPr>
-      </p:pic>
-      <p:pic>
-        <p:nvPicPr>
-          <p:cNvPr id="13" name="Afbeelding 12"/>
-          <p:cNvPicPr>
-            <a:picLocks noChangeAspect="1"/>
-          </p:cNvPicPr>
-          <p:nvPr/>
-        </p:nvPicPr>
-        <p:blipFill>
-          <a:blip r:embed="rId3"/>
-          <a:stretch>
-            <a:fillRect/>
-          </a:stretch>
-        </p:blipFill>
-        <p:spPr>
-          <a:xfrm>
-            <a:off x="3491880" y="2616786"/>
-            <a:ext cx="2129219" cy="1988089"/>
-          </a:xfrm>
-          <a:prstGeom prst="rect">
-            <a:avLst/>
-          </a:prstGeom>
-        </p:spPr>
-      </p:pic>
-      <p:pic>
-        <p:nvPicPr>
-          <p:cNvPr id="14" name="Afbeelding 13"/>
-          <p:cNvPicPr>
-            <a:picLocks noChangeAspect="1"/>
-          </p:cNvPicPr>
-          <p:nvPr/>
-        </p:nvPicPr>
-        <p:blipFill>
-          <a:blip r:embed="rId4"/>
-          <a:stretch>
-            <a:fillRect/>
-          </a:stretch>
-        </p:blipFill>
-        <p:spPr>
-          <a:xfrm>
-            <a:off x="869217" y="2712543"/>
-            <a:ext cx="1873659" cy="1796577"/>
-          </a:xfrm>
-          <a:prstGeom prst="rect">
-            <a:avLst/>
-          </a:prstGeom>
-        </p:spPr>
-      </p:pic>
-    </p:spTree>
-    <p:extLst>
-      <p:ext uri="{BB962C8B-B14F-4D97-AF65-F5344CB8AC3E}">
-        <p14:creationId xmlns:p14="http://schemas.microsoft.com/office/powerpoint/2010/main" val="664396404"/>
-      </p:ext>
-    </p:extLst>
-  </p:cSld>
-  <p:clrMapOvr>
-    <a:masterClrMapping/>
-  </p:clrMapOvr>
-  <p:timing>
-    <p:tnLst>
-      <p:par>
-        <p:cTn id="1" dur="indefinite" restart="never" nodeType="tmRoot"/>
-      </p:par>
-    </p:tnLst>
-  </p:timing>
-</p:sld>
-</file>
-
-<file path=ppt/slides/slide3.xml><?xml version="1.0" encoding="utf-8"?>
-<p:sld xmlns:a="http://schemas.openxmlformats.org/drawingml/2006/main" xmlns:r="http://schemas.openxmlformats.org/officeDocument/2006/relationships" xmlns:p="http://schemas.openxmlformats.org/presentationml/2006/main">
-  <p:cSld>
-    <p:spTree>
-      <p:nvGrpSpPr>
-        <p:cNvPr id="1" name=""/>
-        <p:cNvGrpSpPr/>
-        <p:nvPr/>
-      </p:nvGrpSpPr>
-      <p:grpSpPr>
-        <a:xfrm>
-          <a:off x="0" y="0"/>
-          <a:ext cx="0" cy="0"/>
-          <a:chOff x="0" y="0"/>
-          <a:chExt cx="0" cy="0"/>
-        </a:xfrm>
-      </p:grpSpPr>
-      <p:sp>
-        <p:nvSpPr>
-          <p:cNvPr id="2" name="Titel 1"/>
-          <p:cNvSpPr>
-            <a:spLocks noGrp="1"/>
-          </p:cNvSpPr>
-          <p:nvPr>
-            <p:ph type="title"/>
-          </p:nvPr>
-        </p:nvSpPr>
-        <p:spPr/>
-        <p:txBody>
-          <a:bodyPr/>
-          <a:lstStyle/>
-          <a:p>
-            <a:r>
-              <a:rPr lang="nl-NL" dirty="0" smtClean="0"/>
-              <a:t>Intro</a:t>
-            </a:r>
-            <a:endParaRPr lang="nl-NL" dirty="0"/>
-          </a:p>
-        </p:txBody>
-      </p:sp>
-      <p:sp>
-        <p:nvSpPr>
-          <p:cNvPr id="3" name="Tijdelijke aanduiding voor inhoud 2"/>
-          <p:cNvSpPr>
-            <a:spLocks noGrp="1"/>
-          </p:cNvSpPr>
-          <p:nvPr>
-            <p:ph idx="1"/>
-          </p:nvPr>
-        </p:nvSpPr>
-        <p:spPr/>
-        <p:txBody>
-          <a:bodyPr/>
-          <a:lstStyle/>
-          <a:p>
-            <a:endParaRPr lang="nl-NL"/>
-          </a:p>
-        </p:txBody>
-      </p:sp>
-    </p:spTree>
-    <p:extLst>
-      <p:ext uri="{BB962C8B-B14F-4D97-AF65-F5344CB8AC3E}">
-        <p14:creationId xmlns:p14="http://schemas.microsoft.com/office/powerpoint/2010/main" val="249064969"/>
-      </p:ext>
-    </p:extLst>
-  </p:cSld>
-  <p:clrMapOvr>
-    <a:masterClrMapping/>
-  </p:clrMapOvr>
-</p:sld>
-</file>
-
-<file path=ppt/slides/slide4.xml><?xml version="1.0" encoding="utf-8"?>
-<p:sld xmlns:a="http://schemas.openxmlformats.org/drawingml/2006/main" xmlns:r="http://schemas.openxmlformats.org/officeDocument/2006/relationships" xmlns:p="http://schemas.openxmlformats.org/presentationml/2006/main">
-  <p:cSld>
-    <p:spTree>
-      <p:nvGrpSpPr>
-        <p:cNvPr id="1" name=""/>
-        <p:cNvGrpSpPr/>
-        <p:nvPr/>
-      </p:nvGrpSpPr>
-      <p:grpSpPr>
-        <a:xfrm>
-          <a:off x="0" y="0"/>
-          <a:ext cx="0" cy="0"/>
-          <a:chOff x="0" y="0"/>
-          <a:chExt cx="0" cy="0"/>
-        </a:xfrm>
-      </p:grpSpPr>
-      <p:sp>
-        <p:nvSpPr>
-          <p:cNvPr id="2" name="Titel 1"/>
-          <p:cNvSpPr>
-            <a:spLocks noGrp="1"/>
-          </p:cNvSpPr>
-          <p:nvPr>
-            <p:ph type="title"/>
-          </p:nvPr>
-        </p:nvSpPr>
-        <p:spPr/>
-        <p:txBody>
-          <a:bodyPr/>
-          <a:lstStyle/>
-          <a:p>
-            <a:r>
-              <a:rPr lang="nl-NL" dirty="0" smtClean="0"/>
-              <a:t>Feedback</a:t>
-            </a:r>
-            <a:endParaRPr lang="nl-NL" dirty="0"/>
-          </a:p>
-        </p:txBody>
-      </p:sp>
-      <p:sp>
-        <p:nvSpPr>
-          <p:cNvPr id="3" name="Tijdelijke aanduiding voor inhoud 2"/>
-          <p:cNvSpPr>
-            <a:spLocks noGrp="1"/>
-          </p:cNvSpPr>
-          <p:nvPr>
-            <p:ph idx="1"/>
-          </p:nvPr>
-        </p:nvSpPr>
-        <p:spPr/>
-        <p:txBody>
-          <a:bodyPr/>
-          <a:lstStyle/>
-          <a:p>
-            <a:endParaRPr lang="nl-NL"/>
-          </a:p>
-        </p:txBody>
-      </p:sp>
-    </p:spTree>
-    <p:extLst>
-      <p:ext uri="{BB962C8B-B14F-4D97-AF65-F5344CB8AC3E}">
-        <p14:creationId xmlns:p14="http://schemas.microsoft.com/office/powerpoint/2010/main" val="326962619"/>
-      </p:ext>
-    </p:extLst>
-  </p:cSld>
-  <p:clrMapOvr>
-    <a:masterClrMapping/>
-  </p:clrMapOvr>
-</p:sld>
-</file>
-
-<file path=ppt/slides/slide5.xml><?xml version="1.0" encoding="utf-8"?>
-<p:sld xmlns:a="http://schemas.openxmlformats.org/drawingml/2006/main" xmlns:r="http://schemas.openxmlformats.org/officeDocument/2006/relationships" xmlns:p="http://schemas.openxmlformats.org/presentationml/2006/main">
-  <p:cSld>
-    <p:spTree>
-      <p:nvGrpSpPr>
-        <p:cNvPr id="1" name=""/>
-        <p:cNvGrpSpPr/>
-        <p:nvPr/>
-      </p:nvGrpSpPr>
-      <p:grpSpPr>
-        <a:xfrm>
-          <a:off x="0" y="0"/>
-          <a:ext cx="0" cy="0"/>
-          <a:chOff x="0" y="0"/>
-          <a:chExt cx="0" cy="0"/>
-        </a:xfrm>
-      </p:grpSpPr>
-      <p:sp>
-        <p:nvSpPr>
-          <p:cNvPr id="2" name="Titel 1"/>
-          <p:cNvSpPr>
-            <a:spLocks noGrp="1"/>
-          </p:cNvSpPr>
-          <p:nvPr>
-            <p:ph type="title"/>
-          </p:nvPr>
-        </p:nvSpPr>
-        <p:spPr/>
-        <p:txBody>
-          <a:bodyPr/>
-          <a:lstStyle/>
-          <a:p>
-            <a:r>
-              <a:rPr lang="nl-NL" dirty="0" smtClean="0"/>
-              <a:t>Topics</a:t>
-            </a:r>
-            <a:endParaRPr lang="nl-NL" dirty="0"/>
-          </a:p>
-        </p:txBody>
-      </p:sp>
-      <p:sp>
-        <p:nvSpPr>
-          <p:cNvPr id="3" name="Tijdelijke aanduiding voor inhoud 2"/>
-          <p:cNvSpPr>
-            <a:spLocks noGrp="1"/>
-          </p:cNvSpPr>
-          <p:nvPr>
-            <p:ph idx="1"/>
-          </p:nvPr>
-        </p:nvSpPr>
-        <p:spPr>
-          <a:xfrm>
-            <a:off x="762000" y="1762125"/>
-            <a:ext cx="7881938" cy="2751522"/>
-          </a:xfrm>
-        </p:spPr>
-        <p:txBody>
-          <a:bodyPr/>
-          <a:lstStyle/>
-          <a:p>
-            <a:r>
-              <a:rPr lang="nl-NL" sz="2400" dirty="0" smtClean="0"/>
-              <a:t>Clustering users</a:t>
-            </a:r>
-            <a:endParaRPr lang="nl-NL" sz="2400" dirty="0" smtClean="0"/>
-          </a:p>
-          <a:p>
-            <a:endParaRPr lang="nl-NL" sz="2400" dirty="0"/>
-          </a:p>
-          <a:p>
-            <a:r>
-              <a:rPr lang="nl-NL" sz="2400" dirty="0" err="1" smtClean="0"/>
-              <a:t>Recommender</a:t>
-            </a:r>
-            <a:r>
-              <a:rPr lang="nl-NL" sz="2400" dirty="0" smtClean="0"/>
-              <a:t> </a:t>
-            </a:r>
-            <a:r>
-              <a:rPr lang="nl-NL" sz="2400" dirty="0" smtClean="0"/>
-              <a:t>systems</a:t>
-            </a:r>
-          </a:p>
-          <a:p>
-            <a:endParaRPr lang="nl-NL" sz="2400" dirty="0" smtClean="0"/>
-          </a:p>
-          <a:p>
-            <a:r>
-              <a:rPr lang="nl-NL" sz="2400" dirty="0" err="1" smtClean="0"/>
-              <a:t>Collaborative</a:t>
-            </a:r>
-            <a:r>
-              <a:rPr lang="nl-NL" sz="2400" dirty="0" smtClean="0"/>
-              <a:t> filtering</a:t>
-            </a:r>
-          </a:p>
-          <a:p>
-            <a:pPr marL="0" indent="0">
-              <a:buNone/>
-            </a:pPr>
-            <a:endParaRPr lang="nl-NL" dirty="0"/>
-          </a:p>
-        </p:txBody>
-      </p:sp>
-    </p:spTree>
-    <p:extLst>
-      <p:ext uri="{BB962C8B-B14F-4D97-AF65-F5344CB8AC3E}">
-        <p14:creationId xmlns:p14="http://schemas.microsoft.com/office/powerpoint/2010/main" val="4129354310"/>
-      </p:ext>
-    </p:extLst>
-  </p:cSld>
-  <p:clrMapOvr>
-    <a:masterClrMapping/>
-  </p:clrMapOvr>
-</p:sld>
-</file>
-
-<file path=ppt/slides/slide6.xml><?xml version="1.0" encoding="utf-8"?>
-<p:sld xmlns:a="http://schemas.openxmlformats.org/drawingml/2006/main" xmlns:r="http://schemas.openxmlformats.org/officeDocument/2006/relationships" xmlns:p="http://schemas.openxmlformats.org/presentationml/2006/main">
-  <p:cSld>
-    <p:spTree>
-      <p:nvGrpSpPr>
-        <p:cNvPr id="1" name=""/>
-        <p:cNvGrpSpPr/>
-        <p:nvPr/>
-      </p:nvGrpSpPr>
-      <p:grpSpPr>
-        <a:xfrm>
-          <a:off x="0" y="0"/>
-          <a:ext cx="0" cy="0"/>
-          <a:chOff x="0" y="0"/>
-          <a:chExt cx="0" cy="0"/>
-        </a:xfrm>
-      </p:grpSpPr>
-      <p:sp>
-        <p:nvSpPr>
-          <p:cNvPr id="2" name="Titel 1"/>
-          <p:cNvSpPr>
-            <a:spLocks noGrp="1"/>
-          </p:cNvSpPr>
-          <p:nvPr>
-            <p:ph type="title"/>
-          </p:nvPr>
-        </p:nvSpPr>
-        <p:spPr/>
-        <p:txBody>
-          <a:bodyPr/>
-          <a:lstStyle/>
-          <a:p>
-            <a:r>
-              <a:rPr lang="nl-NL" dirty="0" smtClean="0"/>
-              <a:t>User ratings</a:t>
-            </a:r>
-            <a:endParaRPr lang="nl-NL" dirty="0"/>
-          </a:p>
-        </p:txBody>
-      </p:sp>
-      <p:sp>
-        <p:nvSpPr>
-          <p:cNvPr id="3" name="Tijdelijke aanduiding voor inhoud 2"/>
-          <p:cNvSpPr>
-            <a:spLocks noGrp="1"/>
-          </p:cNvSpPr>
-          <p:nvPr>
-            <p:ph idx="1"/>
-          </p:nvPr>
-        </p:nvSpPr>
-        <p:spPr>
-          <a:xfrm>
-            <a:off x="683568" y="4653136"/>
-            <a:ext cx="7881938" cy="1754326"/>
-          </a:xfrm>
-        </p:spPr>
-        <p:txBody>
-          <a:bodyPr/>
-          <a:lstStyle/>
-          <a:p>
-            <a:pPr>
-              <a:buFont typeface="Wingdings" panose="05000000000000000000" pitchFamily="2" charset="2"/>
-              <a:buChar char="§"/>
-            </a:pPr>
-            <a:r>
-              <a:rPr lang="nl-NL" sz="2000" dirty="0" smtClean="0"/>
-              <a:t>Ratings are </a:t>
-            </a:r>
-            <a:r>
-              <a:rPr lang="nl-NL" sz="2000" dirty="0" err="1" smtClean="0"/>
-              <a:t>typically</a:t>
-            </a:r>
-            <a:r>
-              <a:rPr lang="nl-NL" sz="2000" dirty="0" smtClean="0"/>
-              <a:t> </a:t>
-            </a:r>
-            <a:r>
-              <a:rPr lang="nl-NL" sz="2000" dirty="0" err="1" smtClean="0"/>
-              <a:t>left-skewed</a:t>
-            </a:r>
-            <a:r>
-              <a:rPr lang="nl-NL" sz="2000" dirty="0" smtClean="0"/>
-              <a:t> </a:t>
-            </a:r>
-            <a:r>
-              <a:rPr lang="nl-NL" sz="2000" dirty="0" err="1" smtClean="0"/>
-              <a:t>and</a:t>
-            </a:r>
-            <a:r>
-              <a:rPr lang="nl-NL" sz="2000" dirty="0" smtClean="0"/>
-              <a:t> the mean is </a:t>
-            </a:r>
-            <a:r>
-              <a:rPr lang="nl-NL" sz="2000" dirty="0" err="1" smtClean="0"/>
-              <a:t>above</a:t>
-            </a:r>
-            <a:r>
-              <a:rPr lang="nl-NL" sz="2000" dirty="0" smtClean="0"/>
-              <a:t> the center of the </a:t>
-            </a:r>
-            <a:r>
-              <a:rPr lang="nl-NL" sz="2000" dirty="0" err="1" smtClean="0"/>
-              <a:t>scale</a:t>
-            </a:r>
-            <a:endParaRPr lang="nl-NL" sz="2000" dirty="0" smtClean="0"/>
-          </a:p>
-          <a:p>
-            <a:pPr>
-              <a:buFont typeface="Wingdings" panose="05000000000000000000" pitchFamily="2" charset="2"/>
-              <a:buChar char="§"/>
-            </a:pPr>
-            <a:r>
-              <a:rPr lang="nl-NL" sz="2000" dirty="0" smtClean="0"/>
-              <a:t>Ratings (</a:t>
-            </a:r>
-            <a:r>
-              <a:rPr lang="nl-NL" sz="2000" dirty="0" err="1" smtClean="0"/>
-              <a:t>especially</a:t>
-            </a:r>
-            <a:r>
-              <a:rPr lang="nl-NL" sz="2000" dirty="0" smtClean="0"/>
-              <a:t> product ratings) </a:t>
-            </a:r>
-            <a:r>
-              <a:rPr lang="nl-NL" sz="2000" dirty="0" err="1" smtClean="0"/>
-              <a:t>may</a:t>
-            </a:r>
-            <a:r>
-              <a:rPr lang="nl-NL" sz="2000" dirty="0" smtClean="0"/>
-              <a:t> have a smaller peak at the low end</a:t>
-            </a:r>
-          </a:p>
-          <a:p>
-            <a:pPr>
-              <a:buFont typeface="Wingdings" panose="05000000000000000000" pitchFamily="2" charset="2"/>
-              <a:buChar char="§"/>
-            </a:pPr>
-            <a:r>
-              <a:rPr lang="nl-NL" sz="2000" dirty="0" smtClean="0"/>
-              <a:t>People </a:t>
-            </a:r>
-            <a:r>
-              <a:rPr lang="nl-NL" sz="2000" dirty="0" err="1" smtClean="0"/>
-              <a:t>vote</a:t>
-            </a:r>
-            <a:r>
-              <a:rPr lang="nl-NL" sz="2000" dirty="0" smtClean="0"/>
-              <a:t> </a:t>
-            </a:r>
-            <a:r>
-              <a:rPr lang="nl-NL" sz="2000" dirty="0" err="1" smtClean="0"/>
-              <a:t>for</a:t>
-            </a:r>
-            <a:r>
-              <a:rPr lang="nl-NL" sz="2000" dirty="0" smtClean="0"/>
-              <a:t> </a:t>
-            </a:r>
-            <a:r>
-              <a:rPr lang="nl-NL" sz="2000" dirty="0" err="1" smtClean="0"/>
-              <a:t>their</a:t>
-            </a:r>
-            <a:r>
-              <a:rPr lang="nl-NL" sz="2000" dirty="0" smtClean="0"/>
-              <a:t> </a:t>
-            </a:r>
-            <a:r>
-              <a:rPr lang="nl-NL" sz="2000" dirty="0" err="1" smtClean="0"/>
-              <a:t>favorites</a:t>
-            </a:r>
-            <a:endParaRPr lang="nl-NL" sz="2000" dirty="0" smtClean="0"/>
-          </a:p>
-        </p:txBody>
-      </p:sp>
-      <p:pic>
-        <p:nvPicPr>
-          <p:cNvPr id="4" name="Afbeelding 3"/>
-          <p:cNvPicPr>
-            <a:picLocks noChangeAspect="1"/>
-          </p:cNvPicPr>
-          <p:nvPr/>
-        </p:nvPicPr>
-        <p:blipFill>
-          <a:blip r:embed="rId2"/>
-          <a:stretch>
-            <a:fillRect/>
-          </a:stretch>
-        </p:blipFill>
-        <p:spPr>
-          <a:xfrm>
-            <a:off x="802324" y="1844824"/>
-            <a:ext cx="7277881" cy="2562634"/>
-          </a:xfrm>
-          <a:prstGeom prst="rect">
-            <a:avLst/>
-          </a:prstGeom>
-        </p:spPr>
-      </p:pic>
-    </p:spTree>
-    <p:extLst>
-      <p:ext uri="{BB962C8B-B14F-4D97-AF65-F5344CB8AC3E}">
-        <p14:creationId xmlns:p14="http://schemas.microsoft.com/office/powerpoint/2010/main" val="3228788009"/>
-      </p:ext>
-    </p:extLst>
-  </p:cSld>
-  <p:clrMapOvr>
-    <a:masterClrMapping/>
-  </p:clrMapOvr>
-</p:sld>
-</file>
-
-<file path=ppt/slides/slide7.xml><?xml version="1.0" encoding="utf-8"?>
-<p:sld xmlns:a="http://schemas.openxmlformats.org/drawingml/2006/main" xmlns:r="http://schemas.openxmlformats.org/officeDocument/2006/relationships" xmlns:p="http://schemas.openxmlformats.org/presentationml/2006/main">
-  <p:cSld>
-    <p:spTree>
-      <p:nvGrpSpPr>
-        <p:cNvPr id="1" name=""/>
-        <p:cNvGrpSpPr/>
-        <p:nvPr/>
-      </p:nvGrpSpPr>
-      <p:grpSpPr>
-        <a:xfrm>
-          <a:off x="0" y="0"/>
-          <a:ext cx="0" cy="0"/>
-          <a:chOff x="0" y="0"/>
-          <a:chExt cx="0" cy="0"/>
-        </a:xfrm>
-      </p:grpSpPr>
-      <p:sp>
-        <p:nvSpPr>
-          <p:cNvPr id="2" name="Titel 1"/>
-          <p:cNvSpPr>
-            <a:spLocks noGrp="1"/>
-          </p:cNvSpPr>
-          <p:nvPr>
-            <p:ph type="title"/>
-          </p:nvPr>
-        </p:nvSpPr>
-        <p:spPr/>
-        <p:txBody>
-          <a:bodyPr/>
-          <a:lstStyle/>
-          <a:p>
-            <a:r>
-              <a:rPr lang="nl-NL" dirty="0" err="1" smtClean="0"/>
-              <a:t>What</a:t>
-            </a:r>
-            <a:r>
-              <a:rPr lang="nl-NL" dirty="0" smtClean="0"/>
-              <a:t> is clustering?</a:t>
-            </a:r>
-            <a:endParaRPr lang="nl-NL" dirty="0"/>
-          </a:p>
-        </p:txBody>
-      </p:sp>
-      <p:pic>
-        <p:nvPicPr>
-          <p:cNvPr id="4" name="Tijdelijke aanduiding voor inhoud 3"/>
-          <p:cNvPicPr>
-            <a:picLocks noGrp="1" noChangeAspect="1"/>
-          </p:cNvPicPr>
-          <p:nvPr>
-            <p:ph idx="1"/>
-          </p:nvPr>
-        </p:nvPicPr>
-        <p:blipFill>
-          <a:blip r:embed="rId2" cstate="print">
-            <a:extLst>
-              <a:ext uri="{28A0092B-C50C-407E-A947-70E740481C1C}">
-                <a14:useLocalDpi xmlns:a14="http://schemas.microsoft.com/office/drawing/2010/main" val="0"/>
-              </a:ext>
-            </a:extLst>
-          </a:blip>
-          <a:stretch>
-            <a:fillRect/>
-          </a:stretch>
-        </p:blipFill>
-        <p:spPr>
-          <a:xfrm>
-            <a:off x="5508104" y="2060848"/>
-            <a:ext cx="3928692" cy="2627313"/>
-          </a:xfrm>
-        </p:spPr>
-      </p:pic>
-      <p:sp>
-        <p:nvSpPr>
-          <p:cNvPr id="5" name="Tijdelijke aanduiding voor inhoud 2"/>
-          <p:cNvSpPr txBox="1">
-            <a:spLocks/>
-          </p:cNvSpPr>
-          <p:nvPr/>
-        </p:nvSpPr>
-        <p:spPr bwMode="auto">
-          <a:xfrm>
-            <a:off x="762000" y="1762125"/>
-            <a:ext cx="4746104" cy="6383286"/>
-          </a:xfrm>
-          <a:prstGeom prst="rect">
-            <a:avLst/>
-          </a:prstGeom>
-          <a:noFill/>
-          <a:ln w="9525">
-            <a:noFill/>
-            <a:miter lim="800000"/>
-            <a:headEnd/>
-            <a:tailEnd/>
-          </a:ln>
-          <a:effectLst/>
-        </p:spPr>
-        <p:txBody>
-          <a:bodyPr vert="horz" wrap="square" lIns="91440" tIns="45720" rIns="91440" bIns="45720" numCol="1" anchor="t" anchorCtr="0" compatLnSpc="1">
-            <a:prstTxWarp prst="textNoShape">
-              <a:avLst/>
-            </a:prstTxWarp>
-            <a:spAutoFit/>
-          </a:bodyPr>
-          <a:lstStyle>
-            <a:lvl1pPr marL="342900" indent="-342900" algn="l" rtl="0" fontAlgn="base">
-              <a:spcBef>
-                <a:spcPct val="20000"/>
-              </a:spcBef>
-              <a:spcAft>
-                <a:spcPct val="0"/>
-              </a:spcAft>
-              <a:buClr>
-                <a:srgbClr val="ED0010"/>
-              </a:buClr>
-              <a:buSzPct val="60000"/>
-              <a:buFont typeface="Zapf Dingbats" charset="2"/>
-              <a:buChar char="n"/>
-              <a:defRPr sz="2800">
-                <a:solidFill>
-                  <a:srgbClr val="000000"/>
-                </a:solidFill>
-                <a:latin typeface="+mn-lt"/>
-                <a:ea typeface="+mn-ea"/>
-                <a:cs typeface="+mn-cs"/>
-              </a:defRPr>
-            </a:lvl1pPr>
-            <a:lvl2pPr marL="819150" indent="-285750" algn="l" rtl="0" fontAlgn="base">
-              <a:spcBef>
-                <a:spcPct val="20000"/>
-              </a:spcBef>
-              <a:spcAft>
-                <a:spcPct val="0"/>
-              </a:spcAft>
-              <a:buClr>
-                <a:schemeClr val="accent1"/>
-              </a:buClr>
-              <a:buSzPct val="60000"/>
-              <a:buFont typeface="Zapf Dingbats" charset="2"/>
-              <a:buChar char="n"/>
-              <a:defRPr sz="2600">
-                <a:solidFill>
-                  <a:srgbClr val="000000"/>
-                </a:solidFill>
-                <a:latin typeface="+mn-lt"/>
-              </a:defRPr>
-            </a:lvl2pPr>
-            <a:lvl3pPr marL="1143000" indent="-228600" algn="l" rtl="0" fontAlgn="base">
-              <a:spcBef>
-                <a:spcPct val="20000"/>
-              </a:spcBef>
-              <a:spcAft>
-                <a:spcPct val="0"/>
-              </a:spcAft>
-              <a:buClr>
-                <a:schemeClr val="accent1"/>
-              </a:buClr>
-              <a:buSzPct val="60000"/>
-              <a:buFont typeface="Zapf Dingbats" charset="2"/>
-              <a:buChar char="n"/>
-              <a:defRPr sz="2400">
-                <a:solidFill>
-                  <a:srgbClr val="000000"/>
-                </a:solidFill>
-                <a:latin typeface="+mn-lt"/>
-              </a:defRPr>
-            </a:lvl3pPr>
-            <a:lvl4pPr marL="1562100" indent="-228600" algn="l" rtl="0" fontAlgn="base">
-              <a:spcBef>
-                <a:spcPct val="20000"/>
-              </a:spcBef>
-              <a:spcAft>
-                <a:spcPct val="0"/>
-              </a:spcAft>
-              <a:buClr>
-                <a:schemeClr val="accent1"/>
-              </a:buClr>
-              <a:buSzPct val="60000"/>
-              <a:buFont typeface="Zapf Dingbats" charset="2"/>
-              <a:buChar char="n"/>
-              <a:defRPr sz="2200">
-                <a:solidFill>
-                  <a:srgbClr val="000000"/>
-                </a:solidFill>
-                <a:latin typeface="+mn-lt"/>
-              </a:defRPr>
-            </a:lvl4pPr>
-            <a:lvl5pPr marL="1981200" indent="-228600" algn="l" rtl="0" fontAlgn="base">
-              <a:spcBef>
-                <a:spcPct val="20000"/>
-              </a:spcBef>
-              <a:spcAft>
-                <a:spcPct val="0"/>
-              </a:spcAft>
-              <a:buClr>
-                <a:schemeClr val="accent1"/>
-              </a:buClr>
-              <a:buSzPct val="60000"/>
-              <a:buFont typeface="Zapf Dingbats" charset="2"/>
-              <a:buChar char="n"/>
-              <a:defRPr sz="2000">
-                <a:solidFill>
-                  <a:srgbClr val="000000"/>
-                </a:solidFill>
-                <a:latin typeface="+mn-lt"/>
-              </a:defRPr>
-            </a:lvl5pPr>
-            <a:lvl6pPr marL="2438400" indent="-228600" algn="l" rtl="0" fontAlgn="base">
-              <a:spcBef>
-                <a:spcPct val="20000"/>
-              </a:spcBef>
-              <a:spcAft>
-                <a:spcPct val="0"/>
-              </a:spcAft>
-              <a:buClr>
-                <a:schemeClr val="accent1"/>
-              </a:buClr>
-              <a:buSzPct val="60000"/>
-              <a:buFont typeface="Zapf Dingbats" charset="2"/>
-              <a:buChar char="n"/>
-              <a:defRPr sz="2000">
-                <a:solidFill>
-                  <a:srgbClr val="000000"/>
-                </a:solidFill>
-                <a:latin typeface="+mn-lt"/>
-              </a:defRPr>
-            </a:lvl6pPr>
-            <a:lvl7pPr marL="2895600" indent="-228600" algn="l" rtl="0" fontAlgn="base">
-              <a:spcBef>
-                <a:spcPct val="20000"/>
-              </a:spcBef>
-              <a:spcAft>
-                <a:spcPct val="0"/>
-              </a:spcAft>
-              <a:buClr>
-                <a:schemeClr val="accent1"/>
-              </a:buClr>
-              <a:buSzPct val="60000"/>
-              <a:buFont typeface="Zapf Dingbats" charset="2"/>
-              <a:buChar char="n"/>
-              <a:defRPr sz="2000">
-                <a:solidFill>
-                  <a:srgbClr val="000000"/>
-                </a:solidFill>
-                <a:latin typeface="+mn-lt"/>
-              </a:defRPr>
-            </a:lvl7pPr>
-            <a:lvl8pPr marL="3352800" indent="-228600" algn="l" rtl="0" fontAlgn="base">
-              <a:spcBef>
-                <a:spcPct val="20000"/>
-              </a:spcBef>
-              <a:spcAft>
-                <a:spcPct val="0"/>
-              </a:spcAft>
-              <a:buClr>
-                <a:schemeClr val="accent1"/>
-              </a:buClr>
-              <a:buSzPct val="60000"/>
-              <a:buFont typeface="Zapf Dingbats" charset="2"/>
-              <a:buChar char="n"/>
-              <a:defRPr sz="2000">
-                <a:solidFill>
-                  <a:srgbClr val="000000"/>
-                </a:solidFill>
-                <a:latin typeface="+mn-lt"/>
-              </a:defRPr>
-            </a:lvl8pPr>
-            <a:lvl9pPr marL="3810000" indent="-228600" algn="l" rtl="0" fontAlgn="base">
-              <a:spcBef>
-                <a:spcPct val="20000"/>
-              </a:spcBef>
-              <a:spcAft>
-                <a:spcPct val="0"/>
-              </a:spcAft>
-              <a:buClr>
-                <a:schemeClr val="accent1"/>
-              </a:buClr>
-              <a:buSzPct val="60000"/>
-              <a:buFont typeface="Zapf Dingbats" charset="2"/>
-              <a:buChar char="n"/>
-              <a:defRPr sz="2000">
-                <a:solidFill>
-                  <a:srgbClr val="000000"/>
-                </a:solidFill>
-                <a:latin typeface="+mn-lt"/>
-              </a:defRPr>
-            </a:lvl9pPr>
-          </a:lstStyle>
-          <a:p>
-            <a:r>
-              <a:rPr lang="nl-NL" sz="2000" kern="0" dirty="0" err="1" smtClean="0"/>
-              <a:t>Assign</a:t>
-            </a:r>
-            <a:r>
-              <a:rPr lang="nl-NL" sz="2000" kern="0" dirty="0" smtClean="0"/>
-              <a:t> </a:t>
-            </a:r>
-            <a:r>
-              <a:rPr lang="nl-NL" sz="2000" kern="0" dirty="0" err="1" smtClean="0"/>
-              <a:t>observations</a:t>
-            </a:r>
-            <a:r>
-              <a:rPr lang="nl-NL" sz="2000" kern="0" dirty="0" smtClean="0"/>
-              <a:t> </a:t>
-            </a:r>
-            <a:r>
-              <a:rPr lang="nl-NL" sz="2000" kern="0" dirty="0" err="1" smtClean="0"/>
-              <a:t>to</a:t>
-            </a:r>
-            <a:r>
-              <a:rPr lang="nl-NL" sz="2000" kern="0" dirty="0" smtClean="0"/>
-              <a:t> </a:t>
-            </a:r>
-            <a:r>
-              <a:rPr lang="nl-NL" sz="2000" kern="0" dirty="0" err="1" smtClean="0"/>
-              <a:t>several</a:t>
-            </a:r>
-            <a:r>
-              <a:rPr lang="nl-NL" sz="2000" kern="0" dirty="0" smtClean="0"/>
-              <a:t> clusters</a:t>
-            </a:r>
-          </a:p>
-          <a:p>
-            <a:endParaRPr lang="nl-NL" sz="2000" kern="0" dirty="0"/>
-          </a:p>
-          <a:p>
-            <a:r>
-              <a:rPr lang="nl-NL" sz="2000" kern="0" dirty="0" smtClean="0"/>
-              <a:t>It’s </a:t>
-            </a:r>
-            <a:r>
-              <a:rPr lang="nl-NL" sz="2000" kern="0" dirty="0" err="1" smtClean="0"/>
-              <a:t>not</a:t>
-            </a:r>
-            <a:r>
-              <a:rPr lang="nl-NL" sz="2000" kern="0" dirty="0" smtClean="0"/>
-              <a:t> </a:t>
-            </a:r>
-            <a:r>
-              <a:rPr lang="nl-NL" sz="2000" kern="0" dirty="0" err="1" smtClean="0"/>
-              <a:t>always</a:t>
-            </a:r>
-            <a:r>
-              <a:rPr lang="nl-NL" sz="2000" kern="0" dirty="0" smtClean="0"/>
-              <a:t> </a:t>
-            </a:r>
-            <a:r>
-              <a:rPr lang="nl-NL" sz="2000" kern="0" dirty="0" err="1" smtClean="0"/>
-              <a:t>clear</a:t>
-            </a:r>
-            <a:r>
-              <a:rPr lang="nl-NL" sz="2000" kern="0" dirty="0" smtClean="0"/>
-              <a:t> </a:t>
-            </a:r>
-            <a:r>
-              <a:rPr lang="nl-NL" sz="2000" kern="0" dirty="0" err="1" smtClean="0"/>
-              <a:t>which</a:t>
-            </a:r>
-            <a:r>
-              <a:rPr lang="nl-NL" sz="2000" kern="0" dirty="0" smtClean="0"/>
-              <a:t> solution is ‘correct’</a:t>
-            </a:r>
-          </a:p>
-          <a:p>
-            <a:endParaRPr lang="nl-NL" sz="2000" kern="0" dirty="0"/>
-          </a:p>
-          <a:p>
-            <a:r>
-              <a:rPr lang="nl-NL" sz="2000" kern="0" dirty="0" err="1" smtClean="0"/>
-              <a:t>There</a:t>
-            </a:r>
-            <a:r>
-              <a:rPr lang="nl-NL" sz="2000" kern="0" dirty="0" smtClean="0"/>
-              <a:t> are </a:t>
-            </a:r>
-            <a:r>
-              <a:rPr lang="nl-NL" sz="2000" kern="0" dirty="0" err="1" smtClean="0"/>
-              <a:t>many</a:t>
-            </a:r>
-            <a:r>
-              <a:rPr lang="nl-NL" sz="2000" kern="0" dirty="0" smtClean="0"/>
-              <a:t> </a:t>
-            </a:r>
-            <a:r>
-              <a:rPr lang="nl-NL" sz="2000" kern="0" dirty="0" err="1" smtClean="0"/>
-              <a:t>algorithms</a:t>
-            </a:r>
-            <a:r>
-              <a:rPr lang="nl-NL" sz="2000" kern="0" dirty="0"/>
-              <a:t>;</a:t>
-            </a:r>
-            <a:r>
-              <a:rPr lang="nl-NL" sz="2000" kern="0" dirty="0" smtClean="0"/>
-              <a:t> we </a:t>
-            </a:r>
-            <a:r>
-              <a:rPr lang="nl-NL" sz="2000" kern="0" dirty="0" err="1" smtClean="0"/>
-              <a:t>will</a:t>
-            </a:r>
-            <a:r>
-              <a:rPr lang="nl-NL" sz="2000" kern="0" dirty="0" smtClean="0"/>
-              <a:t> </a:t>
-            </a:r>
-            <a:r>
-              <a:rPr lang="nl-NL" sz="2000" kern="0" dirty="0" err="1" smtClean="0"/>
-              <a:t>use</a:t>
-            </a:r>
-            <a:r>
-              <a:rPr lang="nl-NL" sz="2000" kern="0" dirty="0" smtClean="0"/>
-              <a:t> </a:t>
-            </a:r>
-            <a:r>
-              <a:rPr lang="nl-NL" sz="2000" i="1" kern="0" dirty="0" smtClean="0"/>
-              <a:t>k-</a:t>
-            </a:r>
-            <a:r>
-              <a:rPr lang="nl-NL" sz="2000" kern="0" dirty="0" smtClean="0"/>
-              <a:t>means (</a:t>
-            </a:r>
-            <a:r>
-              <a:rPr lang="nl-NL" sz="2000" kern="0" dirty="0" err="1" smtClean="0"/>
-              <a:t>simple</a:t>
-            </a:r>
-            <a:r>
-              <a:rPr lang="nl-NL" sz="2000" kern="0" dirty="0" smtClean="0"/>
-              <a:t> </a:t>
-            </a:r>
-            <a:r>
-              <a:rPr lang="nl-NL" sz="2000" kern="0" dirty="0" err="1" smtClean="0"/>
-              <a:t>to</a:t>
-            </a:r>
-            <a:r>
-              <a:rPr lang="nl-NL" sz="2000" kern="0" dirty="0" smtClean="0"/>
-              <a:t> </a:t>
-            </a:r>
-            <a:r>
-              <a:rPr lang="nl-NL" sz="2000" kern="0" dirty="0" err="1" smtClean="0"/>
-              <a:t>understand</a:t>
-            </a:r>
-            <a:r>
-              <a:rPr lang="nl-NL" sz="2000" kern="0" dirty="0" smtClean="0"/>
-              <a:t> but </a:t>
-            </a:r>
-            <a:r>
-              <a:rPr lang="nl-NL" sz="2000" kern="0" dirty="0" err="1" smtClean="0"/>
-              <a:t>often</a:t>
-            </a:r>
-            <a:r>
-              <a:rPr lang="nl-NL" sz="2000" kern="0" dirty="0" smtClean="0"/>
-              <a:t> </a:t>
-            </a:r>
-            <a:r>
-              <a:rPr lang="nl-NL" sz="2000" kern="0" dirty="0" err="1" smtClean="0"/>
-              <a:t>suboptimal</a:t>
-            </a:r>
-            <a:r>
-              <a:rPr lang="nl-NL" sz="2000" kern="0" dirty="0" smtClean="0"/>
-              <a:t>)</a:t>
-            </a:r>
-          </a:p>
-          <a:p>
-            <a:endParaRPr lang="nl-NL" sz="2000" kern="0" dirty="0"/>
-          </a:p>
-          <a:p>
-            <a:r>
-              <a:rPr lang="nl-NL" sz="2000" kern="0" dirty="0" err="1" smtClean="0"/>
-              <a:t>Remember</a:t>
-            </a:r>
-            <a:r>
-              <a:rPr lang="nl-NL" sz="2000" kern="0" dirty="0" smtClean="0"/>
-              <a:t>: </a:t>
-            </a:r>
-            <a:r>
-              <a:rPr lang="nl-NL" sz="2000" kern="0" dirty="0" err="1" smtClean="0"/>
-              <a:t>shown</a:t>
-            </a:r>
-            <a:r>
-              <a:rPr lang="nl-NL" sz="2000" kern="0" dirty="0" smtClean="0"/>
-              <a:t> as 2-dimensional here but </a:t>
-            </a:r>
-            <a:r>
-              <a:rPr lang="nl-NL" sz="2000" i="1" kern="0" dirty="0" smtClean="0"/>
-              <a:t>n</a:t>
-            </a:r>
-            <a:r>
-              <a:rPr lang="nl-NL" sz="2000" kern="0" dirty="0" smtClean="0"/>
-              <a:t>-</a:t>
-            </a:r>
-            <a:r>
-              <a:rPr lang="nl-NL" sz="2000" kern="0" dirty="0" err="1" smtClean="0"/>
-              <a:t>dimensional</a:t>
-            </a:r>
-            <a:r>
-              <a:rPr lang="nl-NL" sz="2000" kern="0" dirty="0" smtClean="0"/>
-              <a:t> in </a:t>
-            </a:r>
-            <a:r>
-              <a:rPr lang="nl-NL" sz="2000" kern="0" dirty="0" err="1" smtClean="0"/>
-              <a:t>reality</a:t>
-            </a:r>
-            <a:r>
-              <a:rPr lang="nl-NL" sz="2000" kern="0" dirty="0" smtClean="0"/>
-              <a:t>, </a:t>
-            </a:r>
-            <a:r>
-              <a:rPr lang="nl-NL" sz="2000" i="1" kern="0" dirty="0" smtClean="0"/>
-              <a:t>n </a:t>
-            </a:r>
-            <a:r>
-              <a:rPr lang="nl-NL" sz="2000" kern="0" dirty="0" err="1" smtClean="0"/>
-              <a:t>being</a:t>
-            </a:r>
-            <a:r>
-              <a:rPr lang="nl-NL" sz="2000" kern="0" dirty="0" smtClean="0"/>
-              <a:t> the </a:t>
-            </a:r>
-            <a:r>
-              <a:rPr lang="nl-NL" sz="2000" kern="0" dirty="0" err="1" smtClean="0"/>
-              <a:t>number</a:t>
-            </a:r>
-            <a:r>
-              <a:rPr lang="nl-NL" sz="2000" kern="0" dirty="0" smtClean="0"/>
-              <a:t> of variables </a:t>
-            </a:r>
-            <a:r>
-              <a:rPr lang="nl-NL" sz="2000" kern="0" dirty="0" err="1" smtClean="0"/>
-              <a:t>used</a:t>
-            </a:r>
-            <a:endParaRPr lang="nl-NL" sz="2000" kern="0" dirty="0" smtClean="0"/>
-          </a:p>
-          <a:p>
-            <a:pPr lvl="1"/>
-            <a:endParaRPr lang="nl-NL" sz="2000" kern="0" dirty="0" smtClean="0"/>
-          </a:p>
-          <a:p>
-            <a:pPr marL="0" indent="0">
-              <a:buFont typeface="Zapf Dingbats" charset="2"/>
-              <a:buNone/>
-            </a:pPr>
-            <a:endParaRPr lang="nl-NL" sz="2400" kern="0" dirty="0" smtClean="0"/>
-          </a:p>
-          <a:p>
-            <a:pPr lvl="1"/>
-            <a:endParaRPr lang="nl-NL" sz="2000" kern="0" dirty="0" smtClean="0"/>
-          </a:p>
-          <a:p>
-            <a:endParaRPr lang="nl-NL" sz="2000" kern="0" dirty="0" smtClean="0"/>
-          </a:p>
-          <a:p>
-            <a:pPr marL="0" indent="0">
-              <a:buFont typeface="Zapf Dingbats" charset="2"/>
-              <a:buNone/>
-            </a:pPr>
-            <a:endParaRPr lang="nl-NL" sz="2000" kern="0" dirty="0"/>
-          </a:p>
-        </p:txBody>
-      </p:sp>
-    </p:spTree>
-    <p:extLst>
-      <p:ext uri="{BB962C8B-B14F-4D97-AF65-F5344CB8AC3E}">
-        <p14:creationId xmlns:p14="http://schemas.microsoft.com/office/powerpoint/2010/main" val="3119061923"/>
-      </p:ext>
-    </p:extLst>
-  </p:cSld>
-  <p:clrMapOvr>
-    <a:masterClrMapping/>
-  </p:clrMapOvr>
-</p:sld>
-</file>
-
-<file path=ppt/slides/slide8.xml><?xml version="1.0" encoding="utf-8"?>
-<p:sld xmlns:a="http://schemas.openxmlformats.org/drawingml/2006/main" xmlns:r="http://schemas.openxmlformats.org/officeDocument/2006/relationships" xmlns:p="http://schemas.openxmlformats.org/presentationml/2006/main">
-  <p:cSld>
-    <p:spTree>
-      <p:nvGrpSpPr>
-        <p:cNvPr id="1" name=""/>
-        <p:cNvGrpSpPr/>
-        <p:nvPr/>
-      </p:nvGrpSpPr>
-      <p:grpSpPr>
-        <a:xfrm>
-          <a:off x="0" y="0"/>
-          <a:ext cx="0" cy="0"/>
-          <a:chOff x="0" y="0"/>
-          <a:chExt cx="0" cy="0"/>
-        </a:xfrm>
-      </p:grpSpPr>
-      <p:sp>
-        <p:nvSpPr>
-          <p:cNvPr id="2" name="Titel 1"/>
-          <p:cNvSpPr>
-            <a:spLocks noGrp="1"/>
-          </p:cNvSpPr>
-          <p:nvPr>
-            <p:ph type="title"/>
-          </p:nvPr>
-        </p:nvSpPr>
-        <p:spPr/>
-        <p:txBody>
-          <a:bodyPr/>
-          <a:lstStyle/>
-          <a:p>
-            <a:r>
-              <a:rPr lang="nl-NL" dirty="0" err="1" smtClean="0"/>
-              <a:t>Exercise</a:t>
-            </a:r>
-            <a:r>
-              <a:rPr lang="nl-NL" dirty="0" smtClean="0"/>
-              <a:t> 1</a:t>
-            </a:r>
-            <a:endParaRPr lang="nl-NL" dirty="0"/>
-          </a:p>
-        </p:txBody>
-      </p:sp>
-      <p:sp>
-        <p:nvSpPr>
-          <p:cNvPr id="3" name="Tijdelijke aanduiding voor inhoud 2"/>
-          <p:cNvSpPr>
-            <a:spLocks noGrp="1"/>
-          </p:cNvSpPr>
-          <p:nvPr>
-            <p:ph idx="1"/>
-          </p:nvPr>
-        </p:nvSpPr>
-        <p:spPr>
-          <a:xfrm>
-            <a:off x="762000" y="1762125"/>
-            <a:ext cx="7881938" cy="3822585"/>
-          </a:xfrm>
-        </p:spPr>
-        <p:txBody>
-          <a:bodyPr/>
-          <a:lstStyle/>
-          <a:p>
-            <a:r>
-              <a:rPr lang="nl-NL" sz="2400" dirty="0" smtClean="0"/>
-              <a:t>For </a:t>
-            </a:r>
-            <a:r>
-              <a:rPr lang="nl-NL" sz="2400" dirty="0" err="1" smtClean="0"/>
-              <a:t>exercise</a:t>
-            </a:r>
-            <a:r>
-              <a:rPr lang="nl-NL" sz="2400" dirty="0" smtClean="0"/>
-              <a:t> 1, </a:t>
-            </a:r>
-            <a:r>
-              <a:rPr lang="nl-NL" sz="2400" dirty="0" err="1" smtClean="0"/>
-              <a:t>some</a:t>
-            </a:r>
-            <a:r>
-              <a:rPr lang="nl-NL" sz="2400" dirty="0" smtClean="0"/>
-              <a:t> pre-processing has been </a:t>
-            </a:r>
-            <a:r>
-              <a:rPr lang="nl-NL" sz="2400" dirty="0" err="1" smtClean="0"/>
-              <a:t>done</a:t>
-            </a:r>
-            <a:r>
-              <a:rPr lang="nl-NL" sz="2400" dirty="0" smtClean="0"/>
-              <a:t>:</a:t>
-            </a:r>
-            <a:endParaRPr lang="nl-NL" sz="2400" dirty="0"/>
-          </a:p>
-          <a:p>
-            <a:endParaRPr lang="nl-NL" sz="2400" dirty="0" smtClean="0"/>
-          </a:p>
-          <a:p>
-            <a:pPr lvl="1"/>
-            <a:r>
-              <a:rPr lang="nl-NL" sz="2200" dirty="0" err="1" smtClean="0"/>
-              <a:t>Filling</a:t>
-            </a:r>
-            <a:r>
-              <a:rPr lang="nl-NL" sz="2200" dirty="0" smtClean="0"/>
-              <a:t> the </a:t>
-            </a:r>
-            <a:r>
-              <a:rPr lang="nl-NL" sz="2200" dirty="0" err="1" smtClean="0"/>
-              <a:t>NaN</a:t>
-            </a:r>
-            <a:r>
-              <a:rPr lang="nl-NL" sz="2200" dirty="0" smtClean="0"/>
-              <a:t> of </a:t>
-            </a:r>
-            <a:r>
-              <a:rPr lang="nl-NL" sz="2200" dirty="0" err="1" smtClean="0"/>
-              <a:t>unrated</a:t>
-            </a:r>
-            <a:r>
-              <a:rPr lang="nl-NL" sz="2200" dirty="0" smtClean="0"/>
-              <a:t> </a:t>
-            </a:r>
-            <a:r>
-              <a:rPr lang="nl-NL" sz="2200" dirty="0" err="1" smtClean="0"/>
-              <a:t>movies</a:t>
-            </a:r>
-            <a:r>
-              <a:rPr lang="nl-NL" sz="2200" dirty="0" smtClean="0"/>
-              <a:t> </a:t>
-            </a:r>
-            <a:r>
-              <a:rPr lang="nl-NL" sz="2200" dirty="0" err="1" smtClean="0"/>
-              <a:t>with</a:t>
-            </a:r>
-            <a:r>
-              <a:rPr lang="nl-NL" sz="2200" dirty="0" smtClean="0"/>
-              <a:t> 0 (</a:t>
-            </a:r>
-            <a:r>
-              <a:rPr lang="nl-NL" sz="2200" dirty="0" err="1" smtClean="0"/>
-              <a:t>not</a:t>
-            </a:r>
-            <a:r>
-              <a:rPr lang="nl-NL" sz="2200" dirty="0" smtClean="0"/>
-              <a:t> at </a:t>
-            </a:r>
-            <a:r>
-              <a:rPr lang="nl-NL" sz="2200" dirty="0" err="1" smtClean="0"/>
-              <a:t>all</a:t>
-            </a:r>
-            <a:r>
-              <a:rPr lang="nl-NL" sz="2200" dirty="0" smtClean="0"/>
-              <a:t> a </a:t>
-            </a:r>
-            <a:r>
-              <a:rPr lang="nl-NL" sz="2200" dirty="0" err="1" smtClean="0"/>
-              <a:t>great</a:t>
-            </a:r>
-            <a:r>
-              <a:rPr lang="nl-NL" sz="2200" dirty="0" smtClean="0"/>
-              <a:t> solution -&gt; </a:t>
-            </a:r>
-            <a:r>
-              <a:rPr lang="nl-NL" sz="2200" dirty="0" err="1" smtClean="0"/>
-              <a:t>why</a:t>
-            </a:r>
-            <a:r>
-              <a:rPr lang="nl-NL" sz="2200" dirty="0" smtClean="0"/>
-              <a:t> </a:t>
-            </a:r>
-            <a:r>
-              <a:rPr lang="nl-NL" sz="2200" dirty="0" err="1" smtClean="0"/>
-              <a:t>not</a:t>
-            </a:r>
-            <a:r>
-              <a:rPr lang="nl-NL" sz="2200" dirty="0" smtClean="0"/>
-              <a:t>?)</a:t>
-            </a:r>
-          </a:p>
-          <a:p>
-            <a:endParaRPr lang="nl-NL" sz="2400" dirty="0"/>
-          </a:p>
-          <a:p>
-            <a:pPr lvl="1"/>
-            <a:r>
-              <a:rPr lang="nl-NL" sz="2200" dirty="0" smtClean="0"/>
-              <a:t>Ordering the columns of the dataframe from most </a:t>
-            </a:r>
-            <a:r>
-              <a:rPr lang="nl-NL" sz="2200" dirty="0" err="1" smtClean="0"/>
-              <a:t>frequently</a:t>
-            </a:r>
-            <a:r>
-              <a:rPr lang="nl-NL" sz="2200" dirty="0" smtClean="0"/>
-              <a:t> </a:t>
-            </a:r>
-            <a:r>
-              <a:rPr lang="nl-NL" sz="2200" dirty="0" err="1" smtClean="0"/>
-              <a:t>rated</a:t>
-            </a:r>
-            <a:r>
-              <a:rPr lang="nl-NL" sz="2200" dirty="0" smtClean="0"/>
-              <a:t> </a:t>
-            </a:r>
-            <a:r>
-              <a:rPr lang="nl-NL" sz="2200" dirty="0" err="1" smtClean="0"/>
-              <a:t>to</a:t>
-            </a:r>
-            <a:r>
-              <a:rPr lang="nl-NL" sz="2200" dirty="0" smtClean="0"/>
-              <a:t> </a:t>
-            </a:r>
-            <a:r>
-              <a:rPr lang="nl-NL" sz="2200" dirty="0" err="1" smtClean="0"/>
-              <a:t>least</a:t>
-            </a:r>
-            <a:r>
-              <a:rPr lang="nl-NL" sz="2200" dirty="0" smtClean="0"/>
-              <a:t> </a:t>
-            </a:r>
-            <a:r>
-              <a:rPr lang="nl-NL" sz="2200" dirty="0" err="1" smtClean="0"/>
-              <a:t>frequently</a:t>
-            </a:r>
-            <a:r>
-              <a:rPr lang="nl-NL" sz="2200" dirty="0" smtClean="0"/>
-              <a:t> </a:t>
-            </a:r>
-            <a:r>
-              <a:rPr lang="nl-NL" sz="2200" dirty="0" err="1" smtClean="0"/>
-              <a:t>rated</a:t>
-            </a:r>
-            <a:endParaRPr lang="nl-NL" sz="2200" dirty="0"/>
-          </a:p>
-          <a:p>
-            <a:endParaRPr lang="nl-NL" sz="2400" dirty="0" smtClean="0"/>
-          </a:p>
-          <a:p>
-            <a:r>
-              <a:rPr lang="nl-NL" sz="2400" dirty="0" err="1" smtClean="0"/>
-              <a:t>Your</a:t>
-            </a:r>
-            <a:r>
-              <a:rPr lang="nl-NL" sz="2400" dirty="0" smtClean="0"/>
-              <a:t> job is </a:t>
-            </a:r>
-            <a:r>
-              <a:rPr lang="nl-NL" sz="2400" dirty="0" err="1" smtClean="0"/>
-              <a:t>to</a:t>
-            </a:r>
-            <a:r>
-              <a:rPr lang="nl-NL" sz="2400" dirty="0" smtClean="0"/>
-              <a:t> finish the </a:t>
-            </a:r>
-            <a:r>
-              <a:rPr lang="nl-NL" sz="2400" dirty="0" err="1" smtClean="0"/>
-              <a:t>example</a:t>
-            </a:r>
-            <a:r>
-              <a:rPr lang="nl-NL" sz="2400" dirty="0" smtClean="0"/>
-              <a:t> code</a:t>
-            </a:r>
-            <a:endParaRPr lang="nl-NL" sz="2400" dirty="0"/>
-          </a:p>
-        </p:txBody>
-      </p:sp>
-    </p:spTree>
-    <p:extLst>
-      <p:ext uri="{BB962C8B-B14F-4D97-AF65-F5344CB8AC3E}">
-        <p14:creationId xmlns:p14="http://schemas.microsoft.com/office/powerpoint/2010/main" val="2138475806"/>
-      </p:ext>
-    </p:extLst>
-  </p:cSld>
-  <p:clrMapOvr>
-    <a:masterClrMapping/>
-  </p:clrMapOvr>
-</p:sld>
-</file>
-
-<file path=ppt/slides/slide9.xml><?xml version="1.0" encoding="utf-8"?>
-<p:sld xmlns:a="http://schemas.openxmlformats.org/drawingml/2006/main" xmlns:r="http://schemas.openxmlformats.org/officeDocument/2006/relationships" xmlns:p="http://schemas.openxmlformats.org/presentationml/2006/main">
-  <p:cSld>
-    <p:spTree>
-      <p:nvGrpSpPr>
-        <p:cNvPr id="1" name=""/>
-        <p:cNvGrpSpPr/>
-        <p:nvPr/>
-      </p:nvGrpSpPr>
-      <p:grpSpPr>
-        <a:xfrm>
-          <a:off x="0" y="0"/>
-          <a:ext cx="0" cy="0"/>
-          <a:chOff x="0" y="0"/>
-          <a:chExt cx="0" cy="0"/>
-        </a:xfrm>
-      </p:grpSpPr>
-      <p:sp>
-        <p:nvSpPr>
-          <p:cNvPr id="2" name="Titel 1"/>
-          <p:cNvSpPr>
-            <a:spLocks noGrp="1"/>
-          </p:cNvSpPr>
-          <p:nvPr>
-            <p:ph type="title"/>
-          </p:nvPr>
-        </p:nvSpPr>
-        <p:spPr/>
-        <p:txBody>
-          <a:bodyPr/>
-          <a:lstStyle/>
-          <a:p>
-            <a:r>
-              <a:rPr lang="nl-NL" dirty="0" err="1" smtClean="0"/>
-              <a:t>Exercise</a:t>
-            </a:r>
-            <a:r>
-              <a:rPr lang="nl-NL" dirty="0" smtClean="0"/>
-              <a:t> </a:t>
-            </a:r>
-            <a:r>
-              <a:rPr lang="nl-NL" dirty="0" smtClean="0"/>
-              <a:t>1: </a:t>
-            </a:r>
-            <a:r>
-              <a:rPr lang="nl-NL" dirty="0" smtClean="0"/>
-              <a:t>clustering users</a:t>
-            </a:r>
-            <a:endParaRPr lang="nl-NL" dirty="0"/>
-          </a:p>
-        </p:txBody>
-      </p:sp>
-      <p:sp>
-        <p:nvSpPr>
-          <p:cNvPr id="4" name="Tijdelijke aanduiding voor inhoud 2"/>
-          <p:cNvSpPr txBox="1">
-            <a:spLocks/>
-          </p:cNvSpPr>
-          <p:nvPr/>
-        </p:nvSpPr>
-        <p:spPr bwMode="auto">
-          <a:xfrm>
-            <a:off x="683568" y="1340768"/>
-            <a:ext cx="7881938" cy="6124754"/>
-          </a:xfrm>
-          <a:prstGeom prst="rect">
-            <a:avLst/>
-          </a:prstGeom>
-          <a:noFill/>
-          <a:ln w="9525">
-            <a:noFill/>
-            <a:miter lim="800000"/>
-            <a:headEnd/>
-            <a:tailEnd/>
-          </a:ln>
-          <a:effectLst/>
-        </p:spPr>
-        <p:txBody>
-          <a:bodyPr vert="horz" wrap="square" lIns="91440" tIns="45720" rIns="91440" bIns="45720" numCol="1" anchor="t" anchorCtr="0" compatLnSpc="1">
-            <a:prstTxWarp prst="textNoShape">
-              <a:avLst/>
-            </a:prstTxWarp>
-            <a:spAutoFit/>
-          </a:bodyPr>
-          <a:lstStyle>
-            <a:lvl1pPr marL="342900" indent="-342900" algn="l" rtl="0" fontAlgn="base">
-              <a:spcBef>
-                <a:spcPct val="20000"/>
-              </a:spcBef>
-              <a:spcAft>
-                <a:spcPct val="0"/>
-              </a:spcAft>
-              <a:buClr>
-                <a:srgbClr val="ED0010"/>
-              </a:buClr>
-              <a:buSzPct val="60000"/>
-              <a:buFont typeface="Zapf Dingbats" charset="2"/>
-              <a:buChar char="n"/>
-              <a:defRPr sz="2800">
-                <a:solidFill>
-                  <a:srgbClr val="000000"/>
-                </a:solidFill>
-                <a:latin typeface="+mn-lt"/>
-                <a:ea typeface="+mn-ea"/>
-                <a:cs typeface="+mn-cs"/>
-              </a:defRPr>
-            </a:lvl1pPr>
-            <a:lvl2pPr marL="819150" indent="-285750" algn="l" rtl="0" fontAlgn="base">
-              <a:spcBef>
-                <a:spcPct val="20000"/>
-              </a:spcBef>
-              <a:spcAft>
-                <a:spcPct val="0"/>
-              </a:spcAft>
-              <a:buClr>
-                <a:schemeClr val="accent1"/>
-              </a:buClr>
-              <a:buSzPct val="60000"/>
-              <a:buFont typeface="Zapf Dingbats" charset="2"/>
-              <a:buChar char="n"/>
-              <a:defRPr sz="2600">
-                <a:solidFill>
-                  <a:srgbClr val="000000"/>
-                </a:solidFill>
-                <a:latin typeface="+mn-lt"/>
-              </a:defRPr>
-            </a:lvl2pPr>
-            <a:lvl3pPr marL="1143000" indent="-228600" algn="l" rtl="0" fontAlgn="base">
-              <a:spcBef>
-                <a:spcPct val="20000"/>
-              </a:spcBef>
-              <a:spcAft>
-                <a:spcPct val="0"/>
-              </a:spcAft>
-              <a:buClr>
-                <a:schemeClr val="accent1"/>
-              </a:buClr>
-              <a:buSzPct val="60000"/>
-              <a:buFont typeface="Zapf Dingbats" charset="2"/>
-              <a:buChar char="n"/>
-              <a:defRPr sz="2400">
-                <a:solidFill>
-                  <a:srgbClr val="000000"/>
-                </a:solidFill>
-                <a:latin typeface="+mn-lt"/>
-              </a:defRPr>
-            </a:lvl3pPr>
-            <a:lvl4pPr marL="1562100" indent="-228600" algn="l" rtl="0" fontAlgn="base">
-              <a:spcBef>
-                <a:spcPct val="20000"/>
-              </a:spcBef>
-              <a:spcAft>
-                <a:spcPct val="0"/>
-              </a:spcAft>
-              <a:buClr>
-                <a:schemeClr val="accent1"/>
-              </a:buClr>
-              <a:buSzPct val="60000"/>
-              <a:buFont typeface="Zapf Dingbats" charset="2"/>
-              <a:buChar char="n"/>
-              <a:defRPr sz="2200">
-                <a:solidFill>
-                  <a:srgbClr val="000000"/>
-                </a:solidFill>
-                <a:latin typeface="+mn-lt"/>
-              </a:defRPr>
-            </a:lvl4pPr>
-            <a:lvl5pPr marL="1981200" indent="-228600" algn="l" rtl="0" fontAlgn="base">
-              <a:spcBef>
-                <a:spcPct val="20000"/>
-              </a:spcBef>
-              <a:spcAft>
-                <a:spcPct val="0"/>
-              </a:spcAft>
-              <a:buClr>
-                <a:schemeClr val="accent1"/>
-              </a:buClr>
-              <a:buSzPct val="60000"/>
-              <a:buFont typeface="Zapf Dingbats" charset="2"/>
-              <a:buChar char="n"/>
-              <a:defRPr sz="2000">
-                <a:solidFill>
-                  <a:srgbClr val="000000"/>
-                </a:solidFill>
-                <a:latin typeface="+mn-lt"/>
-              </a:defRPr>
-            </a:lvl5pPr>
-            <a:lvl6pPr marL="2438400" indent="-228600" algn="l" rtl="0" fontAlgn="base">
-              <a:spcBef>
-                <a:spcPct val="20000"/>
-              </a:spcBef>
-              <a:spcAft>
-                <a:spcPct val="0"/>
-              </a:spcAft>
-              <a:buClr>
-                <a:schemeClr val="accent1"/>
-              </a:buClr>
-              <a:buSzPct val="60000"/>
-              <a:buFont typeface="Zapf Dingbats" charset="2"/>
-              <a:buChar char="n"/>
-              <a:defRPr sz="2000">
-                <a:solidFill>
-                  <a:srgbClr val="000000"/>
-                </a:solidFill>
-                <a:latin typeface="+mn-lt"/>
-              </a:defRPr>
-            </a:lvl6pPr>
-            <a:lvl7pPr marL="2895600" indent="-228600" algn="l" rtl="0" fontAlgn="base">
-              <a:spcBef>
-                <a:spcPct val="20000"/>
-              </a:spcBef>
-              <a:spcAft>
-                <a:spcPct val="0"/>
-              </a:spcAft>
-              <a:buClr>
-                <a:schemeClr val="accent1"/>
-              </a:buClr>
-              <a:buSzPct val="60000"/>
-              <a:buFont typeface="Zapf Dingbats" charset="2"/>
-              <a:buChar char="n"/>
-              <a:defRPr sz="2000">
-                <a:solidFill>
-                  <a:srgbClr val="000000"/>
-                </a:solidFill>
-                <a:latin typeface="+mn-lt"/>
-              </a:defRPr>
-            </a:lvl7pPr>
-            <a:lvl8pPr marL="3352800" indent="-228600" algn="l" rtl="0" fontAlgn="base">
-              <a:spcBef>
-                <a:spcPct val="20000"/>
-              </a:spcBef>
-              <a:spcAft>
-                <a:spcPct val="0"/>
-              </a:spcAft>
-              <a:buClr>
-                <a:schemeClr val="accent1"/>
-              </a:buClr>
-              <a:buSzPct val="60000"/>
-              <a:buFont typeface="Zapf Dingbats" charset="2"/>
-              <a:buChar char="n"/>
-              <a:defRPr sz="2000">
-                <a:solidFill>
-                  <a:srgbClr val="000000"/>
-                </a:solidFill>
-                <a:latin typeface="+mn-lt"/>
-              </a:defRPr>
-            </a:lvl8pPr>
-            <a:lvl9pPr marL="3810000" indent="-228600" algn="l" rtl="0" fontAlgn="base">
-              <a:spcBef>
-                <a:spcPct val="20000"/>
-              </a:spcBef>
-              <a:spcAft>
-                <a:spcPct val="0"/>
-              </a:spcAft>
-              <a:buClr>
-                <a:schemeClr val="accent1"/>
-              </a:buClr>
-              <a:buSzPct val="60000"/>
-              <a:buFont typeface="Zapf Dingbats" charset="2"/>
-              <a:buChar char="n"/>
-              <a:defRPr sz="2000">
-                <a:solidFill>
-                  <a:srgbClr val="000000"/>
-                </a:solidFill>
-                <a:latin typeface="+mn-lt"/>
-              </a:defRPr>
-            </a:lvl9pPr>
-          </a:lstStyle>
-          <a:p>
-            <a:pPr marL="0" indent="0">
-              <a:buFont typeface="Zapf Dingbats" charset="2"/>
-              <a:buNone/>
-            </a:pPr>
-            <a:r>
-              <a:rPr lang="nl-NL" sz="1400" kern="0" dirty="0" smtClean="0">
-                <a:latin typeface="Courier New" panose="02070309020205020404" pitchFamily="49" charset="0"/>
-                <a:cs typeface="Courier New" panose="02070309020205020404" pitchFamily="49" charset="0"/>
-              </a:rPr>
-              <a:t>In this </a:t>
-            </a:r>
-            <a:r>
-              <a:rPr lang="nl-NL" sz="1400" kern="0" dirty="0" err="1" smtClean="0">
-                <a:latin typeface="Courier New" panose="02070309020205020404" pitchFamily="49" charset="0"/>
-                <a:cs typeface="Courier New" panose="02070309020205020404" pitchFamily="49" charset="0"/>
-              </a:rPr>
-              <a:t>Exercise</a:t>
-            </a:r>
-            <a:r>
-              <a:rPr lang="nl-NL" sz="1400" kern="0" dirty="0" smtClean="0">
-                <a:latin typeface="Courier New" panose="02070309020205020404" pitchFamily="49" charset="0"/>
-                <a:cs typeface="Courier New" panose="02070309020205020404" pitchFamily="49" charset="0"/>
-              </a:rPr>
-              <a:t>, </a:t>
-            </a:r>
-            <a:r>
-              <a:rPr lang="nl-NL" sz="1400" kern="0" dirty="0" err="1" smtClean="0">
-                <a:latin typeface="Courier New" panose="02070309020205020404" pitchFamily="49" charset="0"/>
-                <a:cs typeface="Courier New" panose="02070309020205020404" pitchFamily="49" charset="0"/>
-              </a:rPr>
-              <a:t>you</a:t>
-            </a:r>
-            <a:r>
-              <a:rPr lang="nl-NL" sz="1400" kern="0" dirty="0" smtClean="0">
-                <a:latin typeface="Courier New" panose="02070309020205020404" pitchFamily="49" charset="0"/>
-                <a:cs typeface="Courier New" panose="02070309020205020404" pitchFamily="49" charset="0"/>
-              </a:rPr>
-              <a:t> </a:t>
-            </a:r>
-            <a:r>
-              <a:rPr lang="nl-NL" sz="1400" kern="0" dirty="0" err="1" smtClean="0">
-                <a:latin typeface="Courier New" panose="02070309020205020404" pitchFamily="49" charset="0"/>
-                <a:cs typeface="Courier New" panose="02070309020205020404" pitchFamily="49" charset="0"/>
-              </a:rPr>
-              <a:t>will</a:t>
-            </a:r>
-            <a:r>
-              <a:rPr lang="nl-NL" sz="1400" kern="0" dirty="0" smtClean="0">
-                <a:latin typeface="Courier New" panose="02070309020205020404" pitchFamily="49" charset="0"/>
-                <a:cs typeface="Courier New" panose="02070309020205020404" pitchFamily="49" charset="0"/>
-              </a:rPr>
-              <a:t> </a:t>
-            </a:r>
-            <a:r>
-              <a:rPr lang="nl-NL" sz="1400" kern="0" dirty="0" err="1" smtClean="0">
-                <a:latin typeface="Courier New" panose="02070309020205020404" pitchFamily="49" charset="0"/>
-                <a:cs typeface="Courier New" panose="02070309020205020404" pitchFamily="49" charset="0"/>
-              </a:rPr>
-              <a:t>use</a:t>
-            </a:r>
-            <a:r>
-              <a:rPr lang="nl-NL" sz="1400" kern="0" dirty="0" smtClean="0">
-                <a:latin typeface="Courier New" panose="02070309020205020404" pitchFamily="49" charset="0"/>
-                <a:cs typeface="Courier New" panose="02070309020205020404" pitchFamily="49" charset="0"/>
-              </a:rPr>
-              <a:t> the Movielens data </a:t>
-            </a:r>
-            <a:r>
-              <a:rPr lang="nl-NL" sz="1400" kern="0" dirty="0" err="1" smtClean="0">
-                <a:latin typeface="Courier New" panose="02070309020205020404" pitchFamily="49" charset="0"/>
-                <a:cs typeface="Courier New" panose="02070309020205020404" pitchFamily="49" charset="0"/>
-              </a:rPr>
-              <a:t>to</a:t>
-            </a:r>
-            <a:r>
-              <a:rPr lang="nl-NL" sz="1400" kern="0" dirty="0" smtClean="0">
-                <a:latin typeface="Courier New" panose="02070309020205020404" pitchFamily="49" charset="0"/>
-                <a:cs typeface="Courier New" panose="02070309020205020404" pitchFamily="49" charset="0"/>
-              </a:rPr>
-              <a:t> </a:t>
-            </a:r>
-            <a:r>
-              <a:rPr lang="nl-NL" sz="1400" kern="0" dirty="0" err="1" smtClean="0">
-                <a:latin typeface="Courier New" panose="02070309020205020404" pitchFamily="49" charset="0"/>
-                <a:cs typeface="Courier New" panose="02070309020205020404" pitchFamily="49" charset="0"/>
-              </a:rPr>
-              <a:t>find</a:t>
-            </a:r>
-            <a:r>
-              <a:rPr lang="nl-NL" sz="1400" kern="0" dirty="0" smtClean="0">
-                <a:latin typeface="Courier New" panose="02070309020205020404" pitchFamily="49" charset="0"/>
-                <a:cs typeface="Courier New" panose="02070309020205020404" pitchFamily="49" charset="0"/>
-              </a:rPr>
-              <a:t> user clusters </a:t>
-            </a:r>
-            <a:r>
-              <a:rPr lang="nl-NL" sz="1400" kern="0" dirty="0" err="1" smtClean="0">
-                <a:latin typeface="Courier New" panose="02070309020205020404" pitchFamily="49" charset="0"/>
-                <a:cs typeface="Courier New" panose="02070309020205020404" pitchFamily="49" charset="0"/>
-              </a:rPr>
-              <a:t>with</a:t>
-            </a:r>
-            <a:r>
-              <a:rPr lang="nl-NL" sz="1400" kern="0" dirty="0" smtClean="0">
-                <a:latin typeface="Courier New" panose="02070309020205020404" pitchFamily="49" charset="0"/>
-                <a:cs typeface="Courier New" panose="02070309020205020404" pitchFamily="49" charset="0"/>
-              </a:rPr>
-              <a:t> </a:t>
-            </a:r>
-            <a:r>
-              <a:rPr lang="nl-NL" sz="1400" kern="0" dirty="0" err="1" smtClean="0">
-                <a:latin typeface="Courier New" panose="02070309020205020404" pitchFamily="49" charset="0"/>
-                <a:cs typeface="Courier New" panose="02070309020205020404" pitchFamily="49" charset="0"/>
-              </a:rPr>
-              <a:t>similar</a:t>
-            </a:r>
-            <a:r>
-              <a:rPr lang="nl-NL" sz="1400" kern="0" dirty="0" smtClean="0">
-                <a:latin typeface="Courier New" panose="02070309020205020404" pitchFamily="49" charset="0"/>
-                <a:cs typeface="Courier New" panose="02070309020205020404" pitchFamily="49" charset="0"/>
-              </a:rPr>
-              <a:t> taste</a:t>
-            </a:r>
-            <a:r>
-              <a:rPr lang="nl-NL" sz="1400" kern="0" dirty="0" smtClean="0">
-                <a:latin typeface="Courier New" panose="02070309020205020404" pitchFamily="49" charset="0"/>
-                <a:cs typeface="Courier New" panose="02070309020205020404" pitchFamily="49" charset="0"/>
-              </a:rPr>
-              <a:t>. The first part has been </a:t>
-            </a:r>
-            <a:r>
-              <a:rPr lang="nl-NL" sz="1400" kern="0" dirty="0" err="1" smtClean="0">
-                <a:latin typeface="Courier New" panose="02070309020205020404" pitchFamily="49" charset="0"/>
-                <a:cs typeface="Courier New" panose="02070309020205020404" pitchFamily="49" charset="0"/>
-              </a:rPr>
-              <a:t>done</a:t>
-            </a:r>
-            <a:r>
-              <a:rPr lang="nl-NL" sz="1400" kern="0" dirty="0" smtClean="0">
-                <a:latin typeface="Courier New" panose="02070309020205020404" pitchFamily="49" charset="0"/>
-                <a:cs typeface="Courier New" panose="02070309020205020404" pitchFamily="49" charset="0"/>
-              </a:rPr>
-              <a:t>, </a:t>
-            </a:r>
-            <a:r>
-              <a:rPr lang="nl-NL" sz="1400" kern="0" dirty="0" err="1" smtClean="0">
-                <a:latin typeface="Courier New" panose="02070309020205020404" pitchFamily="49" charset="0"/>
-                <a:cs typeface="Courier New" panose="02070309020205020404" pitchFamily="49" charset="0"/>
-              </a:rPr>
-              <a:t>see</a:t>
-            </a:r>
-            <a:r>
-              <a:rPr lang="nl-NL" sz="1400" kern="0" dirty="0" smtClean="0">
-                <a:latin typeface="Courier New" panose="02070309020205020404" pitchFamily="49" charset="0"/>
-                <a:cs typeface="Courier New" panose="02070309020205020404" pitchFamily="49" charset="0"/>
-              </a:rPr>
-              <a:t> </a:t>
-            </a:r>
-            <a:r>
-              <a:rPr lang="nl-NL" sz="1400" i="1" kern="0" dirty="0" err="1" smtClean="0">
-                <a:latin typeface="Courier New" panose="02070309020205020404" pitchFamily="49" charset="0"/>
-                <a:cs typeface="Courier New" panose="02070309020205020404" pitchFamily="49" charset="0"/>
-              </a:rPr>
-              <a:t>movielens_clustering</a:t>
-            </a:r>
-            <a:r>
-              <a:rPr lang="nl-NL" sz="1400" kern="0" dirty="0" smtClean="0">
-                <a:latin typeface="Courier New" panose="02070309020205020404" pitchFamily="49" charset="0"/>
-                <a:cs typeface="Courier New" panose="02070309020205020404" pitchFamily="49" charset="0"/>
-              </a:rPr>
-              <a:t> in the </a:t>
-            </a:r>
-            <a:r>
-              <a:rPr lang="nl-NL" sz="1400" i="1" kern="0" dirty="0" err="1" smtClean="0">
-                <a:latin typeface="Courier New" panose="02070309020205020404" pitchFamily="49" charset="0"/>
-                <a:cs typeface="Courier New" panose="02070309020205020404" pitchFamily="49" charset="0"/>
-              </a:rPr>
-              <a:t>Examples</a:t>
-            </a:r>
-            <a:r>
-              <a:rPr lang="nl-NL" sz="1400" kern="0" dirty="0" smtClean="0">
-                <a:latin typeface="Courier New" panose="02070309020205020404" pitchFamily="49" charset="0"/>
-                <a:cs typeface="Courier New" panose="02070309020205020404" pitchFamily="49" charset="0"/>
-              </a:rPr>
-              <a:t> folder.</a:t>
-            </a:r>
-            <a:endParaRPr lang="nl-NL" sz="1400" kern="0" dirty="0" smtClean="0">
-              <a:latin typeface="Courier New" panose="02070309020205020404" pitchFamily="49" charset="0"/>
-              <a:cs typeface="Courier New" panose="02070309020205020404" pitchFamily="49" charset="0"/>
-            </a:endParaRPr>
-          </a:p>
-          <a:p>
-            <a:pPr marL="0" indent="0">
-              <a:buFont typeface="Zapf Dingbats" charset="2"/>
-              <a:buNone/>
-            </a:pPr>
-            <a:endParaRPr lang="nl-NL" sz="1400" kern="0" dirty="0">
-              <a:latin typeface="Courier New" panose="02070309020205020404" pitchFamily="49" charset="0"/>
-              <a:cs typeface="Courier New" panose="02070309020205020404" pitchFamily="49" charset="0"/>
-            </a:endParaRPr>
-          </a:p>
-          <a:p>
-            <a:pPr>
-              <a:buFont typeface="+mj-lt"/>
-              <a:buAutoNum type="arabicPeriod"/>
-            </a:pPr>
-            <a:r>
-              <a:rPr lang="nl-NL" sz="1400" kern="0" dirty="0" err="1" smtClean="0">
-                <a:latin typeface="Courier New" panose="02070309020205020404" pitchFamily="49" charset="0"/>
-                <a:cs typeface="Courier New" panose="02070309020205020404" pitchFamily="49" charset="0"/>
-              </a:rPr>
-              <a:t>What</a:t>
-            </a:r>
-            <a:r>
-              <a:rPr lang="nl-NL" sz="1400" kern="0" dirty="0" smtClean="0">
-                <a:latin typeface="Courier New" panose="02070309020205020404" pitchFamily="49" charset="0"/>
-                <a:cs typeface="Courier New" panose="02070309020205020404" pitchFamily="49" charset="0"/>
-              </a:rPr>
-              <a:t> </a:t>
-            </a:r>
-            <a:r>
-              <a:rPr lang="nl-NL" sz="1400" kern="0" dirty="0" err="1" smtClean="0">
-                <a:latin typeface="Courier New" panose="02070309020205020404" pitchFamily="49" charset="0"/>
-                <a:cs typeface="Courier New" panose="02070309020205020404" pitchFamily="49" charset="0"/>
-              </a:rPr>
-              <a:t>would</a:t>
-            </a:r>
-            <a:r>
-              <a:rPr lang="nl-NL" sz="1400" kern="0" dirty="0" smtClean="0">
-                <a:latin typeface="Courier New" panose="02070309020205020404" pitchFamily="49" charset="0"/>
-                <a:cs typeface="Courier New" panose="02070309020205020404" pitchFamily="49" charset="0"/>
-              </a:rPr>
-              <a:t> </a:t>
-            </a:r>
-            <a:r>
-              <a:rPr lang="nl-NL" sz="1400" kern="0" dirty="0" err="1" smtClean="0">
-                <a:latin typeface="Courier New" panose="02070309020205020404" pitchFamily="49" charset="0"/>
-                <a:cs typeface="Courier New" panose="02070309020205020404" pitchFamily="49" charset="0"/>
-              </a:rPr>
-              <a:t>be</a:t>
-            </a:r>
-            <a:r>
-              <a:rPr lang="nl-NL" sz="1400" kern="0" dirty="0" smtClean="0">
-                <a:latin typeface="Courier New" panose="02070309020205020404" pitchFamily="49" charset="0"/>
-                <a:cs typeface="Courier New" panose="02070309020205020404" pitchFamily="49" charset="0"/>
-              </a:rPr>
-              <a:t> a </a:t>
-            </a:r>
-            <a:r>
-              <a:rPr lang="nl-NL" sz="1400" kern="0" dirty="0" err="1" smtClean="0">
-                <a:latin typeface="Courier New" panose="02070309020205020404" pitchFamily="49" charset="0"/>
-                <a:cs typeface="Courier New" panose="02070309020205020404" pitchFamily="49" charset="0"/>
-              </a:rPr>
-              <a:t>suitable</a:t>
-            </a:r>
-            <a:r>
-              <a:rPr lang="nl-NL" sz="1400" kern="0" dirty="0" smtClean="0">
-                <a:latin typeface="Courier New" panose="02070309020205020404" pitchFamily="49" charset="0"/>
-                <a:cs typeface="Courier New" panose="02070309020205020404" pitchFamily="49" charset="0"/>
-              </a:rPr>
-              <a:t> </a:t>
-            </a:r>
-            <a:r>
-              <a:rPr lang="nl-NL" sz="1400" kern="0" dirty="0" err="1" smtClean="0">
-                <a:latin typeface="Courier New" panose="02070309020205020404" pitchFamily="49" charset="0"/>
-                <a:cs typeface="Courier New" panose="02070309020205020404" pitchFamily="49" charset="0"/>
-              </a:rPr>
-              <a:t>number</a:t>
-            </a:r>
-            <a:r>
-              <a:rPr lang="nl-NL" sz="1400" kern="0" dirty="0" smtClean="0">
-                <a:latin typeface="Courier New" panose="02070309020205020404" pitchFamily="49" charset="0"/>
-                <a:cs typeface="Courier New" panose="02070309020205020404" pitchFamily="49" charset="0"/>
-              </a:rPr>
-              <a:t> of clusters </a:t>
-            </a:r>
-            <a:r>
-              <a:rPr lang="nl-NL" sz="1400" kern="0" dirty="0" err="1" smtClean="0">
-                <a:latin typeface="Courier New" panose="02070309020205020404" pitchFamily="49" charset="0"/>
-                <a:cs typeface="Courier New" panose="02070309020205020404" pitchFamily="49" charset="0"/>
-              </a:rPr>
-              <a:t>to</a:t>
-            </a:r>
-            <a:r>
-              <a:rPr lang="nl-NL" sz="1400" kern="0" dirty="0" smtClean="0">
-                <a:latin typeface="Courier New" panose="02070309020205020404" pitchFamily="49" charset="0"/>
-                <a:cs typeface="Courier New" panose="02070309020205020404" pitchFamily="49" charset="0"/>
-              </a:rPr>
-              <a:t> </a:t>
-            </a:r>
-            <a:r>
-              <a:rPr lang="nl-NL" sz="1400" kern="0" dirty="0" err="1" smtClean="0">
-                <a:latin typeface="Courier New" panose="02070309020205020404" pitchFamily="49" charset="0"/>
-                <a:cs typeface="Courier New" panose="02070309020205020404" pitchFamily="49" charset="0"/>
-              </a:rPr>
-              <a:t>divide</a:t>
-            </a:r>
-            <a:r>
-              <a:rPr lang="nl-NL" sz="1400" kern="0" dirty="0" smtClean="0">
-                <a:latin typeface="Courier New" panose="02070309020205020404" pitchFamily="49" charset="0"/>
-                <a:cs typeface="Courier New" panose="02070309020205020404" pitchFamily="49" charset="0"/>
-              </a:rPr>
-              <a:t> </a:t>
-            </a:r>
-            <a:r>
-              <a:rPr lang="nl-NL" sz="1400" kern="0" dirty="0" err="1" smtClean="0">
-                <a:latin typeface="Courier New" panose="02070309020205020404" pitchFamily="49" charset="0"/>
-                <a:cs typeface="Courier New" panose="02070309020205020404" pitchFamily="49" charset="0"/>
-              </a:rPr>
-              <a:t>moviegoers</a:t>
-            </a:r>
-            <a:r>
-              <a:rPr lang="nl-NL" sz="1400" kern="0" dirty="0" smtClean="0">
-                <a:latin typeface="Courier New" panose="02070309020205020404" pitchFamily="49" charset="0"/>
-                <a:cs typeface="Courier New" panose="02070309020205020404" pitchFamily="49" charset="0"/>
-              </a:rPr>
-              <a:t> </a:t>
-            </a:r>
-            <a:r>
-              <a:rPr lang="nl-NL" sz="1400" kern="0" dirty="0" err="1" smtClean="0">
-                <a:latin typeface="Courier New" panose="02070309020205020404" pitchFamily="49" charset="0"/>
-                <a:cs typeface="Courier New" panose="02070309020205020404" pitchFamily="49" charset="0"/>
-              </a:rPr>
-              <a:t>into</a:t>
-            </a:r>
-            <a:r>
-              <a:rPr lang="nl-NL" sz="1400" kern="0" dirty="0" smtClean="0">
-                <a:latin typeface="Courier New" panose="02070309020205020404" pitchFamily="49" charset="0"/>
-                <a:cs typeface="Courier New" panose="02070309020205020404" pitchFamily="49" charset="0"/>
-              </a:rPr>
-              <a:t>? </a:t>
-            </a:r>
-          </a:p>
-          <a:p>
-            <a:pPr>
-              <a:buFont typeface="+mj-lt"/>
-              <a:buAutoNum type="arabicPeriod"/>
-            </a:pPr>
-            <a:endParaRPr lang="nl-NL" sz="1400" kern="0" dirty="0">
-              <a:latin typeface="Courier New" panose="02070309020205020404" pitchFamily="49" charset="0"/>
-              <a:cs typeface="Courier New" panose="02070309020205020404" pitchFamily="49" charset="0"/>
-            </a:endParaRPr>
-          </a:p>
-          <a:p>
-            <a:pPr>
-              <a:buFont typeface="+mj-lt"/>
-              <a:buAutoNum type="arabicPeriod"/>
-            </a:pPr>
-            <a:r>
-              <a:rPr lang="nl-NL" sz="1400" kern="0" dirty="0" err="1" smtClean="0">
-                <a:latin typeface="Courier New" panose="02070309020205020404" pitchFamily="49" charset="0"/>
-                <a:cs typeface="Courier New" panose="02070309020205020404" pitchFamily="49" charset="0"/>
-              </a:rPr>
-              <a:t>Apply</a:t>
-            </a:r>
-            <a:r>
-              <a:rPr lang="nl-NL" sz="1400" kern="0" dirty="0" smtClean="0">
-                <a:latin typeface="Courier New" panose="02070309020205020404" pitchFamily="49" charset="0"/>
-                <a:cs typeface="Courier New" panose="02070309020205020404" pitchFamily="49" charset="0"/>
-              </a:rPr>
-              <a:t> the </a:t>
-            </a:r>
-            <a:r>
-              <a:rPr lang="nl-NL" sz="1400" i="1" kern="0" dirty="0" smtClean="0">
-                <a:latin typeface="Courier New" panose="02070309020205020404" pitchFamily="49" charset="0"/>
-                <a:cs typeface="Courier New" panose="02070309020205020404" pitchFamily="49" charset="0"/>
-              </a:rPr>
-              <a:t>k</a:t>
-            </a:r>
-            <a:r>
-              <a:rPr lang="nl-NL" sz="1400" kern="0" dirty="0" smtClean="0">
-                <a:latin typeface="Courier New" panose="02070309020205020404" pitchFamily="49" charset="0"/>
-                <a:cs typeface="Courier New" panose="02070309020205020404" pitchFamily="49" charset="0"/>
-              </a:rPr>
-              <a:t>-means </a:t>
-            </a:r>
-            <a:r>
-              <a:rPr lang="nl-NL" sz="1400" kern="0" dirty="0" err="1" smtClean="0">
-                <a:latin typeface="Courier New" panose="02070309020205020404" pitchFamily="49" charset="0"/>
-                <a:cs typeface="Courier New" panose="02070309020205020404" pitchFamily="49" charset="0"/>
-              </a:rPr>
-              <a:t>algorithm</a:t>
-            </a:r>
-            <a:r>
-              <a:rPr lang="nl-NL" sz="1400" kern="0" dirty="0" smtClean="0">
-                <a:latin typeface="Courier New" panose="02070309020205020404" pitchFamily="49" charset="0"/>
-                <a:cs typeface="Courier New" panose="02070309020205020404" pitchFamily="49" charset="0"/>
-              </a:rPr>
-              <a:t> </a:t>
-            </a:r>
-            <a:r>
-              <a:rPr lang="nl-NL" sz="1400" kern="0" dirty="0" err="1" smtClean="0">
-                <a:latin typeface="Courier New" panose="02070309020205020404" pitchFamily="49" charset="0"/>
-                <a:cs typeface="Courier New" panose="02070309020205020404" pitchFamily="49" charset="0"/>
-              </a:rPr>
-              <a:t>to</a:t>
-            </a:r>
-            <a:r>
-              <a:rPr lang="nl-NL" sz="1400" kern="0" dirty="0" smtClean="0">
-                <a:latin typeface="Courier New" panose="02070309020205020404" pitchFamily="49" charset="0"/>
-                <a:cs typeface="Courier New" panose="02070309020205020404" pitchFamily="49" charset="0"/>
-              </a:rPr>
-              <a:t> the Movielens user-item matrix </a:t>
-            </a:r>
-            <a:r>
-              <a:rPr lang="nl-NL" sz="1400" kern="0" dirty="0" err="1" smtClean="0">
-                <a:latin typeface="Courier New" panose="02070309020205020404" pitchFamily="49" charset="0"/>
-                <a:cs typeface="Courier New" panose="02070309020205020404" pitchFamily="49" charset="0"/>
-              </a:rPr>
-              <a:t>that</a:t>
-            </a:r>
-            <a:r>
-              <a:rPr lang="nl-NL" sz="1400" kern="0" dirty="0" smtClean="0">
-                <a:latin typeface="Courier New" panose="02070309020205020404" pitchFamily="49" charset="0"/>
-                <a:cs typeface="Courier New" panose="02070309020205020404" pitchFamily="49" charset="0"/>
-              </a:rPr>
-              <a:t> </a:t>
-            </a:r>
-            <a:r>
-              <a:rPr lang="nl-NL" sz="1400" kern="0" dirty="0" smtClean="0">
-                <a:latin typeface="Courier New" panose="02070309020205020404" pitchFamily="49" charset="0"/>
-                <a:cs typeface="Courier New" panose="02070309020205020404" pitchFamily="49" charset="0"/>
-              </a:rPr>
-              <a:t>is in the code. </a:t>
-            </a:r>
-            <a:r>
-              <a:rPr lang="nl-NL" sz="1400" kern="0" dirty="0" smtClean="0">
-                <a:latin typeface="Courier New" panose="02070309020205020404" pitchFamily="49" charset="0"/>
-                <a:cs typeface="Courier New" panose="02070309020205020404" pitchFamily="49" charset="0"/>
-              </a:rPr>
-              <a:t>Store the cluster </a:t>
-            </a:r>
-            <a:r>
-              <a:rPr lang="nl-NL" sz="1400" kern="0" dirty="0" err="1" smtClean="0">
-                <a:latin typeface="Courier New" panose="02070309020205020404" pitchFamily="49" charset="0"/>
-                <a:cs typeface="Courier New" panose="02070309020205020404" pitchFamily="49" charset="0"/>
-              </a:rPr>
-              <a:t>predictions</a:t>
-            </a:r>
-            <a:r>
-              <a:rPr lang="nl-NL" sz="1400" kern="0" dirty="0">
-                <a:latin typeface="Courier New" panose="02070309020205020404" pitchFamily="49" charset="0"/>
-                <a:cs typeface="Courier New" panose="02070309020205020404" pitchFamily="49" charset="0"/>
-              </a:rPr>
-              <a:t> </a:t>
-            </a:r>
-            <a:r>
-              <a:rPr lang="nl-NL" sz="1400" kern="0" dirty="0" smtClean="0">
-                <a:latin typeface="Courier New" panose="02070309020205020404" pitchFamily="49" charset="0"/>
-                <a:cs typeface="Courier New" panose="02070309020205020404" pitchFamily="49" charset="0"/>
-              </a:rPr>
-              <a:t>in the </a:t>
-            </a:r>
-            <a:r>
-              <a:rPr lang="nl-NL" sz="1400" b="1" kern="0" dirty="0" err="1" smtClean="0">
-                <a:latin typeface="Courier New" panose="02070309020205020404" pitchFamily="49" charset="0"/>
-                <a:cs typeface="Courier New" panose="02070309020205020404" pitchFamily="49" charset="0"/>
-              </a:rPr>
-              <a:t>original</a:t>
-            </a:r>
-            <a:r>
-              <a:rPr lang="nl-NL" sz="1400" b="1" kern="0" dirty="0" smtClean="0">
-                <a:latin typeface="Courier New" panose="02070309020205020404" pitchFamily="49" charset="0"/>
-                <a:cs typeface="Courier New" panose="02070309020205020404" pitchFamily="49" charset="0"/>
-              </a:rPr>
-              <a:t> </a:t>
-            </a:r>
-            <a:r>
-              <a:rPr lang="nl-NL" sz="1400" i="1" kern="0" dirty="0" smtClean="0">
-                <a:latin typeface="Courier New" panose="02070309020205020404" pitchFamily="49" charset="0"/>
-                <a:cs typeface="Courier New" panose="02070309020205020404" pitchFamily="49" charset="0"/>
-              </a:rPr>
-              <a:t>ratings </a:t>
-            </a:r>
-            <a:r>
-              <a:rPr lang="nl-NL" sz="1400" kern="0" dirty="0" smtClean="0">
-                <a:latin typeface="Courier New" panose="02070309020205020404" pitchFamily="49" charset="0"/>
-                <a:cs typeface="Courier New" panose="02070309020205020404" pitchFamily="49" charset="0"/>
-              </a:rPr>
-              <a:t>dataframe </a:t>
-            </a:r>
-            <a:r>
-              <a:rPr lang="nl-NL" sz="1400" kern="0" dirty="0" err="1" smtClean="0">
-                <a:latin typeface="Courier New" panose="02070309020205020404" pitchFamily="49" charset="0"/>
-                <a:cs typeface="Courier New" panose="02070309020205020404" pitchFamily="49" charset="0"/>
-              </a:rPr>
-              <a:t>and</a:t>
-            </a:r>
-            <a:r>
-              <a:rPr lang="nl-NL" sz="1400" kern="0" dirty="0" smtClean="0">
-                <a:latin typeface="Courier New" panose="02070309020205020404" pitchFamily="49" charset="0"/>
-                <a:cs typeface="Courier New" panose="02070309020205020404" pitchFamily="49" charset="0"/>
-              </a:rPr>
-              <a:t> continue </a:t>
-            </a:r>
-            <a:r>
-              <a:rPr lang="nl-NL" sz="1400" kern="0" dirty="0" err="1" smtClean="0">
-                <a:latin typeface="Courier New" panose="02070309020205020404" pitchFamily="49" charset="0"/>
-                <a:cs typeface="Courier New" panose="02070309020205020404" pitchFamily="49" charset="0"/>
-              </a:rPr>
-              <a:t>working</a:t>
-            </a:r>
-            <a:r>
-              <a:rPr lang="nl-NL" sz="1400" kern="0" dirty="0" smtClean="0">
-                <a:latin typeface="Courier New" panose="02070309020205020404" pitchFamily="49" charset="0"/>
-                <a:cs typeface="Courier New" panose="02070309020205020404" pitchFamily="49" charset="0"/>
-              </a:rPr>
-              <a:t> </a:t>
-            </a:r>
-            <a:r>
-              <a:rPr lang="nl-NL" sz="1400" kern="0" dirty="0" err="1" smtClean="0">
-                <a:latin typeface="Courier New" panose="02070309020205020404" pitchFamily="49" charset="0"/>
-                <a:cs typeface="Courier New" panose="02070309020205020404" pitchFamily="49" charset="0"/>
-              </a:rPr>
-              <a:t>with</a:t>
-            </a:r>
-            <a:r>
-              <a:rPr lang="nl-NL" sz="1400" kern="0" dirty="0" smtClean="0">
-                <a:latin typeface="Courier New" panose="02070309020205020404" pitchFamily="49" charset="0"/>
-                <a:cs typeface="Courier New" panose="02070309020205020404" pitchFamily="49" charset="0"/>
-              </a:rPr>
-              <a:t> </a:t>
-            </a:r>
-            <a:r>
-              <a:rPr lang="nl-NL" sz="1400" kern="0" dirty="0" err="1" smtClean="0">
-                <a:latin typeface="Courier New" panose="02070309020205020404" pitchFamily="49" charset="0"/>
-                <a:cs typeface="Courier New" panose="02070309020205020404" pitchFamily="49" charset="0"/>
-              </a:rPr>
-              <a:t>that</a:t>
-            </a:r>
-            <a:r>
-              <a:rPr lang="nl-NL" sz="1400" kern="0" dirty="0" smtClean="0">
-                <a:latin typeface="Courier New" panose="02070309020205020404" pitchFamily="49" charset="0"/>
-                <a:cs typeface="Courier New" panose="02070309020205020404" pitchFamily="49" charset="0"/>
-              </a:rPr>
-              <a:t> dataframe (</a:t>
-            </a:r>
-            <a:r>
-              <a:rPr lang="nl-NL" sz="1400" kern="0" dirty="0" err="1" smtClean="0">
-                <a:latin typeface="Courier New" panose="02070309020205020404" pitchFamily="49" charset="0"/>
-                <a:cs typeface="Courier New" panose="02070309020205020404" pitchFamily="49" charset="0"/>
-              </a:rPr>
-              <a:t>why</a:t>
-            </a:r>
-            <a:r>
-              <a:rPr lang="nl-NL" sz="1400" kern="0" dirty="0" smtClean="0">
-                <a:latin typeface="Courier New" panose="02070309020205020404" pitchFamily="49" charset="0"/>
-                <a:cs typeface="Courier New" panose="02070309020205020404" pitchFamily="49" charset="0"/>
-              </a:rPr>
-              <a:t>?).</a:t>
-            </a:r>
-          </a:p>
-          <a:p>
-            <a:pPr>
-              <a:buFont typeface="+mj-lt"/>
-              <a:buAutoNum type="arabicPeriod"/>
-            </a:pPr>
-            <a:endParaRPr lang="nl-NL" sz="1400" kern="0" dirty="0">
-              <a:latin typeface="Courier New" panose="02070309020205020404" pitchFamily="49" charset="0"/>
-              <a:cs typeface="Courier New" panose="02070309020205020404" pitchFamily="49" charset="0"/>
-            </a:endParaRPr>
-          </a:p>
-          <a:p>
-            <a:pPr>
-              <a:buFont typeface="+mj-lt"/>
-              <a:buAutoNum type="arabicPeriod"/>
-            </a:pPr>
-            <a:r>
-              <a:rPr lang="nl-NL" sz="1400" kern="0" dirty="0" smtClean="0">
-                <a:latin typeface="Courier New" panose="02070309020205020404" pitchFamily="49" charset="0"/>
-                <a:cs typeface="Courier New" panose="02070309020205020404" pitchFamily="49" charset="0"/>
-              </a:rPr>
-              <a:t>How </a:t>
-            </a:r>
-            <a:r>
-              <a:rPr lang="nl-NL" sz="1400" kern="0" dirty="0" err="1" smtClean="0">
-                <a:latin typeface="Courier New" panose="02070309020205020404" pitchFamily="49" charset="0"/>
-                <a:cs typeface="Courier New" panose="02070309020205020404" pitchFamily="49" charset="0"/>
-              </a:rPr>
-              <a:t>many</a:t>
-            </a:r>
-            <a:r>
-              <a:rPr lang="nl-NL" sz="1400" kern="0" dirty="0" smtClean="0">
-                <a:latin typeface="Courier New" panose="02070309020205020404" pitchFamily="49" charset="0"/>
-                <a:cs typeface="Courier New" panose="02070309020205020404" pitchFamily="49" charset="0"/>
-              </a:rPr>
-              <a:t> users are </a:t>
-            </a:r>
-            <a:r>
-              <a:rPr lang="nl-NL" sz="1400" kern="0" dirty="0" err="1" smtClean="0">
-                <a:latin typeface="Courier New" panose="02070309020205020404" pitchFamily="49" charset="0"/>
-                <a:cs typeface="Courier New" panose="02070309020205020404" pitchFamily="49" charset="0"/>
-              </a:rPr>
-              <a:t>there</a:t>
-            </a:r>
-            <a:r>
-              <a:rPr lang="nl-NL" sz="1400" kern="0" dirty="0" smtClean="0">
-                <a:latin typeface="Courier New" panose="02070309020205020404" pitchFamily="49" charset="0"/>
-                <a:cs typeface="Courier New" panose="02070309020205020404" pitchFamily="49" charset="0"/>
-              </a:rPr>
-              <a:t> per cluster (</a:t>
-            </a:r>
-            <a:r>
-              <a:rPr lang="nl-NL" sz="1400" kern="0" dirty="0" err="1" smtClean="0">
-                <a:latin typeface="Courier New" panose="02070309020205020404" pitchFamily="49" charset="0"/>
-                <a:cs typeface="Courier New" panose="02070309020205020404" pitchFamily="49" charset="0"/>
-              </a:rPr>
-              <a:t>which</a:t>
-            </a:r>
-            <a:r>
-              <a:rPr lang="nl-NL" sz="1400" kern="0" dirty="0" smtClean="0">
-                <a:latin typeface="Courier New" panose="02070309020205020404" pitchFamily="49" charset="0"/>
-                <a:cs typeface="Courier New" panose="02070309020205020404" pitchFamily="49" charset="0"/>
-              </a:rPr>
-              <a:t> </a:t>
-            </a:r>
-            <a:r>
-              <a:rPr lang="nl-NL" sz="1400" kern="0" dirty="0" err="1" smtClean="0">
-                <a:latin typeface="Courier New" panose="02070309020205020404" pitchFamily="49" charset="0"/>
-                <a:cs typeface="Courier New" panose="02070309020205020404" pitchFamily="49" charset="0"/>
-              </a:rPr>
-              <a:t>Pandas</a:t>
-            </a:r>
-            <a:r>
-              <a:rPr lang="nl-NL" sz="1400" kern="0" dirty="0" smtClean="0">
-                <a:latin typeface="Courier New" panose="02070309020205020404" pitchFamily="49" charset="0"/>
-                <a:cs typeface="Courier New" panose="02070309020205020404" pitchFamily="49" charset="0"/>
-              </a:rPr>
-              <a:t> </a:t>
-            </a:r>
-            <a:r>
-              <a:rPr lang="nl-NL" sz="1400" kern="0" dirty="0" err="1" smtClean="0">
-                <a:latin typeface="Courier New" panose="02070309020205020404" pitchFamily="49" charset="0"/>
-                <a:cs typeface="Courier New" panose="02070309020205020404" pitchFamily="49" charset="0"/>
-              </a:rPr>
-              <a:t>function</a:t>
-            </a:r>
-            <a:r>
-              <a:rPr lang="nl-NL" sz="1400" kern="0" dirty="0" smtClean="0">
-                <a:latin typeface="Courier New" panose="02070309020205020404" pitchFamily="49" charset="0"/>
-                <a:cs typeface="Courier New" panose="02070309020205020404" pitchFamily="49" charset="0"/>
-              </a:rPr>
-              <a:t> do </a:t>
-            </a:r>
-            <a:r>
-              <a:rPr lang="nl-NL" sz="1400" kern="0" dirty="0" err="1" smtClean="0">
-                <a:latin typeface="Courier New" panose="02070309020205020404" pitchFamily="49" charset="0"/>
-                <a:cs typeface="Courier New" panose="02070309020205020404" pitchFamily="49" charset="0"/>
-              </a:rPr>
-              <a:t>you</a:t>
-            </a:r>
-            <a:r>
-              <a:rPr lang="nl-NL" sz="1400" kern="0" dirty="0" smtClean="0">
-                <a:latin typeface="Courier New" panose="02070309020205020404" pitchFamily="49" charset="0"/>
-                <a:cs typeface="Courier New" panose="02070309020205020404" pitchFamily="49" charset="0"/>
-              </a:rPr>
-              <a:t> </a:t>
-            </a:r>
-            <a:r>
-              <a:rPr lang="nl-NL" sz="1400" kern="0" dirty="0" err="1" smtClean="0">
-                <a:latin typeface="Courier New" panose="02070309020205020404" pitchFamily="49" charset="0"/>
-                <a:cs typeface="Courier New" panose="02070309020205020404" pitchFamily="49" charset="0"/>
-              </a:rPr>
-              <a:t>need</a:t>
-            </a:r>
-            <a:r>
-              <a:rPr lang="nl-NL" sz="1400" kern="0" dirty="0" smtClean="0">
-                <a:latin typeface="Courier New" panose="02070309020205020404" pitchFamily="49" charset="0"/>
-                <a:cs typeface="Courier New" panose="02070309020205020404" pitchFamily="49" charset="0"/>
-              </a:rPr>
-              <a:t>?)?</a:t>
-            </a:r>
-            <a:endParaRPr lang="nl-NL" sz="1400" kern="0" dirty="0" smtClean="0">
-              <a:latin typeface="Courier New" panose="02070309020205020404" pitchFamily="49" charset="0"/>
-              <a:cs typeface="Courier New" panose="02070309020205020404" pitchFamily="49" charset="0"/>
-            </a:endParaRPr>
-          </a:p>
-          <a:p>
-            <a:pPr>
-              <a:buFont typeface="+mj-lt"/>
-              <a:buAutoNum type="arabicPeriod"/>
-            </a:pPr>
-            <a:endParaRPr lang="nl-NL" sz="1400" kern="0" dirty="0">
-              <a:latin typeface="Courier New" panose="02070309020205020404" pitchFamily="49" charset="0"/>
-              <a:cs typeface="Courier New" panose="02070309020205020404" pitchFamily="49" charset="0"/>
-            </a:endParaRPr>
-          </a:p>
-          <a:p>
-            <a:pPr>
-              <a:buFont typeface="+mj-lt"/>
-              <a:buAutoNum type="arabicPeriod"/>
-            </a:pPr>
-            <a:r>
-              <a:rPr lang="nl-NL" sz="1400" kern="0" dirty="0" err="1" smtClean="0">
-                <a:latin typeface="Courier New" panose="02070309020205020404" pitchFamily="49" charset="0"/>
-                <a:cs typeface="Courier New" panose="02070309020205020404" pitchFamily="49" charset="0"/>
-              </a:rPr>
-              <a:t>Calculate</a:t>
-            </a:r>
-            <a:r>
-              <a:rPr lang="nl-NL" sz="1400" kern="0" dirty="0" smtClean="0">
-                <a:latin typeface="Courier New" panose="02070309020205020404" pitchFamily="49" charset="0"/>
-                <a:cs typeface="Courier New" panose="02070309020205020404" pitchFamily="49" charset="0"/>
-              </a:rPr>
-              <a:t> the mean rating </a:t>
-            </a:r>
-            <a:r>
-              <a:rPr lang="nl-NL" sz="1400" kern="0" dirty="0" err="1" smtClean="0">
-                <a:latin typeface="Courier New" panose="02070309020205020404" pitchFamily="49" charset="0"/>
-                <a:cs typeface="Courier New" panose="02070309020205020404" pitchFamily="49" charset="0"/>
-              </a:rPr>
-              <a:t>by</a:t>
-            </a:r>
-            <a:r>
-              <a:rPr lang="nl-NL" sz="1400" kern="0" dirty="0" smtClean="0">
-                <a:latin typeface="Courier New" panose="02070309020205020404" pitchFamily="49" charset="0"/>
-                <a:cs typeface="Courier New" panose="02070309020205020404" pitchFamily="49" charset="0"/>
-              </a:rPr>
-              <a:t> user cluster </a:t>
-            </a:r>
-            <a:r>
-              <a:rPr lang="nl-NL" sz="1400" kern="0" dirty="0" err="1" smtClean="0">
-                <a:latin typeface="Courier New" panose="02070309020205020404" pitchFamily="49" charset="0"/>
-                <a:cs typeface="Courier New" panose="02070309020205020404" pitchFamily="49" charset="0"/>
-              </a:rPr>
-              <a:t>using</a:t>
-            </a:r>
-            <a:r>
-              <a:rPr lang="nl-NL" sz="1400" kern="0" dirty="0" smtClean="0">
-                <a:latin typeface="Courier New" panose="02070309020205020404" pitchFamily="49" charset="0"/>
-                <a:cs typeface="Courier New" panose="02070309020205020404" pitchFamily="49" charset="0"/>
-              </a:rPr>
-              <a:t> the </a:t>
-            </a:r>
-            <a:r>
-              <a:rPr lang="nl-NL" sz="1400" kern="0" dirty="0" err="1" smtClean="0">
-                <a:latin typeface="Courier New" panose="02070309020205020404" pitchFamily="49" charset="0"/>
-                <a:cs typeface="Courier New" panose="02070309020205020404" pitchFamily="49" charset="0"/>
-              </a:rPr>
-              <a:t>Pandas</a:t>
-            </a:r>
-            <a:r>
-              <a:rPr lang="nl-NL" sz="1400" kern="0" dirty="0" smtClean="0">
-                <a:latin typeface="Courier New" panose="02070309020205020404" pitchFamily="49" charset="0"/>
-                <a:cs typeface="Courier New" panose="02070309020205020404" pitchFamily="49" charset="0"/>
-              </a:rPr>
-              <a:t> </a:t>
-            </a:r>
-            <a:r>
-              <a:rPr lang="nl-NL" sz="1400" i="1" kern="0" dirty="0" err="1" smtClean="0">
-                <a:latin typeface="Courier New" panose="02070309020205020404" pitchFamily="49" charset="0"/>
-                <a:cs typeface="Courier New" panose="02070309020205020404" pitchFamily="49" charset="0"/>
-              </a:rPr>
-              <a:t>pivot_table</a:t>
-            </a:r>
-            <a:r>
-              <a:rPr lang="nl-NL" sz="1400" i="1" kern="0" dirty="0" smtClean="0">
-                <a:latin typeface="Courier New" panose="02070309020205020404" pitchFamily="49" charset="0"/>
-                <a:cs typeface="Courier New" panose="02070309020205020404" pitchFamily="49" charset="0"/>
-              </a:rPr>
-              <a:t> </a:t>
-            </a:r>
-            <a:r>
-              <a:rPr lang="nl-NL" sz="1400" kern="0" dirty="0" err="1" smtClean="0">
-                <a:latin typeface="Courier New" panose="02070309020205020404" pitchFamily="49" charset="0"/>
-                <a:cs typeface="Courier New" panose="02070309020205020404" pitchFamily="49" charset="0"/>
-              </a:rPr>
-              <a:t>function</a:t>
-            </a:r>
-            <a:r>
-              <a:rPr lang="nl-NL" sz="1400" kern="0" dirty="0" smtClean="0">
-                <a:latin typeface="Courier New" panose="02070309020205020404" pitchFamily="49" charset="0"/>
-                <a:cs typeface="Courier New" panose="02070309020205020404" pitchFamily="49" charset="0"/>
-              </a:rPr>
-              <a:t>. </a:t>
-            </a:r>
-            <a:r>
-              <a:rPr lang="nl-NL" sz="1400" kern="0" dirty="0" err="1" smtClean="0">
-                <a:latin typeface="Courier New" panose="02070309020205020404" pitchFamily="49" charset="0"/>
-                <a:cs typeface="Courier New" panose="02070309020205020404" pitchFamily="49" charset="0"/>
-              </a:rPr>
-              <a:t>Pandas</a:t>
-            </a:r>
-            <a:r>
-              <a:rPr lang="nl-NL" sz="1400" kern="0" dirty="0" smtClean="0">
-                <a:latin typeface="Courier New" panose="02070309020205020404" pitchFamily="49" charset="0"/>
-                <a:cs typeface="Courier New" panose="02070309020205020404" pitchFamily="49" charset="0"/>
-              </a:rPr>
-              <a:t> </a:t>
-            </a:r>
-            <a:r>
-              <a:rPr lang="nl-NL" sz="1400" kern="0" dirty="0" err="1" smtClean="0">
-                <a:latin typeface="Courier New" panose="02070309020205020404" pitchFamily="49" charset="0"/>
-                <a:cs typeface="Courier New" panose="02070309020205020404" pitchFamily="49" charset="0"/>
-              </a:rPr>
-              <a:t>will</a:t>
-            </a:r>
-            <a:r>
-              <a:rPr lang="nl-NL" sz="1400" kern="0" dirty="0" smtClean="0">
-                <a:latin typeface="Courier New" panose="02070309020205020404" pitchFamily="49" charset="0"/>
-                <a:cs typeface="Courier New" panose="02070309020205020404" pitchFamily="49" charset="0"/>
-              </a:rPr>
-              <a:t> </a:t>
-            </a:r>
-            <a:r>
-              <a:rPr lang="nl-NL" sz="1400" kern="0" dirty="0" err="1" smtClean="0">
-                <a:latin typeface="Courier New" panose="02070309020205020404" pitchFamily="49" charset="0"/>
-                <a:cs typeface="Courier New" panose="02070309020205020404" pitchFamily="49" charset="0"/>
-              </a:rPr>
-              <a:t>sort</a:t>
-            </a:r>
-            <a:r>
-              <a:rPr lang="nl-NL" sz="1400" kern="0" dirty="0" smtClean="0">
-                <a:latin typeface="Courier New" panose="02070309020205020404" pitchFamily="49" charset="0"/>
-                <a:cs typeface="Courier New" panose="02070309020205020404" pitchFamily="49" charset="0"/>
-              </a:rPr>
-              <a:t> </a:t>
-            </a:r>
-            <a:r>
-              <a:rPr lang="nl-NL" sz="1400" kern="0" dirty="0" err="1" smtClean="0">
-                <a:latin typeface="Courier New" panose="02070309020205020404" pitchFamily="49" charset="0"/>
-                <a:cs typeface="Courier New" panose="02070309020205020404" pitchFamily="49" charset="0"/>
-              </a:rPr>
-              <a:t>alphabetically</a:t>
-            </a:r>
-            <a:r>
-              <a:rPr lang="nl-NL" sz="1400" kern="0" dirty="0" smtClean="0">
-                <a:latin typeface="Courier New" panose="02070309020205020404" pitchFamily="49" charset="0"/>
-                <a:cs typeface="Courier New" panose="02070309020205020404" pitchFamily="49" charset="0"/>
-              </a:rPr>
-              <a:t>, </a:t>
-            </a:r>
-            <a:r>
-              <a:rPr lang="nl-NL" sz="1400" kern="0" dirty="0" err="1" smtClean="0">
-                <a:latin typeface="Courier New" panose="02070309020205020404" pitchFamily="49" charset="0"/>
-                <a:cs typeface="Courier New" panose="02070309020205020404" pitchFamily="49" charset="0"/>
-              </a:rPr>
-              <a:t>so</a:t>
-            </a:r>
-            <a:r>
-              <a:rPr lang="nl-NL" sz="1400" kern="0" dirty="0" smtClean="0">
-                <a:latin typeface="Courier New" panose="02070309020205020404" pitchFamily="49" charset="0"/>
-                <a:cs typeface="Courier New" panose="02070309020205020404" pitchFamily="49" charset="0"/>
-              </a:rPr>
-              <a:t> </a:t>
-            </a:r>
-            <a:r>
-              <a:rPr lang="nl-NL" sz="1400" kern="0" dirty="0" err="1" smtClean="0">
-                <a:latin typeface="Courier New" panose="02070309020205020404" pitchFamily="49" charset="0"/>
-                <a:cs typeface="Courier New" panose="02070309020205020404" pitchFamily="49" charset="0"/>
-              </a:rPr>
-              <a:t>you</a:t>
-            </a:r>
-            <a:r>
-              <a:rPr lang="nl-NL" sz="1400" kern="0" dirty="0" smtClean="0">
-                <a:latin typeface="Courier New" panose="02070309020205020404" pitchFamily="49" charset="0"/>
-                <a:cs typeface="Courier New" panose="02070309020205020404" pitchFamily="49" charset="0"/>
-              </a:rPr>
-              <a:t> </a:t>
-            </a:r>
-            <a:r>
-              <a:rPr lang="nl-NL" sz="1400" kern="0" dirty="0" err="1" smtClean="0">
-                <a:latin typeface="Courier New" panose="02070309020205020404" pitchFamily="49" charset="0"/>
-                <a:cs typeface="Courier New" panose="02070309020205020404" pitchFamily="49" charset="0"/>
-              </a:rPr>
-              <a:t>will</a:t>
-            </a:r>
-            <a:r>
-              <a:rPr lang="nl-NL" sz="1400" kern="0" dirty="0" smtClean="0">
-                <a:latin typeface="Courier New" panose="02070309020205020404" pitchFamily="49" charset="0"/>
-                <a:cs typeface="Courier New" panose="02070309020205020404" pitchFamily="49" charset="0"/>
-              </a:rPr>
-              <a:t> </a:t>
-            </a:r>
-            <a:r>
-              <a:rPr lang="nl-NL" sz="1400" kern="0" dirty="0" err="1" smtClean="0">
-                <a:latin typeface="Courier New" panose="02070309020205020404" pitchFamily="49" charset="0"/>
-                <a:cs typeface="Courier New" panose="02070309020205020404" pitchFamily="49" charset="0"/>
-              </a:rPr>
-              <a:t>need</a:t>
-            </a:r>
-            <a:r>
-              <a:rPr lang="nl-NL" sz="1400" kern="0" dirty="0" smtClean="0">
-                <a:latin typeface="Courier New" panose="02070309020205020404" pitchFamily="49" charset="0"/>
-                <a:cs typeface="Courier New" panose="02070309020205020404" pitchFamily="49" charset="0"/>
-              </a:rPr>
-              <a:t> </a:t>
-            </a:r>
-            <a:r>
-              <a:rPr lang="nl-NL" sz="1400" kern="0" dirty="0" err="1" smtClean="0">
-                <a:latin typeface="Courier New" panose="02070309020205020404" pitchFamily="49" charset="0"/>
-                <a:cs typeface="Courier New" panose="02070309020205020404" pitchFamily="49" charset="0"/>
-              </a:rPr>
-              <a:t>to</a:t>
-            </a:r>
-            <a:r>
-              <a:rPr lang="nl-NL" sz="1400" kern="0" dirty="0" smtClean="0">
-                <a:latin typeface="Courier New" panose="02070309020205020404" pitchFamily="49" charset="0"/>
-                <a:cs typeface="Courier New" panose="02070309020205020404" pitchFamily="49" charset="0"/>
-              </a:rPr>
-              <a:t> </a:t>
-            </a:r>
-            <a:r>
-              <a:rPr lang="nl-NL" sz="1400" kern="0" dirty="0" err="1" smtClean="0">
-                <a:latin typeface="Courier New" panose="02070309020205020404" pitchFamily="49" charset="0"/>
-                <a:cs typeface="Courier New" panose="02070309020205020404" pitchFamily="49" charset="0"/>
-              </a:rPr>
-              <a:t>reorder</a:t>
-            </a:r>
-            <a:r>
-              <a:rPr lang="nl-NL" sz="1400" kern="0" dirty="0" smtClean="0">
-                <a:latin typeface="Courier New" panose="02070309020205020404" pitchFamily="49" charset="0"/>
-                <a:cs typeface="Courier New" panose="02070309020205020404" pitchFamily="49" charset="0"/>
-              </a:rPr>
-              <a:t> </a:t>
-            </a:r>
-            <a:r>
-              <a:rPr lang="nl-NL" sz="1400" kern="0" dirty="0" err="1" smtClean="0">
-                <a:latin typeface="Courier New" panose="02070309020205020404" pitchFamily="49" charset="0"/>
-                <a:cs typeface="Courier New" panose="02070309020205020404" pitchFamily="49" charset="0"/>
-              </a:rPr>
-              <a:t>your</a:t>
-            </a:r>
-            <a:r>
-              <a:rPr lang="nl-NL" sz="1400" kern="0" dirty="0" smtClean="0">
-                <a:latin typeface="Courier New" panose="02070309020205020404" pitchFamily="49" charset="0"/>
-                <a:cs typeface="Courier New" panose="02070309020205020404" pitchFamily="49" charset="0"/>
-              </a:rPr>
-              <a:t> pivot </a:t>
-            </a:r>
-            <a:r>
-              <a:rPr lang="nl-NL" sz="1400" kern="0" dirty="0" err="1" smtClean="0">
-                <a:latin typeface="Courier New" panose="02070309020205020404" pitchFamily="49" charset="0"/>
-                <a:cs typeface="Courier New" panose="02070309020205020404" pitchFamily="49" charset="0"/>
-              </a:rPr>
-              <a:t>table</a:t>
-            </a:r>
-            <a:r>
-              <a:rPr lang="nl-NL" sz="1400" kern="0" dirty="0" smtClean="0">
-                <a:latin typeface="Courier New" panose="02070309020205020404" pitchFamily="49" charset="0"/>
-                <a:cs typeface="Courier New" panose="02070309020205020404" pitchFamily="49" charset="0"/>
-              </a:rPr>
-              <a:t> </a:t>
-            </a:r>
-            <a:r>
-              <a:rPr lang="nl-NL" sz="1400" kern="0" dirty="0" err="1" smtClean="0">
-                <a:latin typeface="Courier New" panose="02070309020205020404" pitchFamily="49" charset="0"/>
-                <a:cs typeface="Courier New" panose="02070309020205020404" pitchFamily="49" charset="0"/>
-              </a:rPr>
-              <a:t>with</a:t>
-            </a:r>
-            <a:r>
-              <a:rPr lang="nl-NL" sz="1400" kern="0" dirty="0" smtClean="0">
-                <a:latin typeface="Courier New" panose="02070309020205020404" pitchFamily="49" charset="0"/>
-                <a:cs typeface="Courier New" panose="02070309020205020404" pitchFamily="49" charset="0"/>
-              </a:rPr>
-              <a:t> </a:t>
-            </a:r>
-            <a:r>
-              <a:rPr lang="nl-NL" sz="1400" i="1" kern="0" dirty="0" err="1" smtClean="0">
-                <a:latin typeface="Courier New" panose="02070309020205020404" pitchFamily="49" charset="0"/>
-                <a:cs typeface="Courier New" panose="02070309020205020404" pitchFamily="49" charset="0"/>
-              </a:rPr>
-              <a:t>my_pivot</a:t>
-            </a:r>
-            <a:r>
-              <a:rPr lang="nl-NL" sz="1400" i="1" kern="0" dirty="0" err="1" smtClean="0">
-                <a:latin typeface="Courier New" panose="02070309020205020404" pitchFamily="49" charset="0"/>
-                <a:cs typeface="Courier New" panose="02070309020205020404" pitchFamily="49" charset="0"/>
-              </a:rPr>
-              <a:t>.</a:t>
-            </a:r>
-            <a:r>
-              <a:rPr lang="nl-NL" sz="1400" i="1" kern="0" dirty="0" err="1" smtClean="0">
-                <a:latin typeface="Courier New" panose="02070309020205020404" pitchFamily="49" charset="0"/>
-                <a:cs typeface="Courier New" panose="02070309020205020404" pitchFamily="49" charset="0"/>
-              </a:rPr>
-              <a:t>reindex</a:t>
-            </a:r>
-            <a:r>
-              <a:rPr lang="nl-NL" sz="1400" i="1" kern="0" dirty="0" smtClean="0">
-                <a:latin typeface="Courier New" panose="02070309020205020404" pitchFamily="49" charset="0"/>
-                <a:cs typeface="Courier New" panose="02070309020205020404" pitchFamily="49" charset="0"/>
-              </a:rPr>
-              <a:t>(</a:t>
-            </a:r>
-            <a:r>
-              <a:rPr lang="nl-NL" sz="1400" i="1" kern="0" dirty="0" err="1" smtClean="0">
-                <a:latin typeface="Courier New" panose="02070309020205020404" pitchFamily="49" charset="0"/>
-                <a:cs typeface="Courier New" panose="02070309020205020404" pitchFamily="49" charset="0"/>
-              </a:rPr>
-              <a:t>ratings.count</a:t>
-            </a:r>
-            <a:r>
-              <a:rPr lang="nl-NL" sz="1400" i="1" kern="0" dirty="0">
-                <a:latin typeface="Courier New" panose="02070309020205020404" pitchFamily="49" charset="0"/>
-                <a:cs typeface="Courier New" panose="02070309020205020404" pitchFamily="49" charset="0"/>
-              </a:rPr>
-              <a:t>().</a:t>
-            </a:r>
-            <a:r>
-              <a:rPr lang="nl-NL" sz="1400" i="1" kern="0" dirty="0" err="1">
-                <a:latin typeface="Courier New" panose="02070309020205020404" pitchFamily="49" charset="0"/>
-                <a:cs typeface="Courier New" panose="02070309020205020404" pitchFamily="49" charset="0"/>
-              </a:rPr>
-              <a:t>sort_values</a:t>
-            </a:r>
-            <a:r>
-              <a:rPr lang="nl-NL" sz="1400" i="1" kern="0" dirty="0">
-                <a:latin typeface="Courier New" panose="02070309020205020404" pitchFamily="49" charset="0"/>
-                <a:cs typeface="Courier New" panose="02070309020205020404" pitchFamily="49" charset="0"/>
-              </a:rPr>
-              <a:t>(</a:t>
-            </a:r>
-            <a:r>
-              <a:rPr lang="nl-NL" sz="1400" i="1" kern="0" dirty="0" err="1">
-                <a:latin typeface="Courier New" panose="02070309020205020404" pitchFamily="49" charset="0"/>
-                <a:cs typeface="Courier New" panose="02070309020205020404" pitchFamily="49" charset="0"/>
-              </a:rPr>
-              <a:t>ascending</a:t>
-            </a:r>
-            <a:r>
-              <a:rPr lang="nl-NL" sz="1400" i="1" kern="0" dirty="0">
-                <a:latin typeface="Courier New" panose="02070309020205020404" pitchFamily="49" charset="0"/>
-                <a:cs typeface="Courier New" panose="02070309020205020404" pitchFamily="49" charset="0"/>
-              </a:rPr>
-              <a:t>=</a:t>
-            </a:r>
-            <a:r>
-              <a:rPr lang="nl-NL" sz="1400" i="1" kern="0" dirty="0" err="1">
-                <a:latin typeface="Courier New" panose="02070309020205020404" pitchFamily="49" charset="0"/>
-                <a:cs typeface="Courier New" panose="02070309020205020404" pitchFamily="49" charset="0"/>
-              </a:rPr>
-              <a:t>False</a:t>
-            </a:r>
-            <a:r>
-              <a:rPr lang="nl-NL" sz="1400" i="1" kern="0" dirty="0">
-                <a:latin typeface="Courier New" panose="02070309020205020404" pitchFamily="49" charset="0"/>
-                <a:cs typeface="Courier New" panose="02070309020205020404" pitchFamily="49" charset="0"/>
-              </a:rPr>
-              <a:t>).index, </a:t>
-            </a:r>
-            <a:r>
-              <a:rPr lang="nl-NL" sz="1400" i="1" kern="0" dirty="0" err="1">
-                <a:latin typeface="Courier New" panose="02070309020205020404" pitchFamily="49" charset="0"/>
-                <a:cs typeface="Courier New" panose="02070309020205020404" pitchFamily="49" charset="0"/>
-              </a:rPr>
-              <a:t>axis</a:t>
-            </a:r>
-            <a:r>
-              <a:rPr lang="nl-NL" sz="1400" i="1" kern="0" dirty="0">
-                <a:latin typeface="Courier New" panose="02070309020205020404" pitchFamily="49" charset="0"/>
-                <a:cs typeface="Courier New" panose="02070309020205020404" pitchFamily="49" charset="0"/>
-              </a:rPr>
-              <a:t>=1</a:t>
-            </a:r>
-            <a:r>
-              <a:rPr lang="nl-NL" sz="1400" i="1" kern="0" dirty="0" smtClean="0">
-                <a:latin typeface="Courier New" panose="02070309020205020404" pitchFamily="49" charset="0"/>
-                <a:cs typeface="Courier New" panose="02070309020205020404" pitchFamily="49" charset="0"/>
-              </a:rPr>
-              <a:t>)</a:t>
-            </a:r>
-          </a:p>
-          <a:p>
-            <a:pPr>
-              <a:buFont typeface="+mj-lt"/>
-              <a:buAutoNum type="arabicPeriod"/>
-            </a:pPr>
-            <a:endParaRPr lang="nl-NL" sz="1400" kern="0" dirty="0">
-              <a:latin typeface="Courier New" panose="02070309020205020404" pitchFamily="49" charset="0"/>
-              <a:cs typeface="Courier New" panose="02070309020205020404" pitchFamily="49" charset="0"/>
-            </a:endParaRPr>
-          </a:p>
-          <a:p>
-            <a:pPr>
-              <a:buFont typeface="+mj-lt"/>
-              <a:buAutoNum type="arabicPeriod"/>
-            </a:pPr>
-            <a:r>
-              <a:rPr lang="nl-NL" sz="1400" kern="0" dirty="0" err="1" smtClean="0">
-                <a:latin typeface="Courier New" panose="02070309020205020404" pitchFamily="49" charset="0"/>
-                <a:cs typeface="Courier New" panose="02070309020205020404" pitchFamily="49" charset="0"/>
-              </a:rPr>
-              <a:t>Examine</a:t>
-            </a:r>
-            <a:r>
-              <a:rPr lang="nl-NL" sz="1400" kern="0" dirty="0" smtClean="0">
-                <a:latin typeface="Courier New" panose="02070309020205020404" pitchFamily="49" charset="0"/>
-                <a:cs typeface="Courier New" panose="02070309020205020404" pitchFamily="49" charset="0"/>
-              </a:rPr>
-              <a:t> the mean ratings of the </a:t>
-            </a:r>
-            <a:r>
-              <a:rPr lang="nl-NL" sz="1400" kern="0" dirty="0" smtClean="0">
-                <a:latin typeface="Courier New" panose="02070309020205020404" pitchFamily="49" charset="0"/>
-                <a:cs typeface="Courier New" panose="02070309020205020404" pitchFamily="49" charset="0"/>
-              </a:rPr>
-              <a:t>top </a:t>
-            </a:r>
-            <a:r>
-              <a:rPr lang="nl-NL" sz="1400" kern="0" dirty="0" err="1" smtClean="0">
-                <a:latin typeface="Courier New" panose="02070309020205020404" pitchFamily="49" charset="0"/>
-                <a:cs typeface="Courier New" panose="02070309020205020404" pitchFamily="49" charset="0"/>
-              </a:rPr>
-              <a:t>rated</a:t>
-            </a:r>
-            <a:r>
-              <a:rPr lang="nl-NL" sz="1400" kern="0" dirty="0" smtClean="0">
-                <a:latin typeface="Courier New" panose="02070309020205020404" pitchFamily="49" charset="0"/>
-                <a:cs typeface="Courier New" panose="02070309020205020404" pitchFamily="49" charset="0"/>
-              </a:rPr>
-              <a:t> </a:t>
-            </a:r>
-            <a:r>
-              <a:rPr lang="nl-NL" sz="1400" kern="0" dirty="0" err="1" smtClean="0">
-                <a:latin typeface="Courier New" panose="02070309020205020404" pitchFamily="49" charset="0"/>
-                <a:cs typeface="Courier New" panose="02070309020205020404" pitchFamily="49" charset="0"/>
-              </a:rPr>
-              <a:t>movies</a:t>
-            </a:r>
-            <a:r>
-              <a:rPr lang="nl-NL" sz="1400" kern="0" dirty="0" smtClean="0">
-                <a:latin typeface="Courier New" panose="02070309020205020404" pitchFamily="49" charset="0"/>
-                <a:cs typeface="Courier New" panose="02070309020205020404" pitchFamily="49" charset="0"/>
-              </a:rPr>
-              <a:t> </a:t>
-            </a:r>
-            <a:r>
-              <a:rPr lang="nl-NL" sz="1400" kern="0" dirty="0" err="1" smtClean="0">
-                <a:latin typeface="Courier New" panose="02070309020205020404" pitchFamily="49" charset="0"/>
-                <a:cs typeface="Courier New" panose="02070309020205020404" pitchFamily="49" charset="0"/>
-              </a:rPr>
-              <a:t>by</a:t>
-            </a:r>
-            <a:r>
-              <a:rPr lang="nl-NL" sz="1400" kern="0" dirty="0" smtClean="0">
-                <a:latin typeface="Courier New" panose="02070309020205020404" pitchFamily="49" charset="0"/>
-                <a:cs typeface="Courier New" panose="02070309020205020404" pitchFamily="49" charset="0"/>
-              </a:rPr>
-              <a:t> user cluster. </a:t>
-            </a:r>
-            <a:r>
-              <a:rPr lang="nl-NL" sz="1400" kern="0" dirty="0" err="1" smtClean="0">
-                <a:latin typeface="Courier New" panose="02070309020205020404" pitchFamily="49" charset="0"/>
-                <a:cs typeface="Courier New" panose="02070309020205020404" pitchFamily="49" charset="0"/>
-              </a:rPr>
-              <a:t>Can</a:t>
-            </a:r>
-            <a:r>
-              <a:rPr lang="nl-NL" sz="1400" kern="0" dirty="0" smtClean="0">
-                <a:latin typeface="Courier New" panose="02070309020205020404" pitchFamily="49" charset="0"/>
-                <a:cs typeface="Courier New" panose="02070309020205020404" pitchFamily="49" charset="0"/>
-              </a:rPr>
-              <a:t> </a:t>
-            </a:r>
-            <a:r>
-              <a:rPr lang="nl-NL" sz="1400" kern="0" dirty="0" err="1" smtClean="0">
-                <a:latin typeface="Courier New" panose="02070309020205020404" pitchFamily="49" charset="0"/>
-                <a:cs typeface="Courier New" panose="02070309020205020404" pitchFamily="49" charset="0"/>
-              </a:rPr>
-              <a:t>you</a:t>
-            </a:r>
-            <a:r>
-              <a:rPr lang="nl-NL" sz="1400" kern="0" dirty="0" smtClean="0">
-                <a:latin typeface="Courier New" panose="02070309020205020404" pitchFamily="49" charset="0"/>
-                <a:cs typeface="Courier New" panose="02070309020205020404" pitchFamily="49" charset="0"/>
-              </a:rPr>
-              <a:t> </a:t>
-            </a:r>
-            <a:r>
-              <a:rPr lang="nl-NL" sz="1400" kern="0" dirty="0" err="1" smtClean="0">
-                <a:latin typeface="Courier New" panose="02070309020205020404" pitchFamily="49" charset="0"/>
-                <a:cs typeface="Courier New" panose="02070309020205020404" pitchFamily="49" charset="0"/>
-              </a:rPr>
-              <a:t>describe</a:t>
-            </a:r>
-            <a:r>
-              <a:rPr lang="nl-NL" sz="1400" kern="0" dirty="0" smtClean="0">
-                <a:latin typeface="Courier New" panose="02070309020205020404" pitchFamily="49" charset="0"/>
-                <a:cs typeface="Courier New" panose="02070309020205020404" pitchFamily="49" charset="0"/>
-              </a:rPr>
-              <a:t> the user clusters in</a:t>
-            </a:r>
-            <a:r>
-              <a:rPr lang="nl-NL" sz="1400" kern="0" dirty="0" smtClean="0">
-                <a:latin typeface="Courier New" panose="02070309020205020404" pitchFamily="49" charset="0"/>
-                <a:cs typeface="Courier New" panose="02070309020205020404" pitchFamily="49" charset="0"/>
-              </a:rPr>
-              <a:t> </a:t>
-            </a:r>
-            <a:r>
-              <a:rPr lang="nl-NL" sz="1400" kern="0" dirty="0" err="1" smtClean="0">
-                <a:latin typeface="Courier New" panose="02070309020205020404" pitchFamily="49" charset="0"/>
-                <a:cs typeface="Courier New" panose="02070309020205020404" pitchFamily="49" charset="0"/>
-              </a:rPr>
-              <a:t>plain</a:t>
-            </a:r>
-            <a:r>
-              <a:rPr lang="nl-NL" sz="1400" kern="0" dirty="0" smtClean="0">
-                <a:latin typeface="Courier New" panose="02070309020205020404" pitchFamily="49" charset="0"/>
-                <a:cs typeface="Courier New" panose="02070309020205020404" pitchFamily="49" charset="0"/>
-              </a:rPr>
-              <a:t> </a:t>
-            </a:r>
-            <a:r>
-              <a:rPr lang="nl-NL" sz="1400" kern="0" dirty="0" err="1" smtClean="0">
-                <a:latin typeface="Courier New" panose="02070309020205020404" pitchFamily="49" charset="0"/>
-                <a:cs typeface="Courier New" panose="02070309020205020404" pitchFamily="49" charset="0"/>
-              </a:rPr>
-              <a:t>language</a:t>
-            </a:r>
-            <a:r>
-              <a:rPr lang="nl-NL" sz="1400" kern="0" dirty="0" smtClean="0">
-                <a:latin typeface="Courier New" panose="02070309020205020404" pitchFamily="49" charset="0"/>
-                <a:cs typeface="Courier New" panose="02070309020205020404" pitchFamily="49" charset="0"/>
-              </a:rPr>
-              <a:t> (e.g., ‘</a:t>
-            </a:r>
-            <a:r>
-              <a:rPr lang="nl-NL" sz="1400" kern="0" dirty="0" err="1" smtClean="0">
-                <a:latin typeface="Courier New" panose="02070309020205020404" pitchFamily="49" charset="0"/>
-                <a:cs typeface="Courier New" panose="02070309020205020404" pitchFamily="49" charset="0"/>
-              </a:rPr>
-              <a:t>simple-minded</a:t>
-            </a:r>
-            <a:r>
-              <a:rPr lang="nl-NL" sz="1400" kern="0" dirty="0" smtClean="0">
-                <a:latin typeface="Courier New" panose="02070309020205020404" pitchFamily="49" charset="0"/>
-                <a:cs typeface="Courier New" panose="02070309020205020404" pitchFamily="49" charset="0"/>
-              </a:rPr>
-              <a:t> action movie lover’)? This </a:t>
-            </a:r>
-            <a:r>
-              <a:rPr lang="nl-NL" sz="1400" kern="0" dirty="0" err="1" smtClean="0">
-                <a:latin typeface="Courier New" panose="02070309020205020404" pitchFamily="49" charset="0"/>
-                <a:cs typeface="Courier New" panose="02070309020205020404" pitchFamily="49" charset="0"/>
-              </a:rPr>
-              <a:t>may</a:t>
-            </a:r>
-            <a:r>
-              <a:rPr lang="nl-NL" sz="1400" kern="0" dirty="0" smtClean="0">
-                <a:latin typeface="Courier New" panose="02070309020205020404" pitchFamily="49" charset="0"/>
-                <a:cs typeface="Courier New" panose="02070309020205020404" pitchFamily="49" charset="0"/>
-              </a:rPr>
-              <a:t> </a:t>
-            </a:r>
-            <a:r>
-              <a:rPr lang="nl-NL" sz="1400" kern="0" dirty="0" err="1" smtClean="0">
-                <a:latin typeface="Courier New" panose="02070309020205020404" pitchFamily="49" charset="0"/>
-                <a:cs typeface="Courier New" panose="02070309020205020404" pitchFamily="49" charset="0"/>
-              </a:rPr>
-              <a:t>be</a:t>
-            </a:r>
-            <a:r>
-              <a:rPr lang="nl-NL" sz="1400" kern="0" dirty="0">
-                <a:latin typeface="Courier New" panose="02070309020205020404" pitchFamily="49" charset="0"/>
-                <a:cs typeface="Courier New" panose="02070309020205020404" pitchFamily="49" charset="0"/>
-              </a:rPr>
-              <a:t> </a:t>
-            </a:r>
-            <a:r>
-              <a:rPr lang="nl-NL" sz="1400" kern="0" dirty="0" smtClean="0">
-                <a:latin typeface="Courier New" panose="02070309020205020404" pitchFamily="49" charset="0"/>
-                <a:cs typeface="Courier New" panose="02070309020205020404" pitchFamily="49" charset="0"/>
-              </a:rPr>
-              <a:t>hard…</a:t>
-            </a:r>
-            <a:endParaRPr lang="nl-NL" sz="1400" kern="0" dirty="0" smtClean="0">
-              <a:latin typeface="Courier New" panose="02070309020205020404" pitchFamily="49" charset="0"/>
-              <a:cs typeface="Courier New" panose="02070309020205020404" pitchFamily="49" charset="0"/>
-            </a:endParaRPr>
-          </a:p>
-          <a:p>
-            <a:endParaRPr lang="nl-NL" sz="1100" kern="0" dirty="0" smtClean="0">
-              <a:latin typeface="Courier New" panose="02070309020205020404" pitchFamily="49" charset="0"/>
-              <a:cs typeface="Courier New" panose="02070309020205020404" pitchFamily="49" charset="0"/>
-            </a:endParaRPr>
-          </a:p>
-          <a:p>
-            <a:pPr marL="0" indent="0">
-              <a:buFont typeface="Zapf Dingbats" charset="2"/>
-              <a:buNone/>
-            </a:pPr>
-            <a:endParaRPr lang="nl-NL" sz="1200" kern="0" dirty="0">
-              <a:latin typeface="Courier New" panose="02070309020205020404" pitchFamily="49" charset="0"/>
-              <a:cs typeface="Courier New" panose="02070309020205020404" pitchFamily="49" charset="0"/>
-            </a:endParaRPr>
-          </a:p>
-          <a:p>
-            <a:pPr marL="0" indent="0">
-              <a:buFont typeface="Zapf Dingbats" charset="2"/>
-              <a:buNone/>
-            </a:pPr>
-            <a:endParaRPr lang="nl-NL" sz="1200" kern="0" dirty="0" smtClean="0">
-              <a:latin typeface="Courier New" panose="02070309020205020404" pitchFamily="49" charset="0"/>
-              <a:cs typeface="Courier New" panose="02070309020205020404" pitchFamily="49" charset="0"/>
-            </a:endParaRPr>
-          </a:p>
-        </p:txBody>
-      </p:sp>
-    </p:spTree>
-    <p:extLst>
-      <p:ext uri="{BB962C8B-B14F-4D97-AF65-F5344CB8AC3E}">
-        <p14:creationId xmlns:p14="http://schemas.microsoft.com/office/powerpoint/2010/main" val="982445215"/>
+        <p14:creationId xmlns:p14="http://schemas.microsoft.com/office/powerpoint/2010/main" val="2415202962"/>
       </p:ext>
     </p:extLst>
   </p:cSld>

--- a/slides/ddl-w7l2.pptx
+++ b/slides/ddl-w7l2.pptx
@@ -321,12 +321,13 @@
           <c:dLbls>
             <c:dLbl>
               <c:idx val="0"/>
+              <c:layout/>
               <c:tx>
                 <c:rich>
                   <a:bodyPr/>
                   <a:lstStyle/>
                   <a:p>
-                    <a:fld id="{84CCFFC8-411A-4009-AA21-FE1C0CD38BE2}" type="CELLRANGE">
+                    <a:fld id="{0EA6FA4D-C765-4A28-BCA4-4C25C60A361A}" type="CELLRANGE">
                       <a:rPr lang="en-US"/>
                       <a:pPr/>
                       <a:t>[CELLRANGE]</a:t>
@@ -344,6 +345,7 @@
               <c:showBubbleSize val="0"/>
               <c:extLst>
                 <c:ext xmlns:c15="http://schemas.microsoft.com/office/drawing/2012/chart" uri="{CE6537A1-D6FC-4f65-9D91-7224C49458BB}">
+                  <c15:layout/>
                   <c15:dlblFieldTable/>
                   <c15:showDataLabelsRange val="1"/>
                 </c:ext>
@@ -354,12 +356,13 @@
             </c:dLbl>
             <c:dLbl>
               <c:idx val="1"/>
+              <c:layout/>
               <c:tx>
                 <c:rich>
                   <a:bodyPr/>
                   <a:lstStyle/>
                   <a:p>
-                    <a:fld id="{2945B06B-E98F-4835-AA76-B96768C9C8B3}" type="CELLRANGE">
+                    <a:fld id="{B7B828A3-3F7C-470A-B337-7E63C9AD3A92}" type="CELLRANGE">
                       <a:rPr lang="nl-NL"/>
                       <a:pPr/>
                       <a:t>[CELLRANGE]</a:t>
@@ -377,6 +380,7 @@
               <c:showBubbleSize val="0"/>
               <c:extLst>
                 <c:ext xmlns:c15="http://schemas.microsoft.com/office/drawing/2012/chart" uri="{CE6537A1-D6FC-4f65-9D91-7224C49458BB}">
+                  <c15:layout/>
                   <c15:dlblFieldTable/>
                   <c15:xForSave val="1"/>
                   <c15:showDataLabelsRange val="1"/>
@@ -399,7 +403,7 @@
                   <a:bodyPr/>
                   <a:lstStyle/>
                   <a:p>
-                    <a:fld id="{DADF5840-93DB-4AC9-BF92-2AEDB01B0671}" type="CELLRANGE">
+                    <a:fld id="{3522B19C-3B02-4C64-8236-D0C3009ECC32}" type="CELLRANGE">
                       <a:rPr lang="en-US"/>
                       <a:pPr/>
                       <a:t>[CELLRANGE]</a:t>
@@ -417,6 +421,7 @@
               <c:showBubbleSize val="0"/>
               <c:extLst>
                 <c:ext xmlns:c15="http://schemas.microsoft.com/office/drawing/2012/chart" uri="{CE6537A1-D6FC-4f65-9D91-7224C49458BB}">
+                  <c15:layout/>
                   <c15:dlblFieldTable/>
                   <c15:showDataLabelsRange val="1"/>
                 </c:ext>
@@ -464,6 +469,7 @@
             <c:showLeaderLines val="0"/>
             <c:extLst>
               <c:ext xmlns:c15="http://schemas.microsoft.com/office/drawing/2012/chart" uri="{CE6537A1-D6FC-4f65-9D91-7224C49458BB}">
+                <c15:layout/>
                 <c15:showDataLabelsRange val="1"/>
                 <c15:showLeaderLines val="1"/>
                 <c15:leaderLines>
@@ -602,6 +608,7 @@
               </a:p>
             </c:rich>
           </c:tx>
+          <c:layout/>
           <c:overlay val="0"/>
           <c:spPr>
             <a:noFill/>
@@ -721,6 +728,7 @@
               </a:p>
             </c:rich>
           </c:tx>
+          <c:layout/>
           <c:overlay val="0"/>
           <c:spPr>
             <a:noFill/>
@@ -1540,7 +1548,7 @@
             <a:fld id="{373F1B60-BDF4-4D63-AD79-99D5A5B1DF99}" type="datetime1">
               <a:rPr lang="en-US"/>
               <a:pPr/>
-              <a:t>1/8/2019</a:t>
+              <a:t>1/9/2019</a:t>
             </a:fld>
             <a:endParaRPr lang="en-US"/>
           </a:p>
@@ -1759,7 +1767,7 @@
             <a:fld id="{4387A7AA-DFE9-4771-BEDE-3294FCEBFB02}" type="datetime1">
               <a:rPr lang="en-US"/>
               <a:pPr/>
-              <a:t>1/8/2019</a:t>
+              <a:t>1/9/2019</a:t>
             </a:fld>
             <a:endParaRPr lang="en-US"/>
           </a:p>
@@ -2150,7 +2158,7 @@
             <a:fld id="{8541E2CD-DBF4-40F9-B6F8-EEFD0DF8A138}" type="datetime1">
               <a:rPr lang="en-US"/>
               <a:pPr/>
-              <a:t>1/8/2019</a:t>
+              <a:t>1/9/2019</a:t>
             </a:fld>
             <a:endParaRPr lang="en-US"/>
           </a:p>
@@ -2370,7 +2378,7 @@
             <a:fld id="{93F21019-3A00-48AC-9663-40DF67A83229}" type="datetime1">
               <a:rPr lang="en-US"/>
               <a:pPr/>
-              <a:t>1/8/2019</a:t>
+              <a:t>1/9/2019</a:t>
             </a:fld>
             <a:endParaRPr lang="en-US">
               <a:solidFill>
@@ -2556,7 +2564,7 @@
             <a:fld id="{8B2EF9C8-0AC3-4A53-9A61-1834A571F420}" type="datetime1">
               <a:rPr lang="en-US"/>
               <a:pPr/>
-              <a:t>1/8/2019</a:t>
+              <a:t>1/9/2019</a:t>
             </a:fld>
             <a:endParaRPr lang="en-US" sz="1400">
               <a:solidFill>
@@ -2753,7 +2761,7 @@
             <a:fld id="{F02960F3-A385-4905-A491-FDC17E063DD1}" type="datetime1">
               <a:rPr lang="en-US"/>
               <a:pPr/>
-              <a:t>1/8/2019</a:t>
+              <a:t>1/9/2019</a:t>
             </a:fld>
             <a:endParaRPr lang="en-US" sz="1400">
               <a:solidFill>
@@ -3012,7 +3020,7 @@
             <a:fld id="{CD3AD70A-8E2A-47B5-AC18-ABBB5A8E737D}" type="datetime1">
               <a:rPr lang="en-US"/>
               <a:pPr/>
-              <a:t>1/8/2019</a:t>
+              <a:t>1/9/2019</a:t>
             </a:fld>
             <a:endParaRPr lang="en-US" sz="1400">
               <a:solidFill>
@@ -3248,7 +3256,7 @@
             <a:fld id="{07008C2E-9BD6-496B-BFC3-B4A975EBC85E}" type="datetime1">
               <a:rPr lang="en-US"/>
               <a:pPr/>
-              <a:t>1/8/2019</a:t>
+              <a:t>1/9/2019</a:t>
             </a:fld>
             <a:endParaRPr lang="en-US" sz="1400">
               <a:solidFill>
@@ -3427,7 +3435,7 @@
             <a:fld id="{1AA2C3CF-866C-4FDE-B76D-4E9536901630}" type="datetime1">
               <a:rPr lang="en-US"/>
               <a:pPr/>
-              <a:t>1/8/2019</a:t>
+              <a:t>1/9/2019</a:t>
             </a:fld>
             <a:endParaRPr lang="en-US" sz="1400">
               <a:solidFill>
@@ -3606,7 +3614,7 @@
             <a:fld id="{555EE259-FE08-4558-B721-B189FFE77284}" type="datetime1">
               <a:rPr lang="en-US"/>
               <a:pPr/>
-              <a:t>1/8/2019</a:t>
+              <a:t>1/9/2019</a:t>
             </a:fld>
             <a:endParaRPr lang="en-US" sz="1400">
               <a:solidFill>
@@ -3875,7 +3883,7 @@
             <a:fld id="{0AF4064E-5624-49AB-B7C6-E301A8F6B1FF}" type="datetime1">
               <a:rPr lang="en-US"/>
               <a:pPr/>
-              <a:t>1/8/2019</a:t>
+              <a:t>1/9/2019</a:t>
             </a:fld>
             <a:endParaRPr lang="en-US" sz="1400">
               <a:solidFill>
@@ -4072,7 +4080,7 @@
             <a:fld id="{CBC97FCD-6C54-4833-B032-BFBCDFA8379D}" type="datetime1">
               <a:rPr lang="en-US"/>
               <a:pPr/>
-              <a:t>1/8/2019</a:t>
+              <a:t>1/9/2019</a:t>
             </a:fld>
             <a:endParaRPr lang="en-US" sz="1400">
               <a:solidFill>
@@ -4281,7 +4289,7 @@
             <a:fld id="{F04AA577-515A-431F-98B6-3B03494ABB11}" type="datetime1">
               <a:rPr lang="en-US"/>
               <a:pPr/>
-              <a:t>1/8/2019</a:t>
+              <a:t>1/9/2019</a:t>
             </a:fld>
             <a:endParaRPr lang="en-US" sz="1400">
               <a:solidFill>
@@ -4586,7 +4594,7 @@
             <a:fld id="{6475F1A4-C474-4345-A800-2F40B0E4E70C}" type="datetime1">
               <a:rPr lang="en-US"/>
               <a:pPr/>
-              <a:t>1/8/2019</a:t>
+              <a:t>1/9/2019</a:t>
             </a:fld>
             <a:endParaRPr lang="en-US" sz="1400">
               <a:solidFill>
@@ -5030,7 +5038,7 @@
             <a:fld id="{7BA535AB-820E-4207-9DA8-5F37106C7AF4}" type="datetime1">
               <a:rPr lang="en-US"/>
               <a:pPr/>
-              <a:t>1/8/2019</a:t>
+              <a:t>1/9/2019</a:t>
             </a:fld>
             <a:endParaRPr lang="en-US" sz="1400">
               <a:solidFill>
@@ -5165,7 +5173,7 @@
             <a:fld id="{0A7E69FA-D7EE-42C0-9117-1971B541885F}" type="datetime1">
               <a:rPr lang="en-US"/>
               <a:pPr/>
-              <a:t>1/8/2019</a:t>
+              <a:t>1/9/2019</a:t>
             </a:fld>
             <a:endParaRPr lang="en-US" sz="1400">
               <a:solidFill>
@@ -5277,7 +5285,7 @@
             <a:fld id="{10D7644E-1B5D-4325-BA79-338DF2B89B56}" type="datetime1">
               <a:rPr lang="en-US"/>
               <a:pPr/>
-              <a:t>1/8/2019</a:t>
+              <a:t>1/9/2019</a:t>
             </a:fld>
             <a:endParaRPr lang="en-US" sz="1400">
               <a:solidFill>
@@ -5571,7 +5579,7 @@
             <a:fld id="{B790C882-0B74-4932-8998-E9ABB8AF1740}" type="datetime1">
               <a:rPr lang="en-US"/>
               <a:pPr/>
-              <a:t>1/8/2019</a:t>
+              <a:t>1/9/2019</a:t>
             </a:fld>
             <a:endParaRPr lang="en-US" sz="1400">
               <a:solidFill>
@@ -5841,7 +5849,7 @@
             <a:fld id="{9DC585DC-AE7D-44C1-90AB-C3A391DEA065}" type="datetime1">
               <a:rPr lang="en-US"/>
               <a:pPr/>
-              <a:t>1/8/2019</a:t>
+              <a:t>1/9/2019</a:t>
             </a:fld>
             <a:endParaRPr lang="en-US" sz="1400">
               <a:solidFill>
@@ -6105,7 +6113,7 @@
             <a:fld id="{256CE565-1940-4E5F-9190-C0815CEAAA9D}" type="datetime1">
               <a:rPr lang="en-US"/>
               <a:pPr/>
-              <a:t>1/8/2019</a:t>
+              <a:t>1/9/2019</a:t>
             </a:fld>
             <a:endParaRPr lang="en-US"/>
           </a:p>
@@ -7018,6 +7026,13 @@
   <p:clrMapOvr>
     <a:masterClrMapping/>
   </p:clrMapOvr>
+  <p:timing>
+    <p:tnLst>
+      <p:par>
+        <p:cTn id="1" dur="indefinite" restart="never" nodeType="tmRoot"/>
+      </p:par>
+    </p:tnLst>
+  </p:timing>
 </p:sld>
 </file>
 
@@ -7089,7 +7104,7 @@
         <p:spPr bwMode="auto">
           <a:xfrm>
             <a:off x="838200" y="1772816"/>
-            <a:ext cx="7881938" cy="5456878"/>
+            <a:ext cx="7881938" cy="5687711"/>
           </a:xfrm>
           <a:prstGeom prst="rect">
             <a:avLst/>
@@ -7670,7 +7685,49 @@
                 <a:latin typeface="Courier New" panose="02070309020205020404" pitchFamily="49" charset="0"/>
                 <a:cs typeface="Courier New" panose="02070309020205020404" pitchFamily="49" charset="0"/>
               </a:rPr>
-              <a:t> look at the top 10. Tip: </a:t>
+              <a:t> look at the top </a:t>
+            </a:r>
+            <a:r>
+              <a:rPr lang="nl-NL" sz="1500" kern="0" dirty="0" smtClean="0">
+                <a:latin typeface="Courier New" panose="02070309020205020404" pitchFamily="49" charset="0"/>
+                <a:cs typeface="Courier New" panose="02070309020205020404" pitchFamily="49" charset="0"/>
+              </a:rPr>
+              <a:t>10 </a:t>
+            </a:r>
+            <a:r>
+              <a:rPr lang="nl-NL" sz="1500" kern="0" dirty="0" err="1" smtClean="0">
+                <a:latin typeface="Courier New" panose="02070309020205020404" pitchFamily="49" charset="0"/>
+                <a:cs typeface="Courier New" panose="02070309020205020404" pitchFamily="49" charset="0"/>
+              </a:rPr>
+              <a:t>highest</a:t>
+            </a:r>
+            <a:r>
+              <a:rPr lang="nl-NL" sz="1500" kern="0" dirty="0" smtClean="0">
+                <a:latin typeface="Courier New" panose="02070309020205020404" pitchFamily="49" charset="0"/>
+                <a:cs typeface="Courier New" panose="02070309020205020404" pitchFamily="49" charset="0"/>
+              </a:rPr>
+              <a:t> </a:t>
+            </a:r>
+            <a:r>
+              <a:rPr lang="nl-NL" sz="1500" kern="0" dirty="0" err="1" smtClean="0">
+                <a:latin typeface="Courier New" panose="02070309020205020404" pitchFamily="49" charset="0"/>
+                <a:cs typeface="Courier New" panose="02070309020205020404" pitchFamily="49" charset="0"/>
+              </a:rPr>
+              <a:t>correlations</a:t>
+            </a:r>
+            <a:r>
+              <a:rPr lang="nl-NL" sz="1500" kern="0" dirty="0" smtClean="0">
+                <a:latin typeface="Courier New" panose="02070309020205020404" pitchFamily="49" charset="0"/>
+                <a:cs typeface="Courier New" panose="02070309020205020404" pitchFamily="49" charset="0"/>
+              </a:rPr>
+              <a:t>. </a:t>
+            </a:r>
+            <a:r>
+              <a:rPr lang="nl-NL" sz="1500" kern="0" dirty="0" smtClean="0">
+                <a:latin typeface="Courier New" panose="02070309020205020404" pitchFamily="49" charset="0"/>
+                <a:cs typeface="Courier New" panose="02070309020205020404" pitchFamily="49" charset="0"/>
+              </a:rPr>
+              <a:t>Tip: </a:t>
             </a:r>
             <a:r>
               <a:rPr lang="nl-NL" sz="1500" kern="0" dirty="0" err="1" smtClean="0">
@@ -7733,7 +7790,7 @@
                 <a:latin typeface="Courier New" panose="02070309020205020404" pitchFamily="49" charset="0"/>
                 <a:cs typeface="Courier New" panose="02070309020205020404" pitchFamily="49" charset="0"/>
               </a:rPr>
-              <a:t>corr_with</a:t>
+              <a:t>corrwith</a:t>
             </a:r>
             <a:r>
               <a:rPr lang="nl-NL" sz="1500" i="1" kern="0" dirty="0" smtClean="0">
@@ -8409,6 +8466,13 @@
   <p:clrMapOvr>
     <a:masterClrMapping/>
   </p:clrMapOvr>
+  <p:timing>
+    <p:tnLst>
+      <p:par>
+        <p:cTn id="1" dur="indefinite" restart="never" nodeType="tmRoot"/>
+      </p:par>
+    </p:tnLst>
+  </p:timing>
 </p:sld>
 </file>
 
@@ -8505,6 +8569,13 @@
   <p:clrMapOvr>
     <a:masterClrMapping/>
   </p:clrMapOvr>
+  <p:timing>
+    <p:tnLst>
+      <p:par>
+        <p:cTn id="1" dur="indefinite" restart="never" nodeType="tmRoot"/>
+      </p:par>
+    </p:tnLst>
+  </p:timing>
 </p:sld>
 </file>
 
@@ -8608,6 +8679,13 @@
   <p:clrMapOvr>
     <a:masterClrMapping/>
   </p:clrMapOvr>
+  <p:timing>
+    <p:tnLst>
+      <p:par>
+        <p:cTn id="1" dur="indefinite" restart="never" nodeType="tmRoot"/>
+      </p:par>
+    </p:tnLst>
+  </p:timing>
 </p:sld>
 </file>
 
@@ -8938,6 +9016,13 @@
   <p:clrMapOvr>
     <a:masterClrMapping/>
   </p:clrMapOvr>
+  <p:timing>
+    <p:tnLst>
+      <p:par>
+        <p:cTn id="1" dur="indefinite" restart="never" nodeType="tmRoot"/>
+      </p:par>
+    </p:tnLst>
+  </p:timing>
 </p:sld>
 </file>
 
@@ -9050,6 +9135,13 @@
   <p:clrMapOvr>
     <a:masterClrMapping/>
   </p:clrMapOvr>
+  <p:timing>
+    <p:tnLst>
+      <p:par>
+        <p:cTn id="1" dur="indefinite" restart="never" nodeType="tmRoot"/>
+      </p:par>
+    </p:tnLst>
+  </p:timing>
 </p:sld>
 </file>
 
@@ -9283,6 +9375,13 @@
   <p:clrMapOvr>
     <a:masterClrMapping/>
   </p:clrMapOvr>
+  <p:timing>
+    <p:tnLst>
+      <p:par>
+        <p:cTn id="1" dur="indefinite" restart="never" nodeType="tmRoot"/>
+      </p:par>
+    </p:tnLst>
+  </p:timing>
 </p:sld>
 </file>
 
@@ -9900,6 +9999,13 @@
   <p:clrMapOvr>
     <a:masterClrMapping/>
   </p:clrMapOvr>
+  <p:timing>
+    <p:tnLst>
+      <p:par>
+        <p:cTn id="1" dur="indefinite" restart="never" nodeType="tmRoot"/>
+      </p:par>
+    </p:tnLst>
+  </p:timing>
 </p:sld>
 </file>
 
